--- a/examples/atwar/presentation/Kubernetes at war on Azure.pptx
+++ b/examples/atwar/presentation/Kubernetes at war on Azure.pptx
@@ -24,8 +24,8 @@
     <p:sldId id="273" r:id="rId18"/>
     <p:sldId id="272" r:id="rId19"/>
     <p:sldId id="274" r:id="rId20"/>
-    <p:sldId id="264" r:id="rId21"/>
-    <p:sldId id="268" r:id="rId22"/>
+    <p:sldId id="268" r:id="rId21"/>
+    <p:sldId id="264" r:id="rId22"/>
   </p:sldIdLst>
   <p:sldSz cx="9144000" cy="6858000" type="screen4x3"/>
   <p:notesSz cx="6858000" cy="9144000"/>
@@ -433,7 +433,7 @@
           <a:p>
             <a:fld id="{2985609B-2F98-4665-80AE-902D6BB7ECF4}" type="datetimeFigureOut">
               <a:rPr lang="pl-PL" smtClean="0"/>
-              <a:t>2019-10-11</a:t>
+              <a:t>2019-10-13</a:t>
             </a:fld>
             <a:endParaRPr lang="pl-PL"/>
           </a:p>
@@ -618,7 +618,7 @@
           <a:p>
             <a:fld id="{2985609B-2F98-4665-80AE-902D6BB7ECF4}" type="datetimeFigureOut">
               <a:rPr lang="pl-PL" smtClean="0"/>
-              <a:t>2019-10-11</a:t>
+              <a:t>2019-10-13</a:t>
             </a:fld>
             <a:endParaRPr lang="pl-PL"/>
           </a:p>
@@ -803,7 +803,7 @@
           <a:p>
             <a:fld id="{2985609B-2F98-4665-80AE-902D6BB7ECF4}" type="datetimeFigureOut">
               <a:rPr lang="pl-PL" smtClean="0"/>
-              <a:t>2019-10-11</a:t>
+              <a:t>2019-10-13</a:t>
             </a:fld>
             <a:endParaRPr lang="pl-PL"/>
           </a:p>
@@ -988,7 +988,7 @@
           <a:p>
             <a:fld id="{2985609B-2F98-4665-80AE-902D6BB7ECF4}" type="datetimeFigureOut">
               <a:rPr lang="pl-PL" smtClean="0"/>
-              <a:t>2019-10-11</a:t>
+              <a:t>2019-10-13</a:t>
             </a:fld>
             <a:endParaRPr lang="pl-PL"/>
           </a:p>
@@ -1369,7 +1369,7 @@
           <a:p>
             <a:fld id="{2985609B-2F98-4665-80AE-902D6BB7ECF4}" type="datetimeFigureOut">
               <a:rPr lang="pl-PL" smtClean="0"/>
-              <a:t>2019-10-11</a:t>
+              <a:t>2019-10-13</a:t>
             </a:fld>
             <a:endParaRPr lang="pl-PL"/>
           </a:p>
@@ -1638,7 +1638,7 @@
           <a:p>
             <a:fld id="{2985609B-2F98-4665-80AE-902D6BB7ECF4}" type="datetimeFigureOut">
               <a:rPr lang="pl-PL" smtClean="0"/>
-              <a:t>2019-10-11</a:t>
+              <a:t>2019-10-13</a:t>
             </a:fld>
             <a:endParaRPr lang="pl-PL"/>
           </a:p>
@@ -2023,7 +2023,7 @@
           <a:p>
             <a:fld id="{2985609B-2F98-4665-80AE-902D6BB7ECF4}" type="datetimeFigureOut">
               <a:rPr lang="pl-PL" smtClean="0"/>
-              <a:t>2019-10-11</a:t>
+              <a:t>2019-10-13</a:t>
             </a:fld>
             <a:endParaRPr lang="pl-PL"/>
           </a:p>
@@ -2144,7 +2144,7 @@
           <a:p>
             <a:fld id="{2985609B-2F98-4665-80AE-902D6BB7ECF4}" type="datetimeFigureOut">
               <a:rPr lang="pl-PL" smtClean="0"/>
-              <a:t>2019-10-11</a:t>
+              <a:t>2019-10-13</a:t>
             </a:fld>
             <a:endParaRPr lang="pl-PL"/>
           </a:p>
@@ -2324,7 +2324,7 @@
           <a:p>
             <a:fld id="{2985609B-2F98-4665-80AE-902D6BB7ECF4}" type="datetimeFigureOut">
               <a:rPr lang="pl-PL" smtClean="0"/>
-              <a:t>2019-10-11</a:t>
+              <a:t>2019-10-13</a:t>
             </a:fld>
             <a:endParaRPr lang="pl-PL"/>
           </a:p>
@@ -2658,7 +2658,7 @@
           <a:p>
             <a:fld id="{2985609B-2F98-4665-80AE-902D6BB7ECF4}" type="datetimeFigureOut">
               <a:rPr lang="pl-PL" smtClean="0"/>
-              <a:t>2019-10-11</a:t>
+              <a:t>2019-10-13</a:t>
             </a:fld>
             <a:endParaRPr lang="pl-PL"/>
           </a:p>
@@ -3027,7 +3027,7 @@
           <a:p>
             <a:fld id="{2985609B-2F98-4665-80AE-902D6BB7ECF4}" type="datetimeFigureOut">
               <a:rPr lang="pl-PL" smtClean="0"/>
-              <a:t>2019-10-11</a:t>
+              <a:t>2019-10-13</a:t>
             </a:fld>
             <a:endParaRPr lang="pl-PL"/>
           </a:p>
@@ -3445,7 +3445,7 @@
           <a:p>
             <a:fld id="{2985609B-2F98-4665-80AE-902D6BB7ECF4}" type="datetimeFigureOut">
               <a:rPr lang="pl-PL" smtClean="0"/>
-              <a:t>2019-10-11</a:t>
+              <a:t>2019-10-13</a:t>
             </a:fld>
             <a:endParaRPr lang="pl-PL"/>
           </a:p>
@@ -4454,13 +4454,33 @@
             </a:r>
             <a:r>
               <a:rPr lang="en-US" dirty="0"/>
-              <a:t>) to petabytes (Pi). Most simply use Mi.</a:t>
-            </a:r>
-          </a:p>
-          <a:p>
+              <a:t>) to petabytes (Pi). </a:t>
+            </a:r>
+            <a:r>
+              <a:rPr lang="en-US" b="1" dirty="0"/>
+              <a:t>Most simply use Mi</a:t>
+            </a:r>
             <a:r>
               <a:rPr lang="en-US" dirty="0"/>
-              <a:t>Like CPU, pods will never be scheduled if they require more resources than the capacity of a node. Unlike CPU, memory is not compressible. You can’t make memory run slower or faster like CPU or network throttling. Pods will be terminated if it reaches the memory limit.</a:t>
+              <a:t>.</a:t>
+            </a:r>
+          </a:p>
+          <a:p>
+            <a:r>
+              <a:rPr lang="en-US" dirty="0"/>
+              <a:t>Like CPU, </a:t>
+            </a:r>
+            <a:r>
+              <a:rPr lang="en-US" dirty="0">
+                <a:solidFill>
+                  <a:srgbClr val="FF0000"/>
+                </a:solidFill>
+              </a:rPr>
+              <a:t>pods will never be scheduled if they require more resources than the capacity of a node</a:t>
+            </a:r>
+            <a:r>
+              <a:rPr lang="en-US" dirty="0"/>
+              <a:t>. Unlike CPU, memory is not compressible. You can’t make memory run slower or faster like CPU or network throttling. Pods will be terminated if it reaches the memory limit.</a:t>
             </a:r>
           </a:p>
           <a:p>
@@ -5240,11 +5260,23 @@
             </a:pPr>
             <a:r>
               <a:rPr lang="en-US" dirty="0" smtClean="0"/>
-              <a:t>QOS</a:t>
+              <a:t>Q</a:t>
             </a:r>
             <a:r>
               <a:rPr lang="pl-PL" dirty="0" smtClean="0"/>
-              <a:t> (</a:t>
+              <a:t>o</a:t>
+            </a:r>
+            <a:r>
+              <a:rPr lang="en-US" dirty="0" smtClean="0"/>
+              <a:t>S</a:t>
+            </a:r>
+            <a:r>
+              <a:rPr lang="pl-PL" dirty="0" smtClean="0"/>
+              <a:t> </a:t>
+            </a:r>
+            <a:r>
+              <a:rPr lang="pl-PL" dirty="0" smtClean="0"/>
+              <a:t>(</a:t>
             </a:r>
             <a:r>
               <a:rPr lang="pl-PL" dirty="0" err="1"/>
@@ -5377,24 +5409,50 @@
           <a:lstStyle/>
           <a:p>
             <a:r>
-              <a:rPr lang="pl-PL" b="0" dirty="0" err="1" smtClean="0">
-                <a:effectLst/>
+              <a:rPr lang="pl-PL" dirty="0" err="1" smtClean="0">
+                <a:effectLst>
+                  <a:outerShdw blurRad="38100" dist="38100" dir="2700000" algn="tl">
+                    <a:srgbClr val="000000">
+                      <a:alpha val="43137"/>
+                    </a:srgbClr>
+                  </a:outerShdw>
+                </a:effectLst>
               </a:rPr>
               <a:t>Guaranteed</a:t>
             </a:r>
             <a:r>
-              <a:rPr lang="pl-PL" b="0" dirty="0" smtClean="0">
-                <a:effectLst/>
+              <a:rPr lang="pl-PL" dirty="0" smtClean="0">
+                <a:effectLst>
+                  <a:outerShdw blurRad="38100" dist="38100" dir="2700000" algn="tl">
+                    <a:srgbClr val="000000">
+                      <a:alpha val="43137"/>
+                    </a:srgbClr>
+                  </a:outerShdw>
+                </a:effectLst>
               </a:rPr>
               <a:t> </a:t>
             </a:r>
             <a:r>
-              <a:rPr lang="pl-PL" b="0" dirty="0" err="1" smtClean="0">
-                <a:effectLst/>
+              <a:rPr lang="pl-PL" dirty="0" err="1" smtClean="0">
+                <a:effectLst>
+                  <a:outerShdw blurRad="38100" dist="38100" dir="2700000" algn="tl">
+                    <a:srgbClr val="000000">
+                      <a:alpha val="43137"/>
+                    </a:srgbClr>
+                  </a:outerShdw>
+                </a:effectLst>
               </a:rPr>
               <a:t>QoS</a:t>
             </a:r>
-            <a:endParaRPr lang="pl-PL" dirty="0"/>
+            <a:endParaRPr lang="pl-PL" dirty="0">
+              <a:effectLst>
+                <a:outerShdw blurRad="38100" dist="38100" dir="2700000" algn="tl">
+                  <a:srgbClr val="000000">
+                    <a:alpha val="43137"/>
+                  </a:srgbClr>
+                </a:outerShdw>
+              </a:effectLst>
+            </a:endParaRPr>
           </a:p>
         </p:txBody>
       </p:sp>
@@ -5830,7 +5888,15 @@
             </a:r>
             <a:r>
               <a:rPr lang="en-US" dirty="0"/>
-              <a:t> is a container with no memory or CPU limits or requests. If you’ve never defined any resources before reading this article, your pod is by default running in </a:t>
+              <a:t> is a container with no memory or CPU limits or requests. If you’ve never defined any resources before reading </a:t>
+            </a:r>
+            <a:r>
+              <a:rPr lang="en-US" dirty="0" smtClean="0"/>
+              <a:t>this, </a:t>
+            </a:r>
+            <a:r>
+              <a:rPr lang="en-US" dirty="0"/>
+              <a:t>your pod is by default running in </a:t>
             </a:r>
             <a:r>
               <a:rPr lang="en-US" dirty="0" err="1"/>
@@ -5843,6 +5909,9 @@
             <a:endParaRPr lang="pl-PL" dirty="0" smtClean="0"/>
           </a:p>
           <a:p>
+            <a:pPr marL="0" indent="0">
+              <a:buNone/>
+            </a:pPr>
             <a:endParaRPr lang="en-US" dirty="0"/>
           </a:p>
           <a:p>
@@ -6155,7 +6224,19 @@
           <a:p>
             <a:r>
               <a:rPr lang="pl-PL" dirty="0" err="1" smtClean="0"/>
+              <a:t>Node</a:t>
+            </a:r>
+            <a:r>
+              <a:rPr lang="pl-PL" dirty="0" smtClean="0"/>
+              <a:t> </a:t>
+            </a:r>
+            <a:r>
+              <a:rPr lang="pl-PL" dirty="0" err="1" smtClean="0"/>
               <a:t>Failure</a:t>
+            </a:r>
+            <a:r>
+              <a:rPr lang="pl-PL" dirty="0" smtClean="0"/>
+              <a:t> </a:t>
             </a:r>
             <a:endParaRPr lang="pl-PL" dirty="0"/>
           </a:p>
@@ -6173,44 +6254,26 @@
         </p:nvSpPr>
         <p:spPr>
           <a:xfrm>
-            <a:off x="539552" y="3789040"/>
-            <a:ext cx="8183880" cy="1530496"/>
+            <a:off x="502920" y="530352"/>
+            <a:ext cx="8183880" cy="4770856"/>
           </a:xfrm>
         </p:spPr>
         <p:txBody>
           <a:bodyPr>
-            <a:normAutofit/>
+            <a:normAutofit fontScale="70000" lnSpcReduction="20000"/>
           </a:bodyPr>
           <a:lstStyle/>
           <a:p>
             <a:pPr marL="0" indent="0">
               <a:buNone/>
             </a:pPr>
-            <a:endParaRPr lang="pl-PL" dirty="0" smtClean="0">
-              <a:hlinkClick r:id="rId2"/>
-            </a:endParaRPr>
-          </a:p>
-          <a:p>
-            <a:pPr marL="0" indent="0">
-              <a:buNone/>
-            </a:pPr>
-            <a:r>
-              <a:rPr lang="pl-PL" dirty="0" smtClean="0">
-                <a:hlinkClick r:id="rId2"/>
-              </a:rPr>
-              <a:t>https</a:t>
-            </a:r>
-            <a:r>
-              <a:rPr lang="pl-PL" dirty="0">
-                <a:hlinkClick r:id="rId2"/>
-              </a:rPr>
-              <a:t>://</a:t>
-            </a:r>
-            <a:r>
-              <a:rPr lang="pl-PL" dirty="0" smtClean="0">
-                <a:hlinkClick r:id="rId2"/>
-              </a:rPr>
-              <a:t>github.com/djkormo/k8s-AKS-primer/tree/master/examples/failure</a:t>
+            <a:r>
+              <a:rPr lang="en-US" dirty="0"/>
+              <a:t>This is the workflow of what happens when a node gets down</a:t>
+            </a:r>
+            <a:r>
+              <a:rPr lang="en-US" dirty="0" smtClean="0"/>
+              <a:t>:</a:t>
             </a:r>
             <a:endParaRPr lang="pl-PL" dirty="0" smtClean="0"/>
           </a:p>
@@ -6220,42 +6283,172 @@
             </a:pPr>
             <a:endParaRPr lang="pl-PL" dirty="0"/>
           </a:p>
-        </p:txBody>
-      </p:sp>
-      <p:sp>
-        <p:nvSpPr>
-          <p:cNvPr id="5" name="pole tekstowe 4"/>
-          <p:cNvSpPr txBox="1"/>
-          <p:nvPr/>
-        </p:nvSpPr>
-        <p:spPr>
-          <a:xfrm>
-            <a:off x="3275856" y="2204864"/>
-            <a:ext cx="2520242" cy="1015663"/>
-          </a:xfrm>
-          <a:prstGeom prst="rect">
-            <a:avLst/>
-          </a:prstGeom>
-          <a:noFill/>
-        </p:spPr>
-        <p:txBody>
-          <a:bodyPr wrap="none" rtlCol="0">
-            <a:spAutoFit/>
-          </a:bodyPr>
-          <a:lstStyle/>
-          <a:p>
-            <a:r>
-              <a:rPr lang="pl-PL" sz="6000" dirty="0" smtClean="0"/>
-              <a:t>DEMO</a:t>
-            </a:r>
-            <a:endParaRPr lang="pl-PL" sz="6000" dirty="0"/>
+          <a:p>
+            <a:pPr marL="0" indent="0">
+              <a:buNone/>
+            </a:pPr>
+            <a:r>
+              <a:rPr lang="en-US" dirty="0" smtClean="0"/>
+              <a:t>1- </a:t>
+            </a:r>
+            <a:r>
+              <a:rPr lang="en-US" dirty="0"/>
+              <a:t>The </a:t>
+            </a:r>
+            <a:r>
+              <a:rPr lang="en-US" dirty="0" err="1"/>
+              <a:t>Kubelet</a:t>
+            </a:r>
+            <a:r>
+              <a:rPr lang="en-US" dirty="0"/>
+              <a:t> posts its status to the masters using </a:t>
+            </a:r>
+            <a:r>
+              <a:rPr lang="en-US" b="1" i="1" dirty="0"/>
+              <a:t>–</a:t>
+            </a:r>
+            <a:r>
+              <a:rPr lang="en-US" b="1" i="1" dirty="0" smtClean="0"/>
+              <a:t>node-status-</a:t>
+            </a:r>
+            <a:endParaRPr lang="pl-PL" b="1" i="1" dirty="0" smtClean="0"/>
+          </a:p>
+          <a:p>
+            <a:pPr marL="0" indent="0">
+              <a:buNone/>
+            </a:pPr>
+            <a:r>
+              <a:rPr lang="en-US" b="1" i="1" dirty="0" smtClean="0"/>
+              <a:t>update-frequency=10s</a:t>
+            </a:r>
+            <a:endParaRPr lang="en-US" dirty="0"/>
+          </a:p>
+          <a:p>
+            <a:pPr marL="0" indent="0">
+              <a:buNone/>
+            </a:pPr>
+            <a:r>
+              <a:rPr lang="en-US" dirty="0" smtClean="0"/>
+              <a:t>2- </a:t>
+            </a:r>
+            <a:r>
+              <a:rPr lang="en-US" dirty="0"/>
+              <a:t>A node dies</a:t>
+            </a:r>
+          </a:p>
+          <a:p>
+            <a:pPr marL="0" indent="0">
+              <a:buNone/>
+            </a:pPr>
+            <a:r>
+              <a:rPr lang="en-US" dirty="0" smtClean="0"/>
+              <a:t>3- </a:t>
+            </a:r>
+            <a:r>
+              <a:rPr lang="en-US" dirty="0"/>
+              <a:t>The </a:t>
+            </a:r>
+            <a:r>
+              <a:rPr lang="en-US" dirty="0" err="1"/>
+              <a:t>kube</a:t>
+            </a:r>
+            <a:r>
+              <a:rPr lang="en-US" dirty="0"/>
+              <a:t> controller manager is the one monitoring the nodes, using </a:t>
+            </a:r>
+            <a:r>
+              <a:rPr lang="en-US" b="1" dirty="0"/>
+              <a:t>–</a:t>
+            </a:r>
+            <a:r>
+              <a:rPr lang="en-US" b="1" i="1" dirty="0"/>
+              <a:t>-node-monitor-period=5s</a:t>
+            </a:r>
+            <a:r>
+              <a:rPr lang="en-US" dirty="0"/>
+              <a:t> it checks, in the masters, the node status reported by the </a:t>
+            </a:r>
+            <a:r>
+              <a:rPr lang="en-US" dirty="0" err="1"/>
+              <a:t>Kubelet</a:t>
+            </a:r>
+            <a:r>
+              <a:rPr lang="en-US" dirty="0"/>
+              <a:t>.</a:t>
+            </a:r>
+          </a:p>
+          <a:p>
+            <a:pPr marL="0" indent="0">
+              <a:buNone/>
+            </a:pPr>
+            <a:r>
+              <a:rPr lang="en-US" dirty="0" smtClean="0"/>
+              <a:t>4- </a:t>
+            </a:r>
+            <a:r>
+              <a:rPr lang="en-US" dirty="0" err="1"/>
+              <a:t>Kube</a:t>
+            </a:r>
+            <a:r>
+              <a:rPr lang="en-US" dirty="0"/>
+              <a:t> controller manager will see the node is unresponsive, and has this grace period</a:t>
+            </a:r>
+            <a:r>
+              <a:rPr lang="en-US" b="1" i="1" dirty="0"/>
+              <a:t> –node-monitor-grace-period=40s</a:t>
+            </a:r>
+            <a:r>
+              <a:rPr lang="en-US" dirty="0"/>
+              <a:t> until it considers the node unhealthy. This parameter must be N times </a:t>
+            </a:r>
+            <a:r>
+              <a:rPr lang="en-US" b="1" i="1" dirty="0"/>
+              <a:t>node-status-update-frequency</a:t>
+            </a:r>
+            <a:r>
+              <a:rPr lang="en-US" dirty="0"/>
+              <a:t> being N the number of retries allowed for the </a:t>
+            </a:r>
+            <a:r>
+              <a:rPr lang="en-US" dirty="0" err="1"/>
+              <a:t>Kubelet</a:t>
+            </a:r>
+            <a:r>
+              <a:rPr lang="en-US" dirty="0"/>
+              <a:t> to post node status. N is a constant in the </a:t>
+            </a:r>
+            <a:r>
+              <a:rPr lang="en-US" dirty="0" smtClean="0"/>
+              <a:t>code</a:t>
+            </a:r>
+            <a:r>
+              <a:rPr lang="pl-PL" dirty="0" smtClean="0"/>
+              <a:t> </a:t>
+            </a:r>
+            <a:r>
+              <a:rPr lang="pl-PL" dirty="0" err="1" smtClean="0"/>
+              <a:t>equals</a:t>
+            </a:r>
+            <a:r>
+              <a:rPr lang="pl-PL" dirty="0" smtClean="0"/>
+              <a:t> </a:t>
+            </a:r>
+            <a:r>
+              <a:rPr lang="pl-PL" dirty="0"/>
+              <a:t>to </a:t>
+            </a:r>
+            <a:r>
+              <a:rPr lang="pl-PL" b="1" dirty="0" smtClean="0"/>
+              <a:t>5</a:t>
+            </a:r>
+            <a:endParaRPr lang="pl-PL" b="1" dirty="0"/>
           </a:p>
         </p:txBody>
       </p:sp>
     </p:spTree>
     <p:extLst>
       <p:ext uri="{BB962C8B-B14F-4D97-AF65-F5344CB8AC3E}">
-        <p14:creationId xmlns:p14="http://schemas.microsoft.com/office/powerpoint/2010/main" val="3966383302"/>
+        <p14:creationId xmlns:p14="http://schemas.microsoft.com/office/powerpoint/2010/main" val="3404377113"/>
       </p:ext>
     </p:extLst>
   </p:cSld>
@@ -6299,19 +6492,7 @@
           <a:p>
             <a:r>
               <a:rPr lang="pl-PL" dirty="0" err="1" smtClean="0"/>
-              <a:t>Node</a:t>
-            </a:r>
-            <a:r>
-              <a:rPr lang="pl-PL" dirty="0" smtClean="0"/>
-              <a:t> </a:t>
-            </a:r>
-            <a:r>
-              <a:rPr lang="pl-PL" dirty="0" err="1" smtClean="0"/>
               <a:t>Failure</a:t>
-            </a:r>
-            <a:r>
-              <a:rPr lang="pl-PL" dirty="0" smtClean="0"/>
-              <a:t> </a:t>
             </a:r>
             <a:endParaRPr lang="pl-PL" dirty="0"/>
           </a:p>
@@ -6329,26 +6510,44 @@
         </p:nvSpPr>
         <p:spPr>
           <a:xfrm>
-            <a:off x="502920" y="530352"/>
-            <a:ext cx="8183880" cy="4770856"/>
+            <a:off x="539552" y="3789040"/>
+            <a:ext cx="8183880" cy="1530496"/>
           </a:xfrm>
         </p:spPr>
         <p:txBody>
           <a:bodyPr>
-            <a:normAutofit fontScale="70000" lnSpcReduction="20000"/>
+            <a:normAutofit/>
           </a:bodyPr>
           <a:lstStyle/>
           <a:p>
             <a:pPr marL="0" indent="0">
               <a:buNone/>
             </a:pPr>
-            <a:r>
-              <a:rPr lang="en-US" dirty="0"/>
-              <a:t>This is the workflow of what happens when a node gets down</a:t>
-            </a:r>
-            <a:r>
-              <a:rPr lang="en-US" dirty="0" smtClean="0"/>
-              <a:t>:</a:t>
+            <a:endParaRPr lang="pl-PL" dirty="0" smtClean="0">
+              <a:hlinkClick r:id="rId2"/>
+            </a:endParaRPr>
+          </a:p>
+          <a:p>
+            <a:pPr marL="0" indent="0">
+              <a:buNone/>
+            </a:pPr>
+            <a:r>
+              <a:rPr lang="pl-PL" dirty="0" smtClean="0">
+                <a:hlinkClick r:id="rId2"/>
+              </a:rPr>
+              <a:t>https</a:t>
+            </a:r>
+            <a:r>
+              <a:rPr lang="pl-PL" dirty="0">
+                <a:hlinkClick r:id="rId2"/>
+              </a:rPr>
+              <a:t>://</a:t>
+            </a:r>
+            <a:r>
+              <a:rPr lang="pl-PL" dirty="0" smtClean="0">
+                <a:hlinkClick r:id="rId2"/>
+              </a:rPr>
+              <a:t>github.com/djkormo/k8s-AKS-primer/tree/master/examples/failure</a:t>
             </a:r>
             <a:endParaRPr lang="pl-PL" dirty="0" smtClean="0"/>
           </a:p>
@@ -6358,172 +6557,42 @@
             </a:pPr>
             <a:endParaRPr lang="pl-PL" dirty="0"/>
           </a:p>
-          <a:p>
-            <a:pPr marL="0" indent="0">
-              <a:buNone/>
-            </a:pPr>
-            <a:r>
-              <a:rPr lang="en-US" dirty="0" smtClean="0"/>
-              <a:t>1- </a:t>
-            </a:r>
-            <a:r>
-              <a:rPr lang="en-US" dirty="0"/>
-              <a:t>The </a:t>
-            </a:r>
-            <a:r>
-              <a:rPr lang="en-US" dirty="0" err="1"/>
-              <a:t>Kubelet</a:t>
-            </a:r>
-            <a:r>
-              <a:rPr lang="en-US" dirty="0"/>
-              <a:t> posts its status to the masters using </a:t>
-            </a:r>
-            <a:r>
-              <a:rPr lang="en-US" b="1" i="1" dirty="0"/>
-              <a:t>–</a:t>
-            </a:r>
-            <a:r>
-              <a:rPr lang="en-US" b="1" i="1" dirty="0" smtClean="0"/>
-              <a:t>node-status-</a:t>
-            </a:r>
-            <a:endParaRPr lang="pl-PL" b="1" i="1" dirty="0" smtClean="0"/>
-          </a:p>
-          <a:p>
-            <a:pPr marL="0" indent="0">
-              <a:buNone/>
-            </a:pPr>
-            <a:r>
-              <a:rPr lang="en-US" b="1" i="1" dirty="0" smtClean="0"/>
-              <a:t>update-frequency=10s</a:t>
-            </a:r>
-            <a:endParaRPr lang="en-US" dirty="0"/>
-          </a:p>
-          <a:p>
-            <a:pPr marL="0" indent="0">
-              <a:buNone/>
-            </a:pPr>
-            <a:r>
-              <a:rPr lang="en-US" dirty="0" smtClean="0"/>
-              <a:t>2- </a:t>
-            </a:r>
-            <a:r>
-              <a:rPr lang="en-US" dirty="0"/>
-              <a:t>A node dies</a:t>
-            </a:r>
-          </a:p>
-          <a:p>
-            <a:pPr marL="0" indent="0">
-              <a:buNone/>
-            </a:pPr>
-            <a:r>
-              <a:rPr lang="en-US" dirty="0" smtClean="0"/>
-              <a:t>3- </a:t>
-            </a:r>
-            <a:r>
-              <a:rPr lang="en-US" dirty="0"/>
-              <a:t>The </a:t>
-            </a:r>
-            <a:r>
-              <a:rPr lang="en-US" dirty="0" err="1"/>
-              <a:t>kube</a:t>
-            </a:r>
-            <a:r>
-              <a:rPr lang="en-US" dirty="0"/>
-              <a:t> controller manager is the one monitoring the nodes, using </a:t>
-            </a:r>
-            <a:r>
-              <a:rPr lang="en-US" b="1" dirty="0"/>
-              <a:t>–</a:t>
-            </a:r>
-            <a:r>
-              <a:rPr lang="en-US" b="1" i="1" dirty="0"/>
-              <a:t>-node-monitor-period=5s</a:t>
-            </a:r>
-            <a:r>
-              <a:rPr lang="en-US" dirty="0"/>
-              <a:t> it checks, in the masters, the node status reported by the </a:t>
-            </a:r>
-            <a:r>
-              <a:rPr lang="en-US" dirty="0" err="1"/>
-              <a:t>Kubelet</a:t>
-            </a:r>
-            <a:r>
-              <a:rPr lang="en-US" dirty="0"/>
-              <a:t>.</a:t>
-            </a:r>
-          </a:p>
-          <a:p>
-            <a:pPr marL="0" indent="0">
-              <a:buNone/>
-            </a:pPr>
-            <a:r>
-              <a:rPr lang="en-US" dirty="0" smtClean="0"/>
-              <a:t>4- </a:t>
-            </a:r>
-            <a:r>
-              <a:rPr lang="en-US" dirty="0" err="1"/>
-              <a:t>Kube</a:t>
-            </a:r>
-            <a:r>
-              <a:rPr lang="en-US" dirty="0"/>
-              <a:t> controller manager will see the node is unresponsive, and has this grace period</a:t>
-            </a:r>
-            <a:r>
-              <a:rPr lang="en-US" b="1" i="1" dirty="0"/>
-              <a:t> –node-monitor-grace-period=40s</a:t>
-            </a:r>
-            <a:r>
-              <a:rPr lang="en-US" dirty="0"/>
-              <a:t> until it considers the node unhealthy. This parameter must be N times </a:t>
-            </a:r>
-            <a:r>
-              <a:rPr lang="en-US" b="1" i="1" dirty="0"/>
-              <a:t>node-status-update-frequency</a:t>
-            </a:r>
-            <a:r>
-              <a:rPr lang="en-US" dirty="0"/>
-              <a:t> being N the number of retries allowed for the </a:t>
-            </a:r>
-            <a:r>
-              <a:rPr lang="en-US" dirty="0" err="1"/>
-              <a:t>Kubelet</a:t>
-            </a:r>
-            <a:r>
-              <a:rPr lang="en-US" dirty="0"/>
-              <a:t> to post node status. N is a constant in the </a:t>
-            </a:r>
-            <a:r>
-              <a:rPr lang="en-US" dirty="0" smtClean="0"/>
-              <a:t>code</a:t>
-            </a:r>
-            <a:r>
-              <a:rPr lang="pl-PL" dirty="0" smtClean="0"/>
-              <a:t> </a:t>
-            </a:r>
-            <a:r>
-              <a:rPr lang="pl-PL" dirty="0" err="1" smtClean="0"/>
-              <a:t>equals</a:t>
-            </a:r>
-            <a:r>
-              <a:rPr lang="pl-PL" dirty="0" smtClean="0"/>
-              <a:t> </a:t>
-            </a:r>
-            <a:r>
-              <a:rPr lang="pl-PL" dirty="0"/>
-              <a:t>to </a:t>
-            </a:r>
-            <a:r>
-              <a:rPr lang="pl-PL" b="1" dirty="0" smtClean="0"/>
-              <a:t>5</a:t>
-            </a:r>
-            <a:endParaRPr lang="pl-PL" b="1" dirty="0"/>
+        </p:txBody>
+      </p:sp>
+      <p:sp>
+        <p:nvSpPr>
+          <p:cNvPr id="5" name="pole tekstowe 4"/>
+          <p:cNvSpPr txBox="1"/>
+          <p:nvPr/>
+        </p:nvSpPr>
+        <p:spPr>
+          <a:xfrm>
+            <a:off x="3275856" y="2204864"/>
+            <a:ext cx="2520242" cy="1015663"/>
+          </a:xfrm>
+          <a:prstGeom prst="rect">
+            <a:avLst/>
+          </a:prstGeom>
+          <a:noFill/>
+        </p:spPr>
+        <p:txBody>
+          <a:bodyPr wrap="none" rtlCol="0">
+            <a:spAutoFit/>
+          </a:bodyPr>
+          <a:lstStyle/>
+          <a:p>
+            <a:r>
+              <a:rPr lang="pl-PL" sz="6000" dirty="0" smtClean="0"/>
+              <a:t>DEMO</a:t>
+            </a:r>
+            <a:endParaRPr lang="pl-PL" sz="6000" dirty="0"/>
           </a:p>
         </p:txBody>
       </p:sp>
     </p:spTree>
     <p:extLst>
       <p:ext uri="{BB962C8B-B14F-4D97-AF65-F5344CB8AC3E}">
-        <p14:creationId xmlns:p14="http://schemas.microsoft.com/office/powerpoint/2010/main" val="3404377113"/>
+        <p14:creationId xmlns:p14="http://schemas.microsoft.com/office/powerpoint/2010/main" val="3966383302"/>
       </p:ext>
     </p:extLst>
   </p:cSld>
@@ -8181,12 +8250,12 @@
         <p:spPr>
           <a:xfrm>
             <a:off x="502920" y="530352"/>
-            <a:ext cx="8183880" cy="4842864"/>
+            <a:ext cx="8183880" cy="5130896"/>
           </a:xfrm>
         </p:spPr>
         <p:txBody>
           <a:bodyPr>
-            <a:normAutofit fontScale="55000" lnSpcReduction="20000"/>
+            <a:normAutofit fontScale="62500" lnSpcReduction="20000"/>
           </a:bodyPr>
           <a:lstStyle/>
           <a:p>

--- a/examples/atwar/presentation/Kubernetes at war on Azure.pptx
+++ b/examples/atwar/presentation/Kubernetes at war on Azure.pptx
@@ -5272,11 +5272,7 @@
             </a:r>
             <a:r>
               <a:rPr lang="pl-PL" dirty="0" smtClean="0"/>
-              <a:t> </a:t>
-            </a:r>
-            <a:r>
-              <a:rPr lang="pl-PL" dirty="0" smtClean="0"/>
-              <a:t>(</a:t>
+              <a:t> (</a:t>
             </a:r>
             <a:r>
               <a:rPr lang="pl-PL" dirty="0" err="1"/>
@@ -6152,16 +6148,10 @@
           <a:lstStyle/>
           <a:p>
             <a:r>
-              <a:rPr lang="pl-PL" dirty="0">
+              <a:rPr lang="pl-PL" smtClean="0">
                 <a:hlinkClick r:id="rId2"/>
               </a:rPr>
-              <a:t>https://</a:t>
-            </a:r>
-            <a:r>
-              <a:rPr lang="pl-PL" dirty="0" smtClean="0">
-                <a:hlinkClick r:id="rId2"/>
-              </a:rPr>
-              <a:t>www.youtube.com/watch?v=PH-2FfFD2P</a:t>
+              <a:t>https://www.youtube.com/watch?v=PH-2FfFD2PU</a:t>
             </a:r>
             <a:endParaRPr lang="pl-PL" dirty="0" smtClean="0"/>
           </a:p>
@@ -6328,11 +6318,19 @@
               <a:buNone/>
             </a:pPr>
             <a:r>
-              <a:rPr lang="en-US" dirty="0" smtClean="0"/>
+              <a:rPr lang="en-US" dirty="0" smtClean="0">
+                <a:solidFill>
+                  <a:srgbClr val="FF0000"/>
+                </a:solidFill>
+              </a:rPr>
               <a:t>2- </a:t>
             </a:r>
             <a:r>
-              <a:rPr lang="en-US" dirty="0"/>
+              <a:rPr lang="en-US" dirty="0">
+                <a:solidFill>
+                  <a:srgbClr val="FF0000"/>
+                </a:solidFill>
+              </a:rPr>
               <a:t>A node dies</a:t>
             </a:r>
           </a:p>
@@ -6783,6 +6781,13 @@
   <p:clrMapOvr>
     <a:masterClrMapping/>
   </p:clrMapOvr>
+  <p:timing>
+    <p:tnLst>
+      <p:par>
+        <p:cTn id="1" dur="indefinite" restart="never" nodeType="tmRoot"/>
+      </p:par>
+    </p:tnLst>
+  </p:timing>
 </p:sld>
 </file>
 
@@ -6853,13 +6858,36 @@
           <a:p>
             <a:r>
               <a:rPr lang="en-US" dirty="0"/>
-              <a:t>Kubernetes employs requests and limits to control resources. Requests are guaranteed resources that a container is entitled to use. Limits, on the other hand, are the maximum resources or threshold a container can use. After reaching the limits, containers will be restricted. If a container requests a resource, Kubernetes will only schedule it on an available node that can provide those resources. These resources and limit are defined in the standard YAML configuration of your containers.</a:t>
-            </a:r>
-          </a:p>
-          <a:p>
+              <a:t>Kubernetes employs requests and limits to control resources. Requests are guaranteed resources that a container is entitled to use. Limits, on the other hand, are the maximum resources or threshold a container can use. </a:t>
+            </a:r>
+            <a:endParaRPr lang="pl-PL" dirty="0" smtClean="0"/>
+          </a:p>
+          <a:p>
+            <a:r>
+              <a:rPr lang="en-US" dirty="0" smtClean="0"/>
+              <a:t>After </a:t>
+            </a:r>
             <a:r>
               <a:rPr lang="en-US" dirty="0"/>
-              <a:t>In Kubernetes, there are two types of resources: CPU and Memory. CPU is measured in core units, and memory is specified in bytes.</a:t>
+              <a:t>reaching the limits, containers will be restricted. If a container requests a resource, Kubernetes will only schedule it on an available node that can provide those resources. These resources and limit are defined in the standard YAML configuration of your containers.</a:t>
+            </a:r>
+          </a:p>
+          <a:p>
+            <a:r>
+              <a:rPr lang="en-US" dirty="0"/>
+              <a:t>In Kubernetes, there are two types of resources: </a:t>
+            </a:r>
+            <a:r>
+              <a:rPr lang="en-US" dirty="0">
+                <a:solidFill>
+                  <a:srgbClr val="FF0000"/>
+                </a:solidFill>
+              </a:rPr>
+              <a:t>CPU and Memory</a:t>
+            </a:r>
+            <a:r>
+              <a:rPr lang="en-US" dirty="0"/>
+              <a:t>. CPU is measured in core units, and memory is specified in bytes.</a:t>
             </a:r>
           </a:p>
           <a:p>
@@ -6920,8 +6948,12 @@
           <a:lstStyle/>
           <a:p>
             <a:r>
+              <a:rPr lang="pl-PL" dirty="0" err="1" smtClean="0"/>
+              <a:t>Container</a:t>
+            </a:r>
+            <a:r>
               <a:rPr lang="pl-PL" dirty="0" smtClean="0"/>
-              <a:t>Pod </a:t>
+              <a:t> </a:t>
             </a:r>
             <a:r>
               <a:rPr lang="pl-PL" dirty="0" err="1" smtClean="0"/>
@@ -7371,7 +7403,7 @@
           </a:p>
           <a:p>
             <a:r>
-              <a:rPr lang="pl-PL" dirty="0">
+              <a:rPr lang="pl-PL" b="1" dirty="0">
                 <a:solidFill>
                   <a:schemeClr val="accent4">
                     <a:lumMod val="50000"/>
@@ -7381,7 +7413,7 @@
               <a:t>    </a:t>
             </a:r>
             <a:r>
-              <a:rPr lang="pl-PL" dirty="0" err="1">
+              <a:rPr lang="pl-PL" b="1" dirty="0" err="1">
                 <a:solidFill>
                   <a:schemeClr val="accent4">
                     <a:lumMod val="50000"/>
@@ -7391,7 +7423,7 @@
               <a:t>resources</a:t>
             </a:r>
             <a:r>
-              <a:rPr lang="pl-PL" dirty="0">
+              <a:rPr lang="pl-PL" b="1" dirty="0">
                 <a:solidFill>
                   <a:schemeClr val="accent4">
                     <a:lumMod val="50000"/>
@@ -7403,7 +7435,7 @@
           </a:p>
           <a:p>
             <a:r>
-              <a:rPr lang="pl-PL" dirty="0">
+              <a:rPr lang="pl-PL" b="1" dirty="0">
                 <a:solidFill>
                   <a:schemeClr val="accent4">
                     <a:lumMod val="50000"/>
@@ -7413,7 +7445,7 @@
               <a:t>      </a:t>
             </a:r>
             <a:r>
-              <a:rPr lang="pl-PL" dirty="0" err="1">
+              <a:rPr lang="pl-PL" b="1" dirty="0" err="1">
                 <a:solidFill>
                   <a:schemeClr val="accent4">
                     <a:lumMod val="50000"/>
@@ -7423,7 +7455,7 @@
               <a:t>limits</a:t>
             </a:r>
             <a:r>
-              <a:rPr lang="pl-PL" dirty="0">
+              <a:rPr lang="pl-PL" b="1" dirty="0">
                 <a:solidFill>
                   <a:schemeClr val="accent4">
                     <a:lumMod val="50000"/>
@@ -7435,7 +7467,7 @@
           </a:p>
           <a:p>
             <a:r>
-              <a:rPr lang="pl-PL" dirty="0">
+              <a:rPr lang="pl-PL" b="1" dirty="0">
                 <a:solidFill>
                   <a:schemeClr val="accent4">
                     <a:lumMod val="50000"/>
@@ -7445,7 +7477,7 @@
               <a:t>        </a:t>
             </a:r>
             <a:r>
-              <a:rPr lang="pl-PL" dirty="0" err="1">
+              <a:rPr lang="pl-PL" b="1" dirty="0" err="1">
                 <a:solidFill>
                   <a:schemeClr val="accent4">
                     <a:lumMod val="50000"/>
@@ -7455,7 +7487,7 @@
               <a:t>memory</a:t>
             </a:r>
             <a:r>
-              <a:rPr lang="pl-PL" dirty="0">
+              <a:rPr lang="pl-PL" b="1" dirty="0">
                 <a:solidFill>
                   <a:schemeClr val="accent4">
                     <a:lumMod val="50000"/>
@@ -7467,7 +7499,7 @@
           </a:p>
           <a:p>
             <a:r>
-              <a:rPr lang="pl-PL" dirty="0">
+              <a:rPr lang="pl-PL" b="1" dirty="0">
                 <a:solidFill>
                   <a:schemeClr val="accent4">
                     <a:lumMod val="50000"/>
@@ -7477,7 +7509,7 @@
               <a:t>        </a:t>
             </a:r>
             <a:r>
-              <a:rPr lang="pl-PL" dirty="0" err="1">
+              <a:rPr lang="pl-PL" b="1" dirty="0" err="1">
                 <a:solidFill>
                   <a:schemeClr val="accent4">
                     <a:lumMod val="50000"/>
@@ -7487,7 +7519,7 @@
               <a:t>cpu</a:t>
             </a:r>
             <a:r>
-              <a:rPr lang="pl-PL" dirty="0">
+              <a:rPr lang="pl-PL" b="1" dirty="0">
                 <a:solidFill>
                   <a:schemeClr val="accent4">
                     <a:lumMod val="50000"/>
@@ -7499,7 +7531,7 @@
           </a:p>
           <a:p>
             <a:r>
-              <a:rPr lang="pl-PL" dirty="0">
+              <a:rPr lang="pl-PL" b="1" dirty="0">
                 <a:solidFill>
                   <a:schemeClr val="accent4">
                     <a:lumMod val="50000"/>
@@ -7509,7 +7541,7 @@
               <a:t>      </a:t>
             </a:r>
             <a:r>
-              <a:rPr lang="pl-PL" dirty="0" err="1">
+              <a:rPr lang="pl-PL" b="1" dirty="0" err="1">
                 <a:solidFill>
                   <a:schemeClr val="accent4">
                     <a:lumMod val="50000"/>
@@ -7519,7 +7551,7 @@
               <a:t>requests</a:t>
             </a:r>
             <a:r>
-              <a:rPr lang="pl-PL" dirty="0">
+              <a:rPr lang="pl-PL" b="1" dirty="0">
                 <a:solidFill>
                   <a:schemeClr val="accent4">
                     <a:lumMod val="50000"/>
@@ -7531,7 +7563,7 @@
           </a:p>
           <a:p>
             <a:r>
-              <a:rPr lang="pl-PL" dirty="0">
+              <a:rPr lang="pl-PL" b="1" dirty="0">
                 <a:solidFill>
                   <a:schemeClr val="accent4">
                     <a:lumMod val="50000"/>
@@ -7541,7 +7573,7 @@
               <a:t>        </a:t>
             </a:r>
             <a:r>
-              <a:rPr lang="pl-PL" dirty="0" err="1">
+              <a:rPr lang="pl-PL" b="1" dirty="0" err="1">
                 <a:solidFill>
                   <a:schemeClr val="accent4">
                     <a:lumMod val="50000"/>
@@ -7551,7 +7583,7 @@
               <a:t>memory</a:t>
             </a:r>
             <a:r>
-              <a:rPr lang="pl-PL" dirty="0">
+              <a:rPr lang="pl-PL" b="1" dirty="0">
                 <a:solidFill>
                   <a:schemeClr val="accent4">
                     <a:lumMod val="50000"/>
@@ -7563,7 +7595,7 @@
           </a:p>
           <a:p>
             <a:r>
-              <a:rPr lang="pl-PL" dirty="0">
+              <a:rPr lang="pl-PL" b="1" dirty="0">
                 <a:solidFill>
                   <a:schemeClr val="accent4">
                     <a:lumMod val="50000"/>
@@ -7573,7 +7605,7 @@
               <a:t>        </a:t>
             </a:r>
             <a:r>
-              <a:rPr lang="pl-PL" dirty="0" err="1">
+              <a:rPr lang="pl-PL" b="1" dirty="0" err="1">
                 <a:solidFill>
                   <a:schemeClr val="accent4">
                     <a:lumMod val="50000"/>
@@ -7583,7 +7615,7 @@
               <a:t>cpu</a:t>
             </a:r>
             <a:r>
-              <a:rPr lang="pl-PL" dirty="0">
+              <a:rPr lang="pl-PL" b="1" dirty="0">
                 <a:solidFill>
                   <a:schemeClr val="accent4">
                     <a:lumMod val="50000"/>
@@ -7611,6 +7643,13 @@
   <p:clrMapOvr>
     <a:masterClrMapping/>
   </p:clrMapOvr>
+  <p:timing>
+    <p:tnLst>
+      <p:par>
+        <p:cTn id="1" dur="indefinite" restart="never" nodeType="tmRoot"/>
+      </p:par>
+    </p:tnLst>
+  </p:timing>
 </p:sld>
 </file>
 
@@ -8563,18 +8602,34 @@
               <a:t>    </a:t>
             </a:r>
             <a:r>
-              <a:rPr lang="pl-PL" dirty="0" err="1"/>
+              <a:rPr lang="pl-PL" dirty="0" err="1">
+                <a:solidFill>
+                  <a:srgbClr val="FF0000"/>
+                </a:solidFill>
+              </a:rPr>
               <a:t>type</a:t>
             </a:r>
             <a:r>
-              <a:rPr lang="pl-PL" dirty="0"/>
+              <a:rPr lang="pl-PL" dirty="0">
+                <a:solidFill>
+                  <a:srgbClr val="FF0000"/>
+                </a:solidFill>
+              </a:rPr>
               <a:t>: </a:t>
             </a:r>
             <a:r>
-              <a:rPr lang="pl-PL" dirty="0" err="1"/>
+              <a:rPr lang="pl-PL" dirty="0" err="1">
+                <a:solidFill>
+                  <a:srgbClr val="FF0000"/>
+                </a:solidFill>
+              </a:rPr>
               <a:t>Container</a:t>
             </a:r>
-            <a:endParaRPr lang="pl-PL" dirty="0"/>
+            <a:endParaRPr lang="pl-PL" dirty="0">
+              <a:solidFill>
+                <a:srgbClr val="FF0000"/>
+              </a:solidFill>
+            </a:endParaRPr>
           </a:p>
         </p:txBody>
       </p:sp>

--- a/examples/atwar/presentation/Kubernetes at war on Azure.pptx
+++ b/examples/atwar/presentation/Kubernetes at war on Azure.pptx
@@ -6,26 +6,27 @@
   </p:sldMasterIdLst>
   <p:sldIdLst>
     <p:sldId id="256" r:id="rId2"/>
-    <p:sldId id="259" r:id="rId3"/>
-    <p:sldId id="275" r:id="rId4"/>
-    <p:sldId id="258" r:id="rId5"/>
-    <p:sldId id="266" r:id="rId6"/>
-    <p:sldId id="265" r:id="rId7"/>
-    <p:sldId id="257" r:id="rId8"/>
-    <p:sldId id="276" r:id="rId9"/>
-    <p:sldId id="270" r:id="rId10"/>
-    <p:sldId id="267" r:id="rId11"/>
-    <p:sldId id="262" r:id="rId12"/>
-    <p:sldId id="263" r:id="rId13"/>
-    <p:sldId id="261" r:id="rId14"/>
-    <p:sldId id="269" r:id="rId15"/>
-    <p:sldId id="260" r:id="rId16"/>
-    <p:sldId id="271" r:id="rId17"/>
-    <p:sldId id="273" r:id="rId18"/>
-    <p:sldId id="272" r:id="rId19"/>
-    <p:sldId id="274" r:id="rId20"/>
-    <p:sldId id="268" r:id="rId21"/>
-    <p:sldId id="264" r:id="rId22"/>
+    <p:sldId id="277" r:id="rId3"/>
+    <p:sldId id="259" r:id="rId4"/>
+    <p:sldId id="275" r:id="rId5"/>
+    <p:sldId id="258" r:id="rId6"/>
+    <p:sldId id="266" r:id="rId7"/>
+    <p:sldId id="265" r:id="rId8"/>
+    <p:sldId id="257" r:id="rId9"/>
+    <p:sldId id="276" r:id="rId10"/>
+    <p:sldId id="270" r:id="rId11"/>
+    <p:sldId id="267" r:id="rId12"/>
+    <p:sldId id="262" r:id="rId13"/>
+    <p:sldId id="263" r:id="rId14"/>
+    <p:sldId id="261" r:id="rId15"/>
+    <p:sldId id="269" r:id="rId16"/>
+    <p:sldId id="260" r:id="rId17"/>
+    <p:sldId id="271" r:id="rId18"/>
+    <p:sldId id="273" r:id="rId19"/>
+    <p:sldId id="272" r:id="rId20"/>
+    <p:sldId id="274" r:id="rId21"/>
+    <p:sldId id="268" r:id="rId22"/>
+    <p:sldId id="264" r:id="rId23"/>
   </p:sldIdLst>
   <p:sldSz cx="9144000" cy="6858000" type="screen4x3"/>
   <p:notesSz cx="6858000" cy="9144000"/>
@@ -433,7 +434,7 @@
           <a:p>
             <a:fld id="{2985609B-2F98-4665-80AE-902D6BB7ECF4}" type="datetimeFigureOut">
               <a:rPr lang="pl-PL" smtClean="0"/>
-              <a:t>2019-10-13</a:t>
+              <a:t>2019-10-15</a:t>
             </a:fld>
             <a:endParaRPr lang="pl-PL"/>
           </a:p>
@@ -618,7 +619,7 @@
           <a:p>
             <a:fld id="{2985609B-2F98-4665-80AE-902D6BB7ECF4}" type="datetimeFigureOut">
               <a:rPr lang="pl-PL" smtClean="0"/>
-              <a:t>2019-10-13</a:t>
+              <a:t>2019-10-15</a:t>
             </a:fld>
             <a:endParaRPr lang="pl-PL"/>
           </a:p>
@@ -803,7 +804,7 @@
           <a:p>
             <a:fld id="{2985609B-2F98-4665-80AE-902D6BB7ECF4}" type="datetimeFigureOut">
               <a:rPr lang="pl-PL" smtClean="0"/>
-              <a:t>2019-10-13</a:t>
+              <a:t>2019-10-15</a:t>
             </a:fld>
             <a:endParaRPr lang="pl-PL"/>
           </a:p>
@@ -988,7 +989,7 @@
           <a:p>
             <a:fld id="{2985609B-2F98-4665-80AE-902D6BB7ECF4}" type="datetimeFigureOut">
               <a:rPr lang="pl-PL" smtClean="0"/>
-              <a:t>2019-10-13</a:t>
+              <a:t>2019-10-15</a:t>
             </a:fld>
             <a:endParaRPr lang="pl-PL"/>
           </a:p>
@@ -1369,7 +1370,7 @@
           <a:p>
             <a:fld id="{2985609B-2F98-4665-80AE-902D6BB7ECF4}" type="datetimeFigureOut">
               <a:rPr lang="pl-PL" smtClean="0"/>
-              <a:t>2019-10-13</a:t>
+              <a:t>2019-10-15</a:t>
             </a:fld>
             <a:endParaRPr lang="pl-PL"/>
           </a:p>
@@ -1638,7 +1639,7 @@
           <a:p>
             <a:fld id="{2985609B-2F98-4665-80AE-902D6BB7ECF4}" type="datetimeFigureOut">
               <a:rPr lang="pl-PL" smtClean="0"/>
-              <a:t>2019-10-13</a:t>
+              <a:t>2019-10-15</a:t>
             </a:fld>
             <a:endParaRPr lang="pl-PL"/>
           </a:p>
@@ -2023,7 +2024,7 @@
           <a:p>
             <a:fld id="{2985609B-2F98-4665-80AE-902D6BB7ECF4}" type="datetimeFigureOut">
               <a:rPr lang="pl-PL" smtClean="0"/>
-              <a:t>2019-10-13</a:t>
+              <a:t>2019-10-15</a:t>
             </a:fld>
             <a:endParaRPr lang="pl-PL"/>
           </a:p>
@@ -2144,7 +2145,7 @@
           <a:p>
             <a:fld id="{2985609B-2F98-4665-80AE-902D6BB7ECF4}" type="datetimeFigureOut">
               <a:rPr lang="pl-PL" smtClean="0"/>
-              <a:t>2019-10-13</a:t>
+              <a:t>2019-10-15</a:t>
             </a:fld>
             <a:endParaRPr lang="pl-PL"/>
           </a:p>
@@ -2324,7 +2325,7 @@
           <a:p>
             <a:fld id="{2985609B-2F98-4665-80AE-902D6BB7ECF4}" type="datetimeFigureOut">
               <a:rPr lang="pl-PL" smtClean="0"/>
-              <a:t>2019-10-13</a:t>
+              <a:t>2019-10-15</a:t>
             </a:fld>
             <a:endParaRPr lang="pl-PL"/>
           </a:p>
@@ -2658,7 +2659,7 @@
           <a:p>
             <a:fld id="{2985609B-2F98-4665-80AE-902D6BB7ECF4}" type="datetimeFigureOut">
               <a:rPr lang="pl-PL" smtClean="0"/>
-              <a:t>2019-10-13</a:t>
+              <a:t>2019-10-15</a:t>
             </a:fld>
             <a:endParaRPr lang="pl-PL"/>
           </a:p>
@@ -3027,7 +3028,7 @@
           <a:p>
             <a:fld id="{2985609B-2F98-4665-80AE-902D6BB7ECF4}" type="datetimeFigureOut">
               <a:rPr lang="pl-PL" smtClean="0"/>
-              <a:t>2019-10-13</a:t>
+              <a:t>2019-10-15</a:t>
             </a:fld>
             <a:endParaRPr lang="pl-PL"/>
           </a:p>
@@ -3445,7 +3446,7 @@
           <a:p>
             <a:fld id="{2985609B-2F98-4665-80AE-902D6BB7ECF4}" type="datetimeFigureOut">
               <a:rPr lang="pl-PL" smtClean="0"/>
-              <a:t>2019-10-13</a:t>
+              <a:t>2019-10-15</a:t>
             </a:fld>
             <a:endParaRPr lang="pl-PL"/>
           </a:p>
@@ -4002,12 +4003,24 @@
           <a:lstStyle/>
           <a:p>
             <a:r>
+              <a:rPr lang="pl-PL" dirty="0" err="1" smtClean="0"/>
+              <a:t>Resources</a:t>
+            </a:r>
+            <a:r>
               <a:rPr lang="pl-PL" dirty="0" smtClean="0"/>
-              <a:t>Resource </a:t>
+              <a:t> </a:t>
             </a:r>
             <a:r>
               <a:rPr lang="pl-PL" dirty="0" err="1" smtClean="0"/>
-              <a:t>quotas</a:t>
+              <a:t>quota</a:t>
+            </a:r>
+            <a:r>
+              <a:rPr lang="pl-PL" dirty="0" smtClean="0"/>
+              <a:t>/limit </a:t>
+            </a:r>
+            <a:r>
+              <a:rPr lang="pl-PL" dirty="0" err="1" smtClean="0"/>
+              <a:t>range</a:t>
             </a:r>
             <a:endParaRPr lang="pl-PL" dirty="0"/>
           </a:p>
@@ -4015,7 +4028,7 @@
       </p:sp>
       <p:sp>
         <p:nvSpPr>
-          <p:cNvPr id="5" name="Symbol zastępczy zawartości 4"/>
+          <p:cNvPr id="3" name="Symbol zastępczy zawartości 2"/>
           <p:cNvSpPr>
             <a:spLocks noGrp="1"/>
           </p:cNvSpPr>
@@ -4025,202 +4038,36 @@
         </p:nvSpPr>
         <p:spPr/>
         <p:txBody>
-          <a:bodyPr>
-            <a:normAutofit fontScale="85000" lnSpcReduction="20000"/>
-          </a:bodyPr>
+          <a:bodyPr/>
           <a:lstStyle/>
           <a:p>
-            <a:pPr marL="0" indent="0">
-              <a:buNone/>
-            </a:pPr>
-            <a:r>
-              <a:rPr lang="pl-PL" dirty="0" err="1"/>
-              <a:t>apiVersion</a:t>
-            </a:r>
-            <a:r>
-              <a:rPr lang="pl-PL" dirty="0"/>
-              <a:t>: v1</a:t>
-            </a:r>
-          </a:p>
-          <a:p>
-            <a:pPr marL="0" indent="0">
-              <a:buNone/>
-            </a:pPr>
-            <a:r>
-              <a:rPr lang="pl-PL" dirty="0" err="1"/>
-              <a:t>kind</a:t>
-            </a:r>
-            <a:r>
-              <a:rPr lang="pl-PL" dirty="0"/>
-              <a:t>: </a:t>
-            </a:r>
-            <a:r>
-              <a:rPr lang="pl-PL" dirty="0" err="1"/>
-              <a:t>ResourceQuota</a:t>
-            </a:r>
+            <a:endParaRPr lang="pl-PL" dirty="0" smtClean="0"/>
+          </a:p>
+          <a:p>
             <a:endParaRPr lang="pl-PL" dirty="0"/>
           </a:p>
           <a:p>
-            <a:pPr marL="0" indent="0">
-              <a:buNone/>
-            </a:pPr>
-            <a:r>
-              <a:rPr lang="pl-PL" dirty="0" err="1"/>
-              <a:t>metadata</a:t>
-            </a:r>
-            <a:r>
-              <a:rPr lang="pl-PL" dirty="0"/>
-              <a:t>:</a:t>
-            </a:r>
-          </a:p>
-          <a:p>
-            <a:pPr marL="0" indent="0">
-              <a:buNone/>
-            </a:pPr>
-            <a:r>
-              <a:rPr lang="pl-PL" dirty="0"/>
-              <a:t>  </a:t>
-            </a:r>
-            <a:r>
-              <a:rPr lang="pl-PL" dirty="0" err="1"/>
-              <a:t>name</a:t>
-            </a:r>
-            <a:r>
-              <a:rPr lang="pl-PL" dirty="0"/>
-              <a:t>: </a:t>
-            </a:r>
-            <a:r>
-              <a:rPr lang="pl-PL" dirty="0" err="1"/>
-              <a:t>compute-resources</a:t>
-            </a:r>
+            <a:endParaRPr lang="pl-PL" dirty="0" smtClean="0"/>
+          </a:p>
+          <a:p>
             <a:endParaRPr lang="pl-PL" dirty="0"/>
           </a:p>
           <a:p>
-            <a:pPr marL="0" indent="0">
-              <a:buNone/>
-            </a:pPr>
-            <a:r>
-              <a:rPr lang="pl-PL" dirty="0"/>
-              <a:t>spec:</a:t>
-            </a:r>
-          </a:p>
-          <a:p>
-            <a:pPr marL="0" indent="0">
-              <a:buNone/>
-            </a:pPr>
-            <a:r>
-              <a:rPr lang="pl-PL" dirty="0"/>
-              <a:t>  hard:</a:t>
-            </a:r>
-          </a:p>
-          <a:p>
-            <a:pPr marL="0" indent="0">
-              <a:buNone/>
-            </a:pPr>
-            <a:r>
-              <a:rPr lang="pl-PL" dirty="0"/>
-              <a:t>    </a:t>
-            </a:r>
-            <a:r>
-              <a:rPr lang="pl-PL" dirty="0" err="1"/>
-              <a:t>pods</a:t>
-            </a:r>
-            <a:r>
-              <a:rPr lang="pl-PL" dirty="0"/>
-              <a:t>: "20"</a:t>
-            </a:r>
-          </a:p>
-          <a:p>
-            <a:pPr marL="0" indent="0">
-              <a:buNone/>
-            </a:pPr>
-            <a:r>
-              <a:rPr lang="pl-PL" dirty="0"/>
-              <a:t>    </a:t>
-            </a:r>
-            <a:r>
-              <a:rPr lang="pl-PL" dirty="0" err="1"/>
-              <a:t>requests.cpu</a:t>
-            </a:r>
-            <a:r>
-              <a:rPr lang="pl-PL" dirty="0"/>
-              <a:t>: "1"</a:t>
-            </a:r>
-          </a:p>
-          <a:p>
-            <a:pPr marL="0" indent="0">
-              <a:buNone/>
-            </a:pPr>
-            <a:r>
-              <a:rPr lang="pl-PL" dirty="0"/>
-              <a:t>    </a:t>
-            </a:r>
-            <a:r>
-              <a:rPr lang="pl-PL" dirty="0" err="1"/>
-              <a:t>requests.memory</a:t>
-            </a:r>
-            <a:r>
-              <a:rPr lang="pl-PL" dirty="0"/>
-              <a:t>: 1Gi</a:t>
-            </a:r>
-          </a:p>
-          <a:p>
-            <a:pPr marL="0" indent="0">
-              <a:buNone/>
-            </a:pPr>
-            <a:r>
-              <a:rPr lang="pl-PL" dirty="0"/>
-              <a:t>    </a:t>
-            </a:r>
-            <a:r>
-              <a:rPr lang="pl-PL" dirty="0" err="1"/>
-              <a:t>limits.cpu</a:t>
-            </a:r>
-            <a:r>
-              <a:rPr lang="pl-PL" dirty="0"/>
-              <a:t>: "2"</a:t>
-            </a:r>
-          </a:p>
-          <a:p>
-            <a:pPr marL="0" indent="0">
-              <a:buNone/>
-            </a:pPr>
-            <a:r>
-              <a:rPr lang="pl-PL" dirty="0"/>
-              <a:t>    </a:t>
-            </a:r>
-            <a:r>
-              <a:rPr lang="pl-PL" dirty="0" err="1"/>
-              <a:t>limits.memory</a:t>
-            </a:r>
-            <a:r>
-              <a:rPr lang="pl-PL" dirty="0"/>
-              <a:t>: 2Gi</a:t>
-            </a:r>
-          </a:p>
-          <a:p>
-            <a:pPr marL="0" indent="0">
-              <a:buNone/>
-            </a:pPr>
-            <a:r>
-              <a:rPr lang="pl-PL" dirty="0"/>
-              <a:t>    requests.nvidia.com/</a:t>
-            </a:r>
-            <a:r>
-              <a:rPr lang="pl-PL" dirty="0" err="1"/>
-              <a:t>gpu</a:t>
-            </a:r>
-            <a:r>
-              <a:rPr lang="pl-PL" dirty="0"/>
-              <a:t>: 3</a:t>
-            </a:r>
+            <a:pPr marL="0" indent="0" algn="ctr">
+              <a:buNone/>
+            </a:pPr>
+            <a:r>
+              <a:rPr lang="pl-PL" sz="4000" dirty="0" smtClean="0"/>
+              <a:t>DEMO</a:t>
+            </a:r>
+            <a:endParaRPr lang="pl-PL" sz="4000" dirty="0"/>
           </a:p>
         </p:txBody>
       </p:sp>
     </p:spTree>
     <p:extLst>
       <p:ext uri="{BB962C8B-B14F-4D97-AF65-F5344CB8AC3E}">
-        <p14:creationId xmlns:p14="http://schemas.microsoft.com/office/powerpoint/2010/main" val="3495179704"/>
+        <p14:creationId xmlns:p14="http://schemas.microsoft.com/office/powerpoint/2010/main" val="2502144188"/>
       </p:ext>
     </p:extLst>
   </p:cSld>
@@ -4271,7 +4118,11 @@
           <a:p>
             <a:r>
               <a:rPr lang="pl-PL" dirty="0" smtClean="0"/>
-              <a:t>CPU</a:t>
+              <a:t>Resource </a:t>
+            </a:r>
+            <a:r>
+              <a:rPr lang="pl-PL" dirty="0" err="1" smtClean="0"/>
+              <a:t>quotas</a:t>
             </a:r>
             <a:endParaRPr lang="pl-PL" dirty="0"/>
           </a:p>
@@ -4279,7 +4130,7 @@
       </p:sp>
       <p:sp>
         <p:nvSpPr>
-          <p:cNvPr id="3" name="Symbol zastępczy zawartości 2"/>
+          <p:cNvPr id="5" name="Symbol zastępczy zawartości 4"/>
           <p:cNvSpPr>
             <a:spLocks noGrp="1"/>
           </p:cNvSpPr>
@@ -4290,60 +4141,214 @@
         <p:spPr/>
         <p:txBody>
           <a:bodyPr>
-            <a:normAutofit fontScale="92500"/>
+            <a:normAutofit fontScale="85000" lnSpcReduction="20000"/>
           </a:bodyPr>
           <a:lstStyle/>
           <a:p>
-            <a:r>
-              <a:rPr lang="en-US" dirty="0"/>
-              <a:t>CPU resources are measured in </a:t>
-            </a:r>
-            <a:r>
-              <a:rPr lang="en-US" dirty="0" err="1"/>
-              <a:t>millicore</a:t>
-            </a:r>
-            <a:r>
-              <a:rPr lang="en-US" dirty="0"/>
-              <a:t>. If a node has 2 cores, the node’s CPU capacity would be represented as 2000m. The unit suffix m stands for “thousandth of a core.”</a:t>
-            </a:r>
-          </a:p>
-          <a:p>
-            <a:r>
-              <a:rPr lang="en-US" dirty="0"/>
-              <a:t>1000m or 1000 </a:t>
-            </a:r>
-            <a:r>
-              <a:rPr lang="en-US" dirty="0" err="1"/>
-              <a:t>millicore</a:t>
-            </a:r>
-            <a:r>
-              <a:rPr lang="en-US" dirty="0"/>
-              <a:t> is equal to 1 core. 4000m would represent 4 cores. 250 </a:t>
-            </a:r>
-            <a:r>
-              <a:rPr lang="en-US" dirty="0" err="1"/>
-              <a:t>millicore</a:t>
-            </a:r>
-            <a:r>
-              <a:rPr lang="en-US" dirty="0"/>
-              <a:t> per pod means 4 pods with a similar value of 250m can run on a single core. On a 4 core node, 16 pods each having 250m can run on that node.</a:t>
-            </a:r>
-          </a:p>
-          <a:p>
+            <a:pPr marL="0" indent="0">
+              <a:buNone/>
+            </a:pPr>
+            <a:r>
+              <a:rPr lang="pl-PL" dirty="0" err="1"/>
+              <a:t>apiVersion</a:t>
+            </a:r>
+            <a:r>
+              <a:rPr lang="pl-PL" dirty="0"/>
+              <a:t>: v1</a:t>
+            </a:r>
+          </a:p>
+          <a:p>
+            <a:pPr marL="0" indent="0">
+              <a:buNone/>
+            </a:pPr>
+            <a:r>
+              <a:rPr lang="pl-PL" dirty="0" err="1"/>
+              <a:t>kind</a:t>
+            </a:r>
+            <a:r>
+              <a:rPr lang="pl-PL" dirty="0"/>
+              <a:t>: </a:t>
+            </a:r>
+            <a:r>
+              <a:rPr lang="pl-PL" dirty="0" err="1"/>
+              <a:t>ResourceQuota</a:t>
+            </a:r>
             <a:endParaRPr lang="pl-PL" dirty="0"/>
+          </a:p>
+          <a:p>
+            <a:pPr marL="0" indent="0">
+              <a:buNone/>
+            </a:pPr>
+            <a:r>
+              <a:rPr lang="pl-PL" dirty="0" err="1"/>
+              <a:t>metadata</a:t>
+            </a:r>
+            <a:r>
+              <a:rPr lang="pl-PL" dirty="0"/>
+              <a:t>:</a:t>
+            </a:r>
+          </a:p>
+          <a:p>
+            <a:pPr marL="0" indent="0">
+              <a:buNone/>
+            </a:pPr>
+            <a:r>
+              <a:rPr lang="pl-PL" dirty="0"/>
+              <a:t>  </a:t>
+            </a:r>
+            <a:r>
+              <a:rPr lang="pl-PL" dirty="0" err="1"/>
+              <a:t>name</a:t>
+            </a:r>
+            <a:r>
+              <a:rPr lang="pl-PL" dirty="0"/>
+              <a:t>: </a:t>
+            </a:r>
+            <a:r>
+              <a:rPr lang="pl-PL" dirty="0" err="1"/>
+              <a:t>compute-resources</a:t>
+            </a:r>
+            <a:endParaRPr lang="pl-PL" dirty="0"/>
+          </a:p>
+          <a:p>
+            <a:pPr marL="0" indent="0">
+              <a:buNone/>
+            </a:pPr>
+            <a:r>
+              <a:rPr lang="pl-PL" dirty="0"/>
+              <a:t>spec:</a:t>
+            </a:r>
+          </a:p>
+          <a:p>
+            <a:pPr marL="0" indent="0">
+              <a:buNone/>
+            </a:pPr>
+            <a:r>
+              <a:rPr lang="pl-PL" dirty="0"/>
+              <a:t>  hard:</a:t>
+            </a:r>
+          </a:p>
+          <a:p>
+            <a:pPr marL="0" indent="0">
+              <a:buNone/>
+            </a:pPr>
+            <a:r>
+              <a:rPr lang="pl-PL" dirty="0"/>
+              <a:t>    </a:t>
+            </a:r>
+            <a:r>
+              <a:rPr lang="pl-PL" dirty="0" err="1"/>
+              <a:t>pods</a:t>
+            </a:r>
+            <a:r>
+              <a:rPr lang="pl-PL" dirty="0"/>
+              <a:t>: "20"</a:t>
+            </a:r>
+          </a:p>
+          <a:p>
+            <a:pPr marL="0" indent="0">
+              <a:buNone/>
+            </a:pPr>
+            <a:r>
+              <a:rPr lang="pl-PL" dirty="0"/>
+              <a:t>    </a:t>
+            </a:r>
+            <a:r>
+              <a:rPr lang="pl-PL" dirty="0" err="1"/>
+              <a:t>requests.cpu</a:t>
+            </a:r>
+            <a:r>
+              <a:rPr lang="pl-PL" dirty="0"/>
+              <a:t>: "1"</a:t>
+            </a:r>
+          </a:p>
+          <a:p>
+            <a:pPr marL="0" indent="0">
+              <a:buNone/>
+            </a:pPr>
+            <a:r>
+              <a:rPr lang="pl-PL" dirty="0"/>
+              <a:t>    </a:t>
+            </a:r>
+            <a:r>
+              <a:rPr lang="pl-PL" dirty="0" err="1"/>
+              <a:t>requests.memory</a:t>
+            </a:r>
+            <a:r>
+              <a:rPr lang="pl-PL" dirty="0"/>
+              <a:t>: 1Gi</a:t>
+            </a:r>
+          </a:p>
+          <a:p>
+            <a:pPr marL="0" indent="0">
+              <a:buNone/>
+            </a:pPr>
+            <a:r>
+              <a:rPr lang="pl-PL" dirty="0"/>
+              <a:t>    </a:t>
+            </a:r>
+            <a:r>
+              <a:rPr lang="pl-PL" dirty="0" err="1"/>
+              <a:t>limits.cpu</a:t>
+            </a:r>
+            <a:r>
+              <a:rPr lang="pl-PL" dirty="0"/>
+              <a:t>: "2"</a:t>
+            </a:r>
+          </a:p>
+          <a:p>
+            <a:pPr marL="0" indent="0">
+              <a:buNone/>
+            </a:pPr>
+            <a:r>
+              <a:rPr lang="pl-PL" dirty="0"/>
+              <a:t>    </a:t>
+            </a:r>
+            <a:r>
+              <a:rPr lang="pl-PL" dirty="0" err="1"/>
+              <a:t>limits.memory</a:t>
+            </a:r>
+            <a:r>
+              <a:rPr lang="pl-PL" dirty="0"/>
+              <a:t>: 2Gi</a:t>
+            </a:r>
+          </a:p>
+          <a:p>
+            <a:pPr marL="0" indent="0">
+              <a:buNone/>
+            </a:pPr>
+            <a:r>
+              <a:rPr lang="pl-PL" dirty="0"/>
+              <a:t>    requests.nvidia.com/</a:t>
+            </a:r>
+            <a:r>
+              <a:rPr lang="pl-PL" dirty="0" err="1"/>
+              <a:t>gpu</a:t>
+            </a:r>
+            <a:r>
+              <a:rPr lang="pl-PL" dirty="0"/>
+              <a:t>: 3</a:t>
+            </a:r>
           </a:p>
         </p:txBody>
       </p:sp>
     </p:spTree>
     <p:extLst>
       <p:ext uri="{BB962C8B-B14F-4D97-AF65-F5344CB8AC3E}">
-        <p14:creationId xmlns:p14="http://schemas.microsoft.com/office/powerpoint/2010/main" val="147757337"/>
+        <p14:creationId xmlns:p14="http://schemas.microsoft.com/office/powerpoint/2010/main" val="3495179704"/>
       </p:ext>
     </p:extLst>
   </p:cSld>
   <p:clrMapOvr>
     <a:masterClrMapping/>
   </p:clrMapOvr>
+  <p:timing>
+    <p:tnLst>
+      <p:par>
+        <p:cTn id="1" dur="indefinite" restart="never" nodeType="tmRoot"/>
+      </p:par>
+    </p:tnLst>
+  </p:timing>
 </p:sld>
 </file>
 
@@ -4381,7 +4386,7 @@
           <a:p>
             <a:r>
               <a:rPr lang="pl-PL" dirty="0" smtClean="0"/>
-              <a:t>Memory</a:t>
+              <a:t>CPU</a:t>
             </a:r>
             <a:endParaRPr lang="pl-PL" dirty="0"/>
           </a:p>
@@ -4400,87 +4405,43 @@
         <p:spPr/>
         <p:txBody>
           <a:bodyPr>
-            <a:normAutofit fontScale="92500" lnSpcReduction="20000"/>
+            <a:normAutofit fontScale="92500"/>
           </a:bodyPr>
           <a:lstStyle/>
           <a:p>
             <a:r>
               <a:rPr lang="en-US" dirty="0"/>
-              <a:t>Memory is measured in bytes. However, you can express memory with various suffixes (E,P,T,G,M,K and </a:t>
+              <a:t>CPU resources are measured in </a:t>
             </a:r>
             <a:r>
               <a:rPr lang="en-US" dirty="0" err="1"/>
-              <a:t>Ei</a:t>
+              <a:t>millicore</a:t>
             </a:r>
             <a:r>
               <a:rPr lang="en-US" dirty="0"/>
-              <a:t>, Pi, </a:t>
+              <a:t>. If a node has 2 cores, the node’s CPU capacity would be represented as 2000m. The unit suffix m stands for “thousandth of a core.”</a:t>
+            </a:r>
+          </a:p>
+          <a:p>
+            <a:r>
+              <a:rPr lang="en-US" dirty="0"/>
+              <a:t>1000m or 1000 </a:t>
             </a:r>
             <a:r>
               <a:rPr lang="en-US" dirty="0" err="1"/>
-              <a:t>Ti</a:t>
+              <a:t>millicore</a:t>
             </a:r>
             <a:r>
               <a:rPr lang="en-US" dirty="0"/>
-              <a:t>, </a:t>
+              <a:t> is equal to 1 core. 4000m would represent 4 cores. 250 </a:t>
             </a:r>
             <a:r>
               <a:rPr lang="en-US" dirty="0" err="1"/>
-              <a:t>Gi</a:t>
+              <a:t>millicore</a:t>
             </a:r>
             <a:r>
               <a:rPr lang="en-US" dirty="0"/>
-              <a:t>, </a:t>
-            </a:r>
-            <a:r>
-              <a:rPr lang="en-US" dirty="0" err="1"/>
-              <a:t>Mi</a:t>
-            </a:r>
-            <a:r>
-              <a:rPr lang="en-US" dirty="0"/>
-              <a:t>, Ki) to express </a:t>
-            </a:r>
-            <a:r>
-              <a:rPr lang="en-US" dirty="0" err="1"/>
-              <a:t>mebibytes</a:t>
-            </a:r>
-            <a:r>
-              <a:rPr lang="en-US" dirty="0"/>
-              <a:t> (</a:t>
-            </a:r>
-            <a:r>
-              <a:rPr lang="en-US" dirty="0" err="1"/>
-              <a:t>Mi</a:t>
-            </a:r>
-            <a:r>
-              <a:rPr lang="en-US" dirty="0"/>
-              <a:t>) to petabytes (Pi). </a:t>
-            </a:r>
-            <a:r>
-              <a:rPr lang="en-US" b="1" dirty="0"/>
-              <a:t>Most simply use Mi</a:t>
-            </a:r>
-            <a:r>
-              <a:rPr lang="en-US" dirty="0"/>
-              <a:t>.</a:t>
-            </a:r>
-          </a:p>
-          <a:p>
-            <a:r>
-              <a:rPr lang="en-US" dirty="0"/>
-              <a:t>Like CPU, </a:t>
-            </a:r>
-            <a:r>
-              <a:rPr lang="en-US" dirty="0">
-                <a:solidFill>
-                  <a:srgbClr val="FF0000"/>
-                </a:solidFill>
-              </a:rPr>
-              <a:t>pods will never be scheduled if they require more resources than the capacity of a node</a:t>
-            </a:r>
-            <a:r>
-              <a:rPr lang="en-US" dirty="0"/>
-              <a:t>. Unlike CPU, memory is not compressible. You can’t make memory run slower or faster like CPU or network throttling. Pods will be terminated if it reaches the memory limit.</a:t>
+              <a:t> per pod means 4 pods with a similar value of 250m can run on a single core. On a 4 core node, 16 pods each having 250m can run on that node.</a:t>
             </a:r>
           </a:p>
           <a:p>
@@ -4491,7 +4452,7 @@
     </p:spTree>
     <p:extLst>
       <p:ext uri="{BB962C8B-B14F-4D97-AF65-F5344CB8AC3E}">
-        <p14:creationId xmlns:p14="http://schemas.microsoft.com/office/powerpoint/2010/main" val="3653138814"/>
+        <p14:creationId xmlns:p14="http://schemas.microsoft.com/office/powerpoint/2010/main" val="147757337"/>
       </p:ext>
     </p:extLst>
   </p:cSld>
@@ -4534,6 +4495,160 @@
           <a:lstStyle/>
           <a:p>
             <a:r>
+              <a:rPr lang="pl-PL" dirty="0" smtClean="0"/>
+              <a:t>Memory</a:t>
+            </a:r>
+            <a:endParaRPr lang="pl-PL" dirty="0"/>
+          </a:p>
+        </p:txBody>
+      </p:sp>
+      <p:sp>
+        <p:nvSpPr>
+          <p:cNvPr id="3" name="Symbol zastępczy zawartości 2"/>
+          <p:cNvSpPr>
+            <a:spLocks noGrp="1"/>
+          </p:cNvSpPr>
+          <p:nvPr>
+            <p:ph idx="1"/>
+          </p:nvPr>
+        </p:nvSpPr>
+        <p:spPr/>
+        <p:txBody>
+          <a:bodyPr>
+            <a:normAutofit fontScale="92500" lnSpcReduction="20000"/>
+          </a:bodyPr>
+          <a:lstStyle/>
+          <a:p>
+            <a:r>
+              <a:rPr lang="en-US" dirty="0"/>
+              <a:t>Memory is measured in bytes. However, you can express memory with various suffixes (E,P,T,G,M,K and </a:t>
+            </a:r>
+            <a:r>
+              <a:rPr lang="en-US" dirty="0" err="1"/>
+              <a:t>Ei</a:t>
+            </a:r>
+            <a:r>
+              <a:rPr lang="en-US" dirty="0"/>
+              <a:t>, Pi, </a:t>
+            </a:r>
+            <a:r>
+              <a:rPr lang="en-US" dirty="0" err="1"/>
+              <a:t>Ti</a:t>
+            </a:r>
+            <a:r>
+              <a:rPr lang="en-US" dirty="0"/>
+              <a:t>, </a:t>
+            </a:r>
+            <a:r>
+              <a:rPr lang="en-US" dirty="0" err="1"/>
+              <a:t>Gi</a:t>
+            </a:r>
+            <a:r>
+              <a:rPr lang="en-US" dirty="0"/>
+              <a:t>, </a:t>
+            </a:r>
+            <a:r>
+              <a:rPr lang="en-US" dirty="0" err="1"/>
+              <a:t>Mi</a:t>
+            </a:r>
+            <a:r>
+              <a:rPr lang="en-US" dirty="0"/>
+              <a:t>, Ki) to express </a:t>
+            </a:r>
+            <a:r>
+              <a:rPr lang="en-US" dirty="0" err="1"/>
+              <a:t>mebibytes</a:t>
+            </a:r>
+            <a:r>
+              <a:rPr lang="en-US" dirty="0"/>
+              <a:t> (</a:t>
+            </a:r>
+            <a:r>
+              <a:rPr lang="en-US" dirty="0" err="1"/>
+              <a:t>Mi</a:t>
+            </a:r>
+            <a:r>
+              <a:rPr lang="en-US" dirty="0"/>
+              <a:t>) to petabytes (Pi). </a:t>
+            </a:r>
+            <a:r>
+              <a:rPr lang="en-US" b="1" dirty="0"/>
+              <a:t>Most simply use Mi</a:t>
+            </a:r>
+            <a:r>
+              <a:rPr lang="en-US" dirty="0"/>
+              <a:t>.</a:t>
+            </a:r>
+          </a:p>
+          <a:p>
+            <a:r>
+              <a:rPr lang="en-US" dirty="0"/>
+              <a:t>Like CPU, </a:t>
+            </a:r>
+            <a:r>
+              <a:rPr lang="en-US" dirty="0">
+                <a:solidFill>
+                  <a:srgbClr val="FF0000"/>
+                </a:solidFill>
+              </a:rPr>
+              <a:t>pods will never be scheduled if they require more resources than the capacity of a node</a:t>
+            </a:r>
+            <a:r>
+              <a:rPr lang="en-US" dirty="0"/>
+              <a:t>. Unlike CPU, memory is not compressible. You can’t make memory run slower or faster like CPU or network throttling. Pods will be terminated if it reaches the memory limit.</a:t>
+            </a:r>
+          </a:p>
+          <a:p>
+            <a:endParaRPr lang="pl-PL" dirty="0"/>
+          </a:p>
+        </p:txBody>
+      </p:sp>
+    </p:spTree>
+    <p:extLst>
+      <p:ext uri="{BB962C8B-B14F-4D97-AF65-F5344CB8AC3E}">
+        <p14:creationId xmlns:p14="http://schemas.microsoft.com/office/powerpoint/2010/main" val="3653138814"/>
+      </p:ext>
+    </p:extLst>
+  </p:cSld>
+  <p:clrMapOvr>
+    <a:masterClrMapping/>
+  </p:clrMapOvr>
+</p:sld>
+</file>
+
+<file path=ppt/slides/slide14.xml><?xml version="1.0" encoding="utf-8"?>
+<p:sld xmlns:a="http://schemas.openxmlformats.org/drawingml/2006/main" xmlns:r="http://schemas.openxmlformats.org/officeDocument/2006/relationships" xmlns:p="http://schemas.openxmlformats.org/presentationml/2006/main">
+  <p:cSld>
+    <p:spTree>
+      <p:nvGrpSpPr>
+        <p:cNvPr id="1" name=""/>
+        <p:cNvGrpSpPr/>
+        <p:nvPr/>
+      </p:nvGrpSpPr>
+      <p:grpSpPr>
+        <a:xfrm>
+          <a:off x="0" y="0"/>
+          <a:ext cx="0" cy="0"/>
+          <a:chOff x="0" y="0"/>
+          <a:chExt cx="0" cy="0"/>
+        </a:xfrm>
+      </p:grpSpPr>
+      <p:sp>
+        <p:nvSpPr>
+          <p:cNvPr id="2" name="Tytuł 1"/>
+          <p:cNvSpPr>
+            <a:spLocks noGrp="1"/>
+          </p:cNvSpPr>
+          <p:nvPr>
+            <p:ph type="title"/>
+          </p:nvPr>
+        </p:nvSpPr>
+        <p:spPr/>
+        <p:txBody>
+          <a:bodyPr/>
+          <a:lstStyle/>
+          <a:p>
+            <a:r>
               <a:rPr lang="pl-PL" dirty="0" err="1" smtClean="0"/>
               <a:t>Nodes</a:t>
             </a:r>
@@ -4601,7 +4716,7 @@
 </p:sld>
 </file>
 
-<file path=ppt/slides/slide14.xml><?xml version="1.0" encoding="utf-8"?>
+<file path=ppt/slides/slide15.xml><?xml version="1.0" encoding="utf-8"?>
 <p:sld xmlns:a="http://schemas.openxmlformats.org/drawingml/2006/main" xmlns:r="http://schemas.openxmlformats.org/officeDocument/2006/relationships" xmlns:p="http://schemas.openxmlformats.org/presentationml/2006/main">
   <p:cSld>
     <p:spTree>
@@ -5200,178 +5315,6 @@
 </p:sld>
 </file>
 
-<file path=ppt/slides/slide15.xml><?xml version="1.0" encoding="utf-8"?>
-<p:sld xmlns:a="http://schemas.openxmlformats.org/drawingml/2006/main" xmlns:r="http://schemas.openxmlformats.org/officeDocument/2006/relationships" xmlns:p="http://schemas.openxmlformats.org/presentationml/2006/main">
-  <p:cSld>
-    <p:spTree>
-      <p:nvGrpSpPr>
-        <p:cNvPr id="1" name=""/>
-        <p:cNvGrpSpPr/>
-        <p:nvPr/>
-      </p:nvGrpSpPr>
-      <p:grpSpPr>
-        <a:xfrm>
-          <a:off x="0" y="0"/>
-          <a:ext cx="0" cy="0"/>
-          <a:chOff x="0" y="0"/>
-          <a:chExt cx="0" cy="0"/>
-        </a:xfrm>
-      </p:grpSpPr>
-      <p:sp>
-        <p:nvSpPr>
-          <p:cNvPr id="2" name="Tytuł 1"/>
-          <p:cNvSpPr>
-            <a:spLocks noGrp="1"/>
-          </p:cNvSpPr>
-          <p:nvPr>
-            <p:ph type="title"/>
-          </p:nvPr>
-        </p:nvSpPr>
-        <p:spPr/>
-        <p:txBody>
-          <a:bodyPr/>
-          <a:lstStyle/>
-          <a:p>
-            <a:r>
-              <a:rPr lang="pl-PL" dirty="0" err="1" smtClean="0"/>
-              <a:t>Scheduler</a:t>
-            </a:r>
-            <a:endParaRPr lang="pl-PL" dirty="0"/>
-          </a:p>
-        </p:txBody>
-      </p:sp>
-      <p:sp>
-        <p:nvSpPr>
-          <p:cNvPr id="3" name="Symbol zastępczy zawartości 2"/>
-          <p:cNvSpPr>
-            <a:spLocks noGrp="1"/>
-          </p:cNvSpPr>
-          <p:nvPr>
-            <p:ph idx="1"/>
-          </p:nvPr>
-        </p:nvSpPr>
-        <p:spPr/>
-        <p:txBody>
-          <a:bodyPr/>
-          <a:lstStyle/>
-          <a:p>
-            <a:pPr marL="0" indent="0">
-              <a:buNone/>
-            </a:pPr>
-            <a:r>
-              <a:rPr lang="en-US" dirty="0" smtClean="0"/>
-              <a:t>Q</a:t>
-            </a:r>
-            <a:r>
-              <a:rPr lang="pl-PL" dirty="0" smtClean="0"/>
-              <a:t>o</a:t>
-            </a:r>
-            <a:r>
-              <a:rPr lang="en-US" dirty="0" smtClean="0"/>
-              <a:t>S</a:t>
-            </a:r>
-            <a:r>
-              <a:rPr lang="pl-PL" dirty="0" smtClean="0"/>
-              <a:t> (</a:t>
-            </a:r>
-            <a:r>
-              <a:rPr lang="pl-PL" dirty="0" err="1"/>
-              <a:t>Quality</a:t>
-            </a:r>
-            <a:r>
-              <a:rPr lang="pl-PL" dirty="0"/>
-              <a:t> of </a:t>
-            </a:r>
-            <a:r>
-              <a:rPr lang="pl-PL" dirty="0" smtClean="0"/>
-              <a:t>Service)</a:t>
-            </a:r>
-            <a:r>
-              <a:rPr lang="en-US" dirty="0" smtClean="0"/>
-              <a:t> Classes</a:t>
-            </a:r>
-            <a:endParaRPr lang="pl-PL" dirty="0" smtClean="0"/>
-          </a:p>
-          <a:p>
-            <a:pPr marL="0" indent="0">
-              <a:buNone/>
-            </a:pPr>
-            <a:endParaRPr lang="en-US" dirty="0"/>
-          </a:p>
-          <a:p>
-            <a:pPr marL="0" indent="0">
-              <a:buNone/>
-            </a:pPr>
-            <a:r>
-              <a:rPr lang="en-US" dirty="0"/>
-              <a:t>When Kubernetes creates a pod, it assigns one of these three </a:t>
-            </a:r>
-            <a:r>
-              <a:rPr lang="en-US" dirty="0" err="1"/>
-              <a:t>QoS</a:t>
-            </a:r>
-            <a:r>
-              <a:rPr lang="en-US" dirty="0"/>
-              <a:t> classes</a:t>
-            </a:r>
-            <a:r>
-              <a:rPr lang="en-US" dirty="0" smtClean="0"/>
-              <a:t>:</a:t>
-            </a:r>
-            <a:endParaRPr lang="pl-PL" dirty="0" smtClean="0"/>
-          </a:p>
-          <a:p>
-            <a:pPr marL="0" indent="0">
-              <a:buNone/>
-            </a:pPr>
-            <a:endParaRPr lang="en-US" dirty="0"/>
-          </a:p>
-          <a:p>
-            <a:pPr marL="0" indent="0" latinLnBrk="1">
-              <a:buNone/>
-            </a:pPr>
-            <a:r>
-              <a:rPr lang="en-US" dirty="0"/>
-              <a:t>Guaranteed</a:t>
-            </a:r>
-          </a:p>
-          <a:p>
-            <a:pPr marL="0" indent="0" latinLnBrk="1">
-              <a:buNone/>
-            </a:pPr>
-            <a:r>
-              <a:rPr lang="en-US" dirty="0"/>
-              <a:t>Burstable</a:t>
-            </a:r>
-          </a:p>
-          <a:p>
-            <a:pPr marL="0" indent="0" latinLnBrk="1">
-              <a:buNone/>
-            </a:pPr>
-            <a:r>
-              <a:rPr lang="en-US" dirty="0" err="1"/>
-              <a:t>BestEffort</a:t>
-            </a:r>
-            <a:endParaRPr lang="en-US" dirty="0"/>
-          </a:p>
-          <a:p>
-            <a:endParaRPr lang="pl-PL" dirty="0"/>
-          </a:p>
-        </p:txBody>
-      </p:sp>
-    </p:spTree>
-    <p:extLst>
-      <p:ext uri="{BB962C8B-B14F-4D97-AF65-F5344CB8AC3E}">
-        <p14:creationId xmlns:p14="http://schemas.microsoft.com/office/powerpoint/2010/main" val="2073386709"/>
-      </p:ext>
-    </p:extLst>
-  </p:cSld>
-  <p:clrMapOvr>
-    <a:masterClrMapping/>
-  </p:clrMapOvr>
-</p:sld>
-</file>
-
 <file path=ppt/slides/slide16.xml><?xml version="1.0" encoding="utf-8"?>
 <p:sld xmlns:a="http://schemas.openxmlformats.org/drawingml/2006/main" xmlns:r="http://schemas.openxmlformats.org/officeDocument/2006/relationships" xmlns:p="http://schemas.openxmlformats.org/presentationml/2006/main">
   <p:cSld>
@@ -5405,266 +5348,128 @@
           <a:lstStyle/>
           <a:p>
             <a:r>
-              <a:rPr lang="pl-PL" dirty="0" err="1" smtClean="0">
-                <a:effectLst>
-                  <a:outerShdw blurRad="38100" dist="38100" dir="2700000" algn="tl">
-                    <a:srgbClr val="000000">
-                      <a:alpha val="43137"/>
-                    </a:srgbClr>
-                  </a:outerShdw>
-                </a:effectLst>
-              </a:rPr>
+              <a:rPr lang="pl-PL" dirty="0" err="1" smtClean="0"/>
+              <a:t>Scheduler</a:t>
+            </a:r>
+            <a:endParaRPr lang="pl-PL" dirty="0"/>
+          </a:p>
+        </p:txBody>
+      </p:sp>
+      <p:sp>
+        <p:nvSpPr>
+          <p:cNvPr id="3" name="Symbol zastępczy zawartości 2"/>
+          <p:cNvSpPr>
+            <a:spLocks noGrp="1"/>
+          </p:cNvSpPr>
+          <p:nvPr>
+            <p:ph idx="1"/>
+          </p:nvPr>
+        </p:nvSpPr>
+        <p:spPr/>
+        <p:txBody>
+          <a:bodyPr/>
+          <a:lstStyle/>
+          <a:p>
+            <a:pPr marL="0" indent="0">
+              <a:buNone/>
+            </a:pPr>
+            <a:r>
+              <a:rPr lang="en-US" dirty="0" smtClean="0"/>
+              <a:t>Q</a:t>
+            </a:r>
+            <a:r>
+              <a:rPr lang="pl-PL" dirty="0" smtClean="0"/>
+              <a:t>o</a:t>
+            </a:r>
+            <a:r>
+              <a:rPr lang="en-US" dirty="0" smtClean="0"/>
+              <a:t>S</a:t>
+            </a:r>
+            <a:r>
+              <a:rPr lang="pl-PL" dirty="0" smtClean="0"/>
+              <a:t> (</a:t>
+            </a:r>
+            <a:r>
+              <a:rPr lang="pl-PL" dirty="0" err="1"/>
+              <a:t>Quality</a:t>
+            </a:r>
+            <a:r>
+              <a:rPr lang="pl-PL" dirty="0"/>
+              <a:t> of </a:t>
+            </a:r>
+            <a:r>
+              <a:rPr lang="pl-PL" dirty="0" smtClean="0"/>
+              <a:t>Service)</a:t>
+            </a:r>
+            <a:r>
+              <a:rPr lang="en-US" dirty="0" smtClean="0"/>
+              <a:t> Classes</a:t>
+            </a:r>
+            <a:endParaRPr lang="pl-PL" dirty="0" smtClean="0"/>
+          </a:p>
+          <a:p>
+            <a:pPr marL="0" indent="0">
+              <a:buNone/>
+            </a:pPr>
+            <a:endParaRPr lang="en-US" dirty="0"/>
+          </a:p>
+          <a:p>
+            <a:pPr marL="0" indent="0">
+              <a:buNone/>
+            </a:pPr>
+            <a:r>
+              <a:rPr lang="en-US" dirty="0"/>
+              <a:t>When Kubernetes creates a pod, it assigns one of these three </a:t>
+            </a:r>
+            <a:r>
+              <a:rPr lang="en-US" dirty="0" err="1"/>
+              <a:t>QoS</a:t>
+            </a:r>
+            <a:r>
+              <a:rPr lang="en-US" dirty="0"/>
+              <a:t> classes</a:t>
+            </a:r>
+            <a:r>
+              <a:rPr lang="en-US" dirty="0" smtClean="0"/>
+              <a:t>:</a:t>
+            </a:r>
+            <a:endParaRPr lang="pl-PL" dirty="0" smtClean="0"/>
+          </a:p>
+          <a:p>
+            <a:pPr marL="0" indent="0">
+              <a:buNone/>
+            </a:pPr>
+            <a:endParaRPr lang="en-US" dirty="0"/>
+          </a:p>
+          <a:p>
+            <a:pPr marL="0" indent="0" latinLnBrk="1">
+              <a:buNone/>
+            </a:pPr>
+            <a:r>
+              <a:rPr lang="en-US" dirty="0"/>
               <a:t>Guaranteed</a:t>
             </a:r>
-            <a:r>
-              <a:rPr lang="pl-PL" dirty="0" smtClean="0">
-                <a:effectLst>
-                  <a:outerShdw blurRad="38100" dist="38100" dir="2700000" algn="tl">
-                    <a:srgbClr val="000000">
-                      <a:alpha val="43137"/>
-                    </a:srgbClr>
-                  </a:outerShdw>
-                </a:effectLst>
-              </a:rPr>
-              <a:t> </a:t>
-            </a:r>
-            <a:r>
-              <a:rPr lang="pl-PL" dirty="0" err="1" smtClean="0">
-                <a:effectLst>
-                  <a:outerShdw blurRad="38100" dist="38100" dir="2700000" algn="tl">
-                    <a:srgbClr val="000000">
-                      <a:alpha val="43137"/>
-                    </a:srgbClr>
-                  </a:outerShdw>
-                </a:effectLst>
-              </a:rPr>
-              <a:t>QoS</a:t>
-            </a:r>
-            <a:endParaRPr lang="pl-PL" dirty="0">
-              <a:effectLst>
-                <a:outerShdw blurRad="38100" dist="38100" dir="2700000" algn="tl">
-                  <a:srgbClr val="000000">
-                    <a:alpha val="43137"/>
-                  </a:srgbClr>
-                </a:outerShdw>
-              </a:effectLst>
-            </a:endParaRPr>
-          </a:p>
-        </p:txBody>
-      </p:sp>
-      <p:sp>
-        <p:nvSpPr>
-          <p:cNvPr id="3" name="Symbol zastępczy zawartości 2"/>
-          <p:cNvSpPr>
-            <a:spLocks noGrp="1"/>
-          </p:cNvSpPr>
-          <p:nvPr>
-            <p:ph idx="1"/>
-          </p:nvPr>
-        </p:nvSpPr>
-        <p:spPr>
-          <a:xfrm>
-            <a:off x="502920" y="530352"/>
-            <a:ext cx="8183880" cy="4050776"/>
-          </a:xfrm>
-        </p:spPr>
-        <p:txBody>
-          <a:bodyPr>
-            <a:normAutofit fontScale="55000" lnSpcReduction="20000"/>
-          </a:bodyPr>
-          <a:lstStyle/>
-          <a:p>
-            <a:endParaRPr lang="pl-PL" dirty="0" smtClean="0">
-              <a:hlinkClick r:id="rId2"/>
-            </a:endParaRPr>
-          </a:p>
-          <a:p>
-            <a:pPr marL="0" indent="0">
-              <a:buNone/>
-            </a:pPr>
-            <a:r>
-              <a:rPr lang="en-US" sz="3600" b="1" dirty="0"/>
-              <a:t>For a Pod to be given a </a:t>
-            </a:r>
-            <a:r>
-              <a:rPr lang="en-US" sz="3600" b="1" dirty="0" err="1"/>
-              <a:t>QoS</a:t>
-            </a:r>
-            <a:r>
-              <a:rPr lang="en-US" sz="3600" b="1" dirty="0"/>
-              <a:t> class of Guaranteed</a:t>
-            </a:r>
-            <a:r>
-              <a:rPr lang="en-US" sz="3600" b="1" dirty="0" smtClean="0"/>
-              <a:t>:</a:t>
-            </a:r>
-            <a:endParaRPr lang="pl-PL" sz="3600" b="1" dirty="0" smtClean="0"/>
-          </a:p>
-          <a:p>
-            <a:pPr marL="0" indent="0">
-              <a:buNone/>
-            </a:pPr>
+          </a:p>
+          <a:p>
+            <a:pPr marL="0" indent="0" latinLnBrk="1">
+              <a:buNone/>
+            </a:pPr>
+            <a:r>
+              <a:rPr lang="en-US" dirty="0"/>
+              <a:t>Burstable</a:t>
+            </a:r>
+          </a:p>
+          <a:p>
+            <a:pPr marL="0" indent="0" latinLnBrk="1">
+              <a:buNone/>
+            </a:pPr>
+            <a:r>
+              <a:rPr lang="en-US" dirty="0" err="1"/>
+              <a:t>BestEffort</a:t>
+            </a:r>
             <a:endParaRPr lang="en-US" dirty="0"/>
           </a:p>
           <a:p>
-            <a:pPr marL="0" indent="0">
-              <a:buNone/>
-            </a:pPr>
-            <a:r>
-              <a:rPr lang="en-US" dirty="0"/>
-              <a:t>Every Container in the Pod must have a memory limit and a memory request, and they must be the same</a:t>
-            </a:r>
-            <a:r>
-              <a:rPr lang="en-US" dirty="0" smtClean="0"/>
-              <a:t>.</a:t>
-            </a:r>
-            <a:endParaRPr lang="pl-PL" dirty="0" smtClean="0"/>
-          </a:p>
-          <a:p>
-            <a:pPr marL="0" indent="0">
-              <a:buNone/>
-            </a:pPr>
-            <a:endParaRPr lang="en-US" dirty="0"/>
-          </a:p>
-          <a:p>
-            <a:pPr marL="0" indent="0">
-              <a:buNone/>
-            </a:pPr>
-            <a:r>
-              <a:rPr lang="en-US" dirty="0"/>
-              <a:t>Every Container in the Pod must have a CPU limit and a CPU request, and they must be the same.</a:t>
-            </a:r>
-          </a:p>
-          <a:p>
-            <a:pPr marL="0" indent="0">
-              <a:buNone/>
-            </a:pPr>
-            <a:endParaRPr lang="pl-PL" dirty="0">
-              <a:hlinkClick r:id="rId2"/>
-            </a:endParaRPr>
-          </a:p>
-          <a:p>
-            <a:pPr marL="0" indent="0">
-              <a:buNone/>
-            </a:pPr>
-            <a:r>
-              <a:rPr lang="en-US" sz="3600" dirty="0"/>
-              <a:t>resources:</a:t>
-            </a:r>
-          </a:p>
-          <a:p>
-            <a:pPr marL="0" indent="0">
-              <a:buNone/>
-            </a:pPr>
-            <a:r>
-              <a:rPr lang="en-US" sz="3600" dirty="0"/>
-              <a:t>      limits:</a:t>
-            </a:r>
-          </a:p>
-          <a:p>
-            <a:pPr marL="0" indent="0">
-              <a:buNone/>
-            </a:pPr>
-            <a:r>
-              <a:rPr lang="en-US" sz="3600" dirty="0"/>
-              <a:t>        memory: "200Mi"</a:t>
-            </a:r>
-          </a:p>
-          <a:p>
-            <a:pPr marL="0" indent="0">
-              <a:buNone/>
-            </a:pPr>
-            <a:r>
-              <a:rPr lang="en-US" sz="3600" dirty="0"/>
-              <a:t>        </a:t>
-            </a:r>
-            <a:r>
-              <a:rPr lang="en-US" sz="3600" dirty="0" err="1"/>
-              <a:t>cpu</a:t>
-            </a:r>
-            <a:r>
-              <a:rPr lang="en-US" sz="3600" dirty="0"/>
-              <a:t>: "700m"</a:t>
-            </a:r>
-          </a:p>
-          <a:p>
-            <a:pPr marL="0" indent="0">
-              <a:buNone/>
-            </a:pPr>
-            <a:r>
-              <a:rPr lang="en-US" sz="3600" dirty="0"/>
-              <a:t>      requests:</a:t>
-            </a:r>
-          </a:p>
-          <a:p>
-            <a:pPr marL="0" indent="0">
-              <a:buNone/>
-            </a:pPr>
-            <a:r>
-              <a:rPr lang="en-US" sz="3600" dirty="0"/>
-              <a:t>        memory: "200Mi"</a:t>
-            </a:r>
-          </a:p>
-          <a:p>
-            <a:pPr marL="0" indent="0">
-              <a:buNone/>
-            </a:pPr>
-            <a:r>
-              <a:rPr lang="en-US" sz="3600" dirty="0"/>
-              <a:t>        </a:t>
-            </a:r>
-            <a:r>
-              <a:rPr lang="en-US" sz="3600" dirty="0" err="1"/>
-              <a:t>cpu</a:t>
-            </a:r>
-            <a:r>
-              <a:rPr lang="en-US" sz="3600" dirty="0"/>
-              <a:t>: "700m"	</a:t>
-            </a:r>
-            <a:endParaRPr lang="pl-PL" sz="3600" dirty="0" smtClean="0">
-              <a:hlinkClick r:id="rId2"/>
-            </a:endParaRPr>
-          </a:p>
-          <a:p>
-            <a:pPr marL="0" indent="0">
-              <a:buNone/>
-            </a:pPr>
-            <a:endParaRPr lang="pl-PL" dirty="0">
-              <a:hlinkClick r:id="rId2"/>
-            </a:endParaRPr>
-          </a:p>
-          <a:p>
-            <a:endParaRPr lang="pl-PL" dirty="0"/>
-          </a:p>
-        </p:txBody>
-      </p:sp>
-      <p:sp>
-        <p:nvSpPr>
-          <p:cNvPr id="5" name="Prostokąt 4"/>
-          <p:cNvSpPr/>
-          <p:nvPr/>
-        </p:nvSpPr>
-        <p:spPr>
-          <a:xfrm>
-            <a:off x="622992" y="4581128"/>
-            <a:ext cx="8064896" cy="923330"/>
-          </a:xfrm>
-          <a:prstGeom prst="rect">
-            <a:avLst/>
-          </a:prstGeom>
-        </p:spPr>
-        <p:txBody>
-          <a:bodyPr wrap="square">
-            <a:spAutoFit/>
-          </a:bodyPr>
-          <a:lstStyle/>
-          <a:p>
-            <a:r>
-              <a:rPr lang="pl-PL" dirty="0">
-                <a:hlinkClick r:id="rId2"/>
-              </a:rPr>
-              <a:t>https://kubernetes.io/docs/tasks/configure-pod-container/quality-service-pod/#create-a-pod-that-gets-assigned-a-qos-class-of-guaranteed</a:t>
-            </a:r>
             <a:endParaRPr lang="pl-PL" dirty="0"/>
           </a:p>
         </p:txBody>
@@ -5672,7 +5477,7 @@
     </p:spTree>
     <p:extLst>
       <p:ext uri="{BB962C8B-B14F-4D97-AF65-F5344CB8AC3E}">
-        <p14:creationId xmlns:p14="http://schemas.microsoft.com/office/powerpoint/2010/main" val="2173025175"/>
+        <p14:creationId xmlns:p14="http://schemas.microsoft.com/office/powerpoint/2010/main" val="2073386709"/>
       </p:ext>
     </p:extLst>
   </p:cSld>
@@ -5715,86 +5520,266 @@
           <a:lstStyle/>
           <a:p>
             <a:r>
+              <a:rPr lang="pl-PL" dirty="0" err="1" smtClean="0">
+                <a:effectLst>
+                  <a:outerShdw blurRad="38100" dist="38100" dir="2700000" algn="tl">
+                    <a:srgbClr val="000000">
+                      <a:alpha val="43137"/>
+                    </a:srgbClr>
+                  </a:outerShdw>
+                </a:effectLst>
+              </a:rPr>
+              <a:t>Guaranteed</a:t>
+            </a:r>
+            <a:r>
+              <a:rPr lang="pl-PL" dirty="0" smtClean="0">
+                <a:effectLst>
+                  <a:outerShdw blurRad="38100" dist="38100" dir="2700000" algn="tl">
+                    <a:srgbClr val="000000">
+                      <a:alpha val="43137"/>
+                    </a:srgbClr>
+                  </a:outerShdw>
+                </a:effectLst>
+              </a:rPr>
+              <a:t> </a:t>
+            </a:r>
+            <a:r>
+              <a:rPr lang="pl-PL" dirty="0" err="1" smtClean="0">
+                <a:effectLst>
+                  <a:outerShdw blurRad="38100" dist="38100" dir="2700000" algn="tl">
+                    <a:srgbClr val="000000">
+                      <a:alpha val="43137"/>
+                    </a:srgbClr>
+                  </a:outerShdw>
+                </a:effectLst>
+              </a:rPr>
+              <a:t>QoS</a:t>
+            </a:r>
+            <a:endParaRPr lang="pl-PL" dirty="0">
+              <a:effectLst>
+                <a:outerShdw blurRad="38100" dist="38100" dir="2700000" algn="tl">
+                  <a:srgbClr val="000000">
+                    <a:alpha val="43137"/>
+                  </a:srgbClr>
+                </a:outerShdw>
+              </a:effectLst>
+            </a:endParaRPr>
+          </a:p>
+        </p:txBody>
+      </p:sp>
+      <p:sp>
+        <p:nvSpPr>
+          <p:cNvPr id="3" name="Symbol zastępczy zawartości 2"/>
+          <p:cNvSpPr>
+            <a:spLocks noGrp="1"/>
+          </p:cNvSpPr>
+          <p:nvPr>
+            <p:ph idx="1"/>
+          </p:nvPr>
+        </p:nvSpPr>
+        <p:spPr>
+          <a:xfrm>
+            <a:off x="502920" y="530352"/>
+            <a:ext cx="8183880" cy="4050776"/>
+          </a:xfrm>
+        </p:spPr>
+        <p:txBody>
+          <a:bodyPr>
+            <a:normAutofit fontScale="55000" lnSpcReduction="20000"/>
+          </a:bodyPr>
+          <a:lstStyle/>
+          <a:p>
+            <a:endParaRPr lang="pl-PL" dirty="0" smtClean="0">
+              <a:hlinkClick r:id="rId2"/>
+            </a:endParaRPr>
+          </a:p>
+          <a:p>
+            <a:pPr marL="0" indent="0">
+              <a:buNone/>
+            </a:pPr>
+            <a:r>
+              <a:rPr lang="en-US" sz="3600" b="1" dirty="0"/>
+              <a:t>For a Pod to be given a </a:t>
+            </a:r>
+            <a:r>
+              <a:rPr lang="en-US" sz="3600" b="1" dirty="0" err="1"/>
+              <a:t>QoS</a:t>
+            </a:r>
+            <a:r>
+              <a:rPr lang="en-US" sz="3600" b="1" dirty="0"/>
+              <a:t> class of Guaranteed</a:t>
+            </a:r>
+            <a:r>
+              <a:rPr lang="en-US" sz="3600" b="1" dirty="0" smtClean="0"/>
+              <a:t>:</a:t>
+            </a:r>
+            <a:endParaRPr lang="pl-PL" sz="3600" b="1" dirty="0" smtClean="0"/>
+          </a:p>
+          <a:p>
+            <a:pPr marL="0" indent="0">
+              <a:buNone/>
+            </a:pPr>
+            <a:endParaRPr lang="en-US" dirty="0"/>
+          </a:p>
+          <a:p>
+            <a:pPr marL="0" indent="0">
+              <a:buNone/>
+            </a:pPr>
+            <a:r>
+              <a:rPr lang="en-US" dirty="0"/>
+              <a:t>Every Container in the Pod must have a memory limit and a memory request, and they must be the same</a:t>
+            </a:r>
+            <a:r>
               <a:rPr lang="en-US" dirty="0" smtClean="0"/>
-              <a:t>Burstable</a:t>
-            </a:r>
-            <a:r>
-              <a:rPr lang="pl-PL" dirty="0" smtClean="0"/>
-              <a:t> </a:t>
-            </a:r>
-            <a:r>
-              <a:rPr lang="pl-PL" dirty="0" err="1" smtClean="0"/>
-              <a:t>QoS</a:t>
-            </a:r>
+              <a:t>.</a:t>
+            </a:r>
+            <a:endParaRPr lang="pl-PL" dirty="0" smtClean="0"/>
+          </a:p>
+          <a:p>
+            <a:pPr marL="0" indent="0">
+              <a:buNone/>
+            </a:pPr>
+            <a:endParaRPr lang="en-US" dirty="0"/>
+          </a:p>
+          <a:p>
+            <a:pPr marL="0" indent="0">
+              <a:buNone/>
+            </a:pPr>
+            <a:r>
+              <a:rPr lang="en-US" dirty="0"/>
+              <a:t>Every Container in the Pod must have a CPU limit and a CPU request, and they must be the same.</a:t>
+            </a:r>
+          </a:p>
+          <a:p>
+            <a:pPr marL="0" indent="0">
+              <a:buNone/>
+            </a:pPr>
+            <a:endParaRPr lang="pl-PL" dirty="0">
+              <a:hlinkClick r:id="rId2"/>
+            </a:endParaRPr>
+          </a:p>
+          <a:p>
+            <a:pPr marL="0" indent="0">
+              <a:buNone/>
+            </a:pPr>
+            <a:r>
+              <a:rPr lang="en-US" sz="3600" dirty="0"/>
+              <a:t>resources:</a:t>
+            </a:r>
+          </a:p>
+          <a:p>
+            <a:pPr marL="0" indent="0">
+              <a:buNone/>
+            </a:pPr>
+            <a:r>
+              <a:rPr lang="en-US" sz="3600" dirty="0"/>
+              <a:t>      limits:</a:t>
+            </a:r>
+          </a:p>
+          <a:p>
+            <a:pPr marL="0" indent="0">
+              <a:buNone/>
+            </a:pPr>
+            <a:r>
+              <a:rPr lang="en-US" sz="3600" dirty="0"/>
+              <a:t>        memory: "200Mi"</a:t>
+            </a:r>
+          </a:p>
+          <a:p>
+            <a:pPr marL="0" indent="0">
+              <a:buNone/>
+            </a:pPr>
+            <a:r>
+              <a:rPr lang="en-US" sz="3600" dirty="0"/>
+              <a:t>        </a:t>
+            </a:r>
+            <a:r>
+              <a:rPr lang="en-US" sz="3600" dirty="0" err="1"/>
+              <a:t>cpu</a:t>
+            </a:r>
+            <a:r>
+              <a:rPr lang="en-US" sz="3600" dirty="0"/>
+              <a:t>: "700m"</a:t>
+            </a:r>
+          </a:p>
+          <a:p>
+            <a:pPr marL="0" indent="0">
+              <a:buNone/>
+            </a:pPr>
+            <a:r>
+              <a:rPr lang="en-US" sz="3600" dirty="0"/>
+              <a:t>      requests:</a:t>
+            </a:r>
+          </a:p>
+          <a:p>
+            <a:pPr marL="0" indent="0">
+              <a:buNone/>
+            </a:pPr>
+            <a:r>
+              <a:rPr lang="en-US" sz="3600" dirty="0"/>
+              <a:t>        memory: "200Mi"</a:t>
+            </a:r>
+          </a:p>
+          <a:p>
+            <a:pPr marL="0" indent="0">
+              <a:buNone/>
+            </a:pPr>
+            <a:r>
+              <a:rPr lang="en-US" sz="3600" dirty="0"/>
+              <a:t>        </a:t>
+            </a:r>
+            <a:r>
+              <a:rPr lang="en-US" sz="3600" dirty="0" err="1"/>
+              <a:t>cpu</a:t>
+            </a:r>
+            <a:r>
+              <a:rPr lang="en-US" sz="3600" dirty="0"/>
+              <a:t>: "700m"	</a:t>
+            </a:r>
+            <a:endParaRPr lang="pl-PL" sz="3600" dirty="0" smtClean="0">
+              <a:hlinkClick r:id="rId2"/>
+            </a:endParaRPr>
+          </a:p>
+          <a:p>
+            <a:pPr marL="0" indent="0">
+              <a:buNone/>
+            </a:pPr>
+            <a:endParaRPr lang="pl-PL" dirty="0">
+              <a:hlinkClick r:id="rId2"/>
+            </a:endParaRPr>
+          </a:p>
+          <a:p>
             <a:endParaRPr lang="pl-PL" dirty="0"/>
           </a:p>
         </p:txBody>
       </p:sp>
       <p:sp>
         <p:nvSpPr>
-          <p:cNvPr id="3" name="Symbol zastępczy zawartości 2"/>
-          <p:cNvSpPr>
-            <a:spLocks noGrp="1"/>
-          </p:cNvSpPr>
-          <p:nvPr>
-            <p:ph idx="1"/>
-          </p:nvPr>
-        </p:nvSpPr>
-        <p:spPr/>
-        <p:txBody>
-          <a:bodyPr/>
+          <p:cNvPr id="5" name="Prostokąt 4"/>
+          <p:cNvSpPr/>
+          <p:nvPr/>
+        </p:nvSpPr>
+        <p:spPr>
+          <a:xfrm>
+            <a:off x="622992" y="4581128"/>
+            <a:ext cx="8064896" cy="923330"/>
+          </a:xfrm>
+          <a:prstGeom prst="rect">
+            <a:avLst/>
+          </a:prstGeom>
+        </p:spPr>
+        <p:txBody>
+          <a:bodyPr wrap="square">
+            <a:spAutoFit/>
+          </a:bodyPr>
           <a:lstStyle/>
           <a:p>
-            <a:pPr marL="0" indent="0">
-              <a:buNone/>
-            </a:pPr>
-            <a:r>
-              <a:rPr lang="en-US" b="1" dirty="0"/>
-              <a:t>Burstable</a:t>
-            </a:r>
-            <a:r>
-              <a:rPr lang="en-US" dirty="0"/>
-              <a:t> class have two conditions</a:t>
-            </a:r>
-            <a:r>
-              <a:rPr lang="en-US" dirty="0" smtClean="0"/>
-              <a:t>:</a:t>
-            </a:r>
-            <a:endParaRPr lang="pl-PL" dirty="0" smtClean="0"/>
-          </a:p>
-          <a:p>
-            <a:pPr marL="0" indent="0">
-              <a:buNone/>
-            </a:pPr>
-            <a:endParaRPr lang="en-US" dirty="0"/>
-          </a:p>
-          <a:p>
-            <a:pPr marL="0" indent="0" latinLnBrk="1">
-              <a:buNone/>
-            </a:pPr>
-            <a:r>
-              <a:rPr lang="en-US" dirty="0"/>
-              <a:t>They don’t meet the </a:t>
-            </a:r>
-            <a:r>
-              <a:rPr lang="en-US" dirty="0" err="1"/>
-              <a:t>QoS</a:t>
-            </a:r>
-            <a:r>
-              <a:rPr lang="en-US" dirty="0"/>
-              <a:t> guaranteed criteria.</a:t>
-            </a:r>
-          </a:p>
-          <a:p>
-            <a:pPr marL="0" indent="0" latinLnBrk="1">
-              <a:buNone/>
-            </a:pPr>
-            <a:r>
-              <a:rPr lang="en-US" dirty="0"/>
-              <a:t>They have at least one memory or CPU request.</a:t>
-            </a:r>
-          </a:p>
-          <a:p>
+            <a:r>
+              <a:rPr lang="pl-PL" dirty="0">
+                <a:hlinkClick r:id="rId2"/>
+              </a:rPr>
+              <a:t>https://kubernetes.io/docs/tasks/configure-pod-container/quality-service-pod/#create-a-pod-that-gets-assigned-a-qos-class-of-guaranteed</a:t>
+            </a:r>
             <a:endParaRPr lang="pl-PL" dirty="0"/>
           </a:p>
         </p:txBody>
@@ -5802,7 +5787,7 @@
     </p:spTree>
     <p:extLst>
       <p:ext uri="{BB962C8B-B14F-4D97-AF65-F5344CB8AC3E}">
-        <p14:creationId xmlns:p14="http://schemas.microsoft.com/office/powerpoint/2010/main" val="2717299787"/>
+        <p14:creationId xmlns:p14="http://schemas.microsoft.com/office/powerpoint/2010/main" val="2173025175"/>
       </p:ext>
     </p:extLst>
   </p:cSld>
@@ -5845,8 +5830,8 @@
           <a:lstStyle/>
           <a:p>
             <a:r>
-              <a:rPr lang="en-US" dirty="0" err="1" smtClean="0"/>
-              <a:t>BestEffort</a:t>
+              <a:rPr lang="en-US" dirty="0" smtClean="0"/>
+              <a:t>Burstable</a:t>
             </a:r>
             <a:r>
               <a:rPr lang="pl-PL" dirty="0" smtClean="0"/>
@@ -5879,52 +5864,49 @@
               <a:buNone/>
             </a:pPr>
             <a:r>
-              <a:rPr lang="en-US" b="1" dirty="0" err="1"/>
-              <a:t>BestEffort</a:t>
+              <a:rPr lang="en-US" b="1" dirty="0"/>
+              <a:t>Burstable</a:t>
             </a:r>
             <a:r>
               <a:rPr lang="en-US" dirty="0"/>
-              <a:t> is a container with no memory or CPU limits or requests. If you’ve never defined any resources before reading </a:t>
+              <a:t> class have two conditions</a:t>
             </a:r>
             <a:r>
               <a:rPr lang="en-US" dirty="0" smtClean="0"/>
-              <a:t>this, </a:t>
-            </a:r>
+              <a:t>:</a:t>
+            </a:r>
+            <a:endParaRPr lang="pl-PL" dirty="0" smtClean="0"/>
+          </a:p>
+          <a:p>
+            <a:pPr marL="0" indent="0">
+              <a:buNone/>
+            </a:pPr>
+            <a:endParaRPr lang="en-US" dirty="0"/>
+          </a:p>
+          <a:p>
+            <a:pPr marL="0" indent="0" latinLnBrk="1">
+              <a:buNone/>
+            </a:pPr>
             <a:r>
               <a:rPr lang="en-US" dirty="0"/>
-              <a:t>your pod is by default running in </a:t>
+              <a:t>They don’t meet the </a:t>
             </a:r>
             <a:r>
               <a:rPr lang="en-US" dirty="0" err="1"/>
-              <a:t>BestEffort</a:t>
-            </a:r>
-            <a:r>
-              <a:rPr lang="en-US" dirty="0" smtClean="0"/>
-              <a:t>.</a:t>
-            </a:r>
-            <a:endParaRPr lang="pl-PL" dirty="0" smtClean="0"/>
-          </a:p>
-          <a:p>
-            <a:pPr marL="0" indent="0">
-              <a:buNone/>
-            </a:pPr>
-            <a:endParaRPr lang="en-US" dirty="0"/>
-          </a:p>
-          <a:p>
-            <a:pPr marL="0" indent="0">
-              <a:buNone/>
-            </a:pPr>
+              <a:t>QoS</a:t>
+            </a:r>
             <a:r>
               <a:rPr lang="en-US" dirty="0"/>
-              <a:t>Simply, </a:t>
-            </a:r>
-            <a:r>
-              <a:rPr lang="en-US" dirty="0" err="1"/>
-              <a:t>BestEffort</a:t>
-            </a:r>
+              <a:t> guaranteed criteria.</a:t>
+            </a:r>
+          </a:p>
+          <a:p>
+            <a:pPr marL="0" indent="0" latinLnBrk="1">
+              <a:buNone/>
+            </a:pPr>
             <a:r>
               <a:rPr lang="en-US" dirty="0"/>
-              <a:t> is when you don’t set anything at all.</a:t>
+              <a:t>They have at least one memory or CPU request.</a:t>
             </a:r>
           </a:p>
           <a:p>
@@ -5935,7 +5917,7 @@
     </p:spTree>
     <p:extLst>
       <p:ext uri="{BB962C8B-B14F-4D97-AF65-F5344CB8AC3E}">
-        <p14:creationId xmlns:p14="http://schemas.microsoft.com/office/powerpoint/2010/main" val="1689245596"/>
+        <p14:creationId xmlns:p14="http://schemas.microsoft.com/office/powerpoint/2010/main" val="2717299787"/>
       </p:ext>
     </p:extLst>
   </p:cSld>
@@ -5974,98 +5956,101 @@
         </p:nvSpPr>
         <p:spPr/>
         <p:txBody>
-          <a:bodyPr>
-            <a:normAutofit fontScale="90000"/>
-          </a:bodyPr>
-          <a:lstStyle/>
-          <a:p>
-            <a:r>
-              <a:rPr lang="en-US" dirty="0"/>
-              <a:t>Quality of Service Best </a:t>
-            </a:r>
-            <a:r>
-              <a:rPr lang="en-US" dirty="0" smtClean="0"/>
-              <a:t>Practices</a:t>
-            </a:r>
-            <a:endParaRPr lang="pl-PL" dirty="0"/>
-          </a:p>
-        </p:txBody>
-      </p:sp>
-      <p:sp>
-        <p:nvSpPr>
-          <p:cNvPr id="3" name="Symbol zastępczy zawartości 2"/>
-          <p:cNvSpPr>
-            <a:spLocks noGrp="1"/>
-          </p:cNvSpPr>
-          <p:nvPr>
-            <p:ph idx="1"/>
-          </p:nvPr>
-        </p:nvSpPr>
-        <p:spPr/>
-        <p:txBody>
           <a:bodyPr/>
           <a:lstStyle/>
           <a:p>
             <a:r>
+              <a:rPr lang="en-US" dirty="0" err="1" smtClean="0"/>
+              <a:t>BestEffort</a:t>
+            </a:r>
+            <a:r>
+              <a:rPr lang="pl-PL" dirty="0" smtClean="0"/>
+              <a:t> </a:t>
+            </a:r>
+            <a:r>
+              <a:rPr lang="pl-PL" dirty="0" err="1" smtClean="0"/>
+              <a:t>QoS</a:t>
+            </a:r>
+            <a:endParaRPr lang="pl-PL" dirty="0"/>
+          </a:p>
+        </p:txBody>
+      </p:sp>
+      <p:sp>
+        <p:nvSpPr>
+          <p:cNvPr id="3" name="Symbol zastępczy zawartości 2"/>
+          <p:cNvSpPr>
+            <a:spLocks noGrp="1"/>
+          </p:cNvSpPr>
+          <p:nvPr>
+            <p:ph idx="1"/>
+          </p:nvPr>
+        </p:nvSpPr>
+        <p:spPr/>
+        <p:txBody>
+          <a:bodyPr/>
+          <a:lstStyle/>
+          <a:p>
+            <a:pPr marL="0" indent="0">
+              <a:buNone/>
+            </a:pPr>
+            <a:r>
+              <a:rPr lang="en-US" b="1" dirty="0" err="1"/>
+              <a:t>BestEffort</a:t>
+            </a:r>
+            <a:r>
+              <a:rPr lang="en-US" dirty="0"/>
+              <a:t> is a container with no memory or CPU limits or requests. If you’ve never defined any resources before reading </a:t>
+            </a:r>
+            <a:r>
               <a:rPr lang="en-US" dirty="0" smtClean="0"/>
-              <a:t>For </a:t>
+              <a:t>this, </a:t>
             </a:r>
             <a:r>
               <a:rPr lang="en-US" dirty="0"/>
-              <a:t>production workloads, </a:t>
+              <a:t>your pod is by default running in </a:t>
             </a:r>
             <a:r>
               <a:rPr lang="en-US" dirty="0" err="1"/>
               <a:t>BestEffort</a:t>
             </a:r>
             <a:r>
+              <a:rPr lang="en-US" dirty="0" smtClean="0"/>
+              <a:t>.</a:t>
+            </a:r>
+            <a:endParaRPr lang="pl-PL" dirty="0" smtClean="0"/>
+          </a:p>
+          <a:p>
+            <a:pPr marL="0" indent="0">
+              <a:buNone/>
+            </a:pPr>
+            <a:endParaRPr lang="en-US" dirty="0"/>
+          </a:p>
+          <a:p>
+            <a:pPr marL="0" indent="0">
+              <a:buNone/>
+            </a:pPr>
+            <a:r>
               <a:rPr lang="en-US" dirty="0"/>
-              <a:t> is not recommended. </a:t>
-            </a:r>
-            <a:r>
-              <a:rPr lang="en-US" dirty="0">
-                <a:solidFill>
-                  <a:srgbClr val="FF0000"/>
-                </a:solidFill>
-              </a:rPr>
-              <a:t>Keep in mind, these containers will be killed first</a:t>
+              <a:t>Simply, </a:t>
+            </a:r>
+            <a:r>
+              <a:rPr lang="en-US" dirty="0" err="1"/>
+              <a:t>BestEffort</a:t>
             </a:r>
             <a:r>
               <a:rPr lang="en-US" dirty="0"/>
-              <a:t>. Burstable is suitable for most generic workloads. For sensitive applications that may have spikes or anything that runs in a </a:t>
-            </a:r>
-            <a:r>
-              <a:rPr lang="en-US" dirty="0" err="1"/>
-              <a:t>stateful</a:t>
-            </a:r>
-            <a:r>
-              <a:rPr lang="en-US" dirty="0"/>
-              <a:t> set like databases, it is recommended to apply a </a:t>
-            </a:r>
-            <a:r>
-              <a:rPr lang="en-US" dirty="0" err="1"/>
-              <a:t>QoS</a:t>
-            </a:r>
-            <a:r>
-              <a:rPr lang="en-US" dirty="0"/>
-              <a:t> guaranteed </a:t>
-            </a:r>
-            <a:r>
-              <a:rPr lang="en-US" dirty="0" smtClean="0"/>
-              <a:t>class</a:t>
-            </a:r>
-            <a:r>
-              <a:rPr lang="pl-PL" dirty="0"/>
-              <a:t>.</a:t>
-            </a:r>
-            <a:endParaRPr lang="en-US" dirty="0"/>
+              <a:t> is when you don’t set anything at all.</a:t>
+            </a:r>
+          </a:p>
+          <a:p>
+            <a:endParaRPr lang="pl-PL" dirty="0"/>
           </a:p>
         </p:txBody>
       </p:sp>
     </p:spTree>
     <p:extLst>
       <p:ext uri="{BB962C8B-B14F-4D97-AF65-F5344CB8AC3E}">
-        <p14:creationId xmlns:p14="http://schemas.microsoft.com/office/powerpoint/2010/main" val="708209892"/>
+        <p14:creationId xmlns:p14="http://schemas.microsoft.com/office/powerpoint/2010/main" val="1689245596"/>
       </p:ext>
     </p:extLst>
   </p:cSld>
@@ -6104,54 +6089,65 @@
         </p:nvSpPr>
         <p:spPr/>
         <p:txBody>
+          <a:bodyPr/>
+          <a:lstStyle/>
+          <a:p>
+            <a:r>
+              <a:rPr lang="pl-PL" dirty="0" err="1" smtClean="0"/>
+              <a:t>About</a:t>
+            </a:r>
+            <a:r>
+              <a:rPr lang="pl-PL" dirty="0" smtClean="0"/>
+              <a:t> me…</a:t>
+            </a:r>
+            <a:endParaRPr lang="pl-PL" dirty="0"/>
+          </a:p>
+        </p:txBody>
+      </p:sp>
+      <p:sp>
+        <p:nvSpPr>
+          <p:cNvPr id="3" name="Symbol zastępczy zawartości 2"/>
+          <p:cNvSpPr>
+            <a:spLocks noGrp="1"/>
+          </p:cNvSpPr>
+          <p:nvPr>
+            <p:ph idx="1"/>
+          </p:nvPr>
+        </p:nvSpPr>
+        <p:spPr/>
+        <p:txBody>
           <a:bodyPr>
-            <a:normAutofit fontScale="90000"/>
+            <a:normAutofit fontScale="77500" lnSpcReduction="20000"/>
           </a:bodyPr>
           <a:lstStyle/>
           <a:p>
             <a:r>
-              <a:rPr lang="pl-PL" dirty="0" err="1" smtClean="0"/>
-              <a:t>Kubernetes</a:t>
+              <a:rPr lang="en-US" dirty="0"/>
+              <a:t>Long-time corporate employee. Currently, he works in the telecommunications sector. Physicist by profession, education completed with a doctorate from the University of </a:t>
+            </a:r>
+            <a:r>
+              <a:rPr lang="en-US" dirty="0" err="1"/>
+              <a:t>Łódź</a:t>
+            </a:r>
+            <a:r>
+              <a:rPr lang="en-US" dirty="0"/>
+              <a:t>. Practical knowledge of enterprise software development. Administrator, developer, team leader, IT expert. </a:t>
             </a:r>
             <a:r>
               <a:rPr lang="pl-PL" dirty="0" smtClean="0"/>
-              <a:t> in 5 </a:t>
-            </a:r>
-            <a:r>
-              <a:rPr lang="pl-PL" dirty="0" err="1" smtClean="0"/>
-              <a:t>minutes</a:t>
-            </a:r>
-            <a:r>
-              <a:rPr lang="pl-PL" dirty="0" smtClean="0"/>
-              <a:t/>
-            </a:r>
-            <a:br>
-              <a:rPr lang="pl-PL" dirty="0" smtClean="0"/>
-            </a:br>
-            <a:endParaRPr lang="pl-PL" dirty="0"/>
-          </a:p>
-        </p:txBody>
-      </p:sp>
-      <p:sp>
-        <p:nvSpPr>
-          <p:cNvPr id="3" name="Symbol zastępczy zawartości 2"/>
-          <p:cNvSpPr>
-            <a:spLocks noGrp="1"/>
-          </p:cNvSpPr>
-          <p:nvPr>
-            <p:ph idx="1"/>
-          </p:nvPr>
-        </p:nvSpPr>
-        <p:spPr/>
-        <p:txBody>
-          <a:bodyPr/>
-          <a:lstStyle/>
-          <a:p>
-            <a:r>
-              <a:rPr lang="pl-PL" smtClean="0">
-                <a:hlinkClick r:id="rId2"/>
-              </a:rPr>
-              <a:t>https://www.youtube.com/watch?v=PH-2FfFD2PU</a:t>
+              <a:t>He </a:t>
+            </a:r>
+            <a:r>
+              <a:rPr lang="en-US" dirty="0" smtClean="0"/>
+              <a:t>holds </a:t>
+            </a:r>
+            <a:r>
+              <a:rPr lang="en-US" dirty="0"/>
+              <a:t>professional certificates: MCP, MCSA: SQL Server 2012/2014, MCSE: Data Management and Analytics, MCSA: Cloud Platform, MCSE: Cloud Platform and Infrastructure , MPP Data Science , Microsoft Certified: Azure Administrator Associate , Microsoft Certified: Azure Data Scientist </a:t>
+            </a:r>
+            <a:r>
+              <a:rPr lang="en-US" dirty="0" smtClean="0"/>
+              <a:t>Associate</a:t>
             </a:r>
             <a:endParaRPr lang="pl-PL" dirty="0" smtClean="0"/>
           </a:p>
@@ -6163,20 +6159,13 @@
     </p:spTree>
     <p:extLst>
       <p:ext uri="{BB962C8B-B14F-4D97-AF65-F5344CB8AC3E}">
-        <p14:creationId xmlns:p14="http://schemas.microsoft.com/office/powerpoint/2010/main" val="887340820"/>
+        <p14:creationId xmlns:p14="http://schemas.microsoft.com/office/powerpoint/2010/main" val="1681513395"/>
       </p:ext>
     </p:extLst>
   </p:cSld>
   <p:clrMapOvr>
     <a:masterClrMapping/>
   </p:clrMapOvr>
-  <p:timing>
-    <p:tnLst>
-      <p:par>
-        <p:cTn id="1" dur="indefinite" restart="never" nodeType="tmRoot"/>
-      </p:par>
-    </p:tnLst>
-  </p:timing>
 </p:sld>
 </file>
 
@@ -6209,6 +6198,136 @@
         </p:nvSpPr>
         <p:spPr/>
         <p:txBody>
+          <a:bodyPr>
+            <a:normAutofit fontScale="90000"/>
+          </a:bodyPr>
+          <a:lstStyle/>
+          <a:p>
+            <a:r>
+              <a:rPr lang="en-US" dirty="0"/>
+              <a:t>Quality of Service Best </a:t>
+            </a:r>
+            <a:r>
+              <a:rPr lang="en-US" dirty="0" smtClean="0"/>
+              <a:t>Practices</a:t>
+            </a:r>
+            <a:endParaRPr lang="pl-PL" dirty="0"/>
+          </a:p>
+        </p:txBody>
+      </p:sp>
+      <p:sp>
+        <p:nvSpPr>
+          <p:cNvPr id="3" name="Symbol zastępczy zawartości 2"/>
+          <p:cNvSpPr>
+            <a:spLocks noGrp="1"/>
+          </p:cNvSpPr>
+          <p:nvPr>
+            <p:ph idx="1"/>
+          </p:nvPr>
+        </p:nvSpPr>
+        <p:spPr/>
+        <p:txBody>
+          <a:bodyPr/>
+          <a:lstStyle/>
+          <a:p>
+            <a:r>
+              <a:rPr lang="en-US" dirty="0" smtClean="0"/>
+              <a:t>For </a:t>
+            </a:r>
+            <a:r>
+              <a:rPr lang="en-US" dirty="0"/>
+              <a:t>production workloads, </a:t>
+            </a:r>
+            <a:r>
+              <a:rPr lang="en-US" dirty="0" err="1"/>
+              <a:t>BestEffort</a:t>
+            </a:r>
+            <a:r>
+              <a:rPr lang="en-US" dirty="0"/>
+              <a:t> is not recommended. </a:t>
+            </a:r>
+            <a:r>
+              <a:rPr lang="en-US" dirty="0">
+                <a:solidFill>
+                  <a:srgbClr val="FF0000"/>
+                </a:solidFill>
+              </a:rPr>
+              <a:t>Keep in mind, these containers will be killed first</a:t>
+            </a:r>
+            <a:r>
+              <a:rPr lang="en-US" dirty="0"/>
+              <a:t>. Burstable is suitable for most generic workloads. For sensitive applications that may have spikes or anything that runs in a </a:t>
+            </a:r>
+            <a:r>
+              <a:rPr lang="en-US" dirty="0" err="1"/>
+              <a:t>stateful</a:t>
+            </a:r>
+            <a:r>
+              <a:rPr lang="en-US" dirty="0"/>
+              <a:t> set like databases, it is recommended to apply a </a:t>
+            </a:r>
+            <a:r>
+              <a:rPr lang="en-US" dirty="0" err="1"/>
+              <a:t>QoS</a:t>
+            </a:r>
+            <a:r>
+              <a:rPr lang="en-US" dirty="0"/>
+              <a:t> guaranteed </a:t>
+            </a:r>
+            <a:r>
+              <a:rPr lang="en-US" dirty="0" smtClean="0"/>
+              <a:t>class</a:t>
+            </a:r>
+            <a:r>
+              <a:rPr lang="pl-PL" dirty="0"/>
+              <a:t>.</a:t>
+            </a:r>
+            <a:endParaRPr lang="en-US" dirty="0"/>
+          </a:p>
+        </p:txBody>
+      </p:sp>
+    </p:spTree>
+    <p:extLst>
+      <p:ext uri="{BB962C8B-B14F-4D97-AF65-F5344CB8AC3E}">
+        <p14:creationId xmlns:p14="http://schemas.microsoft.com/office/powerpoint/2010/main" val="708209892"/>
+      </p:ext>
+    </p:extLst>
+  </p:cSld>
+  <p:clrMapOvr>
+    <a:masterClrMapping/>
+  </p:clrMapOvr>
+</p:sld>
+</file>
+
+<file path=ppt/slides/slide21.xml><?xml version="1.0" encoding="utf-8"?>
+<p:sld xmlns:a="http://schemas.openxmlformats.org/drawingml/2006/main" xmlns:r="http://schemas.openxmlformats.org/officeDocument/2006/relationships" xmlns:p="http://schemas.openxmlformats.org/presentationml/2006/main">
+  <p:cSld>
+    <p:spTree>
+      <p:nvGrpSpPr>
+        <p:cNvPr id="1" name=""/>
+        <p:cNvGrpSpPr/>
+        <p:nvPr/>
+      </p:nvGrpSpPr>
+      <p:grpSpPr>
+        <a:xfrm>
+          <a:off x="0" y="0"/>
+          <a:ext cx="0" cy="0"/>
+          <a:chOff x="0" y="0"/>
+          <a:chExt cx="0" cy="0"/>
+        </a:xfrm>
+      </p:grpSpPr>
+      <p:sp>
+        <p:nvSpPr>
+          <p:cNvPr id="2" name="Tytuł 1"/>
+          <p:cNvSpPr>
+            <a:spLocks noGrp="1"/>
+          </p:cNvSpPr>
+          <p:nvPr>
+            <p:ph type="title"/>
+          </p:nvPr>
+        </p:nvSpPr>
+        <p:spPr/>
+        <p:txBody>
           <a:bodyPr/>
           <a:lstStyle/>
           <a:p>
@@ -6456,7 +6575,7 @@
 </p:sld>
 </file>
 
-<file path=ppt/slides/slide21.xml><?xml version="1.0" encoding="utf-8"?>
+<file path=ppt/slides/slide22.xml><?xml version="1.0" encoding="utf-8"?>
 <p:sld xmlns:a="http://schemas.openxmlformats.org/drawingml/2006/main" xmlns:r="http://schemas.openxmlformats.org/officeDocument/2006/relationships" xmlns:p="http://schemas.openxmlformats.org/presentationml/2006/main">
   <p:cSld>
     <p:spTree>
@@ -6629,152 +6748,353 @@
         </p:nvSpPr>
         <p:spPr/>
         <p:txBody>
+          <a:bodyPr>
+            <a:normAutofit fontScale="90000"/>
+          </a:bodyPr>
+          <a:lstStyle/>
+          <a:p>
+            <a:r>
+              <a:rPr lang="pl-PL" dirty="0" err="1" smtClean="0"/>
+              <a:t>Kubernetes</a:t>
+            </a:r>
+            <a:r>
+              <a:rPr lang="pl-PL" dirty="0" smtClean="0"/>
+              <a:t> in 5 </a:t>
+            </a:r>
+            <a:r>
+              <a:rPr lang="pl-PL" dirty="0" err="1" smtClean="0"/>
+              <a:t>minutes</a:t>
+            </a:r>
+            <a:r>
+              <a:rPr lang="pl-PL" dirty="0" smtClean="0"/>
+              <a:t/>
+            </a:r>
+            <a:br>
+              <a:rPr lang="pl-PL" dirty="0" smtClean="0"/>
+            </a:br>
+            <a:endParaRPr lang="pl-PL" dirty="0"/>
+          </a:p>
+        </p:txBody>
+      </p:sp>
+      <p:sp>
+        <p:nvSpPr>
+          <p:cNvPr id="3" name="Symbol zastępczy zawartości 2"/>
+          <p:cNvSpPr>
+            <a:spLocks noGrp="1"/>
+          </p:cNvSpPr>
+          <p:nvPr>
+            <p:ph idx="1"/>
+          </p:nvPr>
+        </p:nvSpPr>
+        <p:spPr/>
+        <p:txBody>
           <a:bodyPr/>
           <a:lstStyle/>
           <a:p>
             <a:r>
-              <a:rPr lang="pl-PL" dirty="0" err="1" smtClean="0"/>
-              <a:t>Kubernetes</a:t>
-            </a:r>
-            <a:r>
-              <a:rPr lang="pl-PL" dirty="0" smtClean="0"/>
-              <a:t> </a:t>
-            </a:r>
-            <a:r>
-              <a:rPr lang="pl-PL" dirty="0" err="1" smtClean="0"/>
-              <a:t>limits</a:t>
-            </a:r>
+              <a:rPr lang="pl-PL" sz="2400" dirty="0" smtClean="0">
+                <a:hlinkClick r:id="rId2"/>
+              </a:rPr>
+              <a:t>https://</a:t>
+            </a:r>
+            <a:r>
+              <a:rPr lang="pl-PL" sz="2400" dirty="0" smtClean="0">
+                <a:hlinkClick r:id="rId2"/>
+              </a:rPr>
+              <a:t>www.youtube.com/watch?v=PH-2FfFD2PU</a:t>
+            </a:r>
+            <a:endParaRPr lang="pl-PL" sz="2400" dirty="0" smtClean="0"/>
+          </a:p>
+          <a:p>
+            <a:endParaRPr lang="pl-PL" dirty="0" smtClean="0"/>
+          </a:p>
+          <a:p>
+            <a:endParaRPr lang="pl-PL" dirty="0" smtClean="0"/>
+          </a:p>
+          <a:p>
             <a:endParaRPr lang="pl-PL" dirty="0"/>
           </a:p>
         </p:txBody>
       </p:sp>
       <p:sp>
         <p:nvSpPr>
-          <p:cNvPr id="3" name="Symbol zastępczy zawartości 2"/>
-          <p:cNvSpPr>
-            <a:spLocks noGrp="1"/>
-          </p:cNvSpPr>
-          <p:nvPr>
-            <p:ph idx="1"/>
-          </p:nvPr>
-        </p:nvSpPr>
-        <p:spPr/>
+          <p:cNvPr id="4" name="Symbol zastępczy zawartości 2"/>
+          <p:cNvSpPr>
+            <a:spLocks noGrp="1"/>
+          </p:cNvSpPr>
+          <p:nvPr/>
+        </p:nvSpPr>
+        <p:spPr>
+          <a:xfrm>
+            <a:off x="822960" y="1268760"/>
+            <a:ext cx="7498080" cy="4800600"/>
+          </a:xfrm>
+          <a:prstGeom prst="rect">
+            <a:avLst/>
+          </a:prstGeom>
+        </p:spPr>
         <p:txBody>
           <a:bodyPr>
-            <a:normAutofit fontScale="85000" lnSpcReduction="20000"/>
+            <a:normAutofit/>
           </a:bodyPr>
-          <a:lstStyle/>
-          <a:p>
-            <a:endParaRPr lang="pl-PL" dirty="0" smtClean="0"/>
-          </a:p>
-          <a:p>
-            <a:pPr marL="0" indent="0">
-              <a:buNone/>
-            </a:pPr>
-            <a:r>
-              <a:rPr lang="en-US" dirty="0"/>
-              <a:t>At v1.16, Kubernetes supports clusters with up to 5000 nodes. More specifically, we support configurations that meet </a:t>
-            </a:r>
-            <a:r>
-              <a:rPr lang="en-US" i="1" dirty="0"/>
-              <a:t>all</a:t>
-            </a:r>
-            <a:r>
-              <a:rPr lang="en-US" dirty="0"/>
-              <a:t> of the following criteria</a:t>
-            </a:r>
-            <a:r>
-              <a:rPr lang="en-US" dirty="0" smtClean="0"/>
-              <a:t>:</a:t>
-            </a:r>
-            <a:endParaRPr lang="en-US" dirty="0"/>
-          </a:p>
-          <a:p>
-            <a:pPr marL="0" indent="0">
-              <a:buNone/>
-            </a:pPr>
-            <a:r>
-              <a:rPr lang="en-US" dirty="0"/>
-              <a:t>No more than 5000 nodes</a:t>
-            </a:r>
-          </a:p>
-          <a:p>
-            <a:pPr marL="0" indent="0">
-              <a:buNone/>
-            </a:pPr>
-            <a:r>
-              <a:rPr lang="en-US" dirty="0"/>
-              <a:t>No more than 150000 total pods</a:t>
-            </a:r>
-          </a:p>
-          <a:p>
-            <a:pPr marL="0" indent="0">
-              <a:buNone/>
-            </a:pPr>
-            <a:r>
-              <a:rPr lang="en-US" dirty="0"/>
-              <a:t>No more than 300000 total containers</a:t>
-            </a:r>
-          </a:p>
-          <a:p>
-            <a:pPr marL="0" indent="0">
-              <a:buNone/>
-            </a:pPr>
-            <a:r>
-              <a:rPr lang="en-US" dirty="0">
-                <a:solidFill>
-                  <a:srgbClr val="FF0000"/>
-                </a:solidFill>
-              </a:rPr>
-              <a:t>No more than 100 pods per </a:t>
-            </a:r>
-            <a:r>
-              <a:rPr lang="en-US" dirty="0" smtClean="0">
-                <a:solidFill>
-                  <a:srgbClr val="FF0000"/>
-                </a:solidFill>
-              </a:rPr>
-              <a:t>node</a:t>
-            </a:r>
-            <a:endParaRPr lang="pl-PL" dirty="0" smtClean="0">
-              <a:solidFill>
-                <a:srgbClr val="FF0000"/>
-              </a:solidFill>
-            </a:endParaRPr>
-          </a:p>
-          <a:p>
-            <a:pPr marL="0" indent="0">
-              <a:buNone/>
-            </a:pPr>
-            <a:endParaRPr lang="pl-PL" dirty="0" smtClean="0"/>
-          </a:p>
-          <a:p>
-            <a:pPr marL="0" indent="0">
-              <a:buNone/>
-            </a:pPr>
-            <a:r>
-              <a:rPr lang="pl-PL" dirty="0">
-                <a:hlinkClick r:id="rId2"/>
-              </a:rPr>
-              <a:t>https://kubernetes.io/docs/setup/best-practices/cluster-large/</a:t>
-            </a:r>
+          <a:lstStyle>
+            <a:lvl1pPr marL="365760" indent="-283464" algn="l" rtl="0" eaLnBrk="1" latinLnBrk="0" hangingPunct="1">
+              <a:lnSpc>
+                <a:spcPct val="100000"/>
+              </a:lnSpc>
+              <a:spcBef>
+                <a:spcPts val="600"/>
+              </a:spcBef>
+              <a:buClr>
+                <a:schemeClr val="accent1"/>
+              </a:buClr>
+              <a:buSzPct val="80000"/>
+              <a:buFont typeface="Wingdings 2"/>
+              <a:buChar char=""/>
+              <a:defRPr kumimoji="0" sz="3200" kern="1200">
+                <a:solidFill>
+                  <a:schemeClr val="tx1"/>
+                </a:solidFill>
+                <a:latin typeface="+mn-lt"/>
+                <a:ea typeface="+mn-ea"/>
+                <a:cs typeface="+mn-cs"/>
+              </a:defRPr>
+            </a:lvl1pPr>
+            <a:lvl2pPr marL="640080" indent="-237744" algn="l" rtl="0" eaLnBrk="1" latinLnBrk="0" hangingPunct="1">
+              <a:lnSpc>
+                <a:spcPct val="100000"/>
+              </a:lnSpc>
+              <a:spcBef>
+                <a:spcPts val="550"/>
+              </a:spcBef>
+              <a:buClr>
+                <a:schemeClr val="accent1"/>
+              </a:buClr>
+              <a:buFont typeface="Verdana"/>
+              <a:buChar char="◦"/>
+              <a:defRPr kumimoji="0" sz="2800" kern="1200">
+                <a:solidFill>
+                  <a:schemeClr val="tx1"/>
+                </a:solidFill>
+                <a:latin typeface="+mn-lt"/>
+                <a:ea typeface="+mn-ea"/>
+                <a:cs typeface="+mn-cs"/>
+              </a:defRPr>
+            </a:lvl2pPr>
+            <a:lvl3pPr marL="886968" indent="-228600" algn="l" rtl="0" eaLnBrk="1" latinLnBrk="0" hangingPunct="1">
+              <a:lnSpc>
+                <a:spcPct val="100000"/>
+              </a:lnSpc>
+              <a:spcBef>
+                <a:spcPct val="20000"/>
+              </a:spcBef>
+              <a:buClr>
+                <a:schemeClr val="accent2"/>
+              </a:buClr>
+              <a:buFont typeface="Wingdings 2"/>
+              <a:buChar char=""/>
+              <a:defRPr kumimoji="0" sz="2400" kern="1200">
+                <a:solidFill>
+                  <a:schemeClr val="tx1"/>
+                </a:solidFill>
+                <a:latin typeface="+mn-lt"/>
+                <a:ea typeface="+mn-ea"/>
+                <a:cs typeface="+mn-cs"/>
+              </a:defRPr>
+            </a:lvl3pPr>
+            <a:lvl4pPr marL="1097280" indent="-173736" algn="l" rtl="0" eaLnBrk="1" latinLnBrk="0" hangingPunct="1">
+              <a:lnSpc>
+                <a:spcPct val="100000"/>
+              </a:lnSpc>
+              <a:spcBef>
+                <a:spcPct val="20000"/>
+              </a:spcBef>
+              <a:buClr>
+                <a:schemeClr val="accent3"/>
+              </a:buClr>
+              <a:buFont typeface="Wingdings 2"/>
+              <a:buChar char=""/>
+              <a:defRPr kumimoji="0" sz="2000" kern="1200">
+                <a:solidFill>
+                  <a:schemeClr val="tx1"/>
+                </a:solidFill>
+                <a:latin typeface="+mn-lt"/>
+                <a:ea typeface="+mn-ea"/>
+                <a:cs typeface="+mn-cs"/>
+              </a:defRPr>
+            </a:lvl4pPr>
+            <a:lvl5pPr marL="1298448" indent="-182880" algn="l" rtl="0" eaLnBrk="1" latinLnBrk="0" hangingPunct="1">
+              <a:lnSpc>
+                <a:spcPct val="100000"/>
+              </a:lnSpc>
+              <a:spcBef>
+                <a:spcPct val="20000"/>
+              </a:spcBef>
+              <a:buClr>
+                <a:schemeClr val="accent4"/>
+              </a:buClr>
+              <a:buFont typeface="Wingdings 2"/>
+              <a:buChar char=""/>
+              <a:defRPr kumimoji="0" sz="2000" kern="1200">
+                <a:solidFill>
+                  <a:schemeClr val="tx1"/>
+                </a:solidFill>
+                <a:latin typeface="+mn-lt"/>
+                <a:ea typeface="+mn-ea"/>
+                <a:cs typeface="+mn-cs"/>
+              </a:defRPr>
+            </a:lvl5pPr>
+            <a:lvl6pPr marL="1508760" indent="-182880" algn="l" rtl="0" eaLnBrk="1" latinLnBrk="0" hangingPunct="1">
+              <a:lnSpc>
+                <a:spcPct val="100000"/>
+              </a:lnSpc>
+              <a:spcBef>
+                <a:spcPct val="20000"/>
+              </a:spcBef>
+              <a:buClr>
+                <a:schemeClr val="accent5"/>
+              </a:buClr>
+              <a:buFont typeface="Wingdings 2"/>
+              <a:buChar char=""/>
+              <a:defRPr kumimoji="0" sz="2000" kern="1200">
+                <a:solidFill>
+                  <a:schemeClr val="tx1"/>
+                </a:solidFill>
+                <a:latin typeface="+mn-lt"/>
+                <a:ea typeface="+mn-ea"/>
+                <a:cs typeface="+mn-cs"/>
+              </a:defRPr>
+            </a:lvl6pPr>
+            <a:lvl7pPr marL="1719072" indent="-182880" algn="l" rtl="0" eaLnBrk="1" latinLnBrk="0" hangingPunct="1">
+              <a:lnSpc>
+                <a:spcPct val="100000"/>
+              </a:lnSpc>
+              <a:spcBef>
+                <a:spcPct val="20000"/>
+              </a:spcBef>
+              <a:buClr>
+                <a:schemeClr val="accent6"/>
+              </a:buClr>
+              <a:buFont typeface="Wingdings 2"/>
+              <a:buChar char=""/>
+              <a:defRPr kumimoji="0" sz="2000" kern="1200">
+                <a:solidFill>
+                  <a:schemeClr val="tx1"/>
+                </a:solidFill>
+                <a:latin typeface="+mn-lt"/>
+                <a:ea typeface="+mn-ea"/>
+                <a:cs typeface="+mn-cs"/>
+              </a:defRPr>
+            </a:lvl7pPr>
+            <a:lvl8pPr marL="1920240" indent="-182880" algn="l" rtl="0" eaLnBrk="1" latinLnBrk="0" hangingPunct="1">
+              <a:lnSpc>
+                <a:spcPct val="100000"/>
+              </a:lnSpc>
+              <a:spcBef>
+                <a:spcPct val="20000"/>
+              </a:spcBef>
+              <a:buClr>
+                <a:schemeClr val="accent6"/>
+              </a:buClr>
+              <a:buFont typeface="Wingdings 2"/>
+              <a:buChar char=""/>
+              <a:defRPr kumimoji="0" sz="2000" kern="1200">
+                <a:solidFill>
+                  <a:schemeClr val="tx1"/>
+                </a:solidFill>
+                <a:latin typeface="+mn-lt"/>
+                <a:ea typeface="+mn-ea"/>
+                <a:cs typeface="+mn-cs"/>
+              </a:defRPr>
+            </a:lvl8pPr>
+            <a:lvl9pPr marL="2130552" indent="-182880" algn="l" rtl="0" eaLnBrk="1" latinLnBrk="0" hangingPunct="1">
+              <a:lnSpc>
+                <a:spcPct val="100000"/>
+              </a:lnSpc>
+              <a:spcBef>
+                <a:spcPct val="20000"/>
+              </a:spcBef>
+              <a:buClr>
+                <a:schemeClr val="accent6"/>
+              </a:buClr>
+              <a:buFont typeface="Wingdings 2"/>
+              <a:buChar char=""/>
+              <a:defRPr kumimoji="0" sz="2000" kern="1200">
+                <a:solidFill>
+                  <a:schemeClr val="tx1"/>
+                </a:solidFill>
+                <a:latin typeface="+mn-lt"/>
+                <a:ea typeface="+mn-ea"/>
+                <a:cs typeface="+mn-cs"/>
+              </a:defRPr>
+            </a:lvl9pPr>
+            <a:extLst/>
+          </a:lstStyle>
+          <a:p>
+            <a:pPr marL="82296" indent="0">
+              <a:buNone/>
+            </a:pPr>
+            <a:r>
+              <a:rPr lang="en-US" sz="1800" i="1" dirty="0" smtClean="0"/>
+              <a:t>Cluster </a:t>
+            </a:r>
+            <a:r>
+              <a:rPr lang="en-US" sz="1800" i="1" dirty="0" smtClean="0"/>
+              <a:t>master</a:t>
+            </a:r>
+            <a:r>
+              <a:rPr lang="en-US" sz="1800" dirty="0" smtClean="0"/>
+              <a:t> nodes provide the core Kubernetes services and orchestration of application workloads.</a:t>
+            </a:r>
+          </a:p>
+          <a:p>
+            <a:pPr marL="82296" indent="0">
+              <a:buNone/>
+            </a:pPr>
+            <a:r>
+              <a:rPr lang="en-US" sz="1800" i="1" dirty="0" smtClean="0"/>
+              <a:t>Nodes</a:t>
+            </a:r>
+            <a:r>
+              <a:rPr lang="en-US" sz="1800" dirty="0" smtClean="0"/>
+              <a:t> run your application workloads.</a:t>
+            </a:r>
+          </a:p>
+          <a:p>
             <a:endParaRPr lang="pl-PL" dirty="0"/>
           </a:p>
-          <a:p>
-            <a:pPr marL="0" indent="0">
-              <a:buNone/>
-            </a:pPr>
-            <a:endParaRPr lang="en-US" dirty="0"/>
-          </a:p>
-          <a:p>
-            <a:endParaRPr lang="pl-PL" dirty="0"/>
-          </a:p>
-        </p:txBody>
-      </p:sp>
+        </p:txBody>
+      </p:sp>
+      <p:pic>
+        <p:nvPicPr>
+          <p:cNvPr id="5" name="Picture 2" descr="Kubernetes cluster master and node components"/>
+          <p:cNvPicPr>
+            <a:picLocks noChangeAspect="1" noChangeArrowheads="1"/>
+          </p:cNvPicPr>
+          <p:nvPr/>
+        </p:nvPicPr>
+        <p:blipFill>
+          <a:blip r:embed="rId3" cstate="print"/>
+          <a:srcRect/>
+          <a:stretch>
+            <a:fillRect/>
+          </a:stretch>
+        </p:blipFill>
+        <p:spPr bwMode="auto">
+          <a:xfrm>
+            <a:off x="1001133" y="2456328"/>
+            <a:ext cx="7141734" cy="2448272"/>
+          </a:xfrm>
+          <a:prstGeom prst="rect">
+            <a:avLst/>
+          </a:prstGeom>
+          <a:noFill/>
+        </p:spPr>
+      </p:pic>
     </p:spTree>
     <p:extLst>
       <p:ext uri="{BB962C8B-B14F-4D97-AF65-F5344CB8AC3E}">
-        <p14:creationId xmlns:p14="http://schemas.microsoft.com/office/powerpoint/2010/main" val="2924432766"/>
+        <p14:creationId xmlns:p14="http://schemas.microsoft.com/office/powerpoint/2010/main" val="887340820"/>
       </p:ext>
     </p:extLst>
   </p:cSld>
@@ -6825,15 +7145,15 @@
           <a:p>
             <a:r>
               <a:rPr lang="pl-PL" dirty="0" err="1" smtClean="0"/>
-              <a:t>Limits</a:t>
+              <a:t>Kubernetes</a:t>
             </a:r>
             <a:r>
               <a:rPr lang="pl-PL" dirty="0" smtClean="0"/>
-              <a:t>, </a:t>
+              <a:t> </a:t>
             </a:r>
             <a:r>
               <a:rPr lang="pl-PL" dirty="0" err="1" smtClean="0"/>
-              <a:t>requests</a:t>
+              <a:t>limits</a:t>
             </a:r>
             <a:endParaRPr lang="pl-PL" dirty="0"/>
           </a:p>
@@ -6852,43 +7172,110 @@
         <p:spPr/>
         <p:txBody>
           <a:bodyPr>
-            <a:normAutofit fontScale="77500" lnSpcReduction="20000"/>
+            <a:normAutofit fontScale="85000" lnSpcReduction="20000"/>
           </a:bodyPr>
           <a:lstStyle/>
           <a:p>
+            <a:endParaRPr lang="pl-PL" dirty="0" smtClean="0"/>
+          </a:p>
+          <a:p>
+            <a:pPr marL="0" indent="0">
+              <a:buNone/>
+            </a:pPr>
             <a:r>
               <a:rPr lang="en-US" dirty="0"/>
-              <a:t>Kubernetes employs requests and limits to control resources. Requests are guaranteed resources that a container is entitled to use. Limits, on the other hand, are the maximum resources or threshold a container can use. </a:t>
-            </a:r>
+              <a:t>At v1.16, Kubernetes supports clusters with up to 5000 nodes. More specifically, we support configurations that meet </a:t>
+            </a:r>
+            <a:r>
+              <a:rPr lang="en-US" i="1" dirty="0"/>
+              <a:t>all</a:t>
+            </a:r>
+            <a:r>
+              <a:rPr lang="en-US" dirty="0"/>
+              <a:t> of the following criteria</a:t>
+            </a:r>
+            <a:r>
+              <a:rPr lang="en-US" dirty="0" smtClean="0"/>
+              <a:t>:</a:t>
+            </a:r>
+            <a:endParaRPr lang="en-US" dirty="0"/>
+          </a:p>
+          <a:p>
+            <a:pPr marL="0" indent="0">
+              <a:buNone/>
+            </a:pPr>
+            <a:r>
+              <a:rPr lang="en-US" dirty="0"/>
+              <a:t>No more than 5000 nodes</a:t>
+            </a:r>
+          </a:p>
+          <a:p>
+            <a:pPr marL="0" indent="0">
+              <a:buNone/>
+            </a:pPr>
+            <a:r>
+              <a:rPr lang="en-US" dirty="0"/>
+              <a:t>No more than 150000 total pods</a:t>
+            </a:r>
+          </a:p>
+          <a:p>
+            <a:pPr marL="0" indent="0">
+              <a:buNone/>
+            </a:pPr>
+            <a:r>
+              <a:rPr lang="en-US" dirty="0"/>
+              <a:t>No more than 300000 total containers</a:t>
+            </a:r>
+          </a:p>
+          <a:p>
+            <a:pPr marL="0" indent="0">
+              <a:buNone/>
+            </a:pPr>
+            <a:r>
+              <a:rPr lang="en-US" dirty="0">
+                <a:solidFill>
+                  <a:srgbClr val="FF0000"/>
+                </a:solidFill>
+              </a:rPr>
+              <a:t>No more than 100 pods per </a:t>
+            </a:r>
+            <a:r>
+              <a:rPr lang="en-US" dirty="0" smtClean="0">
+                <a:solidFill>
+                  <a:srgbClr val="FF0000"/>
+                </a:solidFill>
+              </a:rPr>
+              <a:t>node</a:t>
+            </a:r>
+            <a:endParaRPr lang="pl-PL" dirty="0" smtClean="0">
+              <a:solidFill>
+                <a:srgbClr val="FF0000"/>
+              </a:solidFill>
+            </a:endParaRPr>
+          </a:p>
+          <a:p>
+            <a:pPr marL="0" indent="0">
+              <a:buNone/>
+            </a:pPr>
             <a:endParaRPr lang="pl-PL" dirty="0" smtClean="0"/>
           </a:p>
           <a:p>
-            <a:r>
-              <a:rPr lang="en-US" dirty="0" smtClean="0"/>
-              <a:t>After </a:t>
-            </a:r>
-            <a:r>
-              <a:rPr lang="en-US" dirty="0"/>
-              <a:t>reaching the limits, containers will be restricted. If a container requests a resource, Kubernetes will only schedule it on an available node that can provide those resources. These resources and limit are defined in the standard YAML configuration of your containers.</a:t>
-            </a:r>
-          </a:p>
-          <a:p>
-            <a:r>
-              <a:rPr lang="en-US" dirty="0"/>
-              <a:t>In Kubernetes, there are two types of resources: </a:t>
-            </a:r>
-            <a:r>
-              <a:rPr lang="en-US" dirty="0">
-                <a:solidFill>
-                  <a:srgbClr val="FF0000"/>
-                </a:solidFill>
-              </a:rPr>
-              <a:t>CPU and Memory</a:t>
-            </a:r>
-            <a:r>
-              <a:rPr lang="en-US" dirty="0"/>
-              <a:t>. CPU is measured in core units, and memory is specified in bytes.</a:t>
-            </a:r>
+            <a:pPr marL="0" indent="0">
+              <a:buNone/>
+            </a:pPr>
+            <a:r>
+              <a:rPr lang="pl-PL" dirty="0">
+                <a:hlinkClick r:id="rId2"/>
+              </a:rPr>
+              <a:t>https://kubernetes.io/docs/setup/best-practices/cluster-large/</a:t>
+            </a:r>
+            <a:endParaRPr lang="pl-PL" dirty="0"/>
+          </a:p>
+          <a:p>
+            <a:pPr marL="0" indent="0">
+              <a:buNone/>
+            </a:pPr>
+            <a:endParaRPr lang="en-US" dirty="0"/>
           </a:p>
           <a:p>
             <a:endParaRPr lang="pl-PL" dirty="0"/>
@@ -6898,7 +7285,7 @@
     </p:spTree>
     <p:extLst>
       <p:ext uri="{BB962C8B-B14F-4D97-AF65-F5344CB8AC3E}">
-        <p14:creationId xmlns:p14="http://schemas.microsoft.com/office/powerpoint/2010/main" val="4087162077"/>
+        <p14:creationId xmlns:p14="http://schemas.microsoft.com/office/powerpoint/2010/main" val="2924432766"/>
       </p:ext>
     </p:extLst>
   </p:cSld>
@@ -6949,15 +7336,15 @@
           <a:p>
             <a:r>
               <a:rPr lang="pl-PL" dirty="0" err="1" smtClean="0"/>
-              <a:t>Container</a:t>
+              <a:t>Limits</a:t>
             </a:r>
             <a:r>
               <a:rPr lang="pl-PL" dirty="0" smtClean="0"/>
-              <a:t> </a:t>
+              <a:t>, </a:t>
             </a:r>
             <a:r>
               <a:rPr lang="pl-PL" dirty="0" err="1" smtClean="0"/>
-              <a:t>limits</a:t>
+              <a:t>requests</a:t>
             </a:r>
             <a:endParaRPr lang="pl-PL" dirty="0"/>
           </a:p>
@@ -6973,670 +7360,56 @@
             <p:ph idx="1"/>
           </p:nvPr>
         </p:nvSpPr>
-        <p:spPr>
-          <a:xfrm>
-            <a:off x="502920" y="530352"/>
-            <a:ext cx="4069080" cy="3258688"/>
-          </a:xfrm>
-        </p:spPr>
+        <p:spPr/>
         <p:txBody>
           <a:bodyPr>
-            <a:normAutofit/>
+            <a:normAutofit fontScale="77500" lnSpcReduction="20000"/>
           </a:bodyPr>
           <a:lstStyle/>
           <a:p>
-            <a:pPr marL="0" indent="0">
-              <a:buNone/>
-            </a:pPr>
-            <a:r>
-              <a:rPr lang="pl-PL" sz="1900" dirty="0" err="1">
+            <a:r>
+              <a:rPr lang="en-US" dirty="0"/>
+              <a:t>Kubernetes employs requests and limits to control resources. Requests are guaranteed resources that a container is entitled to use. Limits, on the other hand, are the maximum resources or threshold a container can use. </a:t>
+            </a:r>
+            <a:endParaRPr lang="pl-PL" dirty="0" smtClean="0"/>
+          </a:p>
+          <a:p>
+            <a:r>
+              <a:rPr lang="en-US" dirty="0" smtClean="0"/>
+              <a:t>After </a:t>
+            </a:r>
+            <a:r>
+              <a:rPr lang="en-US" dirty="0"/>
+              <a:t>reaching the limits, containers will be restricted. If a container requests a resource, Kubernetes will only schedule it on an available node that can provide those resources. These resources and limit are defined in the standard YAML configuration of your containers.</a:t>
+            </a:r>
+          </a:p>
+          <a:p>
+            <a:r>
+              <a:rPr lang="en-US" dirty="0"/>
+              <a:t>In Kubernetes, there are two types of resources: </a:t>
+            </a:r>
+            <a:r>
+              <a:rPr lang="en-US" dirty="0">
                 <a:solidFill>
                   <a:srgbClr val="FF0000"/>
                 </a:solidFill>
               </a:rPr>
-              <a:t>apiVersion</a:t>
-            </a:r>
-            <a:r>
-              <a:rPr lang="pl-PL" sz="1900" dirty="0">
-                <a:solidFill>
-                  <a:srgbClr val="FF0000"/>
-                </a:solidFill>
-              </a:rPr>
-              <a:t>: v1</a:t>
-            </a:r>
-          </a:p>
-          <a:p>
-            <a:pPr marL="0" indent="0">
-              <a:buNone/>
-            </a:pPr>
-            <a:r>
-              <a:rPr lang="pl-PL" sz="1900" dirty="0" err="1">
-                <a:solidFill>
-                  <a:srgbClr val="FF0000"/>
-                </a:solidFill>
-              </a:rPr>
-              <a:t>kind</a:t>
-            </a:r>
-            <a:r>
-              <a:rPr lang="pl-PL" sz="1900" dirty="0">
-                <a:solidFill>
-                  <a:srgbClr val="FF0000"/>
-                </a:solidFill>
-              </a:rPr>
-              <a:t>: Pod</a:t>
-            </a:r>
-          </a:p>
-          <a:p>
-            <a:pPr marL="0" indent="0">
-              <a:buNone/>
-            </a:pPr>
-            <a:r>
-              <a:rPr lang="pl-PL" sz="1900" dirty="0" err="1">
-                <a:solidFill>
-                  <a:srgbClr val="FF0000"/>
-                </a:solidFill>
-              </a:rPr>
-              <a:t>metadata</a:t>
-            </a:r>
-            <a:r>
-              <a:rPr lang="pl-PL" sz="1900" dirty="0">
-                <a:solidFill>
-                  <a:srgbClr val="FF0000"/>
-                </a:solidFill>
-              </a:rPr>
-              <a:t>:</a:t>
-            </a:r>
-          </a:p>
-          <a:p>
-            <a:pPr marL="0" indent="0">
-              <a:buNone/>
-            </a:pPr>
-            <a:r>
-              <a:rPr lang="pl-PL" sz="1900" dirty="0">
-                <a:solidFill>
-                  <a:srgbClr val="FF0000"/>
-                </a:solidFill>
-              </a:rPr>
-              <a:t>  </a:t>
-            </a:r>
-            <a:r>
-              <a:rPr lang="pl-PL" sz="1900" dirty="0" err="1">
-                <a:solidFill>
-                  <a:srgbClr val="FF0000"/>
-                </a:solidFill>
-              </a:rPr>
-              <a:t>name</a:t>
-            </a:r>
-            <a:r>
-              <a:rPr lang="pl-PL" sz="1900" dirty="0">
-                <a:solidFill>
-                  <a:srgbClr val="FF0000"/>
-                </a:solidFill>
-              </a:rPr>
-              <a:t>: pod-quota-1</a:t>
-            </a:r>
-          </a:p>
-          <a:p>
-            <a:pPr marL="0" indent="0">
-              <a:buNone/>
-            </a:pPr>
-            <a:r>
-              <a:rPr lang="pl-PL" sz="1900" dirty="0">
-                <a:solidFill>
-                  <a:srgbClr val="FF0000"/>
-                </a:solidFill>
-              </a:rPr>
-              <a:t>spec:</a:t>
-            </a:r>
-          </a:p>
-          <a:p>
-            <a:pPr marL="0" indent="0">
-              <a:buNone/>
-            </a:pPr>
-            <a:r>
-              <a:rPr lang="pl-PL" sz="1900" dirty="0">
-                <a:solidFill>
-                  <a:srgbClr val="FF0000"/>
-                </a:solidFill>
-              </a:rPr>
-              <a:t>  </a:t>
-            </a:r>
-            <a:r>
-              <a:rPr lang="pl-PL" sz="1900" dirty="0" err="1">
-                <a:solidFill>
-                  <a:srgbClr val="FF0000"/>
-                </a:solidFill>
-              </a:rPr>
-              <a:t>containers</a:t>
-            </a:r>
-            <a:r>
-              <a:rPr lang="pl-PL" sz="1900" dirty="0">
-                <a:solidFill>
-                  <a:srgbClr val="FF0000"/>
-                </a:solidFill>
-              </a:rPr>
-              <a:t>:</a:t>
-            </a:r>
-          </a:p>
-          <a:p>
-            <a:pPr marL="0" indent="0">
-              <a:buNone/>
-            </a:pPr>
-            <a:r>
-              <a:rPr lang="pl-PL" sz="1900" dirty="0">
-                <a:solidFill>
-                  <a:srgbClr val="FF0000"/>
-                </a:solidFill>
-              </a:rPr>
-              <a:t>  - </a:t>
-            </a:r>
-            <a:r>
-              <a:rPr lang="pl-PL" sz="1900" dirty="0" err="1">
-                <a:solidFill>
-                  <a:srgbClr val="FF0000"/>
-                </a:solidFill>
-              </a:rPr>
-              <a:t>name</a:t>
-            </a:r>
-            <a:r>
-              <a:rPr lang="pl-PL" sz="1900" dirty="0">
-                <a:solidFill>
-                  <a:srgbClr val="FF0000"/>
-                </a:solidFill>
-              </a:rPr>
-              <a:t>: pod-quota-1</a:t>
-            </a:r>
-          </a:p>
-          <a:p>
-            <a:pPr marL="0" indent="0">
-              <a:buNone/>
-            </a:pPr>
-            <a:r>
-              <a:rPr lang="pl-PL" sz="1900" dirty="0">
-                <a:solidFill>
-                  <a:srgbClr val="FF0000"/>
-                </a:solidFill>
-              </a:rPr>
-              <a:t>    image: </a:t>
-            </a:r>
-            <a:r>
-              <a:rPr lang="pl-PL" sz="1900" dirty="0" err="1" smtClean="0">
-                <a:solidFill>
-                  <a:srgbClr val="FF0000"/>
-                </a:solidFill>
-              </a:rPr>
-              <a:t>nginx</a:t>
-            </a:r>
-            <a:endParaRPr lang="pl-PL" sz="1900" dirty="0" smtClean="0">
-              <a:solidFill>
-                <a:srgbClr val="FF0000"/>
-              </a:solidFill>
-            </a:endParaRPr>
+              <a:t>CPU and Memory</a:t>
+            </a:r>
+            <a:r>
+              <a:rPr lang="en-US" dirty="0"/>
+              <a:t>. CPU is measured in core units, and memory is specified in bytes.</a:t>
+            </a:r>
           </a:p>
           <a:p>
             <a:endParaRPr lang="pl-PL" dirty="0"/>
-          </a:p>
-        </p:txBody>
-      </p:sp>
-      <p:sp>
-        <p:nvSpPr>
-          <p:cNvPr id="6" name="Prostokąt 5"/>
-          <p:cNvSpPr/>
-          <p:nvPr/>
-        </p:nvSpPr>
-        <p:spPr>
-          <a:xfrm>
-            <a:off x="4139952" y="692696"/>
-            <a:ext cx="4572000" cy="4524315"/>
-          </a:xfrm>
-          <a:prstGeom prst="rect">
-            <a:avLst/>
-          </a:prstGeom>
-        </p:spPr>
-        <p:txBody>
-          <a:bodyPr>
-            <a:spAutoFit/>
-          </a:bodyPr>
-          <a:lstStyle/>
-          <a:p>
-            <a:r>
-              <a:rPr lang="pl-PL" dirty="0" err="1">
-                <a:solidFill>
-                  <a:schemeClr val="accent4">
-                    <a:lumMod val="50000"/>
-                  </a:schemeClr>
-                </a:solidFill>
-              </a:rPr>
-              <a:t>apiVersion</a:t>
-            </a:r>
-            <a:r>
-              <a:rPr lang="pl-PL" dirty="0">
-                <a:solidFill>
-                  <a:schemeClr val="accent4">
-                    <a:lumMod val="50000"/>
-                  </a:schemeClr>
-                </a:solidFill>
-              </a:rPr>
-              <a:t>: v1</a:t>
-            </a:r>
-          </a:p>
-          <a:p>
-            <a:r>
-              <a:rPr lang="pl-PL" dirty="0" err="1">
-                <a:solidFill>
-                  <a:schemeClr val="accent4">
-                    <a:lumMod val="50000"/>
-                  </a:schemeClr>
-                </a:solidFill>
-              </a:rPr>
-              <a:t>kind</a:t>
-            </a:r>
-            <a:r>
-              <a:rPr lang="pl-PL" dirty="0">
-                <a:solidFill>
-                  <a:schemeClr val="accent4">
-                    <a:lumMod val="50000"/>
-                  </a:schemeClr>
-                </a:solidFill>
-              </a:rPr>
-              <a:t>: Pod</a:t>
-            </a:r>
-          </a:p>
-          <a:p>
-            <a:r>
-              <a:rPr lang="pl-PL" dirty="0" err="1">
-                <a:solidFill>
-                  <a:schemeClr val="accent4">
-                    <a:lumMod val="50000"/>
-                  </a:schemeClr>
-                </a:solidFill>
-              </a:rPr>
-              <a:t>metadata</a:t>
-            </a:r>
-            <a:r>
-              <a:rPr lang="pl-PL" dirty="0">
-                <a:solidFill>
-                  <a:schemeClr val="accent4">
-                    <a:lumMod val="50000"/>
-                  </a:schemeClr>
-                </a:solidFill>
-              </a:rPr>
-              <a:t>:</a:t>
-            </a:r>
-          </a:p>
-          <a:p>
-            <a:r>
-              <a:rPr lang="pl-PL" dirty="0">
-                <a:solidFill>
-                  <a:schemeClr val="accent4">
-                    <a:lumMod val="50000"/>
-                  </a:schemeClr>
-                </a:solidFill>
-              </a:rPr>
-              <a:t>  </a:t>
-            </a:r>
-            <a:r>
-              <a:rPr lang="pl-PL" dirty="0" err="1">
-                <a:solidFill>
-                  <a:schemeClr val="accent4">
-                    <a:lumMod val="50000"/>
-                  </a:schemeClr>
-                </a:solidFill>
-              </a:rPr>
-              <a:t>name</a:t>
-            </a:r>
-            <a:r>
-              <a:rPr lang="pl-PL" dirty="0">
-                <a:solidFill>
-                  <a:schemeClr val="accent4">
-                    <a:lumMod val="50000"/>
-                  </a:schemeClr>
-                </a:solidFill>
-              </a:rPr>
-              <a:t>: pod-quota-2</a:t>
-            </a:r>
-          </a:p>
-          <a:p>
-            <a:r>
-              <a:rPr lang="pl-PL" dirty="0">
-                <a:solidFill>
-                  <a:schemeClr val="accent4">
-                    <a:lumMod val="50000"/>
-                  </a:schemeClr>
-                </a:solidFill>
-              </a:rPr>
-              <a:t>spec:</a:t>
-            </a:r>
-          </a:p>
-          <a:p>
-            <a:r>
-              <a:rPr lang="pl-PL" dirty="0">
-                <a:solidFill>
-                  <a:schemeClr val="accent4">
-                    <a:lumMod val="50000"/>
-                  </a:schemeClr>
-                </a:solidFill>
-              </a:rPr>
-              <a:t>  </a:t>
-            </a:r>
-            <a:r>
-              <a:rPr lang="pl-PL" dirty="0" err="1">
-                <a:solidFill>
-                  <a:schemeClr val="accent4">
-                    <a:lumMod val="50000"/>
-                  </a:schemeClr>
-                </a:solidFill>
-              </a:rPr>
-              <a:t>containers</a:t>
-            </a:r>
-            <a:r>
-              <a:rPr lang="pl-PL" dirty="0">
-                <a:solidFill>
-                  <a:schemeClr val="accent4">
-                    <a:lumMod val="50000"/>
-                  </a:schemeClr>
-                </a:solidFill>
-              </a:rPr>
-              <a:t>:</a:t>
-            </a:r>
-          </a:p>
-          <a:p>
-            <a:r>
-              <a:rPr lang="pl-PL" dirty="0">
-                <a:solidFill>
-                  <a:schemeClr val="accent4">
-                    <a:lumMod val="50000"/>
-                  </a:schemeClr>
-                </a:solidFill>
-              </a:rPr>
-              <a:t>  - </a:t>
-            </a:r>
-            <a:r>
-              <a:rPr lang="pl-PL" dirty="0" err="1">
-                <a:solidFill>
-                  <a:schemeClr val="accent4">
-                    <a:lumMod val="50000"/>
-                  </a:schemeClr>
-                </a:solidFill>
-              </a:rPr>
-              <a:t>name</a:t>
-            </a:r>
-            <a:r>
-              <a:rPr lang="pl-PL" dirty="0">
-                <a:solidFill>
-                  <a:schemeClr val="accent4">
-                    <a:lumMod val="50000"/>
-                  </a:schemeClr>
-                </a:solidFill>
-              </a:rPr>
-              <a:t>: pod-quota-2</a:t>
-            </a:r>
-          </a:p>
-          <a:p>
-            <a:r>
-              <a:rPr lang="pl-PL" dirty="0">
-                <a:solidFill>
-                  <a:schemeClr val="accent4">
-                    <a:lumMod val="50000"/>
-                  </a:schemeClr>
-                </a:solidFill>
-              </a:rPr>
-              <a:t>    image: </a:t>
-            </a:r>
-            <a:r>
-              <a:rPr lang="pl-PL" dirty="0" err="1">
-                <a:solidFill>
-                  <a:schemeClr val="accent4">
-                    <a:lumMod val="50000"/>
-                  </a:schemeClr>
-                </a:solidFill>
-              </a:rPr>
-              <a:t>redis</a:t>
-            </a:r>
-            <a:endParaRPr lang="pl-PL" dirty="0">
-              <a:solidFill>
-                <a:schemeClr val="accent4">
-                  <a:lumMod val="50000"/>
-                </a:schemeClr>
-              </a:solidFill>
-            </a:endParaRPr>
-          </a:p>
-          <a:p>
-            <a:r>
-              <a:rPr lang="pl-PL" b="1" dirty="0">
-                <a:solidFill>
-                  <a:schemeClr val="accent4">
-                    <a:lumMod val="50000"/>
-                  </a:schemeClr>
-                </a:solidFill>
-              </a:rPr>
-              <a:t>    </a:t>
-            </a:r>
-            <a:r>
-              <a:rPr lang="pl-PL" b="1" dirty="0" err="1">
-                <a:solidFill>
-                  <a:schemeClr val="accent4">
-                    <a:lumMod val="50000"/>
-                  </a:schemeClr>
-                </a:solidFill>
-              </a:rPr>
-              <a:t>resources</a:t>
-            </a:r>
-            <a:r>
-              <a:rPr lang="pl-PL" b="1" dirty="0">
-                <a:solidFill>
-                  <a:schemeClr val="accent4">
-                    <a:lumMod val="50000"/>
-                  </a:schemeClr>
-                </a:solidFill>
-              </a:rPr>
-              <a:t>:</a:t>
-            </a:r>
-          </a:p>
-          <a:p>
-            <a:r>
-              <a:rPr lang="pl-PL" b="1" dirty="0">
-                <a:solidFill>
-                  <a:schemeClr val="accent4">
-                    <a:lumMod val="50000"/>
-                  </a:schemeClr>
-                </a:solidFill>
-              </a:rPr>
-              <a:t>      </a:t>
-            </a:r>
-            <a:r>
-              <a:rPr lang="pl-PL" b="1" dirty="0" err="1">
-                <a:solidFill>
-                  <a:schemeClr val="accent4">
-                    <a:lumMod val="50000"/>
-                  </a:schemeClr>
-                </a:solidFill>
-              </a:rPr>
-              <a:t>limits</a:t>
-            </a:r>
-            <a:r>
-              <a:rPr lang="pl-PL" b="1" dirty="0">
-                <a:solidFill>
-                  <a:schemeClr val="accent4">
-                    <a:lumMod val="50000"/>
-                  </a:schemeClr>
-                </a:solidFill>
-              </a:rPr>
-              <a:t>:</a:t>
-            </a:r>
-          </a:p>
-          <a:p>
-            <a:r>
-              <a:rPr lang="pl-PL" b="1" dirty="0">
-                <a:solidFill>
-                  <a:schemeClr val="accent4">
-                    <a:lumMod val="50000"/>
-                  </a:schemeClr>
-                </a:solidFill>
-              </a:rPr>
-              <a:t>        </a:t>
-            </a:r>
-            <a:r>
-              <a:rPr lang="pl-PL" b="1" dirty="0" err="1">
-                <a:solidFill>
-                  <a:schemeClr val="accent4">
-                    <a:lumMod val="50000"/>
-                  </a:schemeClr>
-                </a:solidFill>
-              </a:rPr>
-              <a:t>memory</a:t>
-            </a:r>
-            <a:r>
-              <a:rPr lang="pl-PL" b="1" dirty="0">
-                <a:solidFill>
-                  <a:schemeClr val="accent4">
-                    <a:lumMod val="50000"/>
-                  </a:schemeClr>
-                </a:solidFill>
-              </a:rPr>
-              <a:t>: "1Gi"</a:t>
-            </a:r>
-          </a:p>
-          <a:p>
-            <a:r>
-              <a:rPr lang="pl-PL" b="1" dirty="0">
-                <a:solidFill>
-                  <a:schemeClr val="accent4">
-                    <a:lumMod val="50000"/>
-                  </a:schemeClr>
-                </a:solidFill>
-              </a:rPr>
-              <a:t>        </a:t>
-            </a:r>
-            <a:r>
-              <a:rPr lang="pl-PL" b="1" dirty="0" err="1">
-                <a:solidFill>
-                  <a:schemeClr val="accent4">
-                    <a:lumMod val="50000"/>
-                  </a:schemeClr>
-                </a:solidFill>
-              </a:rPr>
-              <a:t>cpu</a:t>
-            </a:r>
-            <a:r>
-              <a:rPr lang="pl-PL" b="1" dirty="0">
-                <a:solidFill>
-                  <a:schemeClr val="accent4">
-                    <a:lumMod val="50000"/>
-                  </a:schemeClr>
-                </a:solidFill>
-              </a:rPr>
-              <a:t>: "800m"      </a:t>
-            </a:r>
-          </a:p>
-          <a:p>
-            <a:r>
-              <a:rPr lang="pl-PL" b="1" dirty="0">
-                <a:solidFill>
-                  <a:schemeClr val="accent4">
-                    <a:lumMod val="50000"/>
-                  </a:schemeClr>
-                </a:solidFill>
-              </a:rPr>
-              <a:t>      </a:t>
-            </a:r>
-            <a:r>
-              <a:rPr lang="pl-PL" b="1" dirty="0" err="1">
-                <a:solidFill>
-                  <a:schemeClr val="accent4">
-                    <a:lumMod val="50000"/>
-                  </a:schemeClr>
-                </a:solidFill>
-              </a:rPr>
-              <a:t>requests</a:t>
-            </a:r>
-            <a:r>
-              <a:rPr lang="pl-PL" b="1" dirty="0">
-                <a:solidFill>
-                  <a:schemeClr val="accent4">
-                    <a:lumMod val="50000"/>
-                  </a:schemeClr>
-                </a:solidFill>
-              </a:rPr>
-              <a:t>:</a:t>
-            </a:r>
-          </a:p>
-          <a:p>
-            <a:r>
-              <a:rPr lang="pl-PL" b="1" dirty="0">
-                <a:solidFill>
-                  <a:schemeClr val="accent4">
-                    <a:lumMod val="50000"/>
-                  </a:schemeClr>
-                </a:solidFill>
-              </a:rPr>
-              <a:t>        </a:t>
-            </a:r>
-            <a:r>
-              <a:rPr lang="pl-PL" b="1" dirty="0" err="1">
-                <a:solidFill>
-                  <a:schemeClr val="accent4">
-                    <a:lumMod val="50000"/>
-                  </a:schemeClr>
-                </a:solidFill>
-              </a:rPr>
-              <a:t>memory</a:t>
-            </a:r>
-            <a:r>
-              <a:rPr lang="pl-PL" b="1" dirty="0">
-                <a:solidFill>
-                  <a:schemeClr val="accent4">
-                    <a:lumMod val="50000"/>
-                  </a:schemeClr>
-                </a:solidFill>
-              </a:rPr>
-              <a:t>: "700Mi"</a:t>
-            </a:r>
-          </a:p>
-          <a:p>
-            <a:r>
-              <a:rPr lang="pl-PL" b="1" dirty="0">
-                <a:solidFill>
-                  <a:schemeClr val="accent4">
-                    <a:lumMod val="50000"/>
-                  </a:schemeClr>
-                </a:solidFill>
-              </a:rPr>
-              <a:t>        </a:t>
-            </a:r>
-            <a:r>
-              <a:rPr lang="pl-PL" b="1" dirty="0" err="1">
-                <a:solidFill>
-                  <a:schemeClr val="accent4">
-                    <a:lumMod val="50000"/>
-                  </a:schemeClr>
-                </a:solidFill>
-              </a:rPr>
-              <a:t>cpu</a:t>
-            </a:r>
-            <a:r>
-              <a:rPr lang="pl-PL" b="1" dirty="0">
-                <a:solidFill>
-                  <a:schemeClr val="accent4">
-                    <a:lumMod val="50000"/>
-                  </a:schemeClr>
-                </a:solidFill>
-              </a:rPr>
-              <a:t>: "400m"</a:t>
-            </a:r>
-          </a:p>
-          <a:p>
-            <a:r>
-              <a:rPr lang="pl-PL" dirty="0"/>
-              <a:t> </a:t>
-            </a:r>
           </a:p>
         </p:txBody>
       </p:sp>
     </p:spTree>
     <p:extLst>
       <p:ext uri="{BB962C8B-B14F-4D97-AF65-F5344CB8AC3E}">
-        <p14:creationId xmlns:p14="http://schemas.microsoft.com/office/powerpoint/2010/main" val="3781876501"/>
+        <p14:creationId xmlns:p14="http://schemas.microsoft.com/office/powerpoint/2010/main" val="4087162077"/>
       </p:ext>
     </p:extLst>
   </p:cSld>
@@ -7687,7 +7460,15 @@
           <a:p>
             <a:r>
               <a:rPr lang="pl-PL" dirty="0" err="1" smtClean="0"/>
-              <a:t>Namespaces</a:t>
+              <a:t>Container</a:t>
+            </a:r>
+            <a:r>
+              <a:rPr lang="pl-PL" dirty="0" smtClean="0"/>
+              <a:t> </a:t>
+            </a:r>
+            <a:r>
+              <a:rPr lang="pl-PL" dirty="0" err="1" smtClean="0"/>
+              <a:t>limits</a:t>
             </a:r>
             <a:endParaRPr lang="pl-PL" dirty="0"/>
           </a:p>
@@ -7703,79 +7484,670 @@
             <p:ph idx="1"/>
           </p:nvPr>
         </p:nvSpPr>
-        <p:spPr/>
+        <p:spPr>
+          <a:xfrm>
+            <a:off x="502920" y="530352"/>
+            <a:ext cx="4069080" cy="3258688"/>
+          </a:xfrm>
+        </p:spPr>
         <p:txBody>
           <a:bodyPr>
-            <a:normAutofit fontScale="92500" lnSpcReduction="10000"/>
+            <a:normAutofit/>
           </a:bodyPr>
           <a:lstStyle/>
           <a:p>
-            <a:r>
-              <a:rPr lang="en-US" dirty="0"/>
-              <a:t>Beyond the individual container resources, you may want to investigate setting limits on namespaces. So what is a namespace? Namespaces can be used to define a cluster of applications, departments, or environments. Simply, Namespace refers to scope or grouping of objects in a Kubernetes </a:t>
-            </a:r>
-            <a:r>
-              <a:rPr lang="en-US" dirty="0" smtClean="0"/>
-              <a:t>cluster</a:t>
-            </a:r>
-            <a:endParaRPr lang="pl-PL" dirty="0" smtClean="0"/>
-          </a:p>
-          <a:p>
-            <a:endParaRPr lang="pl-PL" dirty="0" smtClean="0"/>
-          </a:p>
-          <a:p>
-            <a:r>
-              <a:rPr lang="en-US" dirty="0">
+            <a:pPr marL="0" indent="0">
+              <a:buNone/>
+            </a:pPr>
+            <a:r>
+              <a:rPr lang="pl-PL" sz="1900" dirty="0" err="1">
                 <a:solidFill>
                   <a:srgbClr val="FF0000"/>
                 </a:solidFill>
               </a:rPr>
-              <a:t>At the Namespace level, you can set up </a:t>
-            </a:r>
-            <a:r>
-              <a:rPr lang="en-US" dirty="0" err="1">
+              <a:t>apiVersion</a:t>
+            </a:r>
+            <a:r>
+              <a:rPr lang="pl-PL" sz="1900" dirty="0">
                 <a:solidFill>
                   <a:srgbClr val="FF0000"/>
                 </a:solidFill>
               </a:rPr>
-              <a:t>ResourceQuotas</a:t>
-            </a:r>
-            <a:r>
-              <a:rPr lang="en-US" dirty="0">
+              <a:t>: v1</a:t>
+            </a:r>
+          </a:p>
+          <a:p>
+            <a:pPr marL="0" indent="0">
+              <a:buNone/>
+            </a:pPr>
+            <a:r>
+              <a:rPr lang="pl-PL" sz="1900" dirty="0" err="1">
                 <a:solidFill>
                   <a:srgbClr val="FF0000"/>
                 </a:solidFill>
               </a:rPr>
-              <a:t> and </a:t>
-            </a:r>
-            <a:r>
-              <a:rPr lang="en-US" dirty="0" err="1">
+              <a:t>kind</a:t>
+            </a:r>
+            <a:r>
+              <a:rPr lang="pl-PL" sz="1900" dirty="0">
                 <a:solidFill>
                   <a:srgbClr val="FF0000"/>
                 </a:solidFill>
               </a:rPr>
-              <a:t>LimitRanges</a:t>
-            </a:r>
-            <a:r>
-              <a:rPr lang="en-US" dirty="0">
+              <a:t>: Pod</a:t>
+            </a:r>
+          </a:p>
+          <a:p>
+            <a:pPr marL="0" indent="0">
+              <a:buNone/>
+            </a:pPr>
+            <a:r>
+              <a:rPr lang="pl-PL" sz="1900" dirty="0" err="1">
                 <a:solidFill>
                   <a:srgbClr val="FF0000"/>
                 </a:solidFill>
               </a:rPr>
-              <a:t>.</a:t>
-            </a:r>
-            <a:endParaRPr lang="pl-PL" dirty="0">
+              <a:t>metadata</a:t>
+            </a:r>
+            <a:r>
+              <a:rPr lang="pl-PL" sz="1900" dirty="0">
+                <a:solidFill>
+                  <a:srgbClr val="FF0000"/>
+                </a:solidFill>
+              </a:rPr>
+              <a:t>:</a:t>
+            </a:r>
+          </a:p>
+          <a:p>
+            <a:pPr marL="0" indent="0">
+              <a:buNone/>
+            </a:pPr>
+            <a:r>
+              <a:rPr lang="pl-PL" sz="1900" dirty="0">
+                <a:solidFill>
+                  <a:srgbClr val="FF0000"/>
+                </a:solidFill>
+              </a:rPr>
+              <a:t>  </a:t>
+            </a:r>
+            <a:r>
+              <a:rPr lang="pl-PL" sz="1900" dirty="0" err="1">
+                <a:solidFill>
+                  <a:srgbClr val="FF0000"/>
+                </a:solidFill>
+              </a:rPr>
+              <a:t>name</a:t>
+            </a:r>
+            <a:r>
+              <a:rPr lang="pl-PL" sz="1900" dirty="0">
+                <a:solidFill>
+                  <a:srgbClr val="FF0000"/>
+                </a:solidFill>
+              </a:rPr>
+              <a:t>: pod-quota-1</a:t>
+            </a:r>
+          </a:p>
+          <a:p>
+            <a:pPr marL="0" indent="0">
+              <a:buNone/>
+            </a:pPr>
+            <a:r>
+              <a:rPr lang="pl-PL" sz="1900" dirty="0">
+                <a:solidFill>
+                  <a:srgbClr val="FF0000"/>
+                </a:solidFill>
+              </a:rPr>
+              <a:t>spec:</a:t>
+            </a:r>
+          </a:p>
+          <a:p>
+            <a:pPr marL="0" indent="0">
+              <a:buNone/>
+            </a:pPr>
+            <a:r>
+              <a:rPr lang="pl-PL" sz="1900" dirty="0">
+                <a:solidFill>
+                  <a:srgbClr val="FF0000"/>
+                </a:solidFill>
+              </a:rPr>
+              <a:t>  </a:t>
+            </a:r>
+            <a:r>
+              <a:rPr lang="pl-PL" sz="1900" dirty="0" err="1">
+                <a:solidFill>
+                  <a:srgbClr val="FF0000"/>
+                </a:solidFill>
+              </a:rPr>
+              <a:t>containers</a:t>
+            </a:r>
+            <a:r>
+              <a:rPr lang="pl-PL" sz="1900" dirty="0">
+                <a:solidFill>
+                  <a:srgbClr val="FF0000"/>
+                </a:solidFill>
+              </a:rPr>
+              <a:t>:</a:t>
+            </a:r>
+          </a:p>
+          <a:p>
+            <a:pPr marL="0" indent="0">
+              <a:buNone/>
+            </a:pPr>
+            <a:r>
+              <a:rPr lang="pl-PL" sz="1900" dirty="0">
+                <a:solidFill>
+                  <a:srgbClr val="FF0000"/>
+                </a:solidFill>
+              </a:rPr>
+              <a:t>  - </a:t>
+            </a:r>
+            <a:r>
+              <a:rPr lang="pl-PL" sz="1900" dirty="0" err="1">
+                <a:solidFill>
+                  <a:srgbClr val="FF0000"/>
+                </a:solidFill>
+              </a:rPr>
+              <a:t>name</a:t>
+            </a:r>
+            <a:r>
+              <a:rPr lang="pl-PL" sz="1900" dirty="0">
+                <a:solidFill>
+                  <a:srgbClr val="FF0000"/>
+                </a:solidFill>
+              </a:rPr>
+              <a:t>: pod-quota-1</a:t>
+            </a:r>
+          </a:p>
+          <a:p>
+            <a:pPr marL="0" indent="0">
+              <a:buNone/>
+            </a:pPr>
+            <a:r>
+              <a:rPr lang="pl-PL" sz="1900" dirty="0">
+                <a:solidFill>
+                  <a:srgbClr val="FF0000"/>
+                </a:solidFill>
+              </a:rPr>
+              <a:t>    image: </a:t>
+            </a:r>
+            <a:r>
+              <a:rPr lang="pl-PL" sz="1900" dirty="0" err="1" smtClean="0">
+                <a:solidFill>
+                  <a:srgbClr val="FF0000"/>
+                </a:solidFill>
+              </a:rPr>
+              <a:t>nginx</a:t>
+            </a:r>
+            <a:endParaRPr lang="pl-PL" sz="1900" dirty="0" smtClean="0">
               <a:solidFill>
                 <a:srgbClr val="FF0000"/>
               </a:solidFill>
             </a:endParaRPr>
           </a:p>
+          <a:p>
+            <a:endParaRPr lang="pl-PL" dirty="0"/>
+          </a:p>
+        </p:txBody>
+      </p:sp>
+      <p:sp>
+        <p:nvSpPr>
+          <p:cNvPr id="6" name="Prostokąt 5"/>
+          <p:cNvSpPr/>
+          <p:nvPr/>
+        </p:nvSpPr>
+        <p:spPr>
+          <a:xfrm>
+            <a:off x="4139952" y="692696"/>
+            <a:ext cx="4572000" cy="4524315"/>
+          </a:xfrm>
+          <a:prstGeom prst="rect">
+            <a:avLst/>
+          </a:prstGeom>
+        </p:spPr>
+        <p:txBody>
+          <a:bodyPr>
+            <a:spAutoFit/>
+          </a:bodyPr>
+          <a:lstStyle/>
+          <a:p>
+            <a:r>
+              <a:rPr lang="pl-PL" dirty="0" err="1">
+                <a:solidFill>
+                  <a:schemeClr val="accent4">
+                    <a:lumMod val="50000"/>
+                  </a:schemeClr>
+                </a:solidFill>
+              </a:rPr>
+              <a:t>apiVersion</a:t>
+            </a:r>
+            <a:r>
+              <a:rPr lang="pl-PL" dirty="0">
+                <a:solidFill>
+                  <a:schemeClr val="accent4">
+                    <a:lumMod val="50000"/>
+                  </a:schemeClr>
+                </a:solidFill>
+              </a:rPr>
+              <a:t>: v1</a:t>
+            </a:r>
+          </a:p>
+          <a:p>
+            <a:r>
+              <a:rPr lang="pl-PL" dirty="0" err="1">
+                <a:solidFill>
+                  <a:schemeClr val="accent4">
+                    <a:lumMod val="50000"/>
+                  </a:schemeClr>
+                </a:solidFill>
+              </a:rPr>
+              <a:t>kind</a:t>
+            </a:r>
+            <a:r>
+              <a:rPr lang="pl-PL" dirty="0">
+                <a:solidFill>
+                  <a:schemeClr val="accent4">
+                    <a:lumMod val="50000"/>
+                  </a:schemeClr>
+                </a:solidFill>
+              </a:rPr>
+              <a:t>: Pod</a:t>
+            </a:r>
+          </a:p>
+          <a:p>
+            <a:r>
+              <a:rPr lang="pl-PL" dirty="0" err="1">
+                <a:solidFill>
+                  <a:schemeClr val="accent4">
+                    <a:lumMod val="50000"/>
+                  </a:schemeClr>
+                </a:solidFill>
+              </a:rPr>
+              <a:t>metadata</a:t>
+            </a:r>
+            <a:r>
+              <a:rPr lang="pl-PL" dirty="0">
+                <a:solidFill>
+                  <a:schemeClr val="accent4">
+                    <a:lumMod val="50000"/>
+                  </a:schemeClr>
+                </a:solidFill>
+              </a:rPr>
+              <a:t>:</a:t>
+            </a:r>
+          </a:p>
+          <a:p>
+            <a:r>
+              <a:rPr lang="pl-PL" dirty="0">
+                <a:solidFill>
+                  <a:schemeClr val="accent4">
+                    <a:lumMod val="50000"/>
+                  </a:schemeClr>
+                </a:solidFill>
+              </a:rPr>
+              <a:t>  </a:t>
+            </a:r>
+            <a:r>
+              <a:rPr lang="pl-PL" dirty="0" err="1">
+                <a:solidFill>
+                  <a:schemeClr val="accent4">
+                    <a:lumMod val="50000"/>
+                  </a:schemeClr>
+                </a:solidFill>
+              </a:rPr>
+              <a:t>name</a:t>
+            </a:r>
+            <a:r>
+              <a:rPr lang="pl-PL" dirty="0">
+                <a:solidFill>
+                  <a:schemeClr val="accent4">
+                    <a:lumMod val="50000"/>
+                  </a:schemeClr>
+                </a:solidFill>
+              </a:rPr>
+              <a:t>: pod-quota-2</a:t>
+            </a:r>
+          </a:p>
+          <a:p>
+            <a:r>
+              <a:rPr lang="pl-PL" dirty="0">
+                <a:solidFill>
+                  <a:schemeClr val="accent4">
+                    <a:lumMod val="50000"/>
+                  </a:schemeClr>
+                </a:solidFill>
+              </a:rPr>
+              <a:t>spec:</a:t>
+            </a:r>
+          </a:p>
+          <a:p>
+            <a:r>
+              <a:rPr lang="pl-PL" dirty="0">
+                <a:solidFill>
+                  <a:schemeClr val="accent4">
+                    <a:lumMod val="50000"/>
+                  </a:schemeClr>
+                </a:solidFill>
+              </a:rPr>
+              <a:t>  </a:t>
+            </a:r>
+            <a:r>
+              <a:rPr lang="pl-PL" dirty="0" err="1">
+                <a:solidFill>
+                  <a:schemeClr val="accent4">
+                    <a:lumMod val="50000"/>
+                  </a:schemeClr>
+                </a:solidFill>
+              </a:rPr>
+              <a:t>containers</a:t>
+            </a:r>
+            <a:r>
+              <a:rPr lang="pl-PL" dirty="0">
+                <a:solidFill>
+                  <a:schemeClr val="accent4">
+                    <a:lumMod val="50000"/>
+                  </a:schemeClr>
+                </a:solidFill>
+              </a:rPr>
+              <a:t>:</a:t>
+            </a:r>
+          </a:p>
+          <a:p>
+            <a:r>
+              <a:rPr lang="pl-PL" dirty="0">
+                <a:solidFill>
+                  <a:schemeClr val="accent4">
+                    <a:lumMod val="50000"/>
+                  </a:schemeClr>
+                </a:solidFill>
+              </a:rPr>
+              <a:t>  - </a:t>
+            </a:r>
+            <a:r>
+              <a:rPr lang="pl-PL" dirty="0" err="1">
+                <a:solidFill>
+                  <a:schemeClr val="accent4">
+                    <a:lumMod val="50000"/>
+                  </a:schemeClr>
+                </a:solidFill>
+              </a:rPr>
+              <a:t>name</a:t>
+            </a:r>
+            <a:r>
+              <a:rPr lang="pl-PL" dirty="0">
+                <a:solidFill>
+                  <a:schemeClr val="accent4">
+                    <a:lumMod val="50000"/>
+                  </a:schemeClr>
+                </a:solidFill>
+              </a:rPr>
+              <a:t>: pod-quota-2</a:t>
+            </a:r>
+          </a:p>
+          <a:p>
+            <a:r>
+              <a:rPr lang="pl-PL" dirty="0">
+                <a:solidFill>
+                  <a:schemeClr val="accent4">
+                    <a:lumMod val="50000"/>
+                  </a:schemeClr>
+                </a:solidFill>
+              </a:rPr>
+              <a:t>    image: </a:t>
+            </a:r>
+            <a:r>
+              <a:rPr lang="pl-PL" dirty="0" err="1">
+                <a:solidFill>
+                  <a:schemeClr val="accent4">
+                    <a:lumMod val="50000"/>
+                  </a:schemeClr>
+                </a:solidFill>
+              </a:rPr>
+              <a:t>redis</a:t>
+            </a:r>
+            <a:endParaRPr lang="pl-PL" dirty="0">
+              <a:solidFill>
+                <a:schemeClr val="accent4">
+                  <a:lumMod val="50000"/>
+                </a:schemeClr>
+              </a:solidFill>
+            </a:endParaRPr>
+          </a:p>
+          <a:p>
+            <a:r>
+              <a:rPr lang="pl-PL" b="1" dirty="0">
+                <a:solidFill>
+                  <a:schemeClr val="accent4">
+                    <a:lumMod val="50000"/>
+                  </a:schemeClr>
+                </a:solidFill>
+              </a:rPr>
+              <a:t>    </a:t>
+            </a:r>
+            <a:r>
+              <a:rPr lang="pl-PL" b="1" dirty="0" err="1">
+                <a:solidFill>
+                  <a:schemeClr val="accent4">
+                    <a:lumMod val="50000"/>
+                  </a:schemeClr>
+                </a:solidFill>
+              </a:rPr>
+              <a:t>resources</a:t>
+            </a:r>
+            <a:r>
+              <a:rPr lang="pl-PL" b="1" dirty="0">
+                <a:solidFill>
+                  <a:schemeClr val="accent4">
+                    <a:lumMod val="50000"/>
+                  </a:schemeClr>
+                </a:solidFill>
+              </a:rPr>
+              <a:t>:</a:t>
+            </a:r>
+          </a:p>
+          <a:p>
+            <a:r>
+              <a:rPr lang="pl-PL" b="1" dirty="0">
+                <a:solidFill>
+                  <a:schemeClr val="accent4">
+                    <a:lumMod val="50000"/>
+                  </a:schemeClr>
+                </a:solidFill>
+              </a:rPr>
+              <a:t>      </a:t>
+            </a:r>
+            <a:r>
+              <a:rPr lang="pl-PL" b="1" dirty="0" err="1">
+                <a:solidFill>
+                  <a:schemeClr val="accent4">
+                    <a:lumMod val="50000"/>
+                  </a:schemeClr>
+                </a:solidFill>
+              </a:rPr>
+              <a:t>limits</a:t>
+            </a:r>
+            <a:r>
+              <a:rPr lang="pl-PL" b="1" dirty="0">
+                <a:solidFill>
+                  <a:schemeClr val="accent4">
+                    <a:lumMod val="50000"/>
+                  </a:schemeClr>
+                </a:solidFill>
+              </a:rPr>
+              <a:t>:</a:t>
+            </a:r>
+          </a:p>
+          <a:p>
+            <a:r>
+              <a:rPr lang="pl-PL" b="1" dirty="0">
+                <a:solidFill>
+                  <a:schemeClr val="accent4">
+                    <a:lumMod val="50000"/>
+                  </a:schemeClr>
+                </a:solidFill>
+              </a:rPr>
+              <a:t>        </a:t>
+            </a:r>
+            <a:r>
+              <a:rPr lang="pl-PL" b="1" dirty="0" err="1">
+                <a:solidFill>
+                  <a:schemeClr val="accent4">
+                    <a:lumMod val="50000"/>
+                  </a:schemeClr>
+                </a:solidFill>
+              </a:rPr>
+              <a:t>memory</a:t>
+            </a:r>
+            <a:r>
+              <a:rPr lang="pl-PL" b="1" dirty="0">
+                <a:solidFill>
+                  <a:schemeClr val="accent4">
+                    <a:lumMod val="50000"/>
+                  </a:schemeClr>
+                </a:solidFill>
+              </a:rPr>
+              <a:t>: "1Gi"</a:t>
+            </a:r>
+          </a:p>
+          <a:p>
+            <a:r>
+              <a:rPr lang="pl-PL" b="1" dirty="0">
+                <a:solidFill>
+                  <a:schemeClr val="accent4">
+                    <a:lumMod val="50000"/>
+                  </a:schemeClr>
+                </a:solidFill>
+              </a:rPr>
+              <a:t>        </a:t>
+            </a:r>
+            <a:r>
+              <a:rPr lang="pl-PL" b="1" dirty="0" err="1">
+                <a:solidFill>
+                  <a:schemeClr val="accent4">
+                    <a:lumMod val="50000"/>
+                  </a:schemeClr>
+                </a:solidFill>
+              </a:rPr>
+              <a:t>cpu</a:t>
+            </a:r>
+            <a:r>
+              <a:rPr lang="pl-PL" b="1" dirty="0">
+                <a:solidFill>
+                  <a:schemeClr val="accent4">
+                    <a:lumMod val="50000"/>
+                  </a:schemeClr>
+                </a:solidFill>
+              </a:rPr>
+              <a:t>: "800m"      </a:t>
+            </a:r>
+          </a:p>
+          <a:p>
+            <a:r>
+              <a:rPr lang="pl-PL" b="1" dirty="0">
+                <a:solidFill>
+                  <a:schemeClr val="accent4">
+                    <a:lumMod val="50000"/>
+                  </a:schemeClr>
+                </a:solidFill>
+              </a:rPr>
+              <a:t>      </a:t>
+            </a:r>
+            <a:r>
+              <a:rPr lang="pl-PL" b="1" dirty="0" err="1">
+                <a:solidFill>
+                  <a:schemeClr val="accent4">
+                    <a:lumMod val="50000"/>
+                  </a:schemeClr>
+                </a:solidFill>
+              </a:rPr>
+              <a:t>requests</a:t>
+            </a:r>
+            <a:r>
+              <a:rPr lang="pl-PL" b="1" dirty="0">
+                <a:solidFill>
+                  <a:schemeClr val="accent4">
+                    <a:lumMod val="50000"/>
+                  </a:schemeClr>
+                </a:solidFill>
+              </a:rPr>
+              <a:t>:</a:t>
+            </a:r>
+          </a:p>
+          <a:p>
+            <a:r>
+              <a:rPr lang="pl-PL" b="1" dirty="0">
+                <a:solidFill>
+                  <a:schemeClr val="accent4">
+                    <a:lumMod val="50000"/>
+                  </a:schemeClr>
+                </a:solidFill>
+              </a:rPr>
+              <a:t>        </a:t>
+            </a:r>
+            <a:r>
+              <a:rPr lang="pl-PL" b="1" dirty="0" err="1">
+                <a:solidFill>
+                  <a:schemeClr val="accent4">
+                    <a:lumMod val="50000"/>
+                  </a:schemeClr>
+                </a:solidFill>
+              </a:rPr>
+              <a:t>memory</a:t>
+            </a:r>
+            <a:r>
+              <a:rPr lang="pl-PL" b="1" dirty="0">
+                <a:solidFill>
+                  <a:schemeClr val="accent4">
+                    <a:lumMod val="50000"/>
+                  </a:schemeClr>
+                </a:solidFill>
+              </a:rPr>
+              <a:t>: "700Mi"</a:t>
+            </a:r>
+          </a:p>
+          <a:p>
+            <a:r>
+              <a:rPr lang="pl-PL" b="1" dirty="0">
+                <a:solidFill>
+                  <a:schemeClr val="accent4">
+                    <a:lumMod val="50000"/>
+                  </a:schemeClr>
+                </a:solidFill>
+              </a:rPr>
+              <a:t>        </a:t>
+            </a:r>
+            <a:r>
+              <a:rPr lang="pl-PL" b="1" dirty="0" err="1">
+                <a:solidFill>
+                  <a:schemeClr val="accent4">
+                    <a:lumMod val="50000"/>
+                  </a:schemeClr>
+                </a:solidFill>
+              </a:rPr>
+              <a:t>cpu</a:t>
+            </a:r>
+            <a:r>
+              <a:rPr lang="pl-PL" b="1" dirty="0">
+                <a:solidFill>
+                  <a:schemeClr val="accent4">
+                    <a:lumMod val="50000"/>
+                  </a:schemeClr>
+                </a:solidFill>
+              </a:rPr>
+              <a:t>: "400m"</a:t>
+            </a:r>
+          </a:p>
+          <a:p>
+            <a:r>
+              <a:rPr lang="pl-PL" dirty="0"/>
+              <a:t> </a:t>
+            </a:r>
+          </a:p>
         </p:txBody>
       </p:sp>
     </p:spTree>
     <p:extLst>
       <p:ext uri="{BB962C8B-B14F-4D97-AF65-F5344CB8AC3E}">
-        <p14:creationId xmlns:p14="http://schemas.microsoft.com/office/powerpoint/2010/main" val="194794197"/>
+        <p14:creationId xmlns:p14="http://schemas.microsoft.com/office/powerpoint/2010/main" val="3781876501"/>
       </p:ext>
     </p:extLst>
   </p:cSld>
@@ -7825,12 +8197,8 @@
           <a:lstStyle/>
           <a:p>
             <a:r>
-              <a:rPr lang="pl-PL" dirty="0" smtClean="0"/>
-              <a:t>Resource </a:t>
-            </a:r>
-            <a:r>
               <a:rPr lang="pl-PL" dirty="0" err="1" smtClean="0"/>
-              <a:t>quota</a:t>
+              <a:t>Namespaces</a:t>
             </a:r>
             <a:endParaRPr lang="pl-PL" dirty="0"/>
           </a:p>
@@ -7838,384 +8206,87 @@
       </p:sp>
       <p:sp>
         <p:nvSpPr>
-          <p:cNvPr id="4" name="Prostokąt 3"/>
-          <p:cNvSpPr/>
-          <p:nvPr/>
-        </p:nvSpPr>
-        <p:spPr>
-          <a:xfrm>
-            <a:off x="755576" y="4725144"/>
-            <a:ext cx="6912768" cy="646331"/>
-          </a:xfrm>
-          <a:prstGeom prst="rect">
-            <a:avLst/>
-          </a:prstGeom>
-        </p:spPr>
-        <p:txBody>
-          <a:bodyPr wrap="square">
-            <a:spAutoFit/>
+          <p:cNvPr id="3" name="Symbol zastępczy zawartości 2"/>
+          <p:cNvSpPr>
+            <a:spLocks noGrp="1"/>
+          </p:cNvSpPr>
+          <p:nvPr>
+            <p:ph idx="1"/>
+          </p:nvPr>
+        </p:nvSpPr>
+        <p:spPr/>
+        <p:txBody>
+          <a:bodyPr>
+            <a:normAutofit fontScale="92500" lnSpcReduction="10000"/>
           </a:bodyPr>
           <a:lstStyle/>
           <a:p>
             <a:r>
-              <a:rPr lang="pl-PL" dirty="0">
-                <a:hlinkClick r:id="rId2"/>
-              </a:rPr>
-              <a:t>https://github.com/djkormo/k8s-AKS-primer/tree/master/examples/quotas</a:t>
-            </a:r>
-            <a:endParaRPr lang="pl-PL" dirty="0"/>
-          </a:p>
-        </p:txBody>
-      </p:sp>
-      <p:sp>
-        <p:nvSpPr>
-          <p:cNvPr id="5" name="Symbol zastępczy zawartości 4"/>
-          <p:cNvSpPr>
-            <a:spLocks noGrp="1"/>
-          </p:cNvSpPr>
-          <p:nvPr>
-            <p:ph idx="1"/>
-          </p:nvPr>
-        </p:nvSpPr>
-        <p:spPr/>
-        <p:txBody>
-          <a:bodyPr>
-            <a:normAutofit fontScale="85000" lnSpcReduction="20000"/>
-          </a:bodyPr>
-          <a:lstStyle/>
-          <a:p>
-            <a:pPr marL="0" indent="0">
-              <a:buNone/>
-            </a:pPr>
-            <a:r>
-              <a:rPr lang="pl-PL" dirty="0" err="1" smtClean="0">
+              <a:rPr lang="en-US" dirty="0"/>
+              <a:t>Beyond the individual container resources, you may want to investigate setting limits on namespaces. So what is a namespace? Namespaces can be used to define a cluster of applications, departments, or environments. Simply, Namespace refers to scope or grouping of objects in a Kubernetes </a:t>
+            </a:r>
+            <a:r>
+              <a:rPr lang="en-US" dirty="0" smtClean="0"/>
+              <a:t>cluster</a:t>
+            </a:r>
+            <a:endParaRPr lang="pl-PL" dirty="0" smtClean="0"/>
+          </a:p>
+          <a:p>
+            <a:endParaRPr lang="pl-PL" dirty="0" smtClean="0"/>
+          </a:p>
+          <a:p>
+            <a:r>
+              <a:rPr lang="en-US" dirty="0">
                 <a:solidFill>
                   <a:srgbClr val="FF0000"/>
                 </a:solidFill>
               </a:rPr>
-              <a:t>apiVersion</a:t>
-            </a:r>
-            <a:r>
-              <a:rPr lang="pl-PL" dirty="0" smtClean="0">
+              <a:t>At the Namespace level, you can set up </a:t>
+            </a:r>
+            <a:r>
+              <a:rPr lang="en-US" dirty="0" err="1">
                 <a:solidFill>
                   <a:srgbClr val="FF0000"/>
                 </a:solidFill>
               </a:rPr>
-              <a:t>: v1</a:t>
-            </a:r>
-          </a:p>
-          <a:p>
-            <a:pPr marL="0" indent="0">
-              <a:buNone/>
-            </a:pPr>
-            <a:r>
-              <a:rPr lang="pl-PL" dirty="0" err="1" smtClean="0">
+              <a:t>ResourceQuotas</a:t>
+            </a:r>
+            <a:r>
+              <a:rPr lang="en-US" dirty="0">
                 <a:solidFill>
                   <a:srgbClr val="FF0000"/>
                 </a:solidFill>
               </a:rPr>
-              <a:t>kind</a:t>
-            </a:r>
-            <a:r>
-              <a:rPr lang="pl-PL" dirty="0" smtClean="0">
+              <a:t> and </a:t>
+            </a:r>
+            <a:r>
+              <a:rPr lang="en-US" dirty="0" err="1">
                 <a:solidFill>
                   <a:srgbClr val="FF0000"/>
                 </a:solidFill>
               </a:rPr>
-              <a:t>: </a:t>
-            </a:r>
-            <a:r>
-              <a:rPr lang="pl-PL" dirty="0" err="1" smtClean="0">
+              <a:t>LimitRanges</a:t>
+            </a:r>
+            <a:r>
+              <a:rPr lang="en-US" dirty="0">
                 <a:solidFill>
                   <a:srgbClr val="FF0000"/>
                 </a:solidFill>
               </a:rPr>
-              <a:t>ResourceQuota</a:t>
-            </a:r>
-            <a:endParaRPr lang="pl-PL" dirty="0" smtClean="0">
+              <a:t>.</a:t>
+            </a:r>
+            <a:endParaRPr lang="pl-PL" dirty="0">
               <a:solidFill>
                 <a:srgbClr val="FF0000"/>
               </a:solidFill>
             </a:endParaRPr>
           </a:p>
-          <a:p>
-            <a:pPr marL="0" indent="0">
-              <a:buNone/>
-            </a:pPr>
-            <a:r>
-              <a:rPr lang="pl-PL" dirty="0" err="1" smtClean="0">
-                <a:solidFill>
-                  <a:schemeClr val="tx2"/>
-                </a:solidFill>
-              </a:rPr>
-              <a:t>metadata</a:t>
-            </a:r>
-            <a:r>
-              <a:rPr lang="pl-PL" dirty="0" smtClean="0">
-                <a:solidFill>
-                  <a:schemeClr val="tx2"/>
-                </a:solidFill>
-              </a:rPr>
-              <a:t>:</a:t>
-            </a:r>
-          </a:p>
-          <a:p>
-            <a:pPr marL="0" indent="0">
-              <a:buNone/>
-            </a:pPr>
-            <a:r>
-              <a:rPr lang="pl-PL" dirty="0" smtClean="0">
-                <a:solidFill>
-                  <a:schemeClr val="tx2"/>
-                </a:solidFill>
-              </a:rPr>
-              <a:t>  </a:t>
-            </a:r>
-            <a:r>
-              <a:rPr lang="pl-PL" dirty="0" err="1" smtClean="0">
-                <a:solidFill>
-                  <a:schemeClr val="tx2"/>
-                </a:solidFill>
-              </a:rPr>
-              <a:t>name</a:t>
-            </a:r>
-            <a:r>
-              <a:rPr lang="pl-PL" dirty="0" smtClean="0">
-                <a:solidFill>
-                  <a:schemeClr val="tx2"/>
-                </a:solidFill>
-              </a:rPr>
-              <a:t>: </a:t>
-            </a:r>
-            <a:r>
-              <a:rPr lang="pl-PL" dirty="0" err="1" smtClean="0">
-                <a:solidFill>
-                  <a:schemeClr val="tx2"/>
-                </a:solidFill>
-              </a:rPr>
-              <a:t>compute-resources</a:t>
-            </a:r>
-            <a:endParaRPr lang="pl-PL" dirty="0" smtClean="0">
-              <a:solidFill>
-                <a:schemeClr val="tx2"/>
-              </a:solidFill>
-            </a:endParaRPr>
-          </a:p>
-          <a:p>
-            <a:pPr marL="0" indent="0">
-              <a:buNone/>
-            </a:pPr>
-            <a:r>
-              <a:rPr lang="pl-PL" dirty="0" smtClean="0">
-                <a:solidFill>
-                  <a:schemeClr val="tx2"/>
-                </a:solidFill>
-              </a:rPr>
-              <a:t>spec:</a:t>
-            </a:r>
-          </a:p>
-          <a:p>
-            <a:pPr marL="0" indent="0">
-              <a:buNone/>
-            </a:pPr>
-            <a:r>
-              <a:rPr lang="pl-PL" dirty="0" smtClean="0">
-                <a:solidFill>
-                  <a:schemeClr val="tx2"/>
-                </a:solidFill>
-              </a:rPr>
-              <a:t>  hard:</a:t>
-            </a:r>
-          </a:p>
-          <a:p>
-            <a:pPr marL="0" indent="0">
-              <a:buNone/>
-            </a:pPr>
-            <a:r>
-              <a:rPr lang="pl-PL" dirty="0" smtClean="0">
-                <a:solidFill>
-                  <a:schemeClr val="tx2"/>
-                </a:solidFill>
-              </a:rPr>
-              <a:t>    </a:t>
-            </a:r>
-            <a:r>
-              <a:rPr lang="pl-PL" dirty="0" err="1" smtClean="0">
-                <a:solidFill>
-                  <a:schemeClr val="tx2"/>
-                </a:solidFill>
-              </a:rPr>
-              <a:t>pods</a:t>
-            </a:r>
-            <a:r>
-              <a:rPr lang="pl-PL" dirty="0" smtClean="0">
-                <a:solidFill>
-                  <a:schemeClr val="tx2"/>
-                </a:solidFill>
-              </a:rPr>
-              <a:t>: "20"</a:t>
-            </a:r>
-          </a:p>
-          <a:p>
-            <a:pPr marL="0" indent="0">
-              <a:buNone/>
-            </a:pPr>
-            <a:r>
-              <a:rPr lang="pl-PL" dirty="0" smtClean="0">
-                <a:solidFill>
-                  <a:schemeClr val="tx2"/>
-                </a:solidFill>
-              </a:rPr>
-              <a:t>    </a:t>
-            </a:r>
-            <a:r>
-              <a:rPr lang="pl-PL" dirty="0" err="1" smtClean="0">
-                <a:solidFill>
-                  <a:schemeClr val="tx2"/>
-                </a:solidFill>
-              </a:rPr>
-              <a:t>requests.cpu</a:t>
-            </a:r>
-            <a:r>
-              <a:rPr lang="pl-PL" dirty="0" smtClean="0">
-                <a:solidFill>
-                  <a:schemeClr val="tx2"/>
-                </a:solidFill>
-              </a:rPr>
-              <a:t>: "1"</a:t>
-            </a:r>
-          </a:p>
-          <a:p>
-            <a:pPr marL="0" indent="0">
-              <a:buNone/>
-            </a:pPr>
-            <a:r>
-              <a:rPr lang="pl-PL" dirty="0" smtClean="0">
-                <a:solidFill>
-                  <a:schemeClr val="tx2"/>
-                </a:solidFill>
-              </a:rPr>
-              <a:t>    </a:t>
-            </a:r>
-            <a:r>
-              <a:rPr lang="pl-PL" dirty="0" err="1" smtClean="0">
-                <a:solidFill>
-                  <a:schemeClr val="tx2"/>
-                </a:solidFill>
-              </a:rPr>
-              <a:t>requests.memory</a:t>
-            </a:r>
-            <a:r>
-              <a:rPr lang="pl-PL" dirty="0" smtClean="0">
-                <a:solidFill>
-                  <a:schemeClr val="tx2"/>
-                </a:solidFill>
-              </a:rPr>
-              <a:t>: 1Gi</a:t>
-            </a:r>
-          </a:p>
-          <a:p>
-            <a:pPr marL="0" indent="0">
-              <a:buNone/>
-            </a:pPr>
-            <a:r>
-              <a:rPr lang="pl-PL" dirty="0" smtClean="0">
-                <a:solidFill>
-                  <a:schemeClr val="tx2"/>
-                </a:solidFill>
-              </a:rPr>
-              <a:t>    </a:t>
-            </a:r>
-            <a:r>
-              <a:rPr lang="pl-PL" dirty="0" err="1" smtClean="0">
-                <a:solidFill>
-                  <a:schemeClr val="tx2"/>
-                </a:solidFill>
-              </a:rPr>
-              <a:t>limits.cpu</a:t>
-            </a:r>
-            <a:r>
-              <a:rPr lang="pl-PL" dirty="0" smtClean="0">
-                <a:solidFill>
-                  <a:schemeClr val="tx2"/>
-                </a:solidFill>
-              </a:rPr>
-              <a:t>: "2"</a:t>
-            </a:r>
-          </a:p>
-          <a:p>
-            <a:pPr marL="0" indent="0">
-              <a:buNone/>
-            </a:pPr>
-            <a:r>
-              <a:rPr lang="pl-PL" dirty="0" smtClean="0">
-                <a:solidFill>
-                  <a:schemeClr val="tx2"/>
-                </a:solidFill>
-              </a:rPr>
-              <a:t>    </a:t>
-            </a:r>
-            <a:r>
-              <a:rPr lang="pl-PL" dirty="0" err="1" smtClean="0">
-                <a:solidFill>
-                  <a:schemeClr val="tx2"/>
-                </a:solidFill>
-              </a:rPr>
-              <a:t>limits.memory</a:t>
-            </a:r>
-            <a:r>
-              <a:rPr lang="pl-PL" dirty="0" smtClean="0">
-                <a:solidFill>
-                  <a:schemeClr val="tx2"/>
-                </a:solidFill>
-              </a:rPr>
-              <a:t>: 2Gi</a:t>
-            </a:r>
-          </a:p>
-          <a:p>
-            <a:pPr marL="0" indent="0">
-              <a:buNone/>
-            </a:pPr>
-            <a:r>
-              <a:rPr lang="pl-PL" dirty="0" smtClean="0">
-                <a:solidFill>
-                  <a:schemeClr val="tx2"/>
-                </a:solidFill>
-              </a:rPr>
-              <a:t>    requests.nvidia.com/</a:t>
-            </a:r>
-            <a:r>
-              <a:rPr lang="pl-PL" dirty="0" err="1" smtClean="0">
-                <a:solidFill>
-                  <a:schemeClr val="tx2"/>
-                </a:solidFill>
-              </a:rPr>
-              <a:t>gpu</a:t>
-            </a:r>
-            <a:r>
-              <a:rPr lang="pl-PL" dirty="0" smtClean="0">
-                <a:solidFill>
-                  <a:schemeClr val="tx2"/>
-                </a:solidFill>
-              </a:rPr>
-              <a:t>: 3</a:t>
-            </a:r>
-            <a:endParaRPr lang="pl-PL" dirty="0" smtClean="0">
-              <a:solidFill>
-                <a:schemeClr val="tx2"/>
-              </a:solidFill>
-              <a:hlinkClick r:id="rId2"/>
-            </a:endParaRPr>
-          </a:p>
-          <a:p>
-            <a:endParaRPr lang="pl-PL" dirty="0"/>
-          </a:p>
         </p:txBody>
       </p:sp>
     </p:spTree>
     <p:extLst>
       <p:ext uri="{BB962C8B-B14F-4D97-AF65-F5344CB8AC3E}">
-        <p14:creationId xmlns:p14="http://schemas.microsoft.com/office/powerpoint/2010/main" val="4111604730"/>
+        <p14:creationId xmlns:p14="http://schemas.microsoft.com/office/powerpoint/2010/main" val="194794197"/>
       </p:ext>
     </p:extLst>
   </p:cSld>
@@ -8266,11 +8337,11 @@
           <a:p>
             <a:r>
               <a:rPr lang="pl-PL" dirty="0" smtClean="0"/>
-              <a:t>Limit </a:t>
+              <a:t>Resource </a:t>
             </a:r>
             <a:r>
               <a:rPr lang="pl-PL" dirty="0" err="1" smtClean="0"/>
-              <a:t>range</a:t>
+              <a:t>quota</a:t>
             </a:r>
             <a:endParaRPr lang="pl-PL" dirty="0"/>
           </a:p>
@@ -8278,35 +8349,69 @@
       </p:sp>
       <p:sp>
         <p:nvSpPr>
-          <p:cNvPr id="3" name="Symbol zastępczy zawartości 2"/>
-          <p:cNvSpPr>
-            <a:spLocks noGrp="1"/>
-          </p:cNvSpPr>
-          <p:nvPr>
-            <p:ph idx="1"/>
-          </p:nvPr>
+          <p:cNvPr id="4" name="Prostokąt 3"/>
+          <p:cNvSpPr/>
+          <p:nvPr/>
         </p:nvSpPr>
         <p:spPr>
           <a:xfrm>
-            <a:off x="502920" y="530352"/>
-            <a:ext cx="8183880" cy="5130896"/>
+            <a:off x="755576" y="4725144"/>
+            <a:ext cx="6912768" cy="646331"/>
           </a:xfrm>
+          <a:prstGeom prst="rect">
+            <a:avLst/>
+          </a:prstGeom>
         </p:spPr>
         <p:txBody>
-          <a:bodyPr>
-            <a:normAutofit fontScale="62500" lnSpcReduction="20000"/>
+          <a:bodyPr wrap="square">
+            <a:spAutoFit/>
           </a:bodyPr>
           <a:lstStyle/>
           <a:p>
+            <a:r>
+              <a:rPr lang="pl-PL" dirty="0">
+                <a:hlinkClick r:id="rId2"/>
+              </a:rPr>
+              <a:t>https://github.com/djkormo/k8s-AKS-primer/tree/master/examples/quotas</a:t>
+            </a:r>
+            <a:endParaRPr lang="pl-PL" dirty="0"/>
+          </a:p>
+        </p:txBody>
+      </p:sp>
+      <p:sp>
+        <p:nvSpPr>
+          <p:cNvPr id="5" name="Symbol zastępczy zawartości 4"/>
+          <p:cNvSpPr>
+            <a:spLocks noGrp="1"/>
+          </p:cNvSpPr>
+          <p:nvPr>
+            <p:ph idx="1"/>
+          </p:nvPr>
+        </p:nvSpPr>
+        <p:spPr/>
+        <p:txBody>
+          <a:bodyPr>
+            <a:normAutofit fontScale="85000" lnSpcReduction="20000"/>
+          </a:bodyPr>
+          <a:lstStyle/>
+          <a:p>
             <a:pPr marL="0" indent="0">
               <a:buNone/>
             </a:pPr>
             <a:r>
-              <a:rPr lang="pl-PL" dirty="0" err="1"/>
+              <a:rPr lang="pl-PL" dirty="0" err="1" smtClean="0">
+                <a:solidFill>
+                  <a:srgbClr val="FF0000"/>
+                </a:solidFill>
+              </a:rPr>
               <a:t>apiVersion</a:t>
             </a:r>
             <a:r>
-              <a:rPr lang="pl-PL" dirty="0"/>
+              <a:rPr lang="pl-PL" dirty="0" smtClean="0">
+                <a:solidFill>
+                  <a:srgbClr val="FF0000"/>
+                </a:solidFill>
+              </a:rPr>
               <a:t>: v1</a:t>
             </a:r>
           </a:p>
@@ -8315,334 +8420,326 @@
               <a:buNone/>
             </a:pPr>
             <a:r>
-              <a:rPr lang="pl-PL" dirty="0" err="1"/>
+              <a:rPr lang="pl-PL" dirty="0" err="1" smtClean="0">
+                <a:solidFill>
+                  <a:srgbClr val="FF0000"/>
+                </a:solidFill>
+              </a:rPr>
               <a:t>kind</a:t>
             </a:r>
             <a:r>
-              <a:rPr lang="pl-PL" dirty="0"/>
+              <a:rPr lang="pl-PL" dirty="0" smtClean="0">
+                <a:solidFill>
+                  <a:srgbClr val="FF0000"/>
+                </a:solidFill>
+              </a:rPr>
               <a:t>: </a:t>
             </a:r>
             <a:r>
-              <a:rPr lang="pl-PL" dirty="0" err="1"/>
-              <a:t>LimitRange</a:t>
-            </a:r>
-            <a:endParaRPr lang="pl-PL" dirty="0"/>
-          </a:p>
-          <a:p>
-            <a:pPr marL="0" indent="0">
-              <a:buNone/>
-            </a:pPr>
-            <a:r>
-              <a:rPr lang="pl-PL" dirty="0" err="1"/>
-              <a:t>metadata</a:t>
-            </a:r>
-            <a:r>
-              <a:rPr lang="pl-PL" dirty="0"/>
-              <a:t>:</a:t>
-            </a:r>
-          </a:p>
-          <a:p>
-            <a:pPr marL="0" indent="0">
-              <a:buNone/>
-            </a:pPr>
-            <a:r>
-              <a:rPr lang="pl-PL" dirty="0"/>
-              <a:t>  </a:t>
-            </a:r>
-            <a:r>
-              <a:rPr lang="pl-PL" dirty="0" err="1"/>
-              <a:t>name</a:t>
-            </a:r>
-            <a:r>
-              <a:rPr lang="pl-PL" dirty="0"/>
-              <a:t>: limit-</a:t>
-            </a:r>
-            <a:r>
-              <a:rPr lang="pl-PL" dirty="0" err="1"/>
-              <a:t>mem</a:t>
-            </a:r>
-            <a:r>
-              <a:rPr lang="pl-PL" dirty="0"/>
-              <a:t>-</a:t>
-            </a:r>
-            <a:r>
-              <a:rPr lang="pl-PL" dirty="0" err="1"/>
-              <a:t>cpu</a:t>
-            </a:r>
-            <a:r>
-              <a:rPr lang="pl-PL" dirty="0"/>
-              <a:t>-per-</a:t>
-            </a:r>
-            <a:r>
-              <a:rPr lang="pl-PL" dirty="0" err="1"/>
-              <a:t>container</a:t>
-            </a:r>
-            <a:endParaRPr lang="pl-PL" dirty="0"/>
-          </a:p>
-          <a:p>
-            <a:pPr marL="0" indent="0">
-              <a:buNone/>
-            </a:pPr>
-            <a:r>
-              <a:rPr lang="pl-PL" dirty="0"/>
-              <a:t>spec:</a:t>
-            </a:r>
-          </a:p>
-          <a:p>
-            <a:pPr marL="0" indent="0">
-              <a:buNone/>
-            </a:pPr>
-            <a:r>
-              <a:rPr lang="pl-PL" dirty="0"/>
-              <a:t>  </a:t>
-            </a:r>
-            <a:r>
-              <a:rPr lang="pl-PL" dirty="0" err="1"/>
-              <a:t>limits</a:t>
-            </a:r>
-            <a:r>
-              <a:rPr lang="pl-PL" dirty="0"/>
-              <a:t>:</a:t>
-            </a:r>
-          </a:p>
-          <a:p>
-            <a:pPr marL="0" indent="0">
-              <a:buNone/>
-            </a:pPr>
-            <a:r>
-              <a:rPr lang="pl-PL" dirty="0"/>
-              <a:t>  - max:</a:t>
-            </a:r>
-          </a:p>
-          <a:p>
-            <a:pPr marL="0" indent="0">
-              <a:buNone/>
-            </a:pPr>
-            <a:r>
-              <a:rPr lang="pl-PL" dirty="0"/>
-              <a:t>      </a:t>
-            </a:r>
-            <a:r>
-              <a:rPr lang="pl-PL" dirty="0" err="1"/>
-              <a:t>cpu</a:t>
-            </a:r>
-            <a:r>
-              <a:rPr lang="pl-PL" dirty="0"/>
-              <a:t>: "800m"</a:t>
-            </a:r>
-          </a:p>
-          <a:p>
-            <a:pPr marL="0" indent="0">
-              <a:buNone/>
-            </a:pPr>
-            <a:r>
-              <a:rPr lang="pl-PL" dirty="0"/>
-              <a:t>      </a:t>
-            </a:r>
-            <a:r>
-              <a:rPr lang="pl-PL" dirty="0" err="1"/>
-              <a:t>memory</a:t>
-            </a:r>
-            <a:r>
-              <a:rPr lang="pl-PL" dirty="0"/>
-              <a:t>: "1Gi"</a:t>
-            </a:r>
-          </a:p>
-          <a:p>
-            <a:pPr marL="0" indent="0">
-              <a:buNone/>
-            </a:pPr>
-            <a:r>
-              <a:rPr lang="pl-PL" dirty="0"/>
-              <a:t>    min:</a:t>
-            </a:r>
-          </a:p>
-          <a:p>
-            <a:pPr marL="0" indent="0">
-              <a:buNone/>
-            </a:pPr>
-            <a:r>
-              <a:rPr lang="pl-PL" dirty="0"/>
-              <a:t>      </a:t>
-            </a:r>
-            <a:r>
-              <a:rPr lang="pl-PL" dirty="0" err="1"/>
-              <a:t>cpu</a:t>
-            </a:r>
-            <a:r>
-              <a:rPr lang="pl-PL" dirty="0"/>
-              <a:t>: "50m"</a:t>
-            </a:r>
-          </a:p>
-          <a:p>
-            <a:pPr marL="0" indent="0">
-              <a:buNone/>
-            </a:pPr>
-            <a:r>
-              <a:rPr lang="pl-PL" dirty="0"/>
-              <a:t>      </a:t>
-            </a:r>
-            <a:r>
-              <a:rPr lang="pl-PL" dirty="0" err="1"/>
-              <a:t>memory</a:t>
-            </a:r>
-            <a:r>
-              <a:rPr lang="pl-PL" dirty="0"/>
-              <a:t>: "50Mi"</a:t>
-            </a:r>
-          </a:p>
-          <a:p>
-            <a:pPr marL="0" indent="0">
-              <a:buNone/>
-            </a:pPr>
-            <a:r>
-              <a:rPr lang="pl-PL" dirty="0"/>
-              <a:t>    </a:t>
-            </a:r>
-            <a:r>
-              <a:rPr lang="pl-PL" dirty="0" err="1"/>
-              <a:t>default</a:t>
-            </a:r>
-            <a:r>
-              <a:rPr lang="pl-PL" dirty="0"/>
-              <a:t>:</a:t>
-            </a:r>
-          </a:p>
-          <a:p>
-            <a:pPr marL="0" indent="0">
-              <a:buNone/>
-            </a:pPr>
-            <a:r>
-              <a:rPr lang="pl-PL" dirty="0"/>
-              <a:t>      </a:t>
-            </a:r>
-            <a:r>
-              <a:rPr lang="pl-PL" dirty="0" err="1"/>
-              <a:t>cpu</a:t>
-            </a:r>
-            <a:r>
-              <a:rPr lang="pl-PL" dirty="0"/>
-              <a:t>: "200m"</a:t>
-            </a:r>
-          </a:p>
-          <a:p>
-            <a:pPr marL="0" indent="0">
-              <a:buNone/>
-            </a:pPr>
-            <a:r>
-              <a:rPr lang="pl-PL" dirty="0"/>
-              <a:t>      </a:t>
-            </a:r>
-            <a:r>
-              <a:rPr lang="pl-PL" dirty="0" err="1"/>
-              <a:t>memory</a:t>
-            </a:r>
-            <a:r>
-              <a:rPr lang="pl-PL" dirty="0"/>
-              <a:t>: "200Mi"</a:t>
-            </a:r>
-          </a:p>
-          <a:p>
-            <a:pPr marL="0" indent="0">
-              <a:buNone/>
-            </a:pPr>
-            <a:r>
-              <a:rPr lang="pl-PL" dirty="0"/>
-              <a:t>    </a:t>
-            </a:r>
-            <a:r>
-              <a:rPr lang="pl-PL" dirty="0" err="1"/>
-              <a:t>defaultRequest</a:t>
-            </a:r>
-            <a:r>
-              <a:rPr lang="pl-PL" dirty="0"/>
-              <a:t>:</a:t>
-            </a:r>
-          </a:p>
-          <a:p>
-            <a:pPr marL="0" indent="0">
-              <a:buNone/>
-            </a:pPr>
-            <a:r>
-              <a:rPr lang="pl-PL" dirty="0"/>
-              <a:t>      </a:t>
-            </a:r>
-            <a:r>
-              <a:rPr lang="pl-PL" dirty="0" err="1"/>
-              <a:t>cpu</a:t>
-            </a:r>
-            <a:r>
-              <a:rPr lang="pl-PL" dirty="0"/>
-              <a:t>: "100m"</a:t>
-            </a:r>
-          </a:p>
-          <a:p>
-            <a:pPr marL="0" indent="0">
-              <a:buNone/>
-            </a:pPr>
-            <a:r>
-              <a:rPr lang="pl-PL" dirty="0"/>
-              <a:t>      </a:t>
-            </a:r>
-            <a:r>
-              <a:rPr lang="pl-PL" dirty="0" err="1"/>
-              <a:t>memory</a:t>
-            </a:r>
-            <a:r>
-              <a:rPr lang="pl-PL" dirty="0"/>
-              <a:t>: "100Mi"</a:t>
-            </a:r>
-          </a:p>
-          <a:p>
-            <a:pPr marL="0" indent="0">
-              <a:buNone/>
-            </a:pPr>
-            <a:r>
-              <a:rPr lang="pl-PL" dirty="0"/>
-              <a:t>    </a:t>
-            </a:r>
-            <a:r>
-              <a:rPr lang="pl-PL" dirty="0" err="1">
+              <a:rPr lang="pl-PL" dirty="0" err="1" smtClean="0">
                 <a:solidFill>
                   <a:srgbClr val="FF0000"/>
                 </a:solidFill>
               </a:rPr>
-              <a:t>type</a:t>
-            </a:r>
-            <a:r>
-              <a:rPr lang="pl-PL" dirty="0">
-                <a:solidFill>
-                  <a:srgbClr val="FF0000"/>
-                </a:solidFill>
-              </a:rPr>
-              <a:t>: </a:t>
-            </a:r>
-            <a:r>
-              <a:rPr lang="pl-PL" dirty="0" err="1">
-                <a:solidFill>
-                  <a:srgbClr val="FF0000"/>
-                </a:solidFill>
-              </a:rPr>
-              <a:t>Container</a:t>
-            </a:r>
-            <a:endParaRPr lang="pl-PL" dirty="0">
+              <a:t>ResourceQuota</a:t>
+            </a:r>
+            <a:endParaRPr lang="pl-PL" dirty="0" smtClean="0">
               <a:solidFill>
                 <a:srgbClr val="FF0000"/>
               </a:solidFill>
             </a:endParaRPr>
           </a:p>
+          <a:p>
+            <a:pPr marL="0" indent="0">
+              <a:buNone/>
+            </a:pPr>
+            <a:r>
+              <a:rPr lang="pl-PL" dirty="0" err="1" smtClean="0">
+                <a:solidFill>
+                  <a:schemeClr val="tx2"/>
+                </a:solidFill>
+              </a:rPr>
+              <a:t>metadata</a:t>
+            </a:r>
+            <a:r>
+              <a:rPr lang="pl-PL" dirty="0" smtClean="0">
+                <a:solidFill>
+                  <a:schemeClr val="tx2"/>
+                </a:solidFill>
+              </a:rPr>
+              <a:t>:</a:t>
+            </a:r>
+          </a:p>
+          <a:p>
+            <a:pPr marL="0" indent="0">
+              <a:buNone/>
+            </a:pPr>
+            <a:r>
+              <a:rPr lang="pl-PL" dirty="0" smtClean="0">
+                <a:solidFill>
+                  <a:schemeClr val="tx2"/>
+                </a:solidFill>
+              </a:rPr>
+              <a:t>  </a:t>
+            </a:r>
+            <a:r>
+              <a:rPr lang="pl-PL" dirty="0" err="1" smtClean="0">
+                <a:solidFill>
+                  <a:schemeClr val="tx2"/>
+                </a:solidFill>
+              </a:rPr>
+              <a:t>name</a:t>
+            </a:r>
+            <a:r>
+              <a:rPr lang="pl-PL" dirty="0" smtClean="0">
+                <a:solidFill>
+                  <a:schemeClr val="tx2"/>
+                </a:solidFill>
+              </a:rPr>
+              <a:t>: </a:t>
+            </a:r>
+            <a:r>
+              <a:rPr lang="pl-PL" dirty="0" err="1" smtClean="0">
+                <a:solidFill>
+                  <a:schemeClr val="tx2"/>
+                </a:solidFill>
+              </a:rPr>
+              <a:t>compute-resources</a:t>
+            </a:r>
+            <a:endParaRPr lang="pl-PL" dirty="0" smtClean="0">
+              <a:solidFill>
+                <a:schemeClr val="tx2"/>
+              </a:solidFill>
+            </a:endParaRPr>
+          </a:p>
+          <a:p>
+            <a:pPr marL="0" indent="0">
+              <a:buNone/>
+            </a:pPr>
+            <a:r>
+              <a:rPr lang="pl-PL" dirty="0" smtClean="0">
+                <a:solidFill>
+                  <a:schemeClr val="tx2"/>
+                </a:solidFill>
+              </a:rPr>
+              <a:t>spec:</a:t>
+            </a:r>
+          </a:p>
+          <a:p>
+            <a:pPr marL="0" indent="0">
+              <a:buNone/>
+            </a:pPr>
+            <a:r>
+              <a:rPr lang="pl-PL" dirty="0" smtClean="0">
+                <a:solidFill>
+                  <a:schemeClr val="tx2"/>
+                </a:solidFill>
+              </a:rPr>
+              <a:t>  hard:</a:t>
+            </a:r>
+          </a:p>
+          <a:p>
+            <a:pPr marL="0" indent="0">
+              <a:buNone/>
+            </a:pPr>
+            <a:r>
+              <a:rPr lang="pl-PL" dirty="0" smtClean="0">
+                <a:solidFill>
+                  <a:schemeClr val="tx2"/>
+                </a:solidFill>
+              </a:rPr>
+              <a:t>    </a:t>
+            </a:r>
+            <a:r>
+              <a:rPr lang="pl-PL" dirty="0" err="1" smtClean="0">
+                <a:solidFill>
+                  <a:schemeClr val="tx2"/>
+                </a:solidFill>
+              </a:rPr>
+              <a:t>pods</a:t>
+            </a:r>
+            <a:r>
+              <a:rPr lang="pl-PL" dirty="0" smtClean="0">
+                <a:solidFill>
+                  <a:schemeClr val="tx2"/>
+                </a:solidFill>
+              </a:rPr>
+              <a:t>: "20"</a:t>
+            </a:r>
+          </a:p>
+          <a:p>
+            <a:pPr marL="0" indent="0">
+              <a:buNone/>
+            </a:pPr>
+            <a:r>
+              <a:rPr lang="pl-PL" dirty="0" smtClean="0">
+                <a:solidFill>
+                  <a:schemeClr val="tx2"/>
+                </a:solidFill>
+              </a:rPr>
+              <a:t>    </a:t>
+            </a:r>
+            <a:r>
+              <a:rPr lang="pl-PL" dirty="0" err="1" smtClean="0">
+                <a:solidFill>
+                  <a:schemeClr val="tx2"/>
+                </a:solidFill>
+              </a:rPr>
+              <a:t>requests.cpu</a:t>
+            </a:r>
+            <a:r>
+              <a:rPr lang="pl-PL" dirty="0" smtClean="0">
+                <a:solidFill>
+                  <a:schemeClr val="tx2"/>
+                </a:solidFill>
+              </a:rPr>
+              <a:t>: "1"</a:t>
+            </a:r>
+          </a:p>
+          <a:p>
+            <a:pPr marL="0" indent="0">
+              <a:buNone/>
+            </a:pPr>
+            <a:r>
+              <a:rPr lang="pl-PL" dirty="0" smtClean="0">
+                <a:solidFill>
+                  <a:schemeClr val="tx2"/>
+                </a:solidFill>
+              </a:rPr>
+              <a:t>    </a:t>
+            </a:r>
+            <a:r>
+              <a:rPr lang="pl-PL" dirty="0" err="1" smtClean="0">
+                <a:solidFill>
+                  <a:schemeClr val="tx2"/>
+                </a:solidFill>
+              </a:rPr>
+              <a:t>requests.memory</a:t>
+            </a:r>
+            <a:r>
+              <a:rPr lang="pl-PL" dirty="0" smtClean="0">
+                <a:solidFill>
+                  <a:schemeClr val="tx2"/>
+                </a:solidFill>
+              </a:rPr>
+              <a:t>: 1Gi</a:t>
+            </a:r>
+          </a:p>
+          <a:p>
+            <a:pPr marL="0" indent="0">
+              <a:buNone/>
+            </a:pPr>
+            <a:r>
+              <a:rPr lang="pl-PL" dirty="0" smtClean="0">
+                <a:solidFill>
+                  <a:schemeClr val="tx2"/>
+                </a:solidFill>
+              </a:rPr>
+              <a:t>    </a:t>
+            </a:r>
+            <a:r>
+              <a:rPr lang="pl-PL" dirty="0" err="1" smtClean="0">
+                <a:solidFill>
+                  <a:schemeClr val="tx2"/>
+                </a:solidFill>
+              </a:rPr>
+              <a:t>limits.cpu</a:t>
+            </a:r>
+            <a:r>
+              <a:rPr lang="pl-PL" dirty="0" smtClean="0">
+                <a:solidFill>
+                  <a:schemeClr val="tx2"/>
+                </a:solidFill>
+              </a:rPr>
+              <a:t>: "2"</a:t>
+            </a:r>
+          </a:p>
+          <a:p>
+            <a:pPr marL="0" indent="0">
+              <a:buNone/>
+            </a:pPr>
+            <a:r>
+              <a:rPr lang="pl-PL" dirty="0" smtClean="0">
+                <a:solidFill>
+                  <a:schemeClr val="tx2"/>
+                </a:solidFill>
+              </a:rPr>
+              <a:t>    </a:t>
+            </a:r>
+            <a:r>
+              <a:rPr lang="pl-PL" dirty="0" err="1" smtClean="0">
+                <a:solidFill>
+                  <a:schemeClr val="tx2"/>
+                </a:solidFill>
+              </a:rPr>
+              <a:t>limits.memory</a:t>
+            </a:r>
+            <a:r>
+              <a:rPr lang="pl-PL" dirty="0" smtClean="0">
+                <a:solidFill>
+                  <a:schemeClr val="tx2"/>
+                </a:solidFill>
+              </a:rPr>
+              <a:t>: 2Gi</a:t>
+            </a:r>
+          </a:p>
+          <a:p>
+            <a:pPr marL="0" indent="0">
+              <a:buNone/>
+            </a:pPr>
+            <a:r>
+              <a:rPr lang="pl-PL" dirty="0" smtClean="0">
+                <a:solidFill>
+                  <a:schemeClr val="tx2"/>
+                </a:solidFill>
+              </a:rPr>
+              <a:t>    requests.nvidia.com/</a:t>
+            </a:r>
+            <a:r>
+              <a:rPr lang="pl-PL" dirty="0" err="1" smtClean="0">
+                <a:solidFill>
+                  <a:schemeClr val="tx2"/>
+                </a:solidFill>
+              </a:rPr>
+              <a:t>gpu</a:t>
+            </a:r>
+            <a:r>
+              <a:rPr lang="pl-PL" dirty="0" smtClean="0">
+                <a:solidFill>
+                  <a:schemeClr val="tx2"/>
+                </a:solidFill>
+              </a:rPr>
+              <a:t>: 3</a:t>
+            </a:r>
+            <a:endParaRPr lang="pl-PL" dirty="0" smtClean="0">
+              <a:solidFill>
+                <a:schemeClr val="tx2"/>
+              </a:solidFill>
+              <a:hlinkClick r:id="rId2"/>
+            </a:endParaRPr>
+          </a:p>
+          <a:p>
+            <a:endParaRPr lang="pl-PL" dirty="0"/>
+          </a:p>
         </p:txBody>
       </p:sp>
     </p:spTree>
     <p:extLst>
       <p:ext uri="{BB962C8B-B14F-4D97-AF65-F5344CB8AC3E}">
-        <p14:creationId xmlns:p14="http://schemas.microsoft.com/office/powerpoint/2010/main" val="1770858312"/>
+        <p14:creationId xmlns:p14="http://schemas.microsoft.com/office/powerpoint/2010/main" val="4111604730"/>
       </p:ext>
     </p:extLst>
   </p:cSld>
   <p:clrMapOvr>
     <a:masterClrMapping/>
   </p:clrMapOvr>
+  <p:timing>
+    <p:tnLst>
+      <p:par>
+        <p:cTn id="1" dur="indefinite" restart="never" nodeType="tmRoot"/>
+      </p:par>
+    </p:tnLst>
+  </p:timing>
 </p:sld>
 </file>
 
@@ -8679,20 +8776,8 @@
           <a:lstStyle/>
           <a:p>
             <a:r>
-              <a:rPr lang="pl-PL" dirty="0" err="1" smtClean="0"/>
-              <a:t>Resources</a:t>
-            </a:r>
-            <a:r>
               <a:rPr lang="pl-PL" dirty="0" smtClean="0"/>
-              <a:t> </a:t>
-            </a:r>
-            <a:r>
-              <a:rPr lang="pl-PL" dirty="0" err="1" smtClean="0"/>
-              <a:t>quota</a:t>
-            </a:r>
-            <a:r>
-              <a:rPr lang="pl-PL" dirty="0" smtClean="0"/>
-              <a:t>/limit </a:t>
+              <a:t>Limit </a:t>
             </a:r>
             <a:r>
               <a:rPr lang="pl-PL" dirty="0" err="1" smtClean="0"/>
@@ -8712,51 +8797,363 @@
             <p:ph idx="1"/>
           </p:nvPr>
         </p:nvSpPr>
-        <p:spPr/>
-        <p:txBody>
-          <a:bodyPr/>
+        <p:spPr>
+          <a:xfrm>
+            <a:off x="502920" y="530352"/>
+            <a:ext cx="8183880" cy="5130896"/>
+          </a:xfrm>
+        </p:spPr>
+        <p:txBody>
+          <a:bodyPr>
+            <a:normAutofit fontScale="62500" lnSpcReduction="20000"/>
+          </a:bodyPr>
           <a:lstStyle/>
           <a:p>
-            <a:endParaRPr lang="pl-PL" dirty="0" smtClean="0"/>
-          </a:p>
-          <a:p>
+            <a:pPr marL="0" indent="0">
+              <a:buNone/>
+            </a:pPr>
+            <a:r>
+              <a:rPr lang="pl-PL" dirty="0" err="1"/>
+              <a:t>apiVersion</a:t>
+            </a:r>
+            <a:r>
+              <a:rPr lang="pl-PL" dirty="0"/>
+              <a:t>: v1</a:t>
+            </a:r>
+          </a:p>
+          <a:p>
+            <a:pPr marL="0" indent="0">
+              <a:buNone/>
+            </a:pPr>
+            <a:r>
+              <a:rPr lang="pl-PL" dirty="0" err="1"/>
+              <a:t>kind</a:t>
+            </a:r>
+            <a:r>
+              <a:rPr lang="pl-PL" dirty="0"/>
+              <a:t>: </a:t>
+            </a:r>
+            <a:r>
+              <a:rPr lang="pl-PL" dirty="0" err="1"/>
+              <a:t>LimitRange</a:t>
+            </a:r>
             <a:endParaRPr lang="pl-PL" dirty="0"/>
           </a:p>
           <a:p>
-            <a:endParaRPr lang="pl-PL" dirty="0" smtClean="0"/>
-          </a:p>
-          <a:p>
+            <a:pPr marL="0" indent="0">
+              <a:buNone/>
+            </a:pPr>
+            <a:r>
+              <a:rPr lang="pl-PL" dirty="0" err="1"/>
+              <a:t>metadata</a:t>
+            </a:r>
+            <a:r>
+              <a:rPr lang="pl-PL" dirty="0"/>
+              <a:t>:</a:t>
+            </a:r>
+          </a:p>
+          <a:p>
+            <a:pPr marL="0" indent="0">
+              <a:buNone/>
+            </a:pPr>
+            <a:r>
+              <a:rPr lang="pl-PL" dirty="0"/>
+              <a:t>  </a:t>
+            </a:r>
+            <a:r>
+              <a:rPr lang="pl-PL" dirty="0" err="1"/>
+              <a:t>name</a:t>
+            </a:r>
+            <a:r>
+              <a:rPr lang="pl-PL" dirty="0"/>
+              <a:t>: limit-</a:t>
+            </a:r>
+            <a:r>
+              <a:rPr lang="pl-PL" dirty="0" err="1"/>
+              <a:t>mem</a:t>
+            </a:r>
+            <a:r>
+              <a:rPr lang="pl-PL" dirty="0"/>
+              <a:t>-</a:t>
+            </a:r>
+            <a:r>
+              <a:rPr lang="pl-PL" dirty="0" err="1"/>
+              <a:t>cpu</a:t>
+            </a:r>
+            <a:r>
+              <a:rPr lang="pl-PL" dirty="0"/>
+              <a:t>-per-</a:t>
+            </a:r>
+            <a:r>
+              <a:rPr lang="pl-PL" dirty="0" err="1"/>
+              <a:t>container</a:t>
+            </a:r>
             <a:endParaRPr lang="pl-PL" dirty="0"/>
           </a:p>
           <a:p>
-            <a:pPr marL="0" indent="0" algn="ctr">
-              <a:buNone/>
-            </a:pPr>
-            <a:r>
-              <a:rPr lang="pl-PL" sz="4000" dirty="0" smtClean="0"/>
-              <a:t>DEMO</a:t>
-            </a:r>
-            <a:endParaRPr lang="pl-PL" sz="4000" dirty="0"/>
+            <a:pPr marL="0" indent="0">
+              <a:buNone/>
+            </a:pPr>
+            <a:r>
+              <a:rPr lang="pl-PL" dirty="0"/>
+              <a:t>spec:</a:t>
+            </a:r>
+          </a:p>
+          <a:p>
+            <a:pPr marL="0" indent="0">
+              <a:buNone/>
+            </a:pPr>
+            <a:r>
+              <a:rPr lang="pl-PL" dirty="0"/>
+              <a:t>  </a:t>
+            </a:r>
+            <a:r>
+              <a:rPr lang="pl-PL" dirty="0" err="1"/>
+              <a:t>limits</a:t>
+            </a:r>
+            <a:r>
+              <a:rPr lang="pl-PL" dirty="0"/>
+              <a:t>:</a:t>
+            </a:r>
+          </a:p>
+          <a:p>
+            <a:pPr marL="0" indent="0">
+              <a:buNone/>
+            </a:pPr>
+            <a:r>
+              <a:rPr lang="pl-PL" dirty="0"/>
+              <a:t>  - max:</a:t>
+            </a:r>
+          </a:p>
+          <a:p>
+            <a:pPr marL="0" indent="0">
+              <a:buNone/>
+            </a:pPr>
+            <a:r>
+              <a:rPr lang="pl-PL" dirty="0"/>
+              <a:t>      </a:t>
+            </a:r>
+            <a:r>
+              <a:rPr lang="pl-PL" dirty="0" err="1"/>
+              <a:t>cpu</a:t>
+            </a:r>
+            <a:r>
+              <a:rPr lang="pl-PL" dirty="0"/>
+              <a:t>: "800m"</a:t>
+            </a:r>
+          </a:p>
+          <a:p>
+            <a:pPr marL="0" indent="0">
+              <a:buNone/>
+            </a:pPr>
+            <a:r>
+              <a:rPr lang="pl-PL" dirty="0"/>
+              <a:t>      </a:t>
+            </a:r>
+            <a:r>
+              <a:rPr lang="pl-PL" dirty="0" err="1"/>
+              <a:t>memory</a:t>
+            </a:r>
+            <a:r>
+              <a:rPr lang="pl-PL" dirty="0"/>
+              <a:t>: "1Gi"</a:t>
+            </a:r>
+          </a:p>
+          <a:p>
+            <a:pPr marL="0" indent="0">
+              <a:buNone/>
+            </a:pPr>
+            <a:r>
+              <a:rPr lang="pl-PL" dirty="0"/>
+              <a:t>    min:</a:t>
+            </a:r>
+          </a:p>
+          <a:p>
+            <a:pPr marL="0" indent="0">
+              <a:buNone/>
+            </a:pPr>
+            <a:r>
+              <a:rPr lang="pl-PL" dirty="0"/>
+              <a:t>      </a:t>
+            </a:r>
+            <a:r>
+              <a:rPr lang="pl-PL" dirty="0" err="1"/>
+              <a:t>cpu</a:t>
+            </a:r>
+            <a:r>
+              <a:rPr lang="pl-PL" dirty="0"/>
+              <a:t>: "50m"</a:t>
+            </a:r>
+          </a:p>
+          <a:p>
+            <a:pPr marL="0" indent="0">
+              <a:buNone/>
+            </a:pPr>
+            <a:r>
+              <a:rPr lang="pl-PL" dirty="0"/>
+              <a:t>      </a:t>
+            </a:r>
+            <a:r>
+              <a:rPr lang="pl-PL" dirty="0" err="1"/>
+              <a:t>memory</a:t>
+            </a:r>
+            <a:r>
+              <a:rPr lang="pl-PL" dirty="0"/>
+              <a:t>: "50Mi"</a:t>
+            </a:r>
+          </a:p>
+          <a:p>
+            <a:pPr marL="0" indent="0">
+              <a:buNone/>
+            </a:pPr>
+            <a:r>
+              <a:rPr lang="pl-PL" dirty="0"/>
+              <a:t>    </a:t>
+            </a:r>
+            <a:r>
+              <a:rPr lang="pl-PL" dirty="0" err="1"/>
+              <a:t>default</a:t>
+            </a:r>
+            <a:r>
+              <a:rPr lang="pl-PL" dirty="0"/>
+              <a:t>:</a:t>
+            </a:r>
+          </a:p>
+          <a:p>
+            <a:pPr marL="0" indent="0">
+              <a:buNone/>
+            </a:pPr>
+            <a:r>
+              <a:rPr lang="pl-PL" dirty="0"/>
+              <a:t>      </a:t>
+            </a:r>
+            <a:r>
+              <a:rPr lang="pl-PL" dirty="0" err="1"/>
+              <a:t>cpu</a:t>
+            </a:r>
+            <a:r>
+              <a:rPr lang="pl-PL" dirty="0"/>
+              <a:t>: "200m"</a:t>
+            </a:r>
+          </a:p>
+          <a:p>
+            <a:pPr marL="0" indent="0">
+              <a:buNone/>
+            </a:pPr>
+            <a:r>
+              <a:rPr lang="pl-PL" dirty="0"/>
+              <a:t>      </a:t>
+            </a:r>
+            <a:r>
+              <a:rPr lang="pl-PL" dirty="0" err="1"/>
+              <a:t>memory</a:t>
+            </a:r>
+            <a:r>
+              <a:rPr lang="pl-PL" dirty="0"/>
+              <a:t>: "200Mi"</a:t>
+            </a:r>
+          </a:p>
+          <a:p>
+            <a:pPr marL="0" indent="0">
+              <a:buNone/>
+            </a:pPr>
+            <a:r>
+              <a:rPr lang="pl-PL" dirty="0"/>
+              <a:t>    </a:t>
+            </a:r>
+            <a:r>
+              <a:rPr lang="pl-PL" dirty="0" err="1"/>
+              <a:t>defaultRequest</a:t>
+            </a:r>
+            <a:r>
+              <a:rPr lang="pl-PL" dirty="0"/>
+              <a:t>:</a:t>
+            </a:r>
+          </a:p>
+          <a:p>
+            <a:pPr marL="0" indent="0">
+              <a:buNone/>
+            </a:pPr>
+            <a:r>
+              <a:rPr lang="pl-PL" dirty="0"/>
+              <a:t>      </a:t>
+            </a:r>
+            <a:r>
+              <a:rPr lang="pl-PL" dirty="0" err="1"/>
+              <a:t>cpu</a:t>
+            </a:r>
+            <a:r>
+              <a:rPr lang="pl-PL" dirty="0"/>
+              <a:t>: "100m"</a:t>
+            </a:r>
+          </a:p>
+          <a:p>
+            <a:pPr marL="0" indent="0">
+              <a:buNone/>
+            </a:pPr>
+            <a:r>
+              <a:rPr lang="pl-PL" dirty="0"/>
+              <a:t>      </a:t>
+            </a:r>
+            <a:r>
+              <a:rPr lang="pl-PL" dirty="0" err="1"/>
+              <a:t>memory</a:t>
+            </a:r>
+            <a:r>
+              <a:rPr lang="pl-PL" dirty="0"/>
+              <a:t>: "100Mi"</a:t>
+            </a:r>
+          </a:p>
+          <a:p>
+            <a:pPr marL="0" indent="0">
+              <a:buNone/>
+            </a:pPr>
+            <a:r>
+              <a:rPr lang="pl-PL" dirty="0"/>
+              <a:t>    </a:t>
+            </a:r>
+            <a:r>
+              <a:rPr lang="pl-PL" dirty="0" err="1">
+                <a:solidFill>
+                  <a:srgbClr val="FF0000"/>
+                </a:solidFill>
+              </a:rPr>
+              <a:t>type</a:t>
+            </a:r>
+            <a:r>
+              <a:rPr lang="pl-PL" dirty="0">
+                <a:solidFill>
+                  <a:srgbClr val="FF0000"/>
+                </a:solidFill>
+              </a:rPr>
+              <a:t>: </a:t>
+            </a:r>
+            <a:r>
+              <a:rPr lang="pl-PL" dirty="0" err="1">
+                <a:solidFill>
+                  <a:srgbClr val="FF0000"/>
+                </a:solidFill>
+              </a:rPr>
+              <a:t>Container</a:t>
+            </a:r>
+            <a:endParaRPr lang="pl-PL" dirty="0">
+              <a:solidFill>
+                <a:srgbClr val="FF0000"/>
+              </a:solidFill>
+            </a:endParaRPr>
           </a:p>
         </p:txBody>
       </p:sp>
     </p:spTree>
     <p:extLst>
       <p:ext uri="{BB962C8B-B14F-4D97-AF65-F5344CB8AC3E}">
-        <p14:creationId xmlns:p14="http://schemas.microsoft.com/office/powerpoint/2010/main" val="2502144188"/>
+        <p14:creationId xmlns:p14="http://schemas.microsoft.com/office/powerpoint/2010/main" val="1770858312"/>
       </p:ext>
     </p:extLst>
   </p:cSld>
   <p:clrMapOvr>
     <a:masterClrMapping/>
   </p:clrMapOvr>
-  <p:timing>
-    <p:tnLst>
-      <p:par>
-        <p:cTn id="1" dur="indefinite" restart="never" nodeType="tmRoot"/>
-      </p:par>
-    </p:tnLst>
-  </p:timing>
 </p:sld>
 </file>
 

--- a/examples/atwar/presentation/Kubernetes at war on Azure.pptx
+++ b/examples/atwar/presentation/Kubernetes at war on Azure.pptx
@@ -10,23 +10,26 @@
     <p:sldId id="259" r:id="rId4"/>
     <p:sldId id="275" r:id="rId5"/>
     <p:sldId id="258" r:id="rId6"/>
-    <p:sldId id="266" r:id="rId7"/>
-    <p:sldId id="265" r:id="rId8"/>
-    <p:sldId id="257" r:id="rId9"/>
-    <p:sldId id="276" r:id="rId10"/>
-    <p:sldId id="270" r:id="rId11"/>
-    <p:sldId id="267" r:id="rId12"/>
-    <p:sldId id="262" r:id="rId13"/>
-    <p:sldId id="263" r:id="rId14"/>
-    <p:sldId id="261" r:id="rId15"/>
-    <p:sldId id="269" r:id="rId16"/>
-    <p:sldId id="260" r:id="rId17"/>
-    <p:sldId id="271" r:id="rId18"/>
-    <p:sldId id="273" r:id="rId19"/>
-    <p:sldId id="272" r:id="rId20"/>
-    <p:sldId id="274" r:id="rId21"/>
-    <p:sldId id="268" r:id="rId22"/>
-    <p:sldId id="264" r:id="rId23"/>
+    <p:sldId id="279" r:id="rId7"/>
+    <p:sldId id="266" r:id="rId8"/>
+    <p:sldId id="265" r:id="rId9"/>
+    <p:sldId id="257" r:id="rId10"/>
+    <p:sldId id="276" r:id="rId11"/>
+    <p:sldId id="270" r:id="rId12"/>
+    <p:sldId id="267" r:id="rId13"/>
+    <p:sldId id="262" r:id="rId14"/>
+    <p:sldId id="263" r:id="rId15"/>
+    <p:sldId id="261" r:id="rId16"/>
+    <p:sldId id="269" r:id="rId17"/>
+    <p:sldId id="278" r:id="rId18"/>
+    <p:sldId id="260" r:id="rId19"/>
+    <p:sldId id="280" r:id="rId20"/>
+    <p:sldId id="271" r:id="rId21"/>
+    <p:sldId id="273" r:id="rId22"/>
+    <p:sldId id="272" r:id="rId23"/>
+    <p:sldId id="274" r:id="rId24"/>
+    <p:sldId id="268" r:id="rId25"/>
+    <p:sldId id="264" r:id="rId26"/>
   </p:sldIdLst>
   <p:sldSz cx="9144000" cy="6858000" type="screen4x3"/>
   <p:notesSz cx="6858000" cy="9144000"/>
@@ -434,7 +437,7 @@
           <a:p>
             <a:fld id="{2985609B-2F98-4665-80AE-902D6BB7ECF4}" type="datetimeFigureOut">
               <a:rPr lang="pl-PL" smtClean="0"/>
-              <a:t>2019-10-15</a:t>
+              <a:t>2019-10-22</a:t>
             </a:fld>
             <a:endParaRPr lang="pl-PL"/>
           </a:p>
@@ -619,7 +622,7 @@
           <a:p>
             <a:fld id="{2985609B-2F98-4665-80AE-902D6BB7ECF4}" type="datetimeFigureOut">
               <a:rPr lang="pl-PL" smtClean="0"/>
-              <a:t>2019-10-15</a:t>
+              <a:t>2019-10-22</a:t>
             </a:fld>
             <a:endParaRPr lang="pl-PL"/>
           </a:p>
@@ -804,7 +807,7 @@
           <a:p>
             <a:fld id="{2985609B-2F98-4665-80AE-902D6BB7ECF4}" type="datetimeFigureOut">
               <a:rPr lang="pl-PL" smtClean="0"/>
-              <a:t>2019-10-15</a:t>
+              <a:t>2019-10-22</a:t>
             </a:fld>
             <a:endParaRPr lang="pl-PL"/>
           </a:p>
@@ -989,7 +992,7 @@
           <a:p>
             <a:fld id="{2985609B-2F98-4665-80AE-902D6BB7ECF4}" type="datetimeFigureOut">
               <a:rPr lang="pl-PL" smtClean="0"/>
-              <a:t>2019-10-15</a:t>
+              <a:t>2019-10-22</a:t>
             </a:fld>
             <a:endParaRPr lang="pl-PL"/>
           </a:p>
@@ -1370,7 +1373,7 @@
           <a:p>
             <a:fld id="{2985609B-2F98-4665-80AE-902D6BB7ECF4}" type="datetimeFigureOut">
               <a:rPr lang="pl-PL" smtClean="0"/>
-              <a:t>2019-10-15</a:t>
+              <a:t>2019-10-22</a:t>
             </a:fld>
             <a:endParaRPr lang="pl-PL"/>
           </a:p>
@@ -1639,7 +1642,7 @@
           <a:p>
             <a:fld id="{2985609B-2F98-4665-80AE-902D6BB7ECF4}" type="datetimeFigureOut">
               <a:rPr lang="pl-PL" smtClean="0"/>
-              <a:t>2019-10-15</a:t>
+              <a:t>2019-10-22</a:t>
             </a:fld>
             <a:endParaRPr lang="pl-PL"/>
           </a:p>
@@ -2024,7 +2027,7 @@
           <a:p>
             <a:fld id="{2985609B-2F98-4665-80AE-902D6BB7ECF4}" type="datetimeFigureOut">
               <a:rPr lang="pl-PL" smtClean="0"/>
-              <a:t>2019-10-15</a:t>
+              <a:t>2019-10-22</a:t>
             </a:fld>
             <a:endParaRPr lang="pl-PL"/>
           </a:p>
@@ -2145,7 +2148,7 @@
           <a:p>
             <a:fld id="{2985609B-2F98-4665-80AE-902D6BB7ECF4}" type="datetimeFigureOut">
               <a:rPr lang="pl-PL" smtClean="0"/>
-              <a:t>2019-10-15</a:t>
+              <a:t>2019-10-22</a:t>
             </a:fld>
             <a:endParaRPr lang="pl-PL"/>
           </a:p>
@@ -2325,7 +2328,7 @@
           <a:p>
             <a:fld id="{2985609B-2F98-4665-80AE-902D6BB7ECF4}" type="datetimeFigureOut">
               <a:rPr lang="pl-PL" smtClean="0"/>
-              <a:t>2019-10-15</a:t>
+              <a:t>2019-10-22</a:t>
             </a:fld>
             <a:endParaRPr lang="pl-PL"/>
           </a:p>
@@ -2659,7 +2662,7 @@
           <a:p>
             <a:fld id="{2985609B-2F98-4665-80AE-902D6BB7ECF4}" type="datetimeFigureOut">
               <a:rPr lang="pl-PL" smtClean="0"/>
-              <a:t>2019-10-15</a:t>
+              <a:t>2019-10-22</a:t>
             </a:fld>
             <a:endParaRPr lang="pl-PL"/>
           </a:p>
@@ -3028,7 +3031,7 @@
           <a:p>
             <a:fld id="{2985609B-2F98-4665-80AE-902D6BB7ECF4}" type="datetimeFigureOut">
               <a:rPr lang="pl-PL" smtClean="0"/>
-              <a:t>2019-10-15</a:t>
+              <a:t>2019-10-22</a:t>
             </a:fld>
             <a:endParaRPr lang="pl-PL"/>
           </a:p>
@@ -3446,7 +3449,7 @@
           <a:p>
             <a:fld id="{2985609B-2F98-4665-80AE-902D6BB7ECF4}" type="datetimeFigureOut">
               <a:rPr lang="pl-PL" smtClean="0"/>
-              <a:t>2019-10-15</a:t>
+              <a:t>2019-10-22</a:t>
             </a:fld>
             <a:endParaRPr lang="pl-PL"/>
           </a:p>
@@ -4003,20 +4006,8 @@
           <a:lstStyle/>
           <a:p>
             <a:r>
-              <a:rPr lang="pl-PL" dirty="0" err="1" smtClean="0"/>
-              <a:t>Resources</a:t>
-            </a:r>
-            <a:r>
               <a:rPr lang="pl-PL" dirty="0" smtClean="0"/>
-              <a:t> </a:t>
-            </a:r>
-            <a:r>
-              <a:rPr lang="pl-PL" dirty="0" err="1" smtClean="0"/>
-              <a:t>quota</a:t>
-            </a:r>
-            <a:r>
-              <a:rPr lang="pl-PL" dirty="0" smtClean="0"/>
-              <a:t>/limit </a:t>
+              <a:t>Limit </a:t>
             </a:r>
             <a:r>
               <a:rPr lang="pl-PL" dirty="0" err="1" smtClean="0"/>
@@ -4036,51 +4027,363 @@
             <p:ph idx="1"/>
           </p:nvPr>
         </p:nvSpPr>
-        <p:spPr/>
-        <p:txBody>
-          <a:bodyPr/>
+        <p:spPr>
+          <a:xfrm>
+            <a:off x="502920" y="530352"/>
+            <a:ext cx="8183880" cy="5130896"/>
+          </a:xfrm>
+        </p:spPr>
+        <p:txBody>
+          <a:bodyPr>
+            <a:normAutofit fontScale="62500" lnSpcReduction="20000"/>
+          </a:bodyPr>
           <a:lstStyle/>
           <a:p>
-            <a:endParaRPr lang="pl-PL" dirty="0" smtClean="0"/>
-          </a:p>
-          <a:p>
+            <a:pPr marL="0" indent="0">
+              <a:buNone/>
+            </a:pPr>
+            <a:r>
+              <a:rPr lang="pl-PL" dirty="0" err="1"/>
+              <a:t>apiVersion</a:t>
+            </a:r>
+            <a:r>
+              <a:rPr lang="pl-PL" dirty="0"/>
+              <a:t>: v1</a:t>
+            </a:r>
+          </a:p>
+          <a:p>
+            <a:pPr marL="0" indent="0">
+              <a:buNone/>
+            </a:pPr>
+            <a:r>
+              <a:rPr lang="pl-PL" dirty="0" err="1"/>
+              <a:t>kind</a:t>
+            </a:r>
+            <a:r>
+              <a:rPr lang="pl-PL" dirty="0"/>
+              <a:t>: </a:t>
+            </a:r>
+            <a:r>
+              <a:rPr lang="pl-PL" dirty="0" err="1"/>
+              <a:t>LimitRange</a:t>
+            </a:r>
             <a:endParaRPr lang="pl-PL" dirty="0"/>
           </a:p>
           <a:p>
-            <a:endParaRPr lang="pl-PL" dirty="0" smtClean="0"/>
-          </a:p>
-          <a:p>
+            <a:pPr marL="0" indent="0">
+              <a:buNone/>
+            </a:pPr>
+            <a:r>
+              <a:rPr lang="pl-PL" dirty="0" err="1"/>
+              <a:t>metadata</a:t>
+            </a:r>
+            <a:r>
+              <a:rPr lang="pl-PL" dirty="0"/>
+              <a:t>:</a:t>
+            </a:r>
+          </a:p>
+          <a:p>
+            <a:pPr marL="0" indent="0">
+              <a:buNone/>
+            </a:pPr>
+            <a:r>
+              <a:rPr lang="pl-PL" dirty="0"/>
+              <a:t>  </a:t>
+            </a:r>
+            <a:r>
+              <a:rPr lang="pl-PL" dirty="0" err="1"/>
+              <a:t>name</a:t>
+            </a:r>
+            <a:r>
+              <a:rPr lang="pl-PL" dirty="0"/>
+              <a:t>: limit-</a:t>
+            </a:r>
+            <a:r>
+              <a:rPr lang="pl-PL" dirty="0" err="1"/>
+              <a:t>mem</a:t>
+            </a:r>
+            <a:r>
+              <a:rPr lang="pl-PL" dirty="0"/>
+              <a:t>-</a:t>
+            </a:r>
+            <a:r>
+              <a:rPr lang="pl-PL" dirty="0" err="1"/>
+              <a:t>cpu</a:t>
+            </a:r>
+            <a:r>
+              <a:rPr lang="pl-PL" dirty="0"/>
+              <a:t>-per-</a:t>
+            </a:r>
+            <a:r>
+              <a:rPr lang="pl-PL" dirty="0" err="1"/>
+              <a:t>container</a:t>
+            </a:r>
             <a:endParaRPr lang="pl-PL" dirty="0"/>
           </a:p>
           <a:p>
-            <a:pPr marL="0" indent="0" algn="ctr">
-              <a:buNone/>
-            </a:pPr>
-            <a:r>
-              <a:rPr lang="pl-PL" sz="4000" dirty="0" smtClean="0"/>
-              <a:t>DEMO</a:t>
-            </a:r>
-            <a:endParaRPr lang="pl-PL" sz="4000" dirty="0"/>
+            <a:pPr marL="0" indent="0">
+              <a:buNone/>
+            </a:pPr>
+            <a:r>
+              <a:rPr lang="pl-PL" dirty="0"/>
+              <a:t>spec:</a:t>
+            </a:r>
+          </a:p>
+          <a:p>
+            <a:pPr marL="0" indent="0">
+              <a:buNone/>
+            </a:pPr>
+            <a:r>
+              <a:rPr lang="pl-PL" dirty="0"/>
+              <a:t>  </a:t>
+            </a:r>
+            <a:r>
+              <a:rPr lang="pl-PL" dirty="0" err="1"/>
+              <a:t>limits</a:t>
+            </a:r>
+            <a:r>
+              <a:rPr lang="pl-PL" dirty="0"/>
+              <a:t>:</a:t>
+            </a:r>
+          </a:p>
+          <a:p>
+            <a:pPr marL="0" indent="0">
+              <a:buNone/>
+            </a:pPr>
+            <a:r>
+              <a:rPr lang="pl-PL" dirty="0"/>
+              <a:t>  - max:</a:t>
+            </a:r>
+          </a:p>
+          <a:p>
+            <a:pPr marL="0" indent="0">
+              <a:buNone/>
+            </a:pPr>
+            <a:r>
+              <a:rPr lang="pl-PL" dirty="0"/>
+              <a:t>      </a:t>
+            </a:r>
+            <a:r>
+              <a:rPr lang="pl-PL" dirty="0" err="1"/>
+              <a:t>cpu</a:t>
+            </a:r>
+            <a:r>
+              <a:rPr lang="pl-PL" dirty="0"/>
+              <a:t>: "800m"</a:t>
+            </a:r>
+          </a:p>
+          <a:p>
+            <a:pPr marL="0" indent="0">
+              <a:buNone/>
+            </a:pPr>
+            <a:r>
+              <a:rPr lang="pl-PL" dirty="0"/>
+              <a:t>      </a:t>
+            </a:r>
+            <a:r>
+              <a:rPr lang="pl-PL" dirty="0" err="1"/>
+              <a:t>memory</a:t>
+            </a:r>
+            <a:r>
+              <a:rPr lang="pl-PL" dirty="0"/>
+              <a:t>: "1Gi"</a:t>
+            </a:r>
+          </a:p>
+          <a:p>
+            <a:pPr marL="0" indent="0">
+              <a:buNone/>
+            </a:pPr>
+            <a:r>
+              <a:rPr lang="pl-PL" dirty="0"/>
+              <a:t>    min:</a:t>
+            </a:r>
+          </a:p>
+          <a:p>
+            <a:pPr marL="0" indent="0">
+              <a:buNone/>
+            </a:pPr>
+            <a:r>
+              <a:rPr lang="pl-PL" dirty="0"/>
+              <a:t>      </a:t>
+            </a:r>
+            <a:r>
+              <a:rPr lang="pl-PL" dirty="0" err="1"/>
+              <a:t>cpu</a:t>
+            </a:r>
+            <a:r>
+              <a:rPr lang="pl-PL" dirty="0"/>
+              <a:t>: "50m"</a:t>
+            </a:r>
+          </a:p>
+          <a:p>
+            <a:pPr marL="0" indent="0">
+              <a:buNone/>
+            </a:pPr>
+            <a:r>
+              <a:rPr lang="pl-PL" dirty="0"/>
+              <a:t>      </a:t>
+            </a:r>
+            <a:r>
+              <a:rPr lang="pl-PL" dirty="0" err="1"/>
+              <a:t>memory</a:t>
+            </a:r>
+            <a:r>
+              <a:rPr lang="pl-PL" dirty="0"/>
+              <a:t>: "50Mi"</a:t>
+            </a:r>
+          </a:p>
+          <a:p>
+            <a:pPr marL="0" indent="0">
+              <a:buNone/>
+            </a:pPr>
+            <a:r>
+              <a:rPr lang="pl-PL" dirty="0"/>
+              <a:t>    </a:t>
+            </a:r>
+            <a:r>
+              <a:rPr lang="pl-PL" dirty="0" err="1"/>
+              <a:t>default</a:t>
+            </a:r>
+            <a:r>
+              <a:rPr lang="pl-PL" dirty="0"/>
+              <a:t>:</a:t>
+            </a:r>
+          </a:p>
+          <a:p>
+            <a:pPr marL="0" indent="0">
+              <a:buNone/>
+            </a:pPr>
+            <a:r>
+              <a:rPr lang="pl-PL" dirty="0"/>
+              <a:t>      </a:t>
+            </a:r>
+            <a:r>
+              <a:rPr lang="pl-PL" dirty="0" err="1"/>
+              <a:t>cpu</a:t>
+            </a:r>
+            <a:r>
+              <a:rPr lang="pl-PL" dirty="0"/>
+              <a:t>: "200m"</a:t>
+            </a:r>
+          </a:p>
+          <a:p>
+            <a:pPr marL="0" indent="0">
+              <a:buNone/>
+            </a:pPr>
+            <a:r>
+              <a:rPr lang="pl-PL" dirty="0"/>
+              <a:t>      </a:t>
+            </a:r>
+            <a:r>
+              <a:rPr lang="pl-PL" dirty="0" err="1"/>
+              <a:t>memory</a:t>
+            </a:r>
+            <a:r>
+              <a:rPr lang="pl-PL" dirty="0"/>
+              <a:t>: "200Mi"</a:t>
+            </a:r>
+          </a:p>
+          <a:p>
+            <a:pPr marL="0" indent="0">
+              <a:buNone/>
+            </a:pPr>
+            <a:r>
+              <a:rPr lang="pl-PL" dirty="0"/>
+              <a:t>    </a:t>
+            </a:r>
+            <a:r>
+              <a:rPr lang="pl-PL" dirty="0" err="1"/>
+              <a:t>defaultRequest</a:t>
+            </a:r>
+            <a:r>
+              <a:rPr lang="pl-PL" dirty="0"/>
+              <a:t>:</a:t>
+            </a:r>
+          </a:p>
+          <a:p>
+            <a:pPr marL="0" indent="0">
+              <a:buNone/>
+            </a:pPr>
+            <a:r>
+              <a:rPr lang="pl-PL" dirty="0"/>
+              <a:t>      </a:t>
+            </a:r>
+            <a:r>
+              <a:rPr lang="pl-PL" dirty="0" err="1"/>
+              <a:t>cpu</a:t>
+            </a:r>
+            <a:r>
+              <a:rPr lang="pl-PL" dirty="0"/>
+              <a:t>: "100m"</a:t>
+            </a:r>
+          </a:p>
+          <a:p>
+            <a:pPr marL="0" indent="0">
+              <a:buNone/>
+            </a:pPr>
+            <a:r>
+              <a:rPr lang="pl-PL" dirty="0"/>
+              <a:t>      </a:t>
+            </a:r>
+            <a:r>
+              <a:rPr lang="pl-PL" dirty="0" err="1"/>
+              <a:t>memory</a:t>
+            </a:r>
+            <a:r>
+              <a:rPr lang="pl-PL" dirty="0"/>
+              <a:t>: "100Mi"</a:t>
+            </a:r>
+          </a:p>
+          <a:p>
+            <a:pPr marL="0" indent="0">
+              <a:buNone/>
+            </a:pPr>
+            <a:r>
+              <a:rPr lang="pl-PL" dirty="0"/>
+              <a:t>    </a:t>
+            </a:r>
+            <a:r>
+              <a:rPr lang="pl-PL" dirty="0" err="1">
+                <a:solidFill>
+                  <a:srgbClr val="FF0000"/>
+                </a:solidFill>
+              </a:rPr>
+              <a:t>type</a:t>
+            </a:r>
+            <a:r>
+              <a:rPr lang="pl-PL" dirty="0">
+                <a:solidFill>
+                  <a:srgbClr val="FF0000"/>
+                </a:solidFill>
+              </a:rPr>
+              <a:t>: </a:t>
+            </a:r>
+            <a:r>
+              <a:rPr lang="pl-PL" dirty="0" err="1">
+                <a:solidFill>
+                  <a:srgbClr val="FF0000"/>
+                </a:solidFill>
+              </a:rPr>
+              <a:t>Container</a:t>
+            </a:r>
+            <a:endParaRPr lang="pl-PL" dirty="0">
+              <a:solidFill>
+                <a:srgbClr val="FF0000"/>
+              </a:solidFill>
+            </a:endParaRPr>
           </a:p>
         </p:txBody>
       </p:sp>
     </p:spTree>
     <p:extLst>
       <p:ext uri="{BB962C8B-B14F-4D97-AF65-F5344CB8AC3E}">
-        <p14:creationId xmlns:p14="http://schemas.microsoft.com/office/powerpoint/2010/main" val="2502144188"/>
+        <p14:creationId xmlns:p14="http://schemas.microsoft.com/office/powerpoint/2010/main" val="1770858312"/>
       </p:ext>
     </p:extLst>
   </p:cSld>
   <p:clrMapOvr>
     <a:masterClrMapping/>
   </p:clrMapOvr>
-  <p:timing>
-    <p:tnLst>
-      <p:par>
-        <p:cTn id="1" dur="indefinite" restart="never" nodeType="tmRoot"/>
-      </p:par>
-    </p:tnLst>
-  </p:timing>
 </p:sld>
 </file>
 
@@ -4117,12 +4420,24 @@
           <a:lstStyle/>
           <a:p>
             <a:r>
+              <a:rPr lang="pl-PL" dirty="0" err="1" smtClean="0"/>
+              <a:t>Resources</a:t>
+            </a:r>
+            <a:r>
               <a:rPr lang="pl-PL" dirty="0" smtClean="0"/>
-              <a:t>Resource </a:t>
+              <a:t> </a:t>
             </a:r>
             <a:r>
               <a:rPr lang="pl-PL" dirty="0" err="1" smtClean="0"/>
-              <a:t>quotas</a:t>
+              <a:t>quota</a:t>
+            </a:r>
+            <a:r>
+              <a:rPr lang="pl-PL" dirty="0" smtClean="0"/>
+              <a:t>/limit </a:t>
+            </a:r>
+            <a:r>
+              <a:rPr lang="pl-PL" dirty="0" err="1" smtClean="0"/>
+              <a:t>range</a:t>
             </a:r>
             <a:endParaRPr lang="pl-PL" dirty="0"/>
           </a:p>
@@ -4130,7 +4445,7 @@
       </p:sp>
       <p:sp>
         <p:nvSpPr>
-          <p:cNvPr id="5" name="Symbol zastępczy zawartości 4"/>
+          <p:cNvPr id="3" name="Symbol zastępczy zawartości 2"/>
           <p:cNvSpPr>
             <a:spLocks noGrp="1"/>
           </p:cNvSpPr>
@@ -4140,202 +4455,36 @@
         </p:nvSpPr>
         <p:spPr/>
         <p:txBody>
-          <a:bodyPr>
-            <a:normAutofit fontScale="85000" lnSpcReduction="20000"/>
-          </a:bodyPr>
+          <a:bodyPr/>
           <a:lstStyle/>
           <a:p>
-            <a:pPr marL="0" indent="0">
-              <a:buNone/>
-            </a:pPr>
-            <a:r>
-              <a:rPr lang="pl-PL" dirty="0" err="1"/>
-              <a:t>apiVersion</a:t>
-            </a:r>
-            <a:r>
-              <a:rPr lang="pl-PL" dirty="0"/>
-              <a:t>: v1</a:t>
-            </a:r>
-          </a:p>
-          <a:p>
-            <a:pPr marL="0" indent="0">
-              <a:buNone/>
-            </a:pPr>
-            <a:r>
-              <a:rPr lang="pl-PL" dirty="0" err="1"/>
-              <a:t>kind</a:t>
-            </a:r>
-            <a:r>
-              <a:rPr lang="pl-PL" dirty="0"/>
-              <a:t>: </a:t>
-            </a:r>
-            <a:r>
-              <a:rPr lang="pl-PL" dirty="0" err="1"/>
-              <a:t>ResourceQuota</a:t>
-            </a:r>
+            <a:endParaRPr lang="pl-PL" dirty="0" smtClean="0"/>
+          </a:p>
+          <a:p>
             <a:endParaRPr lang="pl-PL" dirty="0"/>
           </a:p>
           <a:p>
-            <a:pPr marL="0" indent="0">
-              <a:buNone/>
-            </a:pPr>
-            <a:r>
-              <a:rPr lang="pl-PL" dirty="0" err="1"/>
-              <a:t>metadata</a:t>
-            </a:r>
-            <a:r>
-              <a:rPr lang="pl-PL" dirty="0"/>
-              <a:t>:</a:t>
-            </a:r>
-          </a:p>
-          <a:p>
-            <a:pPr marL="0" indent="0">
-              <a:buNone/>
-            </a:pPr>
-            <a:r>
-              <a:rPr lang="pl-PL" dirty="0"/>
-              <a:t>  </a:t>
-            </a:r>
-            <a:r>
-              <a:rPr lang="pl-PL" dirty="0" err="1"/>
-              <a:t>name</a:t>
-            </a:r>
-            <a:r>
-              <a:rPr lang="pl-PL" dirty="0"/>
-              <a:t>: </a:t>
-            </a:r>
-            <a:r>
-              <a:rPr lang="pl-PL" dirty="0" err="1"/>
-              <a:t>compute-resources</a:t>
-            </a:r>
+            <a:endParaRPr lang="pl-PL" dirty="0" smtClean="0"/>
+          </a:p>
+          <a:p>
             <a:endParaRPr lang="pl-PL" dirty="0"/>
           </a:p>
           <a:p>
-            <a:pPr marL="0" indent="0">
-              <a:buNone/>
-            </a:pPr>
-            <a:r>
-              <a:rPr lang="pl-PL" dirty="0"/>
-              <a:t>spec:</a:t>
-            </a:r>
-          </a:p>
-          <a:p>
-            <a:pPr marL="0" indent="0">
-              <a:buNone/>
-            </a:pPr>
-            <a:r>
-              <a:rPr lang="pl-PL" dirty="0"/>
-              <a:t>  hard:</a:t>
-            </a:r>
-          </a:p>
-          <a:p>
-            <a:pPr marL="0" indent="0">
-              <a:buNone/>
-            </a:pPr>
-            <a:r>
-              <a:rPr lang="pl-PL" dirty="0"/>
-              <a:t>    </a:t>
-            </a:r>
-            <a:r>
-              <a:rPr lang="pl-PL" dirty="0" err="1"/>
-              <a:t>pods</a:t>
-            </a:r>
-            <a:r>
-              <a:rPr lang="pl-PL" dirty="0"/>
-              <a:t>: "20"</a:t>
-            </a:r>
-          </a:p>
-          <a:p>
-            <a:pPr marL="0" indent="0">
-              <a:buNone/>
-            </a:pPr>
-            <a:r>
-              <a:rPr lang="pl-PL" dirty="0"/>
-              <a:t>    </a:t>
-            </a:r>
-            <a:r>
-              <a:rPr lang="pl-PL" dirty="0" err="1"/>
-              <a:t>requests.cpu</a:t>
-            </a:r>
-            <a:r>
-              <a:rPr lang="pl-PL" dirty="0"/>
-              <a:t>: "1"</a:t>
-            </a:r>
-          </a:p>
-          <a:p>
-            <a:pPr marL="0" indent="0">
-              <a:buNone/>
-            </a:pPr>
-            <a:r>
-              <a:rPr lang="pl-PL" dirty="0"/>
-              <a:t>    </a:t>
-            </a:r>
-            <a:r>
-              <a:rPr lang="pl-PL" dirty="0" err="1"/>
-              <a:t>requests.memory</a:t>
-            </a:r>
-            <a:r>
-              <a:rPr lang="pl-PL" dirty="0"/>
-              <a:t>: 1Gi</a:t>
-            </a:r>
-          </a:p>
-          <a:p>
-            <a:pPr marL="0" indent="0">
-              <a:buNone/>
-            </a:pPr>
-            <a:r>
-              <a:rPr lang="pl-PL" dirty="0"/>
-              <a:t>    </a:t>
-            </a:r>
-            <a:r>
-              <a:rPr lang="pl-PL" dirty="0" err="1"/>
-              <a:t>limits.cpu</a:t>
-            </a:r>
-            <a:r>
-              <a:rPr lang="pl-PL" dirty="0"/>
-              <a:t>: "2"</a:t>
-            </a:r>
-          </a:p>
-          <a:p>
-            <a:pPr marL="0" indent="0">
-              <a:buNone/>
-            </a:pPr>
-            <a:r>
-              <a:rPr lang="pl-PL" dirty="0"/>
-              <a:t>    </a:t>
-            </a:r>
-            <a:r>
-              <a:rPr lang="pl-PL" dirty="0" err="1"/>
-              <a:t>limits.memory</a:t>
-            </a:r>
-            <a:r>
-              <a:rPr lang="pl-PL" dirty="0"/>
-              <a:t>: 2Gi</a:t>
-            </a:r>
-          </a:p>
-          <a:p>
-            <a:pPr marL="0" indent="0">
-              <a:buNone/>
-            </a:pPr>
-            <a:r>
-              <a:rPr lang="pl-PL" dirty="0"/>
-              <a:t>    requests.nvidia.com/</a:t>
-            </a:r>
-            <a:r>
-              <a:rPr lang="pl-PL" dirty="0" err="1"/>
-              <a:t>gpu</a:t>
-            </a:r>
-            <a:r>
-              <a:rPr lang="pl-PL" dirty="0"/>
-              <a:t>: 3</a:t>
-            </a:r>
+            <a:pPr marL="0" indent="0" algn="ctr">
+              <a:buNone/>
+            </a:pPr>
+            <a:r>
+              <a:rPr lang="pl-PL" sz="4000" dirty="0" smtClean="0"/>
+              <a:t>DEMO</a:t>
+            </a:r>
+            <a:endParaRPr lang="pl-PL" sz="4000" dirty="0"/>
           </a:p>
         </p:txBody>
       </p:sp>
     </p:spTree>
     <p:extLst>
       <p:ext uri="{BB962C8B-B14F-4D97-AF65-F5344CB8AC3E}">
-        <p14:creationId xmlns:p14="http://schemas.microsoft.com/office/powerpoint/2010/main" val="3495179704"/>
+        <p14:creationId xmlns:p14="http://schemas.microsoft.com/office/powerpoint/2010/main" val="2502144188"/>
       </p:ext>
     </p:extLst>
   </p:cSld>
@@ -4386,7 +4535,11 @@
           <a:p>
             <a:r>
               <a:rPr lang="pl-PL" dirty="0" smtClean="0"/>
-              <a:t>CPU</a:t>
+              <a:t>Resource </a:t>
+            </a:r>
+            <a:r>
+              <a:rPr lang="pl-PL" dirty="0" err="1" smtClean="0"/>
+              <a:t>quotas</a:t>
             </a:r>
             <a:endParaRPr lang="pl-PL" dirty="0"/>
           </a:p>
@@ -4394,7 +4547,7 @@
       </p:sp>
       <p:sp>
         <p:nvSpPr>
-          <p:cNvPr id="3" name="Symbol zastępczy zawartości 2"/>
+          <p:cNvPr id="5" name="Symbol zastępczy zawartości 4"/>
           <p:cNvSpPr>
             <a:spLocks noGrp="1"/>
           </p:cNvSpPr>
@@ -4405,60 +4558,214 @@
         <p:spPr/>
         <p:txBody>
           <a:bodyPr>
-            <a:normAutofit fontScale="92500"/>
+            <a:normAutofit fontScale="85000" lnSpcReduction="20000"/>
           </a:bodyPr>
           <a:lstStyle/>
           <a:p>
-            <a:r>
-              <a:rPr lang="en-US" dirty="0"/>
-              <a:t>CPU resources are measured in </a:t>
-            </a:r>
-            <a:r>
-              <a:rPr lang="en-US" dirty="0" err="1"/>
-              <a:t>millicore</a:t>
-            </a:r>
-            <a:r>
-              <a:rPr lang="en-US" dirty="0"/>
-              <a:t>. If a node has 2 cores, the node’s CPU capacity would be represented as 2000m. The unit suffix m stands for “thousandth of a core.”</a:t>
-            </a:r>
-          </a:p>
-          <a:p>
-            <a:r>
-              <a:rPr lang="en-US" dirty="0"/>
-              <a:t>1000m or 1000 </a:t>
-            </a:r>
-            <a:r>
-              <a:rPr lang="en-US" dirty="0" err="1"/>
-              <a:t>millicore</a:t>
-            </a:r>
-            <a:r>
-              <a:rPr lang="en-US" dirty="0"/>
-              <a:t> is equal to 1 core. 4000m would represent 4 cores. 250 </a:t>
-            </a:r>
-            <a:r>
-              <a:rPr lang="en-US" dirty="0" err="1"/>
-              <a:t>millicore</a:t>
-            </a:r>
-            <a:r>
-              <a:rPr lang="en-US" dirty="0"/>
-              <a:t> per pod means 4 pods with a similar value of 250m can run on a single core. On a 4 core node, 16 pods each having 250m can run on that node.</a:t>
-            </a:r>
-          </a:p>
-          <a:p>
+            <a:pPr marL="0" indent="0">
+              <a:buNone/>
+            </a:pPr>
+            <a:r>
+              <a:rPr lang="pl-PL" dirty="0" err="1"/>
+              <a:t>apiVersion</a:t>
+            </a:r>
+            <a:r>
+              <a:rPr lang="pl-PL" dirty="0"/>
+              <a:t>: v1</a:t>
+            </a:r>
+          </a:p>
+          <a:p>
+            <a:pPr marL="0" indent="0">
+              <a:buNone/>
+            </a:pPr>
+            <a:r>
+              <a:rPr lang="pl-PL" dirty="0" err="1"/>
+              <a:t>kind</a:t>
+            </a:r>
+            <a:r>
+              <a:rPr lang="pl-PL" dirty="0"/>
+              <a:t>: </a:t>
+            </a:r>
+            <a:r>
+              <a:rPr lang="pl-PL" dirty="0" err="1"/>
+              <a:t>ResourceQuota</a:t>
+            </a:r>
             <a:endParaRPr lang="pl-PL" dirty="0"/>
+          </a:p>
+          <a:p>
+            <a:pPr marL="0" indent="0">
+              <a:buNone/>
+            </a:pPr>
+            <a:r>
+              <a:rPr lang="pl-PL" dirty="0" err="1"/>
+              <a:t>metadata</a:t>
+            </a:r>
+            <a:r>
+              <a:rPr lang="pl-PL" dirty="0"/>
+              <a:t>:</a:t>
+            </a:r>
+          </a:p>
+          <a:p>
+            <a:pPr marL="0" indent="0">
+              <a:buNone/>
+            </a:pPr>
+            <a:r>
+              <a:rPr lang="pl-PL" dirty="0"/>
+              <a:t>  </a:t>
+            </a:r>
+            <a:r>
+              <a:rPr lang="pl-PL" dirty="0" err="1"/>
+              <a:t>name</a:t>
+            </a:r>
+            <a:r>
+              <a:rPr lang="pl-PL" dirty="0"/>
+              <a:t>: </a:t>
+            </a:r>
+            <a:r>
+              <a:rPr lang="pl-PL" dirty="0" err="1"/>
+              <a:t>compute-resources</a:t>
+            </a:r>
+            <a:endParaRPr lang="pl-PL" dirty="0"/>
+          </a:p>
+          <a:p>
+            <a:pPr marL="0" indent="0">
+              <a:buNone/>
+            </a:pPr>
+            <a:r>
+              <a:rPr lang="pl-PL" dirty="0"/>
+              <a:t>spec:</a:t>
+            </a:r>
+          </a:p>
+          <a:p>
+            <a:pPr marL="0" indent="0">
+              <a:buNone/>
+            </a:pPr>
+            <a:r>
+              <a:rPr lang="pl-PL" dirty="0"/>
+              <a:t>  hard:</a:t>
+            </a:r>
+          </a:p>
+          <a:p>
+            <a:pPr marL="0" indent="0">
+              <a:buNone/>
+            </a:pPr>
+            <a:r>
+              <a:rPr lang="pl-PL" dirty="0"/>
+              <a:t>    </a:t>
+            </a:r>
+            <a:r>
+              <a:rPr lang="pl-PL" dirty="0" err="1"/>
+              <a:t>pods</a:t>
+            </a:r>
+            <a:r>
+              <a:rPr lang="pl-PL" dirty="0"/>
+              <a:t>: "20"</a:t>
+            </a:r>
+          </a:p>
+          <a:p>
+            <a:pPr marL="0" indent="0">
+              <a:buNone/>
+            </a:pPr>
+            <a:r>
+              <a:rPr lang="pl-PL" dirty="0"/>
+              <a:t>    </a:t>
+            </a:r>
+            <a:r>
+              <a:rPr lang="pl-PL" dirty="0" err="1"/>
+              <a:t>requests.cpu</a:t>
+            </a:r>
+            <a:r>
+              <a:rPr lang="pl-PL" dirty="0"/>
+              <a:t>: "1"</a:t>
+            </a:r>
+          </a:p>
+          <a:p>
+            <a:pPr marL="0" indent="0">
+              <a:buNone/>
+            </a:pPr>
+            <a:r>
+              <a:rPr lang="pl-PL" dirty="0"/>
+              <a:t>    </a:t>
+            </a:r>
+            <a:r>
+              <a:rPr lang="pl-PL" dirty="0" err="1"/>
+              <a:t>requests.memory</a:t>
+            </a:r>
+            <a:r>
+              <a:rPr lang="pl-PL" dirty="0"/>
+              <a:t>: 1Gi</a:t>
+            </a:r>
+          </a:p>
+          <a:p>
+            <a:pPr marL="0" indent="0">
+              <a:buNone/>
+            </a:pPr>
+            <a:r>
+              <a:rPr lang="pl-PL" dirty="0"/>
+              <a:t>    </a:t>
+            </a:r>
+            <a:r>
+              <a:rPr lang="pl-PL" dirty="0" err="1"/>
+              <a:t>limits.cpu</a:t>
+            </a:r>
+            <a:r>
+              <a:rPr lang="pl-PL" dirty="0"/>
+              <a:t>: "2"</a:t>
+            </a:r>
+          </a:p>
+          <a:p>
+            <a:pPr marL="0" indent="0">
+              <a:buNone/>
+            </a:pPr>
+            <a:r>
+              <a:rPr lang="pl-PL" dirty="0"/>
+              <a:t>    </a:t>
+            </a:r>
+            <a:r>
+              <a:rPr lang="pl-PL" dirty="0" err="1"/>
+              <a:t>limits.memory</a:t>
+            </a:r>
+            <a:r>
+              <a:rPr lang="pl-PL" dirty="0"/>
+              <a:t>: 2Gi</a:t>
+            </a:r>
+          </a:p>
+          <a:p>
+            <a:pPr marL="0" indent="0">
+              <a:buNone/>
+            </a:pPr>
+            <a:r>
+              <a:rPr lang="pl-PL" dirty="0"/>
+              <a:t>    requests.nvidia.com/</a:t>
+            </a:r>
+            <a:r>
+              <a:rPr lang="pl-PL" dirty="0" err="1"/>
+              <a:t>gpu</a:t>
+            </a:r>
+            <a:r>
+              <a:rPr lang="pl-PL" dirty="0"/>
+              <a:t>: 3</a:t>
+            </a:r>
           </a:p>
         </p:txBody>
       </p:sp>
     </p:spTree>
     <p:extLst>
       <p:ext uri="{BB962C8B-B14F-4D97-AF65-F5344CB8AC3E}">
-        <p14:creationId xmlns:p14="http://schemas.microsoft.com/office/powerpoint/2010/main" val="147757337"/>
+        <p14:creationId xmlns:p14="http://schemas.microsoft.com/office/powerpoint/2010/main" val="3495179704"/>
       </p:ext>
     </p:extLst>
   </p:cSld>
   <p:clrMapOvr>
     <a:masterClrMapping/>
   </p:clrMapOvr>
+  <p:timing>
+    <p:tnLst>
+      <p:par>
+        <p:cTn id="1" dur="indefinite" restart="never" nodeType="tmRoot"/>
+      </p:par>
+    </p:tnLst>
+  </p:timing>
 </p:sld>
 </file>
 
@@ -4496,7 +4803,7 @@
           <a:p>
             <a:r>
               <a:rPr lang="pl-PL" dirty="0" smtClean="0"/>
-              <a:t>Memory</a:t>
+              <a:t>CPU</a:t>
             </a:r>
             <a:endParaRPr lang="pl-PL" dirty="0"/>
           </a:p>
@@ -4515,87 +4822,43 @@
         <p:spPr/>
         <p:txBody>
           <a:bodyPr>
-            <a:normAutofit fontScale="92500" lnSpcReduction="20000"/>
+            <a:normAutofit fontScale="92500"/>
           </a:bodyPr>
           <a:lstStyle/>
           <a:p>
             <a:r>
               <a:rPr lang="en-US" dirty="0"/>
-              <a:t>Memory is measured in bytes. However, you can express memory with various suffixes (E,P,T,G,M,K and </a:t>
+              <a:t>CPU resources are measured in </a:t>
             </a:r>
             <a:r>
               <a:rPr lang="en-US" dirty="0" err="1"/>
-              <a:t>Ei</a:t>
+              <a:t>millicore</a:t>
             </a:r>
             <a:r>
               <a:rPr lang="en-US" dirty="0"/>
-              <a:t>, Pi, </a:t>
+              <a:t>. If a node has 2 cores, the node’s CPU capacity would be represented as 2000m. The unit suffix m stands for “thousandth of a core.”</a:t>
+            </a:r>
+          </a:p>
+          <a:p>
+            <a:r>
+              <a:rPr lang="en-US" dirty="0"/>
+              <a:t>1000m or 1000 </a:t>
             </a:r>
             <a:r>
               <a:rPr lang="en-US" dirty="0" err="1"/>
-              <a:t>Ti</a:t>
+              <a:t>millicore</a:t>
             </a:r>
             <a:r>
               <a:rPr lang="en-US" dirty="0"/>
-              <a:t>, </a:t>
+              <a:t> is equal to 1 core. 4000m would represent 4 cores. 250 </a:t>
             </a:r>
             <a:r>
               <a:rPr lang="en-US" dirty="0" err="1"/>
-              <a:t>Gi</a:t>
+              <a:t>millicore</a:t>
             </a:r>
             <a:r>
               <a:rPr lang="en-US" dirty="0"/>
-              <a:t>, </a:t>
-            </a:r>
-            <a:r>
-              <a:rPr lang="en-US" dirty="0" err="1"/>
-              <a:t>Mi</a:t>
-            </a:r>
-            <a:r>
-              <a:rPr lang="en-US" dirty="0"/>
-              <a:t>, Ki) to express </a:t>
-            </a:r>
-            <a:r>
-              <a:rPr lang="en-US" dirty="0" err="1"/>
-              <a:t>mebibytes</a:t>
-            </a:r>
-            <a:r>
-              <a:rPr lang="en-US" dirty="0"/>
-              <a:t> (</a:t>
-            </a:r>
-            <a:r>
-              <a:rPr lang="en-US" dirty="0" err="1"/>
-              <a:t>Mi</a:t>
-            </a:r>
-            <a:r>
-              <a:rPr lang="en-US" dirty="0"/>
-              <a:t>) to petabytes (Pi). </a:t>
-            </a:r>
-            <a:r>
-              <a:rPr lang="en-US" b="1" dirty="0"/>
-              <a:t>Most simply use Mi</a:t>
-            </a:r>
-            <a:r>
-              <a:rPr lang="en-US" dirty="0"/>
-              <a:t>.</a:t>
-            </a:r>
-          </a:p>
-          <a:p>
-            <a:r>
-              <a:rPr lang="en-US" dirty="0"/>
-              <a:t>Like CPU, </a:t>
-            </a:r>
-            <a:r>
-              <a:rPr lang="en-US" dirty="0">
-                <a:solidFill>
-                  <a:srgbClr val="FF0000"/>
-                </a:solidFill>
-              </a:rPr>
-              <a:t>pods will never be scheduled if they require more resources than the capacity of a node</a:t>
-            </a:r>
-            <a:r>
-              <a:rPr lang="en-US" dirty="0"/>
-              <a:t>. Unlike CPU, memory is not compressible. You can’t make memory run slower or faster like CPU or network throttling. Pods will be terminated if it reaches the memory limit.</a:t>
+              <a:t> per pod means 4 pods with a similar value of 250m can run on a single core. On a 4 core node, 16 pods each having 250m can run on that node.</a:t>
             </a:r>
           </a:p>
           <a:p>
@@ -4606,7 +4869,7 @@
     </p:spTree>
     <p:extLst>
       <p:ext uri="{BB962C8B-B14F-4D97-AF65-F5344CB8AC3E}">
-        <p14:creationId xmlns:p14="http://schemas.microsoft.com/office/powerpoint/2010/main" val="3653138814"/>
+        <p14:creationId xmlns:p14="http://schemas.microsoft.com/office/powerpoint/2010/main" val="147757337"/>
       </p:ext>
     </p:extLst>
   </p:cSld>
@@ -4649,6 +4912,160 @@
           <a:lstStyle/>
           <a:p>
             <a:r>
+              <a:rPr lang="pl-PL" dirty="0" smtClean="0"/>
+              <a:t>Memory</a:t>
+            </a:r>
+            <a:endParaRPr lang="pl-PL" dirty="0"/>
+          </a:p>
+        </p:txBody>
+      </p:sp>
+      <p:sp>
+        <p:nvSpPr>
+          <p:cNvPr id="3" name="Symbol zastępczy zawartości 2"/>
+          <p:cNvSpPr>
+            <a:spLocks noGrp="1"/>
+          </p:cNvSpPr>
+          <p:nvPr>
+            <p:ph idx="1"/>
+          </p:nvPr>
+        </p:nvSpPr>
+        <p:spPr/>
+        <p:txBody>
+          <a:bodyPr>
+            <a:normAutofit fontScale="92500" lnSpcReduction="20000"/>
+          </a:bodyPr>
+          <a:lstStyle/>
+          <a:p>
+            <a:r>
+              <a:rPr lang="en-US" dirty="0"/>
+              <a:t>Memory is measured in bytes. However, you can express memory with various suffixes (E,P,T,G,M,K and </a:t>
+            </a:r>
+            <a:r>
+              <a:rPr lang="en-US" dirty="0" err="1"/>
+              <a:t>Ei</a:t>
+            </a:r>
+            <a:r>
+              <a:rPr lang="en-US" dirty="0"/>
+              <a:t>, Pi, </a:t>
+            </a:r>
+            <a:r>
+              <a:rPr lang="en-US" dirty="0" err="1"/>
+              <a:t>Ti</a:t>
+            </a:r>
+            <a:r>
+              <a:rPr lang="en-US" dirty="0"/>
+              <a:t>, </a:t>
+            </a:r>
+            <a:r>
+              <a:rPr lang="en-US" dirty="0" err="1"/>
+              <a:t>Gi</a:t>
+            </a:r>
+            <a:r>
+              <a:rPr lang="en-US" dirty="0"/>
+              <a:t>, </a:t>
+            </a:r>
+            <a:r>
+              <a:rPr lang="en-US" dirty="0" err="1"/>
+              <a:t>Mi</a:t>
+            </a:r>
+            <a:r>
+              <a:rPr lang="en-US" dirty="0"/>
+              <a:t>, Ki) to express </a:t>
+            </a:r>
+            <a:r>
+              <a:rPr lang="en-US" dirty="0" err="1"/>
+              <a:t>mebibytes</a:t>
+            </a:r>
+            <a:r>
+              <a:rPr lang="en-US" dirty="0"/>
+              <a:t> (</a:t>
+            </a:r>
+            <a:r>
+              <a:rPr lang="en-US" dirty="0" err="1"/>
+              <a:t>Mi</a:t>
+            </a:r>
+            <a:r>
+              <a:rPr lang="en-US" dirty="0"/>
+              <a:t>) to petabytes (Pi). </a:t>
+            </a:r>
+            <a:r>
+              <a:rPr lang="en-US" b="1" dirty="0"/>
+              <a:t>Most simply use Mi</a:t>
+            </a:r>
+            <a:r>
+              <a:rPr lang="en-US" dirty="0"/>
+              <a:t>.</a:t>
+            </a:r>
+          </a:p>
+          <a:p>
+            <a:r>
+              <a:rPr lang="en-US" dirty="0"/>
+              <a:t>Like CPU, </a:t>
+            </a:r>
+            <a:r>
+              <a:rPr lang="en-US" dirty="0">
+                <a:solidFill>
+                  <a:srgbClr val="FF0000"/>
+                </a:solidFill>
+              </a:rPr>
+              <a:t>pods will never be scheduled if they require more resources than the capacity of a node</a:t>
+            </a:r>
+            <a:r>
+              <a:rPr lang="en-US" dirty="0"/>
+              <a:t>. Unlike CPU, memory is not compressible. You can’t make memory run slower or faster like CPU or network throttling. Pods will be terminated if it reaches the memory limit.</a:t>
+            </a:r>
+          </a:p>
+          <a:p>
+            <a:endParaRPr lang="pl-PL" dirty="0"/>
+          </a:p>
+        </p:txBody>
+      </p:sp>
+    </p:spTree>
+    <p:extLst>
+      <p:ext uri="{BB962C8B-B14F-4D97-AF65-F5344CB8AC3E}">
+        <p14:creationId xmlns:p14="http://schemas.microsoft.com/office/powerpoint/2010/main" val="3653138814"/>
+      </p:ext>
+    </p:extLst>
+  </p:cSld>
+  <p:clrMapOvr>
+    <a:masterClrMapping/>
+  </p:clrMapOvr>
+</p:sld>
+</file>
+
+<file path=ppt/slides/slide15.xml><?xml version="1.0" encoding="utf-8"?>
+<p:sld xmlns:a="http://schemas.openxmlformats.org/drawingml/2006/main" xmlns:r="http://schemas.openxmlformats.org/officeDocument/2006/relationships" xmlns:p="http://schemas.openxmlformats.org/presentationml/2006/main">
+  <p:cSld>
+    <p:spTree>
+      <p:nvGrpSpPr>
+        <p:cNvPr id="1" name=""/>
+        <p:cNvGrpSpPr/>
+        <p:nvPr/>
+      </p:nvGrpSpPr>
+      <p:grpSpPr>
+        <a:xfrm>
+          <a:off x="0" y="0"/>
+          <a:ext cx="0" cy="0"/>
+          <a:chOff x="0" y="0"/>
+          <a:chExt cx="0" cy="0"/>
+        </a:xfrm>
+      </p:grpSpPr>
+      <p:sp>
+        <p:nvSpPr>
+          <p:cNvPr id="2" name="Tytuł 1"/>
+          <p:cNvSpPr>
+            <a:spLocks noGrp="1"/>
+          </p:cNvSpPr>
+          <p:nvPr>
+            <p:ph type="title"/>
+          </p:nvPr>
+        </p:nvSpPr>
+        <p:spPr/>
+        <p:txBody>
+          <a:bodyPr/>
+          <a:lstStyle/>
+          <a:p>
+            <a:r>
               <a:rPr lang="pl-PL" dirty="0" err="1" smtClean="0"/>
               <a:t>Nodes</a:t>
             </a:r>
@@ -4696,9 +5113,53 @@
               <a:t> </a:t>
             </a:r>
             <a:r>
+              <a:rPr lang="pl-PL" b="1" dirty="0" err="1" smtClean="0"/>
+              <a:t>node</a:t>
+            </a:r>
+            <a:endParaRPr lang="pl-PL" b="1" dirty="0" smtClean="0"/>
+          </a:p>
+          <a:p>
+            <a:r>
               <a:rPr lang="pl-PL" b="1" dirty="0" err="1"/>
-              <a:t>node</a:t>
-            </a:r>
+              <a:t>kubectl</a:t>
+            </a:r>
+            <a:r>
+              <a:rPr lang="pl-PL" b="1" dirty="0"/>
+              <a:t> top </a:t>
+            </a:r>
+            <a:r>
+              <a:rPr lang="pl-PL" b="1" dirty="0" err="1"/>
+              <a:t>nodes</a:t>
+            </a:r>
+            <a:endParaRPr lang="pl-PL" b="1" dirty="0"/>
+          </a:p>
+          <a:p>
+            <a:r>
+              <a:rPr lang="pl-PL" b="1" dirty="0" err="1"/>
+              <a:t>kubectl</a:t>
+            </a:r>
+            <a:r>
+              <a:rPr lang="pl-PL" b="1" dirty="0"/>
+              <a:t> top </a:t>
+            </a:r>
+            <a:r>
+              <a:rPr lang="pl-PL" b="1" dirty="0" err="1"/>
+              <a:t>pods</a:t>
+            </a:r>
+            <a:r>
+              <a:rPr lang="pl-PL" b="1" dirty="0"/>
+              <a:t> --</a:t>
+            </a:r>
+            <a:r>
+              <a:rPr lang="pl-PL" b="1" dirty="0" err="1"/>
+              <a:t>all-namespaces</a:t>
+            </a:r>
+            <a:endParaRPr lang="pl-PL" b="1" dirty="0"/>
+          </a:p>
+          <a:p>
+            <a:pPr marL="0" indent="0">
+              <a:buNone/>
+            </a:pPr>
             <a:endParaRPr lang="pl-PL" dirty="0"/>
           </a:p>
         </p:txBody>
@@ -4716,7 +5177,7 @@
 </p:sld>
 </file>
 
-<file path=ppt/slides/slide15.xml><?xml version="1.0" encoding="utf-8"?>
+<file path=ppt/slides/slide16.xml><?xml version="1.0" encoding="utf-8"?>
 <p:sld xmlns:a="http://schemas.openxmlformats.org/drawingml/2006/main" xmlns:r="http://schemas.openxmlformats.org/officeDocument/2006/relationships" xmlns:p="http://schemas.openxmlformats.org/presentationml/2006/main">
   <p:cSld>
     <p:spTree>
@@ -5315,178 +5776,6 @@
 </p:sld>
 </file>
 
-<file path=ppt/slides/slide16.xml><?xml version="1.0" encoding="utf-8"?>
-<p:sld xmlns:a="http://schemas.openxmlformats.org/drawingml/2006/main" xmlns:r="http://schemas.openxmlformats.org/officeDocument/2006/relationships" xmlns:p="http://schemas.openxmlformats.org/presentationml/2006/main">
-  <p:cSld>
-    <p:spTree>
-      <p:nvGrpSpPr>
-        <p:cNvPr id="1" name=""/>
-        <p:cNvGrpSpPr/>
-        <p:nvPr/>
-      </p:nvGrpSpPr>
-      <p:grpSpPr>
-        <a:xfrm>
-          <a:off x="0" y="0"/>
-          <a:ext cx="0" cy="0"/>
-          <a:chOff x="0" y="0"/>
-          <a:chExt cx="0" cy="0"/>
-        </a:xfrm>
-      </p:grpSpPr>
-      <p:sp>
-        <p:nvSpPr>
-          <p:cNvPr id="2" name="Tytuł 1"/>
-          <p:cNvSpPr>
-            <a:spLocks noGrp="1"/>
-          </p:cNvSpPr>
-          <p:nvPr>
-            <p:ph type="title"/>
-          </p:nvPr>
-        </p:nvSpPr>
-        <p:spPr/>
-        <p:txBody>
-          <a:bodyPr/>
-          <a:lstStyle/>
-          <a:p>
-            <a:r>
-              <a:rPr lang="pl-PL" dirty="0" err="1" smtClean="0"/>
-              <a:t>Scheduler</a:t>
-            </a:r>
-            <a:endParaRPr lang="pl-PL" dirty="0"/>
-          </a:p>
-        </p:txBody>
-      </p:sp>
-      <p:sp>
-        <p:nvSpPr>
-          <p:cNvPr id="3" name="Symbol zastępczy zawartości 2"/>
-          <p:cNvSpPr>
-            <a:spLocks noGrp="1"/>
-          </p:cNvSpPr>
-          <p:nvPr>
-            <p:ph idx="1"/>
-          </p:nvPr>
-        </p:nvSpPr>
-        <p:spPr/>
-        <p:txBody>
-          <a:bodyPr/>
-          <a:lstStyle/>
-          <a:p>
-            <a:pPr marL="0" indent="0">
-              <a:buNone/>
-            </a:pPr>
-            <a:r>
-              <a:rPr lang="en-US" dirty="0" smtClean="0"/>
-              <a:t>Q</a:t>
-            </a:r>
-            <a:r>
-              <a:rPr lang="pl-PL" dirty="0" smtClean="0"/>
-              <a:t>o</a:t>
-            </a:r>
-            <a:r>
-              <a:rPr lang="en-US" dirty="0" smtClean="0"/>
-              <a:t>S</a:t>
-            </a:r>
-            <a:r>
-              <a:rPr lang="pl-PL" dirty="0" smtClean="0"/>
-              <a:t> (</a:t>
-            </a:r>
-            <a:r>
-              <a:rPr lang="pl-PL" dirty="0" err="1"/>
-              <a:t>Quality</a:t>
-            </a:r>
-            <a:r>
-              <a:rPr lang="pl-PL" dirty="0"/>
-              <a:t> of </a:t>
-            </a:r>
-            <a:r>
-              <a:rPr lang="pl-PL" dirty="0" smtClean="0"/>
-              <a:t>Service)</a:t>
-            </a:r>
-            <a:r>
-              <a:rPr lang="en-US" dirty="0" smtClean="0"/>
-              <a:t> Classes</a:t>
-            </a:r>
-            <a:endParaRPr lang="pl-PL" dirty="0" smtClean="0"/>
-          </a:p>
-          <a:p>
-            <a:pPr marL="0" indent="0">
-              <a:buNone/>
-            </a:pPr>
-            <a:endParaRPr lang="en-US" dirty="0"/>
-          </a:p>
-          <a:p>
-            <a:pPr marL="0" indent="0">
-              <a:buNone/>
-            </a:pPr>
-            <a:r>
-              <a:rPr lang="en-US" dirty="0"/>
-              <a:t>When Kubernetes creates a pod, it assigns one of these three </a:t>
-            </a:r>
-            <a:r>
-              <a:rPr lang="en-US" dirty="0" err="1"/>
-              <a:t>QoS</a:t>
-            </a:r>
-            <a:r>
-              <a:rPr lang="en-US" dirty="0"/>
-              <a:t> classes</a:t>
-            </a:r>
-            <a:r>
-              <a:rPr lang="en-US" dirty="0" smtClean="0"/>
-              <a:t>:</a:t>
-            </a:r>
-            <a:endParaRPr lang="pl-PL" dirty="0" smtClean="0"/>
-          </a:p>
-          <a:p>
-            <a:pPr marL="0" indent="0">
-              <a:buNone/>
-            </a:pPr>
-            <a:endParaRPr lang="en-US" dirty="0"/>
-          </a:p>
-          <a:p>
-            <a:pPr marL="0" indent="0" latinLnBrk="1">
-              <a:buNone/>
-            </a:pPr>
-            <a:r>
-              <a:rPr lang="en-US" dirty="0"/>
-              <a:t>Guaranteed</a:t>
-            </a:r>
-          </a:p>
-          <a:p>
-            <a:pPr marL="0" indent="0" latinLnBrk="1">
-              <a:buNone/>
-            </a:pPr>
-            <a:r>
-              <a:rPr lang="en-US" dirty="0"/>
-              <a:t>Burstable</a:t>
-            </a:r>
-          </a:p>
-          <a:p>
-            <a:pPr marL="0" indent="0" latinLnBrk="1">
-              <a:buNone/>
-            </a:pPr>
-            <a:r>
-              <a:rPr lang="en-US" dirty="0" err="1"/>
-              <a:t>BestEffort</a:t>
-            </a:r>
-            <a:endParaRPr lang="en-US" dirty="0"/>
-          </a:p>
-          <a:p>
-            <a:endParaRPr lang="pl-PL" dirty="0"/>
-          </a:p>
-        </p:txBody>
-      </p:sp>
-    </p:spTree>
-    <p:extLst>
-      <p:ext uri="{BB962C8B-B14F-4D97-AF65-F5344CB8AC3E}">
-        <p14:creationId xmlns:p14="http://schemas.microsoft.com/office/powerpoint/2010/main" val="2073386709"/>
-      </p:ext>
-    </p:extLst>
-  </p:cSld>
-  <p:clrMapOvr>
-    <a:masterClrMapping/>
-  </p:clrMapOvr>
-</p:sld>
-</file>
-
 <file path=ppt/slides/slide17.xml><?xml version="1.0" encoding="utf-8"?>
 <p:sld xmlns:a="http://schemas.openxmlformats.org/drawingml/2006/main" xmlns:r="http://schemas.openxmlformats.org/officeDocument/2006/relationships" xmlns:p="http://schemas.openxmlformats.org/presentationml/2006/main">
   <p:cSld>
@@ -5520,274 +5809,73 @@
           <a:lstStyle/>
           <a:p>
             <a:r>
-              <a:rPr lang="pl-PL" dirty="0" err="1" smtClean="0">
-                <a:effectLst>
-                  <a:outerShdw blurRad="38100" dist="38100" dir="2700000" algn="tl">
-                    <a:srgbClr val="000000">
-                      <a:alpha val="43137"/>
-                    </a:srgbClr>
-                  </a:outerShdw>
-                </a:effectLst>
-              </a:rPr>
-              <a:t>Guaranteed</a:t>
-            </a:r>
-            <a:r>
-              <a:rPr lang="pl-PL" dirty="0" smtClean="0">
-                <a:effectLst>
-                  <a:outerShdw blurRad="38100" dist="38100" dir="2700000" algn="tl">
-                    <a:srgbClr val="000000">
-                      <a:alpha val="43137"/>
-                    </a:srgbClr>
-                  </a:outerShdw>
-                </a:effectLst>
-              </a:rPr>
-              <a:t> </a:t>
-            </a:r>
-            <a:r>
-              <a:rPr lang="pl-PL" dirty="0" err="1" smtClean="0">
-                <a:effectLst>
-                  <a:outerShdw blurRad="38100" dist="38100" dir="2700000" algn="tl">
-                    <a:srgbClr val="000000">
-                      <a:alpha val="43137"/>
-                    </a:srgbClr>
-                  </a:outerShdw>
-                </a:effectLst>
-              </a:rPr>
-              <a:t>QoS</a:t>
-            </a:r>
-            <a:endParaRPr lang="pl-PL" dirty="0">
-              <a:effectLst>
-                <a:outerShdw blurRad="38100" dist="38100" dir="2700000" algn="tl">
-                  <a:srgbClr val="000000">
-                    <a:alpha val="43137"/>
-                  </a:srgbClr>
-                </a:outerShdw>
-              </a:effectLst>
-            </a:endParaRPr>
-          </a:p>
-        </p:txBody>
-      </p:sp>
-      <p:sp>
-        <p:nvSpPr>
-          <p:cNvPr id="3" name="Symbol zastępczy zawartości 2"/>
-          <p:cNvSpPr>
-            <a:spLocks noGrp="1"/>
-          </p:cNvSpPr>
+              <a:rPr lang="pl-PL" dirty="0" err="1" smtClean="0"/>
+              <a:t>Triage</a:t>
+            </a:r>
+            <a:endParaRPr lang="pl-PL" dirty="0"/>
+          </a:p>
+        </p:txBody>
+      </p:sp>
+      <p:pic>
+        <p:nvPicPr>
+          <p:cNvPr id="1026" name="Picture 2"/>
+          <p:cNvPicPr>
+            <a:picLocks noGrp="1" noChangeAspect="1" noChangeArrowheads="1"/>
+          </p:cNvPicPr>
           <p:nvPr>
             <p:ph idx="1"/>
           </p:nvPr>
-        </p:nvSpPr>
-        <p:spPr>
+        </p:nvPicPr>
+        <p:blipFill>
+          <a:blip r:embed="rId2">
+            <a:extLst>
+              <a:ext uri="{28A0092B-C50C-407E-A947-70E740481C1C}">
+                <a14:useLocalDpi xmlns:a14="http://schemas.microsoft.com/office/drawing/2010/main" val="0"/>
+              </a:ext>
+            </a:extLst>
+          </a:blip>
+          <a:srcRect/>
+          <a:stretch>
+            <a:fillRect/>
+          </a:stretch>
+        </p:blipFill>
+        <p:spPr bwMode="auto">
           <a:xfrm>
-            <a:off x="502920" y="530352"/>
-            <a:ext cx="8183880" cy="4050776"/>
-          </a:xfrm>
-        </p:spPr>
-        <p:txBody>
-          <a:bodyPr>
-            <a:normAutofit fontScale="55000" lnSpcReduction="20000"/>
-          </a:bodyPr>
-          <a:lstStyle/>
-          <a:p>
-            <a:endParaRPr lang="pl-PL" dirty="0" smtClean="0">
-              <a:hlinkClick r:id="rId2"/>
-            </a:endParaRPr>
-          </a:p>
-          <a:p>
-            <a:pPr marL="0" indent="0">
-              <a:buNone/>
-            </a:pPr>
-            <a:r>
-              <a:rPr lang="en-US" sz="3600" b="1" dirty="0"/>
-              <a:t>For a Pod to be given a </a:t>
-            </a:r>
-            <a:r>
-              <a:rPr lang="en-US" sz="3600" b="1" dirty="0" err="1"/>
-              <a:t>QoS</a:t>
-            </a:r>
-            <a:r>
-              <a:rPr lang="en-US" sz="3600" b="1" dirty="0"/>
-              <a:t> class of Guaranteed</a:t>
-            </a:r>
-            <a:r>
-              <a:rPr lang="en-US" sz="3600" b="1" dirty="0" smtClean="0"/>
-              <a:t>:</a:t>
-            </a:r>
-            <a:endParaRPr lang="pl-PL" sz="3600" b="1" dirty="0" smtClean="0"/>
-          </a:p>
-          <a:p>
-            <a:pPr marL="0" indent="0">
-              <a:buNone/>
-            </a:pPr>
-            <a:endParaRPr lang="en-US" dirty="0"/>
-          </a:p>
-          <a:p>
-            <a:pPr marL="0" indent="0">
-              <a:buNone/>
-            </a:pPr>
-            <a:r>
-              <a:rPr lang="en-US" dirty="0"/>
-              <a:t>Every Container in the Pod must have a memory limit and a memory request, and they must be the same</a:t>
-            </a:r>
-            <a:r>
-              <a:rPr lang="en-US" dirty="0" smtClean="0"/>
-              <a:t>.</a:t>
-            </a:r>
-            <a:endParaRPr lang="pl-PL" dirty="0" smtClean="0"/>
-          </a:p>
-          <a:p>
-            <a:pPr marL="0" indent="0">
-              <a:buNone/>
-            </a:pPr>
-            <a:endParaRPr lang="en-US" dirty="0"/>
-          </a:p>
-          <a:p>
-            <a:pPr marL="0" indent="0">
-              <a:buNone/>
-            </a:pPr>
-            <a:r>
-              <a:rPr lang="en-US" dirty="0"/>
-              <a:t>Every Container in the Pod must have a CPU limit and a CPU request, and they must be the same.</a:t>
-            </a:r>
-          </a:p>
-          <a:p>
-            <a:pPr marL="0" indent="0">
-              <a:buNone/>
-            </a:pPr>
-            <a:endParaRPr lang="pl-PL" dirty="0">
-              <a:hlinkClick r:id="rId2"/>
-            </a:endParaRPr>
-          </a:p>
-          <a:p>
-            <a:pPr marL="0" indent="0">
-              <a:buNone/>
-            </a:pPr>
-            <a:r>
-              <a:rPr lang="en-US" sz="3600" dirty="0"/>
-              <a:t>resources:</a:t>
-            </a:r>
-          </a:p>
-          <a:p>
-            <a:pPr marL="0" indent="0">
-              <a:buNone/>
-            </a:pPr>
-            <a:r>
-              <a:rPr lang="en-US" sz="3600" dirty="0"/>
-              <a:t>      limits:</a:t>
-            </a:r>
-          </a:p>
-          <a:p>
-            <a:pPr marL="0" indent="0">
-              <a:buNone/>
-            </a:pPr>
-            <a:r>
-              <a:rPr lang="en-US" sz="3600" dirty="0"/>
-              <a:t>        memory: "200Mi"</a:t>
-            </a:r>
-          </a:p>
-          <a:p>
-            <a:pPr marL="0" indent="0">
-              <a:buNone/>
-            </a:pPr>
-            <a:r>
-              <a:rPr lang="en-US" sz="3600" dirty="0"/>
-              <a:t>        </a:t>
-            </a:r>
-            <a:r>
-              <a:rPr lang="en-US" sz="3600" dirty="0" err="1"/>
-              <a:t>cpu</a:t>
-            </a:r>
-            <a:r>
-              <a:rPr lang="en-US" sz="3600" dirty="0"/>
-              <a:t>: "700m"</a:t>
-            </a:r>
-          </a:p>
-          <a:p>
-            <a:pPr marL="0" indent="0">
-              <a:buNone/>
-            </a:pPr>
-            <a:r>
-              <a:rPr lang="en-US" sz="3600" dirty="0"/>
-              <a:t>      requests:</a:t>
-            </a:r>
-          </a:p>
-          <a:p>
-            <a:pPr marL="0" indent="0">
-              <a:buNone/>
-            </a:pPr>
-            <a:r>
-              <a:rPr lang="en-US" sz="3600" dirty="0"/>
-              <a:t>        memory: "200Mi"</a:t>
-            </a:r>
-          </a:p>
-          <a:p>
-            <a:pPr marL="0" indent="0">
-              <a:buNone/>
-            </a:pPr>
-            <a:r>
-              <a:rPr lang="en-US" sz="3600" dirty="0"/>
-              <a:t>        </a:t>
-            </a:r>
-            <a:r>
-              <a:rPr lang="en-US" sz="3600" dirty="0" err="1"/>
-              <a:t>cpu</a:t>
-            </a:r>
-            <a:r>
-              <a:rPr lang="en-US" sz="3600" dirty="0"/>
-              <a:t>: "700m"	</a:t>
-            </a:r>
-            <a:endParaRPr lang="pl-PL" sz="3600" dirty="0" smtClean="0">
-              <a:hlinkClick r:id="rId2"/>
-            </a:endParaRPr>
-          </a:p>
-          <a:p>
-            <a:pPr marL="0" indent="0">
-              <a:buNone/>
-            </a:pPr>
-            <a:endParaRPr lang="pl-PL" dirty="0">
-              <a:hlinkClick r:id="rId2"/>
-            </a:endParaRPr>
-          </a:p>
-          <a:p>
-            <a:endParaRPr lang="pl-PL" dirty="0"/>
-          </a:p>
-        </p:txBody>
-      </p:sp>
-      <p:sp>
-        <p:nvSpPr>
-          <p:cNvPr id="5" name="Prostokąt 4"/>
-          <p:cNvSpPr/>
-          <p:nvPr/>
-        </p:nvSpPr>
-        <p:spPr>
-          <a:xfrm>
-            <a:off x="622992" y="4581128"/>
-            <a:ext cx="8064896" cy="923330"/>
+            <a:off x="1835696" y="620688"/>
+            <a:ext cx="4979913" cy="4979913"/>
           </a:xfrm>
           <a:prstGeom prst="rect">
             <a:avLst/>
           </a:prstGeom>
+          <a:noFill/>
+          <a:ln>
+            <a:noFill/>
+          </a:ln>
+          <a:extLst>
+            <a:ext uri="{909E8E84-426E-40DD-AFC4-6F175D3DCCD1}">
+              <a14:hiddenFill xmlns:a14="http://schemas.microsoft.com/office/drawing/2010/main">
+                <a:solidFill>
+                  <a:schemeClr val="accent1"/>
+                </a:solidFill>
+              </a14:hiddenFill>
+            </a:ext>
+            <a:ext uri="{91240B29-F687-4F45-9708-019B960494DF}">
+              <a14:hiddenLine xmlns:a14="http://schemas.microsoft.com/office/drawing/2010/main" w="9525">
+                <a:solidFill>
+                  <a:schemeClr val="tx1"/>
+                </a:solidFill>
+                <a:miter lim="800000"/>
+                <a:headEnd/>
+                <a:tailEnd/>
+              </a14:hiddenLine>
+            </a:ext>
+          </a:extLst>
         </p:spPr>
-        <p:txBody>
-          <a:bodyPr wrap="square">
-            <a:spAutoFit/>
-          </a:bodyPr>
-          <a:lstStyle/>
-          <a:p>
-            <a:r>
-              <a:rPr lang="pl-PL" dirty="0">
-                <a:hlinkClick r:id="rId2"/>
-              </a:rPr>
-              <a:t>https://kubernetes.io/docs/tasks/configure-pod-container/quality-service-pod/#create-a-pod-that-gets-assigned-a-qos-class-of-guaranteed</a:t>
-            </a:r>
-            <a:endParaRPr lang="pl-PL" dirty="0"/>
-          </a:p>
-        </p:txBody>
-      </p:sp>
+      </p:pic>
     </p:spTree>
     <p:extLst>
       <p:ext uri="{BB962C8B-B14F-4D97-AF65-F5344CB8AC3E}">
-        <p14:creationId xmlns:p14="http://schemas.microsoft.com/office/powerpoint/2010/main" val="2173025175"/>
+        <p14:creationId xmlns:p14="http://schemas.microsoft.com/office/powerpoint/2010/main" val="226352403"/>
       </p:ext>
     </p:extLst>
   </p:cSld>
@@ -5830,12 +5918,12 @@
           <a:lstStyle/>
           <a:p>
             <a:r>
-              <a:rPr lang="en-US" dirty="0" smtClean="0"/>
-              <a:t>Burstable</a:t>
+              <a:rPr lang="pl-PL" dirty="0" err="1" smtClean="0"/>
+              <a:t>Scheduler</a:t>
             </a:r>
             <a:r>
               <a:rPr lang="pl-PL" dirty="0" smtClean="0"/>
-              <a:t> </a:t>
+              <a:t> and </a:t>
             </a:r>
             <a:r>
               <a:rPr lang="pl-PL" dirty="0" err="1" smtClean="0"/>
@@ -5864,12 +5952,60 @@
               <a:buNone/>
             </a:pPr>
             <a:r>
-              <a:rPr lang="en-US" b="1" dirty="0"/>
-              <a:t>Burstable</a:t>
-            </a:r>
+              <a:rPr lang="en-US" dirty="0" smtClean="0"/>
+              <a:t>Q</a:t>
+            </a:r>
+            <a:r>
+              <a:rPr lang="pl-PL" dirty="0" smtClean="0"/>
+              <a:t>o</a:t>
+            </a:r>
+            <a:r>
+              <a:rPr lang="en-US" dirty="0" smtClean="0"/>
+              <a:t>S</a:t>
+            </a:r>
+            <a:r>
+              <a:rPr lang="pl-PL" dirty="0" smtClean="0"/>
+              <a:t> (</a:t>
+            </a:r>
+            <a:r>
+              <a:rPr lang="pl-PL" dirty="0" err="1"/>
+              <a:t>Quality</a:t>
+            </a:r>
+            <a:r>
+              <a:rPr lang="pl-PL" dirty="0"/>
+              <a:t> of </a:t>
+            </a:r>
+            <a:r>
+              <a:rPr lang="pl-PL" dirty="0" smtClean="0"/>
+              <a:t>Service)</a:t>
+            </a:r>
+            <a:r>
+              <a:rPr lang="en-US" dirty="0" smtClean="0"/>
+              <a:t> Classes</a:t>
+            </a:r>
+            <a:endParaRPr lang="pl-PL" dirty="0" smtClean="0"/>
+          </a:p>
+          <a:p>
+            <a:pPr marL="0" indent="0">
+              <a:buNone/>
+            </a:pPr>
+            <a:endParaRPr lang="en-US" dirty="0"/>
+          </a:p>
+          <a:p>
+            <a:pPr marL="0" indent="0">
+              <a:buNone/>
+            </a:pPr>
             <a:r>
               <a:rPr lang="en-US" dirty="0"/>
-              <a:t> class have two conditions</a:t>
+              <a:t>When Kubernetes creates a pod, it assigns one of these three </a:t>
+            </a:r>
+            <a:r>
+              <a:rPr lang="en-US" dirty="0" err="1"/>
+              <a:t>QoS</a:t>
+            </a:r>
+            <a:r>
+              <a:rPr lang="en-US" dirty="0"/>
+              <a:t> classes</a:t>
             </a:r>
             <a:r>
               <a:rPr lang="en-US" dirty="0" smtClean="0"/>
@@ -5888,16 +6024,12 @@
               <a:buNone/>
             </a:pPr>
             <a:r>
-              <a:rPr lang="en-US" dirty="0"/>
-              <a:t>They don’t meet the </a:t>
-            </a:r>
-            <a:r>
-              <a:rPr lang="en-US" dirty="0" err="1"/>
-              <a:t>QoS</a:t>
-            </a:r>
-            <a:r>
-              <a:rPr lang="en-US" dirty="0"/>
-              <a:t> guaranteed criteria.</a:t>
+              <a:rPr lang="en-US" dirty="0">
+                <a:solidFill>
+                  <a:srgbClr val="FF0000"/>
+                </a:solidFill>
+              </a:rPr>
+              <a:t>Guaranteed</a:t>
             </a:r>
           </a:p>
           <a:p>
@@ -5905,19 +6037,95 @@
               <a:buNone/>
             </a:pPr>
             <a:r>
-              <a:rPr lang="en-US" dirty="0"/>
-              <a:t>They have at least one memory or CPU request.</a:t>
-            </a:r>
+              <a:rPr lang="en-US" dirty="0">
+                <a:solidFill>
+                  <a:srgbClr val="FFC000"/>
+                </a:solidFill>
+              </a:rPr>
+              <a:t>Burstable</a:t>
+            </a:r>
+          </a:p>
+          <a:p>
+            <a:pPr marL="0" indent="0" latinLnBrk="1">
+              <a:buNone/>
+            </a:pPr>
+            <a:r>
+              <a:rPr lang="en-US" dirty="0" err="1">
+                <a:solidFill>
+                  <a:srgbClr val="00B050"/>
+                </a:solidFill>
+              </a:rPr>
+              <a:t>BestEffort</a:t>
+            </a:r>
+            <a:endParaRPr lang="en-US" dirty="0">
+              <a:solidFill>
+                <a:srgbClr val="00B050"/>
+              </a:solidFill>
+            </a:endParaRPr>
           </a:p>
           <a:p>
             <a:endParaRPr lang="pl-PL" dirty="0"/>
           </a:p>
         </p:txBody>
       </p:sp>
+      <p:pic>
+        <p:nvPicPr>
+          <p:cNvPr id="2050" name="Picture 2"/>
+          <p:cNvPicPr>
+            <a:picLocks noChangeAspect="1" noChangeArrowheads="1"/>
+          </p:cNvPicPr>
+          <p:nvPr/>
+        </p:nvPicPr>
+        <p:blipFill>
+          <a:blip r:embed="rId2">
+            <a:extLst>
+              <a:ext uri="{28A0092B-C50C-407E-A947-70E740481C1C}">
+                <a14:useLocalDpi xmlns:a14="http://schemas.microsoft.com/office/drawing/2010/main" val="0"/>
+              </a:ext>
+            </a:extLst>
+          </a:blip>
+          <a:srcRect/>
+          <a:stretch>
+            <a:fillRect/>
+          </a:stretch>
+        </p:blipFill>
+        <p:spPr bwMode="auto">
+          <a:xfrm>
+            <a:off x="3563888" y="4040321"/>
+            <a:ext cx="4486275" cy="1190625"/>
+          </a:xfrm>
+          <a:prstGeom prst="rect">
+            <a:avLst/>
+          </a:prstGeom>
+          <a:noFill/>
+          <a:ln>
+            <a:noFill/>
+          </a:ln>
+          <a:extLst>
+            <a:ext uri="{909E8E84-426E-40DD-AFC4-6F175D3DCCD1}">
+              <a14:hiddenFill xmlns:a14="http://schemas.microsoft.com/office/drawing/2010/main">
+                <a:solidFill>
+                  <a:schemeClr val="accent1"/>
+                </a:solidFill>
+              </a14:hiddenFill>
+            </a:ext>
+            <a:ext uri="{91240B29-F687-4F45-9708-019B960494DF}">
+              <a14:hiddenLine xmlns:a14="http://schemas.microsoft.com/office/drawing/2010/main" w="9525">
+                <a:solidFill>
+                  <a:schemeClr val="tx1"/>
+                </a:solidFill>
+                <a:miter lim="800000"/>
+                <a:headEnd/>
+                <a:tailEnd/>
+              </a14:hiddenLine>
+            </a:ext>
+          </a:extLst>
+        </p:spPr>
+      </p:pic>
     </p:spTree>
     <p:extLst>
       <p:ext uri="{BB962C8B-B14F-4D97-AF65-F5344CB8AC3E}">
-        <p14:creationId xmlns:p14="http://schemas.microsoft.com/office/powerpoint/2010/main" val="2717299787"/>
+        <p14:creationId xmlns:p14="http://schemas.microsoft.com/office/powerpoint/2010/main" val="2073386709"/>
       </p:ext>
     </p:extLst>
   </p:cSld>
@@ -5960,89 +6168,108 @@
           <a:lstStyle/>
           <a:p>
             <a:r>
-              <a:rPr lang="en-US" dirty="0" err="1" smtClean="0"/>
-              <a:t>BestEffort</a:t>
+              <a:rPr lang="pl-PL" dirty="0" err="1" smtClean="0"/>
+              <a:t>Quality</a:t>
             </a:r>
             <a:r>
               <a:rPr lang="pl-PL" dirty="0" smtClean="0"/>
-              <a:t> </a:t>
+              <a:t> of Service (</a:t>
             </a:r>
             <a:r>
               <a:rPr lang="pl-PL" dirty="0" err="1" smtClean="0"/>
               <a:t>QoS</a:t>
             </a:r>
+            <a:r>
+              <a:rPr lang="pl-PL" dirty="0" smtClean="0"/>
+              <a:t>)</a:t>
+            </a:r>
             <a:endParaRPr lang="pl-PL" dirty="0"/>
           </a:p>
         </p:txBody>
       </p:sp>
-      <p:sp>
-        <p:nvSpPr>
-          <p:cNvPr id="3" name="Symbol zastępczy zawartości 2"/>
-          <p:cNvSpPr>
-            <a:spLocks noGrp="1"/>
-          </p:cNvSpPr>
+      <p:pic>
+        <p:nvPicPr>
+          <p:cNvPr id="4098" name="Picture 2"/>
+          <p:cNvPicPr>
+            <a:picLocks noGrp="1" noChangeAspect="1" noChangeArrowheads="1"/>
+          </p:cNvPicPr>
           <p:nvPr>
             <p:ph idx="1"/>
           </p:nvPr>
-        </p:nvSpPr>
-        <p:spPr/>
-        <p:txBody>
-          <a:bodyPr/>
+        </p:nvPicPr>
+        <p:blipFill>
+          <a:blip r:embed="rId2">
+            <a:extLst>
+              <a:ext uri="{28A0092B-C50C-407E-A947-70E740481C1C}">
+                <a14:useLocalDpi xmlns:a14="http://schemas.microsoft.com/office/drawing/2010/main" val="0"/>
+              </a:ext>
+            </a:extLst>
+          </a:blip>
+          <a:srcRect/>
+          <a:stretch>
+            <a:fillRect/>
+          </a:stretch>
+        </p:blipFill>
+        <p:spPr bwMode="auto">
+          <a:xfrm>
+            <a:off x="971600" y="1124744"/>
+            <a:ext cx="7086600" cy="2964180"/>
+          </a:xfrm>
+          <a:prstGeom prst="rect">
+            <a:avLst/>
+          </a:prstGeom>
+          <a:noFill/>
+          <a:ln>
+            <a:noFill/>
+          </a:ln>
+          <a:extLst>
+            <a:ext uri="{909E8E84-426E-40DD-AFC4-6F175D3DCCD1}">
+              <a14:hiddenFill xmlns:a14="http://schemas.microsoft.com/office/drawing/2010/main">
+                <a:solidFill>
+                  <a:schemeClr val="accent1"/>
+                </a:solidFill>
+              </a14:hiddenFill>
+            </a:ext>
+            <a:ext uri="{91240B29-F687-4F45-9708-019B960494DF}">
+              <a14:hiddenLine xmlns:a14="http://schemas.microsoft.com/office/drawing/2010/main" w="9525">
+                <a:solidFill>
+                  <a:schemeClr val="tx1"/>
+                </a:solidFill>
+                <a:miter lim="800000"/>
+                <a:headEnd/>
+                <a:tailEnd/>
+              </a14:hiddenLine>
+            </a:ext>
+          </a:extLst>
+        </p:spPr>
+      </p:pic>
+      <p:sp>
+        <p:nvSpPr>
+          <p:cNvPr id="4" name="Prostokąt 3"/>
+          <p:cNvSpPr/>
+          <p:nvPr/>
+        </p:nvSpPr>
+        <p:spPr>
+          <a:xfrm>
+            <a:off x="899592" y="4293096"/>
+            <a:ext cx="7272808" cy="646331"/>
+          </a:xfrm>
+          <a:prstGeom prst="rect">
+            <a:avLst/>
+          </a:prstGeom>
+        </p:spPr>
+        <p:txBody>
+          <a:bodyPr wrap="square">
+            <a:spAutoFit/>
+          </a:bodyPr>
           <a:lstStyle/>
           <a:p>
-            <a:pPr marL="0" indent="0">
-              <a:buNone/>
-            </a:pPr>
-            <a:r>
-              <a:rPr lang="en-US" b="1" dirty="0" err="1"/>
-              <a:t>BestEffort</a:t>
-            </a:r>
-            <a:r>
-              <a:rPr lang="en-US" dirty="0"/>
-              <a:t> is a container with no memory or CPU limits or requests. If you’ve never defined any resources before reading </a:t>
-            </a:r>
-            <a:r>
-              <a:rPr lang="en-US" dirty="0" smtClean="0"/>
-              <a:t>this, </a:t>
-            </a:r>
-            <a:r>
-              <a:rPr lang="en-US" dirty="0"/>
-              <a:t>your pod is by default running in </a:t>
-            </a:r>
-            <a:r>
-              <a:rPr lang="en-US" dirty="0" err="1"/>
-              <a:t>BestEffort</a:t>
-            </a:r>
-            <a:r>
-              <a:rPr lang="en-US" dirty="0" smtClean="0"/>
-              <a:t>.</a:t>
-            </a:r>
-            <a:endParaRPr lang="pl-PL" dirty="0" smtClean="0"/>
-          </a:p>
-          <a:p>
-            <a:pPr marL="0" indent="0">
-              <a:buNone/>
-            </a:pPr>
-            <a:endParaRPr lang="en-US" dirty="0"/>
-          </a:p>
-          <a:p>
-            <a:pPr marL="0" indent="0">
-              <a:buNone/>
-            </a:pPr>
-            <a:r>
-              <a:rPr lang="en-US" dirty="0"/>
-              <a:t>Simply, </a:t>
-            </a:r>
-            <a:r>
-              <a:rPr lang="en-US" dirty="0" err="1"/>
-              <a:t>BestEffort</a:t>
-            </a:r>
-            <a:r>
-              <a:rPr lang="en-US" dirty="0"/>
-              <a:t> is when you don’t set anything at all.</a:t>
-            </a:r>
-          </a:p>
-          <a:p>
+            <a:r>
+              <a:rPr lang="pl-PL" dirty="0">
+                <a:hlinkClick r:id="rId3"/>
+              </a:rPr>
+              <a:t>https://www.weave.works/blog/kubernetes-pod-resource-limitations-and-quality-of-service</a:t>
+            </a:r>
             <a:endParaRPr lang="pl-PL" dirty="0"/>
           </a:p>
         </p:txBody>
@@ -6050,7 +6277,7 @@
     </p:spTree>
     <p:extLst>
       <p:ext uri="{BB962C8B-B14F-4D97-AF65-F5344CB8AC3E}">
-        <p14:creationId xmlns:p14="http://schemas.microsoft.com/office/powerpoint/2010/main" val="1689245596"/>
+        <p14:creationId xmlns:p14="http://schemas.microsoft.com/office/powerpoint/2010/main" val="1978285830"/>
       </p:ext>
     </p:extLst>
   </p:cSld>
@@ -6117,13 +6344,20 @@
         <p:spPr/>
         <p:txBody>
           <a:bodyPr>
-            <a:normAutofit fontScale="77500" lnSpcReduction="20000"/>
+            <a:normAutofit fontScale="85000" lnSpcReduction="10000"/>
           </a:bodyPr>
           <a:lstStyle/>
           <a:p>
+            <a:pPr marL="0" indent="0">
+              <a:buNone/>
+            </a:pPr>
+            <a:r>
+              <a:rPr lang="en-US" dirty="0" smtClean="0"/>
+              <a:t>Long-time </a:t>
+            </a:r>
             <a:r>
               <a:rPr lang="en-US" dirty="0"/>
-              <a:t>Long-time corporate employee. Currently, he works in the telecommunications sector. Physicist by profession, education completed with a doctorate from the University of </a:t>
+              <a:t>corporate employee. Currently, he works in the telecommunications sector. Physicist by profession, education completed with a doctorate from the University of </a:t>
             </a:r>
             <a:r>
               <a:rPr lang="en-US" dirty="0" err="1"/>
@@ -6198,98 +6432,278 @@
         </p:nvSpPr>
         <p:spPr/>
         <p:txBody>
+          <a:bodyPr/>
+          <a:lstStyle/>
+          <a:p>
+            <a:r>
+              <a:rPr lang="pl-PL" dirty="0" err="1" smtClean="0">
+                <a:effectLst>
+                  <a:outerShdw blurRad="38100" dist="38100" dir="2700000" algn="tl">
+                    <a:srgbClr val="000000">
+                      <a:alpha val="43137"/>
+                    </a:srgbClr>
+                  </a:outerShdw>
+                </a:effectLst>
+              </a:rPr>
+              <a:t>Guaranteed</a:t>
+            </a:r>
+            <a:r>
+              <a:rPr lang="pl-PL" dirty="0" smtClean="0">
+                <a:effectLst>
+                  <a:outerShdw blurRad="38100" dist="38100" dir="2700000" algn="tl">
+                    <a:srgbClr val="000000">
+                      <a:alpha val="43137"/>
+                    </a:srgbClr>
+                  </a:outerShdw>
+                </a:effectLst>
+              </a:rPr>
+              <a:t> </a:t>
+            </a:r>
+            <a:r>
+              <a:rPr lang="pl-PL" dirty="0" err="1" smtClean="0">
+                <a:effectLst>
+                  <a:outerShdw blurRad="38100" dist="38100" dir="2700000" algn="tl">
+                    <a:srgbClr val="000000">
+                      <a:alpha val="43137"/>
+                    </a:srgbClr>
+                  </a:outerShdw>
+                </a:effectLst>
+              </a:rPr>
+              <a:t>QoS</a:t>
+            </a:r>
+            <a:endParaRPr lang="pl-PL" dirty="0">
+              <a:effectLst>
+                <a:outerShdw blurRad="38100" dist="38100" dir="2700000" algn="tl">
+                  <a:srgbClr val="000000">
+                    <a:alpha val="43137"/>
+                  </a:srgbClr>
+                </a:outerShdw>
+              </a:effectLst>
+            </a:endParaRPr>
+          </a:p>
+        </p:txBody>
+      </p:sp>
+      <p:sp>
+        <p:nvSpPr>
+          <p:cNvPr id="3" name="Symbol zastępczy zawartości 2"/>
+          <p:cNvSpPr>
+            <a:spLocks noGrp="1"/>
+          </p:cNvSpPr>
+          <p:nvPr>
+            <p:ph idx="1"/>
+          </p:nvPr>
+        </p:nvSpPr>
+        <p:spPr>
+          <a:xfrm>
+            <a:off x="502920" y="530352"/>
+            <a:ext cx="8183880" cy="4050776"/>
+          </a:xfrm>
+        </p:spPr>
+        <p:txBody>
           <a:bodyPr>
-            <a:normAutofit fontScale="90000"/>
+            <a:normAutofit fontScale="55000" lnSpcReduction="20000"/>
           </a:bodyPr>
           <a:lstStyle/>
           <a:p>
+            <a:endParaRPr lang="pl-PL" dirty="0" smtClean="0">
+              <a:hlinkClick r:id="rId2"/>
+            </a:endParaRPr>
+          </a:p>
+          <a:p>
+            <a:pPr marL="0" indent="0">
+              <a:buNone/>
+            </a:pPr>
+            <a:r>
+              <a:rPr lang="en-US" sz="3600" b="1" dirty="0"/>
+              <a:t>For a Pod to be given a </a:t>
+            </a:r>
+            <a:r>
+              <a:rPr lang="en-US" sz="3600" b="1" dirty="0" err="1"/>
+              <a:t>QoS</a:t>
+            </a:r>
+            <a:r>
+              <a:rPr lang="en-US" sz="3600" b="1" dirty="0"/>
+              <a:t> class of Guaranteed</a:t>
+            </a:r>
+            <a:r>
+              <a:rPr lang="en-US" sz="3600" b="1" dirty="0" smtClean="0"/>
+              <a:t>:</a:t>
+            </a:r>
+            <a:endParaRPr lang="pl-PL" sz="3600" b="1" dirty="0" smtClean="0"/>
+          </a:p>
+          <a:p>
+            <a:pPr marL="0" indent="0">
+              <a:buNone/>
+            </a:pPr>
+            <a:endParaRPr lang="en-US" dirty="0"/>
+          </a:p>
+          <a:p>
+            <a:pPr marL="0" indent="0">
+              <a:buNone/>
+            </a:pPr>
             <a:r>
               <a:rPr lang="en-US" dirty="0"/>
-              <a:t>Quality of Service Best </a:t>
+              <a:t>Every Container in the Pod must have a memory limit and a memory request, and they must be the same</a:t>
             </a:r>
             <a:r>
               <a:rPr lang="en-US" dirty="0" smtClean="0"/>
-              <a:t>Practices</a:t>
-            </a:r>
+              <a:t>.</a:t>
+            </a:r>
+            <a:endParaRPr lang="pl-PL" dirty="0" smtClean="0"/>
+          </a:p>
+          <a:p>
+            <a:pPr marL="0" indent="0">
+              <a:buNone/>
+            </a:pPr>
+            <a:endParaRPr lang="en-US" dirty="0"/>
+          </a:p>
+          <a:p>
+            <a:pPr marL="0" indent="0">
+              <a:buNone/>
+            </a:pPr>
+            <a:r>
+              <a:rPr lang="en-US" dirty="0"/>
+              <a:t>Every Container in the Pod must have a CPU limit and a CPU request, and they must be the same.</a:t>
+            </a:r>
+          </a:p>
+          <a:p>
+            <a:pPr marL="0" indent="0">
+              <a:buNone/>
+            </a:pPr>
+            <a:endParaRPr lang="pl-PL" dirty="0">
+              <a:hlinkClick r:id="rId2"/>
+            </a:endParaRPr>
+          </a:p>
+          <a:p>
+            <a:pPr marL="0" indent="0">
+              <a:buNone/>
+            </a:pPr>
+            <a:r>
+              <a:rPr lang="en-US" sz="3600" dirty="0"/>
+              <a:t>resources:</a:t>
+            </a:r>
+          </a:p>
+          <a:p>
+            <a:pPr marL="0" indent="0">
+              <a:buNone/>
+            </a:pPr>
+            <a:r>
+              <a:rPr lang="en-US" sz="3600" dirty="0"/>
+              <a:t>      limits:</a:t>
+            </a:r>
+          </a:p>
+          <a:p>
+            <a:pPr marL="0" indent="0">
+              <a:buNone/>
+            </a:pPr>
+            <a:r>
+              <a:rPr lang="en-US" sz="3600" dirty="0"/>
+              <a:t>        memory: "200Mi"</a:t>
+            </a:r>
+          </a:p>
+          <a:p>
+            <a:pPr marL="0" indent="0">
+              <a:buNone/>
+            </a:pPr>
+            <a:r>
+              <a:rPr lang="en-US" sz="3600" dirty="0"/>
+              <a:t>        </a:t>
+            </a:r>
+            <a:r>
+              <a:rPr lang="en-US" sz="3600" dirty="0" err="1"/>
+              <a:t>cpu</a:t>
+            </a:r>
+            <a:r>
+              <a:rPr lang="en-US" sz="3600" dirty="0"/>
+              <a:t>: "700m"</a:t>
+            </a:r>
+          </a:p>
+          <a:p>
+            <a:pPr marL="0" indent="0">
+              <a:buNone/>
+            </a:pPr>
+            <a:r>
+              <a:rPr lang="en-US" sz="3600" dirty="0"/>
+              <a:t>      requests:</a:t>
+            </a:r>
+          </a:p>
+          <a:p>
+            <a:pPr marL="0" indent="0">
+              <a:buNone/>
+            </a:pPr>
+            <a:r>
+              <a:rPr lang="en-US" sz="3600" dirty="0"/>
+              <a:t>        memory: "200Mi"</a:t>
+            </a:r>
+          </a:p>
+          <a:p>
+            <a:pPr marL="0" indent="0">
+              <a:buNone/>
+            </a:pPr>
+            <a:r>
+              <a:rPr lang="en-US" sz="3600" dirty="0"/>
+              <a:t>        </a:t>
+            </a:r>
+            <a:r>
+              <a:rPr lang="en-US" sz="3600" dirty="0" err="1"/>
+              <a:t>cpu</a:t>
+            </a:r>
+            <a:r>
+              <a:rPr lang="en-US" sz="3600" dirty="0"/>
+              <a:t>: "700m"	</a:t>
+            </a:r>
+            <a:endParaRPr lang="pl-PL" sz="3600" dirty="0" smtClean="0">
+              <a:hlinkClick r:id="rId2"/>
+            </a:endParaRPr>
+          </a:p>
+          <a:p>
+            <a:pPr marL="0" indent="0">
+              <a:buNone/>
+            </a:pPr>
+            <a:endParaRPr lang="pl-PL" dirty="0">
+              <a:hlinkClick r:id="rId2"/>
+            </a:endParaRPr>
+          </a:p>
+          <a:p>
             <a:endParaRPr lang="pl-PL" dirty="0"/>
           </a:p>
         </p:txBody>
       </p:sp>
       <p:sp>
         <p:nvSpPr>
-          <p:cNvPr id="3" name="Symbol zastępczy zawartości 2"/>
-          <p:cNvSpPr>
-            <a:spLocks noGrp="1"/>
-          </p:cNvSpPr>
-          <p:nvPr>
-            <p:ph idx="1"/>
-          </p:nvPr>
-        </p:nvSpPr>
-        <p:spPr/>
-        <p:txBody>
-          <a:bodyPr/>
+          <p:cNvPr id="5" name="Prostokąt 4"/>
+          <p:cNvSpPr/>
+          <p:nvPr/>
+        </p:nvSpPr>
+        <p:spPr>
+          <a:xfrm>
+            <a:off x="622992" y="4581128"/>
+            <a:ext cx="8064896" cy="923330"/>
+          </a:xfrm>
+          <a:prstGeom prst="rect">
+            <a:avLst/>
+          </a:prstGeom>
+        </p:spPr>
+        <p:txBody>
+          <a:bodyPr wrap="square">
+            <a:spAutoFit/>
+          </a:bodyPr>
           <a:lstStyle/>
           <a:p>
             <a:r>
-              <a:rPr lang="en-US" dirty="0" smtClean="0"/>
-              <a:t>For </a:t>
-            </a:r>
-            <a:r>
-              <a:rPr lang="en-US" dirty="0"/>
-              <a:t>production workloads, </a:t>
-            </a:r>
-            <a:r>
-              <a:rPr lang="en-US" dirty="0" err="1"/>
-              <a:t>BestEffort</a:t>
-            </a:r>
-            <a:r>
-              <a:rPr lang="en-US" dirty="0"/>
-              <a:t> is not recommended. </a:t>
-            </a:r>
-            <a:r>
-              <a:rPr lang="en-US" dirty="0">
-                <a:solidFill>
-                  <a:srgbClr val="FF0000"/>
-                </a:solidFill>
-              </a:rPr>
-              <a:t>Keep in mind, these containers will be killed first</a:t>
-            </a:r>
-            <a:r>
-              <a:rPr lang="en-US" dirty="0"/>
-              <a:t>. Burstable is suitable for most generic workloads. For sensitive applications that may have spikes or anything that runs in a </a:t>
-            </a:r>
-            <a:r>
-              <a:rPr lang="en-US" dirty="0" err="1"/>
-              <a:t>stateful</a:t>
-            </a:r>
-            <a:r>
-              <a:rPr lang="en-US" dirty="0"/>
-              <a:t> set like databases, it is recommended to apply a </a:t>
-            </a:r>
-            <a:r>
-              <a:rPr lang="en-US" dirty="0" err="1"/>
-              <a:t>QoS</a:t>
-            </a:r>
-            <a:r>
-              <a:rPr lang="en-US" dirty="0"/>
-              <a:t> guaranteed </a:t>
-            </a:r>
-            <a:r>
-              <a:rPr lang="en-US" dirty="0" smtClean="0"/>
-              <a:t>class</a:t>
-            </a:r>
-            <a:r>
-              <a:rPr lang="pl-PL" dirty="0"/>
-              <a:t>.</a:t>
-            </a:r>
-            <a:endParaRPr lang="en-US" dirty="0"/>
+              <a:rPr lang="pl-PL" dirty="0">
+                <a:hlinkClick r:id="rId2"/>
+              </a:rPr>
+              <a:t>https://kubernetes.io/docs/tasks/configure-pod-container/quality-service-pod/#create-a-pod-that-gets-assigned-a-qos-class-of-guaranteed</a:t>
+            </a:r>
+            <a:endParaRPr lang="pl-PL" dirty="0"/>
           </a:p>
         </p:txBody>
       </p:sp>
     </p:spTree>
     <p:extLst>
       <p:ext uri="{BB962C8B-B14F-4D97-AF65-F5344CB8AC3E}">
-        <p14:creationId xmlns:p14="http://schemas.microsoft.com/office/powerpoint/2010/main" val="708209892"/>
+        <p14:creationId xmlns:p14="http://schemas.microsoft.com/office/powerpoint/2010/main" val="2173025175"/>
       </p:ext>
     </p:extLst>
   </p:cSld>
@@ -6332,6 +6746,399 @@
           <a:lstStyle/>
           <a:p>
             <a:r>
+              <a:rPr lang="en-US" dirty="0" smtClean="0"/>
+              <a:t>Burstable</a:t>
+            </a:r>
+            <a:r>
+              <a:rPr lang="pl-PL" dirty="0" smtClean="0"/>
+              <a:t> </a:t>
+            </a:r>
+            <a:r>
+              <a:rPr lang="pl-PL" dirty="0" err="1" smtClean="0"/>
+              <a:t>QoS</a:t>
+            </a:r>
+            <a:endParaRPr lang="pl-PL" dirty="0"/>
+          </a:p>
+        </p:txBody>
+      </p:sp>
+      <p:sp>
+        <p:nvSpPr>
+          <p:cNvPr id="3" name="Symbol zastępczy zawartości 2"/>
+          <p:cNvSpPr>
+            <a:spLocks noGrp="1"/>
+          </p:cNvSpPr>
+          <p:nvPr>
+            <p:ph idx="1"/>
+          </p:nvPr>
+        </p:nvSpPr>
+        <p:spPr/>
+        <p:txBody>
+          <a:bodyPr/>
+          <a:lstStyle/>
+          <a:p>
+            <a:pPr marL="0" indent="0">
+              <a:buNone/>
+            </a:pPr>
+            <a:r>
+              <a:rPr lang="en-US" b="1" dirty="0"/>
+              <a:t>Burstable</a:t>
+            </a:r>
+            <a:r>
+              <a:rPr lang="en-US" dirty="0"/>
+              <a:t> class have two conditions</a:t>
+            </a:r>
+            <a:r>
+              <a:rPr lang="en-US" dirty="0" smtClean="0"/>
+              <a:t>:</a:t>
+            </a:r>
+            <a:endParaRPr lang="pl-PL" dirty="0" smtClean="0"/>
+          </a:p>
+          <a:p>
+            <a:pPr marL="0" indent="0">
+              <a:buNone/>
+            </a:pPr>
+            <a:endParaRPr lang="en-US" dirty="0"/>
+          </a:p>
+          <a:p>
+            <a:pPr marL="0" indent="0" latinLnBrk="1">
+              <a:buNone/>
+            </a:pPr>
+            <a:r>
+              <a:rPr lang="en-US" dirty="0"/>
+              <a:t>They don’t meet the </a:t>
+            </a:r>
+            <a:r>
+              <a:rPr lang="en-US" dirty="0" err="1"/>
+              <a:t>QoS</a:t>
+            </a:r>
+            <a:r>
+              <a:rPr lang="en-US" dirty="0"/>
+              <a:t> guaranteed criteria.</a:t>
+            </a:r>
+          </a:p>
+          <a:p>
+            <a:pPr marL="0" indent="0" latinLnBrk="1">
+              <a:buNone/>
+            </a:pPr>
+            <a:r>
+              <a:rPr lang="en-US" dirty="0"/>
+              <a:t>They have at least one memory or CPU request.</a:t>
+            </a:r>
+          </a:p>
+          <a:p>
+            <a:endParaRPr lang="pl-PL" dirty="0"/>
+          </a:p>
+        </p:txBody>
+      </p:sp>
+    </p:spTree>
+    <p:extLst>
+      <p:ext uri="{BB962C8B-B14F-4D97-AF65-F5344CB8AC3E}">
+        <p14:creationId xmlns:p14="http://schemas.microsoft.com/office/powerpoint/2010/main" val="2717299787"/>
+      </p:ext>
+    </p:extLst>
+  </p:cSld>
+  <p:clrMapOvr>
+    <a:masterClrMapping/>
+  </p:clrMapOvr>
+</p:sld>
+</file>
+
+<file path=ppt/slides/slide22.xml><?xml version="1.0" encoding="utf-8"?>
+<p:sld xmlns:a="http://schemas.openxmlformats.org/drawingml/2006/main" xmlns:r="http://schemas.openxmlformats.org/officeDocument/2006/relationships" xmlns:p="http://schemas.openxmlformats.org/presentationml/2006/main">
+  <p:cSld>
+    <p:spTree>
+      <p:nvGrpSpPr>
+        <p:cNvPr id="1" name=""/>
+        <p:cNvGrpSpPr/>
+        <p:nvPr/>
+      </p:nvGrpSpPr>
+      <p:grpSpPr>
+        <a:xfrm>
+          <a:off x="0" y="0"/>
+          <a:ext cx="0" cy="0"/>
+          <a:chOff x="0" y="0"/>
+          <a:chExt cx="0" cy="0"/>
+        </a:xfrm>
+      </p:grpSpPr>
+      <p:sp>
+        <p:nvSpPr>
+          <p:cNvPr id="2" name="Tytuł 1"/>
+          <p:cNvSpPr>
+            <a:spLocks noGrp="1"/>
+          </p:cNvSpPr>
+          <p:nvPr>
+            <p:ph type="title"/>
+          </p:nvPr>
+        </p:nvSpPr>
+        <p:spPr/>
+        <p:txBody>
+          <a:bodyPr/>
+          <a:lstStyle/>
+          <a:p>
+            <a:r>
+              <a:rPr lang="en-US" dirty="0" err="1" smtClean="0"/>
+              <a:t>BestEffort</a:t>
+            </a:r>
+            <a:r>
+              <a:rPr lang="pl-PL" dirty="0" smtClean="0"/>
+              <a:t> </a:t>
+            </a:r>
+            <a:r>
+              <a:rPr lang="pl-PL" dirty="0" err="1" smtClean="0"/>
+              <a:t>QoS</a:t>
+            </a:r>
+            <a:endParaRPr lang="pl-PL" dirty="0"/>
+          </a:p>
+        </p:txBody>
+      </p:sp>
+      <p:sp>
+        <p:nvSpPr>
+          <p:cNvPr id="3" name="Symbol zastępczy zawartości 2"/>
+          <p:cNvSpPr>
+            <a:spLocks noGrp="1"/>
+          </p:cNvSpPr>
+          <p:nvPr>
+            <p:ph idx="1"/>
+          </p:nvPr>
+        </p:nvSpPr>
+        <p:spPr/>
+        <p:txBody>
+          <a:bodyPr/>
+          <a:lstStyle/>
+          <a:p>
+            <a:pPr marL="0" indent="0">
+              <a:buNone/>
+            </a:pPr>
+            <a:r>
+              <a:rPr lang="en-US" b="1" dirty="0" err="1"/>
+              <a:t>BestEffort</a:t>
+            </a:r>
+            <a:r>
+              <a:rPr lang="en-US" dirty="0"/>
+              <a:t> is a container with no memory or CPU limits or requests. If you’ve never defined any resources before reading </a:t>
+            </a:r>
+            <a:r>
+              <a:rPr lang="en-US" dirty="0" smtClean="0"/>
+              <a:t>this, </a:t>
+            </a:r>
+            <a:r>
+              <a:rPr lang="en-US" dirty="0"/>
+              <a:t>your pod is by default running in </a:t>
+            </a:r>
+            <a:r>
+              <a:rPr lang="en-US" dirty="0" err="1"/>
+              <a:t>BestEffort</a:t>
+            </a:r>
+            <a:r>
+              <a:rPr lang="en-US" dirty="0" smtClean="0"/>
+              <a:t>.</a:t>
+            </a:r>
+            <a:endParaRPr lang="pl-PL" dirty="0" smtClean="0"/>
+          </a:p>
+          <a:p>
+            <a:pPr marL="0" indent="0">
+              <a:buNone/>
+            </a:pPr>
+            <a:endParaRPr lang="en-US" dirty="0"/>
+          </a:p>
+          <a:p>
+            <a:pPr marL="0" indent="0">
+              <a:buNone/>
+            </a:pPr>
+            <a:r>
+              <a:rPr lang="en-US" dirty="0"/>
+              <a:t>Simply, </a:t>
+            </a:r>
+            <a:r>
+              <a:rPr lang="en-US" dirty="0" err="1"/>
+              <a:t>BestEffort</a:t>
+            </a:r>
+            <a:r>
+              <a:rPr lang="en-US" dirty="0"/>
+              <a:t> is when you don’t set anything at all.</a:t>
+            </a:r>
+          </a:p>
+          <a:p>
+            <a:endParaRPr lang="pl-PL" dirty="0"/>
+          </a:p>
+        </p:txBody>
+      </p:sp>
+    </p:spTree>
+    <p:extLst>
+      <p:ext uri="{BB962C8B-B14F-4D97-AF65-F5344CB8AC3E}">
+        <p14:creationId xmlns:p14="http://schemas.microsoft.com/office/powerpoint/2010/main" val="1689245596"/>
+      </p:ext>
+    </p:extLst>
+  </p:cSld>
+  <p:clrMapOvr>
+    <a:masterClrMapping/>
+  </p:clrMapOvr>
+</p:sld>
+</file>
+
+<file path=ppt/slides/slide23.xml><?xml version="1.0" encoding="utf-8"?>
+<p:sld xmlns:a="http://schemas.openxmlformats.org/drawingml/2006/main" xmlns:r="http://schemas.openxmlformats.org/officeDocument/2006/relationships" xmlns:p="http://schemas.openxmlformats.org/presentationml/2006/main">
+  <p:cSld>
+    <p:spTree>
+      <p:nvGrpSpPr>
+        <p:cNvPr id="1" name=""/>
+        <p:cNvGrpSpPr/>
+        <p:nvPr/>
+      </p:nvGrpSpPr>
+      <p:grpSpPr>
+        <a:xfrm>
+          <a:off x="0" y="0"/>
+          <a:ext cx="0" cy="0"/>
+          <a:chOff x="0" y="0"/>
+          <a:chExt cx="0" cy="0"/>
+        </a:xfrm>
+      </p:grpSpPr>
+      <p:sp>
+        <p:nvSpPr>
+          <p:cNvPr id="2" name="Tytuł 1"/>
+          <p:cNvSpPr>
+            <a:spLocks noGrp="1"/>
+          </p:cNvSpPr>
+          <p:nvPr>
+            <p:ph type="title"/>
+          </p:nvPr>
+        </p:nvSpPr>
+        <p:spPr/>
+        <p:txBody>
+          <a:bodyPr>
+            <a:normAutofit fontScale="90000"/>
+          </a:bodyPr>
+          <a:lstStyle/>
+          <a:p>
+            <a:r>
+              <a:rPr lang="en-US" dirty="0"/>
+              <a:t>Quality of Service Best </a:t>
+            </a:r>
+            <a:r>
+              <a:rPr lang="en-US" dirty="0" smtClean="0"/>
+              <a:t>Practices</a:t>
+            </a:r>
+            <a:endParaRPr lang="pl-PL" dirty="0"/>
+          </a:p>
+        </p:txBody>
+      </p:sp>
+      <p:sp>
+        <p:nvSpPr>
+          <p:cNvPr id="3" name="Symbol zastępczy zawartości 2"/>
+          <p:cNvSpPr>
+            <a:spLocks noGrp="1"/>
+          </p:cNvSpPr>
+          <p:nvPr>
+            <p:ph idx="1"/>
+          </p:nvPr>
+        </p:nvSpPr>
+        <p:spPr/>
+        <p:txBody>
+          <a:bodyPr/>
+          <a:lstStyle/>
+          <a:p>
+            <a:r>
+              <a:rPr lang="en-US" dirty="0" smtClean="0"/>
+              <a:t>For </a:t>
+            </a:r>
+            <a:r>
+              <a:rPr lang="en-US" dirty="0"/>
+              <a:t>production workloads, </a:t>
+            </a:r>
+            <a:r>
+              <a:rPr lang="en-US" dirty="0" err="1"/>
+              <a:t>BestEffort</a:t>
+            </a:r>
+            <a:r>
+              <a:rPr lang="en-US" dirty="0"/>
+              <a:t> is not recommended. </a:t>
+            </a:r>
+            <a:r>
+              <a:rPr lang="en-US" dirty="0">
+                <a:solidFill>
+                  <a:srgbClr val="FF0000"/>
+                </a:solidFill>
+              </a:rPr>
+              <a:t>Keep in mind, these containers will be killed first</a:t>
+            </a:r>
+            <a:r>
+              <a:rPr lang="en-US" dirty="0"/>
+              <a:t>. Burstable is suitable for most generic workloads. For sensitive applications that may have spikes or anything that runs in a </a:t>
+            </a:r>
+            <a:r>
+              <a:rPr lang="en-US" dirty="0" err="1"/>
+              <a:t>stateful</a:t>
+            </a:r>
+            <a:r>
+              <a:rPr lang="en-US" dirty="0"/>
+              <a:t> set like databases, it is recommended to apply a </a:t>
+            </a:r>
+            <a:r>
+              <a:rPr lang="en-US" dirty="0" err="1"/>
+              <a:t>QoS</a:t>
+            </a:r>
+            <a:r>
+              <a:rPr lang="en-US" dirty="0"/>
+              <a:t> guaranteed </a:t>
+            </a:r>
+            <a:r>
+              <a:rPr lang="en-US" dirty="0" smtClean="0"/>
+              <a:t>class</a:t>
+            </a:r>
+            <a:r>
+              <a:rPr lang="pl-PL" dirty="0"/>
+              <a:t>.</a:t>
+            </a:r>
+            <a:endParaRPr lang="en-US" dirty="0"/>
+          </a:p>
+        </p:txBody>
+      </p:sp>
+    </p:spTree>
+    <p:extLst>
+      <p:ext uri="{BB962C8B-B14F-4D97-AF65-F5344CB8AC3E}">
+        <p14:creationId xmlns:p14="http://schemas.microsoft.com/office/powerpoint/2010/main" val="708209892"/>
+      </p:ext>
+    </p:extLst>
+  </p:cSld>
+  <p:clrMapOvr>
+    <a:masterClrMapping/>
+  </p:clrMapOvr>
+</p:sld>
+</file>
+
+<file path=ppt/slides/slide24.xml><?xml version="1.0" encoding="utf-8"?>
+<p:sld xmlns:a="http://schemas.openxmlformats.org/drawingml/2006/main" xmlns:r="http://schemas.openxmlformats.org/officeDocument/2006/relationships" xmlns:p="http://schemas.openxmlformats.org/presentationml/2006/main">
+  <p:cSld>
+    <p:spTree>
+      <p:nvGrpSpPr>
+        <p:cNvPr id="1" name=""/>
+        <p:cNvGrpSpPr/>
+        <p:nvPr/>
+      </p:nvGrpSpPr>
+      <p:grpSpPr>
+        <a:xfrm>
+          <a:off x="0" y="0"/>
+          <a:ext cx="0" cy="0"/>
+          <a:chOff x="0" y="0"/>
+          <a:chExt cx="0" cy="0"/>
+        </a:xfrm>
+      </p:grpSpPr>
+      <p:sp>
+        <p:nvSpPr>
+          <p:cNvPr id="2" name="Tytuł 1"/>
+          <p:cNvSpPr>
+            <a:spLocks noGrp="1"/>
+          </p:cNvSpPr>
+          <p:nvPr>
+            <p:ph type="title"/>
+          </p:nvPr>
+        </p:nvSpPr>
+        <p:spPr/>
+        <p:txBody>
+          <a:bodyPr/>
+          <a:lstStyle/>
+          <a:p>
+            <a:r>
               <a:rPr lang="pl-PL" dirty="0" err="1" smtClean="0"/>
               <a:t>Node</a:t>
             </a:r>
@@ -6575,7 +7382,7 @@
 </p:sld>
 </file>
 
-<file path=ppt/slides/slide22.xml><?xml version="1.0" encoding="utf-8"?>
+<file path=ppt/slides/slide25.xml><?xml version="1.0" encoding="utf-8"?>
 <p:sld xmlns:a="http://schemas.openxmlformats.org/drawingml/2006/main" xmlns:r="http://schemas.openxmlformats.org/officeDocument/2006/relationships" xmlns:p="http://schemas.openxmlformats.org/presentationml/2006/main">
   <p:cSld>
     <p:spTree>
@@ -6795,13 +7602,7 @@
               <a:rPr lang="pl-PL" sz="2400" dirty="0" smtClean="0">
                 <a:hlinkClick r:id="rId2"/>
               </a:rPr>
-              <a:t>https://</a:t>
-            </a:r>
-            <a:r>
-              <a:rPr lang="pl-PL" sz="2400" dirty="0" smtClean="0">
-                <a:hlinkClick r:id="rId2"/>
-              </a:rPr>
-              <a:t>www.youtube.com/watch?v=PH-2FfFD2PU</a:t>
+              <a:t>https://www.youtube.com/watch?v=PH-2FfFD2PU</a:t>
             </a:r>
             <a:endParaRPr lang="pl-PL" sz="2400" dirty="0" smtClean="0"/>
           </a:p>
@@ -7036,11 +7837,7 @@
             </a:pPr>
             <a:r>
               <a:rPr lang="en-US" sz="1800" i="1" dirty="0" smtClean="0"/>
-              <a:t>Cluster </a:t>
-            </a:r>
-            <a:r>
-              <a:rPr lang="en-US" sz="1800" i="1" dirty="0" smtClean="0"/>
-              <a:t>master</a:t>
+              <a:t>Cluster master</a:t>
             </a:r>
             <a:r>
               <a:rPr lang="en-US" sz="1800" dirty="0" smtClean="0"/>
@@ -7460,707 +8257,148 @@
           <a:p>
             <a:r>
               <a:rPr lang="pl-PL" dirty="0" err="1" smtClean="0"/>
-              <a:t>Container</a:t>
+              <a:t>Limits</a:t>
             </a:r>
             <a:r>
               <a:rPr lang="pl-PL" dirty="0" smtClean="0"/>
-              <a:t> </a:t>
+              <a:t>, </a:t>
             </a:r>
             <a:r>
               <a:rPr lang="pl-PL" dirty="0" err="1" smtClean="0"/>
-              <a:t>limits</a:t>
+              <a:t>requests</a:t>
             </a:r>
             <a:endParaRPr lang="pl-PL" dirty="0"/>
           </a:p>
         </p:txBody>
       </p:sp>
-      <p:sp>
-        <p:nvSpPr>
-          <p:cNvPr id="3" name="Symbol zastępczy zawartości 2"/>
-          <p:cNvSpPr>
-            <a:spLocks noGrp="1"/>
-          </p:cNvSpPr>
+      <p:pic>
+        <p:nvPicPr>
+          <p:cNvPr id="3074" name="Picture 2"/>
+          <p:cNvPicPr>
+            <a:picLocks noGrp="1" noChangeAspect="1" noChangeArrowheads="1"/>
+          </p:cNvPicPr>
           <p:nvPr>
             <p:ph idx="1"/>
           </p:nvPr>
+        </p:nvPicPr>
+        <p:blipFill>
+          <a:blip r:embed="rId2">
+            <a:extLst>
+              <a:ext uri="{28A0092B-C50C-407E-A947-70E740481C1C}">
+                <a14:useLocalDpi xmlns:a14="http://schemas.microsoft.com/office/drawing/2010/main" val="0"/>
+              </a:ext>
+            </a:extLst>
+          </a:blip>
+          <a:srcRect/>
+          <a:stretch>
+            <a:fillRect/>
+          </a:stretch>
+        </p:blipFill>
+        <p:spPr bwMode="auto">
+          <a:xfrm>
+            <a:off x="1244647" y="583814"/>
+            <a:ext cx="6510689" cy="3168352"/>
+          </a:xfrm>
+          <a:prstGeom prst="rect">
+            <a:avLst/>
+          </a:prstGeom>
+          <a:noFill/>
+          <a:ln>
+            <a:noFill/>
+          </a:ln>
+          <a:extLst>
+            <a:ext uri="{909E8E84-426E-40DD-AFC4-6F175D3DCCD1}">
+              <a14:hiddenFill xmlns:a14="http://schemas.microsoft.com/office/drawing/2010/main">
+                <a:solidFill>
+                  <a:schemeClr val="accent1"/>
+                </a:solidFill>
+              </a14:hiddenFill>
+            </a:ext>
+            <a:ext uri="{91240B29-F687-4F45-9708-019B960494DF}">
+              <a14:hiddenLine xmlns:a14="http://schemas.microsoft.com/office/drawing/2010/main" w="9525">
+                <a:solidFill>
+                  <a:schemeClr val="tx1"/>
+                </a:solidFill>
+                <a:miter lim="800000"/>
+                <a:headEnd/>
+                <a:tailEnd/>
+              </a14:hiddenLine>
+            </a:ext>
+          </a:extLst>
+        </p:spPr>
+      </p:pic>
+      <p:sp>
+        <p:nvSpPr>
+          <p:cNvPr id="4" name="Prostokąt 3"/>
+          <p:cNvSpPr/>
+          <p:nvPr/>
         </p:nvSpPr>
         <p:spPr>
           <a:xfrm>
-            <a:off x="502920" y="530352"/>
-            <a:ext cx="4069080" cy="3258688"/>
-          </a:xfrm>
-        </p:spPr>
-        <p:txBody>
-          <a:bodyPr>
-            <a:normAutofit/>
-          </a:bodyPr>
-          <a:lstStyle/>
-          <a:p>
-            <a:pPr marL="0" indent="0">
-              <a:buNone/>
-            </a:pPr>
-            <a:r>
-              <a:rPr lang="pl-PL" sz="1900" dirty="0" err="1">
-                <a:solidFill>
-                  <a:srgbClr val="FF0000"/>
-                </a:solidFill>
-              </a:rPr>
-              <a:t>apiVersion</a:t>
-            </a:r>
-            <a:r>
-              <a:rPr lang="pl-PL" sz="1900" dirty="0">
-                <a:solidFill>
-                  <a:srgbClr val="FF0000"/>
-                </a:solidFill>
-              </a:rPr>
-              <a:t>: v1</a:t>
-            </a:r>
-          </a:p>
-          <a:p>
-            <a:pPr marL="0" indent="0">
-              <a:buNone/>
-            </a:pPr>
-            <a:r>
-              <a:rPr lang="pl-PL" sz="1900" dirty="0" err="1">
-                <a:solidFill>
-                  <a:srgbClr val="FF0000"/>
-                </a:solidFill>
-              </a:rPr>
-              <a:t>kind</a:t>
-            </a:r>
-            <a:r>
-              <a:rPr lang="pl-PL" sz="1900" dirty="0">
-                <a:solidFill>
-                  <a:srgbClr val="FF0000"/>
-                </a:solidFill>
-              </a:rPr>
-              <a:t>: Pod</a:t>
-            </a:r>
-          </a:p>
-          <a:p>
-            <a:pPr marL="0" indent="0">
-              <a:buNone/>
-            </a:pPr>
-            <a:r>
-              <a:rPr lang="pl-PL" sz="1900" dirty="0" err="1">
-                <a:solidFill>
-                  <a:srgbClr val="FF0000"/>
-                </a:solidFill>
-              </a:rPr>
-              <a:t>metadata</a:t>
-            </a:r>
-            <a:r>
-              <a:rPr lang="pl-PL" sz="1900" dirty="0">
-                <a:solidFill>
-                  <a:srgbClr val="FF0000"/>
-                </a:solidFill>
-              </a:rPr>
-              <a:t>:</a:t>
-            </a:r>
-          </a:p>
-          <a:p>
-            <a:pPr marL="0" indent="0">
-              <a:buNone/>
-            </a:pPr>
-            <a:r>
-              <a:rPr lang="pl-PL" sz="1900" dirty="0">
-                <a:solidFill>
-                  <a:srgbClr val="FF0000"/>
-                </a:solidFill>
-              </a:rPr>
-              <a:t>  </a:t>
-            </a:r>
-            <a:r>
-              <a:rPr lang="pl-PL" sz="1900" dirty="0" err="1">
-                <a:solidFill>
-                  <a:srgbClr val="FF0000"/>
-                </a:solidFill>
-              </a:rPr>
-              <a:t>name</a:t>
-            </a:r>
-            <a:r>
-              <a:rPr lang="pl-PL" sz="1900" dirty="0">
-                <a:solidFill>
-                  <a:srgbClr val="FF0000"/>
-                </a:solidFill>
-              </a:rPr>
-              <a:t>: pod-quota-1</a:t>
-            </a:r>
-          </a:p>
-          <a:p>
-            <a:pPr marL="0" indent="0">
-              <a:buNone/>
-            </a:pPr>
-            <a:r>
-              <a:rPr lang="pl-PL" sz="1900" dirty="0">
-                <a:solidFill>
-                  <a:srgbClr val="FF0000"/>
-                </a:solidFill>
-              </a:rPr>
-              <a:t>spec:</a:t>
-            </a:r>
-          </a:p>
-          <a:p>
-            <a:pPr marL="0" indent="0">
-              <a:buNone/>
-            </a:pPr>
-            <a:r>
-              <a:rPr lang="pl-PL" sz="1900" dirty="0">
-                <a:solidFill>
-                  <a:srgbClr val="FF0000"/>
-                </a:solidFill>
-              </a:rPr>
-              <a:t>  </a:t>
-            </a:r>
-            <a:r>
-              <a:rPr lang="pl-PL" sz="1900" dirty="0" err="1">
-                <a:solidFill>
-                  <a:srgbClr val="FF0000"/>
-                </a:solidFill>
-              </a:rPr>
-              <a:t>containers</a:t>
-            </a:r>
-            <a:r>
-              <a:rPr lang="pl-PL" sz="1900" dirty="0">
-                <a:solidFill>
-                  <a:srgbClr val="FF0000"/>
-                </a:solidFill>
-              </a:rPr>
-              <a:t>:</a:t>
-            </a:r>
-          </a:p>
-          <a:p>
-            <a:pPr marL="0" indent="0">
-              <a:buNone/>
-            </a:pPr>
-            <a:r>
-              <a:rPr lang="pl-PL" sz="1900" dirty="0">
-                <a:solidFill>
-                  <a:srgbClr val="FF0000"/>
-                </a:solidFill>
-              </a:rPr>
-              <a:t>  - </a:t>
-            </a:r>
-            <a:r>
-              <a:rPr lang="pl-PL" sz="1900" dirty="0" err="1">
-                <a:solidFill>
-                  <a:srgbClr val="FF0000"/>
-                </a:solidFill>
-              </a:rPr>
-              <a:t>name</a:t>
-            </a:r>
-            <a:r>
-              <a:rPr lang="pl-PL" sz="1900" dirty="0">
-                <a:solidFill>
-                  <a:srgbClr val="FF0000"/>
-                </a:solidFill>
-              </a:rPr>
-              <a:t>: pod-quota-1</a:t>
-            </a:r>
-          </a:p>
-          <a:p>
-            <a:pPr marL="0" indent="0">
-              <a:buNone/>
-            </a:pPr>
-            <a:r>
-              <a:rPr lang="pl-PL" sz="1900" dirty="0">
-                <a:solidFill>
-                  <a:srgbClr val="FF0000"/>
-                </a:solidFill>
-              </a:rPr>
-              <a:t>    image: </a:t>
-            </a:r>
-            <a:r>
-              <a:rPr lang="pl-PL" sz="1900" dirty="0" err="1" smtClean="0">
-                <a:solidFill>
-                  <a:srgbClr val="FF0000"/>
-                </a:solidFill>
-              </a:rPr>
-              <a:t>nginx</a:t>
-            </a:r>
-            <a:endParaRPr lang="pl-PL" sz="1900" dirty="0" smtClean="0">
-              <a:solidFill>
-                <a:srgbClr val="FF0000"/>
-              </a:solidFill>
-            </a:endParaRPr>
-          </a:p>
-          <a:p>
-            <a:endParaRPr lang="pl-PL" dirty="0"/>
-          </a:p>
-        </p:txBody>
-      </p:sp>
-      <p:sp>
-        <p:nvSpPr>
-          <p:cNvPr id="6" name="Prostokąt 5"/>
-          <p:cNvSpPr/>
-          <p:nvPr/>
-        </p:nvSpPr>
-        <p:spPr>
-          <a:xfrm>
-            <a:off x="4139952" y="692696"/>
-            <a:ext cx="4572000" cy="4524315"/>
+            <a:off x="1043608" y="4149080"/>
+            <a:ext cx="7344816" cy="646331"/>
           </a:xfrm>
           <a:prstGeom prst="rect">
             <a:avLst/>
           </a:prstGeom>
         </p:spPr>
         <p:txBody>
-          <a:bodyPr>
+          <a:bodyPr wrap="square">
             <a:spAutoFit/>
           </a:bodyPr>
           <a:lstStyle/>
           <a:p>
             <a:r>
-              <a:rPr lang="pl-PL" dirty="0" err="1">
-                <a:solidFill>
-                  <a:schemeClr val="accent4">
-                    <a:lumMod val="50000"/>
-                  </a:schemeClr>
-                </a:solidFill>
-              </a:rPr>
-              <a:t>apiVersion</a:t>
-            </a:r>
-            <a:r>
               <a:rPr lang="pl-PL" dirty="0">
-                <a:solidFill>
-                  <a:schemeClr val="accent4">
-                    <a:lumMod val="50000"/>
-                  </a:schemeClr>
-                </a:solidFill>
-              </a:rPr>
-              <a:t>: v1</a:t>
-            </a:r>
-          </a:p>
-          <a:p>
-            <a:r>
-              <a:rPr lang="pl-PL" dirty="0" err="1">
-                <a:solidFill>
-                  <a:schemeClr val="accent4">
-                    <a:lumMod val="50000"/>
-                  </a:schemeClr>
-                </a:solidFill>
-              </a:rPr>
-              <a:t>kind</a:t>
-            </a:r>
+                <a:hlinkClick r:id="rId3"/>
+              </a:rPr>
+              <a:t>https://jaxenter.com/manage-container-resource-kubernetes-141977.html</a:t>
+            </a:r>
+            <a:endParaRPr lang="pl-PL" dirty="0"/>
+          </a:p>
+        </p:txBody>
+      </p:sp>
+      <p:sp>
+        <p:nvSpPr>
+          <p:cNvPr id="5" name="Prostokąt 4"/>
+          <p:cNvSpPr/>
+          <p:nvPr/>
+        </p:nvSpPr>
+        <p:spPr>
+          <a:xfrm>
+            <a:off x="1043608" y="4869160"/>
+            <a:ext cx="7344816" cy="646331"/>
+          </a:xfrm>
+          <a:prstGeom prst="rect">
+            <a:avLst/>
+          </a:prstGeom>
+        </p:spPr>
+        <p:txBody>
+          <a:bodyPr wrap="square">
+            <a:spAutoFit/>
+          </a:bodyPr>
+          <a:lstStyle/>
+          <a:p>
             <a:r>
               <a:rPr lang="pl-PL" dirty="0">
-                <a:solidFill>
-                  <a:schemeClr val="accent4">
-                    <a:lumMod val="50000"/>
-                  </a:schemeClr>
-                </a:solidFill>
-              </a:rPr>
-              <a:t>: Pod</a:t>
-            </a:r>
-          </a:p>
-          <a:p>
-            <a:r>
-              <a:rPr lang="pl-PL" dirty="0" err="1">
-                <a:solidFill>
-                  <a:schemeClr val="accent4">
-                    <a:lumMod val="50000"/>
-                  </a:schemeClr>
-                </a:solidFill>
-              </a:rPr>
-              <a:t>metadata</a:t>
-            </a:r>
-            <a:r>
-              <a:rPr lang="pl-PL" dirty="0">
-                <a:solidFill>
-                  <a:schemeClr val="accent4">
-                    <a:lumMod val="50000"/>
-                  </a:schemeClr>
-                </a:solidFill>
-              </a:rPr>
-              <a:t>:</a:t>
-            </a:r>
-          </a:p>
-          <a:p>
-            <a:r>
-              <a:rPr lang="pl-PL" dirty="0">
-                <a:solidFill>
-                  <a:schemeClr val="accent4">
-                    <a:lumMod val="50000"/>
-                  </a:schemeClr>
-                </a:solidFill>
-              </a:rPr>
-              <a:t>  </a:t>
-            </a:r>
-            <a:r>
-              <a:rPr lang="pl-PL" dirty="0" err="1">
-                <a:solidFill>
-                  <a:schemeClr val="accent4">
-                    <a:lumMod val="50000"/>
-                  </a:schemeClr>
-                </a:solidFill>
-              </a:rPr>
-              <a:t>name</a:t>
-            </a:r>
-            <a:r>
-              <a:rPr lang="pl-PL" dirty="0">
-                <a:solidFill>
-                  <a:schemeClr val="accent4">
-                    <a:lumMod val="50000"/>
-                  </a:schemeClr>
-                </a:solidFill>
-              </a:rPr>
-              <a:t>: pod-quota-2</a:t>
-            </a:r>
-          </a:p>
-          <a:p>
-            <a:r>
-              <a:rPr lang="pl-PL" dirty="0">
-                <a:solidFill>
-                  <a:schemeClr val="accent4">
-                    <a:lumMod val="50000"/>
-                  </a:schemeClr>
-                </a:solidFill>
-              </a:rPr>
-              <a:t>spec:</a:t>
-            </a:r>
-          </a:p>
-          <a:p>
-            <a:r>
-              <a:rPr lang="pl-PL" dirty="0">
-                <a:solidFill>
-                  <a:schemeClr val="accent4">
-                    <a:lumMod val="50000"/>
-                  </a:schemeClr>
-                </a:solidFill>
-              </a:rPr>
-              <a:t>  </a:t>
-            </a:r>
-            <a:r>
-              <a:rPr lang="pl-PL" dirty="0" err="1">
-                <a:solidFill>
-                  <a:schemeClr val="accent4">
-                    <a:lumMod val="50000"/>
-                  </a:schemeClr>
-                </a:solidFill>
-              </a:rPr>
-              <a:t>containers</a:t>
-            </a:r>
-            <a:r>
-              <a:rPr lang="pl-PL" dirty="0">
-                <a:solidFill>
-                  <a:schemeClr val="accent4">
-                    <a:lumMod val="50000"/>
-                  </a:schemeClr>
-                </a:solidFill>
-              </a:rPr>
-              <a:t>:</a:t>
-            </a:r>
-          </a:p>
-          <a:p>
-            <a:r>
-              <a:rPr lang="pl-PL" dirty="0">
-                <a:solidFill>
-                  <a:schemeClr val="accent4">
-                    <a:lumMod val="50000"/>
-                  </a:schemeClr>
-                </a:solidFill>
-              </a:rPr>
-              <a:t>  - </a:t>
-            </a:r>
-            <a:r>
-              <a:rPr lang="pl-PL" dirty="0" err="1">
-                <a:solidFill>
-                  <a:schemeClr val="accent4">
-                    <a:lumMod val="50000"/>
-                  </a:schemeClr>
-                </a:solidFill>
-              </a:rPr>
-              <a:t>name</a:t>
-            </a:r>
-            <a:r>
-              <a:rPr lang="pl-PL" dirty="0">
-                <a:solidFill>
-                  <a:schemeClr val="accent4">
-                    <a:lumMod val="50000"/>
-                  </a:schemeClr>
-                </a:solidFill>
-              </a:rPr>
-              <a:t>: pod-quota-2</a:t>
-            </a:r>
-          </a:p>
-          <a:p>
-            <a:r>
-              <a:rPr lang="pl-PL" dirty="0">
-                <a:solidFill>
-                  <a:schemeClr val="accent4">
-                    <a:lumMod val="50000"/>
-                  </a:schemeClr>
-                </a:solidFill>
-              </a:rPr>
-              <a:t>    image: </a:t>
-            </a:r>
-            <a:r>
-              <a:rPr lang="pl-PL" dirty="0" err="1">
-                <a:solidFill>
-                  <a:schemeClr val="accent4">
-                    <a:lumMod val="50000"/>
-                  </a:schemeClr>
-                </a:solidFill>
-              </a:rPr>
-              <a:t>redis</a:t>
-            </a:r>
-            <a:endParaRPr lang="pl-PL" dirty="0">
-              <a:solidFill>
-                <a:schemeClr val="accent4">
-                  <a:lumMod val="50000"/>
-                </a:schemeClr>
-              </a:solidFill>
-            </a:endParaRPr>
-          </a:p>
-          <a:p>
-            <a:r>
-              <a:rPr lang="pl-PL" b="1" dirty="0">
-                <a:solidFill>
-                  <a:schemeClr val="accent4">
-                    <a:lumMod val="50000"/>
-                  </a:schemeClr>
-                </a:solidFill>
-              </a:rPr>
-              <a:t>    </a:t>
-            </a:r>
-            <a:r>
-              <a:rPr lang="pl-PL" b="1" dirty="0" err="1">
-                <a:solidFill>
-                  <a:schemeClr val="accent4">
-                    <a:lumMod val="50000"/>
-                  </a:schemeClr>
-                </a:solidFill>
-              </a:rPr>
-              <a:t>resources</a:t>
-            </a:r>
-            <a:r>
-              <a:rPr lang="pl-PL" b="1" dirty="0">
-                <a:solidFill>
-                  <a:schemeClr val="accent4">
-                    <a:lumMod val="50000"/>
-                  </a:schemeClr>
-                </a:solidFill>
-              </a:rPr>
-              <a:t>:</a:t>
-            </a:r>
-          </a:p>
-          <a:p>
-            <a:r>
-              <a:rPr lang="pl-PL" b="1" dirty="0">
-                <a:solidFill>
-                  <a:schemeClr val="accent4">
-                    <a:lumMod val="50000"/>
-                  </a:schemeClr>
-                </a:solidFill>
-              </a:rPr>
-              <a:t>      </a:t>
-            </a:r>
-            <a:r>
-              <a:rPr lang="pl-PL" b="1" dirty="0" err="1">
-                <a:solidFill>
-                  <a:schemeClr val="accent4">
-                    <a:lumMod val="50000"/>
-                  </a:schemeClr>
-                </a:solidFill>
-              </a:rPr>
-              <a:t>limits</a:t>
-            </a:r>
-            <a:r>
-              <a:rPr lang="pl-PL" b="1" dirty="0">
-                <a:solidFill>
-                  <a:schemeClr val="accent4">
-                    <a:lumMod val="50000"/>
-                  </a:schemeClr>
-                </a:solidFill>
-              </a:rPr>
-              <a:t>:</a:t>
-            </a:r>
-          </a:p>
-          <a:p>
-            <a:r>
-              <a:rPr lang="pl-PL" b="1" dirty="0">
-                <a:solidFill>
-                  <a:schemeClr val="accent4">
-                    <a:lumMod val="50000"/>
-                  </a:schemeClr>
-                </a:solidFill>
-              </a:rPr>
-              <a:t>        </a:t>
-            </a:r>
-            <a:r>
-              <a:rPr lang="pl-PL" b="1" dirty="0" err="1">
-                <a:solidFill>
-                  <a:schemeClr val="accent4">
-                    <a:lumMod val="50000"/>
-                  </a:schemeClr>
-                </a:solidFill>
-              </a:rPr>
-              <a:t>memory</a:t>
-            </a:r>
-            <a:r>
-              <a:rPr lang="pl-PL" b="1" dirty="0">
-                <a:solidFill>
-                  <a:schemeClr val="accent4">
-                    <a:lumMod val="50000"/>
-                  </a:schemeClr>
-                </a:solidFill>
-              </a:rPr>
-              <a:t>: "1Gi"</a:t>
-            </a:r>
-          </a:p>
-          <a:p>
-            <a:r>
-              <a:rPr lang="pl-PL" b="1" dirty="0">
-                <a:solidFill>
-                  <a:schemeClr val="accent4">
-                    <a:lumMod val="50000"/>
-                  </a:schemeClr>
-                </a:solidFill>
-              </a:rPr>
-              <a:t>        </a:t>
-            </a:r>
-            <a:r>
-              <a:rPr lang="pl-PL" b="1" dirty="0" err="1">
-                <a:solidFill>
-                  <a:schemeClr val="accent4">
-                    <a:lumMod val="50000"/>
-                  </a:schemeClr>
-                </a:solidFill>
-              </a:rPr>
-              <a:t>cpu</a:t>
-            </a:r>
-            <a:r>
-              <a:rPr lang="pl-PL" b="1" dirty="0">
-                <a:solidFill>
-                  <a:schemeClr val="accent4">
-                    <a:lumMod val="50000"/>
-                  </a:schemeClr>
-                </a:solidFill>
-              </a:rPr>
-              <a:t>: "800m"      </a:t>
-            </a:r>
-          </a:p>
-          <a:p>
-            <a:r>
-              <a:rPr lang="pl-PL" b="1" dirty="0">
-                <a:solidFill>
-                  <a:schemeClr val="accent4">
-                    <a:lumMod val="50000"/>
-                  </a:schemeClr>
-                </a:solidFill>
-              </a:rPr>
-              <a:t>      </a:t>
-            </a:r>
-            <a:r>
-              <a:rPr lang="pl-PL" b="1" dirty="0" err="1">
-                <a:solidFill>
-                  <a:schemeClr val="accent4">
-                    <a:lumMod val="50000"/>
-                  </a:schemeClr>
-                </a:solidFill>
-              </a:rPr>
-              <a:t>requests</a:t>
-            </a:r>
-            <a:r>
-              <a:rPr lang="pl-PL" b="1" dirty="0">
-                <a:solidFill>
-                  <a:schemeClr val="accent4">
-                    <a:lumMod val="50000"/>
-                  </a:schemeClr>
-                </a:solidFill>
-              </a:rPr>
-              <a:t>:</a:t>
-            </a:r>
-          </a:p>
-          <a:p>
-            <a:r>
-              <a:rPr lang="pl-PL" b="1" dirty="0">
-                <a:solidFill>
-                  <a:schemeClr val="accent4">
-                    <a:lumMod val="50000"/>
-                  </a:schemeClr>
-                </a:solidFill>
-              </a:rPr>
-              <a:t>        </a:t>
-            </a:r>
-            <a:r>
-              <a:rPr lang="pl-PL" b="1" dirty="0" err="1">
-                <a:solidFill>
-                  <a:schemeClr val="accent4">
-                    <a:lumMod val="50000"/>
-                  </a:schemeClr>
-                </a:solidFill>
-              </a:rPr>
-              <a:t>memory</a:t>
-            </a:r>
-            <a:r>
-              <a:rPr lang="pl-PL" b="1" dirty="0">
-                <a:solidFill>
-                  <a:schemeClr val="accent4">
-                    <a:lumMod val="50000"/>
-                  </a:schemeClr>
-                </a:solidFill>
-              </a:rPr>
-              <a:t>: "700Mi"</a:t>
-            </a:r>
-          </a:p>
-          <a:p>
-            <a:r>
-              <a:rPr lang="pl-PL" b="1" dirty="0">
-                <a:solidFill>
-                  <a:schemeClr val="accent4">
-                    <a:lumMod val="50000"/>
-                  </a:schemeClr>
-                </a:solidFill>
-              </a:rPr>
-              <a:t>        </a:t>
-            </a:r>
-            <a:r>
-              <a:rPr lang="pl-PL" b="1" dirty="0" err="1">
-                <a:solidFill>
-                  <a:schemeClr val="accent4">
-                    <a:lumMod val="50000"/>
-                  </a:schemeClr>
-                </a:solidFill>
-              </a:rPr>
-              <a:t>cpu</a:t>
-            </a:r>
-            <a:r>
-              <a:rPr lang="pl-PL" b="1" dirty="0">
-                <a:solidFill>
-                  <a:schemeClr val="accent4">
-                    <a:lumMod val="50000"/>
-                  </a:schemeClr>
-                </a:solidFill>
-              </a:rPr>
-              <a:t>: "400m"</a:t>
-            </a:r>
-          </a:p>
-          <a:p>
-            <a:r>
-              <a:rPr lang="pl-PL" dirty="0"/>
-              <a:t> </a:t>
-            </a:r>
+                <a:hlinkClick r:id="rId4"/>
+              </a:rPr>
+              <a:t>https://vincentlauzon.com/2019/04/02/requests-vs-limits-in-kubernetes/</a:t>
+            </a:r>
+            <a:endParaRPr lang="pl-PL" dirty="0"/>
           </a:p>
         </p:txBody>
       </p:sp>
     </p:spTree>
     <p:extLst>
       <p:ext uri="{BB962C8B-B14F-4D97-AF65-F5344CB8AC3E}">
-        <p14:creationId xmlns:p14="http://schemas.microsoft.com/office/powerpoint/2010/main" val="3781876501"/>
+        <p14:creationId xmlns:p14="http://schemas.microsoft.com/office/powerpoint/2010/main" val="654161845"/>
       </p:ext>
     </p:extLst>
   </p:cSld>
   <p:clrMapOvr>
     <a:masterClrMapping/>
   </p:clrMapOvr>
-  <p:timing>
-    <p:tnLst>
-      <p:par>
-        <p:cTn id="1" dur="indefinite" restart="never" nodeType="tmRoot"/>
-      </p:par>
-    </p:tnLst>
-  </p:timing>
 </p:sld>
 </file>
 
@@ -8198,7 +8436,15 @@
           <a:p>
             <a:r>
               <a:rPr lang="pl-PL" dirty="0" err="1" smtClean="0"/>
-              <a:t>Namespaces</a:t>
+              <a:t>Container</a:t>
+            </a:r>
+            <a:r>
+              <a:rPr lang="pl-PL" dirty="0" smtClean="0"/>
+              <a:t> </a:t>
+            </a:r>
+            <a:r>
+              <a:rPr lang="pl-PL" dirty="0" err="1" smtClean="0"/>
+              <a:t>limits</a:t>
             </a:r>
             <a:endParaRPr lang="pl-PL" dirty="0"/>
           </a:p>
@@ -8214,79 +8460,670 @@
             <p:ph idx="1"/>
           </p:nvPr>
         </p:nvSpPr>
-        <p:spPr/>
+        <p:spPr>
+          <a:xfrm>
+            <a:off x="502920" y="530352"/>
+            <a:ext cx="4069080" cy="3258688"/>
+          </a:xfrm>
+        </p:spPr>
         <p:txBody>
           <a:bodyPr>
-            <a:normAutofit fontScale="92500" lnSpcReduction="10000"/>
+            <a:normAutofit/>
           </a:bodyPr>
           <a:lstStyle/>
           <a:p>
-            <a:r>
-              <a:rPr lang="en-US" dirty="0"/>
-              <a:t>Beyond the individual container resources, you may want to investigate setting limits on namespaces. So what is a namespace? Namespaces can be used to define a cluster of applications, departments, or environments. Simply, Namespace refers to scope or grouping of objects in a Kubernetes </a:t>
-            </a:r>
-            <a:r>
-              <a:rPr lang="en-US" dirty="0" smtClean="0"/>
-              <a:t>cluster</a:t>
-            </a:r>
-            <a:endParaRPr lang="pl-PL" dirty="0" smtClean="0"/>
-          </a:p>
-          <a:p>
-            <a:endParaRPr lang="pl-PL" dirty="0" smtClean="0"/>
-          </a:p>
-          <a:p>
-            <a:r>
-              <a:rPr lang="en-US" dirty="0">
+            <a:pPr marL="0" indent="0">
+              <a:buNone/>
+            </a:pPr>
+            <a:r>
+              <a:rPr lang="pl-PL" sz="1900" dirty="0" err="1">
                 <a:solidFill>
                   <a:srgbClr val="FF0000"/>
                 </a:solidFill>
               </a:rPr>
-              <a:t>At the Namespace level, you can set up </a:t>
-            </a:r>
-            <a:r>
-              <a:rPr lang="en-US" dirty="0" err="1">
+              <a:t>apiVersion</a:t>
+            </a:r>
+            <a:r>
+              <a:rPr lang="pl-PL" sz="1900" dirty="0">
                 <a:solidFill>
                   <a:srgbClr val="FF0000"/>
                 </a:solidFill>
               </a:rPr>
-              <a:t>ResourceQuotas</a:t>
-            </a:r>
-            <a:r>
-              <a:rPr lang="en-US" dirty="0">
+              <a:t>: v1</a:t>
+            </a:r>
+          </a:p>
+          <a:p>
+            <a:pPr marL="0" indent="0">
+              <a:buNone/>
+            </a:pPr>
+            <a:r>
+              <a:rPr lang="pl-PL" sz="1900" dirty="0" err="1">
                 <a:solidFill>
                   <a:srgbClr val="FF0000"/>
                 </a:solidFill>
               </a:rPr>
-              <a:t> and </a:t>
-            </a:r>
-            <a:r>
-              <a:rPr lang="en-US" dirty="0" err="1">
+              <a:t>kind</a:t>
+            </a:r>
+            <a:r>
+              <a:rPr lang="pl-PL" sz="1900" dirty="0">
                 <a:solidFill>
                   <a:srgbClr val="FF0000"/>
                 </a:solidFill>
               </a:rPr>
-              <a:t>LimitRanges</a:t>
-            </a:r>
-            <a:r>
-              <a:rPr lang="en-US" dirty="0">
+              <a:t>: Pod</a:t>
+            </a:r>
+          </a:p>
+          <a:p>
+            <a:pPr marL="0" indent="0">
+              <a:buNone/>
+            </a:pPr>
+            <a:r>
+              <a:rPr lang="pl-PL" sz="1900" dirty="0" err="1">
                 <a:solidFill>
                   <a:srgbClr val="FF0000"/>
                 </a:solidFill>
               </a:rPr>
-              <a:t>.</a:t>
-            </a:r>
-            <a:endParaRPr lang="pl-PL" dirty="0">
+              <a:t>metadata</a:t>
+            </a:r>
+            <a:r>
+              <a:rPr lang="pl-PL" sz="1900" dirty="0">
+                <a:solidFill>
+                  <a:srgbClr val="FF0000"/>
+                </a:solidFill>
+              </a:rPr>
+              <a:t>:</a:t>
+            </a:r>
+          </a:p>
+          <a:p>
+            <a:pPr marL="0" indent="0">
+              <a:buNone/>
+            </a:pPr>
+            <a:r>
+              <a:rPr lang="pl-PL" sz="1900" dirty="0">
+                <a:solidFill>
+                  <a:srgbClr val="FF0000"/>
+                </a:solidFill>
+              </a:rPr>
+              <a:t>  </a:t>
+            </a:r>
+            <a:r>
+              <a:rPr lang="pl-PL" sz="1900" dirty="0" err="1">
+                <a:solidFill>
+                  <a:srgbClr val="FF0000"/>
+                </a:solidFill>
+              </a:rPr>
+              <a:t>name</a:t>
+            </a:r>
+            <a:r>
+              <a:rPr lang="pl-PL" sz="1900" dirty="0">
+                <a:solidFill>
+                  <a:srgbClr val="FF0000"/>
+                </a:solidFill>
+              </a:rPr>
+              <a:t>: pod-quota-1</a:t>
+            </a:r>
+          </a:p>
+          <a:p>
+            <a:pPr marL="0" indent="0">
+              <a:buNone/>
+            </a:pPr>
+            <a:r>
+              <a:rPr lang="pl-PL" sz="1900" dirty="0">
+                <a:solidFill>
+                  <a:srgbClr val="FF0000"/>
+                </a:solidFill>
+              </a:rPr>
+              <a:t>spec:</a:t>
+            </a:r>
+          </a:p>
+          <a:p>
+            <a:pPr marL="0" indent="0">
+              <a:buNone/>
+            </a:pPr>
+            <a:r>
+              <a:rPr lang="pl-PL" sz="1900" dirty="0">
+                <a:solidFill>
+                  <a:srgbClr val="FF0000"/>
+                </a:solidFill>
+              </a:rPr>
+              <a:t>  </a:t>
+            </a:r>
+            <a:r>
+              <a:rPr lang="pl-PL" sz="1900" dirty="0" err="1">
+                <a:solidFill>
+                  <a:srgbClr val="FF0000"/>
+                </a:solidFill>
+              </a:rPr>
+              <a:t>containers</a:t>
+            </a:r>
+            <a:r>
+              <a:rPr lang="pl-PL" sz="1900" dirty="0">
+                <a:solidFill>
+                  <a:srgbClr val="FF0000"/>
+                </a:solidFill>
+              </a:rPr>
+              <a:t>:</a:t>
+            </a:r>
+          </a:p>
+          <a:p>
+            <a:pPr marL="0" indent="0">
+              <a:buNone/>
+            </a:pPr>
+            <a:r>
+              <a:rPr lang="pl-PL" sz="1900" dirty="0">
+                <a:solidFill>
+                  <a:srgbClr val="FF0000"/>
+                </a:solidFill>
+              </a:rPr>
+              <a:t>  - </a:t>
+            </a:r>
+            <a:r>
+              <a:rPr lang="pl-PL" sz="1900" dirty="0" err="1">
+                <a:solidFill>
+                  <a:srgbClr val="FF0000"/>
+                </a:solidFill>
+              </a:rPr>
+              <a:t>name</a:t>
+            </a:r>
+            <a:r>
+              <a:rPr lang="pl-PL" sz="1900" dirty="0">
+                <a:solidFill>
+                  <a:srgbClr val="FF0000"/>
+                </a:solidFill>
+              </a:rPr>
+              <a:t>: pod-quota-1</a:t>
+            </a:r>
+          </a:p>
+          <a:p>
+            <a:pPr marL="0" indent="0">
+              <a:buNone/>
+            </a:pPr>
+            <a:r>
+              <a:rPr lang="pl-PL" sz="1900" dirty="0">
+                <a:solidFill>
+                  <a:srgbClr val="FF0000"/>
+                </a:solidFill>
+              </a:rPr>
+              <a:t>    image: </a:t>
+            </a:r>
+            <a:r>
+              <a:rPr lang="pl-PL" sz="1900" dirty="0" err="1" smtClean="0">
+                <a:solidFill>
+                  <a:srgbClr val="FF0000"/>
+                </a:solidFill>
+              </a:rPr>
+              <a:t>nginx</a:t>
+            </a:r>
+            <a:endParaRPr lang="pl-PL" sz="1900" dirty="0" smtClean="0">
               <a:solidFill>
                 <a:srgbClr val="FF0000"/>
               </a:solidFill>
             </a:endParaRPr>
           </a:p>
+          <a:p>
+            <a:endParaRPr lang="pl-PL" dirty="0"/>
+          </a:p>
+        </p:txBody>
+      </p:sp>
+      <p:sp>
+        <p:nvSpPr>
+          <p:cNvPr id="6" name="Prostokąt 5"/>
+          <p:cNvSpPr/>
+          <p:nvPr/>
+        </p:nvSpPr>
+        <p:spPr>
+          <a:xfrm>
+            <a:off x="4139952" y="692696"/>
+            <a:ext cx="4572000" cy="4524315"/>
+          </a:xfrm>
+          <a:prstGeom prst="rect">
+            <a:avLst/>
+          </a:prstGeom>
+        </p:spPr>
+        <p:txBody>
+          <a:bodyPr>
+            <a:spAutoFit/>
+          </a:bodyPr>
+          <a:lstStyle/>
+          <a:p>
+            <a:r>
+              <a:rPr lang="pl-PL" dirty="0" err="1">
+                <a:solidFill>
+                  <a:schemeClr val="accent4">
+                    <a:lumMod val="50000"/>
+                  </a:schemeClr>
+                </a:solidFill>
+              </a:rPr>
+              <a:t>apiVersion</a:t>
+            </a:r>
+            <a:r>
+              <a:rPr lang="pl-PL" dirty="0">
+                <a:solidFill>
+                  <a:schemeClr val="accent4">
+                    <a:lumMod val="50000"/>
+                  </a:schemeClr>
+                </a:solidFill>
+              </a:rPr>
+              <a:t>: v1</a:t>
+            </a:r>
+          </a:p>
+          <a:p>
+            <a:r>
+              <a:rPr lang="pl-PL" dirty="0" err="1">
+                <a:solidFill>
+                  <a:schemeClr val="accent4">
+                    <a:lumMod val="50000"/>
+                  </a:schemeClr>
+                </a:solidFill>
+              </a:rPr>
+              <a:t>kind</a:t>
+            </a:r>
+            <a:r>
+              <a:rPr lang="pl-PL" dirty="0">
+                <a:solidFill>
+                  <a:schemeClr val="accent4">
+                    <a:lumMod val="50000"/>
+                  </a:schemeClr>
+                </a:solidFill>
+              </a:rPr>
+              <a:t>: Pod</a:t>
+            </a:r>
+          </a:p>
+          <a:p>
+            <a:r>
+              <a:rPr lang="pl-PL" dirty="0" err="1">
+                <a:solidFill>
+                  <a:schemeClr val="accent4">
+                    <a:lumMod val="50000"/>
+                  </a:schemeClr>
+                </a:solidFill>
+              </a:rPr>
+              <a:t>metadata</a:t>
+            </a:r>
+            <a:r>
+              <a:rPr lang="pl-PL" dirty="0">
+                <a:solidFill>
+                  <a:schemeClr val="accent4">
+                    <a:lumMod val="50000"/>
+                  </a:schemeClr>
+                </a:solidFill>
+              </a:rPr>
+              <a:t>:</a:t>
+            </a:r>
+          </a:p>
+          <a:p>
+            <a:r>
+              <a:rPr lang="pl-PL" dirty="0">
+                <a:solidFill>
+                  <a:schemeClr val="accent4">
+                    <a:lumMod val="50000"/>
+                  </a:schemeClr>
+                </a:solidFill>
+              </a:rPr>
+              <a:t>  </a:t>
+            </a:r>
+            <a:r>
+              <a:rPr lang="pl-PL" dirty="0" err="1">
+                <a:solidFill>
+                  <a:schemeClr val="accent4">
+                    <a:lumMod val="50000"/>
+                  </a:schemeClr>
+                </a:solidFill>
+              </a:rPr>
+              <a:t>name</a:t>
+            </a:r>
+            <a:r>
+              <a:rPr lang="pl-PL" dirty="0">
+                <a:solidFill>
+                  <a:schemeClr val="accent4">
+                    <a:lumMod val="50000"/>
+                  </a:schemeClr>
+                </a:solidFill>
+              </a:rPr>
+              <a:t>: pod-quota-2</a:t>
+            </a:r>
+          </a:p>
+          <a:p>
+            <a:r>
+              <a:rPr lang="pl-PL" dirty="0">
+                <a:solidFill>
+                  <a:schemeClr val="accent4">
+                    <a:lumMod val="50000"/>
+                  </a:schemeClr>
+                </a:solidFill>
+              </a:rPr>
+              <a:t>spec:</a:t>
+            </a:r>
+          </a:p>
+          <a:p>
+            <a:r>
+              <a:rPr lang="pl-PL" dirty="0">
+                <a:solidFill>
+                  <a:schemeClr val="accent4">
+                    <a:lumMod val="50000"/>
+                  </a:schemeClr>
+                </a:solidFill>
+              </a:rPr>
+              <a:t>  </a:t>
+            </a:r>
+            <a:r>
+              <a:rPr lang="pl-PL" dirty="0" err="1">
+                <a:solidFill>
+                  <a:schemeClr val="accent4">
+                    <a:lumMod val="50000"/>
+                  </a:schemeClr>
+                </a:solidFill>
+              </a:rPr>
+              <a:t>containers</a:t>
+            </a:r>
+            <a:r>
+              <a:rPr lang="pl-PL" dirty="0">
+                <a:solidFill>
+                  <a:schemeClr val="accent4">
+                    <a:lumMod val="50000"/>
+                  </a:schemeClr>
+                </a:solidFill>
+              </a:rPr>
+              <a:t>:</a:t>
+            </a:r>
+          </a:p>
+          <a:p>
+            <a:r>
+              <a:rPr lang="pl-PL" dirty="0">
+                <a:solidFill>
+                  <a:schemeClr val="accent4">
+                    <a:lumMod val="50000"/>
+                  </a:schemeClr>
+                </a:solidFill>
+              </a:rPr>
+              <a:t>  - </a:t>
+            </a:r>
+            <a:r>
+              <a:rPr lang="pl-PL" dirty="0" err="1">
+                <a:solidFill>
+                  <a:schemeClr val="accent4">
+                    <a:lumMod val="50000"/>
+                  </a:schemeClr>
+                </a:solidFill>
+              </a:rPr>
+              <a:t>name</a:t>
+            </a:r>
+            <a:r>
+              <a:rPr lang="pl-PL" dirty="0">
+                <a:solidFill>
+                  <a:schemeClr val="accent4">
+                    <a:lumMod val="50000"/>
+                  </a:schemeClr>
+                </a:solidFill>
+              </a:rPr>
+              <a:t>: pod-quota-2</a:t>
+            </a:r>
+          </a:p>
+          <a:p>
+            <a:r>
+              <a:rPr lang="pl-PL" dirty="0">
+                <a:solidFill>
+                  <a:schemeClr val="accent4">
+                    <a:lumMod val="50000"/>
+                  </a:schemeClr>
+                </a:solidFill>
+              </a:rPr>
+              <a:t>    image: </a:t>
+            </a:r>
+            <a:r>
+              <a:rPr lang="pl-PL" dirty="0" err="1">
+                <a:solidFill>
+                  <a:schemeClr val="accent4">
+                    <a:lumMod val="50000"/>
+                  </a:schemeClr>
+                </a:solidFill>
+              </a:rPr>
+              <a:t>redis</a:t>
+            </a:r>
+            <a:endParaRPr lang="pl-PL" dirty="0">
+              <a:solidFill>
+                <a:schemeClr val="accent4">
+                  <a:lumMod val="50000"/>
+                </a:schemeClr>
+              </a:solidFill>
+            </a:endParaRPr>
+          </a:p>
+          <a:p>
+            <a:r>
+              <a:rPr lang="pl-PL" b="1" dirty="0">
+                <a:solidFill>
+                  <a:schemeClr val="accent4">
+                    <a:lumMod val="50000"/>
+                  </a:schemeClr>
+                </a:solidFill>
+              </a:rPr>
+              <a:t>    </a:t>
+            </a:r>
+            <a:r>
+              <a:rPr lang="pl-PL" b="1" dirty="0" err="1">
+                <a:solidFill>
+                  <a:schemeClr val="accent4">
+                    <a:lumMod val="50000"/>
+                  </a:schemeClr>
+                </a:solidFill>
+              </a:rPr>
+              <a:t>resources</a:t>
+            </a:r>
+            <a:r>
+              <a:rPr lang="pl-PL" b="1" dirty="0">
+                <a:solidFill>
+                  <a:schemeClr val="accent4">
+                    <a:lumMod val="50000"/>
+                  </a:schemeClr>
+                </a:solidFill>
+              </a:rPr>
+              <a:t>:</a:t>
+            </a:r>
+          </a:p>
+          <a:p>
+            <a:r>
+              <a:rPr lang="pl-PL" b="1" dirty="0">
+                <a:solidFill>
+                  <a:schemeClr val="accent4">
+                    <a:lumMod val="50000"/>
+                  </a:schemeClr>
+                </a:solidFill>
+              </a:rPr>
+              <a:t>      </a:t>
+            </a:r>
+            <a:r>
+              <a:rPr lang="pl-PL" b="1" dirty="0" err="1">
+                <a:solidFill>
+                  <a:schemeClr val="accent4">
+                    <a:lumMod val="50000"/>
+                  </a:schemeClr>
+                </a:solidFill>
+              </a:rPr>
+              <a:t>limits</a:t>
+            </a:r>
+            <a:r>
+              <a:rPr lang="pl-PL" b="1" dirty="0">
+                <a:solidFill>
+                  <a:schemeClr val="accent4">
+                    <a:lumMod val="50000"/>
+                  </a:schemeClr>
+                </a:solidFill>
+              </a:rPr>
+              <a:t>:</a:t>
+            </a:r>
+          </a:p>
+          <a:p>
+            <a:r>
+              <a:rPr lang="pl-PL" b="1" dirty="0">
+                <a:solidFill>
+                  <a:schemeClr val="accent4">
+                    <a:lumMod val="50000"/>
+                  </a:schemeClr>
+                </a:solidFill>
+              </a:rPr>
+              <a:t>        </a:t>
+            </a:r>
+            <a:r>
+              <a:rPr lang="pl-PL" b="1" dirty="0" err="1">
+                <a:solidFill>
+                  <a:schemeClr val="accent4">
+                    <a:lumMod val="50000"/>
+                  </a:schemeClr>
+                </a:solidFill>
+              </a:rPr>
+              <a:t>memory</a:t>
+            </a:r>
+            <a:r>
+              <a:rPr lang="pl-PL" b="1" dirty="0">
+                <a:solidFill>
+                  <a:schemeClr val="accent4">
+                    <a:lumMod val="50000"/>
+                  </a:schemeClr>
+                </a:solidFill>
+              </a:rPr>
+              <a:t>: "1Gi"</a:t>
+            </a:r>
+          </a:p>
+          <a:p>
+            <a:r>
+              <a:rPr lang="pl-PL" b="1" dirty="0">
+                <a:solidFill>
+                  <a:schemeClr val="accent4">
+                    <a:lumMod val="50000"/>
+                  </a:schemeClr>
+                </a:solidFill>
+              </a:rPr>
+              <a:t>        </a:t>
+            </a:r>
+            <a:r>
+              <a:rPr lang="pl-PL" b="1" dirty="0" err="1">
+                <a:solidFill>
+                  <a:schemeClr val="accent4">
+                    <a:lumMod val="50000"/>
+                  </a:schemeClr>
+                </a:solidFill>
+              </a:rPr>
+              <a:t>cpu</a:t>
+            </a:r>
+            <a:r>
+              <a:rPr lang="pl-PL" b="1" dirty="0">
+                <a:solidFill>
+                  <a:schemeClr val="accent4">
+                    <a:lumMod val="50000"/>
+                  </a:schemeClr>
+                </a:solidFill>
+              </a:rPr>
+              <a:t>: "800m"      </a:t>
+            </a:r>
+          </a:p>
+          <a:p>
+            <a:r>
+              <a:rPr lang="pl-PL" b="1" dirty="0">
+                <a:solidFill>
+                  <a:schemeClr val="accent4">
+                    <a:lumMod val="50000"/>
+                  </a:schemeClr>
+                </a:solidFill>
+              </a:rPr>
+              <a:t>      </a:t>
+            </a:r>
+            <a:r>
+              <a:rPr lang="pl-PL" b="1" dirty="0" err="1">
+                <a:solidFill>
+                  <a:schemeClr val="accent4">
+                    <a:lumMod val="50000"/>
+                  </a:schemeClr>
+                </a:solidFill>
+              </a:rPr>
+              <a:t>requests</a:t>
+            </a:r>
+            <a:r>
+              <a:rPr lang="pl-PL" b="1" dirty="0">
+                <a:solidFill>
+                  <a:schemeClr val="accent4">
+                    <a:lumMod val="50000"/>
+                  </a:schemeClr>
+                </a:solidFill>
+              </a:rPr>
+              <a:t>:</a:t>
+            </a:r>
+          </a:p>
+          <a:p>
+            <a:r>
+              <a:rPr lang="pl-PL" b="1" dirty="0">
+                <a:solidFill>
+                  <a:schemeClr val="accent4">
+                    <a:lumMod val="50000"/>
+                  </a:schemeClr>
+                </a:solidFill>
+              </a:rPr>
+              <a:t>        </a:t>
+            </a:r>
+            <a:r>
+              <a:rPr lang="pl-PL" b="1" dirty="0" err="1">
+                <a:solidFill>
+                  <a:schemeClr val="accent4">
+                    <a:lumMod val="50000"/>
+                  </a:schemeClr>
+                </a:solidFill>
+              </a:rPr>
+              <a:t>memory</a:t>
+            </a:r>
+            <a:r>
+              <a:rPr lang="pl-PL" b="1" dirty="0">
+                <a:solidFill>
+                  <a:schemeClr val="accent4">
+                    <a:lumMod val="50000"/>
+                  </a:schemeClr>
+                </a:solidFill>
+              </a:rPr>
+              <a:t>: "700Mi"</a:t>
+            </a:r>
+          </a:p>
+          <a:p>
+            <a:r>
+              <a:rPr lang="pl-PL" b="1" dirty="0">
+                <a:solidFill>
+                  <a:schemeClr val="accent4">
+                    <a:lumMod val="50000"/>
+                  </a:schemeClr>
+                </a:solidFill>
+              </a:rPr>
+              <a:t>        </a:t>
+            </a:r>
+            <a:r>
+              <a:rPr lang="pl-PL" b="1" dirty="0" err="1">
+                <a:solidFill>
+                  <a:schemeClr val="accent4">
+                    <a:lumMod val="50000"/>
+                  </a:schemeClr>
+                </a:solidFill>
+              </a:rPr>
+              <a:t>cpu</a:t>
+            </a:r>
+            <a:r>
+              <a:rPr lang="pl-PL" b="1" dirty="0">
+                <a:solidFill>
+                  <a:schemeClr val="accent4">
+                    <a:lumMod val="50000"/>
+                  </a:schemeClr>
+                </a:solidFill>
+              </a:rPr>
+              <a:t>: "400m"</a:t>
+            </a:r>
+          </a:p>
+          <a:p>
+            <a:r>
+              <a:rPr lang="pl-PL" dirty="0"/>
+              <a:t> </a:t>
+            </a:r>
+          </a:p>
         </p:txBody>
       </p:sp>
     </p:spTree>
     <p:extLst>
       <p:ext uri="{BB962C8B-B14F-4D97-AF65-F5344CB8AC3E}">
-        <p14:creationId xmlns:p14="http://schemas.microsoft.com/office/powerpoint/2010/main" val="194794197"/>
+        <p14:creationId xmlns:p14="http://schemas.microsoft.com/office/powerpoint/2010/main" val="3781876501"/>
       </p:ext>
     </p:extLst>
   </p:cSld>
@@ -8336,12 +9173,8 @@
           <a:lstStyle/>
           <a:p>
             <a:r>
-              <a:rPr lang="pl-PL" dirty="0" smtClean="0"/>
-              <a:t>Resource </a:t>
-            </a:r>
-            <a:r>
               <a:rPr lang="pl-PL" dirty="0" err="1" smtClean="0"/>
-              <a:t>quota</a:t>
+              <a:t>Namespaces</a:t>
             </a:r>
             <a:endParaRPr lang="pl-PL" dirty="0"/>
           </a:p>
@@ -8349,384 +9182,87 @@
       </p:sp>
       <p:sp>
         <p:nvSpPr>
-          <p:cNvPr id="4" name="Prostokąt 3"/>
-          <p:cNvSpPr/>
-          <p:nvPr/>
-        </p:nvSpPr>
-        <p:spPr>
-          <a:xfrm>
-            <a:off x="755576" y="4725144"/>
-            <a:ext cx="6912768" cy="646331"/>
-          </a:xfrm>
-          <a:prstGeom prst="rect">
-            <a:avLst/>
-          </a:prstGeom>
-        </p:spPr>
-        <p:txBody>
-          <a:bodyPr wrap="square">
-            <a:spAutoFit/>
+          <p:cNvPr id="3" name="Symbol zastępczy zawartości 2"/>
+          <p:cNvSpPr>
+            <a:spLocks noGrp="1"/>
+          </p:cNvSpPr>
+          <p:nvPr>
+            <p:ph idx="1"/>
+          </p:nvPr>
+        </p:nvSpPr>
+        <p:spPr/>
+        <p:txBody>
+          <a:bodyPr>
+            <a:normAutofit fontScale="92500" lnSpcReduction="10000"/>
           </a:bodyPr>
           <a:lstStyle/>
           <a:p>
             <a:r>
-              <a:rPr lang="pl-PL" dirty="0">
-                <a:hlinkClick r:id="rId2"/>
-              </a:rPr>
-              <a:t>https://github.com/djkormo/k8s-AKS-primer/tree/master/examples/quotas</a:t>
-            </a:r>
-            <a:endParaRPr lang="pl-PL" dirty="0"/>
-          </a:p>
-        </p:txBody>
-      </p:sp>
-      <p:sp>
-        <p:nvSpPr>
-          <p:cNvPr id="5" name="Symbol zastępczy zawartości 4"/>
-          <p:cNvSpPr>
-            <a:spLocks noGrp="1"/>
-          </p:cNvSpPr>
-          <p:nvPr>
-            <p:ph idx="1"/>
-          </p:nvPr>
-        </p:nvSpPr>
-        <p:spPr/>
-        <p:txBody>
-          <a:bodyPr>
-            <a:normAutofit fontScale="85000" lnSpcReduction="20000"/>
-          </a:bodyPr>
-          <a:lstStyle/>
-          <a:p>
-            <a:pPr marL="0" indent="0">
-              <a:buNone/>
-            </a:pPr>
-            <a:r>
-              <a:rPr lang="pl-PL" dirty="0" err="1" smtClean="0">
+              <a:rPr lang="en-US" dirty="0"/>
+              <a:t>Beyond the individual container resources, you may want to investigate setting limits on namespaces. So what is a namespace? Namespaces can be used to define a cluster of applications, departments, or environments. Simply, Namespace refers to scope or grouping of objects in a Kubernetes </a:t>
+            </a:r>
+            <a:r>
+              <a:rPr lang="en-US" dirty="0" smtClean="0"/>
+              <a:t>cluster</a:t>
+            </a:r>
+            <a:endParaRPr lang="pl-PL" dirty="0" smtClean="0"/>
+          </a:p>
+          <a:p>
+            <a:endParaRPr lang="pl-PL" dirty="0" smtClean="0"/>
+          </a:p>
+          <a:p>
+            <a:r>
+              <a:rPr lang="en-US" dirty="0">
                 <a:solidFill>
                   <a:srgbClr val="FF0000"/>
                 </a:solidFill>
               </a:rPr>
-              <a:t>apiVersion</a:t>
-            </a:r>
-            <a:r>
-              <a:rPr lang="pl-PL" dirty="0" smtClean="0">
+              <a:t>At the Namespace level, you can set up </a:t>
+            </a:r>
+            <a:r>
+              <a:rPr lang="en-US" dirty="0" err="1">
                 <a:solidFill>
                   <a:srgbClr val="FF0000"/>
                 </a:solidFill>
               </a:rPr>
-              <a:t>: v1</a:t>
-            </a:r>
-          </a:p>
-          <a:p>
-            <a:pPr marL="0" indent="0">
-              <a:buNone/>
-            </a:pPr>
-            <a:r>
-              <a:rPr lang="pl-PL" dirty="0" err="1" smtClean="0">
+              <a:t>ResourceQuotas</a:t>
+            </a:r>
+            <a:r>
+              <a:rPr lang="en-US" dirty="0">
                 <a:solidFill>
                   <a:srgbClr val="FF0000"/>
                 </a:solidFill>
               </a:rPr>
-              <a:t>kind</a:t>
-            </a:r>
-            <a:r>
-              <a:rPr lang="pl-PL" dirty="0" smtClean="0">
+              <a:t> and </a:t>
+            </a:r>
+            <a:r>
+              <a:rPr lang="en-US" dirty="0" err="1">
                 <a:solidFill>
                   <a:srgbClr val="FF0000"/>
                 </a:solidFill>
               </a:rPr>
-              <a:t>: </a:t>
-            </a:r>
-            <a:r>
-              <a:rPr lang="pl-PL" dirty="0" err="1" smtClean="0">
+              <a:t>LimitRanges</a:t>
+            </a:r>
+            <a:r>
+              <a:rPr lang="en-US" dirty="0">
                 <a:solidFill>
                   <a:srgbClr val="FF0000"/>
                 </a:solidFill>
               </a:rPr>
-              <a:t>ResourceQuota</a:t>
-            </a:r>
-            <a:endParaRPr lang="pl-PL" dirty="0" smtClean="0">
+              <a:t>.</a:t>
+            </a:r>
+            <a:endParaRPr lang="pl-PL" dirty="0">
               <a:solidFill>
                 <a:srgbClr val="FF0000"/>
               </a:solidFill>
             </a:endParaRPr>
           </a:p>
-          <a:p>
-            <a:pPr marL="0" indent="0">
-              <a:buNone/>
-            </a:pPr>
-            <a:r>
-              <a:rPr lang="pl-PL" dirty="0" err="1" smtClean="0">
-                <a:solidFill>
-                  <a:schemeClr val="tx2"/>
-                </a:solidFill>
-              </a:rPr>
-              <a:t>metadata</a:t>
-            </a:r>
-            <a:r>
-              <a:rPr lang="pl-PL" dirty="0" smtClean="0">
-                <a:solidFill>
-                  <a:schemeClr val="tx2"/>
-                </a:solidFill>
-              </a:rPr>
-              <a:t>:</a:t>
-            </a:r>
-          </a:p>
-          <a:p>
-            <a:pPr marL="0" indent="0">
-              <a:buNone/>
-            </a:pPr>
-            <a:r>
-              <a:rPr lang="pl-PL" dirty="0" smtClean="0">
-                <a:solidFill>
-                  <a:schemeClr val="tx2"/>
-                </a:solidFill>
-              </a:rPr>
-              <a:t>  </a:t>
-            </a:r>
-            <a:r>
-              <a:rPr lang="pl-PL" dirty="0" err="1" smtClean="0">
-                <a:solidFill>
-                  <a:schemeClr val="tx2"/>
-                </a:solidFill>
-              </a:rPr>
-              <a:t>name</a:t>
-            </a:r>
-            <a:r>
-              <a:rPr lang="pl-PL" dirty="0" smtClean="0">
-                <a:solidFill>
-                  <a:schemeClr val="tx2"/>
-                </a:solidFill>
-              </a:rPr>
-              <a:t>: </a:t>
-            </a:r>
-            <a:r>
-              <a:rPr lang="pl-PL" dirty="0" err="1" smtClean="0">
-                <a:solidFill>
-                  <a:schemeClr val="tx2"/>
-                </a:solidFill>
-              </a:rPr>
-              <a:t>compute-resources</a:t>
-            </a:r>
-            <a:endParaRPr lang="pl-PL" dirty="0" smtClean="0">
-              <a:solidFill>
-                <a:schemeClr val="tx2"/>
-              </a:solidFill>
-            </a:endParaRPr>
-          </a:p>
-          <a:p>
-            <a:pPr marL="0" indent="0">
-              <a:buNone/>
-            </a:pPr>
-            <a:r>
-              <a:rPr lang="pl-PL" dirty="0" smtClean="0">
-                <a:solidFill>
-                  <a:schemeClr val="tx2"/>
-                </a:solidFill>
-              </a:rPr>
-              <a:t>spec:</a:t>
-            </a:r>
-          </a:p>
-          <a:p>
-            <a:pPr marL="0" indent="0">
-              <a:buNone/>
-            </a:pPr>
-            <a:r>
-              <a:rPr lang="pl-PL" dirty="0" smtClean="0">
-                <a:solidFill>
-                  <a:schemeClr val="tx2"/>
-                </a:solidFill>
-              </a:rPr>
-              <a:t>  hard:</a:t>
-            </a:r>
-          </a:p>
-          <a:p>
-            <a:pPr marL="0" indent="0">
-              <a:buNone/>
-            </a:pPr>
-            <a:r>
-              <a:rPr lang="pl-PL" dirty="0" smtClean="0">
-                <a:solidFill>
-                  <a:schemeClr val="tx2"/>
-                </a:solidFill>
-              </a:rPr>
-              <a:t>    </a:t>
-            </a:r>
-            <a:r>
-              <a:rPr lang="pl-PL" dirty="0" err="1" smtClean="0">
-                <a:solidFill>
-                  <a:schemeClr val="tx2"/>
-                </a:solidFill>
-              </a:rPr>
-              <a:t>pods</a:t>
-            </a:r>
-            <a:r>
-              <a:rPr lang="pl-PL" dirty="0" smtClean="0">
-                <a:solidFill>
-                  <a:schemeClr val="tx2"/>
-                </a:solidFill>
-              </a:rPr>
-              <a:t>: "20"</a:t>
-            </a:r>
-          </a:p>
-          <a:p>
-            <a:pPr marL="0" indent="0">
-              <a:buNone/>
-            </a:pPr>
-            <a:r>
-              <a:rPr lang="pl-PL" dirty="0" smtClean="0">
-                <a:solidFill>
-                  <a:schemeClr val="tx2"/>
-                </a:solidFill>
-              </a:rPr>
-              <a:t>    </a:t>
-            </a:r>
-            <a:r>
-              <a:rPr lang="pl-PL" dirty="0" err="1" smtClean="0">
-                <a:solidFill>
-                  <a:schemeClr val="tx2"/>
-                </a:solidFill>
-              </a:rPr>
-              <a:t>requests.cpu</a:t>
-            </a:r>
-            <a:r>
-              <a:rPr lang="pl-PL" dirty="0" smtClean="0">
-                <a:solidFill>
-                  <a:schemeClr val="tx2"/>
-                </a:solidFill>
-              </a:rPr>
-              <a:t>: "1"</a:t>
-            </a:r>
-          </a:p>
-          <a:p>
-            <a:pPr marL="0" indent="0">
-              <a:buNone/>
-            </a:pPr>
-            <a:r>
-              <a:rPr lang="pl-PL" dirty="0" smtClean="0">
-                <a:solidFill>
-                  <a:schemeClr val="tx2"/>
-                </a:solidFill>
-              </a:rPr>
-              <a:t>    </a:t>
-            </a:r>
-            <a:r>
-              <a:rPr lang="pl-PL" dirty="0" err="1" smtClean="0">
-                <a:solidFill>
-                  <a:schemeClr val="tx2"/>
-                </a:solidFill>
-              </a:rPr>
-              <a:t>requests.memory</a:t>
-            </a:r>
-            <a:r>
-              <a:rPr lang="pl-PL" dirty="0" smtClean="0">
-                <a:solidFill>
-                  <a:schemeClr val="tx2"/>
-                </a:solidFill>
-              </a:rPr>
-              <a:t>: 1Gi</a:t>
-            </a:r>
-          </a:p>
-          <a:p>
-            <a:pPr marL="0" indent="0">
-              <a:buNone/>
-            </a:pPr>
-            <a:r>
-              <a:rPr lang="pl-PL" dirty="0" smtClean="0">
-                <a:solidFill>
-                  <a:schemeClr val="tx2"/>
-                </a:solidFill>
-              </a:rPr>
-              <a:t>    </a:t>
-            </a:r>
-            <a:r>
-              <a:rPr lang="pl-PL" dirty="0" err="1" smtClean="0">
-                <a:solidFill>
-                  <a:schemeClr val="tx2"/>
-                </a:solidFill>
-              </a:rPr>
-              <a:t>limits.cpu</a:t>
-            </a:r>
-            <a:r>
-              <a:rPr lang="pl-PL" dirty="0" smtClean="0">
-                <a:solidFill>
-                  <a:schemeClr val="tx2"/>
-                </a:solidFill>
-              </a:rPr>
-              <a:t>: "2"</a:t>
-            </a:r>
-          </a:p>
-          <a:p>
-            <a:pPr marL="0" indent="0">
-              <a:buNone/>
-            </a:pPr>
-            <a:r>
-              <a:rPr lang="pl-PL" dirty="0" smtClean="0">
-                <a:solidFill>
-                  <a:schemeClr val="tx2"/>
-                </a:solidFill>
-              </a:rPr>
-              <a:t>    </a:t>
-            </a:r>
-            <a:r>
-              <a:rPr lang="pl-PL" dirty="0" err="1" smtClean="0">
-                <a:solidFill>
-                  <a:schemeClr val="tx2"/>
-                </a:solidFill>
-              </a:rPr>
-              <a:t>limits.memory</a:t>
-            </a:r>
-            <a:r>
-              <a:rPr lang="pl-PL" dirty="0" smtClean="0">
-                <a:solidFill>
-                  <a:schemeClr val="tx2"/>
-                </a:solidFill>
-              </a:rPr>
-              <a:t>: 2Gi</a:t>
-            </a:r>
-          </a:p>
-          <a:p>
-            <a:pPr marL="0" indent="0">
-              <a:buNone/>
-            </a:pPr>
-            <a:r>
-              <a:rPr lang="pl-PL" dirty="0" smtClean="0">
-                <a:solidFill>
-                  <a:schemeClr val="tx2"/>
-                </a:solidFill>
-              </a:rPr>
-              <a:t>    requests.nvidia.com/</a:t>
-            </a:r>
-            <a:r>
-              <a:rPr lang="pl-PL" dirty="0" err="1" smtClean="0">
-                <a:solidFill>
-                  <a:schemeClr val="tx2"/>
-                </a:solidFill>
-              </a:rPr>
-              <a:t>gpu</a:t>
-            </a:r>
-            <a:r>
-              <a:rPr lang="pl-PL" dirty="0" smtClean="0">
-                <a:solidFill>
-                  <a:schemeClr val="tx2"/>
-                </a:solidFill>
-              </a:rPr>
-              <a:t>: 3</a:t>
-            </a:r>
-            <a:endParaRPr lang="pl-PL" dirty="0" smtClean="0">
-              <a:solidFill>
-                <a:schemeClr val="tx2"/>
-              </a:solidFill>
-              <a:hlinkClick r:id="rId2"/>
-            </a:endParaRPr>
-          </a:p>
-          <a:p>
-            <a:endParaRPr lang="pl-PL" dirty="0"/>
-          </a:p>
         </p:txBody>
       </p:sp>
     </p:spTree>
     <p:extLst>
       <p:ext uri="{BB962C8B-B14F-4D97-AF65-F5344CB8AC3E}">
-        <p14:creationId xmlns:p14="http://schemas.microsoft.com/office/powerpoint/2010/main" val="4111604730"/>
+        <p14:creationId xmlns:p14="http://schemas.microsoft.com/office/powerpoint/2010/main" val="194794197"/>
       </p:ext>
     </p:extLst>
   </p:cSld>
@@ -8777,11 +9313,11 @@
           <a:p>
             <a:r>
               <a:rPr lang="pl-PL" dirty="0" smtClean="0"/>
-              <a:t>Limit </a:t>
+              <a:t>Resource </a:t>
             </a:r>
             <a:r>
               <a:rPr lang="pl-PL" dirty="0" err="1" smtClean="0"/>
-              <a:t>range</a:t>
+              <a:t>quota</a:t>
             </a:r>
             <a:endParaRPr lang="pl-PL" dirty="0"/>
           </a:p>
@@ -8789,35 +9325,69 @@
       </p:sp>
       <p:sp>
         <p:nvSpPr>
-          <p:cNvPr id="3" name="Symbol zastępczy zawartości 2"/>
-          <p:cNvSpPr>
-            <a:spLocks noGrp="1"/>
-          </p:cNvSpPr>
-          <p:nvPr>
-            <p:ph idx="1"/>
-          </p:nvPr>
+          <p:cNvPr id="4" name="Prostokąt 3"/>
+          <p:cNvSpPr/>
+          <p:nvPr/>
         </p:nvSpPr>
         <p:spPr>
           <a:xfrm>
-            <a:off x="502920" y="530352"/>
-            <a:ext cx="8183880" cy="5130896"/>
+            <a:off x="755576" y="4725144"/>
+            <a:ext cx="6912768" cy="646331"/>
           </a:xfrm>
+          <a:prstGeom prst="rect">
+            <a:avLst/>
+          </a:prstGeom>
         </p:spPr>
         <p:txBody>
-          <a:bodyPr>
-            <a:normAutofit fontScale="62500" lnSpcReduction="20000"/>
+          <a:bodyPr wrap="square">
+            <a:spAutoFit/>
           </a:bodyPr>
           <a:lstStyle/>
           <a:p>
+            <a:r>
+              <a:rPr lang="pl-PL" dirty="0">
+                <a:hlinkClick r:id="rId2"/>
+              </a:rPr>
+              <a:t>https://github.com/djkormo/k8s-AKS-primer/tree/master/examples/quotas</a:t>
+            </a:r>
+            <a:endParaRPr lang="pl-PL" dirty="0"/>
+          </a:p>
+        </p:txBody>
+      </p:sp>
+      <p:sp>
+        <p:nvSpPr>
+          <p:cNvPr id="5" name="Symbol zastępczy zawartości 4"/>
+          <p:cNvSpPr>
+            <a:spLocks noGrp="1"/>
+          </p:cNvSpPr>
+          <p:nvPr>
+            <p:ph idx="1"/>
+          </p:nvPr>
+        </p:nvSpPr>
+        <p:spPr/>
+        <p:txBody>
+          <a:bodyPr>
+            <a:normAutofit fontScale="85000" lnSpcReduction="20000"/>
+          </a:bodyPr>
+          <a:lstStyle/>
+          <a:p>
             <a:pPr marL="0" indent="0">
               <a:buNone/>
             </a:pPr>
             <a:r>
-              <a:rPr lang="pl-PL" dirty="0" err="1"/>
+              <a:rPr lang="pl-PL" dirty="0" err="1" smtClean="0">
+                <a:solidFill>
+                  <a:srgbClr val="FF0000"/>
+                </a:solidFill>
+              </a:rPr>
               <a:t>apiVersion</a:t>
             </a:r>
             <a:r>
-              <a:rPr lang="pl-PL" dirty="0"/>
+              <a:rPr lang="pl-PL" dirty="0" smtClean="0">
+                <a:solidFill>
+                  <a:srgbClr val="FF0000"/>
+                </a:solidFill>
+              </a:rPr>
               <a:t>: v1</a:t>
             </a:r>
           </a:p>
@@ -8826,334 +9396,326 @@
               <a:buNone/>
             </a:pPr>
             <a:r>
-              <a:rPr lang="pl-PL" dirty="0" err="1"/>
+              <a:rPr lang="pl-PL" dirty="0" err="1" smtClean="0">
+                <a:solidFill>
+                  <a:srgbClr val="FF0000"/>
+                </a:solidFill>
+              </a:rPr>
               <a:t>kind</a:t>
             </a:r>
             <a:r>
-              <a:rPr lang="pl-PL" dirty="0"/>
+              <a:rPr lang="pl-PL" dirty="0" smtClean="0">
+                <a:solidFill>
+                  <a:srgbClr val="FF0000"/>
+                </a:solidFill>
+              </a:rPr>
               <a:t>: </a:t>
             </a:r>
             <a:r>
-              <a:rPr lang="pl-PL" dirty="0" err="1"/>
-              <a:t>LimitRange</a:t>
-            </a:r>
-            <a:endParaRPr lang="pl-PL" dirty="0"/>
-          </a:p>
-          <a:p>
-            <a:pPr marL="0" indent="0">
-              <a:buNone/>
-            </a:pPr>
-            <a:r>
-              <a:rPr lang="pl-PL" dirty="0" err="1"/>
-              <a:t>metadata</a:t>
-            </a:r>
-            <a:r>
-              <a:rPr lang="pl-PL" dirty="0"/>
-              <a:t>:</a:t>
-            </a:r>
-          </a:p>
-          <a:p>
-            <a:pPr marL="0" indent="0">
-              <a:buNone/>
-            </a:pPr>
-            <a:r>
-              <a:rPr lang="pl-PL" dirty="0"/>
-              <a:t>  </a:t>
-            </a:r>
-            <a:r>
-              <a:rPr lang="pl-PL" dirty="0" err="1"/>
-              <a:t>name</a:t>
-            </a:r>
-            <a:r>
-              <a:rPr lang="pl-PL" dirty="0"/>
-              <a:t>: limit-</a:t>
-            </a:r>
-            <a:r>
-              <a:rPr lang="pl-PL" dirty="0" err="1"/>
-              <a:t>mem</a:t>
-            </a:r>
-            <a:r>
-              <a:rPr lang="pl-PL" dirty="0"/>
-              <a:t>-</a:t>
-            </a:r>
-            <a:r>
-              <a:rPr lang="pl-PL" dirty="0" err="1"/>
-              <a:t>cpu</a:t>
-            </a:r>
-            <a:r>
-              <a:rPr lang="pl-PL" dirty="0"/>
-              <a:t>-per-</a:t>
-            </a:r>
-            <a:r>
-              <a:rPr lang="pl-PL" dirty="0" err="1"/>
-              <a:t>container</a:t>
-            </a:r>
-            <a:endParaRPr lang="pl-PL" dirty="0"/>
-          </a:p>
-          <a:p>
-            <a:pPr marL="0" indent="0">
-              <a:buNone/>
-            </a:pPr>
-            <a:r>
-              <a:rPr lang="pl-PL" dirty="0"/>
-              <a:t>spec:</a:t>
-            </a:r>
-          </a:p>
-          <a:p>
-            <a:pPr marL="0" indent="0">
-              <a:buNone/>
-            </a:pPr>
-            <a:r>
-              <a:rPr lang="pl-PL" dirty="0"/>
-              <a:t>  </a:t>
-            </a:r>
-            <a:r>
-              <a:rPr lang="pl-PL" dirty="0" err="1"/>
-              <a:t>limits</a:t>
-            </a:r>
-            <a:r>
-              <a:rPr lang="pl-PL" dirty="0"/>
-              <a:t>:</a:t>
-            </a:r>
-          </a:p>
-          <a:p>
-            <a:pPr marL="0" indent="0">
-              <a:buNone/>
-            </a:pPr>
-            <a:r>
-              <a:rPr lang="pl-PL" dirty="0"/>
-              <a:t>  - max:</a:t>
-            </a:r>
-          </a:p>
-          <a:p>
-            <a:pPr marL="0" indent="0">
-              <a:buNone/>
-            </a:pPr>
-            <a:r>
-              <a:rPr lang="pl-PL" dirty="0"/>
-              <a:t>      </a:t>
-            </a:r>
-            <a:r>
-              <a:rPr lang="pl-PL" dirty="0" err="1"/>
-              <a:t>cpu</a:t>
-            </a:r>
-            <a:r>
-              <a:rPr lang="pl-PL" dirty="0"/>
-              <a:t>: "800m"</a:t>
-            </a:r>
-          </a:p>
-          <a:p>
-            <a:pPr marL="0" indent="0">
-              <a:buNone/>
-            </a:pPr>
-            <a:r>
-              <a:rPr lang="pl-PL" dirty="0"/>
-              <a:t>      </a:t>
-            </a:r>
-            <a:r>
-              <a:rPr lang="pl-PL" dirty="0" err="1"/>
-              <a:t>memory</a:t>
-            </a:r>
-            <a:r>
-              <a:rPr lang="pl-PL" dirty="0"/>
-              <a:t>: "1Gi"</a:t>
-            </a:r>
-          </a:p>
-          <a:p>
-            <a:pPr marL="0" indent="0">
-              <a:buNone/>
-            </a:pPr>
-            <a:r>
-              <a:rPr lang="pl-PL" dirty="0"/>
-              <a:t>    min:</a:t>
-            </a:r>
-          </a:p>
-          <a:p>
-            <a:pPr marL="0" indent="0">
-              <a:buNone/>
-            </a:pPr>
-            <a:r>
-              <a:rPr lang="pl-PL" dirty="0"/>
-              <a:t>      </a:t>
-            </a:r>
-            <a:r>
-              <a:rPr lang="pl-PL" dirty="0" err="1"/>
-              <a:t>cpu</a:t>
-            </a:r>
-            <a:r>
-              <a:rPr lang="pl-PL" dirty="0"/>
-              <a:t>: "50m"</a:t>
-            </a:r>
-          </a:p>
-          <a:p>
-            <a:pPr marL="0" indent="0">
-              <a:buNone/>
-            </a:pPr>
-            <a:r>
-              <a:rPr lang="pl-PL" dirty="0"/>
-              <a:t>      </a:t>
-            </a:r>
-            <a:r>
-              <a:rPr lang="pl-PL" dirty="0" err="1"/>
-              <a:t>memory</a:t>
-            </a:r>
-            <a:r>
-              <a:rPr lang="pl-PL" dirty="0"/>
-              <a:t>: "50Mi"</a:t>
-            </a:r>
-          </a:p>
-          <a:p>
-            <a:pPr marL="0" indent="0">
-              <a:buNone/>
-            </a:pPr>
-            <a:r>
-              <a:rPr lang="pl-PL" dirty="0"/>
-              <a:t>    </a:t>
-            </a:r>
-            <a:r>
-              <a:rPr lang="pl-PL" dirty="0" err="1"/>
-              <a:t>default</a:t>
-            </a:r>
-            <a:r>
-              <a:rPr lang="pl-PL" dirty="0"/>
-              <a:t>:</a:t>
-            </a:r>
-          </a:p>
-          <a:p>
-            <a:pPr marL="0" indent="0">
-              <a:buNone/>
-            </a:pPr>
-            <a:r>
-              <a:rPr lang="pl-PL" dirty="0"/>
-              <a:t>      </a:t>
-            </a:r>
-            <a:r>
-              <a:rPr lang="pl-PL" dirty="0" err="1"/>
-              <a:t>cpu</a:t>
-            </a:r>
-            <a:r>
-              <a:rPr lang="pl-PL" dirty="0"/>
-              <a:t>: "200m"</a:t>
-            </a:r>
-          </a:p>
-          <a:p>
-            <a:pPr marL="0" indent="0">
-              <a:buNone/>
-            </a:pPr>
-            <a:r>
-              <a:rPr lang="pl-PL" dirty="0"/>
-              <a:t>      </a:t>
-            </a:r>
-            <a:r>
-              <a:rPr lang="pl-PL" dirty="0" err="1"/>
-              <a:t>memory</a:t>
-            </a:r>
-            <a:r>
-              <a:rPr lang="pl-PL" dirty="0"/>
-              <a:t>: "200Mi"</a:t>
-            </a:r>
-          </a:p>
-          <a:p>
-            <a:pPr marL="0" indent="0">
-              <a:buNone/>
-            </a:pPr>
-            <a:r>
-              <a:rPr lang="pl-PL" dirty="0"/>
-              <a:t>    </a:t>
-            </a:r>
-            <a:r>
-              <a:rPr lang="pl-PL" dirty="0" err="1"/>
-              <a:t>defaultRequest</a:t>
-            </a:r>
-            <a:r>
-              <a:rPr lang="pl-PL" dirty="0"/>
-              <a:t>:</a:t>
-            </a:r>
-          </a:p>
-          <a:p>
-            <a:pPr marL="0" indent="0">
-              <a:buNone/>
-            </a:pPr>
-            <a:r>
-              <a:rPr lang="pl-PL" dirty="0"/>
-              <a:t>      </a:t>
-            </a:r>
-            <a:r>
-              <a:rPr lang="pl-PL" dirty="0" err="1"/>
-              <a:t>cpu</a:t>
-            </a:r>
-            <a:r>
-              <a:rPr lang="pl-PL" dirty="0"/>
-              <a:t>: "100m"</a:t>
-            </a:r>
-          </a:p>
-          <a:p>
-            <a:pPr marL="0" indent="0">
-              <a:buNone/>
-            </a:pPr>
-            <a:r>
-              <a:rPr lang="pl-PL" dirty="0"/>
-              <a:t>      </a:t>
-            </a:r>
-            <a:r>
-              <a:rPr lang="pl-PL" dirty="0" err="1"/>
-              <a:t>memory</a:t>
-            </a:r>
-            <a:r>
-              <a:rPr lang="pl-PL" dirty="0"/>
-              <a:t>: "100Mi"</a:t>
-            </a:r>
-          </a:p>
-          <a:p>
-            <a:pPr marL="0" indent="0">
-              <a:buNone/>
-            </a:pPr>
-            <a:r>
-              <a:rPr lang="pl-PL" dirty="0"/>
-              <a:t>    </a:t>
-            </a:r>
-            <a:r>
-              <a:rPr lang="pl-PL" dirty="0" err="1">
+              <a:rPr lang="pl-PL" dirty="0" err="1" smtClean="0">
                 <a:solidFill>
                   <a:srgbClr val="FF0000"/>
                 </a:solidFill>
               </a:rPr>
-              <a:t>type</a:t>
-            </a:r>
-            <a:r>
-              <a:rPr lang="pl-PL" dirty="0">
-                <a:solidFill>
-                  <a:srgbClr val="FF0000"/>
-                </a:solidFill>
-              </a:rPr>
-              <a:t>: </a:t>
-            </a:r>
-            <a:r>
-              <a:rPr lang="pl-PL" dirty="0" err="1">
-                <a:solidFill>
-                  <a:srgbClr val="FF0000"/>
-                </a:solidFill>
-              </a:rPr>
-              <a:t>Container</a:t>
-            </a:r>
-            <a:endParaRPr lang="pl-PL" dirty="0">
+              <a:t>ResourceQuota</a:t>
+            </a:r>
+            <a:endParaRPr lang="pl-PL" dirty="0" smtClean="0">
               <a:solidFill>
                 <a:srgbClr val="FF0000"/>
               </a:solidFill>
             </a:endParaRPr>
           </a:p>
+          <a:p>
+            <a:pPr marL="0" indent="0">
+              <a:buNone/>
+            </a:pPr>
+            <a:r>
+              <a:rPr lang="pl-PL" dirty="0" err="1" smtClean="0">
+                <a:solidFill>
+                  <a:schemeClr val="tx2"/>
+                </a:solidFill>
+              </a:rPr>
+              <a:t>metadata</a:t>
+            </a:r>
+            <a:r>
+              <a:rPr lang="pl-PL" dirty="0" smtClean="0">
+                <a:solidFill>
+                  <a:schemeClr val="tx2"/>
+                </a:solidFill>
+              </a:rPr>
+              <a:t>:</a:t>
+            </a:r>
+          </a:p>
+          <a:p>
+            <a:pPr marL="0" indent="0">
+              <a:buNone/>
+            </a:pPr>
+            <a:r>
+              <a:rPr lang="pl-PL" dirty="0" smtClean="0">
+                <a:solidFill>
+                  <a:schemeClr val="tx2"/>
+                </a:solidFill>
+              </a:rPr>
+              <a:t>  </a:t>
+            </a:r>
+            <a:r>
+              <a:rPr lang="pl-PL" dirty="0" err="1" smtClean="0">
+                <a:solidFill>
+                  <a:schemeClr val="tx2"/>
+                </a:solidFill>
+              </a:rPr>
+              <a:t>name</a:t>
+            </a:r>
+            <a:r>
+              <a:rPr lang="pl-PL" dirty="0" smtClean="0">
+                <a:solidFill>
+                  <a:schemeClr val="tx2"/>
+                </a:solidFill>
+              </a:rPr>
+              <a:t>: </a:t>
+            </a:r>
+            <a:r>
+              <a:rPr lang="pl-PL" dirty="0" err="1" smtClean="0">
+                <a:solidFill>
+                  <a:schemeClr val="tx2"/>
+                </a:solidFill>
+              </a:rPr>
+              <a:t>compute-resources</a:t>
+            </a:r>
+            <a:endParaRPr lang="pl-PL" dirty="0" smtClean="0">
+              <a:solidFill>
+                <a:schemeClr val="tx2"/>
+              </a:solidFill>
+            </a:endParaRPr>
+          </a:p>
+          <a:p>
+            <a:pPr marL="0" indent="0">
+              <a:buNone/>
+            </a:pPr>
+            <a:r>
+              <a:rPr lang="pl-PL" dirty="0" smtClean="0">
+                <a:solidFill>
+                  <a:schemeClr val="tx2"/>
+                </a:solidFill>
+              </a:rPr>
+              <a:t>spec:</a:t>
+            </a:r>
+          </a:p>
+          <a:p>
+            <a:pPr marL="0" indent="0">
+              <a:buNone/>
+            </a:pPr>
+            <a:r>
+              <a:rPr lang="pl-PL" dirty="0" smtClean="0">
+                <a:solidFill>
+                  <a:schemeClr val="tx2"/>
+                </a:solidFill>
+              </a:rPr>
+              <a:t>  hard:</a:t>
+            </a:r>
+          </a:p>
+          <a:p>
+            <a:pPr marL="0" indent="0">
+              <a:buNone/>
+            </a:pPr>
+            <a:r>
+              <a:rPr lang="pl-PL" dirty="0" smtClean="0">
+                <a:solidFill>
+                  <a:schemeClr val="tx2"/>
+                </a:solidFill>
+              </a:rPr>
+              <a:t>    </a:t>
+            </a:r>
+            <a:r>
+              <a:rPr lang="pl-PL" dirty="0" err="1" smtClean="0">
+                <a:solidFill>
+                  <a:schemeClr val="tx2"/>
+                </a:solidFill>
+              </a:rPr>
+              <a:t>pods</a:t>
+            </a:r>
+            <a:r>
+              <a:rPr lang="pl-PL" dirty="0" smtClean="0">
+                <a:solidFill>
+                  <a:schemeClr val="tx2"/>
+                </a:solidFill>
+              </a:rPr>
+              <a:t>: "20"</a:t>
+            </a:r>
+          </a:p>
+          <a:p>
+            <a:pPr marL="0" indent="0">
+              <a:buNone/>
+            </a:pPr>
+            <a:r>
+              <a:rPr lang="pl-PL" dirty="0" smtClean="0">
+                <a:solidFill>
+                  <a:schemeClr val="tx2"/>
+                </a:solidFill>
+              </a:rPr>
+              <a:t>    </a:t>
+            </a:r>
+            <a:r>
+              <a:rPr lang="pl-PL" dirty="0" err="1" smtClean="0">
+                <a:solidFill>
+                  <a:schemeClr val="tx2"/>
+                </a:solidFill>
+              </a:rPr>
+              <a:t>requests.cpu</a:t>
+            </a:r>
+            <a:r>
+              <a:rPr lang="pl-PL" dirty="0" smtClean="0">
+                <a:solidFill>
+                  <a:schemeClr val="tx2"/>
+                </a:solidFill>
+              </a:rPr>
+              <a:t>: "1"</a:t>
+            </a:r>
+          </a:p>
+          <a:p>
+            <a:pPr marL="0" indent="0">
+              <a:buNone/>
+            </a:pPr>
+            <a:r>
+              <a:rPr lang="pl-PL" dirty="0" smtClean="0">
+                <a:solidFill>
+                  <a:schemeClr val="tx2"/>
+                </a:solidFill>
+              </a:rPr>
+              <a:t>    </a:t>
+            </a:r>
+            <a:r>
+              <a:rPr lang="pl-PL" dirty="0" err="1" smtClean="0">
+                <a:solidFill>
+                  <a:schemeClr val="tx2"/>
+                </a:solidFill>
+              </a:rPr>
+              <a:t>requests.memory</a:t>
+            </a:r>
+            <a:r>
+              <a:rPr lang="pl-PL" dirty="0" smtClean="0">
+                <a:solidFill>
+                  <a:schemeClr val="tx2"/>
+                </a:solidFill>
+              </a:rPr>
+              <a:t>: 1Gi</a:t>
+            </a:r>
+          </a:p>
+          <a:p>
+            <a:pPr marL="0" indent="0">
+              <a:buNone/>
+            </a:pPr>
+            <a:r>
+              <a:rPr lang="pl-PL" dirty="0" smtClean="0">
+                <a:solidFill>
+                  <a:schemeClr val="tx2"/>
+                </a:solidFill>
+              </a:rPr>
+              <a:t>    </a:t>
+            </a:r>
+            <a:r>
+              <a:rPr lang="pl-PL" dirty="0" err="1" smtClean="0">
+                <a:solidFill>
+                  <a:schemeClr val="tx2"/>
+                </a:solidFill>
+              </a:rPr>
+              <a:t>limits.cpu</a:t>
+            </a:r>
+            <a:r>
+              <a:rPr lang="pl-PL" dirty="0" smtClean="0">
+                <a:solidFill>
+                  <a:schemeClr val="tx2"/>
+                </a:solidFill>
+              </a:rPr>
+              <a:t>: "2"</a:t>
+            </a:r>
+          </a:p>
+          <a:p>
+            <a:pPr marL="0" indent="0">
+              <a:buNone/>
+            </a:pPr>
+            <a:r>
+              <a:rPr lang="pl-PL" dirty="0" smtClean="0">
+                <a:solidFill>
+                  <a:schemeClr val="tx2"/>
+                </a:solidFill>
+              </a:rPr>
+              <a:t>    </a:t>
+            </a:r>
+            <a:r>
+              <a:rPr lang="pl-PL" dirty="0" err="1" smtClean="0">
+                <a:solidFill>
+                  <a:schemeClr val="tx2"/>
+                </a:solidFill>
+              </a:rPr>
+              <a:t>limits.memory</a:t>
+            </a:r>
+            <a:r>
+              <a:rPr lang="pl-PL" dirty="0" smtClean="0">
+                <a:solidFill>
+                  <a:schemeClr val="tx2"/>
+                </a:solidFill>
+              </a:rPr>
+              <a:t>: 2Gi</a:t>
+            </a:r>
+          </a:p>
+          <a:p>
+            <a:pPr marL="0" indent="0">
+              <a:buNone/>
+            </a:pPr>
+            <a:r>
+              <a:rPr lang="pl-PL" dirty="0" smtClean="0">
+                <a:solidFill>
+                  <a:schemeClr val="tx2"/>
+                </a:solidFill>
+              </a:rPr>
+              <a:t>    requests.nvidia.com/</a:t>
+            </a:r>
+            <a:r>
+              <a:rPr lang="pl-PL" dirty="0" err="1" smtClean="0">
+                <a:solidFill>
+                  <a:schemeClr val="tx2"/>
+                </a:solidFill>
+              </a:rPr>
+              <a:t>gpu</a:t>
+            </a:r>
+            <a:r>
+              <a:rPr lang="pl-PL" dirty="0" smtClean="0">
+                <a:solidFill>
+                  <a:schemeClr val="tx2"/>
+                </a:solidFill>
+              </a:rPr>
+              <a:t>: 3</a:t>
+            </a:r>
+            <a:endParaRPr lang="pl-PL" dirty="0" smtClean="0">
+              <a:solidFill>
+                <a:schemeClr val="tx2"/>
+              </a:solidFill>
+              <a:hlinkClick r:id="rId2"/>
+            </a:endParaRPr>
+          </a:p>
+          <a:p>
+            <a:endParaRPr lang="pl-PL" dirty="0"/>
+          </a:p>
         </p:txBody>
       </p:sp>
     </p:spTree>
     <p:extLst>
       <p:ext uri="{BB962C8B-B14F-4D97-AF65-F5344CB8AC3E}">
-        <p14:creationId xmlns:p14="http://schemas.microsoft.com/office/powerpoint/2010/main" val="1770858312"/>
+        <p14:creationId xmlns:p14="http://schemas.microsoft.com/office/powerpoint/2010/main" val="4111604730"/>
       </p:ext>
     </p:extLst>
   </p:cSld>
   <p:clrMapOvr>
     <a:masterClrMapping/>
   </p:clrMapOvr>
+  <p:timing>
+    <p:tnLst>
+      <p:par>
+        <p:cTn id="1" dur="indefinite" restart="never" nodeType="tmRoot"/>
+      </p:par>
+    </p:tnLst>
+  </p:timing>
 </p:sld>
 </file>
 

--- a/examples/atwar/presentation/Kubernetes at war on Azure.pptx
+++ b/examples/atwar/presentation/Kubernetes at war on Azure.pptx
@@ -8,28 +8,29 @@
     <p:sldId id="256" r:id="rId2"/>
     <p:sldId id="277" r:id="rId3"/>
     <p:sldId id="259" r:id="rId4"/>
-    <p:sldId id="275" r:id="rId5"/>
-    <p:sldId id="258" r:id="rId6"/>
-    <p:sldId id="279" r:id="rId7"/>
-    <p:sldId id="266" r:id="rId8"/>
-    <p:sldId id="265" r:id="rId9"/>
-    <p:sldId id="257" r:id="rId10"/>
-    <p:sldId id="276" r:id="rId11"/>
-    <p:sldId id="270" r:id="rId12"/>
-    <p:sldId id="267" r:id="rId13"/>
-    <p:sldId id="262" r:id="rId14"/>
-    <p:sldId id="263" r:id="rId15"/>
-    <p:sldId id="261" r:id="rId16"/>
-    <p:sldId id="269" r:id="rId17"/>
-    <p:sldId id="278" r:id="rId18"/>
-    <p:sldId id="260" r:id="rId19"/>
-    <p:sldId id="280" r:id="rId20"/>
-    <p:sldId id="271" r:id="rId21"/>
-    <p:sldId id="273" r:id="rId22"/>
-    <p:sldId id="272" r:id="rId23"/>
-    <p:sldId id="274" r:id="rId24"/>
-    <p:sldId id="268" r:id="rId25"/>
-    <p:sldId id="264" r:id="rId26"/>
+    <p:sldId id="281" r:id="rId5"/>
+    <p:sldId id="275" r:id="rId6"/>
+    <p:sldId id="258" r:id="rId7"/>
+    <p:sldId id="279" r:id="rId8"/>
+    <p:sldId id="266" r:id="rId9"/>
+    <p:sldId id="265" r:id="rId10"/>
+    <p:sldId id="257" r:id="rId11"/>
+    <p:sldId id="276" r:id="rId12"/>
+    <p:sldId id="270" r:id="rId13"/>
+    <p:sldId id="267" r:id="rId14"/>
+    <p:sldId id="262" r:id="rId15"/>
+    <p:sldId id="263" r:id="rId16"/>
+    <p:sldId id="261" r:id="rId17"/>
+    <p:sldId id="269" r:id="rId18"/>
+    <p:sldId id="278" r:id="rId19"/>
+    <p:sldId id="260" r:id="rId20"/>
+    <p:sldId id="280" r:id="rId21"/>
+    <p:sldId id="271" r:id="rId22"/>
+    <p:sldId id="273" r:id="rId23"/>
+    <p:sldId id="272" r:id="rId24"/>
+    <p:sldId id="274" r:id="rId25"/>
+    <p:sldId id="268" r:id="rId26"/>
+    <p:sldId id="264" r:id="rId27"/>
   </p:sldIdLst>
   <p:sldSz cx="9144000" cy="6858000" type="screen4x3"/>
   <p:notesSz cx="6858000" cy="9144000"/>
@@ -4007,11 +4008,11 @@
           <a:p>
             <a:r>
               <a:rPr lang="pl-PL" dirty="0" smtClean="0"/>
-              <a:t>Limit </a:t>
+              <a:t>Resource </a:t>
             </a:r>
             <a:r>
               <a:rPr lang="pl-PL" dirty="0" err="1" smtClean="0"/>
-              <a:t>range</a:t>
+              <a:t>quota</a:t>
             </a:r>
             <a:endParaRPr lang="pl-PL" dirty="0"/>
           </a:p>
@@ -4019,35 +4020,69 @@
       </p:sp>
       <p:sp>
         <p:nvSpPr>
-          <p:cNvPr id="3" name="Symbol zastępczy zawartości 2"/>
-          <p:cNvSpPr>
-            <a:spLocks noGrp="1"/>
-          </p:cNvSpPr>
-          <p:nvPr>
-            <p:ph idx="1"/>
-          </p:nvPr>
+          <p:cNvPr id="4" name="Prostokąt 3"/>
+          <p:cNvSpPr/>
+          <p:nvPr/>
         </p:nvSpPr>
         <p:spPr>
           <a:xfrm>
-            <a:off x="502920" y="530352"/>
-            <a:ext cx="8183880" cy="5130896"/>
+            <a:off x="755576" y="4725144"/>
+            <a:ext cx="6912768" cy="646331"/>
           </a:xfrm>
+          <a:prstGeom prst="rect">
+            <a:avLst/>
+          </a:prstGeom>
         </p:spPr>
         <p:txBody>
-          <a:bodyPr>
-            <a:normAutofit fontScale="62500" lnSpcReduction="20000"/>
+          <a:bodyPr wrap="square">
+            <a:spAutoFit/>
           </a:bodyPr>
           <a:lstStyle/>
           <a:p>
+            <a:r>
+              <a:rPr lang="pl-PL" dirty="0">
+                <a:hlinkClick r:id="rId2"/>
+              </a:rPr>
+              <a:t>https://github.com/djkormo/k8s-AKS-primer/tree/master/examples/quotas</a:t>
+            </a:r>
+            <a:endParaRPr lang="pl-PL" dirty="0"/>
+          </a:p>
+        </p:txBody>
+      </p:sp>
+      <p:sp>
+        <p:nvSpPr>
+          <p:cNvPr id="5" name="Symbol zastępczy zawartości 4"/>
+          <p:cNvSpPr>
+            <a:spLocks noGrp="1"/>
+          </p:cNvSpPr>
+          <p:nvPr>
+            <p:ph idx="1"/>
+          </p:nvPr>
+        </p:nvSpPr>
+        <p:spPr/>
+        <p:txBody>
+          <a:bodyPr>
+            <a:normAutofit fontScale="85000" lnSpcReduction="20000"/>
+          </a:bodyPr>
+          <a:lstStyle/>
+          <a:p>
             <a:pPr marL="0" indent="0">
               <a:buNone/>
             </a:pPr>
             <a:r>
-              <a:rPr lang="pl-PL" dirty="0" err="1"/>
+              <a:rPr lang="pl-PL" dirty="0" err="1" smtClean="0">
+                <a:solidFill>
+                  <a:srgbClr val="FF0000"/>
+                </a:solidFill>
+              </a:rPr>
               <a:t>apiVersion</a:t>
             </a:r>
             <a:r>
-              <a:rPr lang="pl-PL" dirty="0"/>
+              <a:rPr lang="pl-PL" dirty="0" smtClean="0">
+                <a:solidFill>
+                  <a:srgbClr val="FF0000"/>
+                </a:solidFill>
+              </a:rPr>
               <a:t>: v1</a:t>
             </a:r>
           </a:p>
@@ -4056,334 +4091,326 @@
               <a:buNone/>
             </a:pPr>
             <a:r>
-              <a:rPr lang="pl-PL" dirty="0" err="1"/>
+              <a:rPr lang="pl-PL" dirty="0" err="1" smtClean="0">
+                <a:solidFill>
+                  <a:srgbClr val="FF0000"/>
+                </a:solidFill>
+              </a:rPr>
               <a:t>kind</a:t>
             </a:r>
             <a:r>
-              <a:rPr lang="pl-PL" dirty="0"/>
+              <a:rPr lang="pl-PL" dirty="0" smtClean="0">
+                <a:solidFill>
+                  <a:srgbClr val="FF0000"/>
+                </a:solidFill>
+              </a:rPr>
               <a:t>: </a:t>
             </a:r>
             <a:r>
-              <a:rPr lang="pl-PL" dirty="0" err="1"/>
-              <a:t>LimitRange</a:t>
-            </a:r>
-            <a:endParaRPr lang="pl-PL" dirty="0"/>
-          </a:p>
-          <a:p>
-            <a:pPr marL="0" indent="0">
-              <a:buNone/>
-            </a:pPr>
-            <a:r>
-              <a:rPr lang="pl-PL" dirty="0" err="1"/>
-              <a:t>metadata</a:t>
-            </a:r>
-            <a:r>
-              <a:rPr lang="pl-PL" dirty="0"/>
-              <a:t>:</a:t>
-            </a:r>
-          </a:p>
-          <a:p>
-            <a:pPr marL="0" indent="0">
-              <a:buNone/>
-            </a:pPr>
-            <a:r>
-              <a:rPr lang="pl-PL" dirty="0"/>
-              <a:t>  </a:t>
-            </a:r>
-            <a:r>
-              <a:rPr lang="pl-PL" dirty="0" err="1"/>
-              <a:t>name</a:t>
-            </a:r>
-            <a:r>
-              <a:rPr lang="pl-PL" dirty="0"/>
-              <a:t>: limit-</a:t>
-            </a:r>
-            <a:r>
-              <a:rPr lang="pl-PL" dirty="0" err="1"/>
-              <a:t>mem</a:t>
-            </a:r>
-            <a:r>
-              <a:rPr lang="pl-PL" dirty="0"/>
-              <a:t>-</a:t>
-            </a:r>
-            <a:r>
-              <a:rPr lang="pl-PL" dirty="0" err="1"/>
-              <a:t>cpu</a:t>
-            </a:r>
-            <a:r>
-              <a:rPr lang="pl-PL" dirty="0"/>
-              <a:t>-per-</a:t>
-            </a:r>
-            <a:r>
-              <a:rPr lang="pl-PL" dirty="0" err="1"/>
-              <a:t>container</a:t>
-            </a:r>
-            <a:endParaRPr lang="pl-PL" dirty="0"/>
-          </a:p>
-          <a:p>
-            <a:pPr marL="0" indent="0">
-              <a:buNone/>
-            </a:pPr>
-            <a:r>
-              <a:rPr lang="pl-PL" dirty="0"/>
-              <a:t>spec:</a:t>
-            </a:r>
-          </a:p>
-          <a:p>
-            <a:pPr marL="0" indent="0">
-              <a:buNone/>
-            </a:pPr>
-            <a:r>
-              <a:rPr lang="pl-PL" dirty="0"/>
-              <a:t>  </a:t>
-            </a:r>
-            <a:r>
-              <a:rPr lang="pl-PL" dirty="0" err="1"/>
-              <a:t>limits</a:t>
-            </a:r>
-            <a:r>
-              <a:rPr lang="pl-PL" dirty="0"/>
-              <a:t>:</a:t>
-            </a:r>
-          </a:p>
-          <a:p>
-            <a:pPr marL="0" indent="0">
-              <a:buNone/>
-            </a:pPr>
-            <a:r>
-              <a:rPr lang="pl-PL" dirty="0"/>
-              <a:t>  - max:</a:t>
-            </a:r>
-          </a:p>
-          <a:p>
-            <a:pPr marL="0" indent="0">
-              <a:buNone/>
-            </a:pPr>
-            <a:r>
-              <a:rPr lang="pl-PL" dirty="0"/>
-              <a:t>      </a:t>
-            </a:r>
-            <a:r>
-              <a:rPr lang="pl-PL" dirty="0" err="1"/>
-              <a:t>cpu</a:t>
-            </a:r>
-            <a:r>
-              <a:rPr lang="pl-PL" dirty="0"/>
-              <a:t>: "800m"</a:t>
-            </a:r>
-          </a:p>
-          <a:p>
-            <a:pPr marL="0" indent="0">
-              <a:buNone/>
-            </a:pPr>
-            <a:r>
-              <a:rPr lang="pl-PL" dirty="0"/>
-              <a:t>      </a:t>
-            </a:r>
-            <a:r>
-              <a:rPr lang="pl-PL" dirty="0" err="1"/>
-              <a:t>memory</a:t>
-            </a:r>
-            <a:r>
-              <a:rPr lang="pl-PL" dirty="0"/>
-              <a:t>: "1Gi"</a:t>
-            </a:r>
-          </a:p>
-          <a:p>
-            <a:pPr marL="0" indent="0">
-              <a:buNone/>
-            </a:pPr>
-            <a:r>
-              <a:rPr lang="pl-PL" dirty="0"/>
-              <a:t>    min:</a:t>
-            </a:r>
-          </a:p>
-          <a:p>
-            <a:pPr marL="0" indent="0">
-              <a:buNone/>
-            </a:pPr>
-            <a:r>
-              <a:rPr lang="pl-PL" dirty="0"/>
-              <a:t>      </a:t>
-            </a:r>
-            <a:r>
-              <a:rPr lang="pl-PL" dirty="0" err="1"/>
-              <a:t>cpu</a:t>
-            </a:r>
-            <a:r>
-              <a:rPr lang="pl-PL" dirty="0"/>
-              <a:t>: "50m"</a:t>
-            </a:r>
-          </a:p>
-          <a:p>
-            <a:pPr marL="0" indent="0">
-              <a:buNone/>
-            </a:pPr>
-            <a:r>
-              <a:rPr lang="pl-PL" dirty="0"/>
-              <a:t>      </a:t>
-            </a:r>
-            <a:r>
-              <a:rPr lang="pl-PL" dirty="0" err="1"/>
-              <a:t>memory</a:t>
-            </a:r>
-            <a:r>
-              <a:rPr lang="pl-PL" dirty="0"/>
-              <a:t>: "50Mi"</a:t>
-            </a:r>
-          </a:p>
-          <a:p>
-            <a:pPr marL="0" indent="0">
-              <a:buNone/>
-            </a:pPr>
-            <a:r>
-              <a:rPr lang="pl-PL" dirty="0"/>
-              <a:t>    </a:t>
-            </a:r>
-            <a:r>
-              <a:rPr lang="pl-PL" dirty="0" err="1"/>
-              <a:t>default</a:t>
-            </a:r>
-            <a:r>
-              <a:rPr lang="pl-PL" dirty="0"/>
-              <a:t>:</a:t>
-            </a:r>
-          </a:p>
-          <a:p>
-            <a:pPr marL="0" indent="0">
-              <a:buNone/>
-            </a:pPr>
-            <a:r>
-              <a:rPr lang="pl-PL" dirty="0"/>
-              <a:t>      </a:t>
-            </a:r>
-            <a:r>
-              <a:rPr lang="pl-PL" dirty="0" err="1"/>
-              <a:t>cpu</a:t>
-            </a:r>
-            <a:r>
-              <a:rPr lang="pl-PL" dirty="0"/>
-              <a:t>: "200m"</a:t>
-            </a:r>
-          </a:p>
-          <a:p>
-            <a:pPr marL="0" indent="0">
-              <a:buNone/>
-            </a:pPr>
-            <a:r>
-              <a:rPr lang="pl-PL" dirty="0"/>
-              <a:t>      </a:t>
-            </a:r>
-            <a:r>
-              <a:rPr lang="pl-PL" dirty="0" err="1"/>
-              <a:t>memory</a:t>
-            </a:r>
-            <a:r>
-              <a:rPr lang="pl-PL" dirty="0"/>
-              <a:t>: "200Mi"</a:t>
-            </a:r>
-          </a:p>
-          <a:p>
-            <a:pPr marL="0" indent="0">
-              <a:buNone/>
-            </a:pPr>
-            <a:r>
-              <a:rPr lang="pl-PL" dirty="0"/>
-              <a:t>    </a:t>
-            </a:r>
-            <a:r>
-              <a:rPr lang="pl-PL" dirty="0" err="1"/>
-              <a:t>defaultRequest</a:t>
-            </a:r>
-            <a:r>
-              <a:rPr lang="pl-PL" dirty="0"/>
-              <a:t>:</a:t>
-            </a:r>
-          </a:p>
-          <a:p>
-            <a:pPr marL="0" indent="0">
-              <a:buNone/>
-            </a:pPr>
-            <a:r>
-              <a:rPr lang="pl-PL" dirty="0"/>
-              <a:t>      </a:t>
-            </a:r>
-            <a:r>
-              <a:rPr lang="pl-PL" dirty="0" err="1"/>
-              <a:t>cpu</a:t>
-            </a:r>
-            <a:r>
-              <a:rPr lang="pl-PL" dirty="0"/>
-              <a:t>: "100m"</a:t>
-            </a:r>
-          </a:p>
-          <a:p>
-            <a:pPr marL="0" indent="0">
-              <a:buNone/>
-            </a:pPr>
-            <a:r>
-              <a:rPr lang="pl-PL" dirty="0"/>
-              <a:t>      </a:t>
-            </a:r>
-            <a:r>
-              <a:rPr lang="pl-PL" dirty="0" err="1"/>
-              <a:t>memory</a:t>
-            </a:r>
-            <a:r>
-              <a:rPr lang="pl-PL" dirty="0"/>
-              <a:t>: "100Mi"</a:t>
-            </a:r>
-          </a:p>
-          <a:p>
-            <a:pPr marL="0" indent="0">
-              <a:buNone/>
-            </a:pPr>
-            <a:r>
-              <a:rPr lang="pl-PL" dirty="0"/>
-              <a:t>    </a:t>
-            </a:r>
-            <a:r>
-              <a:rPr lang="pl-PL" dirty="0" err="1">
+              <a:rPr lang="pl-PL" dirty="0" err="1" smtClean="0">
                 <a:solidFill>
                   <a:srgbClr val="FF0000"/>
                 </a:solidFill>
               </a:rPr>
-              <a:t>type</a:t>
-            </a:r>
-            <a:r>
-              <a:rPr lang="pl-PL" dirty="0">
-                <a:solidFill>
-                  <a:srgbClr val="FF0000"/>
-                </a:solidFill>
-              </a:rPr>
-              <a:t>: </a:t>
-            </a:r>
-            <a:r>
-              <a:rPr lang="pl-PL" dirty="0" err="1">
-                <a:solidFill>
-                  <a:srgbClr val="FF0000"/>
-                </a:solidFill>
-              </a:rPr>
-              <a:t>Container</a:t>
-            </a:r>
-            <a:endParaRPr lang="pl-PL" dirty="0">
+              <a:t>ResourceQuota</a:t>
+            </a:r>
+            <a:endParaRPr lang="pl-PL" dirty="0" smtClean="0">
               <a:solidFill>
                 <a:srgbClr val="FF0000"/>
               </a:solidFill>
             </a:endParaRPr>
           </a:p>
+          <a:p>
+            <a:pPr marL="0" indent="0">
+              <a:buNone/>
+            </a:pPr>
+            <a:r>
+              <a:rPr lang="pl-PL" dirty="0" err="1" smtClean="0">
+                <a:solidFill>
+                  <a:schemeClr val="tx2"/>
+                </a:solidFill>
+              </a:rPr>
+              <a:t>metadata</a:t>
+            </a:r>
+            <a:r>
+              <a:rPr lang="pl-PL" dirty="0" smtClean="0">
+                <a:solidFill>
+                  <a:schemeClr val="tx2"/>
+                </a:solidFill>
+              </a:rPr>
+              <a:t>:</a:t>
+            </a:r>
+          </a:p>
+          <a:p>
+            <a:pPr marL="0" indent="0">
+              <a:buNone/>
+            </a:pPr>
+            <a:r>
+              <a:rPr lang="pl-PL" dirty="0" smtClean="0">
+                <a:solidFill>
+                  <a:schemeClr val="tx2"/>
+                </a:solidFill>
+              </a:rPr>
+              <a:t>  </a:t>
+            </a:r>
+            <a:r>
+              <a:rPr lang="pl-PL" dirty="0" err="1" smtClean="0">
+                <a:solidFill>
+                  <a:schemeClr val="tx2"/>
+                </a:solidFill>
+              </a:rPr>
+              <a:t>name</a:t>
+            </a:r>
+            <a:r>
+              <a:rPr lang="pl-PL" dirty="0" smtClean="0">
+                <a:solidFill>
+                  <a:schemeClr val="tx2"/>
+                </a:solidFill>
+              </a:rPr>
+              <a:t>: </a:t>
+            </a:r>
+            <a:r>
+              <a:rPr lang="pl-PL" dirty="0" err="1" smtClean="0">
+                <a:solidFill>
+                  <a:schemeClr val="tx2"/>
+                </a:solidFill>
+              </a:rPr>
+              <a:t>compute-resources</a:t>
+            </a:r>
+            <a:endParaRPr lang="pl-PL" dirty="0" smtClean="0">
+              <a:solidFill>
+                <a:schemeClr val="tx2"/>
+              </a:solidFill>
+            </a:endParaRPr>
+          </a:p>
+          <a:p>
+            <a:pPr marL="0" indent="0">
+              <a:buNone/>
+            </a:pPr>
+            <a:r>
+              <a:rPr lang="pl-PL" dirty="0" smtClean="0">
+                <a:solidFill>
+                  <a:schemeClr val="tx2"/>
+                </a:solidFill>
+              </a:rPr>
+              <a:t>spec:</a:t>
+            </a:r>
+          </a:p>
+          <a:p>
+            <a:pPr marL="0" indent="0">
+              <a:buNone/>
+            </a:pPr>
+            <a:r>
+              <a:rPr lang="pl-PL" dirty="0" smtClean="0">
+                <a:solidFill>
+                  <a:schemeClr val="tx2"/>
+                </a:solidFill>
+              </a:rPr>
+              <a:t>  hard:</a:t>
+            </a:r>
+          </a:p>
+          <a:p>
+            <a:pPr marL="0" indent="0">
+              <a:buNone/>
+            </a:pPr>
+            <a:r>
+              <a:rPr lang="pl-PL" dirty="0" smtClean="0">
+                <a:solidFill>
+                  <a:schemeClr val="tx2"/>
+                </a:solidFill>
+              </a:rPr>
+              <a:t>    </a:t>
+            </a:r>
+            <a:r>
+              <a:rPr lang="pl-PL" dirty="0" err="1" smtClean="0">
+                <a:solidFill>
+                  <a:schemeClr val="tx2"/>
+                </a:solidFill>
+              </a:rPr>
+              <a:t>pods</a:t>
+            </a:r>
+            <a:r>
+              <a:rPr lang="pl-PL" dirty="0" smtClean="0">
+                <a:solidFill>
+                  <a:schemeClr val="tx2"/>
+                </a:solidFill>
+              </a:rPr>
+              <a:t>: "20"</a:t>
+            </a:r>
+          </a:p>
+          <a:p>
+            <a:pPr marL="0" indent="0">
+              <a:buNone/>
+            </a:pPr>
+            <a:r>
+              <a:rPr lang="pl-PL" dirty="0" smtClean="0">
+                <a:solidFill>
+                  <a:schemeClr val="tx2"/>
+                </a:solidFill>
+              </a:rPr>
+              <a:t>    </a:t>
+            </a:r>
+            <a:r>
+              <a:rPr lang="pl-PL" dirty="0" err="1" smtClean="0">
+                <a:solidFill>
+                  <a:schemeClr val="tx2"/>
+                </a:solidFill>
+              </a:rPr>
+              <a:t>requests.cpu</a:t>
+            </a:r>
+            <a:r>
+              <a:rPr lang="pl-PL" dirty="0" smtClean="0">
+                <a:solidFill>
+                  <a:schemeClr val="tx2"/>
+                </a:solidFill>
+              </a:rPr>
+              <a:t>: "1"</a:t>
+            </a:r>
+          </a:p>
+          <a:p>
+            <a:pPr marL="0" indent="0">
+              <a:buNone/>
+            </a:pPr>
+            <a:r>
+              <a:rPr lang="pl-PL" dirty="0" smtClean="0">
+                <a:solidFill>
+                  <a:schemeClr val="tx2"/>
+                </a:solidFill>
+              </a:rPr>
+              <a:t>    </a:t>
+            </a:r>
+            <a:r>
+              <a:rPr lang="pl-PL" dirty="0" err="1" smtClean="0">
+                <a:solidFill>
+                  <a:schemeClr val="tx2"/>
+                </a:solidFill>
+              </a:rPr>
+              <a:t>requests.memory</a:t>
+            </a:r>
+            <a:r>
+              <a:rPr lang="pl-PL" dirty="0" smtClean="0">
+                <a:solidFill>
+                  <a:schemeClr val="tx2"/>
+                </a:solidFill>
+              </a:rPr>
+              <a:t>: 1Gi</a:t>
+            </a:r>
+          </a:p>
+          <a:p>
+            <a:pPr marL="0" indent="0">
+              <a:buNone/>
+            </a:pPr>
+            <a:r>
+              <a:rPr lang="pl-PL" dirty="0" smtClean="0">
+                <a:solidFill>
+                  <a:schemeClr val="tx2"/>
+                </a:solidFill>
+              </a:rPr>
+              <a:t>    </a:t>
+            </a:r>
+            <a:r>
+              <a:rPr lang="pl-PL" dirty="0" err="1" smtClean="0">
+                <a:solidFill>
+                  <a:schemeClr val="tx2"/>
+                </a:solidFill>
+              </a:rPr>
+              <a:t>limits.cpu</a:t>
+            </a:r>
+            <a:r>
+              <a:rPr lang="pl-PL" dirty="0" smtClean="0">
+                <a:solidFill>
+                  <a:schemeClr val="tx2"/>
+                </a:solidFill>
+              </a:rPr>
+              <a:t>: "2"</a:t>
+            </a:r>
+          </a:p>
+          <a:p>
+            <a:pPr marL="0" indent="0">
+              <a:buNone/>
+            </a:pPr>
+            <a:r>
+              <a:rPr lang="pl-PL" dirty="0" smtClean="0">
+                <a:solidFill>
+                  <a:schemeClr val="tx2"/>
+                </a:solidFill>
+              </a:rPr>
+              <a:t>    </a:t>
+            </a:r>
+            <a:r>
+              <a:rPr lang="pl-PL" dirty="0" err="1" smtClean="0">
+                <a:solidFill>
+                  <a:schemeClr val="tx2"/>
+                </a:solidFill>
+              </a:rPr>
+              <a:t>limits.memory</a:t>
+            </a:r>
+            <a:r>
+              <a:rPr lang="pl-PL" dirty="0" smtClean="0">
+                <a:solidFill>
+                  <a:schemeClr val="tx2"/>
+                </a:solidFill>
+              </a:rPr>
+              <a:t>: 2Gi</a:t>
+            </a:r>
+          </a:p>
+          <a:p>
+            <a:pPr marL="0" indent="0">
+              <a:buNone/>
+            </a:pPr>
+            <a:r>
+              <a:rPr lang="pl-PL" dirty="0" smtClean="0">
+                <a:solidFill>
+                  <a:schemeClr val="tx2"/>
+                </a:solidFill>
+              </a:rPr>
+              <a:t>    requests.nvidia.com/</a:t>
+            </a:r>
+            <a:r>
+              <a:rPr lang="pl-PL" dirty="0" err="1" smtClean="0">
+                <a:solidFill>
+                  <a:schemeClr val="tx2"/>
+                </a:solidFill>
+              </a:rPr>
+              <a:t>gpu</a:t>
+            </a:r>
+            <a:r>
+              <a:rPr lang="pl-PL" dirty="0" smtClean="0">
+                <a:solidFill>
+                  <a:schemeClr val="tx2"/>
+                </a:solidFill>
+              </a:rPr>
+              <a:t>: 3</a:t>
+            </a:r>
+            <a:endParaRPr lang="pl-PL" dirty="0" smtClean="0">
+              <a:solidFill>
+                <a:schemeClr val="tx2"/>
+              </a:solidFill>
+              <a:hlinkClick r:id="rId2"/>
+            </a:endParaRPr>
+          </a:p>
+          <a:p>
+            <a:endParaRPr lang="pl-PL" dirty="0"/>
+          </a:p>
         </p:txBody>
       </p:sp>
     </p:spTree>
     <p:extLst>
       <p:ext uri="{BB962C8B-B14F-4D97-AF65-F5344CB8AC3E}">
-        <p14:creationId xmlns:p14="http://schemas.microsoft.com/office/powerpoint/2010/main" val="1770858312"/>
+        <p14:creationId xmlns:p14="http://schemas.microsoft.com/office/powerpoint/2010/main" val="4111604730"/>
       </p:ext>
     </p:extLst>
   </p:cSld>
   <p:clrMapOvr>
     <a:masterClrMapping/>
   </p:clrMapOvr>
+  <p:timing>
+    <p:tnLst>
+      <p:par>
+        <p:cTn id="1" dur="indefinite" restart="never" nodeType="tmRoot"/>
+      </p:par>
+    </p:tnLst>
+  </p:timing>
 </p:sld>
 </file>
 
@@ -4420,20 +4447,8 @@
           <a:lstStyle/>
           <a:p>
             <a:r>
-              <a:rPr lang="pl-PL" dirty="0" err="1" smtClean="0"/>
-              <a:t>Resources</a:t>
-            </a:r>
-            <a:r>
               <a:rPr lang="pl-PL" dirty="0" smtClean="0"/>
-              <a:t> </a:t>
-            </a:r>
-            <a:r>
-              <a:rPr lang="pl-PL" dirty="0" err="1" smtClean="0"/>
-              <a:t>quota</a:t>
-            </a:r>
-            <a:r>
-              <a:rPr lang="pl-PL" dirty="0" smtClean="0"/>
-              <a:t>/limit </a:t>
+              <a:t>Limit </a:t>
             </a:r>
             <a:r>
               <a:rPr lang="pl-PL" dirty="0" err="1" smtClean="0"/>
@@ -4453,51 +4468,363 @@
             <p:ph idx="1"/>
           </p:nvPr>
         </p:nvSpPr>
-        <p:spPr/>
-        <p:txBody>
-          <a:bodyPr/>
+        <p:spPr>
+          <a:xfrm>
+            <a:off x="502920" y="530352"/>
+            <a:ext cx="8183880" cy="5130896"/>
+          </a:xfrm>
+        </p:spPr>
+        <p:txBody>
+          <a:bodyPr>
+            <a:normAutofit fontScale="62500" lnSpcReduction="20000"/>
+          </a:bodyPr>
           <a:lstStyle/>
           <a:p>
-            <a:endParaRPr lang="pl-PL" dirty="0" smtClean="0"/>
-          </a:p>
-          <a:p>
+            <a:pPr marL="0" indent="0">
+              <a:buNone/>
+            </a:pPr>
+            <a:r>
+              <a:rPr lang="pl-PL" dirty="0" err="1"/>
+              <a:t>apiVersion</a:t>
+            </a:r>
+            <a:r>
+              <a:rPr lang="pl-PL" dirty="0"/>
+              <a:t>: v1</a:t>
+            </a:r>
+          </a:p>
+          <a:p>
+            <a:pPr marL="0" indent="0">
+              <a:buNone/>
+            </a:pPr>
+            <a:r>
+              <a:rPr lang="pl-PL" dirty="0" err="1"/>
+              <a:t>kind</a:t>
+            </a:r>
+            <a:r>
+              <a:rPr lang="pl-PL" dirty="0"/>
+              <a:t>: </a:t>
+            </a:r>
+            <a:r>
+              <a:rPr lang="pl-PL" dirty="0" err="1"/>
+              <a:t>LimitRange</a:t>
+            </a:r>
             <a:endParaRPr lang="pl-PL" dirty="0"/>
           </a:p>
           <a:p>
-            <a:endParaRPr lang="pl-PL" dirty="0" smtClean="0"/>
-          </a:p>
-          <a:p>
+            <a:pPr marL="0" indent="0">
+              <a:buNone/>
+            </a:pPr>
+            <a:r>
+              <a:rPr lang="pl-PL" dirty="0" err="1"/>
+              <a:t>metadata</a:t>
+            </a:r>
+            <a:r>
+              <a:rPr lang="pl-PL" dirty="0"/>
+              <a:t>:</a:t>
+            </a:r>
+          </a:p>
+          <a:p>
+            <a:pPr marL="0" indent="0">
+              <a:buNone/>
+            </a:pPr>
+            <a:r>
+              <a:rPr lang="pl-PL" dirty="0"/>
+              <a:t>  </a:t>
+            </a:r>
+            <a:r>
+              <a:rPr lang="pl-PL" dirty="0" err="1"/>
+              <a:t>name</a:t>
+            </a:r>
+            <a:r>
+              <a:rPr lang="pl-PL" dirty="0"/>
+              <a:t>: limit-</a:t>
+            </a:r>
+            <a:r>
+              <a:rPr lang="pl-PL" dirty="0" err="1"/>
+              <a:t>mem</a:t>
+            </a:r>
+            <a:r>
+              <a:rPr lang="pl-PL" dirty="0"/>
+              <a:t>-</a:t>
+            </a:r>
+            <a:r>
+              <a:rPr lang="pl-PL" dirty="0" err="1"/>
+              <a:t>cpu</a:t>
+            </a:r>
+            <a:r>
+              <a:rPr lang="pl-PL" dirty="0"/>
+              <a:t>-per-</a:t>
+            </a:r>
+            <a:r>
+              <a:rPr lang="pl-PL" dirty="0" err="1"/>
+              <a:t>container</a:t>
+            </a:r>
             <a:endParaRPr lang="pl-PL" dirty="0"/>
           </a:p>
           <a:p>
-            <a:pPr marL="0" indent="0" algn="ctr">
+            <a:pPr marL="0" indent="0">
               <a:buNone/>
             </a:pPr>
             <a:r>
-              <a:rPr lang="pl-PL" sz="4000" dirty="0" smtClean="0"/>
-              <a:t>DEMO</a:t>
-            </a:r>
-            <a:endParaRPr lang="pl-PL" sz="4000" dirty="0"/>
+              <a:rPr lang="pl-PL" dirty="0"/>
+              <a:t>spec:</a:t>
+            </a:r>
+          </a:p>
+          <a:p>
+            <a:pPr marL="0" indent="0">
+              <a:buNone/>
+            </a:pPr>
+            <a:r>
+              <a:rPr lang="pl-PL" dirty="0"/>
+              <a:t>  </a:t>
+            </a:r>
+            <a:r>
+              <a:rPr lang="pl-PL" dirty="0" err="1"/>
+              <a:t>limits</a:t>
+            </a:r>
+            <a:r>
+              <a:rPr lang="pl-PL" dirty="0"/>
+              <a:t>:</a:t>
+            </a:r>
+          </a:p>
+          <a:p>
+            <a:pPr marL="0" indent="0">
+              <a:buNone/>
+            </a:pPr>
+            <a:r>
+              <a:rPr lang="pl-PL" dirty="0"/>
+              <a:t>  - max:</a:t>
+            </a:r>
+          </a:p>
+          <a:p>
+            <a:pPr marL="0" indent="0">
+              <a:buNone/>
+            </a:pPr>
+            <a:r>
+              <a:rPr lang="pl-PL" dirty="0"/>
+              <a:t>      </a:t>
+            </a:r>
+            <a:r>
+              <a:rPr lang="pl-PL" dirty="0" err="1"/>
+              <a:t>cpu</a:t>
+            </a:r>
+            <a:r>
+              <a:rPr lang="pl-PL" dirty="0"/>
+              <a:t>: "800m"</a:t>
+            </a:r>
+          </a:p>
+          <a:p>
+            <a:pPr marL="0" indent="0">
+              <a:buNone/>
+            </a:pPr>
+            <a:r>
+              <a:rPr lang="pl-PL" dirty="0"/>
+              <a:t>      </a:t>
+            </a:r>
+            <a:r>
+              <a:rPr lang="pl-PL" dirty="0" err="1"/>
+              <a:t>memory</a:t>
+            </a:r>
+            <a:r>
+              <a:rPr lang="pl-PL" dirty="0"/>
+              <a:t>: "1Gi"</a:t>
+            </a:r>
+          </a:p>
+          <a:p>
+            <a:pPr marL="0" indent="0">
+              <a:buNone/>
+            </a:pPr>
+            <a:r>
+              <a:rPr lang="pl-PL" dirty="0"/>
+              <a:t>    min:</a:t>
+            </a:r>
+          </a:p>
+          <a:p>
+            <a:pPr marL="0" indent="0">
+              <a:buNone/>
+            </a:pPr>
+            <a:r>
+              <a:rPr lang="pl-PL" dirty="0"/>
+              <a:t>      </a:t>
+            </a:r>
+            <a:r>
+              <a:rPr lang="pl-PL" dirty="0" err="1"/>
+              <a:t>cpu</a:t>
+            </a:r>
+            <a:r>
+              <a:rPr lang="pl-PL" dirty="0"/>
+              <a:t>: "50m"</a:t>
+            </a:r>
+          </a:p>
+          <a:p>
+            <a:pPr marL="0" indent="0">
+              <a:buNone/>
+            </a:pPr>
+            <a:r>
+              <a:rPr lang="pl-PL" dirty="0"/>
+              <a:t>      </a:t>
+            </a:r>
+            <a:r>
+              <a:rPr lang="pl-PL" dirty="0" err="1"/>
+              <a:t>memory</a:t>
+            </a:r>
+            <a:r>
+              <a:rPr lang="pl-PL" dirty="0"/>
+              <a:t>: "50Mi"</a:t>
+            </a:r>
+          </a:p>
+          <a:p>
+            <a:pPr marL="0" indent="0">
+              <a:buNone/>
+            </a:pPr>
+            <a:r>
+              <a:rPr lang="pl-PL" dirty="0"/>
+              <a:t>    </a:t>
+            </a:r>
+            <a:r>
+              <a:rPr lang="pl-PL" dirty="0" err="1"/>
+              <a:t>default</a:t>
+            </a:r>
+            <a:r>
+              <a:rPr lang="pl-PL" dirty="0"/>
+              <a:t>:</a:t>
+            </a:r>
+          </a:p>
+          <a:p>
+            <a:pPr marL="0" indent="0">
+              <a:buNone/>
+            </a:pPr>
+            <a:r>
+              <a:rPr lang="pl-PL" dirty="0"/>
+              <a:t>      </a:t>
+            </a:r>
+            <a:r>
+              <a:rPr lang="pl-PL" dirty="0" err="1"/>
+              <a:t>cpu</a:t>
+            </a:r>
+            <a:r>
+              <a:rPr lang="pl-PL" dirty="0"/>
+              <a:t>: "200m"</a:t>
+            </a:r>
+          </a:p>
+          <a:p>
+            <a:pPr marL="0" indent="0">
+              <a:buNone/>
+            </a:pPr>
+            <a:r>
+              <a:rPr lang="pl-PL" dirty="0"/>
+              <a:t>      </a:t>
+            </a:r>
+            <a:r>
+              <a:rPr lang="pl-PL" dirty="0" err="1"/>
+              <a:t>memory</a:t>
+            </a:r>
+            <a:r>
+              <a:rPr lang="pl-PL" dirty="0"/>
+              <a:t>: "200Mi"</a:t>
+            </a:r>
+          </a:p>
+          <a:p>
+            <a:pPr marL="0" indent="0">
+              <a:buNone/>
+            </a:pPr>
+            <a:r>
+              <a:rPr lang="pl-PL" dirty="0"/>
+              <a:t>    </a:t>
+            </a:r>
+            <a:r>
+              <a:rPr lang="pl-PL" dirty="0" err="1"/>
+              <a:t>defaultRequest</a:t>
+            </a:r>
+            <a:r>
+              <a:rPr lang="pl-PL" dirty="0"/>
+              <a:t>:</a:t>
+            </a:r>
+          </a:p>
+          <a:p>
+            <a:pPr marL="0" indent="0">
+              <a:buNone/>
+            </a:pPr>
+            <a:r>
+              <a:rPr lang="pl-PL" dirty="0"/>
+              <a:t>      </a:t>
+            </a:r>
+            <a:r>
+              <a:rPr lang="pl-PL" dirty="0" err="1"/>
+              <a:t>cpu</a:t>
+            </a:r>
+            <a:r>
+              <a:rPr lang="pl-PL" dirty="0"/>
+              <a:t>: "100m"</a:t>
+            </a:r>
+          </a:p>
+          <a:p>
+            <a:pPr marL="0" indent="0">
+              <a:buNone/>
+            </a:pPr>
+            <a:r>
+              <a:rPr lang="pl-PL" dirty="0"/>
+              <a:t>      </a:t>
+            </a:r>
+            <a:r>
+              <a:rPr lang="pl-PL" dirty="0" err="1"/>
+              <a:t>memory</a:t>
+            </a:r>
+            <a:r>
+              <a:rPr lang="pl-PL" dirty="0"/>
+              <a:t>: "100Mi"</a:t>
+            </a:r>
+          </a:p>
+          <a:p>
+            <a:pPr marL="0" indent="0">
+              <a:buNone/>
+            </a:pPr>
+            <a:r>
+              <a:rPr lang="pl-PL" dirty="0"/>
+              <a:t>    </a:t>
+            </a:r>
+            <a:r>
+              <a:rPr lang="pl-PL" dirty="0" err="1">
+                <a:solidFill>
+                  <a:srgbClr val="FF0000"/>
+                </a:solidFill>
+              </a:rPr>
+              <a:t>type</a:t>
+            </a:r>
+            <a:r>
+              <a:rPr lang="pl-PL" dirty="0">
+                <a:solidFill>
+                  <a:srgbClr val="FF0000"/>
+                </a:solidFill>
+              </a:rPr>
+              <a:t>: </a:t>
+            </a:r>
+            <a:r>
+              <a:rPr lang="pl-PL" dirty="0" err="1">
+                <a:solidFill>
+                  <a:srgbClr val="FF0000"/>
+                </a:solidFill>
+              </a:rPr>
+              <a:t>Container</a:t>
+            </a:r>
+            <a:endParaRPr lang="pl-PL" dirty="0">
+              <a:solidFill>
+                <a:srgbClr val="FF0000"/>
+              </a:solidFill>
+            </a:endParaRPr>
           </a:p>
         </p:txBody>
       </p:sp>
     </p:spTree>
     <p:extLst>
       <p:ext uri="{BB962C8B-B14F-4D97-AF65-F5344CB8AC3E}">
-        <p14:creationId xmlns:p14="http://schemas.microsoft.com/office/powerpoint/2010/main" val="2502144188"/>
+        <p14:creationId xmlns:p14="http://schemas.microsoft.com/office/powerpoint/2010/main" val="1770858312"/>
       </p:ext>
     </p:extLst>
   </p:cSld>
   <p:clrMapOvr>
     <a:masterClrMapping/>
   </p:clrMapOvr>
-  <p:timing>
-    <p:tnLst>
-      <p:par>
-        <p:cTn id="1" dur="indefinite" restart="never" nodeType="tmRoot"/>
-      </p:par>
-    </p:tnLst>
-  </p:timing>
 </p:sld>
 </file>
 
@@ -4534,12 +4861,24 @@
           <a:lstStyle/>
           <a:p>
             <a:r>
+              <a:rPr lang="pl-PL" dirty="0" err="1" smtClean="0"/>
+              <a:t>Resources</a:t>
+            </a:r>
+            <a:r>
               <a:rPr lang="pl-PL" dirty="0" smtClean="0"/>
-              <a:t>Resource </a:t>
+              <a:t> </a:t>
             </a:r>
             <a:r>
               <a:rPr lang="pl-PL" dirty="0" err="1" smtClean="0"/>
-              <a:t>quotas</a:t>
+              <a:t>quota</a:t>
+            </a:r>
+            <a:r>
+              <a:rPr lang="pl-PL" dirty="0" smtClean="0"/>
+              <a:t>/limit </a:t>
+            </a:r>
+            <a:r>
+              <a:rPr lang="pl-PL" dirty="0" err="1" smtClean="0"/>
+              <a:t>range</a:t>
             </a:r>
             <a:endParaRPr lang="pl-PL" dirty="0"/>
           </a:p>
@@ -4547,7 +4886,7 @@
       </p:sp>
       <p:sp>
         <p:nvSpPr>
-          <p:cNvPr id="5" name="Symbol zastępczy zawartości 4"/>
+          <p:cNvPr id="3" name="Symbol zastępczy zawartości 2"/>
           <p:cNvSpPr>
             <a:spLocks noGrp="1"/>
           </p:cNvSpPr>
@@ -4557,202 +4896,36 @@
         </p:nvSpPr>
         <p:spPr/>
         <p:txBody>
-          <a:bodyPr>
-            <a:normAutofit fontScale="85000" lnSpcReduction="20000"/>
-          </a:bodyPr>
+          <a:bodyPr/>
           <a:lstStyle/>
           <a:p>
-            <a:pPr marL="0" indent="0">
+            <a:endParaRPr lang="pl-PL" dirty="0" smtClean="0"/>
+          </a:p>
+          <a:p>
+            <a:endParaRPr lang="pl-PL" dirty="0"/>
+          </a:p>
+          <a:p>
+            <a:endParaRPr lang="pl-PL" dirty="0" smtClean="0"/>
+          </a:p>
+          <a:p>
+            <a:endParaRPr lang="pl-PL" dirty="0"/>
+          </a:p>
+          <a:p>
+            <a:pPr marL="0" indent="0" algn="ctr">
               <a:buNone/>
             </a:pPr>
             <a:r>
-              <a:rPr lang="pl-PL" dirty="0" err="1"/>
-              <a:t>apiVersion</a:t>
-            </a:r>
-            <a:r>
-              <a:rPr lang="pl-PL" dirty="0"/>
-              <a:t>: v1</a:t>
-            </a:r>
-          </a:p>
-          <a:p>
-            <a:pPr marL="0" indent="0">
-              <a:buNone/>
-            </a:pPr>
-            <a:r>
-              <a:rPr lang="pl-PL" dirty="0" err="1"/>
-              <a:t>kind</a:t>
-            </a:r>
-            <a:r>
-              <a:rPr lang="pl-PL" dirty="0"/>
-              <a:t>: </a:t>
-            </a:r>
-            <a:r>
-              <a:rPr lang="pl-PL" dirty="0" err="1"/>
-              <a:t>ResourceQuota</a:t>
-            </a:r>
-            <a:endParaRPr lang="pl-PL" dirty="0"/>
-          </a:p>
-          <a:p>
-            <a:pPr marL="0" indent="0">
-              <a:buNone/>
-            </a:pPr>
-            <a:r>
-              <a:rPr lang="pl-PL" dirty="0" err="1"/>
-              <a:t>metadata</a:t>
-            </a:r>
-            <a:r>
-              <a:rPr lang="pl-PL" dirty="0"/>
-              <a:t>:</a:t>
-            </a:r>
-          </a:p>
-          <a:p>
-            <a:pPr marL="0" indent="0">
-              <a:buNone/>
-            </a:pPr>
-            <a:r>
-              <a:rPr lang="pl-PL" dirty="0"/>
-              <a:t>  </a:t>
-            </a:r>
-            <a:r>
-              <a:rPr lang="pl-PL" dirty="0" err="1"/>
-              <a:t>name</a:t>
-            </a:r>
-            <a:r>
-              <a:rPr lang="pl-PL" dirty="0"/>
-              <a:t>: </a:t>
-            </a:r>
-            <a:r>
-              <a:rPr lang="pl-PL" dirty="0" err="1"/>
-              <a:t>compute-resources</a:t>
-            </a:r>
-            <a:endParaRPr lang="pl-PL" dirty="0"/>
-          </a:p>
-          <a:p>
-            <a:pPr marL="0" indent="0">
-              <a:buNone/>
-            </a:pPr>
-            <a:r>
-              <a:rPr lang="pl-PL" dirty="0"/>
-              <a:t>spec:</a:t>
-            </a:r>
-          </a:p>
-          <a:p>
-            <a:pPr marL="0" indent="0">
-              <a:buNone/>
-            </a:pPr>
-            <a:r>
-              <a:rPr lang="pl-PL" dirty="0"/>
-              <a:t>  hard:</a:t>
-            </a:r>
-          </a:p>
-          <a:p>
-            <a:pPr marL="0" indent="0">
-              <a:buNone/>
-            </a:pPr>
-            <a:r>
-              <a:rPr lang="pl-PL" dirty="0"/>
-              <a:t>    </a:t>
-            </a:r>
-            <a:r>
-              <a:rPr lang="pl-PL" dirty="0" err="1"/>
-              <a:t>pods</a:t>
-            </a:r>
-            <a:r>
-              <a:rPr lang="pl-PL" dirty="0"/>
-              <a:t>: "20"</a:t>
-            </a:r>
-          </a:p>
-          <a:p>
-            <a:pPr marL="0" indent="0">
-              <a:buNone/>
-            </a:pPr>
-            <a:r>
-              <a:rPr lang="pl-PL" dirty="0"/>
-              <a:t>    </a:t>
-            </a:r>
-            <a:r>
-              <a:rPr lang="pl-PL" dirty="0" err="1"/>
-              <a:t>requests.cpu</a:t>
-            </a:r>
-            <a:r>
-              <a:rPr lang="pl-PL" dirty="0"/>
-              <a:t>: "1"</a:t>
-            </a:r>
-          </a:p>
-          <a:p>
-            <a:pPr marL="0" indent="0">
-              <a:buNone/>
-            </a:pPr>
-            <a:r>
-              <a:rPr lang="pl-PL" dirty="0"/>
-              <a:t>    </a:t>
-            </a:r>
-            <a:r>
-              <a:rPr lang="pl-PL" dirty="0" err="1"/>
-              <a:t>requests.memory</a:t>
-            </a:r>
-            <a:r>
-              <a:rPr lang="pl-PL" dirty="0"/>
-              <a:t>: 1Gi</a:t>
-            </a:r>
-          </a:p>
-          <a:p>
-            <a:pPr marL="0" indent="0">
-              <a:buNone/>
-            </a:pPr>
-            <a:r>
-              <a:rPr lang="pl-PL" dirty="0"/>
-              <a:t>    </a:t>
-            </a:r>
-            <a:r>
-              <a:rPr lang="pl-PL" dirty="0" err="1"/>
-              <a:t>limits.cpu</a:t>
-            </a:r>
-            <a:r>
-              <a:rPr lang="pl-PL" dirty="0"/>
-              <a:t>: "2"</a:t>
-            </a:r>
-          </a:p>
-          <a:p>
-            <a:pPr marL="0" indent="0">
-              <a:buNone/>
-            </a:pPr>
-            <a:r>
-              <a:rPr lang="pl-PL" dirty="0"/>
-              <a:t>    </a:t>
-            </a:r>
-            <a:r>
-              <a:rPr lang="pl-PL" dirty="0" err="1"/>
-              <a:t>limits.memory</a:t>
-            </a:r>
-            <a:r>
-              <a:rPr lang="pl-PL" dirty="0"/>
-              <a:t>: 2Gi</a:t>
-            </a:r>
-          </a:p>
-          <a:p>
-            <a:pPr marL="0" indent="0">
-              <a:buNone/>
-            </a:pPr>
-            <a:r>
-              <a:rPr lang="pl-PL" dirty="0"/>
-              <a:t>    requests.nvidia.com/</a:t>
-            </a:r>
-            <a:r>
-              <a:rPr lang="pl-PL" dirty="0" err="1"/>
-              <a:t>gpu</a:t>
-            </a:r>
-            <a:r>
-              <a:rPr lang="pl-PL" dirty="0"/>
-              <a:t>: 3</a:t>
-            </a:r>
+              <a:rPr lang="pl-PL" sz="4000" dirty="0" smtClean="0"/>
+              <a:t>DEMO</a:t>
+            </a:r>
+            <a:endParaRPr lang="pl-PL" sz="4000" dirty="0"/>
           </a:p>
         </p:txBody>
       </p:sp>
     </p:spTree>
     <p:extLst>
       <p:ext uri="{BB962C8B-B14F-4D97-AF65-F5344CB8AC3E}">
-        <p14:creationId xmlns:p14="http://schemas.microsoft.com/office/powerpoint/2010/main" val="3495179704"/>
+        <p14:creationId xmlns:p14="http://schemas.microsoft.com/office/powerpoint/2010/main" val="2502144188"/>
       </p:ext>
     </p:extLst>
   </p:cSld>
@@ -4803,7 +4976,11 @@
           <a:p>
             <a:r>
               <a:rPr lang="pl-PL" dirty="0" smtClean="0"/>
-              <a:t>CPU</a:t>
+              <a:t>Resource </a:t>
+            </a:r>
+            <a:r>
+              <a:rPr lang="pl-PL" dirty="0" err="1" smtClean="0"/>
+              <a:t>quotas</a:t>
             </a:r>
             <a:endParaRPr lang="pl-PL" dirty="0"/>
           </a:p>
@@ -4811,7 +4988,7 @@
       </p:sp>
       <p:sp>
         <p:nvSpPr>
-          <p:cNvPr id="3" name="Symbol zastępczy zawartości 2"/>
+          <p:cNvPr id="5" name="Symbol zastępczy zawartości 4"/>
           <p:cNvSpPr>
             <a:spLocks noGrp="1"/>
           </p:cNvSpPr>
@@ -4822,60 +4999,214 @@
         <p:spPr/>
         <p:txBody>
           <a:bodyPr>
-            <a:normAutofit fontScale="92500"/>
+            <a:normAutofit fontScale="85000" lnSpcReduction="20000"/>
           </a:bodyPr>
           <a:lstStyle/>
           <a:p>
-            <a:r>
-              <a:rPr lang="en-US" dirty="0"/>
-              <a:t>CPU resources are measured in </a:t>
-            </a:r>
-            <a:r>
-              <a:rPr lang="en-US" dirty="0" err="1"/>
-              <a:t>millicore</a:t>
-            </a:r>
-            <a:r>
-              <a:rPr lang="en-US" dirty="0"/>
-              <a:t>. If a node has 2 cores, the node’s CPU capacity would be represented as 2000m. The unit suffix m stands for “thousandth of a core.”</a:t>
-            </a:r>
-          </a:p>
-          <a:p>
-            <a:r>
-              <a:rPr lang="en-US" dirty="0"/>
-              <a:t>1000m or 1000 </a:t>
-            </a:r>
-            <a:r>
-              <a:rPr lang="en-US" dirty="0" err="1"/>
-              <a:t>millicore</a:t>
-            </a:r>
-            <a:r>
-              <a:rPr lang="en-US" dirty="0"/>
-              <a:t> is equal to 1 core. 4000m would represent 4 cores. 250 </a:t>
-            </a:r>
-            <a:r>
-              <a:rPr lang="en-US" dirty="0" err="1"/>
-              <a:t>millicore</a:t>
-            </a:r>
-            <a:r>
-              <a:rPr lang="en-US" dirty="0"/>
-              <a:t> per pod means 4 pods with a similar value of 250m can run on a single core. On a 4 core node, 16 pods each having 250m can run on that node.</a:t>
-            </a:r>
-          </a:p>
-          <a:p>
+            <a:pPr marL="0" indent="0">
+              <a:buNone/>
+            </a:pPr>
+            <a:r>
+              <a:rPr lang="pl-PL" dirty="0" err="1"/>
+              <a:t>apiVersion</a:t>
+            </a:r>
+            <a:r>
+              <a:rPr lang="pl-PL" dirty="0"/>
+              <a:t>: v1</a:t>
+            </a:r>
+          </a:p>
+          <a:p>
+            <a:pPr marL="0" indent="0">
+              <a:buNone/>
+            </a:pPr>
+            <a:r>
+              <a:rPr lang="pl-PL" dirty="0" err="1"/>
+              <a:t>kind</a:t>
+            </a:r>
+            <a:r>
+              <a:rPr lang="pl-PL" dirty="0"/>
+              <a:t>: </a:t>
+            </a:r>
+            <a:r>
+              <a:rPr lang="pl-PL" dirty="0" err="1"/>
+              <a:t>ResourceQuota</a:t>
+            </a:r>
             <a:endParaRPr lang="pl-PL" dirty="0"/>
+          </a:p>
+          <a:p>
+            <a:pPr marL="0" indent="0">
+              <a:buNone/>
+            </a:pPr>
+            <a:r>
+              <a:rPr lang="pl-PL" dirty="0" err="1"/>
+              <a:t>metadata</a:t>
+            </a:r>
+            <a:r>
+              <a:rPr lang="pl-PL" dirty="0"/>
+              <a:t>:</a:t>
+            </a:r>
+          </a:p>
+          <a:p>
+            <a:pPr marL="0" indent="0">
+              <a:buNone/>
+            </a:pPr>
+            <a:r>
+              <a:rPr lang="pl-PL" dirty="0"/>
+              <a:t>  </a:t>
+            </a:r>
+            <a:r>
+              <a:rPr lang="pl-PL" dirty="0" err="1"/>
+              <a:t>name</a:t>
+            </a:r>
+            <a:r>
+              <a:rPr lang="pl-PL" dirty="0"/>
+              <a:t>: </a:t>
+            </a:r>
+            <a:r>
+              <a:rPr lang="pl-PL" dirty="0" err="1"/>
+              <a:t>compute-resources</a:t>
+            </a:r>
+            <a:endParaRPr lang="pl-PL" dirty="0"/>
+          </a:p>
+          <a:p>
+            <a:pPr marL="0" indent="0">
+              <a:buNone/>
+            </a:pPr>
+            <a:r>
+              <a:rPr lang="pl-PL" dirty="0"/>
+              <a:t>spec:</a:t>
+            </a:r>
+          </a:p>
+          <a:p>
+            <a:pPr marL="0" indent="0">
+              <a:buNone/>
+            </a:pPr>
+            <a:r>
+              <a:rPr lang="pl-PL" dirty="0"/>
+              <a:t>  hard:</a:t>
+            </a:r>
+          </a:p>
+          <a:p>
+            <a:pPr marL="0" indent="0">
+              <a:buNone/>
+            </a:pPr>
+            <a:r>
+              <a:rPr lang="pl-PL" dirty="0"/>
+              <a:t>    </a:t>
+            </a:r>
+            <a:r>
+              <a:rPr lang="pl-PL" dirty="0" err="1"/>
+              <a:t>pods</a:t>
+            </a:r>
+            <a:r>
+              <a:rPr lang="pl-PL" dirty="0"/>
+              <a:t>: "20"</a:t>
+            </a:r>
+          </a:p>
+          <a:p>
+            <a:pPr marL="0" indent="0">
+              <a:buNone/>
+            </a:pPr>
+            <a:r>
+              <a:rPr lang="pl-PL" dirty="0"/>
+              <a:t>    </a:t>
+            </a:r>
+            <a:r>
+              <a:rPr lang="pl-PL" dirty="0" err="1"/>
+              <a:t>requests.cpu</a:t>
+            </a:r>
+            <a:r>
+              <a:rPr lang="pl-PL" dirty="0"/>
+              <a:t>: "1"</a:t>
+            </a:r>
+          </a:p>
+          <a:p>
+            <a:pPr marL="0" indent="0">
+              <a:buNone/>
+            </a:pPr>
+            <a:r>
+              <a:rPr lang="pl-PL" dirty="0"/>
+              <a:t>    </a:t>
+            </a:r>
+            <a:r>
+              <a:rPr lang="pl-PL" dirty="0" err="1"/>
+              <a:t>requests.memory</a:t>
+            </a:r>
+            <a:r>
+              <a:rPr lang="pl-PL" dirty="0"/>
+              <a:t>: 1Gi</a:t>
+            </a:r>
+          </a:p>
+          <a:p>
+            <a:pPr marL="0" indent="0">
+              <a:buNone/>
+            </a:pPr>
+            <a:r>
+              <a:rPr lang="pl-PL" dirty="0"/>
+              <a:t>    </a:t>
+            </a:r>
+            <a:r>
+              <a:rPr lang="pl-PL" dirty="0" err="1"/>
+              <a:t>limits.cpu</a:t>
+            </a:r>
+            <a:r>
+              <a:rPr lang="pl-PL" dirty="0"/>
+              <a:t>: "2"</a:t>
+            </a:r>
+          </a:p>
+          <a:p>
+            <a:pPr marL="0" indent="0">
+              <a:buNone/>
+            </a:pPr>
+            <a:r>
+              <a:rPr lang="pl-PL" dirty="0"/>
+              <a:t>    </a:t>
+            </a:r>
+            <a:r>
+              <a:rPr lang="pl-PL" dirty="0" err="1"/>
+              <a:t>limits.memory</a:t>
+            </a:r>
+            <a:r>
+              <a:rPr lang="pl-PL" dirty="0"/>
+              <a:t>: 2Gi</a:t>
+            </a:r>
+          </a:p>
+          <a:p>
+            <a:pPr marL="0" indent="0">
+              <a:buNone/>
+            </a:pPr>
+            <a:r>
+              <a:rPr lang="pl-PL" dirty="0"/>
+              <a:t>    requests.nvidia.com/</a:t>
+            </a:r>
+            <a:r>
+              <a:rPr lang="pl-PL" dirty="0" err="1"/>
+              <a:t>gpu</a:t>
+            </a:r>
+            <a:r>
+              <a:rPr lang="pl-PL" dirty="0"/>
+              <a:t>: 3</a:t>
+            </a:r>
           </a:p>
         </p:txBody>
       </p:sp>
     </p:spTree>
     <p:extLst>
       <p:ext uri="{BB962C8B-B14F-4D97-AF65-F5344CB8AC3E}">
-        <p14:creationId xmlns:p14="http://schemas.microsoft.com/office/powerpoint/2010/main" val="147757337"/>
+        <p14:creationId xmlns:p14="http://schemas.microsoft.com/office/powerpoint/2010/main" val="3495179704"/>
       </p:ext>
     </p:extLst>
   </p:cSld>
   <p:clrMapOvr>
     <a:masterClrMapping/>
   </p:clrMapOvr>
+  <p:timing>
+    <p:tnLst>
+      <p:par>
+        <p:cTn id="1" dur="indefinite" restart="never" nodeType="tmRoot"/>
+      </p:par>
+    </p:tnLst>
+  </p:timing>
 </p:sld>
 </file>
 
@@ -4913,7 +5244,7 @@
           <a:p>
             <a:r>
               <a:rPr lang="pl-PL" dirty="0" smtClean="0"/>
-              <a:t>Memory</a:t>
+              <a:t>CPU</a:t>
             </a:r>
             <a:endParaRPr lang="pl-PL" dirty="0"/>
           </a:p>
@@ -4932,87 +5263,43 @@
         <p:spPr/>
         <p:txBody>
           <a:bodyPr>
-            <a:normAutofit fontScale="92500" lnSpcReduction="20000"/>
+            <a:normAutofit fontScale="92500"/>
           </a:bodyPr>
           <a:lstStyle/>
           <a:p>
             <a:r>
               <a:rPr lang="en-US" dirty="0"/>
-              <a:t>Memory is measured in bytes. However, you can express memory with various suffixes (E,P,T,G,M,K and </a:t>
+              <a:t>CPU resources are measured in </a:t>
             </a:r>
             <a:r>
               <a:rPr lang="en-US" dirty="0" err="1"/>
-              <a:t>Ei</a:t>
+              <a:t>millicore</a:t>
             </a:r>
             <a:r>
               <a:rPr lang="en-US" dirty="0"/>
-              <a:t>, Pi, </a:t>
+              <a:t>. If a node has 2 cores, the node’s CPU capacity would be represented as 2000m. The unit suffix m stands for “thousandth of a core.”</a:t>
+            </a:r>
+          </a:p>
+          <a:p>
+            <a:r>
+              <a:rPr lang="en-US" dirty="0"/>
+              <a:t>1000m or 1000 </a:t>
             </a:r>
             <a:r>
               <a:rPr lang="en-US" dirty="0" err="1"/>
-              <a:t>Ti</a:t>
+              <a:t>millicore</a:t>
             </a:r>
             <a:r>
               <a:rPr lang="en-US" dirty="0"/>
-              <a:t>, </a:t>
+              <a:t> is equal to 1 core. 4000m would represent 4 cores. 250 </a:t>
             </a:r>
             <a:r>
               <a:rPr lang="en-US" dirty="0" err="1"/>
-              <a:t>Gi</a:t>
+              <a:t>millicore</a:t>
             </a:r>
             <a:r>
               <a:rPr lang="en-US" dirty="0"/>
-              <a:t>, </a:t>
-            </a:r>
-            <a:r>
-              <a:rPr lang="en-US" dirty="0" err="1"/>
-              <a:t>Mi</a:t>
-            </a:r>
-            <a:r>
-              <a:rPr lang="en-US" dirty="0"/>
-              <a:t>, Ki) to express </a:t>
-            </a:r>
-            <a:r>
-              <a:rPr lang="en-US" dirty="0" err="1"/>
-              <a:t>mebibytes</a:t>
-            </a:r>
-            <a:r>
-              <a:rPr lang="en-US" dirty="0"/>
-              <a:t> (</a:t>
-            </a:r>
-            <a:r>
-              <a:rPr lang="en-US" dirty="0" err="1"/>
-              <a:t>Mi</a:t>
-            </a:r>
-            <a:r>
-              <a:rPr lang="en-US" dirty="0"/>
-              <a:t>) to petabytes (Pi). </a:t>
-            </a:r>
-            <a:r>
-              <a:rPr lang="en-US" b="1" dirty="0"/>
-              <a:t>Most simply use Mi</a:t>
-            </a:r>
-            <a:r>
-              <a:rPr lang="en-US" dirty="0"/>
-              <a:t>.</a:t>
-            </a:r>
-          </a:p>
-          <a:p>
-            <a:r>
-              <a:rPr lang="en-US" dirty="0"/>
-              <a:t>Like CPU, </a:t>
-            </a:r>
-            <a:r>
-              <a:rPr lang="en-US" dirty="0">
-                <a:solidFill>
-                  <a:srgbClr val="FF0000"/>
-                </a:solidFill>
-              </a:rPr>
-              <a:t>pods will never be scheduled if they require more resources than the capacity of a node</a:t>
-            </a:r>
-            <a:r>
-              <a:rPr lang="en-US" dirty="0"/>
-              <a:t>. Unlike CPU, memory is not compressible. You can’t make memory run slower or faster like CPU or network throttling. Pods will be terminated if it reaches the memory limit.</a:t>
+              <a:t> per pod means 4 pods with a similar value of 250m can run on a single core. On a 4 core node, 16 pods each having 250m can run on that node.</a:t>
             </a:r>
           </a:p>
           <a:p>
@@ -5023,7 +5310,7 @@
     </p:spTree>
     <p:extLst>
       <p:ext uri="{BB962C8B-B14F-4D97-AF65-F5344CB8AC3E}">
-        <p14:creationId xmlns:p14="http://schemas.microsoft.com/office/powerpoint/2010/main" val="3653138814"/>
+        <p14:creationId xmlns:p14="http://schemas.microsoft.com/office/powerpoint/2010/main" val="147757337"/>
       </p:ext>
     </p:extLst>
   </p:cSld>
@@ -5066,6 +5353,160 @@
           <a:lstStyle/>
           <a:p>
             <a:r>
+              <a:rPr lang="pl-PL" dirty="0" smtClean="0"/>
+              <a:t>Memory</a:t>
+            </a:r>
+            <a:endParaRPr lang="pl-PL" dirty="0"/>
+          </a:p>
+        </p:txBody>
+      </p:sp>
+      <p:sp>
+        <p:nvSpPr>
+          <p:cNvPr id="3" name="Symbol zastępczy zawartości 2"/>
+          <p:cNvSpPr>
+            <a:spLocks noGrp="1"/>
+          </p:cNvSpPr>
+          <p:nvPr>
+            <p:ph idx="1"/>
+          </p:nvPr>
+        </p:nvSpPr>
+        <p:spPr/>
+        <p:txBody>
+          <a:bodyPr>
+            <a:normAutofit fontScale="92500" lnSpcReduction="20000"/>
+          </a:bodyPr>
+          <a:lstStyle/>
+          <a:p>
+            <a:r>
+              <a:rPr lang="en-US" dirty="0"/>
+              <a:t>Memory is measured in bytes. However, you can express memory with various suffixes (E,P,T,G,M,K and </a:t>
+            </a:r>
+            <a:r>
+              <a:rPr lang="en-US" dirty="0" err="1"/>
+              <a:t>Ei</a:t>
+            </a:r>
+            <a:r>
+              <a:rPr lang="en-US" dirty="0"/>
+              <a:t>, Pi, </a:t>
+            </a:r>
+            <a:r>
+              <a:rPr lang="en-US" dirty="0" err="1"/>
+              <a:t>Ti</a:t>
+            </a:r>
+            <a:r>
+              <a:rPr lang="en-US" dirty="0"/>
+              <a:t>, </a:t>
+            </a:r>
+            <a:r>
+              <a:rPr lang="en-US" dirty="0" err="1"/>
+              <a:t>Gi</a:t>
+            </a:r>
+            <a:r>
+              <a:rPr lang="en-US" dirty="0"/>
+              <a:t>, </a:t>
+            </a:r>
+            <a:r>
+              <a:rPr lang="en-US" dirty="0" err="1"/>
+              <a:t>Mi</a:t>
+            </a:r>
+            <a:r>
+              <a:rPr lang="en-US" dirty="0"/>
+              <a:t>, Ki) to express </a:t>
+            </a:r>
+            <a:r>
+              <a:rPr lang="en-US" dirty="0" err="1"/>
+              <a:t>mebibytes</a:t>
+            </a:r>
+            <a:r>
+              <a:rPr lang="en-US" dirty="0"/>
+              <a:t> (</a:t>
+            </a:r>
+            <a:r>
+              <a:rPr lang="en-US" dirty="0" err="1"/>
+              <a:t>Mi</a:t>
+            </a:r>
+            <a:r>
+              <a:rPr lang="en-US" dirty="0"/>
+              <a:t>) to petabytes (Pi). </a:t>
+            </a:r>
+            <a:r>
+              <a:rPr lang="en-US" b="1" dirty="0"/>
+              <a:t>Most simply use Mi</a:t>
+            </a:r>
+            <a:r>
+              <a:rPr lang="en-US" dirty="0"/>
+              <a:t>.</a:t>
+            </a:r>
+          </a:p>
+          <a:p>
+            <a:r>
+              <a:rPr lang="en-US" dirty="0"/>
+              <a:t>Like CPU, </a:t>
+            </a:r>
+            <a:r>
+              <a:rPr lang="en-US" dirty="0">
+                <a:solidFill>
+                  <a:srgbClr val="FF0000"/>
+                </a:solidFill>
+              </a:rPr>
+              <a:t>pods will never be scheduled if they require more resources than the capacity of a node</a:t>
+            </a:r>
+            <a:r>
+              <a:rPr lang="en-US" dirty="0"/>
+              <a:t>. Unlike CPU, memory is not compressible. You can’t make memory run slower or faster like CPU or network throttling. Pods will be terminated if it reaches the memory limit.</a:t>
+            </a:r>
+          </a:p>
+          <a:p>
+            <a:endParaRPr lang="pl-PL" dirty="0"/>
+          </a:p>
+        </p:txBody>
+      </p:sp>
+    </p:spTree>
+    <p:extLst>
+      <p:ext uri="{BB962C8B-B14F-4D97-AF65-F5344CB8AC3E}">
+        <p14:creationId xmlns:p14="http://schemas.microsoft.com/office/powerpoint/2010/main" val="3653138814"/>
+      </p:ext>
+    </p:extLst>
+  </p:cSld>
+  <p:clrMapOvr>
+    <a:masterClrMapping/>
+  </p:clrMapOvr>
+</p:sld>
+</file>
+
+<file path=ppt/slides/slide16.xml><?xml version="1.0" encoding="utf-8"?>
+<p:sld xmlns:a="http://schemas.openxmlformats.org/drawingml/2006/main" xmlns:r="http://schemas.openxmlformats.org/officeDocument/2006/relationships" xmlns:p="http://schemas.openxmlformats.org/presentationml/2006/main">
+  <p:cSld>
+    <p:spTree>
+      <p:nvGrpSpPr>
+        <p:cNvPr id="1" name=""/>
+        <p:cNvGrpSpPr/>
+        <p:nvPr/>
+      </p:nvGrpSpPr>
+      <p:grpSpPr>
+        <a:xfrm>
+          <a:off x="0" y="0"/>
+          <a:ext cx="0" cy="0"/>
+          <a:chOff x="0" y="0"/>
+          <a:chExt cx="0" cy="0"/>
+        </a:xfrm>
+      </p:grpSpPr>
+      <p:sp>
+        <p:nvSpPr>
+          <p:cNvPr id="2" name="Tytuł 1"/>
+          <p:cNvSpPr>
+            <a:spLocks noGrp="1"/>
+          </p:cNvSpPr>
+          <p:nvPr>
+            <p:ph type="title"/>
+          </p:nvPr>
+        </p:nvSpPr>
+        <p:spPr/>
+        <p:txBody>
+          <a:bodyPr/>
+          <a:lstStyle/>
+          <a:p>
+            <a:r>
               <a:rPr lang="pl-PL" dirty="0" err="1" smtClean="0"/>
               <a:t>Nodes</a:t>
             </a:r>
@@ -5177,7 +5618,7 @@
 </p:sld>
 </file>
 
-<file path=ppt/slides/slide16.xml><?xml version="1.0" encoding="utf-8"?>
+<file path=ppt/slides/slide17.xml><?xml version="1.0" encoding="utf-8"?>
 <p:sld xmlns:a="http://schemas.openxmlformats.org/drawingml/2006/main" xmlns:r="http://schemas.openxmlformats.org/officeDocument/2006/relationships" xmlns:p="http://schemas.openxmlformats.org/presentationml/2006/main">
   <p:cSld>
     <p:spTree>
@@ -5776,7 +6217,7 @@
 </p:sld>
 </file>
 
-<file path=ppt/slides/slide17.xml><?xml version="1.0" encoding="utf-8"?>
+<file path=ppt/slides/slide18.xml><?xml version="1.0" encoding="utf-8"?>
 <p:sld xmlns:a="http://schemas.openxmlformats.org/drawingml/2006/main" xmlns:r="http://schemas.openxmlformats.org/officeDocument/2006/relationships" xmlns:p="http://schemas.openxmlformats.org/presentationml/2006/main">
   <p:cSld>
     <p:spTree>
@@ -5885,7 +6326,7 @@
 </p:sld>
 </file>
 
-<file path=ppt/slides/slide18.xml><?xml version="1.0" encoding="utf-8"?>
+<file path=ppt/slides/slide19.xml><?xml version="1.0" encoding="utf-8"?>
 <p:sld xmlns:a="http://schemas.openxmlformats.org/drawingml/2006/main" xmlns:r="http://schemas.openxmlformats.org/officeDocument/2006/relationships" xmlns:p="http://schemas.openxmlformats.org/presentationml/2006/main">
   <p:cSld>
     <p:spTree>
@@ -6135,158 +6576,6 @@
 </p:sld>
 </file>
 
-<file path=ppt/slides/slide19.xml><?xml version="1.0" encoding="utf-8"?>
-<p:sld xmlns:a="http://schemas.openxmlformats.org/drawingml/2006/main" xmlns:r="http://schemas.openxmlformats.org/officeDocument/2006/relationships" xmlns:p="http://schemas.openxmlformats.org/presentationml/2006/main">
-  <p:cSld>
-    <p:spTree>
-      <p:nvGrpSpPr>
-        <p:cNvPr id="1" name=""/>
-        <p:cNvGrpSpPr/>
-        <p:nvPr/>
-      </p:nvGrpSpPr>
-      <p:grpSpPr>
-        <a:xfrm>
-          <a:off x="0" y="0"/>
-          <a:ext cx="0" cy="0"/>
-          <a:chOff x="0" y="0"/>
-          <a:chExt cx="0" cy="0"/>
-        </a:xfrm>
-      </p:grpSpPr>
-      <p:sp>
-        <p:nvSpPr>
-          <p:cNvPr id="2" name="Tytuł 1"/>
-          <p:cNvSpPr>
-            <a:spLocks noGrp="1"/>
-          </p:cNvSpPr>
-          <p:nvPr>
-            <p:ph type="title"/>
-          </p:nvPr>
-        </p:nvSpPr>
-        <p:spPr/>
-        <p:txBody>
-          <a:bodyPr/>
-          <a:lstStyle/>
-          <a:p>
-            <a:r>
-              <a:rPr lang="pl-PL" dirty="0" err="1" smtClean="0"/>
-              <a:t>Quality</a:t>
-            </a:r>
-            <a:r>
-              <a:rPr lang="pl-PL" dirty="0" smtClean="0"/>
-              <a:t> of Service (</a:t>
-            </a:r>
-            <a:r>
-              <a:rPr lang="pl-PL" dirty="0" err="1" smtClean="0"/>
-              <a:t>QoS</a:t>
-            </a:r>
-            <a:r>
-              <a:rPr lang="pl-PL" dirty="0" smtClean="0"/>
-              <a:t>)</a:t>
-            </a:r>
-            <a:endParaRPr lang="pl-PL" dirty="0"/>
-          </a:p>
-        </p:txBody>
-      </p:sp>
-      <p:pic>
-        <p:nvPicPr>
-          <p:cNvPr id="4098" name="Picture 2"/>
-          <p:cNvPicPr>
-            <a:picLocks noGrp="1" noChangeAspect="1" noChangeArrowheads="1"/>
-          </p:cNvPicPr>
-          <p:nvPr>
-            <p:ph idx="1"/>
-          </p:nvPr>
-        </p:nvPicPr>
-        <p:blipFill>
-          <a:blip r:embed="rId2">
-            <a:extLst>
-              <a:ext uri="{28A0092B-C50C-407E-A947-70E740481C1C}">
-                <a14:useLocalDpi xmlns:a14="http://schemas.microsoft.com/office/drawing/2010/main" val="0"/>
-              </a:ext>
-            </a:extLst>
-          </a:blip>
-          <a:srcRect/>
-          <a:stretch>
-            <a:fillRect/>
-          </a:stretch>
-        </p:blipFill>
-        <p:spPr bwMode="auto">
-          <a:xfrm>
-            <a:off x="971600" y="1124744"/>
-            <a:ext cx="7086600" cy="2964180"/>
-          </a:xfrm>
-          <a:prstGeom prst="rect">
-            <a:avLst/>
-          </a:prstGeom>
-          <a:noFill/>
-          <a:ln>
-            <a:noFill/>
-          </a:ln>
-          <a:extLst>
-            <a:ext uri="{909E8E84-426E-40DD-AFC4-6F175D3DCCD1}">
-              <a14:hiddenFill xmlns:a14="http://schemas.microsoft.com/office/drawing/2010/main">
-                <a:solidFill>
-                  <a:schemeClr val="accent1"/>
-                </a:solidFill>
-              </a14:hiddenFill>
-            </a:ext>
-            <a:ext uri="{91240B29-F687-4F45-9708-019B960494DF}">
-              <a14:hiddenLine xmlns:a14="http://schemas.microsoft.com/office/drawing/2010/main" w="9525">
-                <a:solidFill>
-                  <a:schemeClr val="tx1"/>
-                </a:solidFill>
-                <a:miter lim="800000"/>
-                <a:headEnd/>
-                <a:tailEnd/>
-              </a14:hiddenLine>
-            </a:ext>
-          </a:extLst>
-        </p:spPr>
-      </p:pic>
-      <p:sp>
-        <p:nvSpPr>
-          <p:cNvPr id="4" name="Prostokąt 3"/>
-          <p:cNvSpPr/>
-          <p:nvPr/>
-        </p:nvSpPr>
-        <p:spPr>
-          <a:xfrm>
-            <a:off x="899592" y="4293096"/>
-            <a:ext cx="7272808" cy="646331"/>
-          </a:xfrm>
-          <a:prstGeom prst="rect">
-            <a:avLst/>
-          </a:prstGeom>
-        </p:spPr>
-        <p:txBody>
-          <a:bodyPr wrap="square">
-            <a:spAutoFit/>
-          </a:bodyPr>
-          <a:lstStyle/>
-          <a:p>
-            <a:r>
-              <a:rPr lang="pl-PL" dirty="0">
-                <a:hlinkClick r:id="rId3"/>
-              </a:rPr>
-              <a:t>https://www.weave.works/blog/kubernetes-pod-resource-limitations-and-quality-of-service</a:t>
-            </a:r>
-            <a:endParaRPr lang="pl-PL" dirty="0"/>
-          </a:p>
-        </p:txBody>
-      </p:sp>
-    </p:spTree>
-    <p:extLst>
-      <p:ext uri="{BB962C8B-B14F-4D97-AF65-F5344CB8AC3E}">
-        <p14:creationId xmlns:p14="http://schemas.microsoft.com/office/powerpoint/2010/main" val="1978285830"/>
-      </p:ext>
-    </p:extLst>
-  </p:cSld>
-  <p:clrMapOvr>
-    <a:masterClrMapping/>
-  </p:clrMapOvr>
-</p:sld>
-</file>
-
 <file path=ppt/slides/slide2.xml><?xml version="1.0" encoding="utf-8"?>
 <p:sld xmlns:a="http://schemas.openxmlformats.org/drawingml/2006/main" xmlns:r="http://schemas.openxmlformats.org/officeDocument/2006/relationships" xmlns:p="http://schemas.openxmlformats.org/presentationml/2006/main">
   <p:cSld>
@@ -6436,249 +6725,91 @@
           <a:lstStyle/>
           <a:p>
             <a:r>
-              <a:rPr lang="pl-PL" dirty="0" err="1" smtClean="0">
-                <a:effectLst>
-                  <a:outerShdw blurRad="38100" dist="38100" dir="2700000" algn="tl">
-                    <a:srgbClr val="000000">
-                      <a:alpha val="43137"/>
-                    </a:srgbClr>
-                  </a:outerShdw>
-                </a:effectLst>
-              </a:rPr>
-              <a:t>Guaranteed</a:t>
-            </a:r>
-            <a:r>
-              <a:rPr lang="pl-PL" dirty="0" smtClean="0">
-                <a:effectLst>
-                  <a:outerShdw blurRad="38100" dist="38100" dir="2700000" algn="tl">
-                    <a:srgbClr val="000000">
-                      <a:alpha val="43137"/>
-                    </a:srgbClr>
-                  </a:outerShdw>
-                </a:effectLst>
-              </a:rPr>
-              <a:t> </a:t>
-            </a:r>
-            <a:r>
-              <a:rPr lang="pl-PL" dirty="0" err="1" smtClean="0">
-                <a:effectLst>
-                  <a:outerShdw blurRad="38100" dist="38100" dir="2700000" algn="tl">
-                    <a:srgbClr val="000000">
-                      <a:alpha val="43137"/>
-                    </a:srgbClr>
-                  </a:outerShdw>
-                </a:effectLst>
-              </a:rPr>
+              <a:rPr lang="pl-PL" dirty="0" err="1" smtClean="0"/>
+              <a:t>Quality</a:t>
+            </a:r>
+            <a:r>
+              <a:rPr lang="pl-PL" dirty="0" smtClean="0"/>
+              <a:t> of Service (</a:t>
+            </a:r>
+            <a:r>
+              <a:rPr lang="pl-PL" dirty="0" err="1" smtClean="0"/>
               <a:t>QoS</a:t>
             </a:r>
-            <a:endParaRPr lang="pl-PL" dirty="0">
-              <a:effectLst>
-                <a:outerShdw blurRad="38100" dist="38100" dir="2700000" algn="tl">
-                  <a:srgbClr val="000000">
-                    <a:alpha val="43137"/>
-                  </a:srgbClr>
-                </a:outerShdw>
-              </a:effectLst>
-            </a:endParaRPr>
-          </a:p>
-        </p:txBody>
-      </p:sp>
-      <p:sp>
-        <p:nvSpPr>
-          <p:cNvPr id="3" name="Symbol zastępczy zawartości 2"/>
-          <p:cNvSpPr>
-            <a:spLocks noGrp="1"/>
-          </p:cNvSpPr>
+            <a:r>
+              <a:rPr lang="pl-PL" dirty="0" smtClean="0"/>
+              <a:t>)</a:t>
+            </a:r>
+            <a:endParaRPr lang="pl-PL" dirty="0"/>
+          </a:p>
+        </p:txBody>
+      </p:sp>
+      <p:pic>
+        <p:nvPicPr>
+          <p:cNvPr id="4098" name="Picture 2"/>
+          <p:cNvPicPr>
+            <a:picLocks noGrp="1" noChangeAspect="1" noChangeArrowheads="1"/>
+          </p:cNvPicPr>
           <p:nvPr>
             <p:ph idx="1"/>
           </p:nvPr>
+        </p:nvPicPr>
+        <p:blipFill>
+          <a:blip r:embed="rId2">
+            <a:extLst>
+              <a:ext uri="{28A0092B-C50C-407E-A947-70E740481C1C}">
+                <a14:useLocalDpi xmlns:a14="http://schemas.microsoft.com/office/drawing/2010/main" val="0"/>
+              </a:ext>
+            </a:extLst>
+          </a:blip>
+          <a:srcRect/>
+          <a:stretch>
+            <a:fillRect/>
+          </a:stretch>
+        </p:blipFill>
+        <p:spPr bwMode="auto">
+          <a:xfrm>
+            <a:off x="971600" y="1124744"/>
+            <a:ext cx="7086600" cy="2964180"/>
+          </a:xfrm>
+          <a:prstGeom prst="rect">
+            <a:avLst/>
+          </a:prstGeom>
+          <a:noFill/>
+          <a:ln>
+            <a:noFill/>
+          </a:ln>
+          <a:extLst>
+            <a:ext uri="{909E8E84-426E-40DD-AFC4-6F175D3DCCD1}">
+              <a14:hiddenFill xmlns:a14="http://schemas.microsoft.com/office/drawing/2010/main">
+                <a:solidFill>
+                  <a:schemeClr val="accent1"/>
+                </a:solidFill>
+              </a14:hiddenFill>
+            </a:ext>
+            <a:ext uri="{91240B29-F687-4F45-9708-019B960494DF}">
+              <a14:hiddenLine xmlns:a14="http://schemas.microsoft.com/office/drawing/2010/main" w="9525">
+                <a:solidFill>
+                  <a:schemeClr val="tx1"/>
+                </a:solidFill>
+                <a:miter lim="800000"/>
+                <a:headEnd/>
+                <a:tailEnd/>
+              </a14:hiddenLine>
+            </a:ext>
+          </a:extLst>
+        </p:spPr>
+      </p:pic>
+      <p:sp>
+        <p:nvSpPr>
+          <p:cNvPr id="4" name="Prostokąt 3"/>
+          <p:cNvSpPr/>
+          <p:nvPr/>
         </p:nvSpPr>
         <p:spPr>
           <a:xfrm>
-            <a:off x="502920" y="530352"/>
-            <a:ext cx="8183880" cy="4050776"/>
-          </a:xfrm>
-        </p:spPr>
-        <p:txBody>
-          <a:bodyPr>
-            <a:normAutofit fontScale="55000" lnSpcReduction="20000"/>
-          </a:bodyPr>
-          <a:lstStyle/>
-          <a:p>
-            <a:endParaRPr lang="pl-PL" dirty="0" smtClean="0">
-              <a:hlinkClick r:id="rId2"/>
-            </a:endParaRPr>
-          </a:p>
-          <a:p>
-            <a:pPr marL="0" indent="0">
-              <a:buNone/>
-            </a:pPr>
-            <a:r>
-              <a:rPr lang="en-US" sz="3600" b="1" dirty="0"/>
-              <a:t>For a Pod to be given a </a:t>
-            </a:r>
-            <a:r>
-              <a:rPr lang="en-US" sz="3600" b="1" dirty="0" err="1"/>
-              <a:t>QoS</a:t>
-            </a:r>
-            <a:r>
-              <a:rPr lang="en-US" sz="3600" b="1" dirty="0"/>
-              <a:t> class of Guaranteed</a:t>
-            </a:r>
-            <a:r>
-              <a:rPr lang="en-US" sz="3600" b="1" dirty="0" smtClean="0"/>
-              <a:t>:</a:t>
-            </a:r>
-            <a:endParaRPr lang="pl-PL" sz="3600" b="1" dirty="0" smtClean="0"/>
-          </a:p>
-          <a:p>
-            <a:pPr marL="0" indent="0">
-              <a:buNone/>
-            </a:pPr>
-            <a:endParaRPr lang="en-US" dirty="0"/>
-          </a:p>
-          <a:p>
-            <a:pPr marL="0" indent="0">
-              <a:buNone/>
-            </a:pPr>
-            <a:r>
-              <a:rPr lang="en-US" dirty="0"/>
-              <a:t>Every Container in the Pod must have a memory limit and a memory request, and they must be the same</a:t>
-            </a:r>
-            <a:r>
-              <a:rPr lang="en-US" dirty="0" smtClean="0"/>
-              <a:t>.</a:t>
-            </a:r>
-            <a:endParaRPr lang="pl-PL" dirty="0" smtClean="0"/>
-          </a:p>
-          <a:p>
-            <a:pPr marL="0" indent="0">
-              <a:buNone/>
-            </a:pPr>
-            <a:endParaRPr lang="en-US" dirty="0"/>
-          </a:p>
-          <a:p>
-            <a:pPr marL="0" indent="0">
-              <a:buNone/>
-            </a:pPr>
-            <a:r>
-              <a:rPr lang="en-US" dirty="0"/>
-              <a:t>Every Container in the Pod must have a CPU limit and a CPU request, and they must be the same.</a:t>
-            </a:r>
-          </a:p>
-          <a:p>
-            <a:pPr marL="0" indent="0">
-              <a:buNone/>
-            </a:pPr>
-            <a:endParaRPr lang="pl-PL" dirty="0">
-              <a:hlinkClick r:id="rId2"/>
-            </a:endParaRPr>
-          </a:p>
-          <a:p>
-            <a:pPr marL="0" indent="0">
-              <a:buNone/>
-            </a:pPr>
-            <a:r>
-              <a:rPr lang="en-US" sz="3600" dirty="0"/>
-              <a:t>resources:</a:t>
-            </a:r>
-          </a:p>
-          <a:p>
-            <a:pPr marL="0" indent="0">
-              <a:buNone/>
-            </a:pPr>
-            <a:r>
-              <a:rPr lang="en-US" sz="3600" dirty="0"/>
-              <a:t>      limits:</a:t>
-            </a:r>
-          </a:p>
-          <a:p>
-            <a:pPr marL="0" indent="0">
-              <a:buNone/>
-            </a:pPr>
-            <a:r>
-              <a:rPr lang="en-US" sz="3600" dirty="0"/>
-              <a:t>        memory: "200Mi"</a:t>
-            </a:r>
-          </a:p>
-          <a:p>
-            <a:pPr marL="0" indent="0">
-              <a:buNone/>
-            </a:pPr>
-            <a:r>
-              <a:rPr lang="en-US" sz="3600" dirty="0"/>
-              <a:t>        </a:t>
-            </a:r>
-            <a:r>
-              <a:rPr lang="en-US" sz="3600" dirty="0" err="1"/>
-              <a:t>cpu</a:t>
-            </a:r>
-            <a:r>
-              <a:rPr lang="en-US" sz="3600" dirty="0"/>
-              <a:t>: "700m"</a:t>
-            </a:r>
-          </a:p>
-          <a:p>
-            <a:pPr marL="0" indent="0">
-              <a:buNone/>
-            </a:pPr>
-            <a:r>
-              <a:rPr lang="en-US" sz="3600" dirty="0"/>
-              <a:t>      requests:</a:t>
-            </a:r>
-          </a:p>
-          <a:p>
-            <a:pPr marL="0" indent="0">
-              <a:buNone/>
-            </a:pPr>
-            <a:r>
-              <a:rPr lang="en-US" sz="3600" dirty="0"/>
-              <a:t>        memory: "200Mi"</a:t>
-            </a:r>
-          </a:p>
-          <a:p>
-            <a:pPr marL="0" indent="0">
-              <a:buNone/>
-            </a:pPr>
-            <a:r>
-              <a:rPr lang="en-US" sz="3600" dirty="0"/>
-              <a:t>        </a:t>
-            </a:r>
-            <a:r>
-              <a:rPr lang="en-US" sz="3600" dirty="0" err="1"/>
-              <a:t>cpu</a:t>
-            </a:r>
-            <a:r>
-              <a:rPr lang="en-US" sz="3600" dirty="0"/>
-              <a:t>: "700m"	</a:t>
-            </a:r>
-            <a:endParaRPr lang="pl-PL" sz="3600" dirty="0" smtClean="0">
-              <a:hlinkClick r:id="rId2"/>
-            </a:endParaRPr>
-          </a:p>
-          <a:p>
-            <a:pPr marL="0" indent="0">
-              <a:buNone/>
-            </a:pPr>
-            <a:endParaRPr lang="pl-PL" dirty="0">
-              <a:hlinkClick r:id="rId2"/>
-            </a:endParaRPr>
-          </a:p>
-          <a:p>
-            <a:endParaRPr lang="pl-PL" dirty="0"/>
-          </a:p>
-        </p:txBody>
-      </p:sp>
-      <p:sp>
-        <p:nvSpPr>
-          <p:cNvPr id="5" name="Prostokąt 4"/>
-          <p:cNvSpPr/>
-          <p:nvPr/>
-        </p:nvSpPr>
-        <p:spPr>
-          <a:xfrm>
-            <a:off x="622992" y="4581128"/>
-            <a:ext cx="8064896" cy="923330"/>
+            <a:off x="899592" y="4293096"/>
+            <a:ext cx="7272808" cy="646331"/>
           </a:xfrm>
           <a:prstGeom prst="rect">
             <a:avLst/>
@@ -6692,9 +6823,9 @@
           <a:p>
             <a:r>
               <a:rPr lang="pl-PL" dirty="0">
-                <a:hlinkClick r:id="rId2"/>
-              </a:rPr>
-              <a:t>https://kubernetes.io/docs/tasks/configure-pod-container/quality-service-pod/#create-a-pod-that-gets-assigned-a-qos-class-of-guaranteed</a:t>
+                <a:hlinkClick r:id="rId3"/>
+              </a:rPr>
+              <a:t>https://www.weave.works/blog/kubernetes-pod-resource-limitations-and-quality-of-service</a:t>
             </a:r>
             <a:endParaRPr lang="pl-PL" dirty="0"/>
           </a:p>
@@ -6703,7 +6834,7 @@
     </p:spTree>
     <p:extLst>
       <p:ext uri="{BB962C8B-B14F-4D97-AF65-F5344CB8AC3E}">
-        <p14:creationId xmlns:p14="http://schemas.microsoft.com/office/powerpoint/2010/main" val="2173025175"/>
+        <p14:creationId xmlns:p14="http://schemas.microsoft.com/office/powerpoint/2010/main" val="1978285830"/>
       </p:ext>
     </p:extLst>
   </p:cSld>
@@ -6746,18 +6877,50 @@
           <a:lstStyle/>
           <a:p>
             <a:r>
-              <a:rPr lang="en-US" dirty="0" smtClean="0"/>
-              <a:t>Burstable</a:t>
-            </a:r>
-            <a:r>
-              <a:rPr lang="pl-PL" dirty="0" smtClean="0"/>
+              <a:rPr lang="pl-PL" dirty="0" err="1" smtClean="0">
+                <a:effectLst>
+                  <a:outerShdw blurRad="38100" dist="38100" dir="2700000" algn="tl">
+                    <a:srgbClr val="000000">
+                      <a:alpha val="43137"/>
+                    </a:srgbClr>
+                  </a:outerShdw>
+                </a:effectLst>
+              </a:rPr>
+              <a:t>Guaranteed</a:t>
+            </a:r>
+            <a:r>
+              <a:rPr lang="pl-PL" dirty="0" smtClean="0">
+                <a:effectLst>
+                  <a:outerShdw blurRad="38100" dist="38100" dir="2700000" algn="tl">
+                    <a:srgbClr val="000000">
+                      <a:alpha val="43137"/>
+                    </a:srgbClr>
+                  </a:outerShdw>
+                </a:effectLst>
+              </a:rPr>
               <a:t> </a:t>
             </a:r>
             <a:r>
-              <a:rPr lang="pl-PL" dirty="0" err="1" smtClean="0"/>
+              <a:rPr lang="pl-PL" dirty="0" err="1" smtClean="0">
+                <a:effectLst>
+                  <a:outerShdw blurRad="38100" dist="38100" dir="2700000" algn="tl">
+                    <a:srgbClr val="000000">
+                      <a:alpha val="43137"/>
+                    </a:srgbClr>
+                  </a:outerShdw>
+                </a:effectLst>
+              </a:rPr>
               <a:t>QoS</a:t>
             </a:r>
-            <a:endParaRPr lang="pl-PL" dirty="0"/>
+            <a:endParaRPr lang="pl-PL" dirty="0">
+              <a:effectLst>
+                <a:outerShdw blurRad="38100" dist="38100" dir="2700000" algn="tl">
+                  <a:srgbClr val="000000">
+                    <a:alpha val="43137"/>
+                  </a:srgbClr>
+                </a:outerShdw>
+              </a:effectLst>
+            </a:endParaRPr>
           </a:p>
         </p:txBody>
       </p:sp>
@@ -6771,27 +6934,43 @@
             <p:ph idx="1"/>
           </p:nvPr>
         </p:nvSpPr>
-        <p:spPr/>
-        <p:txBody>
-          <a:bodyPr/>
+        <p:spPr>
+          <a:xfrm>
+            <a:off x="502920" y="530352"/>
+            <a:ext cx="8183880" cy="4050776"/>
+          </a:xfrm>
+        </p:spPr>
+        <p:txBody>
+          <a:bodyPr>
+            <a:normAutofit fontScale="55000" lnSpcReduction="20000"/>
+          </a:bodyPr>
           <a:lstStyle/>
           <a:p>
+            <a:endParaRPr lang="pl-PL" dirty="0" smtClean="0">
+              <a:hlinkClick r:id="rId2"/>
+            </a:endParaRPr>
+          </a:p>
+          <a:p>
             <a:pPr marL="0" indent="0">
               <a:buNone/>
             </a:pPr>
             <a:r>
-              <a:rPr lang="en-US" b="1" dirty="0"/>
-              <a:t>Burstable</a:t>
-            </a:r>
-            <a:r>
-              <a:rPr lang="en-US" dirty="0"/>
-              <a:t> class have two conditions</a:t>
-            </a:r>
-            <a:r>
-              <a:rPr lang="en-US" dirty="0" smtClean="0"/>
+              <a:rPr lang="en-US" sz="3600" b="1" dirty="0"/>
+              <a:t>For a Pod to be given a </a:t>
+            </a:r>
+            <a:r>
+              <a:rPr lang="en-US" sz="3600" b="1" dirty="0" err="1"/>
+              <a:t>QoS</a:t>
+            </a:r>
+            <a:r>
+              <a:rPr lang="en-US" sz="3600" b="1" dirty="0"/>
+              <a:t> class of Guaranteed</a:t>
+            </a:r>
+            <a:r>
+              <a:rPr lang="en-US" sz="3600" b="1" dirty="0" smtClean="0"/>
               <a:t>:</a:t>
             </a:r>
-            <a:endParaRPr lang="pl-PL" dirty="0" smtClean="0"/>
+            <a:endParaRPr lang="pl-PL" sz="3600" b="1" dirty="0" smtClean="0"/>
           </a:p>
           <a:p>
             <a:pPr marL="0" indent="0">
@@ -6800,32 +6979,164 @@
             <a:endParaRPr lang="en-US" dirty="0"/>
           </a:p>
           <a:p>
-            <a:pPr marL="0" indent="0" latinLnBrk="1">
+            <a:pPr marL="0" indent="0">
               <a:buNone/>
             </a:pPr>
             <a:r>
               <a:rPr lang="en-US" dirty="0"/>
-              <a:t>They don’t meet the </a:t>
-            </a:r>
-            <a:r>
-              <a:rPr lang="en-US" dirty="0" err="1"/>
-              <a:t>QoS</a:t>
-            </a:r>
+              <a:t>Every Container in the Pod must have a memory limit and a memory request, and they must be the same</a:t>
+            </a:r>
+            <a:r>
+              <a:rPr lang="en-US" dirty="0" smtClean="0"/>
+              <a:t>.</a:t>
+            </a:r>
+            <a:endParaRPr lang="pl-PL" dirty="0" smtClean="0"/>
+          </a:p>
+          <a:p>
+            <a:pPr marL="0" indent="0">
+              <a:buNone/>
+            </a:pPr>
+            <a:endParaRPr lang="en-US" dirty="0"/>
+          </a:p>
+          <a:p>
+            <a:pPr marL="0" indent="0">
+              <a:buNone/>
+            </a:pPr>
             <a:r>
               <a:rPr lang="en-US" dirty="0"/>
-              <a:t> guaranteed criteria.</a:t>
-            </a:r>
-          </a:p>
-          <a:p>
-            <a:pPr marL="0" indent="0" latinLnBrk="1">
+              <a:t>Every Container in the Pod must have a CPU limit and a CPU request, and they must be the same.</a:t>
+            </a:r>
+          </a:p>
+          <a:p>
+            <a:pPr marL="0" indent="0">
               <a:buNone/>
             </a:pPr>
-            <a:r>
-              <a:rPr lang="en-US" dirty="0"/>
-              <a:t>They have at least one memory or CPU request.</a:t>
-            </a:r>
-          </a:p>
-          <a:p>
+            <a:endParaRPr lang="pl-PL" dirty="0">
+              <a:hlinkClick r:id="rId2"/>
+            </a:endParaRPr>
+          </a:p>
+          <a:p>
+            <a:pPr marL="0" indent="0">
+              <a:buNone/>
+            </a:pPr>
+            <a:r>
+              <a:rPr lang="en-US" sz="3600" dirty="0"/>
+              <a:t>resources:</a:t>
+            </a:r>
+          </a:p>
+          <a:p>
+            <a:pPr marL="0" indent="0">
+              <a:buNone/>
+            </a:pPr>
+            <a:r>
+              <a:rPr lang="en-US" sz="3600" dirty="0"/>
+              <a:t>      limits:</a:t>
+            </a:r>
+          </a:p>
+          <a:p>
+            <a:pPr marL="0" indent="0">
+              <a:buNone/>
+            </a:pPr>
+            <a:r>
+              <a:rPr lang="en-US" sz="3600" dirty="0"/>
+              <a:t>        memory: "200Mi"</a:t>
+            </a:r>
+          </a:p>
+          <a:p>
+            <a:pPr marL="0" indent="0">
+              <a:buNone/>
+            </a:pPr>
+            <a:r>
+              <a:rPr lang="en-US" sz="3600" dirty="0"/>
+              <a:t>        </a:t>
+            </a:r>
+            <a:r>
+              <a:rPr lang="en-US" sz="3600" dirty="0" err="1"/>
+              <a:t>cpu</a:t>
+            </a:r>
+            <a:r>
+              <a:rPr lang="en-US" sz="3600" dirty="0"/>
+              <a:t>: "700m"</a:t>
+            </a:r>
+          </a:p>
+          <a:p>
+            <a:pPr marL="0" indent="0">
+              <a:buNone/>
+            </a:pPr>
+            <a:r>
+              <a:rPr lang="en-US" sz="3600" dirty="0"/>
+              <a:t>      requests:</a:t>
+            </a:r>
+          </a:p>
+          <a:p>
+            <a:pPr marL="0" indent="0">
+              <a:buNone/>
+            </a:pPr>
+            <a:r>
+              <a:rPr lang="en-US" sz="3600" dirty="0"/>
+              <a:t>        memory: "200Mi"</a:t>
+            </a:r>
+          </a:p>
+          <a:p>
+            <a:pPr marL="0" indent="0">
+              <a:buNone/>
+            </a:pPr>
+            <a:r>
+              <a:rPr lang="en-US" sz="3600" dirty="0"/>
+              <a:t>        </a:t>
+            </a:r>
+            <a:r>
+              <a:rPr lang="en-US" sz="3600" dirty="0" err="1"/>
+              <a:t>cpu</a:t>
+            </a:r>
+            <a:r>
+              <a:rPr lang="en-US" sz="3600" dirty="0"/>
+              <a:t>: "700m"	</a:t>
+            </a:r>
+            <a:endParaRPr lang="pl-PL" sz="3600" dirty="0" smtClean="0">
+              <a:hlinkClick r:id="rId2"/>
+            </a:endParaRPr>
+          </a:p>
+          <a:p>
+            <a:pPr marL="0" indent="0">
+              <a:buNone/>
+            </a:pPr>
+            <a:endParaRPr lang="pl-PL" dirty="0">
+              <a:hlinkClick r:id="rId2"/>
+            </a:endParaRPr>
+          </a:p>
+          <a:p>
+            <a:endParaRPr lang="pl-PL" dirty="0"/>
+          </a:p>
+        </p:txBody>
+      </p:sp>
+      <p:sp>
+        <p:nvSpPr>
+          <p:cNvPr id="5" name="Prostokąt 4"/>
+          <p:cNvSpPr/>
+          <p:nvPr/>
+        </p:nvSpPr>
+        <p:spPr>
+          <a:xfrm>
+            <a:off x="622992" y="4581128"/>
+            <a:ext cx="8064896" cy="923330"/>
+          </a:xfrm>
+          <a:prstGeom prst="rect">
+            <a:avLst/>
+          </a:prstGeom>
+        </p:spPr>
+        <p:txBody>
+          <a:bodyPr wrap="square">
+            <a:spAutoFit/>
+          </a:bodyPr>
+          <a:lstStyle/>
+          <a:p>
+            <a:r>
+              <a:rPr lang="pl-PL" dirty="0">
+                <a:hlinkClick r:id="rId2"/>
+              </a:rPr>
+              <a:t>https://kubernetes.io/docs/tasks/configure-pod-container/quality-service-pod/#create-a-pod-that-gets-assigned-a-qos-class-of-guaranteed</a:t>
+            </a:r>
             <a:endParaRPr lang="pl-PL" dirty="0"/>
           </a:p>
         </p:txBody>
@@ -6833,7 +7144,7 @@
     </p:spTree>
     <p:extLst>
       <p:ext uri="{BB962C8B-B14F-4D97-AF65-F5344CB8AC3E}">
-        <p14:creationId xmlns:p14="http://schemas.microsoft.com/office/powerpoint/2010/main" val="2717299787"/>
+        <p14:creationId xmlns:p14="http://schemas.microsoft.com/office/powerpoint/2010/main" val="2173025175"/>
       </p:ext>
     </p:extLst>
   </p:cSld>
@@ -6876,8 +7187,8 @@
           <a:lstStyle/>
           <a:p>
             <a:r>
-              <a:rPr lang="en-US" dirty="0" err="1" smtClean="0"/>
-              <a:t>BestEffort</a:t>
+              <a:rPr lang="en-US" dirty="0" smtClean="0"/>
+              <a:t>Burstable</a:t>
             </a:r>
             <a:r>
               <a:rPr lang="pl-PL" dirty="0" smtClean="0"/>
@@ -6910,28 +7221,16 @@
               <a:buNone/>
             </a:pPr>
             <a:r>
-              <a:rPr lang="en-US" b="1" dirty="0" err="1"/>
-              <a:t>BestEffort</a:t>
+              <a:rPr lang="en-US" b="1" dirty="0"/>
+              <a:t>Burstable</a:t>
             </a:r>
             <a:r>
               <a:rPr lang="en-US" dirty="0"/>
-              <a:t> is a container with no memory or CPU limits or requests. If you’ve never defined any resources before reading </a:t>
+              <a:t> class have two conditions</a:t>
             </a:r>
             <a:r>
               <a:rPr lang="en-US" dirty="0" smtClean="0"/>
-              <a:t>this, </a:t>
-            </a:r>
-            <a:r>
-              <a:rPr lang="en-US" dirty="0"/>
-              <a:t>your pod is by default running in </a:t>
-            </a:r>
-            <a:r>
-              <a:rPr lang="en-US" dirty="0" err="1"/>
-              <a:t>BestEffort</a:t>
-            </a:r>
-            <a:r>
-              <a:rPr lang="en-US" dirty="0" smtClean="0"/>
-              <a:t>.</a:t>
+              <a:t>:</a:t>
             </a:r>
             <a:endParaRPr lang="pl-PL" dirty="0" smtClean="0"/>
           </a:p>
@@ -6942,20 +7241,29 @@
             <a:endParaRPr lang="en-US" dirty="0"/>
           </a:p>
           <a:p>
-            <a:pPr marL="0" indent="0">
+            <a:pPr marL="0" indent="0" latinLnBrk="1">
               <a:buNone/>
             </a:pPr>
             <a:r>
               <a:rPr lang="en-US" dirty="0"/>
-              <a:t>Simply, </a:t>
+              <a:t>They don’t meet the </a:t>
             </a:r>
             <a:r>
               <a:rPr lang="en-US" dirty="0" err="1"/>
-              <a:t>BestEffort</a:t>
+              <a:t>QoS</a:t>
             </a:r>
             <a:r>
               <a:rPr lang="en-US" dirty="0"/>
-              <a:t> is when you don’t set anything at all.</a:t>
+              <a:t> guaranteed criteria.</a:t>
+            </a:r>
+          </a:p>
+          <a:p>
+            <a:pPr marL="0" indent="0" latinLnBrk="1">
+              <a:buNone/>
+            </a:pPr>
+            <a:r>
+              <a:rPr lang="en-US" dirty="0"/>
+              <a:t>They have at least one memory or CPU request.</a:t>
             </a:r>
           </a:p>
           <a:p>
@@ -6966,7 +7274,7 @@
     </p:spTree>
     <p:extLst>
       <p:ext uri="{BB962C8B-B14F-4D97-AF65-F5344CB8AC3E}">
-        <p14:creationId xmlns:p14="http://schemas.microsoft.com/office/powerpoint/2010/main" val="1689245596"/>
+        <p14:creationId xmlns:p14="http://schemas.microsoft.com/office/powerpoint/2010/main" val="2717299787"/>
       </p:ext>
     </p:extLst>
   </p:cSld>
@@ -7005,98 +7313,101 @@
         </p:nvSpPr>
         <p:spPr/>
         <p:txBody>
-          <a:bodyPr>
-            <a:normAutofit fontScale="90000"/>
-          </a:bodyPr>
-          <a:lstStyle/>
-          <a:p>
-            <a:r>
-              <a:rPr lang="en-US" dirty="0"/>
-              <a:t>Quality of Service Best </a:t>
-            </a:r>
-            <a:r>
-              <a:rPr lang="en-US" dirty="0" smtClean="0"/>
-              <a:t>Practices</a:t>
-            </a:r>
-            <a:endParaRPr lang="pl-PL" dirty="0"/>
-          </a:p>
-        </p:txBody>
-      </p:sp>
-      <p:sp>
-        <p:nvSpPr>
-          <p:cNvPr id="3" name="Symbol zastępczy zawartości 2"/>
-          <p:cNvSpPr>
-            <a:spLocks noGrp="1"/>
-          </p:cNvSpPr>
-          <p:nvPr>
-            <p:ph idx="1"/>
-          </p:nvPr>
-        </p:nvSpPr>
-        <p:spPr/>
-        <p:txBody>
           <a:bodyPr/>
           <a:lstStyle/>
           <a:p>
             <a:r>
+              <a:rPr lang="en-US" dirty="0" err="1" smtClean="0"/>
+              <a:t>BestEffort</a:t>
+            </a:r>
+            <a:r>
+              <a:rPr lang="pl-PL" dirty="0" smtClean="0"/>
+              <a:t> </a:t>
+            </a:r>
+            <a:r>
+              <a:rPr lang="pl-PL" dirty="0" err="1" smtClean="0"/>
+              <a:t>QoS</a:t>
+            </a:r>
+            <a:endParaRPr lang="pl-PL" dirty="0"/>
+          </a:p>
+        </p:txBody>
+      </p:sp>
+      <p:sp>
+        <p:nvSpPr>
+          <p:cNvPr id="3" name="Symbol zastępczy zawartości 2"/>
+          <p:cNvSpPr>
+            <a:spLocks noGrp="1"/>
+          </p:cNvSpPr>
+          <p:nvPr>
+            <p:ph idx="1"/>
+          </p:nvPr>
+        </p:nvSpPr>
+        <p:spPr/>
+        <p:txBody>
+          <a:bodyPr/>
+          <a:lstStyle/>
+          <a:p>
+            <a:pPr marL="0" indent="0">
+              <a:buNone/>
+            </a:pPr>
+            <a:r>
+              <a:rPr lang="en-US" b="1" dirty="0" err="1"/>
+              <a:t>BestEffort</a:t>
+            </a:r>
+            <a:r>
+              <a:rPr lang="en-US" dirty="0"/>
+              <a:t> is a container with no memory or CPU limits or requests. If you’ve never defined any resources before reading </a:t>
+            </a:r>
+            <a:r>
               <a:rPr lang="en-US" dirty="0" smtClean="0"/>
-              <a:t>For </a:t>
+              <a:t>this, </a:t>
             </a:r>
             <a:r>
               <a:rPr lang="en-US" dirty="0"/>
-              <a:t>production workloads, </a:t>
+              <a:t>your pod is by default running in </a:t>
             </a:r>
             <a:r>
               <a:rPr lang="en-US" dirty="0" err="1"/>
               <a:t>BestEffort</a:t>
             </a:r>
             <a:r>
+              <a:rPr lang="en-US" dirty="0" smtClean="0"/>
+              <a:t>.</a:t>
+            </a:r>
+            <a:endParaRPr lang="pl-PL" dirty="0" smtClean="0"/>
+          </a:p>
+          <a:p>
+            <a:pPr marL="0" indent="0">
+              <a:buNone/>
+            </a:pPr>
+            <a:endParaRPr lang="en-US" dirty="0"/>
+          </a:p>
+          <a:p>
+            <a:pPr marL="0" indent="0">
+              <a:buNone/>
+            </a:pPr>
+            <a:r>
               <a:rPr lang="en-US" dirty="0"/>
-              <a:t> is not recommended. </a:t>
-            </a:r>
-            <a:r>
-              <a:rPr lang="en-US" dirty="0">
-                <a:solidFill>
-                  <a:srgbClr val="FF0000"/>
-                </a:solidFill>
-              </a:rPr>
-              <a:t>Keep in mind, these containers will be killed first</a:t>
+              <a:t>Simply, </a:t>
+            </a:r>
+            <a:r>
+              <a:rPr lang="en-US" dirty="0" err="1"/>
+              <a:t>BestEffort</a:t>
             </a:r>
             <a:r>
               <a:rPr lang="en-US" dirty="0"/>
-              <a:t>. Burstable is suitable for most generic workloads. For sensitive applications that may have spikes or anything that runs in a </a:t>
-            </a:r>
-            <a:r>
-              <a:rPr lang="en-US" dirty="0" err="1"/>
-              <a:t>stateful</a:t>
-            </a:r>
-            <a:r>
-              <a:rPr lang="en-US" dirty="0"/>
-              <a:t> set like databases, it is recommended to apply a </a:t>
-            </a:r>
-            <a:r>
-              <a:rPr lang="en-US" dirty="0" err="1"/>
-              <a:t>QoS</a:t>
-            </a:r>
-            <a:r>
-              <a:rPr lang="en-US" dirty="0"/>
-              <a:t> guaranteed </a:t>
-            </a:r>
-            <a:r>
-              <a:rPr lang="en-US" dirty="0" smtClean="0"/>
-              <a:t>class</a:t>
-            </a:r>
-            <a:r>
-              <a:rPr lang="pl-PL" dirty="0"/>
-              <a:t>.</a:t>
-            </a:r>
-            <a:endParaRPr lang="en-US" dirty="0"/>
+              <a:t> is when you don’t set anything at all.</a:t>
+            </a:r>
+          </a:p>
+          <a:p>
+            <a:endParaRPr lang="pl-PL" dirty="0"/>
           </a:p>
         </p:txBody>
       </p:sp>
     </p:spTree>
     <p:extLst>
       <p:ext uri="{BB962C8B-B14F-4D97-AF65-F5344CB8AC3E}">
-        <p14:creationId xmlns:p14="http://schemas.microsoft.com/office/powerpoint/2010/main" val="708209892"/>
+        <p14:creationId xmlns:p14="http://schemas.microsoft.com/office/powerpoint/2010/main" val="1689245596"/>
       </p:ext>
     </p:extLst>
   </p:cSld>
@@ -7135,6 +7446,136 @@
         </p:nvSpPr>
         <p:spPr/>
         <p:txBody>
+          <a:bodyPr>
+            <a:normAutofit fontScale="90000"/>
+          </a:bodyPr>
+          <a:lstStyle/>
+          <a:p>
+            <a:r>
+              <a:rPr lang="en-US" dirty="0"/>
+              <a:t>Quality of Service Best </a:t>
+            </a:r>
+            <a:r>
+              <a:rPr lang="en-US" dirty="0" smtClean="0"/>
+              <a:t>Practices</a:t>
+            </a:r>
+            <a:endParaRPr lang="pl-PL" dirty="0"/>
+          </a:p>
+        </p:txBody>
+      </p:sp>
+      <p:sp>
+        <p:nvSpPr>
+          <p:cNvPr id="3" name="Symbol zastępczy zawartości 2"/>
+          <p:cNvSpPr>
+            <a:spLocks noGrp="1"/>
+          </p:cNvSpPr>
+          <p:nvPr>
+            <p:ph idx="1"/>
+          </p:nvPr>
+        </p:nvSpPr>
+        <p:spPr/>
+        <p:txBody>
+          <a:bodyPr/>
+          <a:lstStyle/>
+          <a:p>
+            <a:r>
+              <a:rPr lang="en-US" dirty="0" smtClean="0"/>
+              <a:t>For </a:t>
+            </a:r>
+            <a:r>
+              <a:rPr lang="en-US" dirty="0"/>
+              <a:t>production workloads, </a:t>
+            </a:r>
+            <a:r>
+              <a:rPr lang="en-US" dirty="0" err="1"/>
+              <a:t>BestEffort</a:t>
+            </a:r>
+            <a:r>
+              <a:rPr lang="en-US" dirty="0"/>
+              <a:t> is not recommended. </a:t>
+            </a:r>
+            <a:r>
+              <a:rPr lang="en-US" dirty="0">
+                <a:solidFill>
+                  <a:srgbClr val="FF0000"/>
+                </a:solidFill>
+              </a:rPr>
+              <a:t>Keep in mind, these containers will be killed first</a:t>
+            </a:r>
+            <a:r>
+              <a:rPr lang="en-US" dirty="0"/>
+              <a:t>. Burstable is suitable for most generic workloads. For sensitive applications that may have spikes or anything that runs in a </a:t>
+            </a:r>
+            <a:r>
+              <a:rPr lang="en-US" dirty="0" err="1"/>
+              <a:t>stateful</a:t>
+            </a:r>
+            <a:r>
+              <a:rPr lang="en-US" dirty="0"/>
+              <a:t> set like databases, it is recommended to apply a </a:t>
+            </a:r>
+            <a:r>
+              <a:rPr lang="en-US" dirty="0" err="1"/>
+              <a:t>QoS</a:t>
+            </a:r>
+            <a:r>
+              <a:rPr lang="en-US" dirty="0"/>
+              <a:t> guaranteed </a:t>
+            </a:r>
+            <a:r>
+              <a:rPr lang="en-US" dirty="0" smtClean="0"/>
+              <a:t>class</a:t>
+            </a:r>
+            <a:r>
+              <a:rPr lang="pl-PL" dirty="0"/>
+              <a:t>.</a:t>
+            </a:r>
+            <a:endParaRPr lang="en-US" dirty="0"/>
+          </a:p>
+        </p:txBody>
+      </p:sp>
+    </p:spTree>
+    <p:extLst>
+      <p:ext uri="{BB962C8B-B14F-4D97-AF65-F5344CB8AC3E}">
+        <p14:creationId xmlns:p14="http://schemas.microsoft.com/office/powerpoint/2010/main" val="708209892"/>
+      </p:ext>
+    </p:extLst>
+  </p:cSld>
+  <p:clrMapOvr>
+    <a:masterClrMapping/>
+  </p:clrMapOvr>
+</p:sld>
+</file>
+
+<file path=ppt/slides/slide25.xml><?xml version="1.0" encoding="utf-8"?>
+<p:sld xmlns:a="http://schemas.openxmlformats.org/drawingml/2006/main" xmlns:r="http://schemas.openxmlformats.org/officeDocument/2006/relationships" xmlns:p="http://schemas.openxmlformats.org/presentationml/2006/main">
+  <p:cSld>
+    <p:spTree>
+      <p:nvGrpSpPr>
+        <p:cNvPr id="1" name=""/>
+        <p:cNvGrpSpPr/>
+        <p:nvPr/>
+      </p:nvGrpSpPr>
+      <p:grpSpPr>
+        <a:xfrm>
+          <a:off x="0" y="0"/>
+          <a:ext cx="0" cy="0"/>
+          <a:chOff x="0" y="0"/>
+          <a:chExt cx="0" cy="0"/>
+        </a:xfrm>
+      </p:grpSpPr>
+      <p:sp>
+        <p:nvSpPr>
+          <p:cNvPr id="2" name="Tytuł 1"/>
+          <p:cNvSpPr>
+            <a:spLocks noGrp="1"/>
+          </p:cNvSpPr>
+          <p:nvPr>
+            <p:ph type="title"/>
+          </p:nvPr>
+        </p:nvSpPr>
+        <p:spPr/>
+        <p:txBody>
           <a:bodyPr/>
           <a:lstStyle/>
           <a:p>
@@ -7382,7 +7823,7 @@
 </p:sld>
 </file>
 
-<file path=ppt/slides/slide25.xml><?xml version="1.0" encoding="utf-8"?>
+<file path=ppt/slides/slide26.xml><?xml version="1.0" encoding="utf-8"?>
 <p:sld xmlns:a="http://schemas.openxmlformats.org/drawingml/2006/main" xmlns:r="http://schemas.openxmlformats.org/officeDocument/2006/relationships" xmlns:p="http://schemas.openxmlformats.org/presentationml/2006/main">
   <p:cSld>
     <p:spTree>
@@ -7946,156 +8387,82 @@
             </a:r>
             <a:r>
               <a:rPr lang="pl-PL" dirty="0" smtClean="0"/>
-              <a:t> </a:t>
+              <a:t> in 5 </a:t>
             </a:r>
             <a:r>
               <a:rPr lang="pl-PL" dirty="0" err="1" smtClean="0"/>
-              <a:t>limits</a:t>
+              <a:t>minutes</a:t>
             </a:r>
             <a:endParaRPr lang="pl-PL" dirty="0"/>
           </a:p>
         </p:txBody>
       </p:sp>
-      <p:sp>
-        <p:nvSpPr>
-          <p:cNvPr id="3" name="Symbol zastępczy zawartości 2"/>
-          <p:cNvSpPr>
-            <a:spLocks noGrp="1"/>
-          </p:cNvSpPr>
+      <p:pic>
+        <p:nvPicPr>
+          <p:cNvPr id="1026" name="Picture 2"/>
+          <p:cNvPicPr>
+            <a:picLocks noGrp="1" noChangeAspect="1" noChangeArrowheads="1"/>
+          </p:cNvPicPr>
           <p:nvPr>
             <p:ph idx="1"/>
           </p:nvPr>
-        </p:nvSpPr>
-        <p:spPr/>
-        <p:txBody>
-          <a:bodyPr>
-            <a:normAutofit fontScale="85000" lnSpcReduction="20000"/>
-          </a:bodyPr>
-          <a:lstStyle/>
-          <a:p>
-            <a:endParaRPr lang="pl-PL" dirty="0" smtClean="0"/>
-          </a:p>
-          <a:p>
-            <a:pPr marL="0" indent="0">
-              <a:buNone/>
-            </a:pPr>
-            <a:r>
-              <a:rPr lang="en-US" dirty="0"/>
-              <a:t>At v1.16, Kubernetes supports clusters with up to 5000 nodes. More specifically, we support configurations that meet </a:t>
-            </a:r>
-            <a:r>
-              <a:rPr lang="en-US" i="1" dirty="0"/>
-              <a:t>all</a:t>
-            </a:r>
-            <a:r>
-              <a:rPr lang="en-US" dirty="0"/>
-              <a:t> of the following criteria</a:t>
-            </a:r>
-            <a:r>
-              <a:rPr lang="en-US" dirty="0" smtClean="0"/>
-              <a:t>:</a:t>
-            </a:r>
-            <a:endParaRPr lang="en-US" dirty="0"/>
-          </a:p>
-          <a:p>
-            <a:pPr marL="0" indent="0">
-              <a:buNone/>
-            </a:pPr>
-            <a:r>
-              <a:rPr lang="en-US" dirty="0"/>
-              <a:t>No more than 5000 nodes</a:t>
-            </a:r>
-          </a:p>
-          <a:p>
-            <a:pPr marL="0" indent="0">
-              <a:buNone/>
-            </a:pPr>
-            <a:r>
-              <a:rPr lang="en-US" dirty="0"/>
-              <a:t>No more than 150000 total pods</a:t>
-            </a:r>
-          </a:p>
-          <a:p>
-            <a:pPr marL="0" indent="0">
-              <a:buNone/>
-            </a:pPr>
-            <a:r>
-              <a:rPr lang="en-US" dirty="0"/>
-              <a:t>No more than 300000 total containers</a:t>
-            </a:r>
-          </a:p>
-          <a:p>
-            <a:pPr marL="0" indent="0">
-              <a:buNone/>
-            </a:pPr>
-            <a:r>
-              <a:rPr lang="en-US" dirty="0">
-                <a:solidFill>
-                  <a:srgbClr val="FF0000"/>
-                </a:solidFill>
-              </a:rPr>
-              <a:t>No more than 100 pods per </a:t>
-            </a:r>
-            <a:r>
-              <a:rPr lang="en-US" dirty="0" smtClean="0">
-                <a:solidFill>
-                  <a:srgbClr val="FF0000"/>
-                </a:solidFill>
-              </a:rPr>
-              <a:t>node</a:t>
-            </a:r>
-            <a:endParaRPr lang="pl-PL" dirty="0" smtClean="0">
-              <a:solidFill>
-                <a:srgbClr val="FF0000"/>
-              </a:solidFill>
-            </a:endParaRPr>
-          </a:p>
-          <a:p>
-            <a:pPr marL="0" indent="0">
-              <a:buNone/>
-            </a:pPr>
-            <a:endParaRPr lang="pl-PL" dirty="0" smtClean="0"/>
-          </a:p>
-          <a:p>
-            <a:pPr marL="0" indent="0">
-              <a:buNone/>
-            </a:pPr>
-            <a:r>
-              <a:rPr lang="pl-PL" dirty="0">
-                <a:hlinkClick r:id="rId2"/>
-              </a:rPr>
-              <a:t>https://kubernetes.io/docs/setup/best-practices/cluster-large/</a:t>
-            </a:r>
-            <a:endParaRPr lang="pl-PL" dirty="0"/>
-          </a:p>
-          <a:p>
-            <a:pPr marL="0" indent="0">
-              <a:buNone/>
-            </a:pPr>
-            <a:endParaRPr lang="en-US" dirty="0"/>
-          </a:p>
-          <a:p>
-            <a:endParaRPr lang="pl-PL" dirty="0"/>
-          </a:p>
-        </p:txBody>
-      </p:sp>
+        </p:nvPicPr>
+        <p:blipFill>
+          <a:blip r:embed="rId2">
+            <a:extLst>
+              <a:ext uri="{28A0092B-C50C-407E-A947-70E740481C1C}">
+                <a14:useLocalDpi xmlns:a14="http://schemas.microsoft.com/office/drawing/2010/main" val="0"/>
+              </a:ext>
+            </a:extLst>
+          </a:blip>
+          <a:srcRect/>
+          <a:stretch>
+            <a:fillRect/>
+          </a:stretch>
+        </p:blipFill>
+        <p:spPr bwMode="auto">
+          <a:xfrm>
+            <a:off x="503238" y="677326"/>
+            <a:ext cx="8183562" cy="3893623"/>
+          </a:xfrm>
+          <a:prstGeom prst="rect">
+            <a:avLst/>
+          </a:prstGeom>
+          <a:noFill/>
+          <a:ln>
+            <a:noFill/>
+          </a:ln>
+          <a:extLst>
+            <a:ext uri="{909E8E84-426E-40DD-AFC4-6F175D3DCCD1}">
+              <a14:hiddenFill xmlns:a14="http://schemas.microsoft.com/office/drawing/2010/main">
+                <a:solidFill>
+                  <a:schemeClr val="accent1"/>
+                </a:solidFill>
+              </a14:hiddenFill>
+            </a:ext>
+            <a:ext uri="{91240B29-F687-4F45-9708-019B960494DF}">
+              <a14:hiddenLine xmlns:a14="http://schemas.microsoft.com/office/drawing/2010/main" w="9525">
+                <a:solidFill>
+                  <a:schemeClr val="tx1"/>
+                </a:solidFill>
+                <a:miter lim="800000"/>
+                <a:headEnd/>
+                <a:tailEnd/>
+              </a14:hiddenLine>
+            </a:ext>
+          </a:extLst>
+        </p:spPr>
+      </p:pic>
     </p:spTree>
     <p:extLst>
       <p:ext uri="{BB962C8B-B14F-4D97-AF65-F5344CB8AC3E}">
-        <p14:creationId xmlns:p14="http://schemas.microsoft.com/office/powerpoint/2010/main" val="2924432766"/>
+        <p14:creationId xmlns:p14="http://schemas.microsoft.com/office/powerpoint/2010/main" val="3776224542"/>
       </p:ext>
     </p:extLst>
   </p:cSld>
   <p:clrMapOvr>
     <a:masterClrMapping/>
   </p:clrMapOvr>
-  <p:timing>
-    <p:tnLst>
-      <p:par>
-        <p:cTn id="1" dur="indefinite" restart="never" nodeType="tmRoot"/>
-      </p:par>
-    </p:tnLst>
-  </p:timing>
 </p:sld>
 </file>
 
@@ -8133,15 +8500,15 @@
           <a:p>
             <a:r>
               <a:rPr lang="pl-PL" dirty="0" err="1" smtClean="0"/>
-              <a:t>Limits</a:t>
+              <a:t>Kubernetes</a:t>
             </a:r>
             <a:r>
               <a:rPr lang="pl-PL" dirty="0" smtClean="0"/>
-              <a:t>, </a:t>
+              <a:t> </a:t>
             </a:r>
             <a:r>
               <a:rPr lang="pl-PL" dirty="0" err="1" smtClean="0"/>
-              <a:t>requests</a:t>
+              <a:t>limits</a:t>
             </a:r>
             <a:endParaRPr lang="pl-PL" dirty="0"/>
           </a:p>
@@ -8160,43 +8527,110 @@
         <p:spPr/>
         <p:txBody>
           <a:bodyPr>
-            <a:normAutofit fontScale="77500" lnSpcReduction="20000"/>
+            <a:normAutofit fontScale="85000" lnSpcReduction="20000"/>
           </a:bodyPr>
           <a:lstStyle/>
           <a:p>
+            <a:endParaRPr lang="pl-PL" dirty="0" smtClean="0"/>
+          </a:p>
+          <a:p>
+            <a:pPr marL="0" indent="0">
+              <a:buNone/>
+            </a:pPr>
             <a:r>
               <a:rPr lang="en-US" dirty="0"/>
-              <a:t>Kubernetes employs requests and limits to control resources. Requests are guaranteed resources that a container is entitled to use. Limits, on the other hand, are the maximum resources or threshold a container can use. </a:t>
-            </a:r>
+              <a:t>At v1.16, Kubernetes supports clusters with up to 5000 nodes. More specifically, we support configurations that meet </a:t>
+            </a:r>
+            <a:r>
+              <a:rPr lang="en-US" i="1" dirty="0"/>
+              <a:t>all</a:t>
+            </a:r>
+            <a:r>
+              <a:rPr lang="en-US" dirty="0"/>
+              <a:t> of the following criteria</a:t>
+            </a:r>
+            <a:r>
+              <a:rPr lang="en-US" dirty="0" smtClean="0"/>
+              <a:t>:</a:t>
+            </a:r>
+            <a:endParaRPr lang="en-US" dirty="0"/>
+          </a:p>
+          <a:p>
+            <a:pPr marL="0" indent="0">
+              <a:buNone/>
+            </a:pPr>
+            <a:r>
+              <a:rPr lang="en-US" dirty="0"/>
+              <a:t>No more than 5000 nodes</a:t>
+            </a:r>
+          </a:p>
+          <a:p>
+            <a:pPr marL="0" indent="0">
+              <a:buNone/>
+            </a:pPr>
+            <a:r>
+              <a:rPr lang="en-US" dirty="0"/>
+              <a:t>No more than 150000 total pods</a:t>
+            </a:r>
+          </a:p>
+          <a:p>
+            <a:pPr marL="0" indent="0">
+              <a:buNone/>
+            </a:pPr>
+            <a:r>
+              <a:rPr lang="en-US" dirty="0"/>
+              <a:t>No more than 300000 total containers</a:t>
+            </a:r>
+          </a:p>
+          <a:p>
+            <a:pPr marL="0" indent="0">
+              <a:buNone/>
+            </a:pPr>
+            <a:r>
+              <a:rPr lang="en-US" dirty="0">
+                <a:solidFill>
+                  <a:srgbClr val="FF0000"/>
+                </a:solidFill>
+              </a:rPr>
+              <a:t>No more than 100 pods per </a:t>
+            </a:r>
+            <a:r>
+              <a:rPr lang="en-US" dirty="0" smtClean="0">
+                <a:solidFill>
+                  <a:srgbClr val="FF0000"/>
+                </a:solidFill>
+              </a:rPr>
+              <a:t>node</a:t>
+            </a:r>
+            <a:endParaRPr lang="pl-PL" dirty="0" smtClean="0">
+              <a:solidFill>
+                <a:srgbClr val="FF0000"/>
+              </a:solidFill>
+            </a:endParaRPr>
+          </a:p>
+          <a:p>
+            <a:pPr marL="0" indent="0">
+              <a:buNone/>
+            </a:pPr>
             <a:endParaRPr lang="pl-PL" dirty="0" smtClean="0"/>
           </a:p>
           <a:p>
-            <a:r>
-              <a:rPr lang="en-US" dirty="0" smtClean="0"/>
-              <a:t>After </a:t>
-            </a:r>
-            <a:r>
-              <a:rPr lang="en-US" dirty="0"/>
-              <a:t>reaching the limits, containers will be restricted. If a container requests a resource, Kubernetes will only schedule it on an available node that can provide those resources. These resources and limit are defined in the standard YAML configuration of your containers.</a:t>
-            </a:r>
-          </a:p>
-          <a:p>
-            <a:r>
-              <a:rPr lang="en-US" dirty="0"/>
-              <a:t>In Kubernetes, there are two types of resources: </a:t>
-            </a:r>
-            <a:r>
-              <a:rPr lang="en-US" dirty="0">
-                <a:solidFill>
-                  <a:srgbClr val="FF0000"/>
-                </a:solidFill>
-              </a:rPr>
-              <a:t>CPU and Memory</a:t>
-            </a:r>
-            <a:r>
-              <a:rPr lang="en-US" dirty="0"/>
-              <a:t>. CPU is measured in core units, and memory is specified in bytes.</a:t>
-            </a:r>
+            <a:pPr marL="0" indent="0">
+              <a:buNone/>
+            </a:pPr>
+            <a:r>
+              <a:rPr lang="pl-PL" dirty="0">
+                <a:hlinkClick r:id="rId2"/>
+              </a:rPr>
+              <a:t>https://kubernetes.io/docs/setup/best-practices/cluster-large/</a:t>
+            </a:r>
+            <a:endParaRPr lang="pl-PL" dirty="0"/>
+          </a:p>
+          <a:p>
+            <a:pPr marL="0" indent="0">
+              <a:buNone/>
+            </a:pPr>
+            <a:endParaRPr lang="en-US" dirty="0"/>
           </a:p>
           <a:p>
             <a:endParaRPr lang="pl-PL" dirty="0"/>
@@ -8206,7 +8640,7 @@
     </p:spTree>
     <p:extLst>
       <p:ext uri="{BB962C8B-B14F-4D97-AF65-F5344CB8AC3E}">
-        <p14:creationId xmlns:p14="http://schemas.microsoft.com/office/powerpoint/2010/main" val="4087162077"/>
+        <p14:creationId xmlns:p14="http://schemas.microsoft.com/office/powerpoint/2010/main" val="2924432766"/>
       </p:ext>
     </p:extLst>
   </p:cSld>
@@ -8271,6 +8705,130 @@
           </a:p>
         </p:txBody>
       </p:sp>
+      <p:sp>
+        <p:nvSpPr>
+          <p:cNvPr id="3" name="Symbol zastępczy zawartości 2"/>
+          <p:cNvSpPr>
+            <a:spLocks noGrp="1"/>
+          </p:cNvSpPr>
+          <p:nvPr>
+            <p:ph idx="1"/>
+          </p:nvPr>
+        </p:nvSpPr>
+        <p:spPr/>
+        <p:txBody>
+          <a:bodyPr>
+            <a:normAutofit fontScale="77500" lnSpcReduction="20000"/>
+          </a:bodyPr>
+          <a:lstStyle/>
+          <a:p>
+            <a:r>
+              <a:rPr lang="en-US" dirty="0"/>
+              <a:t>Kubernetes employs requests and limits to control resources. Requests are guaranteed resources that a container is entitled to use. Limits, on the other hand, are the maximum resources or threshold a container can use. </a:t>
+            </a:r>
+            <a:endParaRPr lang="pl-PL" dirty="0" smtClean="0"/>
+          </a:p>
+          <a:p>
+            <a:r>
+              <a:rPr lang="en-US" dirty="0" smtClean="0"/>
+              <a:t>After </a:t>
+            </a:r>
+            <a:r>
+              <a:rPr lang="en-US" dirty="0"/>
+              <a:t>reaching the limits, containers will be restricted. If a container requests a resource, Kubernetes will only schedule it on an available node that can provide those resources. These resources and limit are defined in the standard YAML configuration of your containers.</a:t>
+            </a:r>
+          </a:p>
+          <a:p>
+            <a:r>
+              <a:rPr lang="en-US" dirty="0"/>
+              <a:t>In Kubernetes, there are two types of resources: </a:t>
+            </a:r>
+            <a:r>
+              <a:rPr lang="en-US" dirty="0">
+                <a:solidFill>
+                  <a:srgbClr val="FF0000"/>
+                </a:solidFill>
+              </a:rPr>
+              <a:t>CPU and Memory</a:t>
+            </a:r>
+            <a:r>
+              <a:rPr lang="en-US" dirty="0"/>
+              <a:t>. CPU is measured in core units, and memory is specified in bytes.</a:t>
+            </a:r>
+          </a:p>
+          <a:p>
+            <a:endParaRPr lang="pl-PL" dirty="0"/>
+          </a:p>
+        </p:txBody>
+      </p:sp>
+    </p:spTree>
+    <p:extLst>
+      <p:ext uri="{BB962C8B-B14F-4D97-AF65-F5344CB8AC3E}">
+        <p14:creationId xmlns:p14="http://schemas.microsoft.com/office/powerpoint/2010/main" val="4087162077"/>
+      </p:ext>
+    </p:extLst>
+  </p:cSld>
+  <p:clrMapOvr>
+    <a:masterClrMapping/>
+  </p:clrMapOvr>
+  <p:timing>
+    <p:tnLst>
+      <p:par>
+        <p:cTn id="1" dur="indefinite" restart="never" nodeType="tmRoot"/>
+      </p:par>
+    </p:tnLst>
+  </p:timing>
+</p:sld>
+</file>
+
+<file path=ppt/slides/slide7.xml><?xml version="1.0" encoding="utf-8"?>
+<p:sld xmlns:a="http://schemas.openxmlformats.org/drawingml/2006/main" xmlns:r="http://schemas.openxmlformats.org/officeDocument/2006/relationships" xmlns:p="http://schemas.openxmlformats.org/presentationml/2006/main">
+  <p:cSld>
+    <p:spTree>
+      <p:nvGrpSpPr>
+        <p:cNvPr id="1" name=""/>
+        <p:cNvGrpSpPr/>
+        <p:nvPr/>
+      </p:nvGrpSpPr>
+      <p:grpSpPr>
+        <a:xfrm>
+          <a:off x="0" y="0"/>
+          <a:ext cx="0" cy="0"/>
+          <a:chOff x="0" y="0"/>
+          <a:chExt cx="0" cy="0"/>
+        </a:xfrm>
+      </p:grpSpPr>
+      <p:sp>
+        <p:nvSpPr>
+          <p:cNvPr id="2" name="Tytuł 1"/>
+          <p:cNvSpPr>
+            <a:spLocks noGrp="1"/>
+          </p:cNvSpPr>
+          <p:nvPr>
+            <p:ph type="title"/>
+          </p:nvPr>
+        </p:nvSpPr>
+        <p:spPr/>
+        <p:txBody>
+          <a:bodyPr/>
+          <a:lstStyle/>
+          <a:p>
+            <a:r>
+              <a:rPr lang="pl-PL" dirty="0" err="1" smtClean="0"/>
+              <a:t>Limits</a:t>
+            </a:r>
+            <a:r>
+              <a:rPr lang="pl-PL" dirty="0" smtClean="0"/>
+              <a:t>, </a:t>
+            </a:r>
+            <a:r>
+              <a:rPr lang="pl-PL" dirty="0" err="1" smtClean="0"/>
+              <a:t>requests</a:t>
+            </a:r>
+            <a:endParaRPr lang="pl-PL" dirty="0"/>
+          </a:p>
+        </p:txBody>
+      </p:sp>
       <p:pic>
         <p:nvPicPr>
           <p:cNvPr id="3074" name="Picture 2"/>
@@ -8402,744 +8960,6 @@
 </p:sld>
 </file>
 
-<file path=ppt/slides/slide7.xml><?xml version="1.0" encoding="utf-8"?>
-<p:sld xmlns:a="http://schemas.openxmlformats.org/drawingml/2006/main" xmlns:r="http://schemas.openxmlformats.org/officeDocument/2006/relationships" xmlns:p="http://schemas.openxmlformats.org/presentationml/2006/main">
-  <p:cSld>
-    <p:spTree>
-      <p:nvGrpSpPr>
-        <p:cNvPr id="1" name=""/>
-        <p:cNvGrpSpPr/>
-        <p:nvPr/>
-      </p:nvGrpSpPr>
-      <p:grpSpPr>
-        <a:xfrm>
-          <a:off x="0" y="0"/>
-          <a:ext cx="0" cy="0"/>
-          <a:chOff x="0" y="0"/>
-          <a:chExt cx="0" cy="0"/>
-        </a:xfrm>
-      </p:grpSpPr>
-      <p:sp>
-        <p:nvSpPr>
-          <p:cNvPr id="2" name="Tytuł 1"/>
-          <p:cNvSpPr>
-            <a:spLocks noGrp="1"/>
-          </p:cNvSpPr>
-          <p:nvPr>
-            <p:ph type="title"/>
-          </p:nvPr>
-        </p:nvSpPr>
-        <p:spPr/>
-        <p:txBody>
-          <a:bodyPr/>
-          <a:lstStyle/>
-          <a:p>
-            <a:r>
-              <a:rPr lang="pl-PL" dirty="0" err="1" smtClean="0"/>
-              <a:t>Container</a:t>
-            </a:r>
-            <a:r>
-              <a:rPr lang="pl-PL" dirty="0" smtClean="0"/>
-              <a:t> </a:t>
-            </a:r>
-            <a:r>
-              <a:rPr lang="pl-PL" dirty="0" err="1" smtClean="0"/>
-              <a:t>limits</a:t>
-            </a:r>
-            <a:endParaRPr lang="pl-PL" dirty="0"/>
-          </a:p>
-        </p:txBody>
-      </p:sp>
-      <p:sp>
-        <p:nvSpPr>
-          <p:cNvPr id="3" name="Symbol zastępczy zawartości 2"/>
-          <p:cNvSpPr>
-            <a:spLocks noGrp="1"/>
-          </p:cNvSpPr>
-          <p:nvPr>
-            <p:ph idx="1"/>
-          </p:nvPr>
-        </p:nvSpPr>
-        <p:spPr>
-          <a:xfrm>
-            <a:off x="502920" y="530352"/>
-            <a:ext cx="4069080" cy="3258688"/>
-          </a:xfrm>
-        </p:spPr>
-        <p:txBody>
-          <a:bodyPr>
-            <a:normAutofit/>
-          </a:bodyPr>
-          <a:lstStyle/>
-          <a:p>
-            <a:pPr marL="0" indent="0">
-              <a:buNone/>
-            </a:pPr>
-            <a:r>
-              <a:rPr lang="pl-PL" sz="1900" dirty="0" err="1">
-                <a:solidFill>
-                  <a:srgbClr val="FF0000"/>
-                </a:solidFill>
-              </a:rPr>
-              <a:t>apiVersion</a:t>
-            </a:r>
-            <a:r>
-              <a:rPr lang="pl-PL" sz="1900" dirty="0">
-                <a:solidFill>
-                  <a:srgbClr val="FF0000"/>
-                </a:solidFill>
-              </a:rPr>
-              <a:t>: v1</a:t>
-            </a:r>
-          </a:p>
-          <a:p>
-            <a:pPr marL="0" indent="0">
-              <a:buNone/>
-            </a:pPr>
-            <a:r>
-              <a:rPr lang="pl-PL" sz="1900" dirty="0" err="1">
-                <a:solidFill>
-                  <a:srgbClr val="FF0000"/>
-                </a:solidFill>
-              </a:rPr>
-              <a:t>kind</a:t>
-            </a:r>
-            <a:r>
-              <a:rPr lang="pl-PL" sz="1900" dirty="0">
-                <a:solidFill>
-                  <a:srgbClr val="FF0000"/>
-                </a:solidFill>
-              </a:rPr>
-              <a:t>: Pod</a:t>
-            </a:r>
-          </a:p>
-          <a:p>
-            <a:pPr marL="0" indent="0">
-              <a:buNone/>
-            </a:pPr>
-            <a:r>
-              <a:rPr lang="pl-PL" sz="1900" dirty="0" err="1">
-                <a:solidFill>
-                  <a:srgbClr val="FF0000"/>
-                </a:solidFill>
-              </a:rPr>
-              <a:t>metadata</a:t>
-            </a:r>
-            <a:r>
-              <a:rPr lang="pl-PL" sz="1900" dirty="0">
-                <a:solidFill>
-                  <a:srgbClr val="FF0000"/>
-                </a:solidFill>
-              </a:rPr>
-              <a:t>:</a:t>
-            </a:r>
-          </a:p>
-          <a:p>
-            <a:pPr marL="0" indent="0">
-              <a:buNone/>
-            </a:pPr>
-            <a:r>
-              <a:rPr lang="pl-PL" sz="1900" dirty="0">
-                <a:solidFill>
-                  <a:srgbClr val="FF0000"/>
-                </a:solidFill>
-              </a:rPr>
-              <a:t>  </a:t>
-            </a:r>
-            <a:r>
-              <a:rPr lang="pl-PL" sz="1900" dirty="0" err="1">
-                <a:solidFill>
-                  <a:srgbClr val="FF0000"/>
-                </a:solidFill>
-              </a:rPr>
-              <a:t>name</a:t>
-            </a:r>
-            <a:r>
-              <a:rPr lang="pl-PL" sz="1900" dirty="0">
-                <a:solidFill>
-                  <a:srgbClr val="FF0000"/>
-                </a:solidFill>
-              </a:rPr>
-              <a:t>: pod-quota-1</a:t>
-            </a:r>
-          </a:p>
-          <a:p>
-            <a:pPr marL="0" indent="0">
-              <a:buNone/>
-            </a:pPr>
-            <a:r>
-              <a:rPr lang="pl-PL" sz="1900" dirty="0">
-                <a:solidFill>
-                  <a:srgbClr val="FF0000"/>
-                </a:solidFill>
-              </a:rPr>
-              <a:t>spec:</a:t>
-            </a:r>
-          </a:p>
-          <a:p>
-            <a:pPr marL="0" indent="0">
-              <a:buNone/>
-            </a:pPr>
-            <a:r>
-              <a:rPr lang="pl-PL" sz="1900" dirty="0">
-                <a:solidFill>
-                  <a:srgbClr val="FF0000"/>
-                </a:solidFill>
-              </a:rPr>
-              <a:t>  </a:t>
-            </a:r>
-            <a:r>
-              <a:rPr lang="pl-PL" sz="1900" dirty="0" err="1">
-                <a:solidFill>
-                  <a:srgbClr val="FF0000"/>
-                </a:solidFill>
-              </a:rPr>
-              <a:t>containers</a:t>
-            </a:r>
-            <a:r>
-              <a:rPr lang="pl-PL" sz="1900" dirty="0">
-                <a:solidFill>
-                  <a:srgbClr val="FF0000"/>
-                </a:solidFill>
-              </a:rPr>
-              <a:t>:</a:t>
-            </a:r>
-          </a:p>
-          <a:p>
-            <a:pPr marL="0" indent="0">
-              <a:buNone/>
-            </a:pPr>
-            <a:r>
-              <a:rPr lang="pl-PL" sz="1900" dirty="0">
-                <a:solidFill>
-                  <a:srgbClr val="FF0000"/>
-                </a:solidFill>
-              </a:rPr>
-              <a:t>  - </a:t>
-            </a:r>
-            <a:r>
-              <a:rPr lang="pl-PL" sz="1900" dirty="0" err="1">
-                <a:solidFill>
-                  <a:srgbClr val="FF0000"/>
-                </a:solidFill>
-              </a:rPr>
-              <a:t>name</a:t>
-            </a:r>
-            <a:r>
-              <a:rPr lang="pl-PL" sz="1900" dirty="0">
-                <a:solidFill>
-                  <a:srgbClr val="FF0000"/>
-                </a:solidFill>
-              </a:rPr>
-              <a:t>: pod-quota-1</a:t>
-            </a:r>
-          </a:p>
-          <a:p>
-            <a:pPr marL="0" indent="0">
-              <a:buNone/>
-            </a:pPr>
-            <a:r>
-              <a:rPr lang="pl-PL" sz="1900" dirty="0">
-                <a:solidFill>
-                  <a:srgbClr val="FF0000"/>
-                </a:solidFill>
-              </a:rPr>
-              <a:t>    image: </a:t>
-            </a:r>
-            <a:r>
-              <a:rPr lang="pl-PL" sz="1900" dirty="0" err="1" smtClean="0">
-                <a:solidFill>
-                  <a:srgbClr val="FF0000"/>
-                </a:solidFill>
-              </a:rPr>
-              <a:t>nginx</a:t>
-            </a:r>
-            <a:endParaRPr lang="pl-PL" sz="1900" dirty="0" smtClean="0">
-              <a:solidFill>
-                <a:srgbClr val="FF0000"/>
-              </a:solidFill>
-            </a:endParaRPr>
-          </a:p>
-          <a:p>
-            <a:endParaRPr lang="pl-PL" dirty="0"/>
-          </a:p>
-        </p:txBody>
-      </p:sp>
-      <p:sp>
-        <p:nvSpPr>
-          <p:cNvPr id="6" name="Prostokąt 5"/>
-          <p:cNvSpPr/>
-          <p:nvPr/>
-        </p:nvSpPr>
-        <p:spPr>
-          <a:xfrm>
-            <a:off x="4139952" y="692696"/>
-            <a:ext cx="4572000" cy="4524315"/>
-          </a:xfrm>
-          <a:prstGeom prst="rect">
-            <a:avLst/>
-          </a:prstGeom>
-        </p:spPr>
-        <p:txBody>
-          <a:bodyPr>
-            <a:spAutoFit/>
-          </a:bodyPr>
-          <a:lstStyle/>
-          <a:p>
-            <a:r>
-              <a:rPr lang="pl-PL" dirty="0" err="1">
-                <a:solidFill>
-                  <a:schemeClr val="accent4">
-                    <a:lumMod val="50000"/>
-                  </a:schemeClr>
-                </a:solidFill>
-              </a:rPr>
-              <a:t>apiVersion</a:t>
-            </a:r>
-            <a:r>
-              <a:rPr lang="pl-PL" dirty="0">
-                <a:solidFill>
-                  <a:schemeClr val="accent4">
-                    <a:lumMod val="50000"/>
-                  </a:schemeClr>
-                </a:solidFill>
-              </a:rPr>
-              <a:t>: v1</a:t>
-            </a:r>
-          </a:p>
-          <a:p>
-            <a:r>
-              <a:rPr lang="pl-PL" dirty="0" err="1">
-                <a:solidFill>
-                  <a:schemeClr val="accent4">
-                    <a:lumMod val="50000"/>
-                  </a:schemeClr>
-                </a:solidFill>
-              </a:rPr>
-              <a:t>kind</a:t>
-            </a:r>
-            <a:r>
-              <a:rPr lang="pl-PL" dirty="0">
-                <a:solidFill>
-                  <a:schemeClr val="accent4">
-                    <a:lumMod val="50000"/>
-                  </a:schemeClr>
-                </a:solidFill>
-              </a:rPr>
-              <a:t>: Pod</a:t>
-            </a:r>
-          </a:p>
-          <a:p>
-            <a:r>
-              <a:rPr lang="pl-PL" dirty="0" err="1">
-                <a:solidFill>
-                  <a:schemeClr val="accent4">
-                    <a:lumMod val="50000"/>
-                  </a:schemeClr>
-                </a:solidFill>
-              </a:rPr>
-              <a:t>metadata</a:t>
-            </a:r>
-            <a:r>
-              <a:rPr lang="pl-PL" dirty="0">
-                <a:solidFill>
-                  <a:schemeClr val="accent4">
-                    <a:lumMod val="50000"/>
-                  </a:schemeClr>
-                </a:solidFill>
-              </a:rPr>
-              <a:t>:</a:t>
-            </a:r>
-          </a:p>
-          <a:p>
-            <a:r>
-              <a:rPr lang="pl-PL" dirty="0">
-                <a:solidFill>
-                  <a:schemeClr val="accent4">
-                    <a:lumMod val="50000"/>
-                  </a:schemeClr>
-                </a:solidFill>
-              </a:rPr>
-              <a:t>  </a:t>
-            </a:r>
-            <a:r>
-              <a:rPr lang="pl-PL" dirty="0" err="1">
-                <a:solidFill>
-                  <a:schemeClr val="accent4">
-                    <a:lumMod val="50000"/>
-                  </a:schemeClr>
-                </a:solidFill>
-              </a:rPr>
-              <a:t>name</a:t>
-            </a:r>
-            <a:r>
-              <a:rPr lang="pl-PL" dirty="0">
-                <a:solidFill>
-                  <a:schemeClr val="accent4">
-                    <a:lumMod val="50000"/>
-                  </a:schemeClr>
-                </a:solidFill>
-              </a:rPr>
-              <a:t>: pod-quota-2</a:t>
-            </a:r>
-          </a:p>
-          <a:p>
-            <a:r>
-              <a:rPr lang="pl-PL" dirty="0">
-                <a:solidFill>
-                  <a:schemeClr val="accent4">
-                    <a:lumMod val="50000"/>
-                  </a:schemeClr>
-                </a:solidFill>
-              </a:rPr>
-              <a:t>spec:</a:t>
-            </a:r>
-          </a:p>
-          <a:p>
-            <a:r>
-              <a:rPr lang="pl-PL" dirty="0">
-                <a:solidFill>
-                  <a:schemeClr val="accent4">
-                    <a:lumMod val="50000"/>
-                  </a:schemeClr>
-                </a:solidFill>
-              </a:rPr>
-              <a:t>  </a:t>
-            </a:r>
-            <a:r>
-              <a:rPr lang="pl-PL" dirty="0" err="1">
-                <a:solidFill>
-                  <a:schemeClr val="accent4">
-                    <a:lumMod val="50000"/>
-                  </a:schemeClr>
-                </a:solidFill>
-              </a:rPr>
-              <a:t>containers</a:t>
-            </a:r>
-            <a:r>
-              <a:rPr lang="pl-PL" dirty="0">
-                <a:solidFill>
-                  <a:schemeClr val="accent4">
-                    <a:lumMod val="50000"/>
-                  </a:schemeClr>
-                </a:solidFill>
-              </a:rPr>
-              <a:t>:</a:t>
-            </a:r>
-          </a:p>
-          <a:p>
-            <a:r>
-              <a:rPr lang="pl-PL" dirty="0">
-                <a:solidFill>
-                  <a:schemeClr val="accent4">
-                    <a:lumMod val="50000"/>
-                  </a:schemeClr>
-                </a:solidFill>
-              </a:rPr>
-              <a:t>  - </a:t>
-            </a:r>
-            <a:r>
-              <a:rPr lang="pl-PL" dirty="0" err="1">
-                <a:solidFill>
-                  <a:schemeClr val="accent4">
-                    <a:lumMod val="50000"/>
-                  </a:schemeClr>
-                </a:solidFill>
-              </a:rPr>
-              <a:t>name</a:t>
-            </a:r>
-            <a:r>
-              <a:rPr lang="pl-PL" dirty="0">
-                <a:solidFill>
-                  <a:schemeClr val="accent4">
-                    <a:lumMod val="50000"/>
-                  </a:schemeClr>
-                </a:solidFill>
-              </a:rPr>
-              <a:t>: pod-quota-2</a:t>
-            </a:r>
-          </a:p>
-          <a:p>
-            <a:r>
-              <a:rPr lang="pl-PL" dirty="0">
-                <a:solidFill>
-                  <a:schemeClr val="accent4">
-                    <a:lumMod val="50000"/>
-                  </a:schemeClr>
-                </a:solidFill>
-              </a:rPr>
-              <a:t>    image: </a:t>
-            </a:r>
-            <a:r>
-              <a:rPr lang="pl-PL" dirty="0" err="1">
-                <a:solidFill>
-                  <a:schemeClr val="accent4">
-                    <a:lumMod val="50000"/>
-                  </a:schemeClr>
-                </a:solidFill>
-              </a:rPr>
-              <a:t>redis</a:t>
-            </a:r>
-            <a:endParaRPr lang="pl-PL" dirty="0">
-              <a:solidFill>
-                <a:schemeClr val="accent4">
-                  <a:lumMod val="50000"/>
-                </a:schemeClr>
-              </a:solidFill>
-            </a:endParaRPr>
-          </a:p>
-          <a:p>
-            <a:r>
-              <a:rPr lang="pl-PL" b="1" dirty="0">
-                <a:solidFill>
-                  <a:schemeClr val="accent4">
-                    <a:lumMod val="50000"/>
-                  </a:schemeClr>
-                </a:solidFill>
-              </a:rPr>
-              <a:t>    </a:t>
-            </a:r>
-            <a:r>
-              <a:rPr lang="pl-PL" b="1" dirty="0" err="1">
-                <a:solidFill>
-                  <a:schemeClr val="accent4">
-                    <a:lumMod val="50000"/>
-                  </a:schemeClr>
-                </a:solidFill>
-              </a:rPr>
-              <a:t>resources</a:t>
-            </a:r>
-            <a:r>
-              <a:rPr lang="pl-PL" b="1" dirty="0">
-                <a:solidFill>
-                  <a:schemeClr val="accent4">
-                    <a:lumMod val="50000"/>
-                  </a:schemeClr>
-                </a:solidFill>
-              </a:rPr>
-              <a:t>:</a:t>
-            </a:r>
-          </a:p>
-          <a:p>
-            <a:r>
-              <a:rPr lang="pl-PL" b="1" dirty="0">
-                <a:solidFill>
-                  <a:schemeClr val="accent4">
-                    <a:lumMod val="50000"/>
-                  </a:schemeClr>
-                </a:solidFill>
-              </a:rPr>
-              <a:t>      </a:t>
-            </a:r>
-            <a:r>
-              <a:rPr lang="pl-PL" b="1" dirty="0" err="1">
-                <a:solidFill>
-                  <a:schemeClr val="accent4">
-                    <a:lumMod val="50000"/>
-                  </a:schemeClr>
-                </a:solidFill>
-              </a:rPr>
-              <a:t>limits</a:t>
-            </a:r>
-            <a:r>
-              <a:rPr lang="pl-PL" b="1" dirty="0">
-                <a:solidFill>
-                  <a:schemeClr val="accent4">
-                    <a:lumMod val="50000"/>
-                  </a:schemeClr>
-                </a:solidFill>
-              </a:rPr>
-              <a:t>:</a:t>
-            </a:r>
-          </a:p>
-          <a:p>
-            <a:r>
-              <a:rPr lang="pl-PL" b="1" dirty="0">
-                <a:solidFill>
-                  <a:schemeClr val="accent4">
-                    <a:lumMod val="50000"/>
-                  </a:schemeClr>
-                </a:solidFill>
-              </a:rPr>
-              <a:t>        </a:t>
-            </a:r>
-            <a:r>
-              <a:rPr lang="pl-PL" b="1" dirty="0" err="1">
-                <a:solidFill>
-                  <a:schemeClr val="accent4">
-                    <a:lumMod val="50000"/>
-                  </a:schemeClr>
-                </a:solidFill>
-              </a:rPr>
-              <a:t>memory</a:t>
-            </a:r>
-            <a:r>
-              <a:rPr lang="pl-PL" b="1" dirty="0">
-                <a:solidFill>
-                  <a:schemeClr val="accent4">
-                    <a:lumMod val="50000"/>
-                  </a:schemeClr>
-                </a:solidFill>
-              </a:rPr>
-              <a:t>: "1Gi"</a:t>
-            </a:r>
-          </a:p>
-          <a:p>
-            <a:r>
-              <a:rPr lang="pl-PL" b="1" dirty="0">
-                <a:solidFill>
-                  <a:schemeClr val="accent4">
-                    <a:lumMod val="50000"/>
-                  </a:schemeClr>
-                </a:solidFill>
-              </a:rPr>
-              <a:t>        </a:t>
-            </a:r>
-            <a:r>
-              <a:rPr lang="pl-PL" b="1" dirty="0" err="1">
-                <a:solidFill>
-                  <a:schemeClr val="accent4">
-                    <a:lumMod val="50000"/>
-                  </a:schemeClr>
-                </a:solidFill>
-              </a:rPr>
-              <a:t>cpu</a:t>
-            </a:r>
-            <a:r>
-              <a:rPr lang="pl-PL" b="1" dirty="0">
-                <a:solidFill>
-                  <a:schemeClr val="accent4">
-                    <a:lumMod val="50000"/>
-                  </a:schemeClr>
-                </a:solidFill>
-              </a:rPr>
-              <a:t>: "800m"      </a:t>
-            </a:r>
-          </a:p>
-          <a:p>
-            <a:r>
-              <a:rPr lang="pl-PL" b="1" dirty="0">
-                <a:solidFill>
-                  <a:schemeClr val="accent4">
-                    <a:lumMod val="50000"/>
-                  </a:schemeClr>
-                </a:solidFill>
-              </a:rPr>
-              <a:t>      </a:t>
-            </a:r>
-            <a:r>
-              <a:rPr lang="pl-PL" b="1" dirty="0" err="1">
-                <a:solidFill>
-                  <a:schemeClr val="accent4">
-                    <a:lumMod val="50000"/>
-                  </a:schemeClr>
-                </a:solidFill>
-              </a:rPr>
-              <a:t>requests</a:t>
-            </a:r>
-            <a:r>
-              <a:rPr lang="pl-PL" b="1" dirty="0">
-                <a:solidFill>
-                  <a:schemeClr val="accent4">
-                    <a:lumMod val="50000"/>
-                  </a:schemeClr>
-                </a:solidFill>
-              </a:rPr>
-              <a:t>:</a:t>
-            </a:r>
-          </a:p>
-          <a:p>
-            <a:r>
-              <a:rPr lang="pl-PL" b="1" dirty="0">
-                <a:solidFill>
-                  <a:schemeClr val="accent4">
-                    <a:lumMod val="50000"/>
-                  </a:schemeClr>
-                </a:solidFill>
-              </a:rPr>
-              <a:t>        </a:t>
-            </a:r>
-            <a:r>
-              <a:rPr lang="pl-PL" b="1" dirty="0" err="1">
-                <a:solidFill>
-                  <a:schemeClr val="accent4">
-                    <a:lumMod val="50000"/>
-                  </a:schemeClr>
-                </a:solidFill>
-              </a:rPr>
-              <a:t>memory</a:t>
-            </a:r>
-            <a:r>
-              <a:rPr lang="pl-PL" b="1" dirty="0">
-                <a:solidFill>
-                  <a:schemeClr val="accent4">
-                    <a:lumMod val="50000"/>
-                  </a:schemeClr>
-                </a:solidFill>
-              </a:rPr>
-              <a:t>: "700Mi"</a:t>
-            </a:r>
-          </a:p>
-          <a:p>
-            <a:r>
-              <a:rPr lang="pl-PL" b="1" dirty="0">
-                <a:solidFill>
-                  <a:schemeClr val="accent4">
-                    <a:lumMod val="50000"/>
-                  </a:schemeClr>
-                </a:solidFill>
-              </a:rPr>
-              <a:t>        </a:t>
-            </a:r>
-            <a:r>
-              <a:rPr lang="pl-PL" b="1" dirty="0" err="1">
-                <a:solidFill>
-                  <a:schemeClr val="accent4">
-                    <a:lumMod val="50000"/>
-                  </a:schemeClr>
-                </a:solidFill>
-              </a:rPr>
-              <a:t>cpu</a:t>
-            </a:r>
-            <a:r>
-              <a:rPr lang="pl-PL" b="1" dirty="0">
-                <a:solidFill>
-                  <a:schemeClr val="accent4">
-                    <a:lumMod val="50000"/>
-                  </a:schemeClr>
-                </a:solidFill>
-              </a:rPr>
-              <a:t>: "400m"</a:t>
-            </a:r>
-          </a:p>
-          <a:p>
-            <a:r>
-              <a:rPr lang="pl-PL" dirty="0"/>
-              <a:t> </a:t>
-            </a:r>
-          </a:p>
-        </p:txBody>
-      </p:sp>
-    </p:spTree>
-    <p:extLst>
-      <p:ext uri="{BB962C8B-B14F-4D97-AF65-F5344CB8AC3E}">
-        <p14:creationId xmlns:p14="http://schemas.microsoft.com/office/powerpoint/2010/main" val="3781876501"/>
-      </p:ext>
-    </p:extLst>
-  </p:cSld>
-  <p:clrMapOvr>
-    <a:masterClrMapping/>
-  </p:clrMapOvr>
-  <p:timing>
-    <p:tnLst>
-      <p:par>
-        <p:cTn id="1" dur="indefinite" restart="never" nodeType="tmRoot"/>
-      </p:par>
-    </p:tnLst>
-  </p:timing>
-</p:sld>
-</file>
-
 <file path=ppt/slides/slide8.xml><?xml version="1.0" encoding="utf-8"?>
 <p:sld xmlns:a="http://schemas.openxmlformats.org/drawingml/2006/main" xmlns:r="http://schemas.openxmlformats.org/officeDocument/2006/relationships" xmlns:p="http://schemas.openxmlformats.org/presentationml/2006/main">
   <p:cSld>
@@ -9174,7 +8994,15 @@
           <a:p>
             <a:r>
               <a:rPr lang="pl-PL" dirty="0" err="1" smtClean="0"/>
-              <a:t>Namespaces</a:t>
+              <a:t>Container</a:t>
+            </a:r>
+            <a:r>
+              <a:rPr lang="pl-PL" dirty="0" smtClean="0"/>
+              <a:t> </a:t>
+            </a:r>
+            <a:r>
+              <a:rPr lang="pl-PL" dirty="0" err="1" smtClean="0"/>
+              <a:t>limits</a:t>
             </a:r>
             <a:endParaRPr lang="pl-PL" dirty="0"/>
           </a:p>
@@ -9190,79 +9018,670 @@
             <p:ph idx="1"/>
           </p:nvPr>
         </p:nvSpPr>
-        <p:spPr/>
+        <p:spPr>
+          <a:xfrm>
+            <a:off x="502920" y="530352"/>
+            <a:ext cx="4069080" cy="3258688"/>
+          </a:xfrm>
+        </p:spPr>
         <p:txBody>
           <a:bodyPr>
-            <a:normAutofit fontScale="92500" lnSpcReduction="10000"/>
+            <a:normAutofit/>
           </a:bodyPr>
           <a:lstStyle/>
           <a:p>
-            <a:r>
-              <a:rPr lang="en-US" dirty="0"/>
-              <a:t>Beyond the individual container resources, you may want to investigate setting limits on namespaces. So what is a namespace? Namespaces can be used to define a cluster of applications, departments, or environments. Simply, Namespace refers to scope or grouping of objects in a Kubernetes </a:t>
-            </a:r>
-            <a:r>
-              <a:rPr lang="en-US" dirty="0" smtClean="0"/>
-              <a:t>cluster</a:t>
-            </a:r>
-            <a:endParaRPr lang="pl-PL" dirty="0" smtClean="0"/>
-          </a:p>
-          <a:p>
-            <a:endParaRPr lang="pl-PL" dirty="0" smtClean="0"/>
-          </a:p>
-          <a:p>
-            <a:r>
-              <a:rPr lang="en-US" dirty="0">
+            <a:pPr marL="0" indent="0">
+              <a:buNone/>
+            </a:pPr>
+            <a:r>
+              <a:rPr lang="pl-PL" sz="1900" dirty="0" err="1">
                 <a:solidFill>
                   <a:srgbClr val="FF0000"/>
                 </a:solidFill>
               </a:rPr>
-              <a:t>At the Namespace level, you can set up </a:t>
-            </a:r>
-            <a:r>
-              <a:rPr lang="en-US" dirty="0" err="1">
+              <a:t>apiVersion</a:t>
+            </a:r>
+            <a:r>
+              <a:rPr lang="pl-PL" sz="1900" dirty="0">
                 <a:solidFill>
                   <a:srgbClr val="FF0000"/>
                 </a:solidFill>
               </a:rPr>
-              <a:t>ResourceQuotas</a:t>
-            </a:r>
-            <a:r>
-              <a:rPr lang="en-US" dirty="0">
+              <a:t>: v1</a:t>
+            </a:r>
+          </a:p>
+          <a:p>
+            <a:pPr marL="0" indent="0">
+              <a:buNone/>
+            </a:pPr>
+            <a:r>
+              <a:rPr lang="pl-PL" sz="1900" dirty="0" err="1">
                 <a:solidFill>
                   <a:srgbClr val="FF0000"/>
                 </a:solidFill>
               </a:rPr>
-              <a:t> and </a:t>
-            </a:r>
-            <a:r>
-              <a:rPr lang="en-US" dirty="0" err="1">
+              <a:t>kind</a:t>
+            </a:r>
+            <a:r>
+              <a:rPr lang="pl-PL" sz="1900" dirty="0">
                 <a:solidFill>
                   <a:srgbClr val="FF0000"/>
                 </a:solidFill>
               </a:rPr>
-              <a:t>LimitRanges</a:t>
-            </a:r>
-            <a:r>
-              <a:rPr lang="en-US" dirty="0">
+              <a:t>: Pod</a:t>
+            </a:r>
+          </a:p>
+          <a:p>
+            <a:pPr marL="0" indent="0">
+              <a:buNone/>
+            </a:pPr>
+            <a:r>
+              <a:rPr lang="pl-PL" sz="1900" dirty="0" err="1">
                 <a:solidFill>
                   <a:srgbClr val="FF0000"/>
                 </a:solidFill>
               </a:rPr>
-              <a:t>.</a:t>
-            </a:r>
-            <a:endParaRPr lang="pl-PL" dirty="0">
+              <a:t>metadata</a:t>
+            </a:r>
+            <a:r>
+              <a:rPr lang="pl-PL" sz="1900" dirty="0">
+                <a:solidFill>
+                  <a:srgbClr val="FF0000"/>
+                </a:solidFill>
+              </a:rPr>
+              <a:t>:</a:t>
+            </a:r>
+          </a:p>
+          <a:p>
+            <a:pPr marL="0" indent="0">
+              <a:buNone/>
+            </a:pPr>
+            <a:r>
+              <a:rPr lang="pl-PL" sz="1900" dirty="0">
+                <a:solidFill>
+                  <a:srgbClr val="FF0000"/>
+                </a:solidFill>
+              </a:rPr>
+              <a:t>  </a:t>
+            </a:r>
+            <a:r>
+              <a:rPr lang="pl-PL" sz="1900" dirty="0" err="1">
+                <a:solidFill>
+                  <a:srgbClr val="FF0000"/>
+                </a:solidFill>
+              </a:rPr>
+              <a:t>name</a:t>
+            </a:r>
+            <a:r>
+              <a:rPr lang="pl-PL" sz="1900" dirty="0">
+                <a:solidFill>
+                  <a:srgbClr val="FF0000"/>
+                </a:solidFill>
+              </a:rPr>
+              <a:t>: pod-quota-1</a:t>
+            </a:r>
+          </a:p>
+          <a:p>
+            <a:pPr marL="0" indent="0">
+              <a:buNone/>
+            </a:pPr>
+            <a:r>
+              <a:rPr lang="pl-PL" sz="1900" dirty="0">
+                <a:solidFill>
+                  <a:srgbClr val="FF0000"/>
+                </a:solidFill>
+              </a:rPr>
+              <a:t>spec:</a:t>
+            </a:r>
+          </a:p>
+          <a:p>
+            <a:pPr marL="0" indent="0">
+              <a:buNone/>
+            </a:pPr>
+            <a:r>
+              <a:rPr lang="pl-PL" sz="1900" dirty="0">
+                <a:solidFill>
+                  <a:srgbClr val="FF0000"/>
+                </a:solidFill>
+              </a:rPr>
+              <a:t>  </a:t>
+            </a:r>
+            <a:r>
+              <a:rPr lang="pl-PL" sz="1900" dirty="0" err="1">
+                <a:solidFill>
+                  <a:srgbClr val="FF0000"/>
+                </a:solidFill>
+              </a:rPr>
+              <a:t>containers</a:t>
+            </a:r>
+            <a:r>
+              <a:rPr lang="pl-PL" sz="1900" dirty="0">
+                <a:solidFill>
+                  <a:srgbClr val="FF0000"/>
+                </a:solidFill>
+              </a:rPr>
+              <a:t>:</a:t>
+            </a:r>
+          </a:p>
+          <a:p>
+            <a:pPr marL="0" indent="0">
+              <a:buNone/>
+            </a:pPr>
+            <a:r>
+              <a:rPr lang="pl-PL" sz="1900" dirty="0">
+                <a:solidFill>
+                  <a:srgbClr val="FF0000"/>
+                </a:solidFill>
+              </a:rPr>
+              <a:t>  - </a:t>
+            </a:r>
+            <a:r>
+              <a:rPr lang="pl-PL" sz="1900" dirty="0" err="1">
+                <a:solidFill>
+                  <a:srgbClr val="FF0000"/>
+                </a:solidFill>
+              </a:rPr>
+              <a:t>name</a:t>
+            </a:r>
+            <a:r>
+              <a:rPr lang="pl-PL" sz="1900" dirty="0">
+                <a:solidFill>
+                  <a:srgbClr val="FF0000"/>
+                </a:solidFill>
+              </a:rPr>
+              <a:t>: pod-quota-1</a:t>
+            </a:r>
+          </a:p>
+          <a:p>
+            <a:pPr marL="0" indent="0">
+              <a:buNone/>
+            </a:pPr>
+            <a:r>
+              <a:rPr lang="pl-PL" sz="1900" dirty="0">
+                <a:solidFill>
+                  <a:srgbClr val="FF0000"/>
+                </a:solidFill>
+              </a:rPr>
+              <a:t>    image: </a:t>
+            </a:r>
+            <a:r>
+              <a:rPr lang="pl-PL" sz="1900" dirty="0" err="1" smtClean="0">
+                <a:solidFill>
+                  <a:srgbClr val="FF0000"/>
+                </a:solidFill>
+              </a:rPr>
+              <a:t>nginx</a:t>
+            </a:r>
+            <a:endParaRPr lang="pl-PL" sz="1900" dirty="0" smtClean="0">
               <a:solidFill>
                 <a:srgbClr val="FF0000"/>
               </a:solidFill>
             </a:endParaRPr>
           </a:p>
+          <a:p>
+            <a:endParaRPr lang="pl-PL" dirty="0"/>
+          </a:p>
+        </p:txBody>
+      </p:sp>
+      <p:sp>
+        <p:nvSpPr>
+          <p:cNvPr id="6" name="Prostokąt 5"/>
+          <p:cNvSpPr/>
+          <p:nvPr/>
+        </p:nvSpPr>
+        <p:spPr>
+          <a:xfrm>
+            <a:off x="4139952" y="692696"/>
+            <a:ext cx="4572000" cy="4524315"/>
+          </a:xfrm>
+          <a:prstGeom prst="rect">
+            <a:avLst/>
+          </a:prstGeom>
+        </p:spPr>
+        <p:txBody>
+          <a:bodyPr>
+            <a:spAutoFit/>
+          </a:bodyPr>
+          <a:lstStyle/>
+          <a:p>
+            <a:r>
+              <a:rPr lang="pl-PL" dirty="0" err="1">
+                <a:solidFill>
+                  <a:schemeClr val="accent4">
+                    <a:lumMod val="50000"/>
+                  </a:schemeClr>
+                </a:solidFill>
+              </a:rPr>
+              <a:t>apiVersion</a:t>
+            </a:r>
+            <a:r>
+              <a:rPr lang="pl-PL" dirty="0">
+                <a:solidFill>
+                  <a:schemeClr val="accent4">
+                    <a:lumMod val="50000"/>
+                  </a:schemeClr>
+                </a:solidFill>
+              </a:rPr>
+              <a:t>: v1</a:t>
+            </a:r>
+          </a:p>
+          <a:p>
+            <a:r>
+              <a:rPr lang="pl-PL" dirty="0" err="1">
+                <a:solidFill>
+                  <a:schemeClr val="accent4">
+                    <a:lumMod val="50000"/>
+                  </a:schemeClr>
+                </a:solidFill>
+              </a:rPr>
+              <a:t>kind</a:t>
+            </a:r>
+            <a:r>
+              <a:rPr lang="pl-PL" dirty="0">
+                <a:solidFill>
+                  <a:schemeClr val="accent4">
+                    <a:lumMod val="50000"/>
+                  </a:schemeClr>
+                </a:solidFill>
+              </a:rPr>
+              <a:t>: Pod</a:t>
+            </a:r>
+          </a:p>
+          <a:p>
+            <a:r>
+              <a:rPr lang="pl-PL" dirty="0" err="1">
+                <a:solidFill>
+                  <a:schemeClr val="accent4">
+                    <a:lumMod val="50000"/>
+                  </a:schemeClr>
+                </a:solidFill>
+              </a:rPr>
+              <a:t>metadata</a:t>
+            </a:r>
+            <a:r>
+              <a:rPr lang="pl-PL" dirty="0">
+                <a:solidFill>
+                  <a:schemeClr val="accent4">
+                    <a:lumMod val="50000"/>
+                  </a:schemeClr>
+                </a:solidFill>
+              </a:rPr>
+              <a:t>:</a:t>
+            </a:r>
+          </a:p>
+          <a:p>
+            <a:r>
+              <a:rPr lang="pl-PL" dirty="0">
+                <a:solidFill>
+                  <a:schemeClr val="accent4">
+                    <a:lumMod val="50000"/>
+                  </a:schemeClr>
+                </a:solidFill>
+              </a:rPr>
+              <a:t>  </a:t>
+            </a:r>
+            <a:r>
+              <a:rPr lang="pl-PL" dirty="0" err="1">
+                <a:solidFill>
+                  <a:schemeClr val="accent4">
+                    <a:lumMod val="50000"/>
+                  </a:schemeClr>
+                </a:solidFill>
+              </a:rPr>
+              <a:t>name</a:t>
+            </a:r>
+            <a:r>
+              <a:rPr lang="pl-PL" dirty="0">
+                <a:solidFill>
+                  <a:schemeClr val="accent4">
+                    <a:lumMod val="50000"/>
+                  </a:schemeClr>
+                </a:solidFill>
+              </a:rPr>
+              <a:t>: pod-quota-2</a:t>
+            </a:r>
+          </a:p>
+          <a:p>
+            <a:r>
+              <a:rPr lang="pl-PL" dirty="0">
+                <a:solidFill>
+                  <a:schemeClr val="accent4">
+                    <a:lumMod val="50000"/>
+                  </a:schemeClr>
+                </a:solidFill>
+              </a:rPr>
+              <a:t>spec:</a:t>
+            </a:r>
+          </a:p>
+          <a:p>
+            <a:r>
+              <a:rPr lang="pl-PL" dirty="0">
+                <a:solidFill>
+                  <a:schemeClr val="accent4">
+                    <a:lumMod val="50000"/>
+                  </a:schemeClr>
+                </a:solidFill>
+              </a:rPr>
+              <a:t>  </a:t>
+            </a:r>
+            <a:r>
+              <a:rPr lang="pl-PL" dirty="0" err="1">
+                <a:solidFill>
+                  <a:schemeClr val="accent4">
+                    <a:lumMod val="50000"/>
+                  </a:schemeClr>
+                </a:solidFill>
+              </a:rPr>
+              <a:t>containers</a:t>
+            </a:r>
+            <a:r>
+              <a:rPr lang="pl-PL" dirty="0">
+                <a:solidFill>
+                  <a:schemeClr val="accent4">
+                    <a:lumMod val="50000"/>
+                  </a:schemeClr>
+                </a:solidFill>
+              </a:rPr>
+              <a:t>:</a:t>
+            </a:r>
+          </a:p>
+          <a:p>
+            <a:r>
+              <a:rPr lang="pl-PL" dirty="0">
+                <a:solidFill>
+                  <a:schemeClr val="accent4">
+                    <a:lumMod val="50000"/>
+                  </a:schemeClr>
+                </a:solidFill>
+              </a:rPr>
+              <a:t>  - </a:t>
+            </a:r>
+            <a:r>
+              <a:rPr lang="pl-PL" dirty="0" err="1">
+                <a:solidFill>
+                  <a:schemeClr val="accent4">
+                    <a:lumMod val="50000"/>
+                  </a:schemeClr>
+                </a:solidFill>
+              </a:rPr>
+              <a:t>name</a:t>
+            </a:r>
+            <a:r>
+              <a:rPr lang="pl-PL" dirty="0">
+                <a:solidFill>
+                  <a:schemeClr val="accent4">
+                    <a:lumMod val="50000"/>
+                  </a:schemeClr>
+                </a:solidFill>
+              </a:rPr>
+              <a:t>: pod-quota-2</a:t>
+            </a:r>
+          </a:p>
+          <a:p>
+            <a:r>
+              <a:rPr lang="pl-PL" dirty="0">
+                <a:solidFill>
+                  <a:schemeClr val="accent4">
+                    <a:lumMod val="50000"/>
+                  </a:schemeClr>
+                </a:solidFill>
+              </a:rPr>
+              <a:t>    image: </a:t>
+            </a:r>
+            <a:r>
+              <a:rPr lang="pl-PL" dirty="0" err="1">
+                <a:solidFill>
+                  <a:schemeClr val="accent4">
+                    <a:lumMod val="50000"/>
+                  </a:schemeClr>
+                </a:solidFill>
+              </a:rPr>
+              <a:t>redis</a:t>
+            </a:r>
+            <a:endParaRPr lang="pl-PL" dirty="0">
+              <a:solidFill>
+                <a:schemeClr val="accent4">
+                  <a:lumMod val="50000"/>
+                </a:schemeClr>
+              </a:solidFill>
+            </a:endParaRPr>
+          </a:p>
+          <a:p>
+            <a:r>
+              <a:rPr lang="pl-PL" b="1" dirty="0">
+                <a:solidFill>
+                  <a:schemeClr val="accent4">
+                    <a:lumMod val="50000"/>
+                  </a:schemeClr>
+                </a:solidFill>
+              </a:rPr>
+              <a:t>    </a:t>
+            </a:r>
+            <a:r>
+              <a:rPr lang="pl-PL" b="1" dirty="0" err="1">
+                <a:solidFill>
+                  <a:schemeClr val="accent4">
+                    <a:lumMod val="50000"/>
+                  </a:schemeClr>
+                </a:solidFill>
+              </a:rPr>
+              <a:t>resources</a:t>
+            </a:r>
+            <a:r>
+              <a:rPr lang="pl-PL" b="1" dirty="0">
+                <a:solidFill>
+                  <a:schemeClr val="accent4">
+                    <a:lumMod val="50000"/>
+                  </a:schemeClr>
+                </a:solidFill>
+              </a:rPr>
+              <a:t>:</a:t>
+            </a:r>
+          </a:p>
+          <a:p>
+            <a:r>
+              <a:rPr lang="pl-PL" b="1" dirty="0">
+                <a:solidFill>
+                  <a:schemeClr val="accent4">
+                    <a:lumMod val="50000"/>
+                  </a:schemeClr>
+                </a:solidFill>
+              </a:rPr>
+              <a:t>      </a:t>
+            </a:r>
+            <a:r>
+              <a:rPr lang="pl-PL" b="1" dirty="0" err="1">
+                <a:solidFill>
+                  <a:schemeClr val="accent4">
+                    <a:lumMod val="50000"/>
+                  </a:schemeClr>
+                </a:solidFill>
+              </a:rPr>
+              <a:t>limits</a:t>
+            </a:r>
+            <a:r>
+              <a:rPr lang="pl-PL" b="1" dirty="0">
+                <a:solidFill>
+                  <a:schemeClr val="accent4">
+                    <a:lumMod val="50000"/>
+                  </a:schemeClr>
+                </a:solidFill>
+              </a:rPr>
+              <a:t>:</a:t>
+            </a:r>
+          </a:p>
+          <a:p>
+            <a:r>
+              <a:rPr lang="pl-PL" b="1" dirty="0">
+                <a:solidFill>
+                  <a:schemeClr val="accent4">
+                    <a:lumMod val="50000"/>
+                  </a:schemeClr>
+                </a:solidFill>
+              </a:rPr>
+              <a:t>        </a:t>
+            </a:r>
+            <a:r>
+              <a:rPr lang="pl-PL" b="1" dirty="0" err="1">
+                <a:solidFill>
+                  <a:schemeClr val="accent4">
+                    <a:lumMod val="50000"/>
+                  </a:schemeClr>
+                </a:solidFill>
+              </a:rPr>
+              <a:t>memory</a:t>
+            </a:r>
+            <a:r>
+              <a:rPr lang="pl-PL" b="1" dirty="0">
+                <a:solidFill>
+                  <a:schemeClr val="accent4">
+                    <a:lumMod val="50000"/>
+                  </a:schemeClr>
+                </a:solidFill>
+              </a:rPr>
+              <a:t>: "1Gi"</a:t>
+            </a:r>
+          </a:p>
+          <a:p>
+            <a:r>
+              <a:rPr lang="pl-PL" b="1" dirty="0">
+                <a:solidFill>
+                  <a:schemeClr val="accent4">
+                    <a:lumMod val="50000"/>
+                  </a:schemeClr>
+                </a:solidFill>
+              </a:rPr>
+              <a:t>        </a:t>
+            </a:r>
+            <a:r>
+              <a:rPr lang="pl-PL" b="1" dirty="0" err="1">
+                <a:solidFill>
+                  <a:schemeClr val="accent4">
+                    <a:lumMod val="50000"/>
+                  </a:schemeClr>
+                </a:solidFill>
+              </a:rPr>
+              <a:t>cpu</a:t>
+            </a:r>
+            <a:r>
+              <a:rPr lang="pl-PL" b="1" dirty="0">
+                <a:solidFill>
+                  <a:schemeClr val="accent4">
+                    <a:lumMod val="50000"/>
+                  </a:schemeClr>
+                </a:solidFill>
+              </a:rPr>
+              <a:t>: "800m"      </a:t>
+            </a:r>
+          </a:p>
+          <a:p>
+            <a:r>
+              <a:rPr lang="pl-PL" b="1" dirty="0">
+                <a:solidFill>
+                  <a:schemeClr val="accent4">
+                    <a:lumMod val="50000"/>
+                  </a:schemeClr>
+                </a:solidFill>
+              </a:rPr>
+              <a:t>      </a:t>
+            </a:r>
+            <a:r>
+              <a:rPr lang="pl-PL" b="1" dirty="0" err="1">
+                <a:solidFill>
+                  <a:schemeClr val="accent4">
+                    <a:lumMod val="50000"/>
+                  </a:schemeClr>
+                </a:solidFill>
+              </a:rPr>
+              <a:t>requests</a:t>
+            </a:r>
+            <a:r>
+              <a:rPr lang="pl-PL" b="1" dirty="0">
+                <a:solidFill>
+                  <a:schemeClr val="accent4">
+                    <a:lumMod val="50000"/>
+                  </a:schemeClr>
+                </a:solidFill>
+              </a:rPr>
+              <a:t>:</a:t>
+            </a:r>
+          </a:p>
+          <a:p>
+            <a:r>
+              <a:rPr lang="pl-PL" b="1" dirty="0">
+                <a:solidFill>
+                  <a:schemeClr val="accent4">
+                    <a:lumMod val="50000"/>
+                  </a:schemeClr>
+                </a:solidFill>
+              </a:rPr>
+              <a:t>        </a:t>
+            </a:r>
+            <a:r>
+              <a:rPr lang="pl-PL" b="1" dirty="0" err="1">
+                <a:solidFill>
+                  <a:schemeClr val="accent4">
+                    <a:lumMod val="50000"/>
+                  </a:schemeClr>
+                </a:solidFill>
+              </a:rPr>
+              <a:t>memory</a:t>
+            </a:r>
+            <a:r>
+              <a:rPr lang="pl-PL" b="1" dirty="0">
+                <a:solidFill>
+                  <a:schemeClr val="accent4">
+                    <a:lumMod val="50000"/>
+                  </a:schemeClr>
+                </a:solidFill>
+              </a:rPr>
+              <a:t>: "700Mi"</a:t>
+            </a:r>
+          </a:p>
+          <a:p>
+            <a:r>
+              <a:rPr lang="pl-PL" b="1" dirty="0">
+                <a:solidFill>
+                  <a:schemeClr val="accent4">
+                    <a:lumMod val="50000"/>
+                  </a:schemeClr>
+                </a:solidFill>
+              </a:rPr>
+              <a:t>        </a:t>
+            </a:r>
+            <a:r>
+              <a:rPr lang="pl-PL" b="1" dirty="0" err="1">
+                <a:solidFill>
+                  <a:schemeClr val="accent4">
+                    <a:lumMod val="50000"/>
+                  </a:schemeClr>
+                </a:solidFill>
+              </a:rPr>
+              <a:t>cpu</a:t>
+            </a:r>
+            <a:r>
+              <a:rPr lang="pl-PL" b="1" dirty="0">
+                <a:solidFill>
+                  <a:schemeClr val="accent4">
+                    <a:lumMod val="50000"/>
+                  </a:schemeClr>
+                </a:solidFill>
+              </a:rPr>
+              <a:t>: "400m"</a:t>
+            </a:r>
+          </a:p>
+          <a:p>
+            <a:r>
+              <a:rPr lang="pl-PL" dirty="0"/>
+              <a:t> </a:t>
+            </a:r>
+          </a:p>
         </p:txBody>
       </p:sp>
     </p:spTree>
     <p:extLst>
       <p:ext uri="{BB962C8B-B14F-4D97-AF65-F5344CB8AC3E}">
-        <p14:creationId xmlns:p14="http://schemas.microsoft.com/office/powerpoint/2010/main" val="194794197"/>
+        <p14:creationId xmlns:p14="http://schemas.microsoft.com/office/powerpoint/2010/main" val="3781876501"/>
       </p:ext>
     </p:extLst>
   </p:cSld>
@@ -9312,12 +9731,8 @@
           <a:lstStyle/>
           <a:p>
             <a:r>
-              <a:rPr lang="pl-PL" dirty="0" smtClean="0"/>
-              <a:t>Resource </a:t>
-            </a:r>
-            <a:r>
               <a:rPr lang="pl-PL" dirty="0" err="1" smtClean="0"/>
-              <a:t>quota</a:t>
+              <a:t>Namespaces</a:t>
             </a:r>
             <a:endParaRPr lang="pl-PL" dirty="0"/>
           </a:p>
@@ -9325,384 +9740,87 @@
       </p:sp>
       <p:sp>
         <p:nvSpPr>
-          <p:cNvPr id="4" name="Prostokąt 3"/>
-          <p:cNvSpPr/>
-          <p:nvPr/>
-        </p:nvSpPr>
-        <p:spPr>
-          <a:xfrm>
-            <a:off x="755576" y="4725144"/>
-            <a:ext cx="6912768" cy="646331"/>
-          </a:xfrm>
-          <a:prstGeom prst="rect">
-            <a:avLst/>
-          </a:prstGeom>
-        </p:spPr>
-        <p:txBody>
-          <a:bodyPr wrap="square">
-            <a:spAutoFit/>
+          <p:cNvPr id="3" name="Symbol zastępczy zawartości 2"/>
+          <p:cNvSpPr>
+            <a:spLocks noGrp="1"/>
+          </p:cNvSpPr>
+          <p:nvPr>
+            <p:ph idx="1"/>
+          </p:nvPr>
+        </p:nvSpPr>
+        <p:spPr/>
+        <p:txBody>
+          <a:bodyPr>
+            <a:normAutofit fontScale="92500" lnSpcReduction="10000"/>
           </a:bodyPr>
           <a:lstStyle/>
           <a:p>
             <a:r>
-              <a:rPr lang="pl-PL" dirty="0">
-                <a:hlinkClick r:id="rId2"/>
-              </a:rPr>
-              <a:t>https://github.com/djkormo/k8s-AKS-primer/tree/master/examples/quotas</a:t>
-            </a:r>
-            <a:endParaRPr lang="pl-PL" dirty="0"/>
-          </a:p>
-        </p:txBody>
-      </p:sp>
-      <p:sp>
-        <p:nvSpPr>
-          <p:cNvPr id="5" name="Symbol zastępczy zawartości 4"/>
-          <p:cNvSpPr>
-            <a:spLocks noGrp="1"/>
-          </p:cNvSpPr>
-          <p:nvPr>
-            <p:ph idx="1"/>
-          </p:nvPr>
-        </p:nvSpPr>
-        <p:spPr/>
-        <p:txBody>
-          <a:bodyPr>
-            <a:normAutofit fontScale="85000" lnSpcReduction="20000"/>
-          </a:bodyPr>
-          <a:lstStyle/>
-          <a:p>
-            <a:pPr marL="0" indent="0">
-              <a:buNone/>
-            </a:pPr>
-            <a:r>
-              <a:rPr lang="pl-PL" dirty="0" err="1" smtClean="0">
+              <a:rPr lang="en-US" dirty="0"/>
+              <a:t>Beyond the individual container resources, you may want to investigate setting limits on namespaces. So what is a namespace? Namespaces can be used to define a cluster of applications, departments, or environments. Simply, Namespace refers to scope or grouping of objects in a Kubernetes </a:t>
+            </a:r>
+            <a:r>
+              <a:rPr lang="en-US" dirty="0" smtClean="0"/>
+              <a:t>cluster</a:t>
+            </a:r>
+            <a:endParaRPr lang="pl-PL" dirty="0" smtClean="0"/>
+          </a:p>
+          <a:p>
+            <a:endParaRPr lang="pl-PL" dirty="0" smtClean="0"/>
+          </a:p>
+          <a:p>
+            <a:r>
+              <a:rPr lang="en-US" dirty="0">
                 <a:solidFill>
                   <a:srgbClr val="FF0000"/>
                 </a:solidFill>
               </a:rPr>
-              <a:t>apiVersion</a:t>
-            </a:r>
-            <a:r>
-              <a:rPr lang="pl-PL" dirty="0" smtClean="0">
+              <a:t>At the Namespace level, you can set up </a:t>
+            </a:r>
+            <a:r>
+              <a:rPr lang="en-US" dirty="0" err="1">
                 <a:solidFill>
                   <a:srgbClr val="FF0000"/>
                 </a:solidFill>
               </a:rPr>
-              <a:t>: v1</a:t>
-            </a:r>
-          </a:p>
-          <a:p>
-            <a:pPr marL="0" indent="0">
-              <a:buNone/>
-            </a:pPr>
-            <a:r>
-              <a:rPr lang="pl-PL" dirty="0" err="1" smtClean="0">
+              <a:t>ResourceQuotas</a:t>
+            </a:r>
+            <a:r>
+              <a:rPr lang="en-US" dirty="0">
                 <a:solidFill>
                   <a:srgbClr val="FF0000"/>
                 </a:solidFill>
               </a:rPr>
-              <a:t>kind</a:t>
-            </a:r>
-            <a:r>
-              <a:rPr lang="pl-PL" dirty="0" smtClean="0">
+              <a:t> and </a:t>
+            </a:r>
+            <a:r>
+              <a:rPr lang="en-US" dirty="0" err="1">
                 <a:solidFill>
                   <a:srgbClr val="FF0000"/>
                 </a:solidFill>
               </a:rPr>
-              <a:t>: </a:t>
-            </a:r>
-            <a:r>
-              <a:rPr lang="pl-PL" dirty="0" err="1" smtClean="0">
+              <a:t>LimitRanges</a:t>
+            </a:r>
+            <a:r>
+              <a:rPr lang="en-US" dirty="0">
                 <a:solidFill>
                   <a:srgbClr val="FF0000"/>
                 </a:solidFill>
               </a:rPr>
-              <a:t>ResourceQuota</a:t>
-            </a:r>
-            <a:endParaRPr lang="pl-PL" dirty="0" smtClean="0">
+              <a:t>.</a:t>
+            </a:r>
+            <a:endParaRPr lang="pl-PL" dirty="0">
               <a:solidFill>
                 <a:srgbClr val="FF0000"/>
               </a:solidFill>
             </a:endParaRPr>
           </a:p>
-          <a:p>
-            <a:pPr marL="0" indent="0">
-              <a:buNone/>
-            </a:pPr>
-            <a:r>
-              <a:rPr lang="pl-PL" dirty="0" err="1" smtClean="0">
-                <a:solidFill>
-                  <a:schemeClr val="tx2"/>
-                </a:solidFill>
-              </a:rPr>
-              <a:t>metadata</a:t>
-            </a:r>
-            <a:r>
-              <a:rPr lang="pl-PL" dirty="0" smtClean="0">
-                <a:solidFill>
-                  <a:schemeClr val="tx2"/>
-                </a:solidFill>
-              </a:rPr>
-              <a:t>:</a:t>
-            </a:r>
-          </a:p>
-          <a:p>
-            <a:pPr marL="0" indent="0">
-              <a:buNone/>
-            </a:pPr>
-            <a:r>
-              <a:rPr lang="pl-PL" dirty="0" smtClean="0">
-                <a:solidFill>
-                  <a:schemeClr val="tx2"/>
-                </a:solidFill>
-              </a:rPr>
-              <a:t>  </a:t>
-            </a:r>
-            <a:r>
-              <a:rPr lang="pl-PL" dirty="0" err="1" smtClean="0">
-                <a:solidFill>
-                  <a:schemeClr val="tx2"/>
-                </a:solidFill>
-              </a:rPr>
-              <a:t>name</a:t>
-            </a:r>
-            <a:r>
-              <a:rPr lang="pl-PL" dirty="0" smtClean="0">
-                <a:solidFill>
-                  <a:schemeClr val="tx2"/>
-                </a:solidFill>
-              </a:rPr>
-              <a:t>: </a:t>
-            </a:r>
-            <a:r>
-              <a:rPr lang="pl-PL" dirty="0" err="1" smtClean="0">
-                <a:solidFill>
-                  <a:schemeClr val="tx2"/>
-                </a:solidFill>
-              </a:rPr>
-              <a:t>compute-resources</a:t>
-            </a:r>
-            <a:endParaRPr lang="pl-PL" dirty="0" smtClean="0">
-              <a:solidFill>
-                <a:schemeClr val="tx2"/>
-              </a:solidFill>
-            </a:endParaRPr>
-          </a:p>
-          <a:p>
-            <a:pPr marL="0" indent="0">
-              <a:buNone/>
-            </a:pPr>
-            <a:r>
-              <a:rPr lang="pl-PL" dirty="0" smtClean="0">
-                <a:solidFill>
-                  <a:schemeClr val="tx2"/>
-                </a:solidFill>
-              </a:rPr>
-              <a:t>spec:</a:t>
-            </a:r>
-          </a:p>
-          <a:p>
-            <a:pPr marL="0" indent="0">
-              <a:buNone/>
-            </a:pPr>
-            <a:r>
-              <a:rPr lang="pl-PL" dirty="0" smtClean="0">
-                <a:solidFill>
-                  <a:schemeClr val="tx2"/>
-                </a:solidFill>
-              </a:rPr>
-              <a:t>  hard:</a:t>
-            </a:r>
-          </a:p>
-          <a:p>
-            <a:pPr marL="0" indent="0">
-              <a:buNone/>
-            </a:pPr>
-            <a:r>
-              <a:rPr lang="pl-PL" dirty="0" smtClean="0">
-                <a:solidFill>
-                  <a:schemeClr val="tx2"/>
-                </a:solidFill>
-              </a:rPr>
-              <a:t>    </a:t>
-            </a:r>
-            <a:r>
-              <a:rPr lang="pl-PL" dirty="0" err="1" smtClean="0">
-                <a:solidFill>
-                  <a:schemeClr val="tx2"/>
-                </a:solidFill>
-              </a:rPr>
-              <a:t>pods</a:t>
-            </a:r>
-            <a:r>
-              <a:rPr lang="pl-PL" dirty="0" smtClean="0">
-                <a:solidFill>
-                  <a:schemeClr val="tx2"/>
-                </a:solidFill>
-              </a:rPr>
-              <a:t>: "20"</a:t>
-            </a:r>
-          </a:p>
-          <a:p>
-            <a:pPr marL="0" indent="0">
-              <a:buNone/>
-            </a:pPr>
-            <a:r>
-              <a:rPr lang="pl-PL" dirty="0" smtClean="0">
-                <a:solidFill>
-                  <a:schemeClr val="tx2"/>
-                </a:solidFill>
-              </a:rPr>
-              <a:t>    </a:t>
-            </a:r>
-            <a:r>
-              <a:rPr lang="pl-PL" dirty="0" err="1" smtClean="0">
-                <a:solidFill>
-                  <a:schemeClr val="tx2"/>
-                </a:solidFill>
-              </a:rPr>
-              <a:t>requests.cpu</a:t>
-            </a:r>
-            <a:r>
-              <a:rPr lang="pl-PL" dirty="0" smtClean="0">
-                <a:solidFill>
-                  <a:schemeClr val="tx2"/>
-                </a:solidFill>
-              </a:rPr>
-              <a:t>: "1"</a:t>
-            </a:r>
-          </a:p>
-          <a:p>
-            <a:pPr marL="0" indent="0">
-              <a:buNone/>
-            </a:pPr>
-            <a:r>
-              <a:rPr lang="pl-PL" dirty="0" smtClean="0">
-                <a:solidFill>
-                  <a:schemeClr val="tx2"/>
-                </a:solidFill>
-              </a:rPr>
-              <a:t>    </a:t>
-            </a:r>
-            <a:r>
-              <a:rPr lang="pl-PL" dirty="0" err="1" smtClean="0">
-                <a:solidFill>
-                  <a:schemeClr val="tx2"/>
-                </a:solidFill>
-              </a:rPr>
-              <a:t>requests.memory</a:t>
-            </a:r>
-            <a:r>
-              <a:rPr lang="pl-PL" dirty="0" smtClean="0">
-                <a:solidFill>
-                  <a:schemeClr val="tx2"/>
-                </a:solidFill>
-              </a:rPr>
-              <a:t>: 1Gi</a:t>
-            </a:r>
-          </a:p>
-          <a:p>
-            <a:pPr marL="0" indent="0">
-              <a:buNone/>
-            </a:pPr>
-            <a:r>
-              <a:rPr lang="pl-PL" dirty="0" smtClean="0">
-                <a:solidFill>
-                  <a:schemeClr val="tx2"/>
-                </a:solidFill>
-              </a:rPr>
-              <a:t>    </a:t>
-            </a:r>
-            <a:r>
-              <a:rPr lang="pl-PL" dirty="0" err="1" smtClean="0">
-                <a:solidFill>
-                  <a:schemeClr val="tx2"/>
-                </a:solidFill>
-              </a:rPr>
-              <a:t>limits.cpu</a:t>
-            </a:r>
-            <a:r>
-              <a:rPr lang="pl-PL" dirty="0" smtClean="0">
-                <a:solidFill>
-                  <a:schemeClr val="tx2"/>
-                </a:solidFill>
-              </a:rPr>
-              <a:t>: "2"</a:t>
-            </a:r>
-          </a:p>
-          <a:p>
-            <a:pPr marL="0" indent="0">
-              <a:buNone/>
-            </a:pPr>
-            <a:r>
-              <a:rPr lang="pl-PL" dirty="0" smtClean="0">
-                <a:solidFill>
-                  <a:schemeClr val="tx2"/>
-                </a:solidFill>
-              </a:rPr>
-              <a:t>    </a:t>
-            </a:r>
-            <a:r>
-              <a:rPr lang="pl-PL" dirty="0" err="1" smtClean="0">
-                <a:solidFill>
-                  <a:schemeClr val="tx2"/>
-                </a:solidFill>
-              </a:rPr>
-              <a:t>limits.memory</a:t>
-            </a:r>
-            <a:r>
-              <a:rPr lang="pl-PL" dirty="0" smtClean="0">
-                <a:solidFill>
-                  <a:schemeClr val="tx2"/>
-                </a:solidFill>
-              </a:rPr>
-              <a:t>: 2Gi</a:t>
-            </a:r>
-          </a:p>
-          <a:p>
-            <a:pPr marL="0" indent="0">
-              <a:buNone/>
-            </a:pPr>
-            <a:r>
-              <a:rPr lang="pl-PL" dirty="0" smtClean="0">
-                <a:solidFill>
-                  <a:schemeClr val="tx2"/>
-                </a:solidFill>
-              </a:rPr>
-              <a:t>    requests.nvidia.com/</a:t>
-            </a:r>
-            <a:r>
-              <a:rPr lang="pl-PL" dirty="0" err="1" smtClean="0">
-                <a:solidFill>
-                  <a:schemeClr val="tx2"/>
-                </a:solidFill>
-              </a:rPr>
-              <a:t>gpu</a:t>
-            </a:r>
-            <a:r>
-              <a:rPr lang="pl-PL" dirty="0" smtClean="0">
-                <a:solidFill>
-                  <a:schemeClr val="tx2"/>
-                </a:solidFill>
-              </a:rPr>
-              <a:t>: 3</a:t>
-            </a:r>
-            <a:endParaRPr lang="pl-PL" dirty="0" smtClean="0">
-              <a:solidFill>
-                <a:schemeClr val="tx2"/>
-              </a:solidFill>
-              <a:hlinkClick r:id="rId2"/>
-            </a:endParaRPr>
-          </a:p>
-          <a:p>
-            <a:endParaRPr lang="pl-PL" dirty="0"/>
-          </a:p>
         </p:txBody>
       </p:sp>
     </p:spTree>
     <p:extLst>
       <p:ext uri="{BB962C8B-B14F-4D97-AF65-F5344CB8AC3E}">
-        <p14:creationId xmlns:p14="http://schemas.microsoft.com/office/powerpoint/2010/main" val="4111604730"/>
+        <p14:creationId xmlns:p14="http://schemas.microsoft.com/office/powerpoint/2010/main" val="194794197"/>
       </p:ext>
     </p:extLst>
   </p:cSld>

--- a/examples/atwar/presentation/Kubernetes at war on Azure.pptx
+++ b/examples/atwar/presentation/Kubernetes at war on Azure.pptx
@@ -11,15 +11,15 @@
     <p:sldId id="281" r:id="rId5"/>
     <p:sldId id="275" r:id="rId6"/>
     <p:sldId id="258" r:id="rId7"/>
-    <p:sldId id="279" r:id="rId8"/>
-    <p:sldId id="266" r:id="rId9"/>
-    <p:sldId id="265" r:id="rId10"/>
-    <p:sldId id="257" r:id="rId11"/>
-    <p:sldId id="276" r:id="rId12"/>
-    <p:sldId id="270" r:id="rId13"/>
-    <p:sldId id="267" r:id="rId14"/>
-    <p:sldId id="262" r:id="rId15"/>
-    <p:sldId id="263" r:id="rId16"/>
+    <p:sldId id="262" r:id="rId8"/>
+    <p:sldId id="263" r:id="rId9"/>
+    <p:sldId id="279" r:id="rId10"/>
+    <p:sldId id="266" r:id="rId11"/>
+    <p:sldId id="265" r:id="rId12"/>
+    <p:sldId id="257" r:id="rId13"/>
+    <p:sldId id="276" r:id="rId14"/>
+    <p:sldId id="270" r:id="rId15"/>
+    <p:sldId id="267" r:id="rId16"/>
     <p:sldId id="261" r:id="rId17"/>
     <p:sldId id="269" r:id="rId18"/>
     <p:sldId id="278" r:id="rId19"/>
@@ -4007,12 +4007,16 @@
           <a:lstStyle/>
           <a:p>
             <a:r>
+              <a:rPr lang="pl-PL" dirty="0" err="1" smtClean="0"/>
+              <a:t>Container</a:t>
+            </a:r>
+            <a:r>
               <a:rPr lang="pl-PL" dirty="0" smtClean="0"/>
-              <a:t>Resource </a:t>
+              <a:t> </a:t>
             </a:r>
             <a:r>
               <a:rPr lang="pl-PL" dirty="0" err="1" smtClean="0"/>
-              <a:t>quota</a:t>
+              <a:t>limits</a:t>
             </a:r>
             <a:endParaRPr lang="pl-PL" dirty="0"/>
           </a:p>
@@ -4020,384 +4024,678 @@
       </p:sp>
       <p:sp>
         <p:nvSpPr>
-          <p:cNvPr id="4" name="Prostokąt 3"/>
+          <p:cNvPr id="3" name="Symbol zastępczy zawartości 2"/>
+          <p:cNvSpPr>
+            <a:spLocks noGrp="1"/>
+          </p:cNvSpPr>
+          <p:nvPr>
+            <p:ph idx="1"/>
+          </p:nvPr>
+        </p:nvSpPr>
+        <p:spPr>
+          <a:xfrm>
+            <a:off x="502920" y="530352"/>
+            <a:ext cx="4069080" cy="3258688"/>
+          </a:xfrm>
+        </p:spPr>
+        <p:txBody>
+          <a:bodyPr>
+            <a:normAutofit/>
+          </a:bodyPr>
+          <a:lstStyle/>
+          <a:p>
+            <a:pPr marL="0" indent="0">
+              <a:buNone/>
+            </a:pPr>
+            <a:r>
+              <a:rPr lang="pl-PL" sz="1900" dirty="0" err="1">
+                <a:solidFill>
+                  <a:srgbClr val="FF0000"/>
+                </a:solidFill>
+              </a:rPr>
+              <a:t>apiVersion</a:t>
+            </a:r>
+            <a:r>
+              <a:rPr lang="pl-PL" sz="1900" dirty="0">
+                <a:solidFill>
+                  <a:srgbClr val="FF0000"/>
+                </a:solidFill>
+              </a:rPr>
+              <a:t>: v1</a:t>
+            </a:r>
+          </a:p>
+          <a:p>
+            <a:pPr marL="0" indent="0">
+              <a:buNone/>
+            </a:pPr>
+            <a:r>
+              <a:rPr lang="pl-PL" sz="1900" dirty="0" err="1">
+                <a:solidFill>
+                  <a:srgbClr val="FF0000"/>
+                </a:solidFill>
+              </a:rPr>
+              <a:t>kind</a:t>
+            </a:r>
+            <a:r>
+              <a:rPr lang="pl-PL" sz="1900" dirty="0">
+                <a:solidFill>
+                  <a:srgbClr val="FF0000"/>
+                </a:solidFill>
+              </a:rPr>
+              <a:t>: Pod</a:t>
+            </a:r>
+          </a:p>
+          <a:p>
+            <a:pPr marL="0" indent="0">
+              <a:buNone/>
+            </a:pPr>
+            <a:r>
+              <a:rPr lang="pl-PL" sz="1900" dirty="0" err="1">
+                <a:solidFill>
+                  <a:srgbClr val="FF0000"/>
+                </a:solidFill>
+              </a:rPr>
+              <a:t>metadata</a:t>
+            </a:r>
+            <a:r>
+              <a:rPr lang="pl-PL" sz="1900" dirty="0">
+                <a:solidFill>
+                  <a:srgbClr val="FF0000"/>
+                </a:solidFill>
+              </a:rPr>
+              <a:t>:</a:t>
+            </a:r>
+          </a:p>
+          <a:p>
+            <a:pPr marL="0" indent="0">
+              <a:buNone/>
+            </a:pPr>
+            <a:r>
+              <a:rPr lang="pl-PL" sz="1900" dirty="0">
+                <a:solidFill>
+                  <a:srgbClr val="FF0000"/>
+                </a:solidFill>
+              </a:rPr>
+              <a:t>  </a:t>
+            </a:r>
+            <a:r>
+              <a:rPr lang="pl-PL" sz="1900" dirty="0" err="1">
+                <a:solidFill>
+                  <a:srgbClr val="FF0000"/>
+                </a:solidFill>
+              </a:rPr>
+              <a:t>name</a:t>
+            </a:r>
+            <a:r>
+              <a:rPr lang="pl-PL" sz="1900" dirty="0">
+                <a:solidFill>
+                  <a:srgbClr val="FF0000"/>
+                </a:solidFill>
+              </a:rPr>
+              <a:t>: pod-quota-1</a:t>
+            </a:r>
+          </a:p>
+          <a:p>
+            <a:pPr marL="0" indent="0">
+              <a:buNone/>
+            </a:pPr>
+            <a:r>
+              <a:rPr lang="pl-PL" sz="1900" dirty="0">
+                <a:solidFill>
+                  <a:srgbClr val="FF0000"/>
+                </a:solidFill>
+              </a:rPr>
+              <a:t>spec:</a:t>
+            </a:r>
+          </a:p>
+          <a:p>
+            <a:pPr marL="0" indent="0">
+              <a:buNone/>
+            </a:pPr>
+            <a:r>
+              <a:rPr lang="pl-PL" sz="1900" dirty="0">
+                <a:solidFill>
+                  <a:srgbClr val="FF0000"/>
+                </a:solidFill>
+              </a:rPr>
+              <a:t>  </a:t>
+            </a:r>
+            <a:r>
+              <a:rPr lang="pl-PL" sz="1900" dirty="0" err="1">
+                <a:solidFill>
+                  <a:srgbClr val="FF0000"/>
+                </a:solidFill>
+              </a:rPr>
+              <a:t>containers</a:t>
+            </a:r>
+            <a:r>
+              <a:rPr lang="pl-PL" sz="1900" dirty="0">
+                <a:solidFill>
+                  <a:srgbClr val="FF0000"/>
+                </a:solidFill>
+              </a:rPr>
+              <a:t>:</a:t>
+            </a:r>
+          </a:p>
+          <a:p>
+            <a:pPr marL="0" indent="0">
+              <a:buNone/>
+            </a:pPr>
+            <a:r>
+              <a:rPr lang="pl-PL" sz="1900" dirty="0">
+                <a:solidFill>
+                  <a:srgbClr val="FF0000"/>
+                </a:solidFill>
+              </a:rPr>
+              <a:t>  - </a:t>
+            </a:r>
+            <a:r>
+              <a:rPr lang="pl-PL" sz="1900" dirty="0" err="1">
+                <a:solidFill>
+                  <a:srgbClr val="FF0000"/>
+                </a:solidFill>
+              </a:rPr>
+              <a:t>name</a:t>
+            </a:r>
+            <a:r>
+              <a:rPr lang="pl-PL" sz="1900" dirty="0">
+                <a:solidFill>
+                  <a:srgbClr val="FF0000"/>
+                </a:solidFill>
+              </a:rPr>
+              <a:t>: pod-quota-1</a:t>
+            </a:r>
+          </a:p>
+          <a:p>
+            <a:pPr marL="0" indent="0">
+              <a:buNone/>
+            </a:pPr>
+            <a:r>
+              <a:rPr lang="pl-PL" sz="1900" dirty="0">
+                <a:solidFill>
+                  <a:srgbClr val="FF0000"/>
+                </a:solidFill>
+              </a:rPr>
+              <a:t>    image: </a:t>
+            </a:r>
+            <a:r>
+              <a:rPr lang="pl-PL" sz="1900" dirty="0" err="1" smtClean="0">
+                <a:solidFill>
+                  <a:srgbClr val="FF0000"/>
+                </a:solidFill>
+              </a:rPr>
+              <a:t>nginx</a:t>
+            </a:r>
+            <a:endParaRPr lang="pl-PL" sz="1900" dirty="0" smtClean="0">
+              <a:solidFill>
+                <a:srgbClr val="FF0000"/>
+              </a:solidFill>
+            </a:endParaRPr>
+          </a:p>
+          <a:p>
+            <a:endParaRPr lang="pl-PL" dirty="0"/>
+          </a:p>
+        </p:txBody>
+      </p:sp>
+      <p:sp>
+        <p:nvSpPr>
+          <p:cNvPr id="6" name="Prostokąt 5"/>
           <p:cNvSpPr/>
           <p:nvPr/>
         </p:nvSpPr>
         <p:spPr>
           <a:xfrm>
-            <a:off x="755576" y="4725144"/>
-            <a:ext cx="6912768" cy="646331"/>
+            <a:off x="4139952" y="692696"/>
+            <a:ext cx="4572000" cy="4524315"/>
           </a:xfrm>
           <a:prstGeom prst="rect">
             <a:avLst/>
           </a:prstGeom>
         </p:spPr>
         <p:txBody>
-          <a:bodyPr wrap="square">
+          <a:bodyPr>
             <a:spAutoFit/>
           </a:bodyPr>
           <a:lstStyle/>
           <a:p>
             <a:r>
+              <a:rPr lang="pl-PL" dirty="0" err="1">
+                <a:solidFill>
+                  <a:schemeClr val="accent4">
+                    <a:lumMod val="50000"/>
+                  </a:schemeClr>
+                </a:solidFill>
+              </a:rPr>
+              <a:t>apiVersion</a:t>
+            </a:r>
+            <a:r>
               <a:rPr lang="pl-PL" dirty="0">
-                <a:hlinkClick r:id="rId2"/>
-              </a:rPr>
-              <a:t>https://github.com/djkormo/k8s-AKS-primer/tree/master/examples/quotas</a:t>
-            </a:r>
-            <a:endParaRPr lang="pl-PL" dirty="0"/>
-          </a:p>
-        </p:txBody>
-      </p:sp>
-      <p:sp>
-        <p:nvSpPr>
-          <p:cNvPr id="5" name="Symbol zastępczy zawartości 4"/>
-          <p:cNvSpPr>
-            <a:spLocks noGrp="1"/>
-          </p:cNvSpPr>
-          <p:nvPr>
-            <p:ph idx="1"/>
-          </p:nvPr>
-        </p:nvSpPr>
-        <p:spPr/>
-        <p:txBody>
-          <a:bodyPr>
-            <a:normAutofit fontScale="85000" lnSpcReduction="20000"/>
-          </a:bodyPr>
-          <a:lstStyle/>
-          <a:p>
-            <a:pPr marL="0" indent="0">
-              <a:buNone/>
-            </a:pPr>
-            <a:r>
-              <a:rPr lang="pl-PL" dirty="0" err="1" smtClean="0">
-                <a:solidFill>
-                  <a:srgbClr val="FF0000"/>
-                </a:solidFill>
-              </a:rPr>
-              <a:t>apiVersion</a:t>
-            </a:r>
-            <a:r>
-              <a:rPr lang="pl-PL" dirty="0" smtClean="0">
-                <a:solidFill>
-                  <a:srgbClr val="FF0000"/>
+                <a:solidFill>
+                  <a:schemeClr val="accent4">
+                    <a:lumMod val="50000"/>
+                  </a:schemeClr>
                 </a:solidFill>
               </a:rPr>
               <a:t>: v1</a:t>
             </a:r>
           </a:p>
           <a:p>
-            <a:pPr marL="0" indent="0">
-              <a:buNone/>
-            </a:pPr>
-            <a:r>
-              <a:rPr lang="pl-PL" dirty="0" err="1" smtClean="0">
-                <a:solidFill>
-                  <a:srgbClr val="FF0000"/>
+            <a:r>
+              <a:rPr lang="pl-PL" dirty="0" err="1">
+                <a:solidFill>
+                  <a:schemeClr val="accent4">
+                    <a:lumMod val="50000"/>
+                  </a:schemeClr>
                 </a:solidFill>
               </a:rPr>
               <a:t>kind</a:t>
             </a:r>
             <a:r>
-              <a:rPr lang="pl-PL" dirty="0" smtClean="0">
-                <a:solidFill>
-                  <a:srgbClr val="FF0000"/>
-                </a:solidFill>
-              </a:rPr>
-              <a:t>: </a:t>
-            </a:r>
-            <a:r>
-              <a:rPr lang="pl-PL" dirty="0" err="1" smtClean="0">
-                <a:solidFill>
-                  <a:srgbClr val="FF0000"/>
-                </a:solidFill>
-              </a:rPr>
-              <a:t>ResourceQuota</a:t>
-            </a:r>
-            <a:endParaRPr lang="pl-PL" dirty="0" smtClean="0">
+              <a:rPr lang="pl-PL" dirty="0">
+                <a:solidFill>
+                  <a:schemeClr val="accent4">
+                    <a:lumMod val="50000"/>
+                  </a:schemeClr>
+                </a:solidFill>
+              </a:rPr>
+              <a:t>: Pod</a:t>
+            </a:r>
+          </a:p>
+          <a:p>
+            <a:r>
+              <a:rPr lang="pl-PL" dirty="0" err="1">
+                <a:solidFill>
+                  <a:schemeClr val="accent4">
+                    <a:lumMod val="50000"/>
+                  </a:schemeClr>
+                </a:solidFill>
+              </a:rPr>
+              <a:t>metadata</a:t>
+            </a:r>
+            <a:r>
+              <a:rPr lang="pl-PL" dirty="0">
+                <a:solidFill>
+                  <a:schemeClr val="accent4">
+                    <a:lumMod val="50000"/>
+                  </a:schemeClr>
+                </a:solidFill>
+              </a:rPr>
+              <a:t>:</a:t>
+            </a:r>
+          </a:p>
+          <a:p>
+            <a:r>
+              <a:rPr lang="pl-PL" dirty="0">
+                <a:solidFill>
+                  <a:schemeClr val="accent4">
+                    <a:lumMod val="50000"/>
+                  </a:schemeClr>
+                </a:solidFill>
+              </a:rPr>
+              <a:t>  </a:t>
+            </a:r>
+            <a:r>
+              <a:rPr lang="pl-PL" dirty="0" err="1">
+                <a:solidFill>
+                  <a:schemeClr val="accent4">
+                    <a:lumMod val="50000"/>
+                  </a:schemeClr>
+                </a:solidFill>
+              </a:rPr>
+              <a:t>name</a:t>
+            </a:r>
+            <a:r>
+              <a:rPr lang="pl-PL" dirty="0">
+                <a:solidFill>
+                  <a:schemeClr val="accent4">
+                    <a:lumMod val="50000"/>
+                  </a:schemeClr>
+                </a:solidFill>
+              </a:rPr>
+              <a:t>: pod-quota-2</a:t>
+            </a:r>
+          </a:p>
+          <a:p>
+            <a:r>
+              <a:rPr lang="pl-PL" dirty="0">
+                <a:solidFill>
+                  <a:schemeClr val="accent4">
+                    <a:lumMod val="50000"/>
+                  </a:schemeClr>
+                </a:solidFill>
+              </a:rPr>
+              <a:t>spec:</a:t>
+            </a:r>
+          </a:p>
+          <a:p>
+            <a:r>
+              <a:rPr lang="pl-PL" dirty="0">
+                <a:solidFill>
+                  <a:schemeClr val="accent4">
+                    <a:lumMod val="50000"/>
+                  </a:schemeClr>
+                </a:solidFill>
+              </a:rPr>
+              <a:t>  </a:t>
+            </a:r>
+            <a:r>
+              <a:rPr lang="pl-PL" dirty="0" err="1">
+                <a:solidFill>
+                  <a:schemeClr val="accent4">
+                    <a:lumMod val="50000"/>
+                  </a:schemeClr>
+                </a:solidFill>
+              </a:rPr>
+              <a:t>containers</a:t>
+            </a:r>
+            <a:r>
+              <a:rPr lang="pl-PL" dirty="0">
+                <a:solidFill>
+                  <a:schemeClr val="accent4">
+                    <a:lumMod val="50000"/>
+                  </a:schemeClr>
+                </a:solidFill>
+              </a:rPr>
+              <a:t>:</a:t>
+            </a:r>
+          </a:p>
+          <a:p>
+            <a:r>
+              <a:rPr lang="pl-PL" dirty="0">
+                <a:solidFill>
+                  <a:schemeClr val="accent4">
+                    <a:lumMod val="50000"/>
+                  </a:schemeClr>
+                </a:solidFill>
+              </a:rPr>
+              <a:t>  - </a:t>
+            </a:r>
+            <a:r>
+              <a:rPr lang="pl-PL" dirty="0" err="1">
+                <a:solidFill>
+                  <a:schemeClr val="accent4">
+                    <a:lumMod val="50000"/>
+                  </a:schemeClr>
+                </a:solidFill>
+              </a:rPr>
+              <a:t>name</a:t>
+            </a:r>
+            <a:r>
+              <a:rPr lang="pl-PL" dirty="0">
+                <a:solidFill>
+                  <a:schemeClr val="accent4">
+                    <a:lumMod val="50000"/>
+                  </a:schemeClr>
+                </a:solidFill>
+              </a:rPr>
+              <a:t>: pod-quota-2</a:t>
+            </a:r>
+          </a:p>
+          <a:p>
+            <a:r>
+              <a:rPr lang="pl-PL" dirty="0">
+                <a:solidFill>
+                  <a:schemeClr val="accent4">
+                    <a:lumMod val="50000"/>
+                  </a:schemeClr>
+                </a:solidFill>
+              </a:rPr>
+              <a:t>    image: </a:t>
+            </a:r>
+            <a:r>
+              <a:rPr lang="pl-PL" dirty="0" err="1">
+                <a:solidFill>
+                  <a:schemeClr val="accent4">
+                    <a:lumMod val="50000"/>
+                  </a:schemeClr>
+                </a:solidFill>
+              </a:rPr>
+              <a:t>redis</a:t>
+            </a:r>
+            <a:endParaRPr lang="pl-PL" dirty="0">
               <a:solidFill>
-                <a:srgbClr val="FF0000"/>
+                <a:schemeClr val="accent4">
+                  <a:lumMod val="50000"/>
+                </a:schemeClr>
               </a:solidFill>
             </a:endParaRPr>
           </a:p>
           <a:p>
-            <a:pPr marL="0" indent="0">
-              <a:buNone/>
-            </a:pPr>
-            <a:r>
-              <a:rPr lang="pl-PL" dirty="0" err="1" smtClean="0">
-                <a:solidFill>
-                  <a:schemeClr val="tx2"/>
-                </a:solidFill>
-              </a:rPr>
-              <a:t>metadata</a:t>
-            </a:r>
-            <a:r>
-              <a:rPr lang="pl-PL" dirty="0" smtClean="0">
-                <a:solidFill>
-                  <a:schemeClr val="tx2"/>
+            <a:r>
+              <a:rPr lang="pl-PL" b="1" dirty="0">
+                <a:solidFill>
+                  <a:schemeClr val="accent4">
+                    <a:lumMod val="50000"/>
+                  </a:schemeClr>
+                </a:solidFill>
+              </a:rPr>
+              <a:t>    </a:t>
+            </a:r>
+            <a:r>
+              <a:rPr lang="pl-PL" b="1" dirty="0" err="1">
+                <a:solidFill>
+                  <a:schemeClr val="accent4">
+                    <a:lumMod val="50000"/>
+                  </a:schemeClr>
+                </a:solidFill>
+              </a:rPr>
+              <a:t>resources</a:t>
+            </a:r>
+            <a:r>
+              <a:rPr lang="pl-PL" b="1" dirty="0">
+                <a:solidFill>
+                  <a:schemeClr val="accent4">
+                    <a:lumMod val="50000"/>
+                  </a:schemeClr>
                 </a:solidFill>
               </a:rPr>
               <a:t>:</a:t>
             </a:r>
           </a:p>
           <a:p>
-            <a:pPr marL="0" indent="0">
-              <a:buNone/>
-            </a:pPr>
-            <a:r>
-              <a:rPr lang="pl-PL" dirty="0" smtClean="0">
-                <a:solidFill>
-                  <a:schemeClr val="tx2"/>
-                </a:solidFill>
-              </a:rPr>
-              <a:t>  </a:t>
-            </a:r>
-            <a:r>
-              <a:rPr lang="pl-PL" dirty="0" err="1" smtClean="0">
-                <a:solidFill>
-                  <a:schemeClr val="tx2"/>
-                </a:solidFill>
-              </a:rPr>
-              <a:t>name</a:t>
-            </a:r>
-            <a:r>
-              <a:rPr lang="pl-PL" dirty="0" smtClean="0">
-                <a:solidFill>
-                  <a:schemeClr val="tx2"/>
-                </a:solidFill>
-              </a:rPr>
-              <a:t>: </a:t>
-            </a:r>
-            <a:r>
-              <a:rPr lang="pl-PL" dirty="0" err="1" smtClean="0">
-                <a:solidFill>
-                  <a:schemeClr val="tx2"/>
-                </a:solidFill>
-              </a:rPr>
-              <a:t>compute-resources</a:t>
-            </a:r>
-            <a:endParaRPr lang="pl-PL" dirty="0" smtClean="0">
-              <a:solidFill>
-                <a:schemeClr val="tx2"/>
-              </a:solidFill>
-            </a:endParaRPr>
-          </a:p>
-          <a:p>
-            <a:pPr marL="0" indent="0">
-              <a:buNone/>
-            </a:pPr>
-            <a:r>
-              <a:rPr lang="pl-PL" dirty="0" smtClean="0">
-                <a:solidFill>
-                  <a:schemeClr val="tx2"/>
-                </a:solidFill>
-              </a:rPr>
-              <a:t>spec:</a:t>
-            </a:r>
-          </a:p>
-          <a:p>
-            <a:pPr marL="0" indent="0">
-              <a:buNone/>
-            </a:pPr>
-            <a:r>
-              <a:rPr lang="pl-PL" dirty="0" smtClean="0">
-                <a:solidFill>
-                  <a:schemeClr val="tx2"/>
-                </a:solidFill>
-              </a:rPr>
-              <a:t>  hard:</a:t>
-            </a:r>
-          </a:p>
-          <a:p>
-            <a:pPr marL="0" indent="0">
-              <a:buNone/>
-            </a:pPr>
-            <a:r>
-              <a:rPr lang="pl-PL" dirty="0" smtClean="0">
-                <a:solidFill>
-                  <a:schemeClr val="tx2"/>
-                </a:solidFill>
-              </a:rPr>
-              <a:t>    </a:t>
-            </a:r>
-            <a:r>
-              <a:rPr lang="pl-PL" dirty="0" err="1" smtClean="0">
-                <a:solidFill>
-                  <a:schemeClr val="tx2"/>
-                </a:solidFill>
-              </a:rPr>
-              <a:t>pods</a:t>
-            </a:r>
-            <a:r>
-              <a:rPr lang="pl-PL" dirty="0" smtClean="0">
-                <a:solidFill>
-                  <a:schemeClr val="tx2"/>
-                </a:solidFill>
-              </a:rPr>
-              <a:t>: "20"</a:t>
-            </a:r>
-          </a:p>
-          <a:p>
-            <a:pPr marL="0" indent="0">
-              <a:buNone/>
-            </a:pPr>
-            <a:r>
-              <a:rPr lang="pl-PL" dirty="0" smtClean="0">
-                <a:solidFill>
-                  <a:schemeClr val="tx2"/>
-                </a:solidFill>
-              </a:rPr>
-              <a:t>    </a:t>
-            </a:r>
-            <a:r>
-              <a:rPr lang="pl-PL" dirty="0" err="1" smtClean="0">
-                <a:solidFill>
-                  <a:schemeClr val="tx2"/>
-                </a:solidFill>
-              </a:rPr>
-              <a:t>requests.cpu</a:t>
-            </a:r>
-            <a:r>
-              <a:rPr lang="pl-PL" dirty="0" smtClean="0">
-                <a:solidFill>
-                  <a:schemeClr val="tx2"/>
-                </a:solidFill>
-              </a:rPr>
-              <a:t>: "1"</a:t>
-            </a:r>
-          </a:p>
-          <a:p>
-            <a:pPr marL="0" indent="0">
-              <a:buNone/>
-            </a:pPr>
-            <a:r>
-              <a:rPr lang="pl-PL" dirty="0" smtClean="0">
-                <a:solidFill>
-                  <a:schemeClr val="tx2"/>
-                </a:solidFill>
-              </a:rPr>
-              <a:t>    </a:t>
-            </a:r>
-            <a:r>
-              <a:rPr lang="pl-PL" dirty="0" err="1" smtClean="0">
-                <a:solidFill>
-                  <a:schemeClr val="tx2"/>
-                </a:solidFill>
-              </a:rPr>
-              <a:t>requests.memory</a:t>
-            </a:r>
-            <a:r>
-              <a:rPr lang="pl-PL" dirty="0" smtClean="0">
-                <a:solidFill>
-                  <a:schemeClr val="tx2"/>
-                </a:solidFill>
-              </a:rPr>
-              <a:t>: 1Gi</a:t>
-            </a:r>
-          </a:p>
-          <a:p>
-            <a:pPr marL="0" indent="0">
-              <a:buNone/>
-            </a:pPr>
-            <a:r>
-              <a:rPr lang="pl-PL" dirty="0" smtClean="0">
-                <a:solidFill>
-                  <a:schemeClr val="tx2"/>
-                </a:solidFill>
-              </a:rPr>
-              <a:t>    </a:t>
-            </a:r>
-            <a:r>
-              <a:rPr lang="pl-PL" dirty="0" err="1" smtClean="0">
-                <a:solidFill>
-                  <a:schemeClr val="tx2"/>
-                </a:solidFill>
-              </a:rPr>
-              <a:t>limits.cpu</a:t>
-            </a:r>
-            <a:r>
-              <a:rPr lang="pl-PL" dirty="0" smtClean="0">
-                <a:solidFill>
-                  <a:schemeClr val="tx2"/>
-                </a:solidFill>
-              </a:rPr>
-              <a:t>: "2"</a:t>
-            </a:r>
-          </a:p>
-          <a:p>
-            <a:pPr marL="0" indent="0">
-              <a:buNone/>
-            </a:pPr>
-            <a:r>
-              <a:rPr lang="pl-PL" dirty="0" smtClean="0">
-                <a:solidFill>
-                  <a:schemeClr val="tx2"/>
-                </a:solidFill>
-              </a:rPr>
-              <a:t>    </a:t>
-            </a:r>
-            <a:r>
-              <a:rPr lang="pl-PL" dirty="0" err="1" smtClean="0">
-                <a:solidFill>
-                  <a:schemeClr val="tx2"/>
-                </a:solidFill>
-              </a:rPr>
-              <a:t>limits.memory</a:t>
-            </a:r>
-            <a:r>
-              <a:rPr lang="pl-PL" dirty="0" smtClean="0">
-                <a:solidFill>
-                  <a:schemeClr val="tx2"/>
-                </a:solidFill>
-              </a:rPr>
-              <a:t>: 2Gi</a:t>
-            </a:r>
-          </a:p>
-          <a:p>
-            <a:pPr marL="0" indent="0">
-              <a:buNone/>
-            </a:pPr>
-            <a:r>
-              <a:rPr lang="pl-PL" dirty="0" smtClean="0">
-                <a:solidFill>
-                  <a:schemeClr val="tx2"/>
-                </a:solidFill>
-              </a:rPr>
-              <a:t>    requests.nvidia.com/</a:t>
-            </a:r>
-            <a:r>
-              <a:rPr lang="pl-PL" dirty="0" err="1" smtClean="0">
-                <a:solidFill>
-                  <a:schemeClr val="tx2"/>
-                </a:solidFill>
-              </a:rPr>
-              <a:t>gpu</a:t>
-            </a:r>
-            <a:r>
-              <a:rPr lang="pl-PL" dirty="0" smtClean="0">
-                <a:solidFill>
-                  <a:schemeClr val="tx2"/>
-                </a:solidFill>
-              </a:rPr>
-              <a:t>: 3</a:t>
-            </a:r>
-            <a:endParaRPr lang="pl-PL" dirty="0" smtClean="0">
-              <a:solidFill>
-                <a:schemeClr val="tx2"/>
-              </a:solidFill>
-              <a:hlinkClick r:id="rId2"/>
-            </a:endParaRPr>
-          </a:p>
-          <a:p>
-            <a:endParaRPr lang="pl-PL" dirty="0"/>
+            <a:r>
+              <a:rPr lang="pl-PL" b="1" dirty="0">
+                <a:solidFill>
+                  <a:schemeClr val="accent4">
+                    <a:lumMod val="50000"/>
+                  </a:schemeClr>
+                </a:solidFill>
+              </a:rPr>
+              <a:t>      </a:t>
+            </a:r>
+            <a:r>
+              <a:rPr lang="pl-PL" b="1" dirty="0" err="1">
+                <a:solidFill>
+                  <a:schemeClr val="accent4">
+                    <a:lumMod val="50000"/>
+                  </a:schemeClr>
+                </a:solidFill>
+              </a:rPr>
+              <a:t>limits</a:t>
+            </a:r>
+            <a:r>
+              <a:rPr lang="pl-PL" b="1" dirty="0">
+                <a:solidFill>
+                  <a:schemeClr val="accent4">
+                    <a:lumMod val="50000"/>
+                  </a:schemeClr>
+                </a:solidFill>
+              </a:rPr>
+              <a:t>:</a:t>
+            </a:r>
+          </a:p>
+          <a:p>
+            <a:r>
+              <a:rPr lang="pl-PL" b="1" dirty="0">
+                <a:solidFill>
+                  <a:schemeClr val="accent4">
+                    <a:lumMod val="50000"/>
+                  </a:schemeClr>
+                </a:solidFill>
+              </a:rPr>
+              <a:t>        </a:t>
+            </a:r>
+            <a:r>
+              <a:rPr lang="pl-PL" b="1" dirty="0" err="1">
+                <a:solidFill>
+                  <a:schemeClr val="accent4">
+                    <a:lumMod val="50000"/>
+                  </a:schemeClr>
+                </a:solidFill>
+              </a:rPr>
+              <a:t>memory</a:t>
+            </a:r>
+            <a:r>
+              <a:rPr lang="pl-PL" b="1" dirty="0">
+                <a:solidFill>
+                  <a:schemeClr val="accent4">
+                    <a:lumMod val="50000"/>
+                  </a:schemeClr>
+                </a:solidFill>
+              </a:rPr>
+              <a:t>: "1Gi"</a:t>
+            </a:r>
+          </a:p>
+          <a:p>
+            <a:r>
+              <a:rPr lang="pl-PL" b="1" dirty="0">
+                <a:solidFill>
+                  <a:schemeClr val="accent4">
+                    <a:lumMod val="50000"/>
+                  </a:schemeClr>
+                </a:solidFill>
+              </a:rPr>
+              <a:t>        </a:t>
+            </a:r>
+            <a:r>
+              <a:rPr lang="pl-PL" b="1" dirty="0" err="1">
+                <a:solidFill>
+                  <a:schemeClr val="accent4">
+                    <a:lumMod val="50000"/>
+                  </a:schemeClr>
+                </a:solidFill>
+              </a:rPr>
+              <a:t>cpu</a:t>
+            </a:r>
+            <a:r>
+              <a:rPr lang="pl-PL" b="1" dirty="0">
+                <a:solidFill>
+                  <a:schemeClr val="accent4">
+                    <a:lumMod val="50000"/>
+                  </a:schemeClr>
+                </a:solidFill>
+              </a:rPr>
+              <a:t>: "800m"      </a:t>
+            </a:r>
+          </a:p>
+          <a:p>
+            <a:r>
+              <a:rPr lang="pl-PL" b="1" dirty="0">
+                <a:solidFill>
+                  <a:schemeClr val="accent4">
+                    <a:lumMod val="50000"/>
+                  </a:schemeClr>
+                </a:solidFill>
+              </a:rPr>
+              <a:t>      </a:t>
+            </a:r>
+            <a:r>
+              <a:rPr lang="pl-PL" b="1" dirty="0" err="1">
+                <a:solidFill>
+                  <a:schemeClr val="accent4">
+                    <a:lumMod val="50000"/>
+                  </a:schemeClr>
+                </a:solidFill>
+              </a:rPr>
+              <a:t>requests</a:t>
+            </a:r>
+            <a:r>
+              <a:rPr lang="pl-PL" b="1" dirty="0">
+                <a:solidFill>
+                  <a:schemeClr val="accent4">
+                    <a:lumMod val="50000"/>
+                  </a:schemeClr>
+                </a:solidFill>
+              </a:rPr>
+              <a:t>:</a:t>
+            </a:r>
+          </a:p>
+          <a:p>
+            <a:r>
+              <a:rPr lang="pl-PL" b="1" dirty="0">
+                <a:solidFill>
+                  <a:schemeClr val="accent4">
+                    <a:lumMod val="50000"/>
+                  </a:schemeClr>
+                </a:solidFill>
+              </a:rPr>
+              <a:t>        </a:t>
+            </a:r>
+            <a:r>
+              <a:rPr lang="pl-PL" b="1" dirty="0" err="1">
+                <a:solidFill>
+                  <a:schemeClr val="accent4">
+                    <a:lumMod val="50000"/>
+                  </a:schemeClr>
+                </a:solidFill>
+              </a:rPr>
+              <a:t>memory</a:t>
+            </a:r>
+            <a:r>
+              <a:rPr lang="pl-PL" b="1" dirty="0">
+                <a:solidFill>
+                  <a:schemeClr val="accent4">
+                    <a:lumMod val="50000"/>
+                  </a:schemeClr>
+                </a:solidFill>
+              </a:rPr>
+              <a:t>: "700Mi"</a:t>
+            </a:r>
+          </a:p>
+          <a:p>
+            <a:r>
+              <a:rPr lang="pl-PL" b="1" dirty="0">
+                <a:solidFill>
+                  <a:schemeClr val="accent4">
+                    <a:lumMod val="50000"/>
+                  </a:schemeClr>
+                </a:solidFill>
+              </a:rPr>
+              <a:t>        </a:t>
+            </a:r>
+            <a:r>
+              <a:rPr lang="pl-PL" b="1" dirty="0" err="1">
+                <a:solidFill>
+                  <a:schemeClr val="accent4">
+                    <a:lumMod val="50000"/>
+                  </a:schemeClr>
+                </a:solidFill>
+              </a:rPr>
+              <a:t>cpu</a:t>
+            </a:r>
+            <a:r>
+              <a:rPr lang="pl-PL" b="1" dirty="0">
+                <a:solidFill>
+                  <a:schemeClr val="accent4">
+                    <a:lumMod val="50000"/>
+                  </a:schemeClr>
+                </a:solidFill>
+              </a:rPr>
+              <a:t>: "400m"</a:t>
+            </a:r>
+          </a:p>
+          <a:p>
+            <a:r>
+              <a:rPr lang="pl-PL" dirty="0"/>
+              <a:t> </a:t>
+            </a:r>
           </a:p>
         </p:txBody>
       </p:sp>
     </p:spTree>
     <p:extLst>
       <p:ext uri="{BB962C8B-B14F-4D97-AF65-F5344CB8AC3E}">
-        <p14:creationId xmlns:p14="http://schemas.microsoft.com/office/powerpoint/2010/main" val="4111604730"/>
+        <p14:creationId xmlns:p14="http://schemas.microsoft.com/office/powerpoint/2010/main" val="3781876501"/>
       </p:ext>
     </p:extLst>
   </p:cSld>
@@ -4447,12 +4745,8 @@
           <a:lstStyle/>
           <a:p>
             <a:r>
-              <a:rPr lang="pl-PL" dirty="0" smtClean="0"/>
-              <a:t>Limit </a:t>
-            </a:r>
-            <a:r>
               <a:rPr lang="pl-PL" dirty="0" err="1" smtClean="0"/>
-              <a:t>range</a:t>
+              <a:t>Namespaces</a:t>
             </a:r>
             <a:endParaRPr lang="pl-PL" dirty="0"/>
           </a:p>
@@ -4468,344 +4762,66 @@
             <p:ph idx="1"/>
           </p:nvPr>
         </p:nvSpPr>
-        <p:spPr>
-          <a:xfrm>
-            <a:off x="502920" y="530352"/>
-            <a:ext cx="8183880" cy="5130896"/>
-          </a:xfrm>
-        </p:spPr>
+        <p:spPr/>
         <p:txBody>
           <a:bodyPr>
-            <a:normAutofit fontScale="62500" lnSpcReduction="20000"/>
+            <a:normAutofit fontScale="92500" lnSpcReduction="10000"/>
           </a:bodyPr>
           <a:lstStyle/>
           <a:p>
-            <a:pPr marL="0" indent="0">
-              <a:buNone/>
-            </a:pPr>
-            <a:r>
-              <a:rPr lang="pl-PL" dirty="0" err="1"/>
-              <a:t>apiVersion</a:t>
-            </a:r>
-            <a:r>
-              <a:rPr lang="pl-PL" dirty="0"/>
-              <a:t>: v1</a:t>
-            </a:r>
-          </a:p>
-          <a:p>
-            <a:pPr marL="0" indent="0">
-              <a:buNone/>
-            </a:pPr>
-            <a:r>
-              <a:rPr lang="pl-PL" dirty="0" err="1"/>
-              <a:t>kind</a:t>
-            </a:r>
-            <a:r>
-              <a:rPr lang="pl-PL" dirty="0"/>
-              <a:t>: </a:t>
-            </a:r>
-            <a:r>
-              <a:rPr lang="pl-PL" dirty="0" err="1"/>
-              <a:t>LimitRange</a:t>
-            </a:r>
-            <a:endParaRPr lang="pl-PL" dirty="0"/>
-          </a:p>
-          <a:p>
-            <a:pPr marL="0" indent="0">
-              <a:buNone/>
-            </a:pPr>
-            <a:r>
-              <a:rPr lang="pl-PL" dirty="0" err="1"/>
-              <a:t>metadata</a:t>
-            </a:r>
-            <a:r>
-              <a:rPr lang="pl-PL" dirty="0"/>
-              <a:t>:</a:t>
-            </a:r>
-          </a:p>
-          <a:p>
-            <a:pPr marL="0" indent="0">
-              <a:buNone/>
-            </a:pPr>
-            <a:r>
-              <a:rPr lang="pl-PL" dirty="0"/>
-              <a:t>  </a:t>
-            </a:r>
-            <a:r>
-              <a:rPr lang="pl-PL" dirty="0" err="1"/>
-              <a:t>name</a:t>
-            </a:r>
-            <a:r>
-              <a:rPr lang="pl-PL" dirty="0"/>
-              <a:t>: limit-</a:t>
-            </a:r>
-            <a:r>
-              <a:rPr lang="pl-PL" dirty="0" err="1"/>
-              <a:t>mem</a:t>
-            </a:r>
-            <a:r>
-              <a:rPr lang="pl-PL" dirty="0"/>
-              <a:t>-</a:t>
-            </a:r>
-            <a:r>
-              <a:rPr lang="pl-PL" dirty="0" err="1"/>
-              <a:t>cpu</a:t>
-            </a:r>
-            <a:r>
-              <a:rPr lang="pl-PL" dirty="0"/>
-              <a:t>-per-</a:t>
-            </a:r>
-            <a:r>
-              <a:rPr lang="pl-PL" dirty="0" err="1"/>
-              <a:t>container</a:t>
-            </a:r>
-            <a:endParaRPr lang="pl-PL" dirty="0"/>
-          </a:p>
-          <a:p>
-            <a:pPr marL="0" indent="0">
-              <a:buNone/>
-            </a:pPr>
-            <a:r>
-              <a:rPr lang="pl-PL" dirty="0"/>
-              <a:t>spec:</a:t>
-            </a:r>
-          </a:p>
-          <a:p>
-            <a:pPr marL="0" indent="0">
-              <a:buNone/>
-            </a:pPr>
-            <a:r>
-              <a:rPr lang="pl-PL" dirty="0"/>
-              <a:t>  </a:t>
-            </a:r>
-            <a:r>
-              <a:rPr lang="pl-PL" dirty="0" err="1"/>
-              <a:t>limits</a:t>
-            </a:r>
-            <a:r>
-              <a:rPr lang="pl-PL" dirty="0"/>
-              <a:t>:</a:t>
-            </a:r>
-          </a:p>
-          <a:p>
-            <a:pPr marL="0" indent="0">
-              <a:buNone/>
-            </a:pPr>
-            <a:r>
-              <a:rPr lang="pl-PL" dirty="0"/>
-              <a:t>  - max:</a:t>
-            </a:r>
-          </a:p>
-          <a:p>
-            <a:pPr marL="0" indent="0">
-              <a:buNone/>
-            </a:pPr>
-            <a:r>
-              <a:rPr lang="pl-PL" dirty="0"/>
-              <a:t>      </a:t>
-            </a:r>
-            <a:r>
-              <a:rPr lang="pl-PL" dirty="0" err="1"/>
-              <a:t>cpu</a:t>
-            </a:r>
-            <a:r>
-              <a:rPr lang="pl-PL" dirty="0"/>
-              <a:t>: "800m"</a:t>
-            </a:r>
-          </a:p>
-          <a:p>
-            <a:pPr marL="0" indent="0">
-              <a:buNone/>
-            </a:pPr>
-            <a:r>
-              <a:rPr lang="pl-PL" dirty="0"/>
-              <a:t>      </a:t>
-            </a:r>
-            <a:r>
-              <a:rPr lang="pl-PL" dirty="0" err="1"/>
-              <a:t>memory</a:t>
-            </a:r>
-            <a:r>
-              <a:rPr lang="pl-PL" dirty="0"/>
-              <a:t>: "1Gi"</a:t>
-            </a:r>
-          </a:p>
-          <a:p>
-            <a:pPr marL="0" indent="0">
-              <a:buNone/>
-            </a:pPr>
-            <a:r>
-              <a:rPr lang="pl-PL" dirty="0"/>
-              <a:t>    min:</a:t>
-            </a:r>
-          </a:p>
-          <a:p>
-            <a:pPr marL="0" indent="0">
-              <a:buNone/>
-            </a:pPr>
-            <a:r>
-              <a:rPr lang="pl-PL" dirty="0"/>
-              <a:t>      </a:t>
-            </a:r>
-            <a:r>
-              <a:rPr lang="pl-PL" dirty="0" err="1"/>
-              <a:t>cpu</a:t>
-            </a:r>
-            <a:r>
-              <a:rPr lang="pl-PL" dirty="0"/>
-              <a:t>: "50m"</a:t>
-            </a:r>
-          </a:p>
-          <a:p>
-            <a:pPr marL="0" indent="0">
-              <a:buNone/>
-            </a:pPr>
-            <a:r>
-              <a:rPr lang="pl-PL" dirty="0"/>
-              <a:t>      </a:t>
-            </a:r>
-            <a:r>
-              <a:rPr lang="pl-PL" dirty="0" err="1"/>
-              <a:t>memory</a:t>
-            </a:r>
-            <a:r>
-              <a:rPr lang="pl-PL" dirty="0"/>
-              <a:t>: "50Mi"</a:t>
-            </a:r>
-          </a:p>
-          <a:p>
-            <a:pPr marL="0" indent="0">
-              <a:buNone/>
-            </a:pPr>
-            <a:r>
-              <a:rPr lang="pl-PL" dirty="0"/>
-              <a:t>    </a:t>
-            </a:r>
-            <a:r>
-              <a:rPr lang="pl-PL" dirty="0" err="1"/>
-              <a:t>default</a:t>
-            </a:r>
-            <a:r>
-              <a:rPr lang="pl-PL" dirty="0"/>
-              <a:t>:</a:t>
-            </a:r>
-          </a:p>
-          <a:p>
-            <a:pPr marL="0" indent="0">
-              <a:buNone/>
-            </a:pPr>
-            <a:r>
-              <a:rPr lang="pl-PL" dirty="0"/>
-              <a:t>      </a:t>
-            </a:r>
-            <a:r>
-              <a:rPr lang="pl-PL" dirty="0" err="1"/>
-              <a:t>cpu</a:t>
-            </a:r>
-            <a:r>
-              <a:rPr lang="pl-PL" dirty="0"/>
-              <a:t>: "200m"</a:t>
-            </a:r>
-          </a:p>
-          <a:p>
-            <a:pPr marL="0" indent="0">
-              <a:buNone/>
-            </a:pPr>
-            <a:r>
-              <a:rPr lang="pl-PL" dirty="0"/>
-              <a:t>      </a:t>
-            </a:r>
-            <a:r>
-              <a:rPr lang="pl-PL" dirty="0" err="1"/>
-              <a:t>memory</a:t>
-            </a:r>
-            <a:r>
-              <a:rPr lang="pl-PL" dirty="0"/>
-              <a:t>: "200Mi"</a:t>
-            </a:r>
-          </a:p>
-          <a:p>
-            <a:pPr marL="0" indent="0">
-              <a:buNone/>
-            </a:pPr>
-            <a:r>
-              <a:rPr lang="pl-PL" dirty="0"/>
-              <a:t>    </a:t>
-            </a:r>
-            <a:r>
-              <a:rPr lang="pl-PL" dirty="0" err="1"/>
-              <a:t>defaultRequest</a:t>
-            </a:r>
-            <a:r>
-              <a:rPr lang="pl-PL" dirty="0"/>
-              <a:t>:</a:t>
-            </a:r>
-          </a:p>
-          <a:p>
-            <a:pPr marL="0" indent="0">
-              <a:buNone/>
-            </a:pPr>
-            <a:r>
-              <a:rPr lang="pl-PL" dirty="0"/>
-              <a:t>      </a:t>
-            </a:r>
-            <a:r>
-              <a:rPr lang="pl-PL" dirty="0" err="1"/>
-              <a:t>cpu</a:t>
-            </a:r>
-            <a:r>
-              <a:rPr lang="pl-PL" dirty="0"/>
-              <a:t>: "100m"</a:t>
-            </a:r>
-          </a:p>
-          <a:p>
-            <a:pPr marL="0" indent="0">
-              <a:buNone/>
-            </a:pPr>
-            <a:r>
-              <a:rPr lang="pl-PL" dirty="0"/>
-              <a:t>      </a:t>
-            </a:r>
-            <a:r>
-              <a:rPr lang="pl-PL" dirty="0" err="1"/>
-              <a:t>memory</a:t>
-            </a:r>
-            <a:r>
-              <a:rPr lang="pl-PL" dirty="0"/>
-              <a:t>: "100Mi"</a:t>
-            </a:r>
-          </a:p>
-          <a:p>
-            <a:pPr marL="0" indent="0">
-              <a:buNone/>
-            </a:pPr>
-            <a:r>
-              <a:rPr lang="pl-PL" dirty="0"/>
-              <a:t>    </a:t>
-            </a:r>
-            <a:r>
-              <a:rPr lang="pl-PL" dirty="0" err="1">
+            <a:r>
+              <a:rPr lang="en-US" dirty="0"/>
+              <a:t>Beyond the individual container resources, you may want to investigate setting limits on namespaces. So what is a namespace? Namespaces can be used to define a cluster of applications, departments, or environments. Simply, Namespace refers to scope or grouping of objects in a Kubernetes </a:t>
+            </a:r>
+            <a:r>
+              <a:rPr lang="en-US" dirty="0" smtClean="0"/>
+              <a:t>cluster</a:t>
+            </a:r>
+            <a:endParaRPr lang="pl-PL" dirty="0" smtClean="0"/>
+          </a:p>
+          <a:p>
+            <a:endParaRPr lang="pl-PL" dirty="0" smtClean="0"/>
+          </a:p>
+          <a:p>
+            <a:r>
+              <a:rPr lang="en-US" dirty="0">
                 <a:solidFill>
                   <a:srgbClr val="FF0000"/>
                 </a:solidFill>
               </a:rPr>
-              <a:t>type</a:t>
-            </a:r>
-            <a:r>
-              <a:rPr lang="pl-PL" dirty="0">
+              <a:t>At the Namespace level, you can set up </a:t>
+            </a:r>
+            <a:r>
+              <a:rPr lang="en-US" dirty="0" err="1">
                 <a:solidFill>
                   <a:srgbClr val="FF0000"/>
                 </a:solidFill>
               </a:rPr>
-              <a:t>: </a:t>
-            </a:r>
-            <a:r>
-              <a:rPr lang="pl-PL" dirty="0" err="1">
+              <a:t>ResourceQuotas</a:t>
+            </a:r>
+            <a:r>
+              <a:rPr lang="en-US" dirty="0">
                 <a:solidFill>
                   <a:srgbClr val="FF0000"/>
                 </a:solidFill>
               </a:rPr>
-              <a:t>Container</a:t>
+              <a:t> and </a:t>
+            </a:r>
+            <a:r>
+              <a:rPr lang="en-US" dirty="0" err="1">
+                <a:solidFill>
+                  <a:srgbClr val="FF0000"/>
+                </a:solidFill>
+              </a:rPr>
+              <a:t>LimitRanges</a:t>
+            </a:r>
+            <a:r>
+              <a:rPr lang="en-US" dirty="0">
+                <a:solidFill>
+                  <a:srgbClr val="FF0000"/>
+                </a:solidFill>
+              </a:rPr>
+              <a:t>.</a:t>
             </a:r>
             <a:endParaRPr lang="pl-PL" dirty="0">
               <a:solidFill>
@@ -4818,13 +4834,20 @@
     </p:spTree>
     <p:extLst>
       <p:ext uri="{BB962C8B-B14F-4D97-AF65-F5344CB8AC3E}">
-        <p14:creationId xmlns:p14="http://schemas.microsoft.com/office/powerpoint/2010/main" val="1770858312"/>
+        <p14:creationId xmlns:p14="http://schemas.microsoft.com/office/powerpoint/2010/main" val="194794197"/>
       </p:ext>
     </p:extLst>
   </p:cSld>
   <p:clrMapOvr>
     <a:masterClrMapping/>
   </p:clrMapOvr>
+  <p:timing>
+    <p:tnLst>
+      <p:par>
+        <p:cTn id="1" dur="indefinite" restart="never" nodeType="tmRoot"/>
+      </p:par>
+    </p:tnLst>
+  </p:timing>
 </p:sld>
 </file>
 
@@ -4861,32 +4884,51 @@
           <a:lstStyle/>
           <a:p>
             <a:r>
-              <a:rPr lang="pl-PL" dirty="0" err="1" smtClean="0"/>
-              <a:t>Resources</a:t>
-            </a:r>
-            <a:r>
               <a:rPr lang="pl-PL" dirty="0" smtClean="0"/>
-              <a:t> </a:t>
+              <a:t>Resource </a:t>
             </a:r>
             <a:r>
               <a:rPr lang="pl-PL" dirty="0" err="1" smtClean="0"/>
               <a:t>quota</a:t>
             </a:r>
-            <a:r>
-              <a:rPr lang="pl-PL" dirty="0" smtClean="0"/>
-              <a:t>/limit </a:t>
-            </a:r>
-            <a:r>
-              <a:rPr lang="pl-PL" dirty="0" err="1" smtClean="0"/>
-              <a:t>range</a:t>
-            </a:r>
             <a:endParaRPr lang="pl-PL" dirty="0"/>
           </a:p>
         </p:txBody>
       </p:sp>
       <p:sp>
         <p:nvSpPr>
-          <p:cNvPr id="3" name="Symbol zastępczy zawartości 2"/>
+          <p:cNvPr id="4" name="Prostokąt 3"/>
+          <p:cNvSpPr/>
+          <p:nvPr/>
+        </p:nvSpPr>
+        <p:spPr>
+          <a:xfrm>
+            <a:off x="755576" y="4725144"/>
+            <a:ext cx="6912768" cy="646331"/>
+          </a:xfrm>
+          <a:prstGeom prst="rect">
+            <a:avLst/>
+          </a:prstGeom>
+        </p:spPr>
+        <p:txBody>
+          <a:bodyPr wrap="square">
+            <a:spAutoFit/>
+          </a:bodyPr>
+          <a:lstStyle/>
+          <a:p>
+            <a:r>
+              <a:rPr lang="pl-PL" dirty="0">
+                <a:hlinkClick r:id="rId2"/>
+              </a:rPr>
+              <a:t>https://github.com/djkormo/k8s-AKS-primer/tree/master/examples/quotas</a:t>
+            </a:r>
+            <a:endParaRPr lang="pl-PL" dirty="0"/>
+          </a:p>
+        </p:txBody>
+      </p:sp>
+      <p:sp>
+        <p:nvSpPr>
+          <p:cNvPr id="5" name="Symbol zastępczy zawartości 4"/>
           <p:cNvSpPr>
             <a:spLocks noGrp="1"/>
           </p:cNvSpPr>
@@ -4896,36 +4938,343 @@
         </p:nvSpPr>
         <p:spPr/>
         <p:txBody>
-          <a:bodyPr/>
+          <a:bodyPr>
+            <a:normAutofit fontScale="85000" lnSpcReduction="20000"/>
+          </a:bodyPr>
           <a:lstStyle/>
           <a:p>
-            <a:endParaRPr lang="pl-PL" dirty="0" smtClean="0"/>
+            <a:pPr marL="0" indent="0">
+              <a:buNone/>
+            </a:pPr>
+            <a:r>
+              <a:rPr lang="pl-PL" dirty="0" err="1" smtClean="0">
+                <a:solidFill>
+                  <a:srgbClr val="FF0000"/>
+                </a:solidFill>
+              </a:rPr>
+              <a:t>apiVersion</a:t>
+            </a:r>
+            <a:r>
+              <a:rPr lang="pl-PL" dirty="0" smtClean="0">
+                <a:solidFill>
+                  <a:srgbClr val="FF0000"/>
+                </a:solidFill>
+              </a:rPr>
+              <a:t>: v1</a:t>
+            </a:r>
+          </a:p>
+          <a:p>
+            <a:pPr marL="0" indent="0">
+              <a:buNone/>
+            </a:pPr>
+            <a:r>
+              <a:rPr lang="pl-PL" dirty="0" err="1" smtClean="0">
+                <a:solidFill>
+                  <a:srgbClr val="FF0000"/>
+                </a:solidFill>
+              </a:rPr>
+              <a:t>kind</a:t>
+            </a:r>
+            <a:r>
+              <a:rPr lang="pl-PL" dirty="0" smtClean="0">
+                <a:solidFill>
+                  <a:srgbClr val="FF0000"/>
+                </a:solidFill>
+              </a:rPr>
+              <a:t>: </a:t>
+            </a:r>
+            <a:r>
+              <a:rPr lang="pl-PL" dirty="0" err="1" smtClean="0">
+                <a:solidFill>
+                  <a:srgbClr val="FF0000"/>
+                </a:solidFill>
+              </a:rPr>
+              <a:t>ResourceQuota</a:t>
+            </a:r>
+            <a:endParaRPr lang="pl-PL" dirty="0" smtClean="0">
+              <a:solidFill>
+                <a:srgbClr val="FF0000"/>
+              </a:solidFill>
+            </a:endParaRPr>
+          </a:p>
+          <a:p>
+            <a:pPr marL="0" indent="0">
+              <a:buNone/>
+            </a:pPr>
+            <a:r>
+              <a:rPr lang="pl-PL" dirty="0" err="1" smtClean="0">
+                <a:solidFill>
+                  <a:schemeClr val="tx2"/>
+                </a:solidFill>
+              </a:rPr>
+              <a:t>metadata</a:t>
+            </a:r>
+            <a:r>
+              <a:rPr lang="pl-PL" dirty="0" smtClean="0">
+                <a:solidFill>
+                  <a:schemeClr val="tx2"/>
+                </a:solidFill>
+              </a:rPr>
+              <a:t>:</a:t>
+            </a:r>
+          </a:p>
+          <a:p>
+            <a:pPr marL="0" indent="0">
+              <a:buNone/>
+            </a:pPr>
+            <a:r>
+              <a:rPr lang="pl-PL" dirty="0" smtClean="0">
+                <a:solidFill>
+                  <a:schemeClr val="tx2"/>
+                </a:solidFill>
+              </a:rPr>
+              <a:t>  </a:t>
+            </a:r>
+            <a:r>
+              <a:rPr lang="pl-PL" dirty="0" err="1" smtClean="0">
+                <a:solidFill>
+                  <a:schemeClr val="tx2"/>
+                </a:solidFill>
+              </a:rPr>
+              <a:t>name</a:t>
+            </a:r>
+            <a:r>
+              <a:rPr lang="pl-PL" dirty="0" smtClean="0">
+                <a:solidFill>
+                  <a:schemeClr val="tx2"/>
+                </a:solidFill>
+              </a:rPr>
+              <a:t>: </a:t>
+            </a:r>
+            <a:r>
+              <a:rPr lang="pl-PL" dirty="0" err="1" smtClean="0">
+                <a:solidFill>
+                  <a:schemeClr val="tx2"/>
+                </a:solidFill>
+              </a:rPr>
+              <a:t>compute-resources</a:t>
+            </a:r>
+            <a:endParaRPr lang="pl-PL" dirty="0" smtClean="0">
+              <a:solidFill>
+                <a:schemeClr val="tx2"/>
+              </a:solidFill>
+            </a:endParaRPr>
+          </a:p>
+          <a:p>
+            <a:pPr marL="0" indent="0">
+              <a:buNone/>
+            </a:pPr>
+            <a:r>
+              <a:rPr lang="pl-PL" dirty="0" smtClean="0">
+                <a:solidFill>
+                  <a:schemeClr val="tx2"/>
+                </a:solidFill>
+              </a:rPr>
+              <a:t>spec:</a:t>
+            </a:r>
+          </a:p>
+          <a:p>
+            <a:pPr marL="0" indent="0">
+              <a:buNone/>
+            </a:pPr>
+            <a:r>
+              <a:rPr lang="pl-PL" dirty="0" smtClean="0">
+                <a:solidFill>
+                  <a:schemeClr val="tx2"/>
+                </a:solidFill>
+              </a:rPr>
+              <a:t>  hard:</a:t>
+            </a:r>
+          </a:p>
+          <a:p>
+            <a:pPr marL="0" indent="0">
+              <a:buNone/>
+            </a:pPr>
+            <a:r>
+              <a:rPr lang="pl-PL" dirty="0" smtClean="0">
+                <a:solidFill>
+                  <a:schemeClr val="tx2"/>
+                </a:solidFill>
+              </a:rPr>
+              <a:t>    </a:t>
+            </a:r>
+            <a:r>
+              <a:rPr lang="pl-PL" dirty="0" err="1" smtClean="0">
+                <a:solidFill>
+                  <a:schemeClr val="tx2"/>
+                </a:solidFill>
+              </a:rPr>
+              <a:t>pods</a:t>
+            </a:r>
+            <a:r>
+              <a:rPr lang="pl-PL" dirty="0" smtClean="0">
+                <a:solidFill>
+                  <a:schemeClr val="tx2"/>
+                </a:solidFill>
+              </a:rPr>
+              <a:t>: "20"</a:t>
+            </a:r>
+          </a:p>
+          <a:p>
+            <a:pPr marL="0" indent="0">
+              <a:buNone/>
+            </a:pPr>
+            <a:r>
+              <a:rPr lang="pl-PL" dirty="0" smtClean="0">
+                <a:solidFill>
+                  <a:schemeClr val="tx2"/>
+                </a:solidFill>
+              </a:rPr>
+              <a:t>    </a:t>
+            </a:r>
+            <a:r>
+              <a:rPr lang="pl-PL" dirty="0" err="1" smtClean="0">
+                <a:solidFill>
+                  <a:schemeClr val="tx2"/>
+                </a:solidFill>
+              </a:rPr>
+              <a:t>requests.cpu</a:t>
+            </a:r>
+            <a:r>
+              <a:rPr lang="pl-PL" dirty="0" smtClean="0">
+                <a:solidFill>
+                  <a:schemeClr val="tx2"/>
+                </a:solidFill>
+              </a:rPr>
+              <a:t>: "1"</a:t>
+            </a:r>
+          </a:p>
+          <a:p>
+            <a:pPr marL="0" indent="0">
+              <a:buNone/>
+            </a:pPr>
+            <a:r>
+              <a:rPr lang="pl-PL" dirty="0" smtClean="0">
+                <a:solidFill>
+                  <a:schemeClr val="tx2"/>
+                </a:solidFill>
+              </a:rPr>
+              <a:t>    </a:t>
+            </a:r>
+            <a:r>
+              <a:rPr lang="pl-PL" dirty="0" err="1" smtClean="0">
+                <a:solidFill>
+                  <a:schemeClr val="tx2"/>
+                </a:solidFill>
+              </a:rPr>
+              <a:t>requests.memory</a:t>
+            </a:r>
+            <a:r>
+              <a:rPr lang="pl-PL" dirty="0" smtClean="0">
+                <a:solidFill>
+                  <a:schemeClr val="tx2"/>
+                </a:solidFill>
+              </a:rPr>
+              <a:t>: 1Gi</a:t>
+            </a:r>
+          </a:p>
+          <a:p>
+            <a:pPr marL="0" indent="0">
+              <a:buNone/>
+            </a:pPr>
+            <a:r>
+              <a:rPr lang="pl-PL" dirty="0" smtClean="0">
+                <a:solidFill>
+                  <a:schemeClr val="tx2"/>
+                </a:solidFill>
+              </a:rPr>
+              <a:t>    </a:t>
+            </a:r>
+            <a:r>
+              <a:rPr lang="pl-PL" dirty="0" err="1" smtClean="0">
+                <a:solidFill>
+                  <a:schemeClr val="tx2"/>
+                </a:solidFill>
+              </a:rPr>
+              <a:t>limits.cpu</a:t>
+            </a:r>
+            <a:r>
+              <a:rPr lang="pl-PL" dirty="0" smtClean="0">
+                <a:solidFill>
+                  <a:schemeClr val="tx2"/>
+                </a:solidFill>
+              </a:rPr>
+              <a:t>: "2"</a:t>
+            </a:r>
+          </a:p>
+          <a:p>
+            <a:pPr marL="0" indent="0">
+              <a:buNone/>
+            </a:pPr>
+            <a:r>
+              <a:rPr lang="pl-PL" dirty="0" smtClean="0">
+                <a:solidFill>
+                  <a:schemeClr val="tx2"/>
+                </a:solidFill>
+              </a:rPr>
+              <a:t>    </a:t>
+            </a:r>
+            <a:r>
+              <a:rPr lang="pl-PL" dirty="0" err="1" smtClean="0">
+                <a:solidFill>
+                  <a:schemeClr val="tx2"/>
+                </a:solidFill>
+              </a:rPr>
+              <a:t>limits.memory</a:t>
+            </a:r>
+            <a:r>
+              <a:rPr lang="pl-PL" dirty="0" smtClean="0">
+                <a:solidFill>
+                  <a:schemeClr val="tx2"/>
+                </a:solidFill>
+              </a:rPr>
+              <a:t>: 2Gi</a:t>
+            </a:r>
+          </a:p>
+          <a:p>
+            <a:pPr marL="0" indent="0">
+              <a:buNone/>
+            </a:pPr>
+            <a:r>
+              <a:rPr lang="pl-PL" dirty="0" smtClean="0">
+                <a:solidFill>
+                  <a:schemeClr val="tx2"/>
+                </a:solidFill>
+              </a:rPr>
+              <a:t>    requests.nvidia.com/</a:t>
+            </a:r>
+            <a:r>
+              <a:rPr lang="pl-PL" dirty="0" err="1" smtClean="0">
+                <a:solidFill>
+                  <a:schemeClr val="tx2"/>
+                </a:solidFill>
+              </a:rPr>
+              <a:t>gpu</a:t>
+            </a:r>
+            <a:r>
+              <a:rPr lang="pl-PL" dirty="0" smtClean="0">
+                <a:solidFill>
+                  <a:schemeClr val="tx2"/>
+                </a:solidFill>
+              </a:rPr>
+              <a:t>: 3</a:t>
+            </a:r>
+            <a:endParaRPr lang="pl-PL" dirty="0" smtClean="0">
+              <a:solidFill>
+                <a:schemeClr val="tx2"/>
+              </a:solidFill>
+              <a:hlinkClick r:id="rId2"/>
+            </a:endParaRPr>
           </a:p>
           <a:p>
             <a:endParaRPr lang="pl-PL" dirty="0"/>
-          </a:p>
-          <a:p>
-            <a:endParaRPr lang="pl-PL" dirty="0" smtClean="0"/>
-          </a:p>
-          <a:p>
-            <a:endParaRPr lang="pl-PL" dirty="0"/>
-          </a:p>
-          <a:p>
-            <a:pPr marL="0" indent="0" algn="ctr">
-              <a:buNone/>
-            </a:pPr>
-            <a:r>
-              <a:rPr lang="pl-PL" sz="4000" dirty="0" smtClean="0"/>
-              <a:t>DEMO</a:t>
-            </a:r>
-            <a:endParaRPr lang="pl-PL" sz="4000" dirty="0"/>
           </a:p>
         </p:txBody>
       </p:sp>
     </p:spTree>
     <p:extLst>
       <p:ext uri="{BB962C8B-B14F-4D97-AF65-F5344CB8AC3E}">
-        <p14:creationId xmlns:p14="http://schemas.microsoft.com/office/powerpoint/2010/main" val="2502144188"/>
+        <p14:creationId xmlns:p14="http://schemas.microsoft.com/office/powerpoint/2010/main" val="4111604730"/>
       </p:ext>
     </p:extLst>
   </p:cSld>
@@ -4976,11 +5325,11 @@
           <a:p>
             <a:r>
               <a:rPr lang="pl-PL" dirty="0" smtClean="0"/>
-              <a:t>Resource </a:t>
+              <a:t>Limit </a:t>
             </a:r>
             <a:r>
               <a:rPr lang="pl-PL" dirty="0" err="1" smtClean="0"/>
-              <a:t>quotas</a:t>
+              <a:t>range</a:t>
             </a:r>
             <a:endParaRPr lang="pl-PL" dirty="0"/>
           </a:p>
@@ -4988,7 +5337,7 @@
       </p:sp>
       <p:sp>
         <p:nvSpPr>
-          <p:cNvPr id="5" name="Symbol zastępczy zawartości 4"/>
+          <p:cNvPr id="3" name="Symbol zastępczy zawartości 2"/>
           <p:cNvSpPr>
             <a:spLocks noGrp="1"/>
           </p:cNvSpPr>
@@ -4996,10 +5345,15 @@
             <p:ph idx="1"/>
           </p:nvPr>
         </p:nvSpPr>
-        <p:spPr/>
+        <p:spPr>
+          <a:xfrm>
+            <a:off x="502920" y="530352"/>
+            <a:ext cx="8183880" cy="5130896"/>
+          </a:xfrm>
+        </p:spPr>
         <p:txBody>
           <a:bodyPr>
-            <a:normAutofit fontScale="85000" lnSpcReduction="20000"/>
+            <a:normAutofit fontScale="62500" lnSpcReduction="20000"/>
           </a:bodyPr>
           <a:lstStyle/>
           <a:p>
@@ -5029,7 +5383,7 @@
             </a:r>
             <a:r>
               <a:rPr lang="pl-PL" dirty="0" err="1"/>
-              <a:t>ResourceQuota</a:t>
+              <a:t>LimitRange</a:t>
             </a:r>
             <a:endParaRPr lang="pl-PL" dirty="0"/>
           </a:p>
@@ -5060,11 +5414,27 @@
             </a:r>
             <a:r>
               <a:rPr lang="pl-PL" dirty="0"/>
-              <a:t>: </a:t>
+              <a:t>: limit-</a:t>
             </a:r>
             <a:r>
               <a:rPr lang="pl-PL" dirty="0" err="1"/>
-              <a:t>compute-resources</a:t>
+              <a:t>mem</a:t>
+            </a:r>
+            <a:r>
+              <a:rPr lang="pl-PL" dirty="0"/>
+              <a:t>-</a:t>
+            </a:r>
+            <a:r>
+              <a:rPr lang="pl-PL" dirty="0" err="1"/>
+              <a:t>cpu</a:t>
+            </a:r>
+            <a:r>
+              <a:rPr lang="pl-PL" dirty="0"/>
+              <a:t>-per-</a:t>
+            </a:r>
+            <a:r>
+              <a:rPr lang="pl-PL" dirty="0" err="1"/>
+              <a:t>container</a:t>
             </a:r>
             <a:endParaRPr lang="pl-PL" dirty="0"/>
           </a:p>
@@ -5083,7 +5453,101 @@
             </a:pPr>
             <a:r>
               <a:rPr lang="pl-PL" dirty="0"/>
-              <a:t>  hard:</a:t>
+              <a:t>  </a:t>
+            </a:r>
+            <a:r>
+              <a:rPr lang="pl-PL" dirty="0" err="1"/>
+              <a:t>limits</a:t>
+            </a:r>
+            <a:r>
+              <a:rPr lang="pl-PL" dirty="0"/>
+              <a:t>:</a:t>
+            </a:r>
+          </a:p>
+          <a:p>
+            <a:pPr marL="0" indent="0">
+              <a:buNone/>
+            </a:pPr>
+            <a:r>
+              <a:rPr lang="pl-PL" dirty="0"/>
+              <a:t>  - max:</a:t>
+            </a:r>
+          </a:p>
+          <a:p>
+            <a:pPr marL="0" indent="0">
+              <a:buNone/>
+            </a:pPr>
+            <a:r>
+              <a:rPr lang="pl-PL" dirty="0"/>
+              <a:t>      </a:t>
+            </a:r>
+            <a:r>
+              <a:rPr lang="pl-PL" dirty="0" err="1"/>
+              <a:t>cpu</a:t>
+            </a:r>
+            <a:r>
+              <a:rPr lang="pl-PL" dirty="0"/>
+              <a:t>: "800m"</a:t>
+            </a:r>
+          </a:p>
+          <a:p>
+            <a:pPr marL="0" indent="0">
+              <a:buNone/>
+            </a:pPr>
+            <a:r>
+              <a:rPr lang="pl-PL" dirty="0"/>
+              <a:t>      </a:t>
+            </a:r>
+            <a:r>
+              <a:rPr lang="pl-PL" dirty="0" err="1"/>
+              <a:t>memory</a:t>
+            </a:r>
+            <a:r>
+              <a:rPr lang="pl-PL" dirty="0"/>
+              <a:t>: "1Gi"</a:t>
+            </a:r>
+          </a:p>
+          <a:p>
+            <a:pPr marL="0" indent="0">
+              <a:buNone/>
+            </a:pPr>
+            <a:r>
+              <a:rPr lang="pl-PL" dirty="0"/>
+              <a:t>    min:</a:t>
+            </a:r>
+          </a:p>
+          <a:p>
+            <a:pPr marL="0" indent="0">
+              <a:buNone/>
+            </a:pPr>
+            <a:r>
+              <a:rPr lang="pl-PL" dirty="0"/>
+              <a:t>      </a:t>
+            </a:r>
+            <a:r>
+              <a:rPr lang="pl-PL" dirty="0" err="1"/>
+              <a:t>cpu</a:t>
+            </a:r>
+            <a:r>
+              <a:rPr lang="pl-PL" dirty="0"/>
+              <a:t>: "50m"</a:t>
+            </a:r>
+          </a:p>
+          <a:p>
+            <a:pPr marL="0" indent="0">
+              <a:buNone/>
+            </a:pPr>
+            <a:r>
+              <a:rPr lang="pl-PL" dirty="0"/>
+              <a:t>      </a:t>
+            </a:r>
+            <a:r>
+              <a:rPr lang="pl-PL" dirty="0" err="1"/>
+              <a:t>memory</a:t>
+            </a:r>
+            <a:r>
+              <a:rPr lang="pl-PL" dirty="0"/>
+              <a:t>: "50Mi"</a:t>
             </a:r>
           </a:p>
           <a:p>
@@ -5096,11 +5560,45 @@
             </a:r>
             <a:r>
               <a:rPr lang="pl-PL" dirty="0" err="1"/>
-              <a:t>pods</a:t>
+              <a:t>default</a:t>
             </a:r>
             <a:r>
               <a:rPr lang="pl-PL" dirty="0"/>
-              <a:t>: "20"</a:t>
+              <a:t>:</a:t>
+            </a:r>
+          </a:p>
+          <a:p>
+            <a:pPr marL="0" indent="0">
+              <a:buNone/>
+            </a:pPr>
+            <a:r>
+              <a:rPr lang="pl-PL" dirty="0"/>
+              <a:t>      </a:t>
+            </a:r>
+            <a:r>
+              <a:rPr lang="pl-PL" dirty="0" err="1"/>
+              <a:t>cpu</a:t>
+            </a:r>
+            <a:r>
+              <a:rPr lang="pl-PL" dirty="0"/>
+              <a:t>: "200m"</a:t>
+            </a:r>
+          </a:p>
+          <a:p>
+            <a:pPr marL="0" indent="0">
+              <a:buNone/>
+            </a:pPr>
+            <a:r>
+              <a:rPr lang="pl-PL" dirty="0"/>
+              <a:t>      </a:t>
+            </a:r>
+            <a:r>
+              <a:rPr lang="pl-PL" dirty="0" err="1"/>
+              <a:t>memory</a:t>
+            </a:r>
+            <a:r>
+              <a:rPr lang="pl-PL" dirty="0"/>
+              <a:t>: "200Mi"</a:t>
             </a:r>
           </a:p>
           <a:p>
@@ -5113,11 +5611,45 @@
             </a:r>
             <a:r>
               <a:rPr lang="pl-PL" dirty="0" err="1"/>
-              <a:t>requests.cpu</a:t>
+              <a:t>defaultRequest</a:t>
             </a:r>
             <a:r>
               <a:rPr lang="pl-PL" dirty="0"/>
-              <a:t>: "1"</a:t>
+              <a:t>:</a:t>
+            </a:r>
+          </a:p>
+          <a:p>
+            <a:pPr marL="0" indent="0">
+              <a:buNone/>
+            </a:pPr>
+            <a:r>
+              <a:rPr lang="pl-PL" dirty="0"/>
+              <a:t>      </a:t>
+            </a:r>
+            <a:r>
+              <a:rPr lang="pl-PL" dirty="0" err="1"/>
+              <a:t>cpu</a:t>
+            </a:r>
+            <a:r>
+              <a:rPr lang="pl-PL" dirty="0"/>
+              <a:t>: "100m"</a:t>
+            </a:r>
+          </a:p>
+          <a:p>
+            <a:pPr marL="0" indent="0">
+              <a:buNone/>
+            </a:pPr>
+            <a:r>
+              <a:rPr lang="pl-PL" dirty="0"/>
+              <a:t>      </a:t>
+            </a:r>
+            <a:r>
+              <a:rPr lang="pl-PL" dirty="0" err="1"/>
+              <a:t>memory</a:t>
+            </a:r>
+            <a:r>
+              <a:rPr lang="pl-PL" dirty="0"/>
+              <a:t>: "100Mi"</a:t>
             </a:r>
           </a:p>
           <a:p>
@@ -5129,84 +5661,47 @@
               <a:t>    </a:t>
             </a:r>
             <a:r>
-              <a:rPr lang="pl-PL" dirty="0" err="1"/>
-              <a:t>requests.memory</a:t>
-            </a:r>
-            <a:r>
-              <a:rPr lang="pl-PL" dirty="0"/>
-              <a:t>: 1Gi</a:t>
-            </a:r>
-          </a:p>
-          <a:p>
-            <a:pPr marL="0" indent="0">
-              <a:buNone/>
-            </a:pPr>
-            <a:r>
-              <a:rPr lang="pl-PL" dirty="0"/>
-              <a:t>    </a:t>
-            </a:r>
-            <a:r>
-              <a:rPr lang="pl-PL" dirty="0" err="1"/>
-              <a:t>limits.cpu</a:t>
-            </a:r>
-            <a:r>
-              <a:rPr lang="pl-PL" dirty="0"/>
-              <a:t>: "2"</a:t>
-            </a:r>
-          </a:p>
-          <a:p>
-            <a:pPr marL="0" indent="0">
-              <a:buNone/>
-            </a:pPr>
-            <a:r>
-              <a:rPr lang="pl-PL" dirty="0"/>
-              <a:t>    </a:t>
-            </a:r>
-            <a:r>
-              <a:rPr lang="pl-PL" dirty="0" err="1"/>
-              <a:t>limits.memory</a:t>
-            </a:r>
-            <a:r>
-              <a:rPr lang="pl-PL" dirty="0"/>
-              <a:t>: 2Gi</a:t>
-            </a:r>
-          </a:p>
-          <a:p>
-            <a:pPr marL="0" indent="0">
-              <a:buNone/>
-            </a:pPr>
-            <a:r>
-              <a:rPr lang="pl-PL" dirty="0"/>
-              <a:t>    requests.nvidia.com/</a:t>
-            </a:r>
-            <a:r>
-              <a:rPr lang="pl-PL" dirty="0" err="1"/>
-              <a:t>gpu</a:t>
-            </a:r>
-            <a:r>
-              <a:rPr lang="pl-PL" dirty="0"/>
-              <a:t>: 3</a:t>
-            </a:r>
+              <a:rPr lang="pl-PL" dirty="0" err="1">
+                <a:solidFill>
+                  <a:srgbClr val="FF0000"/>
+                </a:solidFill>
+              </a:rPr>
+              <a:t>type</a:t>
+            </a:r>
+            <a:r>
+              <a:rPr lang="pl-PL" dirty="0">
+                <a:solidFill>
+                  <a:srgbClr val="FF0000"/>
+                </a:solidFill>
+              </a:rPr>
+              <a:t>: </a:t>
+            </a:r>
+            <a:r>
+              <a:rPr lang="pl-PL" dirty="0" err="1">
+                <a:solidFill>
+                  <a:srgbClr val="FF0000"/>
+                </a:solidFill>
+              </a:rPr>
+              <a:t>Container</a:t>
+            </a:r>
+            <a:endParaRPr lang="pl-PL" dirty="0">
+              <a:solidFill>
+                <a:srgbClr val="FF0000"/>
+              </a:solidFill>
+            </a:endParaRPr>
           </a:p>
         </p:txBody>
       </p:sp>
     </p:spTree>
     <p:extLst>
       <p:ext uri="{BB962C8B-B14F-4D97-AF65-F5344CB8AC3E}">
-        <p14:creationId xmlns:p14="http://schemas.microsoft.com/office/powerpoint/2010/main" val="3495179704"/>
+        <p14:creationId xmlns:p14="http://schemas.microsoft.com/office/powerpoint/2010/main" val="1770858312"/>
       </p:ext>
     </p:extLst>
   </p:cSld>
   <p:clrMapOvr>
     <a:masterClrMapping/>
   </p:clrMapOvr>
-  <p:timing>
-    <p:tnLst>
-      <p:par>
-        <p:cTn id="1" dur="indefinite" restart="never" nodeType="tmRoot"/>
-      </p:par>
-    </p:tnLst>
-  </p:timing>
 </p:sld>
 </file>
 
@@ -5243,8 +5738,24 @@
           <a:lstStyle/>
           <a:p>
             <a:r>
+              <a:rPr lang="pl-PL" dirty="0" err="1" smtClean="0"/>
+              <a:t>Resources</a:t>
+            </a:r>
+            <a:r>
               <a:rPr lang="pl-PL" dirty="0" smtClean="0"/>
-              <a:t>CPU</a:t>
+              <a:t> </a:t>
+            </a:r>
+            <a:r>
+              <a:rPr lang="pl-PL" dirty="0" err="1" smtClean="0"/>
+              <a:t>quota</a:t>
+            </a:r>
+            <a:r>
+              <a:rPr lang="pl-PL" dirty="0" smtClean="0"/>
+              <a:t>/limit </a:t>
+            </a:r>
+            <a:r>
+              <a:rPr lang="pl-PL" dirty="0" err="1" smtClean="0"/>
+              <a:t>range</a:t>
             </a:r>
             <a:endParaRPr lang="pl-PL" dirty="0"/>
           </a:p>
@@ -5262,61 +5773,49 @@
         </p:nvSpPr>
         <p:spPr/>
         <p:txBody>
-          <a:bodyPr>
-            <a:normAutofit fontScale="92500"/>
-          </a:bodyPr>
+          <a:bodyPr/>
           <a:lstStyle/>
           <a:p>
-            <a:r>
-              <a:rPr lang="en-US" dirty="0"/>
-              <a:t>CPU resources are measured in </a:t>
-            </a:r>
-            <a:r>
-              <a:rPr lang="en-US" dirty="0" err="1"/>
-              <a:t>millicore</a:t>
-            </a:r>
-            <a:r>
-              <a:rPr lang="en-US" dirty="0"/>
-              <a:t>. If a node has 2 cores, the node’s CPU capacity would be represented as 2000m. The unit suffix m stands for “thousandth of a core.”</a:t>
-            </a:r>
-          </a:p>
-          <a:p>
-            <a:r>
-              <a:rPr lang="en-US" dirty="0"/>
-              <a:t>1000m or 1000 </a:t>
-            </a:r>
-            <a:r>
-              <a:rPr lang="en-US" dirty="0" err="1"/>
-              <a:t>millicore</a:t>
-            </a:r>
-            <a:r>
-              <a:rPr lang="en-US" dirty="0"/>
-              <a:t> is equal to 1 core. 4000m would represent 4 cores. 250 </a:t>
-            </a:r>
-            <a:r>
-              <a:rPr lang="en-US" dirty="0" err="1"/>
-              <a:t>millicore</a:t>
-            </a:r>
-            <a:r>
-              <a:rPr lang="en-US" dirty="0"/>
-              <a:t> per pod means 4 pods with a similar value of 250m can run on a single core. On a 4 core node, 16 pods each having 250m can run on that node.</a:t>
-            </a:r>
+            <a:endParaRPr lang="pl-PL" dirty="0" smtClean="0"/>
           </a:p>
           <a:p>
             <a:endParaRPr lang="pl-PL" dirty="0"/>
+          </a:p>
+          <a:p>
+            <a:endParaRPr lang="pl-PL" dirty="0" smtClean="0"/>
+          </a:p>
+          <a:p>
+            <a:endParaRPr lang="pl-PL" dirty="0"/>
+          </a:p>
+          <a:p>
+            <a:pPr marL="0" indent="0" algn="ctr">
+              <a:buNone/>
+            </a:pPr>
+            <a:r>
+              <a:rPr lang="pl-PL" sz="4000" dirty="0" smtClean="0"/>
+              <a:t>DEMO</a:t>
+            </a:r>
+            <a:endParaRPr lang="pl-PL" sz="4000" dirty="0"/>
           </a:p>
         </p:txBody>
       </p:sp>
     </p:spTree>
     <p:extLst>
       <p:ext uri="{BB962C8B-B14F-4D97-AF65-F5344CB8AC3E}">
-        <p14:creationId xmlns:p14="http://schemas.microsoft.com/office/powerpoint/2010/main" val="147757337"/>
+        <p14:creationId xmlns:p14="http://schemas.microsoft.com/office/powerpoint/2010/main" val="2502144188"/>
       </p:ext>
     </p:extLst>
   </p:cSld>
   <p:clrMapOvr>
     <a:masterClrMapping/>
   </p:clrMapOvr>
+  <p:timing>
+    <p:tnLst>
+      <p:par>
+        <p:cTn id="1" dur="indefinite" restart="never" nodeType="tmRoot"/>
+      </p:par>
+    </p:tnLst>
+  </p:timing>
 </p:sld>
 </file>
 
@@ -5354,7 +5853,11 @@
           <a:p>
             <a:r>
               <a:rPr lang="pl-PL" dirty="0" smtClean="0"/>
-              <a:t>Memory</a:t>
+              <a:t>Resource </a:t>
+            </a:r>
+            <a:r>
+              <a:rPr lang="pl-PL" dirty="0" err="1" smtClean="0"/>
+              <a:t>quotas</a:t>
             </a:r>
             <a:endParaRPr lang="pl-PL" dirty="0"/>
           </a:p>
@@ -5362,7 +5865,7 @@
       </p:sp>
       <p:sp>
         <p:nvSpPr>
-          <p:cNvPr id="3" name="Symbol zastępczy zawartości 2"/>
+          <p:cNvPr id="5" name="Symbol zastępczy zawartości 4"/>
           <p:cNvSpPr>
             <a:spLocks noGrp="1"/>
           </p:cNvSpPr>
@@ -5373,104 +5876,214 @@
         <p:spPr/>
         <p:txBody>
           <a:bodyPr>
-            <a:normAutofit fontScale="92500" lnSpcReduction="20000"/>
+            <a:normAutofit fontScale="85000" lnSpcReduction="20000"/>
           </a:bodyPr>
           <a:lstStyle/>
           <a:p>
-            <a:r>
-              <a:rPr lang="en-US" dirty="0"/>
-              <a:t>Memory is measured in bytes. However, you can express memory with various suffixes (E,P,T,G,M,K and </a:t>
-            </a:r>
-            <a:r>
-              <a:rPr lang="en-US" dirty="0" err="1"/>
-              <a:t>Ei</a:t>
-            </a:r>
-            <a:r>
-              <a:rPr lang="en-US" dirty="0"/>
-              <a:t>, Pi, </a:t>
-            </a:r>
-            <a:r>
-              <a:rPr lang="en-US" dirty="0" err="1"/>
-              <a:t>Ti</a:t>
-            </a:r>
-            <a:r>
-              <a:rPr lang="en-US" dirty="0"/>
-              <a:t>, </a:t>
-            </a:r>
-            <a:r>
-              <a:rPr lang="en-US" dirty="0" err="1"/>
-              <a:t>Gi</a:t>
-            </a:r>
-            <a:r>
-              <a:rPr lang="en-US" dirty="0"/>
-              <a:t>, </a:t>
-            </a:r>
-            <a:r>
-              <a:rPr lang="en-US" dirty="0" err="1"/>
-              <a:t>Mi</a:t>
-            </a:r>
-            <a:r>
-              <a:rPr lang="en-US" dirty="0"/>
-              <a:t>, Ki) to express </a:t>
-            </a:r>
-            <a:r>
-              <a:rPr lang="en-US" dirty="0" err="1"/>
-              <a:t>mebibytes</a:t>
-            </a:r>
-            <a:r>
-              <a:rPr lang="en-US" dirty="0"/>
-              <a:t> (</a:t>
-            </a:r>
-            <a:r>
-              <a:rPr lang="en-US" dirty="0" err="1"/>
-              <a:t>Mi</a:t>
-            </a:r>
-            <a:r>
-              <a:rPr lang="en-US" dirty="0"/>
-              <a:t>) to petabytes (Pi). </a:t>
-            </a:r>
-            <a:r>
-              <a:rPr lang="en-US" b="1" dirty="0"/>
-              <a:t>Most simply use Mi</a:t>
-            </a:r>
-            <a:r>
-              <a:rPr lang="en-US" dirty="0"/>
-              <a:t>.</a:t>
-            </a:r>
-          </a:p>
-          <a:p>
-            <a:r>
-              <a:rPr lang="en-US" dirty="0"/>
-              <a:t>Like CPU, </a:t>
-            </a:r>
-            <a:r>
-              <a:rPr lang="en-US" dirty="0">
-                <a:solidFill>
-                  <a:srgbClr val="FF0000"/>
-                </a:solidFill>
-              </a:rPr>
-              <a:t>pods will never be scheduled if they require more resources than the capacity of a node</a:t>
-            </a:r>
-            <a:r>
-              <a:rPr lang="en-US" dirty="0"/>
-              <a:t>. Unlike CPU, memory is not compressible. You can’t make memory run slower or faster like CPU or network throttling. Pods will be terminated if it reaches the memory limit.</a:t>
-            </a:r>
-          </a:p>
-          <a:p>
+            <a:pPr marL="0" indent="0">
+              <a:buNone/>
+            </a:pPr>
+            <a:r>
+              <a:rPr lang="pl-PL" dirty="0" err="1"/>
+              <a:t>apiVersion</a:t>
+            </a:r>
+            <a:r>
+              <a:rPr lang="pl-PL" dirty="0"/>
+              <a:t>: v1</a:t>
+            </a:r>
+          </a:p>
+          <a:p>
+            <a:pPr marL="0" indent="0">
+              <a:buNone/>
+            </a:pPr>
+            <a:r>
+              <a:rPr lang="pl-PL" dirty="0" err="1"/>
+              <a:t>kind</a:t>
+            </a:r>
+            <a:r>
+              <a:rPr lang="pl-PL" dirty="0"/>
+              <a:t>: </a:t>
+            </a:r>
+            <a:r>
+              <a:rPr lang="pl-PL" dirty="0" err="1"/>
+              <a:t>ResourceQuota</a:t>
+            </a:r>
             <a:endParaRPr lang="pl-PL" dirty="0"/>
+          </a:p>
+          <a:p>
+            <a:pPr marL="0" indent="0">
+              <a:buNone/>
+            </a:pPr>
+            <a:r>
+              <a:rPr lang="pl-PL" dirty="0" err="1"/>
+              <a:t>metadata</a:t>
+            </a:r>
+            <a:r>
+              <a:rPr lang="pl-PL" dirty="0"/>
+              <a:t>:</a:t>
+            </a:r>
+          </a:p>
+          <a:p>
+            <a:pPr marL="0" indent="0">
+              <a:buNone/>
+            </a:pPr>
+            <a:r>
+              <a:rPr lang="pl-PL" dirty="0"/>
+              <a:t>  </a:t>
+            </a:r>
+            <a:r>
+              <a:rPr lang="pl-PL" dirty="0" err="1"/>
+              <a:t>name</a:t>
+            </a:r>
+            <a:r>
+              <a:rPr lang="pl-PL" dirty="0"/>
+              <a:t>: </a:t>
+            </a:r>
+            <a:r>
+              <a:rPr lang="pl-PL" dirty="0" err="1"/>
+              <a:t>compute-resources</a:t>
+            </a:r>
+            <a:endParaRPr lang="pl-PL" dirty="0"/>
+          </a:p>
+          <a:p>
+            <a:pPr marL="0" indent="0">
+              <a:buNone/>
+            </a:pPr>
+            <a:r>
+              <a:rPr lang="pl-PL" dirty="0"/>
+              <a:t>spec:</a:t>
+            </a:r>
+          </a:p>
+          <a:p>
+            <a:pPr marL="0" indent="0">
+              <a:buNone/>
+            </a:pPr>
+            <a:r>
+              <a:rPr lang="pl-PL" dirty="0"/>
+              <a:t>  hard:</a:t>
+            </a:r>
+          </a:p>
+          <a:p>
+            <a:pPr marL="0" indent="0">
+              <a:buNone/>
+            </a:pPr>
+            <a:r>
+              <a:rPr lang="pl-PL" dirty="0"/>
+              <a:t>    </a:t>
+            </a:r>
+            <a:r>
+              <a:rPr lang="pl-PL" dirty="0" err="1"/>
+              <a:t>pods</a:t>
+            </a:r>
+            <a:r>
+              <a:rPr lang="pl-PL" dirty="0"/>
+              <a:t>: "20"</a:t>
+            </a:r>
+          </a:p>
+          <a:p>
+            <a:pPr marL="0" indent="0">
+              <a:buNone/>
+            </a:pPr>
+            <a:r>
+              <a:rPr lang="pl-PL" dirty="0"/>
+              <a:t>    </a:t>
+            </a:r>
+            <a:r>
+              <a:rPr lang="pl-PL" dirty="0" err="1"/>
+              <a:t>requests.cpu</a:t>
+            </a:r>
+            <a:r>
+              <a:rPr lang="pl-PL" dirty="0"/>
+              <a:t>: "1"</a:t>
+            </a:r>
+          </a:p>
+          <a:p>
+            <a:pPr marL="0" indent="0">
+              <a:buNone/>
+            </a:pPr>
+            <a:r>
+              <a:rPr lang="pl-PL" dirty="0"/>
+              <a:t>    </a:t>
+            </a:r>
+            <a:r>
+              <a:rPr lang="pl-PL" dirty="0" err="1"/>
+              <a:t>requests.memory</a:t>
+            </a:r>
+            <a:r>
+              <a:rPr lang="pl-PL" dirty="0"/>
+              <a:t>: 1Gi</a:t>
+            </a:r>
+          </a:p>
+          <a:p>
+            <a:pPr marL="0" indent="0">
+              <a:buNone/>
+            </a:pPr>
+            <a:r>
+              <a:rPr lang="pl-PL" dirty="0"/>
+              <a:t>    </a:t>
+            </a:r>
+            <a:r>
+              <a:rPr lang="pl-PL" dirty="0" err="1"/>
+              <a:t>limits.cpu</a:t>
+            </a:r>
+            <a:r>
+              <a:rPr lang="pl-PL" dirty="0"/>
+              <a:t>: "2"</a:t>
+            </a:r>
+          </a:p>
+          <a:p>
+            <a:pPr marL="0" indent="0">
+              <a:buNone/>
+            </a:pPr>
+            <a:r>
+              <a:rPr lang="pl-PL" dirty="0"/>
+              <a:t>    </a:t>
+            </a:r>
+            <a:r>
+              <a:rPr lang="pl-PL" dirty="0" err="1"/>
+              <a:t>limits.memory</a:t>
+            </a:r>
+            <a:r>
+              <a:rPr lang="pl-PL" dirty="0"/>
+              <a:t>: 2Gi</a:t>
+            </a:r>
+          </a:p>
+          <a:p>
+            <a:pPr marL="0" indent="0">
+              <a:buNone/>
+            </a:pPr>
+            <a:r>
+              <a:rPr lang="pl-PL" dirty="0"/>
+              <a:t>    requests.nvidia.com/</a:t>
+            </a:r>
+            <a:r>
+              <a:rPr lang="pl-PL" dirty="0" err="1"/>
+              <a:t>gpu</a:t>
+            </a:r>
+            <a:r>
+              <a:rPr lang="pl-PL" dirty="0"/>
+              <a:t>: 3</a:t>
+            </a:r>
           </a:p>
         </p:txBody>
       </p:sp>
     </p:spTree>
     <p:extLst>
       <p:ext uri="{BB962C8B-B14F-4D97-AF65-F5344CB8AC3E}">
-        <p14:creationId xmlns:p14="http://schemas.microsoft.com/office/powerpoint/2010/main" val="3653138814"/>
+        <p14:creationId xmlns:p14="http://schemas.microsoft.com/office/powerpoint/2010/main" val="3495179704"/>
       </p:ext>
     </p:extLst>
   </p:cSld>
   <p:clrMapOvr>
     <a:masterClrMapping/>
   </p:clrMapOvr>
+  <p:timing>
+    <p:tnLst>
+      <p:par>
+        <p:cTn id="1" dur="indefinite" restart="never" nodeType="tmRoot"/>
+      </p:par>
+    </p:tnLst>
+  </p:timing>
 </p:sld>
 </file>
 
@@ -8814,6 +9427,270 @@
           <a:lstStyle/>
           <a:p>
             <a:r>
+              <a:rPr lang="pl-PL" dirty="0" smtClean="0"/>
+              <a:t>CPU</a:t>
+            </a:r>
+            <a:endParaRPr lang="pl-PL" dirty="0"/>
+          </a:p>
+        </p:txBody>
+      </p:sp>
+      <p:sp>
+        <p:nvSpPr>
+          <p:cNvPr id="3" name="Symbol zastępczy zawartości 2"/>
+          <p:cNvSpPr>
+            <a:spLocks noGrp="1"/>
+          </p:cNvSpPr>
+          <p:nvPr>
+            <p:ph idx="1"/>
+          </p:nvPr>
+        </p:nvSpPr>
+        <p:spPr/>
+        <p:txBody>
+          <a:bodyPr>
+            <a:normAutofit fontScale="92500"/>
+          </a:bodyPr>
+          <a:lstStyle/>
+          <a:p>
+            <a:r>
+              <a:rPr lang="en-US" dirty="0"/>
+              <a:t>CPU resources are measured in </a:t>
+            </a:r>
+            <a:r>
+              <a:rPr lang="en-US" dirty="0" err="1"/>
+              <a:t>millicore</a:t>
+            </a:r>
+            <a:r>
+              <a:rPr lang="en-US" dirty="0"/>
+              <a:t>. If a node has 2 cores, the node’s CPU capacity would be represented as 2000m. The unit suffix m stands for “thousandth of a core.”</a:t>
+            </a:r>
+          </a:p>
+          <a:p>
+            <a:r>
+              <a:rPr lang="en-US" dirty="0"/>
+              <a:t>1000m or 1000 </a:t>
+            </a:r>
+            <a:r>
+              <a:rPr lang="en-US" dirty="0" err="1"/>
+              <a:t>millicore</a:t>
+            </a:r>
+            <a:r>
+              <a:rPr lang="en-US" dirty="0"/>
+              <a:t> is equal to 1 core. 4000m would represent 4 cores. 250 </a:t>
+            </a:r>
+            <a:r>
+              <a:rPr lang="en-US" dirty="0" err="1"/>
+              <a:t>millicore</a:t>
+            </a:r>
+            <a:r>
+              <a:rPr lang="en-US" dirty="0"/>
+              <a:t> per pod means 4 pods with a similar value of 250m can run on a single core. On a 4 core node, 16 pods each having 250m can run on that node.</a:t>
+            </a:r>
+          </a:p>
+          <a:p>
+            <a:endParaRPr lang="pl-PL" dirty="0"/>
+          </a:p>
+        </p:txBody>
+      </p:sp>
+    </p:spTree>
+    <p:extLst>
+      <p:ext uri="{BB962C8B-B14F-4D97-AF65-F5344CB8AC3E}">
+        <p14:creationId xmlns:p14="http://schemas.microsoft.com/office/powerpoint/2010/main" val="147757337"/>
+      </p:ext>
+    </p:extLst>
+  </p:cSld>
+  <p:clrMapOvr>
+    <a:masterClrMapping/>
+  </p:clrMapOvr>
+</p:sld>
+</file>
+
+<file path=ppt/slides/slide8.xml><?xml version="1.0" encoding="utf-8"?>
+<p:sld xmlns:a="http://schemas.openxmlformats.org/drawingml/2006/main" xmlns:r="http://schemas.openxmlformats.org/officeDocument/2006/relationships" xmlns:p="http://schemas.openxmlformats.org/presentationml/2006/main">
+  <p:cSld>
+    <p:spTree>
+      <p:nvGrpSpPr>
+        <p:cNvPr id="1" name=""/>
+        <p:cNvGrpSpPr/>
+        <p:nvPr/>
+      </p:nvGrpSpPr>
+      <p:grpSpPr>
+        <a:xfrm>
+          <a:off x="0" y="0"/>
+          <a:ext cx="0" cy="0"/>
+          <a:chOff x="0" y="0"/>
+          <a:chExt cx="0" cy="0"/>
+        </a:xfrm>
+      </p:grpSpPr>
+      <p:sp>
+        <p:nvSpPr>
+          <p:cNvPr id="2" name="Tytuł 1"/>
+          <p:cNvSpPr>
+            <a:spLocks noGrp="1"/>
+          </p:cNvSpPr>
+          <p:nvPr>
+            <p:ph type="title"/>
+          </p:nvPr>
+        </p:nvSpPr>
+        <p:spPr/>
+        <p:txBody>
+          <a:bodyPr/>
+          <a:lstStyle/>
+          <a:p>
+            <a:r>
+              <a:rPr lang="pl-PL" dirty="0" smtClean="0"/>
+              <a:t>Memory</a:t>
+            </a:r>
+            <a:endParaRPr lang="pl-PL" dirty="0"/>
+          </a:p>
+        </p:txBody>
+      </p:sp>
+      <p:sp>
+        <p:nvSpPr>
+          <p:cNvPr id="3" name="Symbol zastępczy zawartości 2"/>
+          <p:cNvSpPr>
+            <a:spLocks noGrp="1"/>
+          </p:cNvSpPr>
+          <p:nvPr>
+            <p:ph idx="1"/>
+          </p:nvPr>
+        </p:nvSpPr>
+        <p:spPr/>
+        <p:txBody>
+          <a:bodyPr>
+            <a:normAutofit fontScale="92500" lnSpcReduction="20000"/>
+          </a:bodyPr>
+          <a:lstStyle/>
+          <a:p>
+            <a:r>
+              <a:rPr lang="en-US" dirty="0"/>
+              <a:t>Memory is measured in bytes. However, you can express memory with various suffixes (E,P,T,G,M,K and </a:t>
+            </a:r>
+            <a:r>
+              <a:rPr lang="en-US" dirty="0" err="1"/>
+              <a:t>Ei</a:t>
+            </a:r>
+            <a:r>
+              <a:rPr lang="en-US" dirty="0"/>
+              <a:t>, Pi, </a:t>
+            </a:r>
+            <a:r>
+              <a:rPr lang="en-US" dirty="0" err="1"/>
+              <a:t>Ti</a:t>
+            </a:r>
+            <a:r>
+              <a:rPr lang="en-US" dirty="0"/>
+              <a:t>, </a:t>
+            </a:r>
+            <a:r>
+              <a:rPr lang="en-US" dirty="0" err="1"/>
+              <a:t>Gi</a:t>
+            </a:r>
+            <a:r>
+              <a:rPr lang="en-US" dirty="0"/>
+              <a:t>, </a:t>
+            </a:r>
+            <a:r>
+              <a:rPr lang="en-US" dirty="0" err="1"/>
+              <a:t>Mi</a:t>
+            </a:r>
+            <a:r>
+              <a:rPr lang="en-US" dirty="0"/>
+              <a:t>, Ki) to express </a:t>
+            </a:r>
+            <a:r>
+              <a:rPr lang="en-US" dirty="0" err="1"/>
+              <a:t>mebibytes</a:t>
+            </a:r>
+            <a:r>
+              <a:rPr lang="en-US" dirty="0"/>
+              <a:t> (</a:t>
+            </a:r>
+            <a:r>
+              <a:rPr lang="en-US" dirty="0" err="1"/>
+              <a:t>Mi</a:t>
+            </a:r>
+            <a:r>
+              <a:rPr lang="en-US" dirty="0"/>
+              <a:t>) to petabytes (Pi). </a:t>
+            </a:r>
+            <a:r>
+              <a:rPr lang="en-US" b="1" dirty="0"/>
+              <a:t>Most simply use Mi</a:t>
+            </a:r>
+            <a:r>
+              <a:rPr lang="en-US" dirty="0"/>
+              <a:t>.</a:t>
+            </a:r>
+          </a:p>
+          <a:p>
+            <a:r>
+              <a:rPr lang="en-US" dirty="0"/>
+              <a:t>Like CPU, </a:t>
+            </a:r>
+            <a:r>
+              <a:rPr lang="en-US" dirty="0">
+                <a:solidFill>
+                  <a:srgbClr val="FF0000"/>
+                </a:solidFill>
+              </a:rPr>
+              <a:t>pods will never be scheduled if they require more resources than the capacity of a node</a:t>
+            </a:r>
+            <a:r>
+              <a:rPr lang="en-US" dirty="0"/>
+              <a:t>. Unlike CPU, memory is not compressible. You can’t make memory run slower or faster like CPU or network throttling. Pods will be terminated if it reaches the memory limit.</a:t>
+            </a:r>
+          </a:p>
+          <a:p>
+            <a:endParaRPr lang="pl-PL" dirty="0"/>
+          </a:p>
+        </p:txBody>
+      </p:sp>
+    </p:spTree>
+    <p:extLst>
+      <p:ext uri="{BB962C8B-B14F-4D97-AF65-F5344CB8AC3E}">
+        <p14:creationId xmlns:p14="http://schemas.microsoft.com/office/powerpoint/2010/main" val="3653138814"/>
+      </p:ext>
+    </p:extLst>
+  </p:cSld>
+  <p:clrMapOvr>
+    <a:masterClrMapping/>
+  </p:clrMapOvr>
+</p:sld>
+</file>
+
+<file path=ppt/slides/slide9.xml><?xml version="1.0" encoding="utf-8"?>
+<p:sld xmlns:a="http://schemas.openxmlformats.org/drawingml/2006/main" xmlns:r="http://schemas.openxmlformats.org/officeDocument/2006/relationships" xmlns:p="http://schemas.openxmlformats.org/presentationml/2006/main">
+  <p:cSld>
+    <p:spTree>
+      <p:nvGrpSpPr>
+        <p:cNvPr id="1" name=""/>
+        <p:cNvGrpSpPr/>
+        <p:nvPr/>
+      </p:nvGrpSpPr>
+      <p:grpSpPr>
+        <a:xfrm>
+          <a:off x="0" y="0"/>
+          <a:ext cx="0" cy="0"/>
+          <a:chOff x="0" y="0"/>
+          <a:chExt cx="0" cy="0"/>
+        </a:xfrm>
+      </p:grpSpPr>
+      <p:sp>
+        <p:nvSpPr>
+          <p:cNvPr id="2" name="Tytuł 1"/>
+          <p:cNvSpPr>
+            <a:spLocks noGrp="1"/>
+          </p:cNvSpPr>
+          <p:nvPr>
+            <p:ph type="title"/>
+          </p:nvPr>
+        </p:nvSpPr>
+        <p:spPr/>
+        <p:txBody>
+          <a:bodyPr/>
+          <a:lstStyle/>
+          <a:p>
+            <a:r>
               <a:rPr lang="pl-PL" dirty="0" err="1" smtClean="0"/>
               <a:t>Limits</a:t>
             </a:r>
@@ -8957,883 +9834,6 @@
   <p:clrMapOvr>
     <a:masterClrMapping/>
   </p:clrMapOvr>
-</p:sld>
-</file>
-
-<file path=ppt/slides/slide8.xml><?xml version="1.0" encoding="utf-8"?>
-<p:sld xmlns:a="http://schemas.openxmlformats.org/drawingml/2006/main" xmlns:r="http://schemas.openxmlformats.org/officeDocument/2006/relationships" xmlns:p="http://schemas.openxmlformats.org/presentationml/2006/main">
-  <p:cSld>
-    <p:spTree>
-      <p:nvGrpSpPr>
-        <p:cNvPr id="1" name=""/>
-        <p:cNvGrpSpPr/>
-        <p:nvPr/>
-      </p:nvGrpSpPr>
-      <p:grpSpPr>
-        <a:xfrm>
-          <a:off x="0" y="0"/>
-          <a:ext cx="0" cy="0"/>
-          <a:chOff x="0" y="0"/>
-          <a:chExt cx="0" cy="0"/>
-        </a:xfrm>
-      </p:grpSpPr>
-      <p:sp>
-        <p:nvSpPr>
-          <p:cNvPr id="2" name="Tytuł 1"/>
-          <p:cNvSpPr>
-            <a:spLocks noGrp="1"/>
-          </p:cNvSpPr>
-          <p:nvPr>
-            <p:ph type="title"/>
-          </p:nvPr>
-        </p:nvSpPr>
-        <p:spPr/>
-        <p:txBody>
-          <a:bodyPr/>
-          <a:lstStyle/>
-          <a:p>
-            <a:r>
-              <a:rPr lang="pl-PL" dirty="0" err="1" smtClean="0"/>
-              <a:t>Container</a:t>
-            </a:r>
-            <a:r>
-              <a:rPr lang="pl-PL" dirty="0" smtClean="0"/>
-              <a:t> </a:t>
-            </a:r>
-            <a:r>
-              <a:rPr lang="pl-PL" dirty="0" err="1" smtClean="0"/>
-              <a:t>limits</a:t>
-            </a:r>
-            <a:endParaRPr lang="pl-PL" dirty="0"/>
-          </a:p>
-        </p:txBody>
-      </p:sp>
-      <p:sp>
-        <p:nvSpPr>
-          <p:cNvPr id="3" name="Symbol zastępczy zawartości 2"/>
-          <p:cNvSpPr>
-            <a:spLocks noGrp="1"/>
-          </p:cNvSpPr>
-          <p:nvPr>
-            <p:ph idx="1"/>
-          </p:nvPr>
-        </p:nvSpPr>
-        <p:spPr>
-          <a:xfrm>
-            <a:off x="502920" y="530352"/>
-            <a:ext cx="4069080" cy="3258688"/>
-          </a:xfrm>
-        </p:spPr>
-        <p:txBody>
-          <a:bodyPr>
-            <a:normAutofit/>
-          </a:bodyPr>
-          <a:lstStyle/>
-          <a:p>
-            <a:pPr marL="0" indent="0">
-              <a:buNone/>
-            </a:pPr>
-            <a:r>
-              <a:rPr lang="pl-PL" sz="1900" dirty="0" err="1">
-                <a:solidFill>
-                  <a:srgbClr val="FF0000"/>
-                </a:solidFill>
-              </a:rPr>
-              <a:t>apiVersion</a:t>
-            </a:r>
-            <a:r>
-              <a:rPr lang="pl-PL" sz="1900" dirty="0">
-                <a:solidFill>
-                  <a:srgbClr val="FF0000"/>
-                </a:solidFill>
-              </a:rPr>
-              <a:t>: v1</a:t>
-            </a:r>
-          </a:p>
-          <a:p>
-            <a:pPr marL="0" indent="0">
-              <a:buNone/>
-            </a:pPr>
-            <a:r>
-              <a:rPr lang="pl-PL" sz="1900" dirty="0" err="1">
-                <a:solidFill>
-                  <a:srgbClr val="FF0000"/>
-                </a:solidFill>
-              </a:rPr>
-              <a:t>kind</a:t>
-            </a:r>
-            <a:r>
-              <a:rPr lang="pl-PL" sz="1900" dirty="0">
-                <a:solidFill>
-                  <a:srgbClr val="FF0000"/>
-                </a:solidFill>
-              </a:rPr>
-              <a:t>: Pod</a:t>
-            </a:r>
-          </a:p>
-          <a:p>
-            <a:pPr marL="0" indent="0">
-              <a:buNone/>
-            </a:pPr>
-            <a:r>
-              <a:rPr lang="pl-PL" sz="1900" dirty="0" err="1">
-                <a:solidFill>
-                  <a:srgbClr val="FF0000"/>
-                </a:solidFill>
-              </a:rPr>
-              <a:t>metadata</a:t>
-            </a:r>
-            <a:r>
-              <a:rPr lang="pl-PL" sz="1900" dirty="0">
-                <a:solidFill>
-                  <a:srgbClr val="FF0000"/>
-                </a:solidFill>
-              </a:rPr>
-              <a:t>:</a:t>
-            </a:r>
-          </a:p>
-          <a:p>
-            <a:pPr marL="0" indent="0">
-              <a:buNone/>
-            </a:pPr>
-            <a:r>
-              <a:rPr lang="pl-PL" sz="1900" dirty="0">
-                <a:solidFill>
-                  <a:srgbClr val="FF0000"/>
-                </a:solidFill>
-              </a:rPr>
-              <a:t>  </a:t>
-            </a:r>
-            <a:r>
-              <a:rPr lang="pl-PL" sz="1900" dirty="0" err="1">
-                <a:solidFill>
-                  <a:srgbClr val="FF0000"/>
-                </a:solidFill>
-              </a:rPr>
-              <a:t>name</a:t>
-            </a:r>
-            <a:r>
-              <a:rPr lang="pl-PL" sz="1900" dirty="0">
-                <a:solidFill>
-                  <a:srgbClr val="FF0000"/>
-                </a:solidFill>
-              </a:rPr>
-              <a:t>: pod-quota-1</a:t>
-            </a:r>
-          </a:p>
-          <a:p>
-            <a:pPr marL="0" indent="0">
-              <a:buNone/>
-            </a:pPr>
-            <a:r>
-              <a:rPr lang="pl-PL" sz="1900" dirty="0">
-                <a:solidFill>
-                  <a:srgbClr val="FF0000"/>
-                </a:solidFill>
-              </a:rPr>
-              <a:t>spec:</a:t>
-            </a:r>
-          </a:p>
-          <a:p>
-            <a:pPr marL="0" indent="0">
-              <a:buNone/>
-            </a:pPr>
-            <a:r>
-              <a:rPr lang="pl-PL" sz="1900" dirty="0">
-                <a:solidFill>
-                  <a:srgbClr val="FF0000"/>
-                </a:solidFill>
-              </a:rPr>
-              <a:t>  </a:t>
-            </a:r>
-            <a:r>
-              <a:rPr lang="pl-PL" sz="1900" dirty="0" err="1">
-                <a:solidFill>
-                  <a:srgbClr val="FF0000"/>
-                </a:solidFill>
-              </a:rPr>
-              <a:t>containers</a:t>
-            </a:r>
-            <a:r>
-              <a:rPr lang="pl-PL" sz="1900" dirty="0">
-                <a:solidFill>
-                  <a:srgbClr val="FF0000"/>
-                </a:solidFill>
-              </a:rPr>
-              <a:t>:</a:t>
-            </a:r>
-          </a:p>
-          <a:p>
-            <a:pPr marL="0" indent="0">
-              <a:buNone/>
-            </a:pPr>
-            <a:r>
-              <a:rPr lang="pl-PL" sz="1900" dirty="0">
-                <a:solidFill>
-                  <a:srgbClr val="FF0000"/>
-                </a:solidFill>
-              </a:rPr>
-              <a:t>  - </a:t>
-            </a:r>
-            <a:r>
-              <a:rPr lang="pl-PL" sz="1900" dirty="0" err="1">
-                <a:solidFill>
-                  <a:srgbClr val="FF0000"/>
-                </a:solidFill>
-              </a:rPr>
-              <a:t>name</a:t>
-            </a:r>
-            <a:r>
-              <a:rPr lang="pl-PL" sz="1900" dirty="0">
-                <a:solidFill>
-                  <a:srgbClr val="FF0000"/>
-                </a:solidFill>
-              </a:rPr>
-              <a:t>: pod-quota-1</a:t>
-            </a:r>
-          </a:p>
-          <a:p>
-            <a:pPr marL="0" indent="0">
-              <a:buNone/>
-            </a:pPr>
-            <a:r>
-              <a:rPr lang="pl-PL" sz="1900" dirty="0">
-                <a:solidFill>
-                  <a:srgbClr val="FF0000"/>
-                </a:solidFill>
-              </a:rPr>
-              <a:t>    image: </a:t>
-            </a:r>
-            <a:r>
-              <a:rPr lang="pl-PL" sz="1900" dirty="0" err="1" smtClean="0">
-                <a:solidFill>
-                  <a:srgbClr val="FF0000"/>
-                </a:solidFill>
-              </a:rPr>
-              <a:t>nginx</a:t>
-            </a:r>
-            <a:endParaRPr lang="pl-PL" sz="1900" dirty="0" smtClean="0">
-              <a:solidFill>
-                <a:srgbClr val="FF0000"/>
-              </a:solidFill>
-            </a:endParaRPr>
-          </a:p>
-          <a:p>
-            <a:endParaRPr lang="pl-PL" dirty="0"/>
-          </a:p>
-        </p:txBody>
-      </p:sp>
-      <p:sp>
-        <p:nvSpPr>
-          <p:cNvPr id="6" name="Prostokąt 5"/>
-          <p:cNvSpPr/>
-          <p:nvPr/>
-        </p:nvSpPr>
-        <p:spPr>
-          <a:xfrm>
-            <a:off x="4139952" y="692696"/>
-            <a:ext cx="4572000" cy="4524315"/>
-          </a:xfrm>
-          <a:prstGeom prst="rect">
-            <a:avLst/>
-          </a:prstGeom>
-        </p:spPr>
-        <p:txBody>
-          <a:bodyPr>
-            <a:spAutoFit/>
-          </a:bodyPr>
-          <a:lstStyle/>
-          <a:p>
-            <a:r>
-              <a:rPr lang="pl-PL" dirty="0" err="1">
-                <a:solidFill>
-                  <a:schemeClr val="accent4">
-                    <a:lumMod val="50000"/>
-                  </a:schemeClr>
-                </a:solidFill>
-              </a:rPr>
-              <a:t>apiVersion</a:t>
-            </a:r>
-            <a:r>
-              <a:rPr lang="pl-PL" dirty="0">
-                <a:solidFill>
-                  <a:schemeClr val="accent4">
-                    <a:lumMod val="50000"/>
-                  </a:schemeClr>
-                </a:solidFill>
-              </a:rPr>
-              <a:t>: v1</a:t>
-            </a:r>
-          </a:p>
-          <a:p>
-            <a:r>
-              <a:rPr lang="pl-PL" dirty="0" err="1">
-                <a:solidFill>
-                  <a:schemeClr val="accent4">
-                    <a:lumMod val="50000"/>
-                  </a:schemeClr>
-                </a:solidFill>
-              </a:rPr>
-              <a:t>kind</a:t>
-            </a:r>
-            <a:r>
-              <a:rPr lang="pl-PL" dirty="0">
-                <a:solidFill>
-                  <a:schemeClr val="accent4">
-                    <a:lumMod val="50000"/>
-                  </a:schemeClr>
-                </a:solidFill>
-              </a:rPr>
-              <a:t>: Pod</a:t>
-            </a:r>
-          </a:p>
-          <a:p>
-            <a:r>
-              <a:rPr lang="pl-PL" dirty="0" err="1">
-                <a:solidFill>
-                  <a:schemeClr val="accent4">
-                    <a:lumMod val="50000"/>
-                  </a:schemeClr>
-                </a:solidFill>
-              </a:rPr>
-              <a:t>metadata</a:t>
-            </a:r>
-            <a:r>
-              <a:rPr lang="pl-PL" dirty="0">
-                <a:solidFill>
-                  <a:schemeClr val="accent4">
-                    <a:lumMod val="50000"/>
-                  </a:schemeClr>
-                </a:solidFill>
-              </a:rPr>
-              <a:t>:</a:t>
-            </a:r>
-          </a:p>
-          <a:p>
-            <a:r>
-              <a:rPr lang="pl-PL" dirty="0">
-                <a:solidFill>
-                  <a:schemeClr val="accent4">
-                    <a:lumMod val="50000"/>
-                  </a:schemeClr>
-                </a:solidFill>
-              </a:rPr>
-              <a:t>  </a:t>
-            </a:r>
-            <a:r>
-              <a:rPr lang="pl-PL" dirty="0" err="1">
-                <a:solidFill>
-                  <a:schemeClr val="accent4">
-                    <a:lumMod val="50000"/>
-                  </a:schemeClr>
-                </a:solidFill>
-              </a:rPr>
-              <a:t>name</a:t>
-            </a:r>
-            <a:r>
-              <a:rPr lang="pl-PL" dirty="0">
-                <a:solidFill>
-                  <a:schemeClr val="accent4">
-                    <a:lumMod val="50000"/>
-                  </a:schemeClr>
-                </a:solidFill>
-              </a:rPr>
-              <a:t>: pod-quota-2</a:t>
-            </a:r>
-          </a:p>
-          <a:p>
-            <a:r>
-              <a:rPr lang="pl-PL" dirty="0">
-                <a:solidFill>
-                  <a:schemeClr val="accent4">
-                    <a:lumMod val="50000"/>
-                  </a:schemeClr>
-                </a:solidFill>
-              </a:rPr>
-              <a:t>spec:</a:t>
-            </a:r>
-          </a:p>
-          <a:p>
-            <a:r>
-              <a:rPr lang="pl-PL" dirty="0">
-                <a:solidFill>
-                  <a:schemeClr val="accent4">
-                    <a:lumMod val="50000"/>
-                  </a:schemeClr>
-                </a:solidFill>
-              </a:rPr>
-              <a:t>  </a:t>
-            </a:r>
-            <a:r>
-              <a:rPr lang="pl-PL" dirty="0" err="1">
-                <a:solidFill>
-                  <a:schemeClr val="accent4">
-                    <a:lumMod val="50000"/>
-                  </a:schemeClr>
-                </a:solidFill>
-              </a:rPr>
-              <a:t>containers</a:t>
-            </a:r>
-            <a:r>
-              <a:rPr lang="pl-PL" dirty="0">
-                <a:solidFill>
-                  <a:schemeClr val="accent4">
-                    <a:lumMod val="50000"/>
-                  </a:schemeClr>
-                </a:solidFill>
-              </a:rPr>
-              <a:t>:</a:t>
-            </a:r>
-          </a:p>
-          <a:p>
-            <a:r>
-              <a:rPr lang="pl-PL" dirty="0">
-                <a:solidFill>
-                  <a:schemeClr val="accent4">
-                    <a:lumMod val="50000"/>
-                  </a:schemeClr>
-                </a:solidFill>
-              </a:rPr>
-              <a:t>  - </a:t>
-            </a:r>
-            <a:r>
-              <a:rPr lang="pl-PL" dirty="0" err="1">
-                <a:solidFill>
-                  <a:schemeClr val="accent4">
-                    <a:lumMod val="50000"/>
-                  </a:schemeClr>
-                </a:solidFill>
-              </a:rPr>
-              <a:t>name</a:t>
-            </a:r>
-            <a:r>
-              <a:rPr lang="pl-PL" dirty="0">
-                <a:solidFill>
-                  <a:schemeClr val="accent4">
-                    <a:lumMod val="50000"/>
-                  </a:schemeClr>
-                </a:solidFill>
-              </a:rPr>
-              <a:t>: pod-quota-2</a:t>
-            </a:r>
-          </a:p>
-          <a:p>
-            <a:r>
-              <a:rPr lang="pl-PL" dirty="0">
-                <a:solidFill>
-                  <a:schemeClr val="accent4">
-                    <a:lumMod val="50000"/>
-                  </a:schemeClr>
-                </a:solidFill>
-              </a:rPr>
-              <a:t>    image: </a:t>
-            </a:r>
-            <a:r>
-              <a:rPr lang="pl-PL" dirty="0" err="1">
-                <a:solidFill>
-                  <a:schemeClr val="accent4">
-                    <a:lumMod val="50000"/>
-                  </a:schemeClr>
-                </a:solidFill>
-              </a:rPr>
-              <a:t>redis</a:t>
-            </a:r>
-            <a:endParaRPr lang="pl-PL" dirty="0">
-              <a:solidFill>
-                <a:schemeClr val="accent4">
-                  <a:lumMod val="50000"/>
-                </a:schemeClr>
-              </a:solidFill>
-            </a:endParaRPr>
-          </a:p>
-          <a:p>
-            <a:r>
-              <a:rPr lang="pl-PL" b="1" dirty="0">
-                <a:solidFill>
-                  <a:schemeClr val="accent4">
-                    <a:lumMod val="50000"/>
-                  </a:schemeClr>
-                </a:solidFill>
-              </a:rPr>
-              <a:t>    </a:t>
-            </a:r>
-            <a:r>
-              <a:rPr lang="pl-PL" b="1" dirty="0" err="1">
-                <a:solidFill>
-                  <a:schemeClr val="accent4">
-                    <a:lumMod val="50000"/>
-                  </a:schemeClr>
-                </a:solidFill>
-              </a:rPr>
-              <a:t>resources</a:t>
-            </a:r>
-            <a:r>
-              <a:rPr lang="pl-PL" b="1" dirty="0">
-                <a:solidFill>
-                  <a:schemeClr val="accent4">
-                    <a:lumMod val="50000"/>
-                  </a:schemeClr>
-                </a:solidFill>
-              </a:rPr>
-              <a:t>:</a:t>
-            </a:r>
-          </a:p>
-          <a:p>
-            <a:r>
-              <a:rPr lang="pl-PL" b="1" dirty="0">
-                <a:solidFill>
-                  <a:schemeClr val="accent4">
-                    <a:lumMod val="50000"/>
-                  </a:schemeClr>
-                </a:solidFill>
-              </a:rPr>
-              <a:t>      </a:t>
-            </a:r>
-            <a:r>
-              <a:rPr lang="pl-PL" b="1" dirty="0" err="1">
-                <a:solidFill>
-                  <a:schemeClr val="accent4">
-                    <a:lumMod val="50000"/>
-                  </a:schemeClr>
-                </a:solidFill>
-              </a:rPr>
-              <a:t>limits</a:t>
-            </a:r>
-            <a:r>
-              <a:rPr lang="pl-PL" b="1" dirty="0">
-                <a:solidFill>
-                  <a:schemeClr val="accent4">
-                    <a:lumMod val="50000"/>
-                  </a:schemeClr>
-                </a:solidFill>
-              </a:rPr>
-              <a:t>:</a:t>
-            </a:r>
-          </a:p>
-          <a:p>
-            <a:r>
-              <a:rPr lang="pl-PL" b="1" dirty="0">
-                <a:solidFill>
-                  <a:schemeClr val="accent4">
-                    <a:lumMod val="50000"/>
-                  </a:schemeClr>
-                </a:solidFill>
-              </a:rPr>
-              <a:t>        </a:t>
-            </a:r>
-            <a:r>
-              <a:rPr lang="pl-PL" b="1" dirty="0" err="1">
-                <a:solidFill>
-                  <a:schemeClr val="accent4">
-                    <a:lumMod val="50000"/>
-                  </a:schemeClr>
-                </a:solidFill>
-              </a:rPr>
-              <a:t>memory</a:t>
-            </a:r>
-            <a:r>
-              <a:rPr lang="pl-PL" b="1" dirty="0">
-                <a:solidFill>
-                  <a:schemeClr val="accent4">
-                    <a:lumMod val="50000"/>
-                  </a:schemeClr>
-                </a:solidFill>
-              </a:rPr>
-              <a:t>: "1Gi"</a:t>
-            </a:r>
-          </a:p>
-          <a:p>
-            <a:r>
-              <a:rPr lang="pl-PL" b="1" dirty="0">
-                <a:solidFill>
-                  <a:schemeClr val="accent4">
-                    <a:lumMod val="50000"/>
-                  </a:schemeClr>
-                </a:solidFill>
-              </a:rPr>
-              <a:t>        </a:t>
-            </a:r>
-            <a:r>
-              <a:rPr lang="pl-PL" b="1" dirty="0" err="1">
-                <a:solidFill>
-                  <a:schemeClr val="accent4">
-                    <a:lumMod val="50000"/>
-                  </a:schemeClr>
-                </a:solidFill>
-              </a:rPr>
-              <a:t>cpu</a:t>
-            </a:r>
-            <a:r>
-              <a:rPr lang="pl-PL" b="1" dirty="0">
-                <a:solidFill>
-                  <a:schemeClr val="accent4">
-                    <a:lumMod val="50000"/>
-                  </a:schemeClr>
-                </a:solidFill>
-              </a:rPr>
-              <a:t>: "800m"      </a:t>
-            </a:r>
-          </a:p>
-          <a:p>
-            <a:r>
-              <a:rPr lang="pl-PL" b="1" dirty="0">
-                <a:solidFill>
-                  <a:schemeClr val="accent4">
-                    <a:lumMod val="50000"/>
-                  </a:schemeClr>
-                </a:solidFill>
-              </a:rPr>
-              <a:t>      </a:t>
-            </a:r>
-            <a:r>
-              <a:rPr lang="pl-PL" b="1" dirty="0" err="1">
-                <a:solidFill>
-                  <a:schemeClr val="accent4">
-                    <a:lumMod val="50000"/>
-                  </a:schemeClr>
-                </a:solidFill>
-              </a:rPr>
-              <a:t>requests</a:t>
-            </a:r>
-            <a:r>
-              <a:rPr lang="pl-PL" b="1" dirty="0">
-                <a:solidFill>
-                  <a:schemeClr val="accent4">
-                    <a:lumMod val="50000"/>
-                  </a:schemeClr>
-                </a:solidFill>
-              </a:rPr>
-              <a:t>:</a:t>
-            </a:r>
-          </a:p>
-          <a:p>
-            <a:r>
-              <a:rPr lang="pl-PL" b="1" dirty="0">
-                <a:solidFill>
-                  <a:schemeClr val="accent4">
-                    <a:lumMod val="50000"/>
-                  </a:schemeClr>
-                </a:solidFill>
-              </a:rPr>
-              <a:t>        </a:t>
-            </a:r>
-            <a:r>
-              <a:rPr lang="pl-PL" b="1" dirty="0" err="1">
-                <a:solidFill>
-                  <a:schemeClr val="accent4">
-                    <a:lumMod val="50000"/>
-                  </a:schemeClr>
-                </a:solidFill>
-              </a:rPr>
-              <a:t>memory</a:t>
-            </a:r>
-            <a:r>
-              <a:rPr lang="pl-PL" b="1" dirty="0">
-                <a:solidFill>
-                  <a:schemeClr val="accent4">
-                    <a:lumMod val="50000"/>
-                  </a:schemeClr>
-                </a:solidFill>
-              </a:rPr>
-              <a:t>: "700Mi"</a:t>
-            </a:r>
-          </a:p>
-          <a:p>
-            <a:r>
-              <a:rPr lang="pl-PL" b="1" dirty="0">
-                <a:solidFill>
-                  <a:schemeClr val="accent4">
-                    <a:lumMod val="50000"/>
-                  </a:schemeClr>
-                </a:solidFill>
-              </a:rPr>
-              <a:t>        </a:t>
-            </a:r>
-            <a:r>
-              <a:rPr lang="pl-PL" b="1" dirty="0" err="1">
-                <a:solidFill>
-                  <a:schemeClr val="accent4">
-                    <a:lumMod val="50000"/>
-                  </a:schemeClr>
-                </a:solidFill>
-              </a:rPr>
-              <a:t>cpu</a:t>
-            </a:r>
-            <a:r>
-              <a:rPr lang="pl-PL" b="1" dirty="0">
-                <a:solidFill>
-                  <a:schemeClr val="accent4">
-                    <a:lumMod val="50000"/>
-                  </a:schemeClr>
-                </a:solidFill>
-              </a:rPr>
-              <a:t>: "400m"</a:t>
-            </a:r>
-          </a:p>
-          <a:p>
-            <a:r>
-              <a:rPr lang="pl-PL" dirty="0"/>
-              <a:t> </a:t>
-            </a:r>
-          </a:p>
-        </p:txBody>
-      </p:sp>
-    </p:spTree>
-    <p:extLst>
-      <p:ext uri="{BB962C8B-B14F-4D97-AF65-F5344CB8AC3E}">
-        <p14:creationId xmlns:p14="http://schemas.microsoft.com/office/powerpoint/2010/main" val="3781876501"/>
-      </p:ext>
-    </p:extLst>
-  </p:cSld>
-  <p:clrMapOvr>
-    <a:masterClrMapping/>
-  </p:clrMapOvr>
-  <p:timing>
-    <p:tnLst>
-      <p:par>
-        <p:cTn id="1" dur="indefinite" restart="never" nodeType="tmRoot"/>
-      </p:par>
-    </p:tnLst>
-  </p:timing>
-</p:sld>
-</file>
-
-<file path=ppt/slides/slide9.xml><?xml version="1.0" encoding="utf-8"?>
-<p:sld xmlns:a="http://schemas.openxmlformats.org/drawingml/2006/main" xmlns:r="http://schemas.openxmlformats.org/officeDocument/2006/relationships" xmlns:p="http://schemas.openxmlformats.org/presentationml/2006/main">
-  <p:cSld>
-    <p:spTree>
-      <p:nvGrpSpPr>
-        <p:cNvPr id="1" name=""/>
-        <p:cNvGrpSpPr/>
-        <p:nvPr/>
-      </p:nvGrpSpPr>
-      <p:grpSpPr>
-        <a:xfrm>
-          <a:off x="0" y="0"/>
-          <a:ext cx="0" cy="0"/>
-          <a:chOff x="0" y="0"/>
-          <a:chExt cx="0" cy="0"/>
-        </a:xfrm>
-      </p:grpSpPr>
-      <p:sp>
-        <p:nvSpPr>
-          <p:cNvPr id="2" name="Tytuł 1"/>
-          <p:cNvSpPr>
-            <a:spLocks noGrp="1"/>
-          </p:cNvSpPr>
-          <p:nvPr>
-            <p:ph type="title"/>
-          </p:nvPr>
-        </p:nvSpPr>
-        <p:spPr/>
-        <p:txBody>
-          <a:bodyPr/>
-          <a:lstStyle/>
-          <a:p>
-            <a:r>
-              <a:rPr lang="pl-PL" dirty="0" err="1" smtClean="0"/>
-              <a:t>Namespaces</a:t>
-            </a:r>
-            <a:endParaRPr lang="pl-PL" dirty="0"/>
-          </a:p>
-        </p:txBody>
-      </p:sp>
-      <p:sp>
-        <p:nvSpPr>
-          <p:cNvPr id="3" name="Symbol zastępczy zawartości 2"/>
-          <p:cNvSpPr>
-            <a:spLocks noGrp="1"/>
-          </p:cNvSpPr>
-          <p:nvPr>
-            <p:ph idx="1"/>
-          </p:nvPr>
-        </p:nvSpPr>
-        <p:spPr/>
-        <p:txBody>
-          <a:bodyPr>
-            <a:normAutofit fontScale="92500" lnSpcReduction="10000"/>
-          </a:bodyPr>
-          <a:lstStyle/>
-          <a:p>
-            <a:r>
-              <a:rPr lang="en-US" dirty="0"/>
-              <a:t>Beyond the individual container resources, you may want to investigate setting limits on namespaces. So what is a namespace? Namespaces can be used to define a cluster of applications, departments, or environments. Simply, Namespace refers to scope or grouping of objects in a Kubernetes </a:t>
-            </a:r>
-            <a:r>
-              <a:rPr lang="en-US" dirty="0" smtClean="0"/>
-              <a:t>cluster</a:t>
-            </a:r>
-            <a:endParaRPr lang="pl-PL" dirty="0" smtClean="0"/>
-          </a:p>
-          <a:p>
-            <a:endParaRPr lang="pl-PL" dirty="0" smtClean="0"/>
-          </a:p>
-          <a:p>
-            <a:r>
-              <a:rPr lang="en-US" dirty="0">
-                <a:solidFill>
-                  <a:srgbClr val="FF0000"/>
-                </a:solidFill>
-              </a:rPr>
-              <a:t>At the Namespace level, you can set up </a:t>
-            </a:r>
-            <a:r>
-              <a:rPr lang="en-US" dirty="0" err="1">
-                <a:solidFill>
-                  <a:srgbClr val="FF0000"/>
-                </a:solidFill>
-              </a:rPr>
-              <a:t>ResourceQuotas</a:t>
-            </a:r>
-            <a:r>
-              <a:rPr lang="en-US" dirty="0">
-                <a:solidFill>
-                  <a:srgbClr val="FF0000"/>
-                </a:solidFill>
-              </a:rPr>
-              <a:t> and </a:t>
-            </a:r>
-            <a:r>
-              <a:rPr lang="en-US" dirty="0" err="1">
-                <a:solidFill>
-                  <a:srgbClr val="FF0000"/>
-                </a:solidFill>
-              </a:rPr>
-              <a:t>LimitRanges</a:t>
-            </a:r>
-            <a:r>
-              <a:rPr lang="en-US" dirty="0">
-                <a:solidFill>
-                  <a:srgbClr val="FF0000"/>
-                </a:solidFill>
-              </a:rPr>
-              <a:t>.</a:t>
-            </a:r>
-            <a:endParaRPr lang="pl-PL" dirty="0">
-              <a:solidFill>
-                <a:srgbClr val="FF0000"/>
-              </a:solidFill>
-            </a:endParaRPr>
-          </a:p>
-        </p:txBody>
-      </p:sp>
-    </p:spTree>
-    <p:extLst>
-      <p:ext uri="{BB962C8B-B14F-4D97-AF65-F5344CB8AC3E}">
-        <p14:creationId xmlns:p14="http://schemas.microsoft.com/office/powerpoint/2010/main" val="194794197"/>
-      </p:ext>
-    </p:extLst>
-  </p:cSld>
-  <p:clrMapOvr>
-    <a:masterClrMapping/>
-  </p:clrMapOvr>
-  <p:timing>
-    <p:tnLst>
-      <p:par>
-        <p:cTn id="1" dur="indefinite" restart="never" nodeType="tmRoot"/>
-      </p:par>
-    </p:tnLst>
-  </p:timing>
 </p:sld>
 </file>
 

--- a/examples/atwar/presentation/Kubernetes at war on Azure.pptx
+++ b/examples/atwar/presentation/Kubernetes at war on Azure.pptx
@@ -7,30 +7,32 @@
   <p:sldIdLst>
     <p:sldId id="256" r:id="rId2"/>
     <p:sldId id="277" r:id="rId3"/>
-    <p:sldId id="259" r:id="rId4"/>
-    <p:sldId id="281" r:id="rId5"/>
-    <p:sldId id="275" r:id="rId6"/>
-    <p:sldId id="258" r:id="rId7"/>
-    <p:sldId id="262" r:id="rId8"/>
-    <p:sldId id="263" r:id="rId9"/>
-    <p:sldId id="279" r:id="rId10"/>
-    <p:sldId id="266" r:id="rId11"/>
-    <p:sldId id="265" r:id="rId12"/>
-    <p:sldId id="257" r:id="rId13"/>
-    <p:sldId id="276" r:id="rId14"/>
-    <p:sldId id="270" r:id="rId15"/>
-    <p:sldId id="267" r:id="rId16"/>
-    <p:sldId id="261" r:id="rId17"/>
-    <p:sldId id="269" r:id="rId18"/>
-    <p:sldId id="278" r:id="rId19"/>
-    <p:sldId id="260" r:id="rId20"/>
-    <p:sldId id="280" r:id="rId21"/>
-    <p:sldId id="271" r:id="rId22"/>
-    <p:sldId id="273" r:id="rId23"/>
-    <p:sldId id="272" r:id="rId24"/>
-    <p:sldId id="274" r:id="rId25"/>
-    <p:sldId id="268" r:id="rId26"/>
-    <p:sldId id="264" r:id="rId27"/>
+    <p:sldId id="282" r:id="rId4"/>
+    <p:sldId id="283" r:id="rId5"/>
+    <p:sldId id="259" r:id="rId6"/>
+    <p:sldId id="281" r:id="rId7"/>
+    <p:sldId id="275" r:id="rId8"/>
+    <p:sldId id="258" r:id="rId9"/>
+    <p:sldId id="262" r:id="rId10"/>
+    <p:sldId id="263" r:id="rId11"/>
+    <p:sldId id="279" r:id="rId12"/>
+    <p:sldId id="266" r:id="rId13"/>
+    <p:sldId id="265" r:id="rId14"/>
+    <p:sldId id="257" r:id="rId15"/>
+    <p:sldId id="276" r:id="rId16"/>
+    <p:sldId id="270" r:id="rId17"/>
+    <p:sldId id="267" r:id="rId18"/>
+    <p:sldId id="261" r:id="rId19"/>
+    <p:sldId id="269" r:id="rId20"/>
+    <p:sldId id="278" r:id="rId21"/>
+    <p:sldId id="260" r:id="rId22"/>
+    <p:sldId id="280" r:id="rId23"/>
+    <p:sldId id="271" r:id="rId24"/>
+    <p:sldId id="273" r:id="rId25"/>
+    <p:sldId id="272" r:id="rId26"/>
+    <p:sldId id="274" r:id="rId27"/>
+    <p:sldId id="268" r:id="rId28"/>
+    <p:sldId id="264" r:id="rId29"/>
   </p:sldIdLst>
   <p:sldSz cx="9144000" cy="6858000" type="screen4x3"/>
   <p:notesSz cx="6858000" cy="9144000"/>
@@ -129,6 +131,22 @@
       </a:defRPr>
     </a:lvl9pPr>
   </p:defaultTextStyle>
+  <p:extLst>
+    <p:ext uri="{EFAFB233-063F-42B5-8137-9DF3F51BA10A}">
+      <p15:sldGuideLst xmlns:p15="http://schemas.microsoft.com/office/powerpoint/2012/main">
+        <p15:guide id="1" orient="horz" pos="2160">
+          <p15:clr>
+            <a:srgbClr val="A4A3A4"/>
+          </p15:clr>
+        </p15:guide>
+        <p15:guide id="2" pos="2880">
+          <p15:clr>
+            <a:srgbClr val="A4A3A4"/>
+          </p15:clr>
+        </p15:guide>
+      </p15:sldGuideLst>
+    </p:ext>
+  </p:extLst>
 </p:presentation>
 </file>
 
@@ -224,9 +242,7 @@
         </p:style>
         <p:txBody>
           <a:bodyPr anchor="ctr"/>
-          <a:lstStyle>
-            <a:extLst/>
-          </a:lstStyle>
+          <a:lstStyle/>
           <a:p>
             <a:pPr algn="ctr" eaLnBrk="1" latinLnBrk="0" hangingPunct="1"/>
             <a:endParaRPr kumimoji="0" lang="en-US"/>
@@ -296,9 +312,7 @@
         </p:style>
         <p:txBody>
           <a:bodyPr anchor="ctr"/>
-          <a:lstStyle>
-            <a:extLst/>
-          </a:lstStyle>
+          <a:lstStyle/>
           <a:p>
             <a:pPr algn="ctr" eaLnBrk="1" latinLnBrk="0" hangingPunct="1"/>
             <a:endParaRPr kumimoji="0" lang="en-US"/>
@@ -345,7 +359,7 @@
           </a:lstStyle>
           <a:p>
             <a:r>
-              <a:rPr kumimoji="0" lang="pl-PL" smtClean="0"/>
+              <a:rPr kumimoji="0" lang="pl-PL"/>
               <a:t>Kliknij, aby edytować styl</a:t>
             </a:r>
             <a:endParaRPr kumimoji="0" lang="en-US"/>
@@ -412,7 +426,7 @@
           </a:lstStyle>
           <a:p>
             <a:r>
-              <a:rPr kumimoji="0" lang="pl-PL" smtClean="0"/>
+              <a:rPr kumimoji="0" lang="pl-PL"/>
               <a:t>Kliknij, aby edytować styl wzorca podtytułu</a:t>
             </a:r>
             <a:endParaRPr kumimoji="0" lang="en-US"/>
@@ -432,13 +446,11 @@
         <p:spPr/>
         <p:txBody>
           <a:bodyPr/>
-          <a:lstStyle>
-            <a:extLst/>
-          </a:lstStyle>
+          <a:lstStyle/>
           <a:p>
             <a:fld id="{2985609B-2F98-4665-80AE-902D6BB7ECF4}" type="datetimeFigureOut">
               <a:rPr lang="pl-PL" smtClean="0"/>
-              <a:t>2019-10-22</a:t>
+              <a:t>23.10.2019</a:t>
             </a:fld>
             <a:endParaRPr lang="pl-PL"/>
           </a:p>
@@ -457,9 +469,7 @@
         <p:spPr/>
         <p:txBody>
           <a:bodyPr/>
-          <a:lstStyle>
-            <a:extLst/>
-          </a:lstStyle>
+          <a:lstStyle/>
           <a:p>
             <a:endParaRPr lang="pl-PL"/>
           </a:p>
@@ -478,9 +488,7 @@
         <p:spPr/>
         <p:txBody>
           <a:bodyPr/>
-          <a:lstStyle>
-            <a:extLst/>
-          </a:lstStyle>
+          <a:lstStyle/>
           <a:p>
             <a:fld id="{A9B368B5-1EAF-4E9A-8C3D-268740D47196}" type="slidenum">
               <a:rPr lang="pl-PL" smtClean="0"/>
@@ -533,12 +541,10 @@
         </p:spPr>
         <p:txBody>
           <a:bodyPr/>
-          <a:lstStyle>
-            <a:extLst/>
-          </a:lstStyle>
-          <a:p>
-            <a:r>
-              <a:rPr kumimoji="0" lang="pl-PL" smtClean="0"/>
+          <a:lstStyle/>
+          <a:p>
+            <a:r>
+              <a:rPr kumimoji="0" lang="pl-PL"/>
               <a:t>Kliknij, aby edytować styl</a:t>
             </a:r>
             <a:endParaRPr kumimoji="0" lang="en-US"/>
@@ -563,41 +569,39 @@
         </p:spPr>
         <p:txBody>
           <a:bodyPr vert="eaVert"/>
-          <a:lstStyle>
-            <a:extLst/>
-          </a:lstStyle>
+          <a:lstStyle/>
           <a:p>
             <a:pPr lvl="0" eaLnBrk="1" latinLnBrk="0" hangingPunct="1"/>
             <a:r>
-              <a:rPr lang="pl-PL" smtClean="0"/>
+              <a:rPr lang="pl-PL"/>
               <a:t>Kliknij, aby edytować style wzorca tekstu</a:t>
             </a:r>
           </a:p>
           <a:p>
             <a:pPr lvl="1" eaLnBrk="1" latinLnBrk="0" hangingPunct="1"/>
             <a:r>
-              <a:rPr lang="pl-PL" smtClean="0"/>
+              <a:rPr lang="pl-PL"/>
               <a:t>Drugi poziom</a:t>
             </a:r>
           </a:p>
           <a:p>
             <a:pPr lvl="2" eaLnBrk="1" latinLnBrk="0" hangingPunct="1"/>
             <a:r>
-              <a:rPr lang="pl-PL" smtClean="0"/>
+              <a:rPr lang="pl-PL"/>
               <a:t>Trzeci poziom</a:t>
             </a:r>
           </a:p>
           <a:p>
             <a:pPr lvl="3" eaLnBrk="1" latinLnBrk="0" hangingPunct="1"/>
             <a:r>
-              <a:rPr lang="pl-PL" smtClean="0"/>
+              <a:rPr lang="pl-PL"/>
               <a:t>Czwarty poziom</a:t>
             </a:r>
           </a:p>
           <a:p>
             <a:pPr lvl="4" eaLnBrk="1" latinLnBrk="0" hangingPunct="1"/>
             <a:r>
-              <a:rPr lang="pl-PL" smtClean="0"/>
+              <a:rPr lang="pl-PL"/>
               <a:t>Piąty poziom</a:t>
             </a:r>
             <a:endParaRPr kumimoji="0" lang="en-US"/>
@@ -617,13 +621,11 @@
         <p:spPr/>
         <p:txBody>
           <a:bodyPr/>
-          <a:lstStyle>
-            <a:extLst/>
-          </a:lstStyle>
+          <a:lstStyle/>
           <a:p>
             <a:fld id="{2985609B-2F98-4665-80AE-902D6BB7ECF4}" type="datetimeFigureOut">
               <a:rPr lang="pl-PL" smtClean="0"/>
-              <a:t>2019-10-22</a:t>
+              <a:t>23.10.2019</a:t>
             </a:fld>
             <a:endParaRPr lang="pl-PL"/>
           </a:p>
@@ -642,9 +644,7 @@
         <p:spPr/>
         <p:txBody>
           <a:bodyPr/>
-          <a:lstStyle>
-            <a:extLst/>
-          </a:lstStyle>
+          <a:lstStyle/>
           <a:p>
             <a:endParaRPr lang="pl-PL"/>
           </a:p>
@@ -663,9 +663,7 @@
         <p:spPr/>
         <p:txBody>
           <a:bodyPr/>
-          <a:lstStyle>
-            <a:extLst/>
-          </a:lstStyle>
+          <a:lstStyle/>
           <a:p>
             <a:fld id="{A9B368B5-1EAF-4E9A-8C3D-268740D47196}" type="slidenum">
               <a:rPr lang="pl-PL" smtClean="0"/>
@@ -718,12 +716,10 @@
         </p:spPr>
         <p:txBody>
           <a:bodyPr vert="eaVert"/>
-          <a:lstStyle>
-            <a:extLst/>
-          </a:lstStyle>
-          <a:p>
-            <a:r>
-              <a:rPr kumimoji="0" lang="pl-PL" smtClean="0"/>
+          <a:lstStyle/>
+          <a:p>
+            <a:r>
+              <a:rPr kumimoji="0" lang="pl-PL"/>
               <a:t>Kliknij, aby edytować styl</a:t>
             </a:r>
             <a:endParaRPr kumimoji="0" lang="en-US"/>
@@ -748,41 +744,39 @@
         </p:spPr>
         <p:txBody>
           <a:bodyPr vert="eaVert"/>
-          <a:lstStyle>
-            <a:extLst/>
-          </a:lstStyle>
+          <a:lstStyle/>
           <a:p>
             <a:pPr lvl="0" eaLnBrk="1" latinLnBrk="0" hangingPunct="1"/>
             <a:r>
-              <a:rPr lang="pl-PL" smtClean="0"/>
+              <a:rPr lang="pl-PL"/>
               <a:t>Kliknij, aby edytować style wzorca tekstu</a:t>
             </a:r>
           </a:p>
           <a:p>
             <a:pPr lvl="1" eaLnBrk="1" latinLnBrk="0" hangingPunct="1"/>
             <a:r>
-              <a:rPr lang="pl-PL" smtClean="0"/>
+              <a:rPr lang="pl-PL"/>
               <a:t>Drugi poziom</a:t>
             </a:r>
           </a:p>
           <a:p>
             <a:pPr lvl="2" eaLnBrk="1" latinLnBrk="0" hangingPunct="1"/>
             <a:r>
-              <a:rPr lang="pl-PL" smtClean="0"/>
+              <a:rPr lang="pl-PL"/>
               <a:t>Trzeci poziom</a:t>
             </a:r>
           </a:p>
           <a:p>
             <a:pPr lvl="3" eaLnBrk="1" latinLnBrk="0" hangingPunct="1"/>
             <a:r>
-              <a:rPr lang="pl-PL" smtClean="0"/>
+              <a:rPr lang="pl-PL"/>
               <a:t>Czwarty poziom</a:t>
             </a:r>
           </a:p>
           <a:p>
             <a:pPr lvl="4" eaLnBrk="1" latinLnBrk="0" hangingPunct="1"/>
             <a:r>
-              <a:rPr lang="pl-PL" smtClean="0"/>
+              <a:rPr lang="pl-PL"/>
               <a:t>Piąty poziom</a:t>
             </a:r>
             <a:endParaRPr kumimoji="0" lang="en-US"/>
@@ -802,13 +796,11 @@
         <p:spPr/>
         <p:txBody>
           <a:bodyPr/>
-          <a:lstStyle>
-            <a:extLst/>
-          </a:lstStyle>
+          <a:lstStyle/>
           <a:p>
             <a:fld id="{2985609B-2F98-4665-80AE-902D6BB7ECF4}" type="datetimeFigureOut">
               <a:rPr lang="pl-PL" smtClean="0"/>
-              <a:t>2019-10-22</a:t>
+              <a:t>23.10.2019</a:t>
             </a:fld>
             <a:endParaRPr lang="pl-PL"/>
           </a:p>
@@ -827,9 +819,7 @@
         <p:spPr/>
         <p:txBody>
           <a:bodyPr/>
-          <a:lstStyle>
-            <a:extLst/>
-          </a:lstStyle>
+          <a:lstStyle/>
           <a:p>
             <a:endParaRPr lang="pl-PL"/>
           </a:p>
@@ -848,9 +838,7 @@
         <p:spPr/>
         <p:txBody>
           <a:bodyPr/>
-          <a:lstStyle>
-            <a:extLst/>
-          </a:lstStyle>
+          <a:lstStyle/>
           <a:p>
             <a:fld id="{A9B368B5-1EAF-4E9A-8C3D-268740D47196}" type="slidenum">
               <a:rPr lang="pl-PL" smtClean="0"/>
@@ -903,12 +891,10 @@
         </p:spPr>
         <p:txBody>
           <a:bodyPr/>
-          <a:lstStyle>
-            <a:extLst/>
-          </a:lstStyle>
-          <a:p>
-            <a:r>
-              <a:rPr kumimoji="0" lang="pl-PL" smtClean="0"/>
+          <a:lstStyle/>
+          <a:p>
+            <a:r>
+              <a:rPr kumimoji="0" lang="pl-PL"/>
               <a:t>Kliknij, aby edytować styl</a:t>
             </a:r>
             <a:endParaRPr kumimoji="0" lang="en-US"/>
@@ -933,41 +919,39 @@
         </p:spPr>
         <p:txBody>
           <a:bodyPr/>
-          <a:lstStyle>
-            <a:extLst/>
-          </a:lstStyle>
+          <a:lstStyle/>
           <a:p>
             <a:pPr lvl="0" eaLnBrk="1" latinLnBrk="0" hangingPunct="1"/>
             <a:r>
-              <a:rPr lang="pl-PL" smtClean="0"/>
+              <a:rPr lang="pl-PL"/>
               <a:t>Kliknij, aby edytować style wzorca tekstu</a:t>
             </a:r>
           </a:p>
           <a:p>
             <a:pPr lvl="1" eaLnBrk="1" latinLnBrk="0" hangingPunct="1"/>
             <a:r>
-              <a:rPr lang="pl-PL" smtClean="0"/>
+              <a:rPr lang="pl-PL"/>
               <a:t>Drugi poziom</a:t>
             </a:r>
           </a:p>
           <a:p>
             <a:pPr lvl="2" eaLnBrk="1" latinLnBrk="0" hangingPunct="1"/>
             <a:r>
-              <a:rPr lang="pl-PL" smtClean="0"/>
+              <a:rPr lang="pl-PL"/>
               <a:t>Trzeci poziom</a:t>
             </a:r>
           </a:p>
           <a:p>
             <a:pPr lvl="3" eaLnBrk="1" latinLnBrk="0" hangingPunct="1"/>
             <a:r>
-              <a:rPr lang="pl-PL" smtClean="0"/>
+              <a:rPr lang="pl-PL"/>
               <a:t>Czwarty poziom</a:t>
             </a:r>
           </a:p>
           <a:p>
             <a:pPr lvl="4" eaLnBrk="1" latinLnBrk="0" hangingPunct="1"/>
             <a:r>
-              <a:rPr lang="pl-PL" smtClean="0"/>
+              <a:rPr lang="pl-PL"/>
               <a:t>Piąty poziom</a:t>
             </a:r>
             <a:endParaRPr kumimoji="0" lang="en-US"/>
@@ -987,13 +971,11 @@
         <p:spPr/>
         <p:txBody>
           <a:bodyPr/>
-          <a:lstStyle>
-            <a:extLst/>
-          </a:lstStyle>
+          <a:lstStyle/>
           <a:p>
             <a:fld id="{2985609B-2F98-4665-80AE-902D6BB7ECF4}" type="datetimeFigureOut">
               <a:rPr lang="pl-PL" smtClean="0"/>
-              <a:t>2019-10-22</a:t>
+              <a:t>23.10.2019</a:t>
             </a:fld>
             <a:endParaRPr lang="pl-PL"/>
           </a:p>
@@ -1012,9 +994,7 @@
         <p:spPr/>
         <p:txBody>
           <a:bodyPr/>
-          <a:lstStyle>
-            <a:extLst/>
-          </a:lstStyle>
+          <a:lstStyle/>
           <a:p>
             <a:endParaRPr lang="pl-PL"/>
           </a:p>
@@ -1033,9 +1013,7 @@
         <p:spPr/>
         <p:txBody>
           <a:bodyPr/>
-          <a:lstStyle>
-            <a:extLst/>
-          </a:lstStyle>
+          <a:lstStyle/>
           <a:p>
             <a:fld id="{A9B368B5-1EAF-4E9A-8C3D-268740D47196}" type="slidenum">
               <a:rPr lang="pl-PL" smtClean="0"/>
@@ -1145,9 +1123,7 @@
         </p:style>
         <p:txBody>
           <a:bodyPr anchor="ctr"/>
-          <a:lstStyle>
-            <a:extLst/>
-          </a:lstStyle>
+          <a:lstStyle/>
           <a:p>
             <a:pPr algn="ctr" eaLnBrk="1" latinLnBrk="0" hangingPunct="1"/>
             <a:endParaRPr kumimoji="0" lang="en-US"/>
@@ -1217,9 +1193,7 @@
         </p:style>
         <p:txBody>
           <a:bodyPr anchor="ctr"/>
-          <a:lstStyle>
-            <a:extLst/>
-          </a:lstStyle>
+          <a:lstStyle/>
           <a:p>
             <a:pPr algn="ctr" eaLnBrk="1" latinLnBrk="0" hangingPunct="1"/>
             <a:endParaRPr kumimoji="0" lang="en-US"/>
@@ -1260,7 +1234,7 @@
           </a:lstStyle>
           <a:p>
             <a:r>
-              <a:rPr kumimoji="0" lang="pl-PL" smtClean="0"/>
+              <a:rPr kumimoji="0" lang="pl-PL"/>
               <a:t>Kliknij, aby edytować styl</a:t>
             </a:r>
             <a:endParaRPr kumimoji="0" lang="en-US"/>
@@ -1349,7 +1323,7 @@
           <a:p>
             <a:pPr lvl="0" eaLnBrk="1" latinLnBrk="0" hangingPunct="1"/>
             <a:r>
-              <a:rPr kumimoji="0" lang="pl-PL" smtClean="0"/>
+              <a:rPr kumimoji="0" lang="pl-PL"/>
               <a:t>Kliknij, aby edytować style wzorca tekstu</a:t>
             </a:r>
           </a:p>
@@ -1368,13 +1342,11 @@
         <p:spPr/>
         <p:txBody>
           <a:bodyPr/>
-          <a:lstStyle>
-            <a:extLst/>
-          </a:lstStyle>
+          <a:lstStyle/>
           <a:p>
             <a:fld id="{2985609B-2F98-4665-80AE-902D6BB7ECF4}" type="datetimeFigureOut">
               <a:rPr lang="pl-PL" smtClean="0"/>
-              <a:t>2019-10-22</a:t>
+              <a:t>23.10.2019</a:t>
             </a:fld>
             <a:endParaRPr lang="pl-PL"/>
           </a:p>
@@ -1393,9 +1365,7 @@
         <p:spPr/>
         <p:txBody>
           <a:bodyPr/>
-          <a:lstStyle>
-            <a:extLst/>
-          </a:lstStyle>
+          <a:lstStyle/>
           <a:p>
             <a:endParaRPr lang="pl-PL"/>
           </a:p>
@@ -1414,9 +1384,7 @@
         <p:spPr/>
         <p:txBody>
           <a:bodyPr/>
-          <a:lstStyle>
-            <a:extLst/>
-          </a:lstStyle>
+          <a:lstStyle/>
           <a:p>
             <a:fld id="{A9B368B5-1EAF-4E9A-8C3D-268740D47196}" type="slidenum">
               <a:rPr lang="pl-PL" smtClean="0"/>
@@ -1464,12 +1432,10 @@
         <p:spPr/>
         <p:txBody>
           <a:bodyPr/>
-          <a:lstStyle>
-            <a:extLst/>
-          </a:lstStyle>
-          <a:p>
-            <a:r>
-              <a:rPr kumimoji="0" lang="pl-PL" smtClean="0"/>
+          <a:lstStyle/>
+          <a:p>
+            <a:r>
+              <a:rPr kumimoji="0" lang="pl-PL"/>
               <a:t>Kliknij, aby edytować styl</a:t>
             </a:r>
             <a:endParaRPr kumimoji="0" lang="en-US"/>
@@ -1515,35 +1481,35 @@
           <a:p>
             <a:pPr lvl="0" eaLnBrk="1" latinLnBrk="0" hangingPunct="1"/>
             <a:r>
-              <a:rPr lang="pl-PL" smtClean="0"/>
+              <a:rPr lang="pl-PL"/>
               <a:t>Kliknij, aby edytować style wzorca tekstu</a:t>
             </a:r>
           </a:p>
           <a:p>
             <a:pPr lvl="1" eaLnBrk="1" latinLnBrk="0" hangingPunct="1"/>
             <a:r>
-              <a:rPr lang="pl-PL" smtClean="0"/>
+              <a:rPr lang="pl-PL"/>
               <a:t>Drugi poziom</a:t>
             </a:r>
           </a:p>
           <a:p>
             <a:pPr lvl="2" eaLnBrk="1" latinLnBrk="0" hangingPunct="1"/>
             <a:r>
-              <a:rPr lang="pl-PL" smtClean="0"/>
+              <a:rPr lang="pl-PL"/>
               <a:t>Trzeci poziom</a:t>
             </a:r>
           </a:p>
           <a:p>
             <a:pPr lvl="3" eaLnBrk="1" latinLnBrk="0" hangingPunct="1"/>
             <a:r>
-              <a:rPr lang="pl-PL" smtClean="0"/>
+              <a:rPr lang="pl-PL"/>
               <a:t>Czwarty poziom</a:t>
             </a:r>
           </a:p>
           <a:p>
             <a:pPr lvl="4" eaLnBrk="1" latinLnBrk="0" hangingPunct="1"/>
             <a:r>
-              <a:rPr lang="pl-PL" smtClean="0"/>
+              <a:rPr lang="pl-PL"/>
               <a:t>Piąty poziom</a:t>
             </a:r>
             <a:endParaRPr kumimoji="0" lang="en-US"/>
@@ -1589,35 +1555,35 @@
           <a:p>
             <a:pPr lvl="0" eaLnBrk="1" latinLnBrk="0" hangingPunct="1"/>
             <a:r>
-              <a:rPr lang="pl-PL" smtClean="0"/>
+              <a:rPr lang="pl-PL"/>
               <a:t>Kliknij, aby edytować style wzorca tekstu</a:t>
             </a:r>
           </a:p>
           <a:p>
             <a:pPr lvl="1" eaLnBrk="1" latinLnBrk="0" hangingPunct="1"/>
             <a:r>
-              <a:rPr lang="pl-PL" smtClean="0"/>
+              <a:rPr lang="pl-PL"/>
               <a:t>Drugi poziom</a:t>
             </a:r>
           </a:p>
           <a:p>
             <a:pPr lvl="2" eaLnBrk="1" latinLnBrk="0" hangingPunct="1"/>
             <a:r>
-              <a:rPr lang="pl-PL" smtClean="0"/>
+              <a:rPr lang="pl-PL"/>
               <a:t>Trzeci poziom</a:t>
             </a:r>
           </a:p>
           <a:p>
             <a:pPr lvl="3" eaLnBrk="1" latinLnBrk="0" hangingPunct="1"/>
             <a:r>
-              <a:rPr lang="pl-PL" smtClean="0"/>
+              <a:rPr lang="pl-PL"/>
               <a:t>Czwarty poziom</a:t>
             </a:r>
           </a:p>
           <a:p>
             <a:pPr lvl="4" eaLnBrk="1" latinLnBrk="0" hangingPunct="1"/>
             <a:r>
-              <a:rPr lang="pl-PL" smtClean="0"/>
+              <a:rPr lang="pl-PL"/>
               <a:t>Piąty poziom</a:t>
             </a:r>
             <a:endParaRPr kumimoji="0" lang="en-US"/>
@@ -1637,13 +1603,11 @@
         <p:spPr/>
         <p:txBody>
           <a:bodyPr/>
-          <a:lstStyle>
-            <a:extLst/>
-          </a:lstStyle>
+          <a:lstStyle/>
           <a:p>
             <a:fld id="{2985609B-2F98-4665-80AE-902D6BB7ECF4}" type="datetimeFigureOut">
               <a:rPr lang="pl-PL" smtClean="0"/>
-              <a:t>2019-10-22</a:t>
+              <a:t>23.10.2019</a:t>
             </a:fld>
             <a:endParaRPr lang="pl-PL"/>
           </a:p>
@@ -1662,9 +1626,7 @@
         <p:spPr/>
         <p:txBody>
           <a:bodyPr/>
-          <a:lstStyle>
-            <a:extLst/>
-          </a:lstStyle>
+          <a:lstStyle/>
           <a:p>
             <a:endParaRPr lang="pl-PL"/>
           </a:p>
@@ -1683,9 +1645,7 @@
         <p:spPr/>
         <p:txBody>
           <a:bodyPr/>
-          <a:lstStyle>
-            <a:extLst/>
-          </a:lstStyle>
+          <a:lstStyle/>
           <a:p>
             <a:fld id="{A9B368B5-1EAF-4E9A-8C3D-268740D47196}" type="slidenum">
               <a:rPr lang="pl-PL" smtClean="0"/>
@@ -1746,7 +1706,7 @@
           </a:lstStyle>
           <a:p>
             <a:r>
-              <a:rPr kumimoji="0" lang="pl-PL" smtClean="0"/>
+              <a:rPr kumimoji="0" lang="pl-PL"/>
               <a:t>Kliknij, aby edytować styl</a:t>
             </a:r>
             <a:endParaRPr kumimoji="0" lang="en-US"/>
@@ -1801,7 +1761,7 @@
           <a:p>
             <a:pPr lvl="0" eaLnBrk="1" latinLnBrk="0" hangingPunct="1"/>
             <a:r>
-              <a:rPr kumimoji="0" lang="pl-PL" smtClean="0"/>
+              <a:rPr kumimoji="0" lang="pl-PL"/>
               <a:t>Kliknij, aby edytować style wzorca tekstu</a:t>
             </a:r>
           </a:p>
@@ -1855,7 +1815,7 @@
           <a:p>
             <a:pPr lvl="0" eaLnBrk="1" latinLnBrk="0" hangingPunct="1"/>
             <a:r>
-              <a:rPr kumimoji="0" lang="pl-PL" smtClean="0"/>
+              <a:rPr kumimoji="0" lang="pl-PL"/>
               <a:t>Kliknij, aby edytować style wzorca tekstu</a:t>
             </a:r>
           </a:p>
@@ -1900,35 +1860,35 @@
           <a:p>
             <a:pPr lvl="0" eaLnBrk="1" latinLnBrk="0" hangingPunct="1"/>
             <a:r>
-              <a:rPr lang="pl-PL" smtClean="0"/>
+              <a:rPr lang="pl-PL"/>
               <a:t>Kliknij, aby edytować style wzorca tekstu</a:t>
             </a:r>
           </a:p>
           <a:p>
             <a:pPr lvl="1" eaLnBrk="1" latinLnBrk="0" hangingPunct="1"/>
             <a:r>
-              <a:rPr lang="pl-PL" smtClean="0"/>
+              <a:rPr lang="pl-PL"/>
               <a:t>Drugi poziom</a:t>
             </a:r>
           </a:p>
           <a:p>
             <a:pPr lvl="2" eaLnBrk="1" latinLnBrk="0" hangingPunct="1"/>
             <a:r>
-              <a:rPr lang="pl-PL" smtClean="0"/>
+              <a:rPr lang="pl-PL"/>
               <a:t>Trzeci poziom</a:t>
             </a:r>
           </a:p>
           <a:p>
             <a:pPr lvl="3" eaLnBrk="1" latinLnBrk="0" hangingPunct="1"/>
             <a:r>
-              <a:rPr lang="pl-PL" smtClean="0"/>
+              <a:rPr lang="pl-PL"/>
               <a:t>Czwarty poziom</a:t>
             </a:r>
           </a:p>
           <a:p>
             <a:pPr lvl="4" eaLnBrk="1" latinLnBrk="0" hangingPunct="1"/>
             <a:r>
-              <a:rPr lang="pl-PL" smtClean="0"/>
+              <a:rPr lang="pl-PL"/>
               <a:t>Piąty poziom</a:t>
             </a:r>
             <a:endParaRPr kumimoji="0" lang="en-US"/>
@@ -1974,35 +1934,35 @@
           <a:p>
             <a:pPr lvl="0" eaLnBrk="1" latinLnBrk="0" hangingPunct="1"/>
             <a:r>
-              <a:rPr lang="pl-PL" smtClean="0"/>
+              <a:rPr lang="pl-PL"/>
               <a:t>Kliknij, aby edytować style wzorca tekstu</a:t>
             </a:r>
           </a:p>
           <a:p>
             <a:pPr lvl="1" eaLnBrk="1" latinLnBrk="0" hangingPunct="1"/>
             <a:r>
-              <a:rPr lang="pl-PL" smtClean="0"/>
+              <a:rPr lang="pl-PL"/>
               <a:t>Drugi poziom</a:t>
             </a:r>
           </a:p>
           <a:p>
             <a:pPr lvl="2" eaLnBrk="1" latinLnBrk="0" hangingPunct="1"/>
             <a:r>
-              <a:rPr lang="pl-PL" smtClean="0"/>
+              <a:rPr lang="pl-PL"/>
               <a:t>Trzeci poziom</a:t>
             </a:r>
           </a:p>
           <a:p>
             <a:pPr lvl="3" eaLnBrk="1" latinLnBrk="0" hangingPunct="1"/>
             <a:r>
-              <a:rPr lang="pl-PL" smtClean="0"/>
+              <a:rPr lang="pl-PL"/>
               <a:t>Czwarty poziom</a:t>
             </a:r>
           </a:p>
           <a:p>
             <a:pPr lvl="4" eaLnBrk="1" latinLnBrk="0" hangingPunct="1"/>
             <a:r>
-              <a:rPr lang="pl-PL" smtClean="0"/>
+              <a:rPr lang="pl-PL"/>
               <a:t>Piąty poziom</a:t>
             </a:r>
             <a:endParaRPr kumimoji="0" lang="en-US"/>
@@ -2022,13 +1982,11 @@
         <p:spPr/>
         <p:txBody>
           <a:bodyPr/>
-          <a:lstStyle>
-            <a:extLst/>
-          </a:lstStyle>
+          <a:lstStyle/>
           <a:p>
             <a:fld id="{2985609B-2F98-4665-80AE-902D6BB7ECF4}" type="datetimeFigureOut">
               <a:rPr lang="pl-PL" smtClean="0"/>
-              <a:t>2019-10-22</a:t>
+              <a:t>23.10.2019</a:t>
             </a:fld>
             <a:endParaRPr lang="pl-PL"/>
           </a:p>
@@ -2047,9 +2005,7 @@
         <p:spPr/>
         <p:txBody>
           <a:bodyPr/>
-          <a:lstStyle>
-            <a:extLst/>
-          </a:lstStyle>
+          <a:lstStyle/>
           <a:p>
             <a:endParaRPr lang="pl-PL"/>
           </a:p>
@@ -2068,9 +2024,7 @@
         <p:spPr/>
         <p:txBody>
           <a:bodyPr/>
-          <a:lstStyle>
-            <a:extLst/>
-          </a:lstStyle>
+          <a:lstStyle/>
           <a:p>
             <a:fld id="{A9B368B5-1EAF-4E9A-8C3D-268740D47196}" type="slidenum">
               <a:rPr lang="pl-PL" smtClean="0"/>
@@ -2118,12 +2072,10 @@
         <p:spPr/>
         <p:txBody>
           <a:bodyPr/>
-          <a:lstStyle>
-            <a:extLst/>
-          </a:lstStyle>
-          <a:p>
-            <a:r>
-              <a:rPr kumimoji="0" lang="pl-PL" smtClean="0"/>
+          <a:lstStyle/>
+          <a:p>
+            <a:r>
+              <a:rPr kumimoji="0" lang="pl-PL"/>
               <a:t>Kliknij, aby edytować styl</a:t>
             </a:r>
             <a:endParaRPr kumimoji="0" lang="en-US"/>
@@ -2143,13 +2095,11 @@
         <p:spPr/>
         <p:txBody>
           <a:bodyPr/>
-          <a:lstStyle>
-            <a:extLst/>
-          </a:lstStyle>
+          <a:lstStyle/>
           <a:p>
             <a:fld id="{2985609B-2F98-4665-80AE-902D6BB7ECF4}" type="datetimeFigureOut">
               <a:rPr lang="pl-PL" smtClean="0"/>
-              <a:t>2019-10-22</a:t>
+              <a:t>23.10.2019</a:t>
             </a:fld>
             <a:endParaRPr lang="pl-PL"/>
           </a:p>
@@ -2168,9 +2118,7 @@
         <p:spPr/>
         <p:txBody>
           <a:bodyPr/>
-          <a:lstStyle>
-            <a:extLst/>
-          </a:lstStyle>
+          <a:lstStyle/>
           <a:p>
             <a:endParaRPr lang="pl-PL"/>
           </a:p>
@@ -2189,9 +2137,7 @@
         <p:spPr/>
         <p:txBody>
           <a:bodyPr/>
-          <a:lstStyle>
-            <a:extLst/>
-          </a:lstStyle>
+          <a:lstStyle/>
           <a:p>
             <a:fld id="{A9B368B5-1EAF-4E9A-8C3D-268740D47196}" type="slidenum">
               <a:rPr lang="pl-PL" smtClean="0"/>
@@ -2301,9 +2247,7 @@
         </p:style>
         <p:txBody>
           <a:bodyPr anchor="ctr"/>
-          <a:lstStyle>
-            <a:extLst/>
-          </a:lstStyle>
+          <a:lstStyle/>
           <a:p>
             <a:pPr algn="ctr" eaLnBrk="1" latinLnBrk="0" hangingPunct="1"/>
             <a:endParaRPr kumimoji="0" lang="en-US"/>
@@ -2323,13 +2267,11 @@
         <p:spPr/>
         <p:txBody>
           <a:bodyPr/>
-          <a:lstStyle>
-            <a:extLst/>
-          </a:lstStyle>
+          <a:lstStyle/>
           <a:p>
             <a:fld id="{2985609B-2F98-4665-80AE-902D6BB7ECF4}" type="datetimeFigureOut">
               <a:rPr lang="pl-PL" smtClean="0"/>
-              <a:t>2019-10-22</a:t>
+              <a:t>23.10.2019</a:t>
             </a:fld>
             <a:endParaRPr lang="pl-PL"/>
           </a:p>
@@ -2348,9 +2290,7 @@
         <p:spPr/>
         <p:txBody>
           <a:bodyPr/>
-          <a:lstStyle>
-            <a:extLst/>
-          </a:lstStyle>
+          <a:lstStyle/>
           <a:p>
             <a:endParaRPr lang="pl-PL"/>
           </a:p>
@@ -2369,9 +2309,7 @@
         <p:spPr/>
         <p:txBody>
           <a:bodyPr/>
-          <a:lstStyle>
-            <a:extLst/>
-          </a:lstStyle>
+          <a:lstStyle/>
           <a:p>
             <a:fld id="{A9B368B5-1EAF-4E9A-8C3D-268740D47196}" type="slidenum">
               <a:rPr lang="pl-PL" smtClean="0"/>
@@ -2437,7 +2375,7 @@
           </a:lstStyle>
           <a:p>
             <a:r>
-              <a:rPr kumimoji="0" lang="pl-PL" smtClean="0"/>
+              <a:rPr kumimoji="0" lang="pl-PL"/>
               <a:t>Kliknij, aby edytować styl</a:t>
             </a:r>
             <a:endParaRPr kumimoji="0" lang="en-US"/>
@@ -2511,35 +2449,35 @@
           <a:p>
             <a:pPr lvl="0" eaLnBrk="1" latinLnBrk="0" hangingPunct="1"/>
             <a:r>
-              <a:rPr lang="pl-PL" smtClean="0"/>
+              <a:rPr lang="pl-PL"/>
               <a:t>Kliknij, aby edytować style wzorca tekstu</a:t>
             </a:r>
           </a:p>
           <a:p>
             <a:pPr lvl="1" eaLnBrk="1" latinLnBrk="0" hangingPunct="1"/>
             <a:r>
-              <a:rPr lang="pl-PL" smtClean="0"/>
+              <a:rPr lang="pl-PL"/>
               <a:t>Drugi poziom</a:t>
             </a:r>
           </a:p>
           <a:p>
             <a:pPr lvl="2" eaLnBrk="1" latinLnBrk="0" hangingPunct="1"/>
             <a:r>
-              <a:rPr lang="pl-PL" smtClean="0"/>
+              <a:rPr lang="pl-PL"/>
               <a:t>Trzeci poziom</a:t>
             </a:r>
           </a:p>
           <a:p>
             <a:pPr lvl="3" eaLnBrk="1" latinLnBrk="0" hangingPunct="1"/>
             <a:r>
-              <a:rPr lang="pl-PL" smtClean="0"/>
+              <a:rPr lang="pl-PL"/>
               <a:t>Czwarty poziom</a:t>
             </a:r>
           </a:p>
           <a:p>
             <a:pPr lvl="4" eaLnBrk="1" latinLnBrk="0" hangingPunct="1"/>
             <a:r>
-              <a:rPr lang="pl-PL" smtClean="0"/>
+              <a:rPr lang="pl-PL"/>
               <a:t>Piąty poziom</a:t>
             </a:r>
             <a:endParaRPr kumimoji="0" lang="en-US"/>
@@ -2609,35 +2547,35 @@
           <a:p>
             <a:pPr lvl="0" eaLnBrk="1" latinLnBrk="0" hangingPunct="1"/>
             <a:r>
-              <a:rPr lang="pl-PL" smtClean="0"/>
+              <a:rPr lang="pl-PL"/>
               <a:t>Kliknij, aby edytować style wzorca tekstu</a:t>
             </a:r>
           </a:p>
           <a:p>
             <a:pPr lvl="1" eaLnBrk="1" latinLnBrk="0" hangingPunct="1"/>
             <a:r>
-              <a:rPr lang="pl-PL" smtClean="0"/>
+              <a:rPr lang="pl-PL"/>
               <a:t>Drugi poziom</a:t>
             </a:r>
           </a:p>
           <a:p>
             <a:pPr lvl="2" eaLnBrk="1" latinLnBrk="0" hangingPunct="1"/>
             <a:r>
-              <a:rPr lang="pl-PL" smtClean="0"/>
+              <a:rPr lang="pl-PL"/>
               <a:t>Trzeci poziom</a:t>
             </a:r>
           </a:p>
           <a:p>
             <a:pPr lvl="3" eaLnBrk="1" latinLnBrk="0" hangingPunct="1"/>
             <a:r>
-              <a:rPr lang="pl-PL" smtClean="0"/>
+              <a:rPr lang="pl-PL"/>
               <a:t>Czwarty poziom</a:t>
             </a:r>
           </a:p>
           <a:p>
             <a:pPr lvl="4" eaLnBrk="1" latinLnBrk="0" hangingPunct="1"/>
             <a:r>
-              <a:rPr lang="pl-PL" smtClean="0"/>
+              <a:rPr lang="pl-PL"/>
               <a:t>Piąty poziom</a:t>
             </a:r>
             <a:endParaRPr kumimoji="0" lang="en-US"/>
@@ -2657,13 +2595,11 @@
         <p:spPr/>
         <p:txBody>
           <a:bodyPr/>
-          <a:lstStyle>
-            <a:extLst/>
-          </a:lstStyle>
+          <a:lstStyle/>
           <a:p>
             <a:fld id="{2985609B-2F98-4665-80AE-902D6BB7ECF4}" type="datetimeFigureOut">
               <a:rPr lang="pl-PL" smtClean="0"/>
-              <a:t>2019-10-22</a:t>
+              <a:t>23.10.2019</a:t>
             </a:fld>
             <a:endParaRPr lang="pl-PL"/>
           </a:p>
@@ -2682,9 +2618,7 @@
         <p:spPr/>
         <p:txBody>
           <a:bodyPr/>
-          <a:lstStyle>
-            <a:extLst/>
-          </a:lstStyle>
+          <a:lstStyle/>
           <a:p>
             <a:endParaRPr lang="pl-PL"/>
           </a:p>
@@ -2703,9 +2637,7 @@
         <p:spPr/>
         <p:txBody>
           <a:bodyPr/>
-          <a:lstStyle>
-            <a:extLst/>
-          </a:lstStyle>
+          <a:lstStyle/>
           <a:p>
             <a:fld id="{A9B368B5-1EAF-4E9A-8C3D-268740D47196}" type="slidenum">
               <a:rPr lang="pl-PL" smtClean="0"/>
@@ -2815,9 +2747,7 @@
         </p:style>
         <p:txBody>
           <a:bodyPr anchor="ctr"/>
-          <a:lstStyle>
-            <a:extLst/>
-          </a:lstStyle>
+          <a:lstStyle/>
           <a:p>
             <a:pPr algn="ctr" eaLnBrk="1" latinLnBrk="0" hangingPunct="1"/>
             <a:endParaRPr kumimoji="0" lang="en-US"/>
@@ -2865,9 +2795,7 @@
         </p:style>
         <p:txBody>
           <a:bodyPr anchor="ctr"/>
-          <a:lstStyle>
-            <a:extLst/>
-          </a:lstStyle>
+          <a:lstStyle/>
           <a:p>
             <a:pPr algn="ctr" eaLnBrk="1" latinLnBrk="0" hangingPunct="1"/>
             <a:endParaRPr kumimoji="0" lang="en-US"/>
@@ -2908,7 +2836,7 @@
           </a:lstStyle>
           <a:p>
             <a:r>
-              <a:rPr kumimoji="0" lang="pl-PL" smtClean="0"/>
+              <a:rPr kumimoji="0" lang="pl-PL"/>
               <a:t>Kliknij, aby edytować styl</a:t>
             </a:r>
             <a:endParaRPr kumimoji="0" lang="en-US"/>
@@ -2978,35 +2906,35 @@
           <a:p>
             <a:pPr lvl="0" eaLnBrk="1" latinLnBrk="0" hangingPunct="1"/>
             <a:r>
-              <a:rPr lang="pl-PL" smtClean="0"/>
+              <a:rPr lang="pl-PL"/>
               <a:t>Kliknij, aby edytować style wzorca tekstu</a:t>
             </a:r>
           </a:p>
           <a:p>
             <a:pPr lvl="1" eaLnBrk="1" latinLnBrk="0" hangingPunct="1"/>
             <a:r>
-              <a:rPr lang="pl-PL" smtClean="0"/>
+              <a:rPr lang="pl-PL"/>
               <a:t>Drugi poziom</a:t>
             </a:r>
           </a:p>
           <a:p>
             <a:pPr lvl="2" eaLnBrk="1" latinLnBrk="0" hangingPunct="1"/>
             <a:r>
-              <a:rPr lang="pl-PL" smtClean="0"/>
+              <a:rPr lang="pl-PL"/>
               <a:t>Trzeci poziom</a:t>
             </a:r>
           </a:p>
           <a:p>
             <a:pPr lvl="3" eaLnBrk="1" latinLnBrk="0" hangingPunct="1"/>
             <a:r>
-              <a:rPr lang="pl-PL" smtClean="0"/>
+              <a:rPr lang="pl-PL"/>
               <a:t>Czwarty poziom</a:t>
             </a:r>
           </a:p>
           <a:p>
             <a:pPr lvl="4" eaLnBrk="1" latinLnBrk="0" hangingPunct="1"/>
             <a:r>
-              <a:rPr lang="pl-PL" smtClean="0"/>
+              <a:rPr lang="pl-PL"/>
               <a:t>Piąty poziom</a:t>
             </a:r>
             <a:endParaRPr kumimoji="0" lang="en-US"/>
@@ -3026,13 +2954,11 @@
         <p:spPr/>
         <p:txBody>
           <a:bodyPr/>
-          <a:lstStyle>
-            <a:extLst/>
-          </a:lstStyle>
+          <a:lstStyle/>
           <a:p>
             <a:fld id="{2985609B-2F98-4665-80AE-902D6BB7ECF4}" type="datetimeFigureOut">
               <a:rPr lang="pl-PL" smtClean="0"/>
-              <a:t>2019-10-22</a:t>
+              <a:t>23.10.2019</a:t>
             </a:fld>
             <a:endParaRPr lang="pl-PL"/>
           </a:p>
@@ -3051,9 +2977,7 @@
         <p:spPr/>
         <p:txBody>
           <a:bodyPr/>
-          <a:lstStyle>
-            <a:extLst/>
-          </a:lstStyle>
+          <a:lstStyle/>
           <a:p>
             <a:endParaRPr lang="pl-PL"/>
           </a:p>
@@ -3072,9 +2996,7 @@
         <p:spPr/>
         <p:txBody>
           <a:bodyPr/>
-          <a:lstStyle>
-            <a:extLst/>
-          </a:lstStyle>
+          <a:lstStyle/>
           <a:p>
             <a:fld id="{A9B368B5-1EAF-4E9A-8C3D-268740D47196}" type="slidenum">
               <a:rPr lang="pl-PL" smtClean="0"/>
@@ -3122,7 +3044,7 @@
           </a:lstStyle>
           <a:p>
             <a:r>
-              <a:rPr kumimoji="0" lang="pl-PL" smtClean="0"/>
+              <a:rPr kumimoji="0" lang="pl-PL"/>
               <a:t>Kliknij ikonę, aby dodać obraz</a:t>
             </a:r>
             <a:endParaRPr kumimoji="0" lang="en-US"/>
@@ -3234,9 +3156,7 @@
         </p:style>
         <p:txBody>
           <a:bodyPr anchor="ctr"/>
-          <a:lstStyle>
-            <a:extLst/>
-          </a:lstStyle>
+          <a:lstStyle/>
           <a:p>
             <a:pPr algn="ctr" eaLnBrk="1" latinLnBrk="0" hangingPunct="1"/>
             <a:endParaRPr kumimoji="0" lang="en-US"/>
@@ -3306,9 +3226,7 @@
         </p:style>
         <p:txBody>
           <a:bodyPr anchor="ctr"/>
-          <a:lstStyle>
-            <a:extLst/>
-          </a:lstStyle>
+          <a:lstStyle/>
           <a:p>
             <a:pPr algn="ctr" eaLnBrk="1" latinLnBrk="0" hangingPunct="1"/>
             <a:endParaRPr kumimoji="0" lang="en-US"/>
@@ -3338,12 +3256,10 @@
           <a:bodyPr vert="horz" anchor="b">
             <a:normAutofit/>
           </a:bodyPr>
-          <a:lstStyle>
-            <a:extLst/>
-          </a:lstStyle>
-          <a:p>
-            <a:r>
-              <a:rPr kumimoji="0" lang="pl-PL" smtClean="0"/>
+          <a:lstStyle/>
+          <a:p>
+            <a:r>
+              <a:rPr kumimoji="0" lang="pl-PL"/>
               <a:t>Kliknij, aby edytować styl</a:t>
             </a:r>
             <a:endParaRPr kumimoji="0" lang="en-US"/>
@@ -3373,41 +3289,39 @@
           <a:bodyPr vert="horz" lIns="182880" tIns="91440">
             <a:normAutofit/>
           </a:bodyPr>
-          <a:lstStyle>
-            <a:extLst/>
-          </a:lstStyle>
+          <a:lstStyle/>
           <a:p>
             <a:pPr lvl="0" eaLnBrk="1" latinLnBrk="0" hangingPunct="1"/>
             <a:r>
-              <a:rPr kumimoji="0" lang="pl-PL" smtClean="0"/>
+              <a:rPr kumimoji="0" lang="pl-PL"/>
               <a:t>Kliknij, aby edytować style wzorca tekstu</a:t>
             </a:r>
           </a:p>
           <a:p>
             <a:pPr lvl="1" eaLnBrk="1" latinLnBrk="0" hangingPunct="1"/>
             <a:r>
-              <a:rPr kumimoji="0" lang="pl-PL" smtClean="0"/>
+              <a:rPr kumimoji="0" lang="pl-PL"/>
               <a:t>Drugi poziom</a:t>
             </a:r>
           </a:p>
           <a:p>
             <a:pPr lvl="2" eaLnBrk="1" latinLnBrk="0" hangingPunct="1"/>
             <a:r>
-              <a:rPr kumimoji="0" lang="pl-PL" smtClean="0"/>
+              <a:rPr kumimoji="0" lang="pl-PL"/>
               <a:t>Trzeci poziom</a:t>
             </a:r>
           </a:p>
           <a:p>
             <a:pPr lvl="3" eaLnBrk="1" latinLnBrk="0" hangingPunct="1"/>
             <a:r>
-              <a:rPr kumimoji="0" lang="pl-PL" smtClean="0"/>
+              <a:rPr kumimoji="0" lang="pl-PL"/>
               <a:t>Czwarty poziom</a:t>
             </a:r>
           </a:p>
           <a:p>
             <a:pPr lvl="4" eaLnBrk="1" latinLnBrk="0" hangingPunct="1"/>
             <a:r>
-              <a:rPr kumimoji="0" lang="pl-PL" smtClean="0"/>
+              <a:rPr kumimoji="0" lang="pl-PL"/>
               <a:t>Piąty poziom</a:t>
             </a:r>
             <a:endParaRPr kumimoji="0" lang="en-US"/>
@@ -3450,7 +3364,7 @@
           <a:p>
             <a:fld id="{2985609B-2F98-4665-80AE-902D6BB7ECF4}" type="datetimeFigureOut">
               <a:rPr lang="pl-PL" smtClean="0"/>
-              <a:t>2019-10-22</a:t>
+              <a:t>23.10.2019</a:t>
             </a:fld>
             <a:endParaRPr lang="pl-PL"/>
           </a:p>
@@ -3906,22 +3820,21 @@
           <a:lstStyle/>
           <a:p>
             <a:r>
-              <a:rPr lang="pl-PL" dirty="0" err="1" smtClean="0"/>
+              <a:rPr lang="pl-PL" dirty="0" err="1"/>
               <a:t>Kubernetes</a:t>
             </a:r>
             <a:r>
-              <a:rPr lang="pl-PL" dirty="0" smtClean="0"/>
+              <a:rPr lang="pl-PL" dirty="0"/>
               <a:t> </a:t>
             </a:r>
             <a:r>
-              <a:rPr lang="pl-PL" dirty="0" err="1" smtClean="0"/>
+              <a:rPr lang="pl-PL" dirty="0" err="1"/>
               <a:t>at</a:t>
             </a:r>
             <a:r>
-              <a:rPr lang="pl-PL" dirty="0" smtClean="0"/>
+              <a:rPr lang="pl-PL" dirty="0"/>
               <a:t> war on Azure</a:t>
             </a:r>
-            <a:endParaRPr lang="pl-PL" dirty="0"/>
           </a:p>
         </p:txBody>
       </p:sp>
@@ -3941,16 +3854,15 @@
           <a:lstStyle/>
           <a:p>
             <a:r>
-              <a:rPr lang="pl-PL" dirty="0" smtClean="0"/>
+              <a:rPr lang="pl-PL" dirty="0"/>
               <a:t>Krzysztof Pudłowski</a:t>
             </a:r>
           </a:p>
           <a:p>
             <a:r>
-              <a:rPr lang="pl-PL" dirty="0" smtClean="0"/>
+              <a:rPr lang="pl-PL" dirty="0"/>
               <a:t>Łódź, 23.10.2019</a:t>
             </a:r>
-            <a:endParaRPr lang="pl-PL" dirty="0"/>
           </a:p>
         </p:txBody>
       </p:sp>
@@ -3964,13 +3876,6 @@
   <p:clrMapOvr>
     <a:masterClrMapping/>
   </p:clrMapOvr>
-  <p:timing>
-    <p:tnLst>
-      <p:par>
-        <p:cTn id="1" dur="indefinite" restart="never" nodeType="tmRoot"/>
-      </p:par>
-    </p:tnLst>
-  </p:timing>
 </p:sld>
 </file>
 
@@ -4007,708 +3912,123 @@
           <a:lstStyle/>
           <a:p>
             <a:r>
-              <a:rPr lang="pl-PL" dirty="0" err="1" smtClean="0"/>
-              <a:t>Container</a:t>
-            </a:r>
-            <a:r>
-              <a:rPr lang="pl-PL" dirty="0" smtClean="0"/>
-              <a:t> </a:t>
-            </a:r>
-            <a:r>
-              <a:rPr lang="pl-PL" dirty="0" err="1" smtClean="0"/>
-              <a:t>limits</a:t>
-            </a:r>
+              <a:rPr lang="pl-PL" dirty="0"/>
+              <a:t>Memory</a:t>
+            </a:r>
+          </a:p>
+        </p:txBody>
+      </p:sp>
+      <p:sp>
+        <p:nvSpPr>
+          <p:cNvPr id="3" name="Symbol zastępczy zawartości 2"/>
+          <p:cNvSpPr>
+            <a:spLocks noGrp="1"/>
+          </p:cNvSpPr>
+          <p:nvPr>
+            <p:ph idx="1"/>
+          </p:nvPr>
+        </p:nvSpPr>
+        <p:spPr/>
+        <p:txBody>
+          <a:bodyPr>
+            <a:normAutofit fontScale="92500" lnSpcReduction="20000"/>
+          </a:bodyPr>
+          <a:lstStyle/>
+          <a:p>
+            <a:r>
+              <a:rPr lang="en-US" dirty="0"/>
+              <a:t>Memory is measured in bytes. However, you can express memory with various suffixes (E,P,T,G,M,K and </a:t>
+            </a:r>
+            <a:r>
+              <a:rPr lang="en-US" dirty="0" err="1"/>
+              <a:t>Ei</a:t>
+            </a:r>
+            <a:r>
+              <a:rPr lang="en-US" dirty="0"/>
+              <a:t>, Pi, </a:t>
+            </a:r>
+            <a:r>
+              <a:rPr lang="en-US" dirty="0" err="1"/>
+              <a:t>Ti</a:t>
+            </a:r>
+            <a:r>
+              <a:rPr lang="en-US" dirty="0"/>
+              <a:t>, </a:t>
+            </a:r>
+            <a:r>
+              <a:rPr lang="en-US" dirty="0" err="1"/>
+              <a:t>Gi</a:t>
+            </a:r>
+            <a:r>
+              <a:rPr lang="en-US" dirty="0"/>
+              <a:t>, </a:t>
+            </a:r>
+            <a:r>
+              <a:rPr lang="en-US" dirty="0" err="1"/>
+              <a:t>Mi</a:t>
+            </a:r>
+            <a:r>
+              <a:rPr lang="en-US" dirty="0"/>
+              <a:t>, Ki) to express </a:t>
+            </a:r>
+            <a:r>
+              <a:rPr lang="en-US" dirty="0" err="1"/>
+              <a:t>mebibytes</a:t>
+            </a:r>
+            <a:r>
+              <a:rPr lang="en-US" dirty="0"/>
+              <a:t> (</a:t>
+            </a:r>
+            <a:r>
+              <a:rPr lang="en-US" dirty="0" err="1"/>
+              <a:t>Mi</a:t>
+            </a:r>
+            <a:r>
+              <a:rPr lang="en-US" dirty="0"/>
+              <a:t>) to petabytes (Pi). </a:t>
+            </a:r>
+            <a:r>
+              <a:rPr lang="en-US" b="1" dirty="0"/>
+              <a:t>Most simply use Mi</a:t>
+            </a:r>
+            <a:r>
+              <a:rPr lang="en-US" dirty="0"/>
+              <a:t>.</a:t>
+            </a:r>
+          </a:p>
+          <a:p>
+            <a:r>
+              <a:rPr lang="en-US" dirty="0"/>
+              <a:t>Like CPU, </a:t>
+            </a:r>
+            <a:r>
+              <a:rPr lang="en-US" dirty="0">
+                <a:solidFill>
+                  <a:srgbClr val="FF0000"/>
+                </a:solidFill>
+              </a:rPr>
+              <a:t>pods will never be scheduled if they require more resources than the capacity of a node</a:t>
+            </a:r>
+            <a:r>
+              <a:rPr lang="en-US" dirty="0"/>
+              <a:t>. Unlike CPU, memory is not compressible. You can’t make memory run slower or faster like CPU or network throttling. Pods will be terminated if it reaches the memory limit.</a:t>
+            </a:r>
+          </a:p>
+          <a:p>
             <a:endParaRPr lang="pl-PL" dirty="0"/>
-          </a:p>
-        </p:txBody>
-      </p:sp>
-      <p:sp>
-        <p:nvSpPr>
-          <p:cNvPr id="3" name="Symbol zastępczy zawartości 2"/>
-          <p:cNvSpPr>
-            <a:spLocks noGrp="1"/>
-          </p:cNvSpPr>
-          <p:nvPr>
-            <p:ph idx="1"/>
-          </p:nvPr>
-        </p:nvSpPr>
-        <p:spPr>
-          <a:xfrm>
-            <a:off x="502920" y="530352"/>
-            <a:ext cx="4069080" cy="3258688"/>
-          </a:xfrm>
-        </p:spPr>
-        <p:txBody>
-          <a:bodyPr>
-            <a:normAutofit/>
-          </a:bodyPr>
-          <a:lstStyle/>
-          <a:p>
-            <a:pPr marL="0" indent="0">
-              <a:buNone/>
-            </a:pPr>
-            <a:r>
-              <a:rPr lang="pl-PL" sz="1900" dirty="0" err="1">
-                <a:solidFill>
-                  <a:srgbClr val="FF0000"/>
-                </a:solidFill>
-              </a:rPr>
-              <a:t>apiVersion</a:t>
-            </a:r>
-            <a:r>
-              <a:rPr lang="pl-PL" sz="1900" dirty="0">
-                <a:solidFill>
-                  <a:srgbClr val="FF0000"/>
-                </a:solidFill>
-              </a:rPr>
-              <a:t>: v1</a:t>
-            </a:r>
-          </a:p>
-          <a:p>
-            <a:pPr marL="0" indent="0">
-              <a:buNone/>
-            </a:pPr>
-            <a:r>
-              <a:rPr lang="pl-PL" sz="1900" dirty="0" err="1">
-                <a:solidFill>
-                  <a:srgbClr val="FF0000"/>
-                </a:solidFill>
-              </a:rPr>
-              <a:t>kind</a:t>
-            </a:r>
-            <a:r>
-              <a:rPr lang="pl-PL" sz="1900" dirty="0">
-                <a:solidFill>
-                  <a:srgbClr val="FF0000"/>
-                </a:solidFill>
-              </a:rPr>
-              <a:t>: Pod</a:t>
-            </a:r>
-          </a:p>
-          <a:p>
-            <a:pPr marL="0" indent="0">
-              <a:buNone/>
-            </a:pPr>
-            <a:r>
-              <a:rPr lang="pl-PL" sz="1900" dirty="0" err="1">
-                <a:solidFill>
-                  <a:srgbClr val="FF0000"/>
-                </a:solidFill>
-              </a:rPr>
-              <a:t>metadata</a:t>
-            </a:r>
-            <a:r>
-              <a:rPr lang="pl-PL" sz="1900" dirty="0">
-                <a:solidFill>
-                  <a:srgbClr val="FF0000"/>
-                </a:solidFill>
-              </a:rPr>
-              <a:t>:</a:t>
-            </a:r>
-          </a:p>
-          <a:p>
-            <a:pPr marL="0" indent="0">
-              <a:buNone/>
-            </a:pPr>
-            <a:r>
-              <a:rPr lang="pl-PL" sz="1900" dirty="0">
-                <a:solidFill>
-                  <a:srgbClr val="FF0000"/>
-                </a:solidFill>
-              </a:rPr>
-              <a:t>  </a:t>
-            </a:r>
-            <a:r>
-              <a:rPr lang="pl-PL" sz="1900" dirty="0" err="1">
-                <a:solidFill>
-                  <a:srgbClr val="FF0000"/>
-                </a:solidFill>
-              </a:rPr>
-              <a:t>name</a:t>
-            </a:r>
-            <a:r>
-              <a:rPr lang="pl-PL" sz="1900" dirty="0">
-                <a:solidFill>
-                  <a:srgbClr val="FF0000"/>
-                </a:solidFill>
-              </a:rPr>
-              <a:t>: pod-quota-1</a:t>
-            </a:r>
-          </a:p>
-          <a:p>
-            <a:pPr marL="0" indent="0">
-              <a:buNone/>
-            </a:pPr>
-            <a:r>
-              <a:rPr lang="pl-PL" sz="1900" dirty="0">
-                <a:solidFill>
-                  <a:srgbClr val="FF0000"/>
-                </a:solidFill>
-              </a:rPr>
-              <a:t>spec:</a:t>
-            </a:r>
-          </a:p>
-          <a:p>
-            <a:pPr marL="0" indent="0">
-              <a:buNone/>
-            </a:pPr>
-            <a:r>
-              <a:rPr lang="pl-PL" sz="1900" dirty="0">
-                <a:solidFill>
-                  <a:srgbClr val="FF0000"/>
-                </a:solidFill>
-              </a:rPr>
-              <a:t>  </a:t>
-            </a:r>
-            <a:r>
-              <a:rPr lang="pl-PL" sz="1900" dirty="0" err="1">
-                <a:solidFill>
-                  <a:srgbClr val="FF0000"/>
-                </a:solidFill>
-              </a:rPr>
-              <a:t>containers</a:t>
-            </a:r>
-            <a:r>
-              <a:rPr lang="pl-PL" sz="1900" dirty="0">
-                <a:solidFill>
-                  <a:srgbClr val="FF0000"/>
-                </a:solidFill>
-              </a:rPr>
-              <a:t>:</a:t>
-            </a:r>
-          </a:p>
-          <a:p>
-            <a:pPr marL="0" indent="0">
-              <a:buNone/>
-            </a:pPr>
-            <a:r>
-              <a:rPr lang="pl-PL" sz="1900" dirty="0">
-                <a:solidFill>
-                  <a:srgbClr val="FF0000"/>
-                </a:solidFill>
-              </a:rPr>
-              <a:t>  - </a:t>
-            </a:r>
-            <a:r>
-              <a:rPr lang="pl-PL" sz="1900" dirty="0" err="1">
-                <a:solidFill>
-                  <a:srgbClr val="FF0000"/>
-                </a:solidFill>
-              </a:rPr>
-              <a:t>name</a:t>
-            </a:r>
-            <a:r>
-              <a:rPr lang="pl-PL" sz="1900" dirty="0">
-                <a:solidFill>
-                  <a:srgbClr val="FF0000"/>
-                </a:solidFill>
-              </a:rPr>
-              <a:t>: pod-quota-1</a:t>
-            </a:r>
-          </a:p>
-          <a:p>
-            <a:pPr marL="0" indent="0">
-              <a:buNone/>
-            </a:pPr>
-            <a:r>
-              <a:rPr lang="pl-PL" sz="1900" dirty="0">
-                <a:solidFill>
-                  <a:srgbClr val="FF0000"/>
-                </a:solidFill>
-              </a:rPr>
-              <a:t>    image: </a:t>
-            </a:r>
-            <a:r>
-              <a:rPr lang="pl-PL" sz="1900" dirty="0" err="1" smtClean="0">
-                <a:solidFill>
-                  <a:srgbClr val="FF0000"/>
-                </a:solidFill>
-              </a:rPr>
-              <a:t>nginx</a:t>
-            </a:r>
-            <a:endParaRPr lang="pl-PL" sz="1900" dirty="0" smtClean="0">
-              <a:solidFill>
-                <a:srgbClr val="FF0000"/>
-              </a:solidFill>
-            </a:endParaRPr>
-          </a:p>
-          <a:p>
-            <a:endParaRPr lang="pl-PL" dirty="0"/>
-          </a:p>
-        </p:txBody>
-      </p:sp>
-      <p:sp>
-        <p:nvSpPr>
-          <p:cNvPr id="6" name="Prostokąt 5"/>
-          <p:cNvSpPr/>
-          <p:nvPr/>
-        </p:nvSpPr>
-        <p:spPr>
-          <a:xfrm>
-            <a:off x="4139952" y="692696"/>
-            <a:ext cx="4572000" cy="4524315"/>
-          </a:xfrm>
-          <a:prstGeom prst="rect">
-            <a:avLst/>
-          </a:prstGeom>
-        </p:spPr>
-        <p:txBody>
-          <a:bodyPr>
-            <a:spAutoFit/>
-          </a:bodyPr>
-          <a:lstStyle/>
-          <a:p>
-            <a:r>
-              <a:rPr lang="pl-PL" dirty="0" err="1">
-                <a:solidFill>
-                  <a:schemeClr val="accent4">
-                    <a:lumMod val="50000"/>
-                  </a:schemeClr>
-                </a:solidFill>
-              </a:rPr>
-              <a:t>apiVersion</a:t>
-            </a:r>
-            <a:r>
-              <a:rPr lang="pl-PL" dirty="0">
-                <a:solidFill>
-                  <a:schemeClr val="accent4">
-                    <a:lumMod val="50000"/>
-                  </a:schemeClr>
-                </a:solidFill>
-              </a:rPr>
-              <a:t>: v1</a:t>
-            </a:r>
-          </a:p>
-          <a:p>
-            <a:r>
-              <a:rPr lang="pl-PL" dirty="0" err="1">
-                <a:solidFill>
-                  <a:schemeClr val="accent4">
-                    <a:lumMod val="50000"/>
-                  </a:schemeClr>
-                </a:solidFill>
-              </a:rPr>
-              <a:t>kind</a:t>
-            </a:r>
-            <a:r>
-              <a:rPr lang="pl-PL" dirty="0">
-                <a:solidFill>
-                  <a:schemeClr val="accent4">
-                    <a:lumMod val="50000"/>
-                  </a:schemeClr>
-                </a:solidFill>
-              </a:rPr>
-              <a:t>: Pod</a:t>
-            </a:r>
-          </a:p>
-          <a:p>
-            <a:r>
-              <a:rPr lang="pl-PL" dirty="0" err="1">
-                <a:solidFill>
-                  <a:schemeClr val="accent4">
-                    <a:lumMod val="50000"/>
-                  </a:schemeClr>
-                </a:solidFill>
-              </a:rPr>
-              <a:t>metadata</a:t>
-            </a:r>
-            <a:r>
-              <a:rPr lang="pl-PL" dirty="0">
-                <a:solidFill>
-                  <a:schemeClr val="accent4">
-                    <a:lumMod val="50000"/>
-                  </a:schemeClr>
-                </a:solidFill>
-              </a:rPr>
-              <a:t>:</a:t>
-            </a:r>
-          </a:p>
-          <a:p>
-            <a:r>
-              <a:rPr lang="pl-PL" dirty="0">
-                <a:solidFill>
-                  <a:schemeClr val="accent4">
-                    <a:lumMod val="50000"/>
-                  </a:schemeClr>
-                </a:solidFill>
-              </a:rPr>
-              <a:t>  </a:t>
-            </a:r>
-            <a:r>
-              <a:rPr lang="pl-PL" dirty="0" err="1">
-                <a:solidFill>
-                  <a:schemeClr val="accent4">
-                    <a:lumMod val="50000"/>
-                  </a:schemeClr>
-                </a:solidFill>
-              </a:rPr>
-              <a:t>name</a:t>
-            </a:r>
-            <a:r>
-              <a:rPr lang="pl-PL" dirty="0">
-                <a:solidFill>
-                  <a:schemeClr val="accent4">
-                    <a:lumMod val="50000"/>
-                  </a:schemeClr>
-                </a:solidFill>
-              </a:rPr>
-              <a:t>: pod-quota-2</a:t>
-            </a:r>
-          </a:p>
-          <a:p>
-            <a:r>
-              <a:rPr lang="pl-PL" dirty="0">
-                <a:solidFill>
-                  <a:schemeClr val="accent4">
-                    <a:lumMod val="50000"/>
-                  </a:schemeClr>
-                </a:solidFill>
-              </a:rPr>
-              <a:t>spec:</a:t>
-            </a:r>
-          </a:p>
-          <a:p>
-            <a:r>
-              <a:rPr lang="pl-PL" dirty="0">
-                <a:solidFill>
-                  <a:schemeClr val="accent4">
-                    <a:lumMod val="50000"/>
-                  </a:schemeClr>
-                </a:solidFill>
-              </a:rPr>
-              <a:t>  </a:t>
-            </a:r>
-            <a:r>
-              <a:rPr lang="pl-PL" dirty="0" err="1">
-                <a:solidFill>
-                  <a:schemeClr val="accent4">
-                    <a:lumMod val="50000"/>
-                  </a:schemeClr>
-                </a:solidFill>
-              </a:rPr>
-              <a:t>containers</a:t>
-            </a:r>
-            <a:r>
-              <a:rPr lang="pl-PL" dirty="0">
-                <a:solidFill>
-                  <a:schemeClr val="accent4">
-                    <a:lumMod val="50000"/>
-                  </a:schemeClr>
-                </a:solidFill>
-              </a:rPr>
-              <a:t>:</a:t>
-            </a:r>
-          </a:p>
-          <a:p>
-            <a:r>
-              <a:rPr lang="pl-PL" dirty="0">
-                <a:solidFill>
-                  <a:schemeClr val="accent4">
-                    <a:lumMod val="50000"/>
-                  </a:schemeClr>
-                </a:solidFill>
-              </a:rPr>
-              <a:t>  - </a:t>
-            </a:r>
-            <a:r>
-              <a:rPr lang="pl-PL" dirty="0" err="1">
-                <a:solidFill>
-                  <a:schemeClr val="accent4">
-                    <a:lumMod val="50000"/>
-                  </a:schemeClr>
-                </a:solidFill>
-              </a:rPr>
-              <a:t>name</a:t>
-            </a:r>
-            <a:r>
-              <a:rPr lang="pl-PL" dirty="0">
-                <a:solidFill>
-                  <a:schemeClr val="accent4">
-                    <a:lumMod val="50000"/>
-                  </a:schemeClr>
-                </a:solidFill>
-              </a:rPr>
-              <a:t>: pod-quota-2</a:t>
-            </a:r>
-          </a:p>
-          <a:p>
-            <a:r>
-              <a:rPr lang="pl-PL" dirty="0">
-                <a:solidFill>
-                  <a:schemeClr val="accent4">
-                    <a:lumMod val="50000"/>
-                  </a:schemeClr>
-                </a:solidFill>
-              </a:rPr>
-              <a:t>    image: </a:t>
-            </a:r>
-            <a:r>
-              <a:rPr lang="pl-PL" dirty="0" err="1">
-                <a:solidFill>
-                  <a:schemeClr val="accent4">
-                    <a:lumMod val="50000"/>
-                  </a:schemeClr>
-                </a:solidFill>
-              </a:rPr>
-              <a:t>redis</a:t>
-            </a:r>
-            <a:endParaRPr lang="pl-PL" dirty="0">
-              <a:solidFill>
-                <a:schemeClr val="accent4">
-                  <a:lumMod val="50000"/>
-                </a:schemeClr>
-              </a:solidFill>
-            </a:endParaRPr>
-          </a:p>
-          <a:p>
-            <a:r>
-              <a:rPr lang="pl-PL" b="1" dirty="0">
-                <a:solidFill>
-                  <a:schemeClr val="accent4">
-                    <a:lumMod val="50000"/>
-                  </a:schemeClr>
-                </a:solidFill>
-              </a:rPr>
-              <a:t>    </a:t>
-            </a:r>
-            <a:r>
-              <a:rPr lang="pl-PL" b="1" dirty="0" err="1">
-                <a:solidFill>
-                  <a:schemeClr val="accent4">
-                    <a:lumMod val="50000"/>
-                  </a:schemeClr>
-                </a:solidFill>
-              </a:rPr>
-              <a:t>resources</a:t>
-            </a:r>
-            <a:r>
-              <a:rPr lang="pl-PL" b="1" dirty="0">
-                <a:solidFill>
-                  <a:schemeClr val="accent4">
-                    <a:lumMod val="50000"/>
-                  </a:schemeClr>
-                </a:solidFill>
-              </a:rPr>
-              <a:t>:</a:t>
-            </a:r>
-          </a:p>
-          <a:p>
-            <a:r>
-              <a:rPr lang="pl-PL" b="1" dirty="0">
-                <a:solidFill>
-                  <a:schemeClr val="accent4">
-                    <a:lumMod val="50000"/>
-                  </a:schemeClr>
-                </a:solidFill>
-              </a:rPr>
-              <a:t>      </a:t>
-            </a:r>
-            <a:r>
-              <a:rPr lang="pl-PL" b="1" dirty="0" err="1">
-                <a:solidFill>
-                  <a:schemeClr val="accent4">
-                    <a:lumMod val="50000"/>
-                  </a:schemeClr>
-                </a:solidFill>
-              </a:rPr>
-              <a:t>limits</a:t>
-            </a:r>
-            <a:r>
-              <a:rPr lang="pl-PL" b="1" dirty="0">
-                <a:solidFill>
-                  <a:schemeClr val="accent4">
-                    <a:lumMod val="50000"/>
-                  </a:schemeClr>
-                </a:solidFill>
-              </a:rPr>
-              <a:t>:</a:t>
-            </a:r>
-          </a:p>
-          <a:p>
-            <a:r>
-              <a:rPr lang="pl-PL" b="1" dirty="0">
-                <a:solidFill>
-                  <a:schemeClr val="accent4">
-                    <a:lumMod val="50000"/>
-                  </a:schemeClr>
-                </a:solidFill>
-              </a:rPr>
-              <a:t>        </a:t>
-            </a:r>
-            <a:r>
-              <a:rPr lang="pl-PL" b="1" dirty="0" err="1">
-                <a:solidFill>
-                  <a:schemeClr val="accent4">
-                    <a:lumMod val="50000"/>
-                  </a:schemeClr>
-                </a:solidFill>
-              </a:rPr>
-              <a:t>memory</a:t>
-            </a:r>
-            <a:r>
-              <a:rPr lang="pl-PL" b="1" dirty="0">
-                <a:solidFill>
-                  <a:schemeClr val="accent4">
-                    <a:lumMod val="50000"/>
-                  </a:schemeClr>
-                </a:solidFill>
-              </a:rPr>
-              <a:t>: "1Gi"</a:t>
-            </a:r>
-          </a:p>
-          <a:p>
-            <a:r>
-              <a:rPr lang="pl-PL" b="1" dirty="0">
-                <a:solidFill>
-                  <a:schemeClr val="accent4">
-                    <a:lumMod val="50000"/>
-                  </a:schemeClr>
-                </a:solidFill>
-              </a:rPr>
-              <a:t>        </a:t>
-            </a:r>
-            <a:r>
-              <a:rPr lang="pl-PL" b="1" dirty="0" err="1">
-                <a:solidFill>
-                  <a:schemeClr val="accent4">
-                    <a:lumMod val="50000"/>
-                  </a:schemeClr>
-                </a:solidFill>
-              </a:rPr>
-              <a:t>cpu</a:t>
-            </a:r>
-            <a:r>
-              <a:rPr lang="pl-PL" b="1" dirty="0">
-                <a:solidFill>
-                  <a:schemeClr val="accent4">
-                    <a:lumMod val="50000"/>
-                  </a:schemeClr>
-                </a:solidFill>
-              </a:rPr>
-              <a:t>: "800m"      </a:t>
-            </a:r>
-          </a:p>
-          <a:p>
-            <a:r>
-              <a:rPr lang="pl-PL" b="1" dirty="0">
-                <a:solidFill>
-                  <a:schemeClr val="accent4">
-                    <a:lumMod val="50000"/>
-                  </a:schemeClr>
-                </a:solidFill>
-              </a:rPr>
-              <a:t>      </a:t>
-            </a:r>
-            <a:r>
-              <a:rPr lang="pl-PL" b="1" dirty="0" err="1">
-                <a:solidFill>
-                  <a:schemeClr val="accent4">
-                    <a:lumMod val="50000"/>
-                  </a:schemeClr>
-                </a:solidFill>
-              </a:rPr>
-              <a:t>requests</a:t>
-            </a:r>
-            <a:r>
-              <a:rPr lang="pl-PL" b="1" dirty="0">
-                <a:solidFill>
-                  <a:schemeClr val="accent4">
-                    <a:lumMod val="50000"/>
-                  </a:schemeClr>
-                </a:solidFill>
-              </a:rPr>
-              <a:t>:</a:t>
-            </a:r>
-          </a:p>
-          <a:p>
-            <a:r>
-              <a:rPr lang="pl-PL" b="1" dirty="0">
-                <a:solidFill>
-                  <a:schemeClr val="accent4">
-                    <a:lumMod val="50000"/>
-                  </a:schemeClr>
-                </a:solidFill>
-              </a:rPr>
-              <a:t>        </a:t>
-            </a:r>
-            <a:r>
-              <a:rPr lang="pl-PL" b="1" dirty="0" err="1">
-                <a:solidFill>
-                  <a:schemeClr val="accent4">
-                    <a:lumMod val="50000"/>
-                  </a:schemeClr>
-                </a:solidFill>
-              </a:rPr>
-              <a:t>memory</a:t>
-            </a:r>
-            <a:r>
-              <a:rPr lang="pl-PL" b="1" dirty="0">
-                <a:solidFill>
-                  <a:schemeClr val="accent4">
-                    <a:lumMod val="50000"/>
-                  </a:schemeClr>
-                </a:solidFill>
-              </a:rPr>
-              <a:t>: "700Mi"</a:t>
-            </a:r>
-          </a:p>
-          <a:p>
-            <a:r>
-              <a:rPr lang="pl-PL" b="1" dirty="0">
-                <a:solidFill>
-                  <a:schemeClr val="accent4">
-                    <a:lumMod val="50000"/>
-                  </a:schemeClr>
-                </a:solidFill>
-              </a:rPr>
-              <a:t>        </a:t>
-            </a:r>
-            <a:r>
-              <a:rPr lang="pl-PL" b="1" dirty="0" err="1">
-                <a:solidFill>
-                  <a:schemeClr val="accent4">
-                    <a:lumMod val="50000"/>
-                  </a:schemeClr>
-                </a:solidFill>
-              </a:rPr>
-              <a:t>cpu</a:t>
-            </a:r>
-            <a:r>
-              <a:rPr lang="pl-PL" b="1" dirty="0">
-                <a:solidFill>
-                  <a:schemeClr val="accent4">
-                    <a:lumMod val="50000"/>
-                  </a:schemeClr>
-                </a:solidFill>
-              </a:rPr>
-              <a:t>: "400m"</a:t>
-            </a:r>
-          </a:p>
-          <a:p>
-            <a:r>
-              <a:rPr lang="pl-PL" dirty="0"/>
-              <a:t> </a:t>
-            </a:r>
           </a:p>
         </p:txBody>
       </p:sp>
     </p:spTree>
     <p:extLst>
       <p:ext uri="{BB962C8B-B14F-4D97-AF65-F5344CB8AC3E}">
-        <p14:creationId xmlns:p14="http://schemas.microsoft.com/office/powerpoint/2010/main" val="3781876501"/>
+        <p14:creationId xmlns:p14="http://schemas.microsoft.com/office/powerpoint/2010/main" val="3653138814"/>
       </p:ext>
     </p:extLst>
   </p:cSld>
   <p:clrMapOvr>
     <a:masterClrMapping/>
   </p:clrMapOvr>
-  <p:timing>
-    <p:tnLst>
-      <p:par>
-        <p:cTn id="1" dur="indefinite" restart="never" nodeType="tmRoot"/>
-      </p:par>
-    </p:tnLst>
-  </p:timing>
 </p:sld>
 </file>
 
@@ -4745,109 +4065,149 @@
           <a:lstStyle/>
           <a:p>
             <a:r>
-              <a:rPr lang="pl-PL" dirty="0" err="1" smtClean="0"/>
-              <a:t>Namespaces</a:t>
+              <a:rPr lang="pl-PL" dirty="0" err="1"/>
+              <a:t>Limits</a:t>
+            </a:r>
+            <a:r>
+              <a:rPr lang="pl-PL" dirty="0"/>
+              <a:t>, </a:t>
+            </a:r>
+            <a:r>
+              <a:rPr lang="pl-PL" dirty="0" err="1"/>
+              <a:t>requests</a:t>
             </a:r>
             <a:endParaRPr lang="pl-PL" dirty="0"/>
           </a:p>
         </p:txBody>
       </p:sp>
-      <p:sp>
-        <p:nvSpPr>
-          <p:cNvPr id="3" name="Symbol zastępczy zawartości 2"/>
-          <p:cNvSpPr>
-            <a:spLocks noGrp="1"/>
-          </p:cNvSpPr>
+      <p:pic>
+        <p:nvPicPr>
+          <p:cNvPr id="3074" name="Picture 2"/>
+          <p:cNvPicPr>
+            <a:picLocks noGrp="1" noChangeAspect="1" noChangeArrowheads="1"/>
+          </p:cNvPicPr>
           <p:nvPr>
             <p:ph idx="1"/>
           </p:nvPr>
-        </p:nvSpPr>
-        <p:spPr/>
-        <p:txBody>
-          <a:bodyPr>
-            <a:normAutofit fontScale="92500" lnSpcReduction="10000"/>
+        </p:nvPicPr>
+        <p:blipFill>
+          <a:blip r:embed="rId2">
+            <a:extLst>
+              <a:ext uri="{28A0092B-C50C-407E-A947-70E740481C1C}">
+                <a14:useLocalDpi xmlns:a14="http://schemas.microsoft.com/office/drawing/2010/main" val="0"/>
+              </a:ext>
+            </a:extLst>
+          </a:blip>
+          <a:srcRect/>
+          <a:stretch>
+            <a:fillRect/>
+          </a:stretch>
+        </p:blipFill>
+        <p:spPr bwMode="auto">
+          <a:xfrm>
+            <a:off x="1244647" y="583814"/>
+            <a:ext cx="6510689" cy="3168352"/>
+          </a:xfrm>
+          <a:prstGeom prst="rect">
+            <a:avLst/>
+          </a:prstGeom>
+          <a:noFill/>
+          <a:ln>
+            <a:noFill/>
+          </a:ln>
+          <a:extLst>
+            <a:ext uri="{909E8E84-426E-40DD-AFC4-6F175D3DCCD1}">
+              <a14:hiddenFill xmlns:a14="http://schemas.microsoft.com/office/drawing/2010/main">
+                <a:solidFill>
+                  <a:schemeClr val="accent1"/>
+                </a:solidFill>
+              </a14:hiddenFill>
+            </a:ext>
+            <a:ext uri="{91240B29-F687-4F45-9708-019B960494DF}">
+              <a14:hiddenLine xmlns:a14="http://schemas.microsoft.com/office/drawing/2010/main" w="9525">
+                <a:solidFill>
+                  <a:schemeClr val="tx1"/>
+                </a:solidFill>
+                <a:miter lim="800000"/>
+                <a:headEnd/>
+                <a:tailEnd/>
+              </a14:hiddenLine>
+            </a:ext>
+          </a:extLst>
+        </p:spPr>
+      </p:pic>
+      <p:sp>
+        <p:nvSpPr>
+          <p:cNvPr id="4" name="Prostokąt 3"/>
+          <p:cNvSpPr/>
+          <p:nvPr/>
+        </p:nvSpPr>
+        <p:spPr>
+          <a:xfrm>
+            <a:off x="1043608" y="4149080"/>
+            <a:ext cx="7344816" cy="646331"/>
+          </a:xfrm>
+          <a:prstGeom prst="rect">
+            <a:avLst/>
+          </a:prstGeom>
+        </p:spPr>
+        <p:txBody>
+          <a:bodyPr wrap="square">
+            <a:spAutoFit/>
           </a:bodyPr>
           <a:lstStyle/>
           <a:p>
             <a:r>
-              <a:rPr lang="en-US" dirty="0"/>
-              <a:t>Beyond the individual container resources, you may want to investigate setting limits on namespaces. So what is a namespace? Namespaces can be used to define a cluster of applications, departments, or environments. Simply, Namespace refers to scope or grouping of objects in a Kubernetes </a:t>
-            </a:r>
-            <a:r>
-              <a:rPr lang="en-US" dirty="0" smtClean="0"/>
-              <a:t>cluster</a:t>
-            </a:r>
-            <a:endParaRPr lang="pl-PL" dirty="0" smtClean="0"/>
-          </a:p>
-          <a:p>
-            <a:endParaRPr lang="pl-PL" dirty="0" smtClean="0"/>
-          </a:p>
-          <a:p>
-            <a:r>
-              <a:rPr lang="en-US" dirty="0">
-                <a:solidFill>
-                  <a:srgbClr val="FF0000"/>
-                </a:solidFill>
-              </a:rPr>
-              <a:t>At the Namespace level, you can set up </a:t>
-            </a:r>
-            <a:r>
-              <a:rPr lang="en-US" dirty="0" err="1">
-                <a:solidFill>
-                  <a:srgbClr val="FF0000"/>
-                </a:solidFill>
-              </a:rPr>
-              <a:t>ResourceQuotas</a:t>
-            </a:r>
-            <a:r>
-              <a:rPr lang="en-US" dirty="0">
-                <a:solidFill>
-                  <a:srgbClr val="FF0000"/>
-                </a:solidFill>
-              </a:rPr>
-              <a:t> and </a:t>
-            </a:r>
-            <a:r>
-              <a:rPr lang="en-US" dirty="0" err="1">
-                <a:solidFill>
-                  <a:srgbClr val="FF0000"/>
-                </a:solidFill>
-              </a:rPr>
-              <a:t>LimitRanges</a:t>
-            </a:r>
-            <a:r>
-              <a:rPr lang="en-US" dirty="0">
-                <a:solidFill>
-                  <a:srgbClr val="FF0000"/>
-                </a:solidFill>
-              </a:rPr>
-              <a:t>.</a:t>
-            </a:r>
-            <a:endParaRPr lang="pl-PL" dirty="0">
-              <a:solidFill>
-                <a:srgbClr val="FF0000"/>
-              </a:solidFill>
-            </a:endParaRPr>
+              <a:rPr lang="pl-PL" dirty="0">
+                <a:hlinkClick r:id="rId3"/>
+              </a:rPr>
+              <a:t>https://jaxenter.com/manage-container-resource-kubernetes-141977.html</a:t>
+            </a:r>
+            <a:endParaRPr lang="pl-PL" dirty="0"/>
+          </a:p>
+        </p:txBody>
+      </p:sp>
+      <p:sp>
+        <p:nvSpPr>
+          <p:cNvPr id="5" name="Prostokąt 4"/>
+          <p:cNvSpPr/>
+          <p:nvPr/>
+        </p:nvSpPr>
+        <p:spPr>
+          <a:xfrm>
+            <a:off x="1043608" y="4869160"/>
+            <a:ext cx="7344816" cy="646331"/>
+          </a:xfrm>
+          <a:prstGeom prst="rect">
+            <a:avLst/>
+          </a:prstGeom>
+        </p:spPr>
+        <p:txBody>
+          <a:bodyPr wrap="square">
+            <a:spAutoFit/>
+          </a:bodyPr>
+          <a:lstStyle/>
+          <a:p>
+            <a:r>
+              <a:rPr lang="pl-PL" dirty="0">
+                <a:hlinkClick r:id="rId4"/>
+              </a:rPr>
+              <a:t>https://vincentlauzon.com/2019/04/02/requests-vs-limits-in-kubernetes/</a:t>
+            </a:r>
+            <a:endParaRPr lang="pl-PL" dirty="0"/>
           </a:p>
         </p:txBody>
       </p:sp>
     </p:spTree>
     <p:extLst>
       <p:ext uri="{BB962C8B-B14F-4D97-AF65-F5344CB8AC3E}">
-        <p14:creationId xmlns:p14="http://schemas.microsoft.com/office/powerpoint/2010/main" val="194794197"/>
+        <p14:creationId xmlns:p14="http://schemas.microsoft.com/office/powerpoint/2010/main" val="654161845"/>
       </p:ext>
     </p:extLst>
   </p:cSld>
   <p:clrMapOvr>
     <a:masterClrMapping/>
   </p:clrMapOvr>
-  <p:timing>
-    <p:tnLst>
-      <p:par>
-        <p:cTn id="1" dur="indefinite" restart="never" nodeType="tmRoot"/>
-      </p:par>
-    </p:tnLst>
-  </p:timing>
 </p:sld>
 </file>
 
@@ -4884,12 +4244,16 @@
           <a:lstStyle/>
           <a:p>
             <a:r>
-              <a:rPr lang="pl-PL" dirty="0" smtClean="0"/>
-              <a:t>Resource </a:t>
-            </a:r>
-            <a:r>
-              <a:rPr lang="pl-PL" dirty="0" err="1" smtClean="0"/>
-              <a:t>quota</a:t>
+              <a:rPr lang="pl-PL" dirty="0" err="1"/>
+              <a:t>Container</a:t>
+            </a:r>
+            <a:r>
+              <a:rPr lang="pl-PL" dirty="0"/>
+              <a:t> </a:t>
+            </a:r>
+            <a:r>
+              <a:rPr lang="pl-PL" dirty="0" err="1"/>
+              <a:t>limits</a:t>
             </a:r>
             <a:endParaRPr lang="pl-PL" dirty="0"/>
           </a:p>
@@ -4897,397 +4261,684 @@
       </p:sp>
       <p:sp>
         <p:nvSpPr>
-          <p:cNvPr id="4" name="Prostokąt 3"/>
+          <p:cNvPr id="3" name="Symbol zastępczy zawartości 2"/>
+          <p:cNvSpPr>
+            <a:spLocks noGrp="1"/>
+          </p:cNvSpPr>
+          <p:nvPr>
+            <p:ph idx="1"/>
+          </p:nvPr>
+        </p:nvSpPr>
+        <p:spPr>
+          <a:xfrm>
+            <a:off x="502920" y="530352"/>
+            <a:ext cx="4069080" cy="3258688"/>
+          </a:xfrm>
+        </p:spPr>
+        <p:txBody>
+          <a:bodyPr>
+            <a:normAutofit/>
+          </a:bodyPr>
+          <a:lstStyle/>
+          <a:p>
+            <a:pPr marL="0" indent="0">
+              <a:buNone/>
+            </a:pPr>
+            <a:r>
+              <a:rPr lang="pl-PL" sz="1900" dirty="0" err="1">
+                <a:solidFill>
+                  <a:srgbClr val="FF0000"/>
+                </a:solidFill>
+              </a:rPr>
+              <a:t>apiVersion</a:t>
+            </a:r>
+            <a:r>
+              <a:rPr lang="pl-PL" sz="1900" dirty="0">
+                <a:solidFill>
+                  <a:srgbClr val="FF0000"/>
+                </a:solidFill>
+              </a:rPr>
+              <a:t>: v1</a:t>
+            </a:r>
+          </a:p>
+          <a:p>
+            <a:pPr marL="0" indent="0">
+              <a:buNone/>
+            </a:pPr>
+            <a:r>
+              <a:rPr lang="pl-PL" sz="1900" dirty="0" err="1">
+                <a:solidFill>
+                  <a:srgbClr val="FF0000"/>
+                </a:solidFill>
+              </a:rPr>
+              <a:t>kind</a:t>
+            </a:r>
+            <a:r>
+              <a:rPr lang="pl-PL" sz="1900" dirty="0">
+                <a:solidFill>
+                  <a:srgbClr val="FF0000"/>
+                </a:solidFill>
+              </a:rPr>
+              <a:t>: Pod</a:t>
+            </a:r>
+          </a:p>
+          <a:p>
+            <a:pPr marL="0" indent="0">
+              <a:buNone/>
+            </a:pPr>
+            <a:r>
+              <a:rPr lang="pl-PL" sz="1900" dirty="0" err="1">
+                <a:solidFill>
+                  <a:srgbClr val="FF0000"/>
+                </a:solidFill>
+              </a:rPr>
+              <a:t>metadata</a:t>
+            </a:r>
+            <a:r>
+              <a:rPr lang="pl-PL" sz="1900" dirty="0">
+                <a:solidFill>
+                  <a:srgbClr val="FF0000"/>
+                </a:solidFill>
+              </a:rPr>
+              <a:t>:</a:t>
+            </a:r>
+          </a:p>
+          <a:p>
+            <a:pPr marL="0" indent="0">
+              <a:buNone/>
+            </a:pPr>
+            <a:r>
+              <a:rPr lang="pl-PL" sz="1900" dirty="0">
+                <a:solidFill>
+                  <a:srgbClr val="FF0000"/>
+                </a:solidFill>
+              </a:rPr>
+              <a:t>  </a:t>
+            </a:r>
+            <a:r>
+              <a:rPr lang="pl-PL" sz="1900" dirty="0" err="1">
+                <a:solidFill>
+                  <a:srgbClr val="FF0000"/>
+                </a:solidFill>
+              </a:rPr>
+              <a:t>name</a:t>
+            </a:r>
+            <a:r>
+              <a:rPr lang="pl-PL" sz="1900" dirty="0">
+                <a:solidFill>
+                  <a:srgbClr val="FF0000"/>
+                </a:solidFill>
+              </a:rPr>
+              <a:t>: pod-quota-1</a:t>
+            </a:r>
+          </a:p>
+          <a:p>
+            <a:pPr marL="0" indent="0">
+              <a:buNone/>
+            </a:pPr>
+            <a:r>
+              <a:rPr lang="pl-PL" sz="1900" dirty="0">
+                <a:solidFill>
+                  <a:srgbClr val="FF0000"/>
+                </a:solidFill>
+              </a:rPr>
+              <a:t>spec:</a:t>
+            </a:r>
+          </a:p>
+          <a:p>
+            <a:pPr marL="0" indent="0">
+              <a:buNone/>
+            </a:pPr>
+            <a:r>
+              <a:rPr lang="pl-PL" sz="1900" dirty="0">
+                <a:solidFill>
+                  <a:srgbClr val="FF0000"/>
+                </a:solidFill>
+              </a:rPr>
+              <a:t>  </a:t>
+            </a:r>
+            <a:r>
+              <a:rPr lang="pl-PL" sz="1900" dirty="0" err="1">
+                <a:solidFill>
+                  <a:srgbClr val="FF0000"/>
+                </a:solidFill>
+              </a:rPr>
+              <a:t>containers</a:t>
+            </a:r>
+            <a:r>
+              <a:rPr lang="pl-PL" sz="1900" dirty="0">
+                <a:solidFill>
+                  <a:srgbClr val="FF0000"/>
+                </a:solidFill>
+              </a:rPr>
+              <a:t>:</a:t>
+            </a:r>
+          </a:p>
+          <a:p>
+            <a:pPr marL="0" indent="0">
+              <a:buNone/>
+            </a:pPr>
+            <a:r>
+              <a:rPr lang="pl-PL" sz="1900" dirty="0">
+                <a:solidFill>
+                  <a:srgbClr val="FF0000"/>
+                </a:solidFill>
+              </a:rPr>
+              <a:t>  - </a:t>
+            </a:r>
+            <a:r>
+              <a:rPr lang="pl-PL" sz="1900" dirty="0" err="1">
+                <a:solidFill>
+                  <a:srgbClr val="FF0000"/>
+                </a:solidFill>
+              </a:rPr>
+              <a:t>name</a:t>
+            </a:r>
+            <a:r>
+              <a:rPr lang="pl-PL" sz="1900" dirty="0">
+                <a:solidFill>
+                  <a:srgbClr val="FF0000"/>
+                </a:solidFill>
+              </a:rPr>
+              <a:t>: pod-quota-1</a:t>
+            </a:r>
+          </a:p>
+          <a:p>
+            <a:pPr marL="0" indent="0">
+              <a:buNone/>
+            </a:pPr>
+            <a:r>
+              <a:rPr lang="pl-PL" sz="1900" dirty="0">
+                <a:solidFill>
+                  <a:srgbClr val="FF0000"/>
+                </a:solidFill>
+              </a:rPr>
+              <a:t>    image: </a:t>
+            </a:r>
+            <a:r>
+              <a:rPr lang="pl-PL" sz="1900" dirty="0" err="1">
+                <a:solidFill>
+                  <a:srgbClr val="FF0000"/>
+                </a:solidFill>
+              </a:rPr>
+              <a:t>nginx</a:t>
+            </a:r>
+            <a:endParaRPr lang="pl-PL" sz="1900" dirty="0">
+              <a:solidFill>
+                <a:srgbClr val="FF0000"/>
+              </a:solidFill>
+            </a:endParaRPr>
+          </a:p>
+          <a:p>
+            <a:endParaRPr lang="pl-PL" dirty="0"/>
+          </a:p>
+        </p:txBody>
+      </p:sp>
+      <p:sp>
+        <p:nvSpPr>
+          <p:cNvPr id="6" name="Prostokąt 5"/>
           <p:cNvSpPr/>
           <p:nvPr/>
         </p:nvSpPr>
         <p:spPr>
           <a:xfrm>
-            <a:off x="755576" y="4725144"/>
-            <a:ext cx="6912768" cy="646331"/>
+            <a:off x="4139952" y="692696"/>
+            <a:ext cx="4572000" cy="4524315"/>
           </a:xfrm>
           <a:prstGeom prst="rect">
             <a:avLst/>
           </a:prstGeom>
         </p:spPr>
         <p:txBody>
-          <a:bodyPr wrap="square">
+          <a:bodyPr>
             <a:spAutoFit/>
           </a:bodyPr>
           <a:lstStyle/>
           <a:p>
             <a:r>
+              <a:rPr lang="pl-PL" dirty="0" err="1">
+                <a:solidFill>
+                  <a:schemeClr val="accent4">
+                    <a:lumMod val="50000"/>
+                  </a:schemeClr>
+                </a:solidFill>
+              </a:rPr>
+              <a:t>apiVersion</a:t>
+            </a:r>
+            <a:r>
               <a:rPr lang="pl-PL" dirty="0">
-                <a:hlinkClick r:id="rId2"/>
-              </a:rPr>
-              <a:t>https://github.com/djkormo/k8s-AKS-primer/tree/master/examples/quotas</a:t>
-            </a:r>
-            <a:endParaRPr lang="pl-PL" dirty="0"/>
-          </a:p>
-        </p:txBody>
-      </p:sp>
-      <p:sp>
-        <p:nvSpPr>
-          <p:cNvPr id="5" name="Symbol zastępczy zawartości 4"/>
-          <p:cNvSpPr>
-            <a:spLocks noGrp="1"/>
-          </p:cNvSpPr>
-          <p:nvPr>
-            <p:ph idx="1"/>
-          </p:nvPr>
-        </p:nvSpPr>
-        <p:spPr/>
-        <p:txBody>
-          <a:bodyPr>
-            <a:normAutofit fontScale="85000" lnSpcReduction="20000"/>
-          </a:bodyPr>
-          <a:lstStyle/>
-          <a:p>
-            <a:pPr marL="0" indent="0">
-              <a:buNone/>
-            </a:pPr>
-            <a:r>
-              <a:rPr lang="pl-PL" dirty="0" err="1" smtClean="0">
-                <a:solidFill>
-                  <a:srgbClr val="FF0000"/>
-                </a:solidFill>
-              </a:rPr>
-              <a:t>apiVersion</a:t>
-            </a:r>
-            <a:r>
-              <a:rPr lang="pl-PL" dirty="0" smtClean="0">
-                <a:solidFill>
-                  <a:srgbClr val="FF0000"/>
+                <a:solidFill>
+                  <a:schemeClr val="accent4">
+                    <a:lumMod val="50000"/>
+                  </a:schemeClr>
                 </a:solidFill>
               </a:rPr>
               <a:t>: v1</a:t>
             </a:r>
           </a:p>
           <a:p>
-            <a:pPr marL="0" indent="0">
-              <a:buNone/>
-            </a:pPr>
-            <a:r>
-              <a:rPr lang="pl-PL" dirty="0" err="1" smtClean="0">
-                <a:solidFill>
-                  <a:srgbClr val="FF0000"/>
+            <a:r>
+              <a:rPr lang="pl-PL" dirty="0" err="1">
+                <a:solidFill>
+                  <a:schemeClr val="accent4">
+                    <a:lumMod val="50000"/>
+                  </a:schemeClr>
                 </a:solidFill>
               </a:rPr>
               <a:t>kind</a:t>
             </a:r>
             <a:r>
-              <a:rPr lang="pl-PL" dirty="0" smtClean="0">
-                <a:solidFill>
-                  <a:srgbClr val="FF0000"/>
-                </a:solidFill>
-              </a:rPr>
-              <a:t>: </a:t>
-            </a:r>
-            <a:r>
-              <a:rPr lang="pl-PL" dirty="0" err="1" smtClean="0">
-                <a:solidFill>
-                  <a:srgbClr val="FF0000"/>
-                </a:solidFill>
-              </a:rPr>
-              <a:t>ResourceQuota</a:t>
-            </a:r>
-            <a:endParaRPr lang="pl-PL" dirty="0" smtClean="0">
+              <a:rPr lang="pl-PL" dirty="0">
+                <a:solidFill>
+                  <a:schemeClr val="accent4">
+                    <a:lumMod val="50000"/>
+                  </a:schemeClr>
+                </a:solidFill>
+              </a:rPr>
+              <a:t>: Pod</a:t>
+            </a:r>
+          </a:p>
+          <a:p>
+            <a:r>
+              <a:rPr lang="pl-PL" dirty="0" err="1">
+                <a:solidFill>
+                  <a:schemeClr val="accent4">
+                    <a:lumMod val="50000"/>
+                  </a:schemeClr>
+                </a:solidFill>
+              </a:rPr>
+              <a:t>metadata</a:t>
+            </a:r>
+            <a:r>
+              <a:rPr lang="pl-PL" dirty="0">
+                <a:solidFill>
+                  <a:schemeClr val="accent4">
+                    <a:lumMod val="50000"/>
+                  </a:schemeClr>
+                </a:solidFill>
+              </a:rPr>
+              <a:t>:</a:t>
+            </a:r>
+          </a:p>
+          <a:p>
+            <a:r>
+              <a:rPr lang="pl-PL" dirty="0">
+                <a:solidFill>
+                  <a:schemeClr val="accent4">
+                    <a:lumMod val="50000"/>
+                  </a:schemeClr>
+                </a:solidFill>
+              </a:rPr>
+              <a:t>  </a:t>
+            </a:r>
+            <a:r>
+              <a:rPr lang="pl-PL" dirty="0" err="1">
+                <a:solidFill>
+                  <a:schemeClr val="accent4">
+                    <a:lumMod val="50000"/>
+                  </a:schemeClr>
+                </a:solidFill>
+              </a:rPr>
+              <a:t>name</a:t>
+            </a:r>
+            <a:r>
+              <a:rPr lang="pl-PL" dirty="0">
+                <a:solidFill>
+                  <a:schemeClr val="accent4">
+                    <a:lumMod val="50000"/>
+                  </a:schemeClr>
+                </a:solidFill>
+              </a:rPr>
+              <a:t>: pod-quota-2</a:t>
+            </a:r>
+          </a:p>
+          <a:p>
+            <a:r>
+              <a:rPr lang="pl-PL" dirty="0">
+                <a:solidFill>
+                  <a:schemeClr val="accent4">
+                    <a:lumMod val="50000"/>
+                  </a:schemeClr>
+                </a:solidFill>
+              </a:rPr>
+              <a:t>spec:</a:t>
+            </a:r>
+          </a:p>
+          <a:p>
+            <a:r>
+              <a:rPr lang="pl-PL" dirty="0">
+                <a:solidFill>
+                  <a:schemeClr val="accent4">
+                    <a:lumMod val="50000"/>
+                  </a:schemeClr>
+                </a:solidFill>
+              </a:rPr>
+              <a:t>  </a:t>
+            </a:r>
+            <a:r>
+              <a:rPr lang="pl-PL" dirty="0" err="1">
+                <a:solidFill>
+                  <a:schemeClr val="accent4">
+                    <a:lumMod val="50000"/>
+                  </a:schemeClr>
+                </a:solidFill>
+              </a:rPr>
+              <a:t>containers</a:t>
+            </a:r>
+            <a:r>
+              <a:rPr lang="pl-PL" dirty="0">
+                <a:solidFill>
+                  <a:schemeClr val="accent4">
+                    <a:lumMod val="50000"/>
+                  </a:schemeClr>
+                </a:solidFill>
+              </a:rPr>
+              <a:t>:</a:t>
+            </a:r>
+          </a:p>
+          <a:p>
+            <a:r>
+              <a:rPr lang="pl-PL" dirty="0">
+                <a:solidFill>
+                  <a:schemeClr val="accent4">
+                    <a:lumMod val="50000"/>
+                  </a:schemeClr>
+                </a:solidFill>
+              </a:rPr>
+              <a:t>  - </a:t>
+            </a:r>
+            <a:r>
+              <a:rPr lang="pl-PL" dirty="0" err="1">
+                <a:solidFill>
+                  <a:schemeClr val="accent4">
+                    <a:lumMod val="50000"/>
+                  </a:schemeClr>
+                </a:solidFill>
+              </a:rPr>
+              <a:t>name</a:t>
+            </a:r>
+            <a:r>
+              <a:rPr lang="pl-PL" dirty="0">
+                <a:solidFill>
+                  <a:schemeClr val="accent4">
+                    <a:lumMod val="50000"/>
+                  </a:schemeClr>
+                </a:solidFill>
+              </a:rPr>
+              <a:t>: pod-quota-2</a:t>
+            </a:r>
+          </a:p>
+          <a:p>
+            <a:r>
+              <a:rPr lang="pl-PL" dirty="0">
+                <a:solidFill>
+                  <a:schemeClr val="accent4">
+                    <a:lumMod val="50000"/>
+                  </a:schemeClr>
+                </a:solidFill>
+              </a:rPr>
+              <a:t>    image: </a:t>
+            </a:r>
+            <a:r>
+              <a:rPr lang="pl-PL" dirty="0" err="1">
+                <a:solidFill>
+                  <a:schemeClr val="accent4">
+                    <a:lumMod val="50000"/>
+                  </a:schemeClr>
+                </a:solidFill>
+              </a:rPr>
+              <a:t>redis</a:t>
+            </a:r>
+            <a:endParaRPr lang="pl-PL" dirty="0">
               <a:solidFill>
-                <a:srgbClr val="FF0000"/>
+                <a:schemeClr val="accent4">
+                  <a:lumMod val="50000"/>
+                </a:schemeClr>
               </a:solidFill>
             </a:endParaRPr>
           </a:p>
           <a:p>
-            <a:pPr marL="0" indent="0">
-              <a:buNone/>
-            </a:pPr>
-            <a:r>
-              <a:rPr lang="pl-PL" dirty="0" err="1" smtClean="0">
-                <a:solidFill>
-                  <a:schemeClr val="tx2"/>
-                </a:solidFill>
-              </a:rPr>
-              <a:t>metadata</a:t>
-            </a:r>
-            <a:r>
-              <a:rPr lang="pl-PL" dirty="0" smtClean="0">
-                <a:solidFill>
-                  <a:schemeClr val="tx2"/>
+            <a:r>
+              <a:rPr lang="pl-PL" b="1" dirty="0">
+                <a:solidFill>
+                  <a:schemeClr val="accent4">
+                    <a:lumMod val="50000"/>
+                  </a:schemeClr>
+                </a:solidFill>
+              </a:rPr>
+              <a:t>    </a:t>
+            </a:r>
+            <a:r>
+              <a:rPr lang="pl-PL" b="1" dirty="0" err="1">
+                <a:solidFill>
+                  <a:schemeClr val="accent4">
+                    <a:lumMod val="50000"/>
+                  </a:schemeClr>
+                </a:solidFill>
+              </a:rPr>
+              <a:t>resources</a:t>
+            </a:r>
+            <a:r>
+              <a:rPr lang="pl-PL" b="1" dirty="0">
+                <a:solidFill>
+                  <a:schemeClr val="accent4">
+                    <a:lumMod val="50000"/>
+                  </a:schemeClr>
                 </a:solidFill>
               </a:rPr>
               <a:t>:</a:t>
             </a:r>
           </a:p>
           <a:p>
-            <a:pPr marL="0" indent="0">
-              <a:buNone/>
-            </a:pPr>
-            <a:r>
-              <a:rPr lang="pl-PL" dirty="0" smtClean="0">
-                <a:solidFill>
-                  <a:schemeClr val="tx2"/>
-                </a:solidFill>
-              </a:rPr>
-              <a:t>  </a:t>
-            </a:r>
-            <a:r>
-              <a:rPr lang="pl-PL" dirty="0" err="1" smtClean="0">
-                <a:solidFill>
-                  <a:schemeClr val="tx2"/>
-                </a:solidFill>
-              </a:rPr>
-              <a:t>name</a:t>
-            </a:r>
-            <a:r>
-              <a:rPr lang="pl-PL" dirty="0" smtClean="0">
-                <a:solidFill>
-                  <a:schemeClr val="tx2"/>
-                </a:solidFill>
-              </a:rPr>
-              <a:t>: </a:t>
-            </a:r>
-            <a:r>
-              <a:rPr lang="pl-PL" dirty="0" err="1" smtClean="0">
-                <a:solidFill>
-                  <a:schemeClr val="tx2"/>
-                </a:solidFill>
-              </a:rPr>
-              <a:t>compute-resources</a:t>
-            </a:r>
-            <a:endParaRPr lang="pl-PL" dirty="0" smtClean="0">
-              <a:solidFill>
-                <a:schemeClr val="tx2"/>
-              </a:solidFill>
-            </a:endParaRPr>
-          </a:p>
-          <a:p>
-            <a:pPr marL="0" indent="0">
-              <a:buNone/>
-            </a:pPr>
-            <a:r>
-              <a:rPr lang="pl-PL" dirty="0" smtClean="0">
-                <a:solidFill>
-                  <a:schemeClr val="tx2"/>
-                </a:solidFill>
-              </a:rPr>
-              <a:t>spec:</a:t>
-            </a:r>
-          </a:p>
-          <a:p>
-            <a:pPr marL="0" indent="0">
-              <a:buNone/>
-            </a:pPr>
-            <a:r>
-              <a:rPr lang="pl-PL" dirty="0" smtClean="0">
-                <a:solidFill>
-                  <a:schemeClr val="tx2"/>
-                </a:solidFill>
-              </a:rPr>
-              <a:t>  hard:</a:t>
-            </a:r>
-          </a:p>
-          <a:p>
-            <a:pPr marL="0" indent="0">
-              <a:buNone/>
-            </a:pPr>
-            <a:r>
-              <a:rPr lang="pl-PL" dirty="0" smtClean="0">
-                <a:solidFill>
-                  <a:schemeClr val="tx2"/>
-                </a:solidFill>
-              </a:rPr>
-              <a:t>    </a:t>
-            </a:r>
-            <a:r>
-              <a:rPr lang="pl-PL" dirty="0" err="1" smtClean="0">
-                <a:solidFill>
-                  <a:schemeClr val="tx2"/>
-                </a:solidFill>
-              </a:rPr>
-              <a:t>pods</a:t>
-            </a:r>
-            <a:r>
-              <a:rPr lang="pl-PL" dirty="0" smtClean="0">
-                <a:solidFill>
-                  <a:schemeClr val="tx2"/>
-                </a:solidFill>
-              </a:rPr>
-              <a:t>: "20"</a:t>
-            </a:r>
-          </a:p>
-          <a:p>
-            <a:pPr marL="0" indent="0">
-              <a:buNone/>
-            </a:pPr>
-            <a:r>
-              <a:rPr lang="pl-PL" dirty="0" smtClean="0">
-                <a:solidFill>
-                  <a:schemeClr val="tx2"/>
-                </a:solidFill>
-              </a:rPr>
-              <a:t>    </a:t>
-            </a:r>
-            <a:r>
-              <a:rPr lang="pl-PL" dirty="0" err="1" smtClean="0">
-                <a:solidFill>
-                  <a:schemeClr val="tx2"/>
-                </a:solidFill>
-              </a:rPr>
-              <a:t>requests.cpu</a:t>
-            </a:r>
-            <a:r>
-              <a:rPr lang="pl-PL" dirty="0" smtClean="0">
-                <a:solidFill>
-                  <a:schemeClr val="tx2"/>
-                </a:solidFill>
-              </a:rPr>
-              <a:t>: "1"</a:t>
-            </a:r>
-          </a:p>
-          <a:p>
-            <a:pPr marL="0" indent="0">
-              <a:buNone/>
-            </a:pPr>
-            <a:r>
-              <a:rPr lang="pl-PL" dirty="0" smtClean="0">
-                <a:solidFill>
-                  <a:schemeClr val="tx2"/>
-                </a:solidFill>
-              </a:rPr>
-              <a:t>    </a:t>
-            </a:r>
-            <a:r>
-              <a:rPr lang="pl-PL" dirty="0" err="1" smtClean="0">
-                <a:solidFill>
-                  <a:schemeClr val="tx2"/>
-                </a:solidFill>
-              </a:rPr>
-              <a:t>requests.memory</a:t>
-            </a:r>
-            <a:r>
-              <a:rPr lang="pl-PL" dirty="0" smtClean="0">
-                <a:solidFill>
-                  <a:schemeClr val="tx2"/>
-                </a:solidFill>
-              </a:rPr>
-              <a:t>: 1Gi</a:t>
-            </a:r>
-          </a:p>
-          <a:p>
-            <a:pPr marL="0" indent="0">
-              <a:buNone/>
-            </a:pPr>
-            <a:r>
-              <a:rPr lang="pl-PL" dirty="0" smtClean="0">
-                <a:solidFill>
-                  <a:schemeClr val="tx2"/>
-                </a:solidFill>
-              </a:rPr>
-              <a:t>    </a:t>
-            </a:r>
-            <a:r>
-              <a:rPr lang="pl-PL" dirty="0" err="1" smtClean="0">
-                <a:solidFill>
-                  <a:schemeClr val="tx2"/>
-                </a:solidFill>
-              </a:rPr>
-              <a:t>limits.cpu</a:t>
-            </a:r>
-            <a:r>
-              <a:rPr lang="pl-PL" dirty="0" smtClean="0">
-                <a:solidFill>
-                  <a:schemeClr val="tx2"/>
-                </a:solidFill>
-              </a:rPr>
-              <a:t>: "2"</a:t>
-            </a:r>
-          </a:p>
-          <a:p>
-            <a:pPr marL="0" indent="0">
-              <a:buNone/>
-            </a:pPr>
-            <a:r>
-              <a:rPr lang="pl-PL" dirty="0" smtClean="0">
-                <a:solidFill>
-                  <a:schemeClr val="tx2"/>
-                </a:solidFill>
-              </a:rPr>
-              <a:t>    </a:t>
-            </a:r>
-            <a:r>
-              <a:rPr lang="pl-PL" dirty="0" err="1" smtClean="0">
-                <a:solidFill>
-                  <a:schemeClr val="tx2"/>
-                </a:solidFill>
-              </a:rPr>
-              <a:t>limits.memory</a:t>
-            </a:r>
-            <a:r>
-              <a:rPr lang="pl-PL" dirty="0" smtClean="0">
-                <a:solidFill>
-                  <a:schemeClr val="tx2"/>
-                </a:solidFill>
-              </a:rPr>
-              <a:t>: 2Gi</a:t>
-            </a:r>
-          </a:p>
-          <a:p>
-            <a:pPr marL="0" indent="0">
-              <a:buNone/>
-            </a:pPr>
-            <a:r>
-              <a:rPr lang="pl-PL" dirty="0" smtClean="0">
-                <a:solidFill>
-                  <a:schemeClr val="tx2"/>
-                </a:solidFill>
-              </a:rPr>
-              <a:t>    requests.nvidia.com/</a:t>
-            </a:r>
-            <a:r>
-              <a:rPr lang="pl-PL" dirty="0" err="1" smtClean="0">
-                <a:solidFill>
-                  <a:schemeClr val="tx2"/>
-                </a:solidFill>
-              </a:rPr>
-              <a:t>gpu</a:t>
-            </a:r>
-            <a:r>
-              <a:rPr lang="pl-PL" dirty="0" smtClean="0">
-                <a:solidFill>
-                  <a:schemeClr val="tx2"/>
-                </a:solidFill>
-              </a:rPr>
-              <a:t>: 3</a:t>
-            </a:r>
-            <a:endParaRPr lang="pl-PL" dirty="0" smtClean="0">
-              <a:solidFill>
-                <a:schemeClr val="tx2"/>
-              </a:solidFill>
-              <a:hlinkClick r:id="rId2"/>
-            </a:endParaRPr>
-          </a:p>
-          <a:p>
-            <a:endParaRPr lang="pl-PL" dirty="0"/>
+            <a:r>
+              <a:rPr lang="pl-PL" b="1" dirty="0">
+                <a:solidFill>
+                  <a:schemeClr val="accent4">
+                    <a:lumMod val="50000"/>
+                  </a:schemeClr>
+                </a:solidFill>
+              </a:rPr>
+              <a:t>      </a:t>
+            </a:r>
+            <a:r>
+              <a:rPr lang="pl-PL" b="1" dirty="0" err="1">
+                <a:solidFill>
+                  <a:schemeClr val="accent4">
+                    <a:lumMod val="50000"/>
+                  </a:schemeClr>
+                </a:solidFill>
+              </a:rPr>
+              <a:t>limits</a:t>
+            </a:r>
+            <a:r>
+              <a:rPr lang="pl-PL" b="1" dirty="0">
+                <a:solidFill>
+                  <a:schemeClr val="accent4">
+                    <a:lumMod val="50000"/>
+                  </a:schemeClr>
+                </a:solidFill>
+              </a:rPr>
+              <a:t>:</a:t>
+            </a:r>
+          </a:p>
+          <a:p>
+            <a:r>
+              <a:rPr lang="pl-PL" b="1" dirty="0">
+                <a:solidFill>
+                  <a:schemeClr val="accent4">
+                    <a:lumMod val="50000"/>
+                  </a:schemeClr>
+                </a:solidFill>
+              </a:rPr>
+              <a:t>        </a:t>
+            </a:r>
+            <a:r>
+              <a:rPr lang="pl-PL" b="1" dirty="0" err="1">
+                <a:solidFill>
+                  <a:schemeClr val="accent4">
+                    <a:lumMod val="50000"/>
+                  </a:schemeClr>
+                </a:solidFill>
+              </a:rPr>
+              <a:t>memory</a:t>
+            </a:r>
+            <a:r>
+              <a:rPr lang="pl-PL" b="1" dirty="0">
+                <a:solidFill>
+                  <a:schemeClr val="accent4">
+                    <a:lumMod val="50000"/>
+                  </a:schemeClr>
+                </a:solidFill>
+              </a:rPr>
+              <a:t>: "1Gi"</a:t>
+            </a:r>
+          </a:p>
+          <a:p>
+            <a:r>
+              <a:rPr lang="pl-PL" b="1" dirty="0">
+                <a:solidFill>
+                  <a:schemeClr val="accent4">
+                    <a:lumMod val="50000"/>
+                  </a:schemeClr>
+                </a:solidFill>
+              </a:rPr>
+              <a:t>        </a:t>
+            </a:r>
+            <a:r>
+              <a:rPr lang="pl-PL" b="1" dirty="0" err="1">
+                <a:solidFill>
+                  <a:schemeClr val="accent4">
+                    <a:lumMod val="50000"/>
+                  </a:schemeClr>
+                </a:solidFill>
+              </a:rPr>
+              <a:t>cpu</a:t>
+            </a:r>
+            <a:r>
+              <a:rPr lang="pl-PL" b="1" dirty="0">
+                <a:solidFill>
+                  <a:schemeClr val="accent4">
+                    <a:lumMod val="50000"/>
+                  </a:schemeClr>
+                </a:solidFill>
+              </a:rPr>
+              <a:t>: "800m"      </a:t>
+            </a:r>
+          </a:p>
+          <a:p>
+            <a:r>
+              <a:rPr lang="pl-PL" b="1" dirty="0">
+                <a:solidFill>
+                  <a:schemeClr val="accent4">
+                    <a:lumMod val="50000"/>
+                  </a:schemeClr>
+                </a:solidFill>
+              </a:rPr>
+              <a:t>      </a:t>
+            </a:r>
+            <a:r>
+              <a:rPr lang="pl-PL" b="1" dirty="0" err="1">
+                <a:solidFill>
+                  <a:schemeClr val="accent4">
+                    <a:lumMod val="50000"/>
+                  </a:schemeClr>
+                </a:solidFill>
+              </a:rPr>
+              <a:t>requests</a:t>
+            </a:r>
+            <a:r>
+              <a:rPr lang="pl-PL" b="1" dirty="0">
+                <a:solidFill>
+                  <a:schemeClr val="accent4">
+                    <a:lumMod val="50000"/>
+                  </a:schemeClr>
+                </a:solidFill>
+              </a:rPr>
+              <a:t>:</a:t>
+            </a:r>
+          </a:p>
+          <a:p>
+            <a:r>
+              <a:rPr lang="pl-PL" b="1" dirty="0">
+                <a:solidFill>
+                  <a:schemeClr val="accent4">
+                    <a:lumMod val="50000"/>
+                  </a:schemeClr>
+                </a:solidFill>
+              </a:rPr>
+              <a:t>        </a:t>
+            </a:r>
+            <a:r>
+              <a:rPr lang="pl-PL" b="1" dirty="0" err="1">
+                <a:solidFill>
+                  <a:schemeClr val="accent4">
+                    <a:lumMod val="50000"/>
+                  </a:schemeClr>
+                </a:solidFill>
+              </a:rPr>
+              <a:t>memory</a:t>
+            </a:r>
+            <a:r>
+              <a:rPr lang="pl-PL" b="1" dirty="0">
+                <a:solidFill>
+                  <a:schemeClr val="accent4">
+                    <a:lumMod val="50000"/>
+                  </a:schemeClr>
+                </a:solidFill>
+              </a:rPr>
+              <a:t>: "700Mi"</a:t>
+            </a:r>
+          </a:p>
+          <a:p>
+            <a:r>
+              <a:rPr lang="pl-PL" b="1" dirty="0">
+                <a:solidFill>
+                  <a:schemeClr val="accent4">
+                    <a:lumMod val="50000"/>
+                  </a:schemeClr>
+                </a:solidFill>
+              </a:rPr>
+              <a:t>        </a:t>
+            </a:r>
+            <a:r>
+              <a:rPr lang="pl-PL" b="1" dirty="0" err="1">
+                <a:solidFill>
+                  <a:schemeClr val="accent4">
+                    <a:lumMod val="50000"/>
+                  </a:schemeClr>
+                </a:solidFill>
+              </a:rPr>
+              <a:t>cpu</a:t>
+            </a:r>
+            <a:r>
+              <a:rPr lang="pl-PL" b="1" dirty="0">
+                <a:solidFill>
+                  <a:schemeClr val="accent4">
+                    <a:lumMod val="50000"/>
+                  </a:schemeClr>
+                </a:solidFill>
+              </a:rPr>
+              <a:t>: "400m"</a:t>
+            </a:r>
+          </a:p>
+          <a:p>
+            <a:r>
+              <a:rPr lang="pl-PL" dirty="0"/>
+              <a:t> </a:t>
+            </a:r>
           </a:p>
         </p:txBody>
       </p:sp>
     </p:spTree>
     <p:extLst>
       <p:ext uri="{BB962C8B-B14F-4D97-AF65-F5344CB8AC3E}">
-        <p14:creationId xmlns:p14="http://schemas.microsoft.com/office/powerpoint/2010/main" val="4111604730"/>
+        <p14:creationId xmlns:p14="http://schemas.microsoft.com/office/powerpoint/2010/main" val="3781876501"/>
       </p:ext>
     </p:extLst>
   </p:cSld>
   <p:clrMapOvr>
     <a:masterClrMapping/>
   </p:clrMapOvr>
-  <p:timing>
-    <p:tnLst>
-      <p:par>
-        <p:cTn id="1" dur="indefinite" restart="never" nodeType="tmRoot"/>
-      </p:par>
-    </p:tnLst>
-  </p:timing>
 </p:sld>
 </file>
 
@@ -5324,12 +4975,8 @@
           <a:lstStyle/>
           <a:p>
             <a:r>
-              <a:rPr lang="pl-PL" dirty="0" smtClean="0"/>
-              <a:t>Limit </a:t>
-            </a:r>
-            <a:r>
-              <a:rPr lang="pl-PL" dirty="0" err="1" smtClean="0"/>
-              <a:t>range</a:t>
+              <a:rPr lang="pl-PL" dirty="0" err="1"/>
+              <a:t>Namespaces</a:t>
             </a:r>
             <a:endParaRPr lang="pl-PL" dirty="0"/>
           </a:p>
@@ -5345,344 +4992,62 @@
             <p:ph idx="1"/>
           </p:nvPr>
         </p:nvSpPr>
-        <p:spPr>
-          <a:xfrm>
-            <a:off x="502920" y="530352"/>
-            <a:ext cx="8183880" cy="5130896"/>
-          </a:xfrm>
-        </p:spPr>
+        <p:spPr/>
         <p:txBody>
           <a:bodyPr>
-            <a:normAutofit fontScale="62500" lnSpcReduction="20000"/>
+            <a:normAutofit fontScale="92500" lnSpcReduction="10000"/>
           </a:bodyPr>
           <a:lstStyle/>
           <a:p>
-            <a:pPr marL="0" indent="0">
-              <a:buNone/>
-            </a:pPr>
-            <a:r>
-              <a:rPr lang="pl-PL" dirty="0" err="1"/>
-              <a:t>apiVersion</a:t>
-            </a:r>
-            <a:r>
-              <a:rPr lang="pl-PL" dirty="0"/>
-              <a:t>: v1</a:t>
-            </a:r>
-          </a:p>
-          <a:p>
-            <a:pPr marL="0" indent="0">
-              <a:buNone/>
-            </a:pPr>
-            <a:r>
-              <a:rPr lang="pl-PL" dirty="0" err="1"/>
-              <a:t>kind</a:t>
-            </a:r>
-            <a:r>
-              <a:rPr lang="pl-PL" dirty="0"/>
-              <a:t>: </a:t>
-            </a:r>
-            <a:r>
-              <a:rPr lang="pl-PL" dirty="0" err="1"/>
-              <a:t>LimitRange</a:t>
+            <a:r>
+              <a:rPr lang="en-US" dirty="0"/>
+              <a:t>Beyond the individual container resources, you may want to investigate setting limits on namespaces. So what is a namespace? Namespaces can be used to define a cluster of applications, departments, or environments. Simply, Namespace refers to scope or grouping of objects in a Kubernetes cluster</a:t>
             </a:r>
             <a:endParaRPr lang="pl-PL" dirty="0"/>
           </a:p>
           <a:p>
-            <a:pPr marL="0" indent="0">
-              <a:buNone/>
-            </a:pPr>
-            <a:r>
-              <a:rPr lang="pl-PL" dirty="0" err="1"/>
-              <a:t>metadata</a:t>
-            </a:r>
-            <a:r>
-              <a:rPr lang="pl-PL" dirty="0"/>
-              <a:t>:</a:t>
-            </a:r>
-          </a:p>
-          <a:p>
-            <a:pPr marL="0" indent="0">
-              <a:buNone/>
-            </a:pPr>
-            <a:r>
-              <a:rPr lang="pl-PL" dirty="0"/>
-              <a:t>  </a:t>
-            </a:r>
-            <a:r>
-              <a:rPr lang="pl-PL" dirty="0" err="1"/>
-              <a:t>name</a:t>
-            </a:r>
-            <a:r>
-              <a:rPr lang="pl-PL" dirty="0"/>
-              <a:t>: limit-</a:t>
-            </a:r>
-            <a:r>
-              <a:rPr lang="pl-PL" dirty="0" err="1"/>
-              <a:t>mem</a:t>
-            </a:r>
-            <a:r>
-              <a:rPr lang="pl-PL" dirty="0"/>
-              <a:t>-</a:t>
-            </a:r>
-            <a:r>
-              <a:rPr lang="pl-PL" dirty="0" err="1"/>
-              <a:t>cpu</a:t>
-            </a:r>
-            <a:r>
-              <a:rPr lang="pl-PL" dirty="0"/>
-              <a:t>-per-</a:t>
-            </a:r>
-            <a:r>
-              <a:rPr lang="pl-PL" dirty="0" err="1"/>
-              <a:t>container</a:t>
-            </a:r>
             <a:endParaRPr lang="pl-PL" dirty="0"/>
           </a:p>
           <a:p>
-            <a:pPr marL="0" indent="0">
-              <a:buNone/>
-            </a:pPr>
-            <a:r>
-              <a:rPr lang="pl-PL" dirty="0"/>
-              <a:t>spec:</a:t>
-            </a:r>
-          </a:p>
-          <a:p>
-            <a:pPr marL="0" indent="0">
-              <a:buNone/>
-            </a:pPr>
-            <a:r>
-              <a:rPr lang="pl-PL" dirty="0"/>
-              <a:t>  </a:t>
-            </a:r>
-            <a:r>
-              <a:rPr lang="pl-PL" dirty="0" err="1"/>
-              <a:t>limits</a:t>
-            </a:r>
-            <a:r>
-              <a:rPr lang="pl-PL" dirty="0"/>
-              <a:t>:</a:t>
-            </a:r>
-          </a:p>
-          <a:p>
-            <a:pPr marL="0" indent="0">
-              <a:buNone/>
-            </a:pPr>
-            <a:r>
-              <a:rPr lang="pl-PL" dirty="0"/>
-              <a:t>  - max:</a:t>
-            </a:r>
-          </a:p>
-          <a:p>
-            <a:pPr marL="0" indent="0">
-              <a:buNone/>
-            </a:pPr>
-            <a:r>
-              <a:rPr lang="pl-PL" dirty="0"/>
-              <a:t>      </a:t>
-            </a:r>
-            <a:r>
-              <a:rPr lang="pl-PL" dirty="0" err="1"/>
-              <a:t>cpu</a:t>
-            </a:r>
-            <a:r>
-              <a:rPr lang="pl-PL" dirty="0"/>
-              <a:t>: "800m"</a:t>
-            </a:r>
-          </a:p>
-          <a:p>
-            <a:pPr marL="0" indent="0">
-              <a:buNone/>
-            </a:pPr>
-            <a:r>
-              <a:rPr lang="pl-PL" dirty="0"/>
-              <a:t>      </a:t>
-            </a:r>
-            <a:r>
-              <a:rPr lang="pl-PL" dirty="0" err="1"/>
-              <a:t>memory</a:t>
-            </a:r>
-            <a:r>
-              <a:rPr lang="pl-PL" dirty="0"/>
-              <a:t>: "1Gi"</a:t>
-            </a:r>
-          </a:p>
-          <a:p>
-            <a:pPr marL="0" indent="0">
-              <a:buNone/>
-            </a:pPr>
-            <a:r>
-              <a:rPr lang="pl-PL" dirty="0"/>
-              <a:t>    min:</a:t>
-            </a:r>
-          </a:p>
-          <a:p>
-            <a:pPr marL="0" indent="0">
-              <a:buNone/>
-            </a:pPr>
-            <a:r>
-              <a:rPr lang="pl-PL" dirty="0"/>
-              <a:t>      </a:t>
-            </a:r>
-            <a:r>
-              <a:rPr lang="pl-PL" dirty="0" err="1"/>
-              <a:t>cpu</a:t>
-            </a:r>
-            <a:r>
-              <a:rPr lang="pl-PL" dirty="0"/>
-              <a:t>: "50m"</a:t>
-            </a:r>
-          </a:p>
-          <a:p>
-            <a:pPr marL="0" indent="0">
-              <a:buNone/>
-            </a:pPr>
-            <a:r>
-              <a:rPr lang="pl-PL" dirty="0"/>
-              <a:t>      </a:t>
-            </a:r>
-            <a:r>
-              <a:rPr lang="pl-PL" dirty="0" err="1"/>
-              <a:t>memory</a:t>
-            </a:r>
-            <a:r>
-              <a:rPr lang="pl-PL" dirty="0"/>
-              <a:t>: "50Mi"</a:t>
-            </a:r>
-          </a:p>
-          <a:p>
-            <a:pPr marL="0" indent="0">
-              <a:buNone/>
-            </a:pPr>
-            <a:r>
-              <a:rPr lang="pl-PL" dirty="0"/>
-              <a:t>    </a:t>
-            </a:r>
-            <a:r>
-              <a:rPr lang="pl-PL" dirty="0" err="1"/>
-              <a:t>default</a:t>
-            </a:r>
-            <a:r>
-              <a:rPr lang="pl-PL" dirty="0"/>
-              <a:t>:</a:t>
-            </a:r>
-          </a:p>
-          <a:p>
-            <a:pPr marL="0" indent="0">
-              <a:buNone/>
-            </a:pPr>
-            <a:r>
-              <a:rPr lang="pl-PL" dirty="0"/>
-              <a:t>      </a:t>
-            </a:r>
-            <a:r>
-              <a:rPr lang="pl-PL" dirty="0" err="1"/>
-              <a:t>cpu</a:t>
-            </a:r>
-            <a:r>
-              <a:rPr lang="pl-PL" dirty="0"/>
-              <a:t>: "200m"</a:t>
-            </a:r>
-          </a:p>
-          <a:p>
-            <a:pPr marL="0" indent="0">
-              <a:buNone/>
-            </a:pPr>
-            <a:r>
-              <a:rPr lang="pl-PL" dirty="0"/>
-              <a:t>      </a:t>
-            </a:r>
-            <a:r>
-              <a:rPr lang="pl-PL" dirty="0" err="1"/>
-              <a:t>memory</a:t>
-            </a:r>
-            <a:r>
-              <a:rPr lang="pl-PL" dirty="0"/>
-              <a:t>: "200Mi"</a:t>
-            </a:r>
-          </a:p>
-          <a:p>
-            <a:pPr marL="0" indent="0">
-              <a:buNone/>
-            </a:pPr>
-            <a:r>
-              <a:rPr lang="pl-PL" dirty="0"/>
-              <a:t>    </a:t>
-            </a:r>
-            <a:r>
-              <a:rPr lang="pl-PL" dirty="0" err="1"/>
-              <a:t>defaultRequest</a:t>
-            </a:r>
-            <a:r>
-              <a:rPr lang="pl-PL" dirty="0"/>
-              <a:t>:</a:t>
-            </a:r>
-          </a:p>
-          <a:p>
-            <a:pPr marL="0" indent="0">
-              <a:buNone/>
-            </a:pPr>
-            <a:r>
-              <a:rPr lang="pl-PL" dirty="0"/>
-              <a:t>      </a:t>
-            </a:r>
-            <a:r>
-              <a:rPr lang="pl-PL" dirty="0" err="1"/>
-              <a:t>cpu</a:t>
-            </a:r>
-            <a:r>
-              <a:rPr lang="pl-PL" dirty="0"/>
-              <a:t>: "100m"</a:t>
-            </a:r>
-          </a:p>
-          <a:p>
-            <a:pPr marL="0" indent="0">
-              <a:buNone/>
-            </a:pPr>
-            <a:r>
-              <a:rPr lang="pl-PL" dirty="0"/>
-              <a:t>      </a:t>
-            </a:r>
-            <a:r>
-              <a:rPr lang="pl-PL" dirty="0" err="1"/>
-              <a:t>memory</a:t>
-            </a:r>
-            <a:r>
-              <a:rPr lang="pl-PL" dirty="0"/>
-              <a:t>: "100Mi"</a:t>
-            </a:r>
-          </a:p>
-          <a:p>
-            <a:pPr marL="0" indent="0">
-              <a:buNone/>
-            </a:pPr>
-            <a:r>
-              <a:rPr lang="pl-PL" dirty="0"/>
-              <a:t>    </a:t>
-            </a:r>
-            <a:r>
-              <a:rPr lang="pl-PL" dirty="0" err="1">
+            <a:r>
+              <a:rPr lang="en-US" dirty="0">
                 <a:solidFill>
                   <a:srgbClr val="FF0000"/>
                 </a:solidFill>
               </a:rPr>
-              <a:t>type</a:t>
-            </a:r>
-            <a:r>
-              <a:rPr lang="pl-PL" dirty="0">
+              <a:t>At the Namespace level, you can set up </a:t>
+            </a:r>
+            <a:r>
+              <a:rPr lang="en-US" dirty="0" err="1">
                 <a:solidFill>
                   <a:srgbClr val="FF0000"/>
                 </a:solidFill>
               </a:rPr>
-              <a:t>: </a:t>
-            </a:r>
-            <a:r>
-              <a:rPr lang="pl-PL" dirty="0" err="1">
+              <a:t>ResourceQuotas</a:t>
+            </a:r>
+            <a:r>
+              <a:rPr lang="en-US" dirty="0">
                 <a:solidFill>
                   <a:srgbClr val="FF0000"/>
                 </a:solidFill>
               </a:rPr>
-              <a:t>Container</a:t>
+              <a:t> and </a:t>
+            </a:r>
+            <a:r>
+              <a:rPr lang="en-US" dirty="0" err="1">
+                <a:solidFill>
+                  <a:srgbClr val="FF0000"/>
+                </a:solidFill>
+              </a:rPr>
+              <a:t>LimitRanges</a:t>
+            </a:r>
+            <a:r>
+              <a:rPr lang="en-US" dirty="0">
+                <a:solidFill>
+                  <a:srgbClr val="FF0000"/>
+                </a:solidFill>
+              </a:rPr>
+              <a:t>.</a:t>
             </a:r>
             <a:endParaRPr lang="pl-PL" dirty="0">
               <a:solidFill>
@@ -5695,7 +5060,7 @@
     </p:spTree>
     <p:extLst>
       <p:ext uri="{BB962C8B-B14F-4D97-AF65-F5344CB8AC3E}">
-        <p14:creationId xmlns:p14="http://schemas.microsoft.com/office/powerpoint/2010/main" val="1770858312"/>
+        <p14:creationId xmlns:p14="http://schemas.microsoft.com/office/powerpoint/2010/main" val="194794197"/>
       </p:ext>
     </p:extLst>
   </p:cSld>
@@ -5738,32 +5103,51 @@
           <a:lstStyle/>
           <a:p>
             <a:r>
-              <a:rPr lang="pl-PL" dirty="0" err="1" smtClean="0"/>
-              <a:t>Resources</a:t>
-            </a:r>
-            <a:r>
-              <a:rPr lang="pl-PL" dirty="0" smtClean="0"/>
-              <a:t> </a:t>
-            </a:r>
-            <a:r>
-              <a:rPr lang="pl-PL" dirty="0" err="1" smtClean="0"/>
+              <a:rPr lang="pl-PL" dirty="0"/>
+              <a:t>Resource </a:t>
+            </a:r>
+            <a:r>
+              <a:rPr lang="pl-PL" dirty="0" err="1"/>
               <a:t>quota</a:t>
             </a:r>
-            <a:r>
-              <a:rPr lang="pl-PL" dirty="0" smtClean="0"/>
-              <a:t>/limit </a:t>
-            </a:r>
-            <a:r>
-              <a:rPr lang="pl-PL" dirty="0" err="1" smtClean="0"/>
-              <a:t>range</a:t>
-            </a:r>
             <a:endParaRPr lang="pl-PL" dirty="0"/>
           </a:p>
         </p:txBody>
       </p:sp>
       <p:sp>
         <p:nvSpPr>
-          <p:cNvPr id="3" name="Symbol zastępczy zawartości 2"/>
+          <p:cNvPr id="4" name="Prostokąt 3"/>
+          <p:cNvSpPr/>
+          <p:nvPr/>
+        </p:nvSpPr>
+        <p:spPr>
+          <a:xfrm>
+            <a:off x="755576" y="4725144"/>
+            <a:ext cx="6912768" cy="646331"/>
+          </a:xfrm>
+          <a:prstGeom prst="rect">
+            <a:avLst/>
+          </a:prstGeom>
+        </p:spPr>
+        <p:txBody>
+          <a:bodyPr wrap="square">
+            <a:spAutoFit/>
+          </a:bodyPr>
+          <a:lstStyle/>
+          <a:p>
+            <a:r>
+              <a:rPr lang="pl-PL" dirty="0">
+                <a:hlinkClick r:id="rId2"/>
+              </a:rPr>
+              <a:t>https://github.com/djkormo/k8s-AKS-primer/tree/master/examples/quotas</a:t>
+            </a:r>
+            <a:endParaRPr lang="pl-PL" dirty="0"/>
+          </a:p>
+        </p:txBody>
+      </p:sp>
+      <p:sp>
+        <p:nvSpPr>
+          <p:cNvPr id="5" name="Symbol zastępczy zawartości 4"/>
           <p:cNvSpPr>
             <a:spLocks noGrp="1"/>
           </p:cNvSpPr>
@@ -5773,49 +5157,349 @@
         </p:nvSpPr>
         <p:spPr/>
         <p:txBody>
-          <a:bodyPr/>
-          <a:lstStyle/>
-          <a:p>
-            <a:endParaRPr lang="pl-PL" dirty="0" smtClean="0"/>
+          <a:bodyPr>
+            <a:normAutofit fontScale="85000" lnSpcReduction="20000"/>
+          </a:bodyPr>
+          <a:lstStyle/>
+          <a:p>
+            <a:pPr marL="0" indent="0">
+              <a:buNone/>
+            </a:pPr>
+            <a:r>
+              <a:rPr lang="pl-PL" dirty="0" err="1">
+                <a:solidFill>
+                  <a:srgbClr val="FF0000"/>
+                </a:solidFill>
+              </a:rPr>
+              <a:t>apiVersion</a:t>
+            </a:r>
+            <a:r>
+              <a:rPr lang="pl-PL" dirty="0">
+                <a:solidFill>
+                  <a:srgbClr val="FF0000"/>
+                </a:solidFill>
+              </a:rPr>
+              <a:t>: v1</a:t>
+            </a:r>
+          </a:p>
+          <a:p>
+            <a:pPr marL="0" indent="0">
+              <a:buNone/>
+            </a:pPr>
+            <a:r>
+              <a:rPr lang="pl-PL" dirty="0" err="1">
+                <a:solidFill>
+                  <a:srgbClr val="FF0000"/>
+                </a:solidFill>
+              </a:rPr>
+              <a:t>kind</a:t>
+            </a:r>
+            <a:r>
+              <a:rPr lang="pl-PL" dirty="0">
+                <a:solidFill>
+                  <a:srgbClr val="FF0000"/>
+                </a:solidFill>
+              </a:rPr>
+              <a:t>: </a:t>
+            </a:r>
+            <a:r>
+              <a:rPr lang="pl-PL" dirty="0" err="1">
+                <a:solidFill>
+                  <a:srgbClr val="FF0000"/>
+                </a:solidFill>
+              </a:rPr>
+              <a:t>ResourceQuota</a:t>
+            </a:r>
+            <a:endParaRPr lang="pl-PL" dirty="0">
+              <a:solidFill>
+                <a:srgbClr val="FF0000"/>
+              </a:solidFill>
+            </a:endParaRPr>
+          </a:p>
+          <a:p>
+            <a:pPr marL="0" indent="0">
+              <a:buNone/>
+            </a:pPr>
+            <a:r>
+              <a:rPr lang="pl-PL" dirty="0" err="1">
+                <a:solidFill>
+                  <a:schemeClr val="tx2"/>
+                </a:solidFill>
+              </a:rPr>
+              <a:t>metadata</a:t>
+            </a:r>
+            <a:r>
+              <a:rPr lang="pl-PL" dirty="0">
+                <a:solidFill>
+                  <a:schemeClr val="tx2"/>
+                </a:solidFill>
+              </a:rPr>
+              <a:t>:</a:t>
+            </a:r>
+          </a:p>
+          <a:p>
+            <a:pPr marL="0" indent="0">
+              <a:buNone/>
+            </a:pPr>
+            <a:r>
+              <a:rPr lang="pl-PL" dirty="0">
+                <a:solidFill>
+                  <a:schemeClr val="tx2"/>
+                </a:solidFill>
+              </a:rPr>
+              <a:t>  </a:t>
+            </a:r>
+            <a:r>
+              <a:rPr lang="pl-PL" dirty="0" err="1">
+                <a:solidFill>
+                  <a:schemeClr val="tx2"/>
+                </a:solidFill>
+              </a:rPr>
+              <a:t>name</a:t>
+            </a:r>
+            <a:r>
+              <a:rPr lang="pl-PL" dirty="0">
+                <a:solidFill>
+                  <a:schemeClr val="tx2"/>
+                </a:solidFill>
+              </a:rPr>
+              <a:t>: </a:t>
+            </a:r>
+            <a:r>
+              <a:rPr lang="pl-PL" dirty="0" err="1">
+                <a:solidFill>
+                  <a:schemeClr val="tx2"/>
+                </a:solidFill>
+              </a:rPr>
+              <a:t>compute-resources</a:t>
+            </a:r>
+            <a:endParaRPr lang="pl-PL" dirty="0">
+              <a:solidFill>
+                <a:schemeClr val="tx2"/>
+              </a:solidFill>
+            </a:endParaRPr>
+          </a:p>
+          <a:p>
+            <a:pPr marL="0" indent="0">
+              <a:buNone/>
+            </a:pPr>
+            <a:r>
+              <a:rPr lang="pl-PL" dirty="0">
+                <a:solidFill>
+                  <a:schemeClr val="tx2"/>
+                </a:solidFill>
+              </a:rPr>
+              <a:t>spec:</a:t>
+            </a:r>
+          </a:p>
+          <a:p>
+            <a:pPr marL="0" indent="0">
+              <a:buNone/>
+            </a:pPr>
+            <a:r>
+              <a:rPr lang="pl-PL" dirty="0">
+                <a:solidFill>
+                  <a:schemeClr val="tx2"/>
+                </a:solidFill>
+              </a:rPr>
+              <a:t>  hard:</a:t>
+            </a:r>
+          </a:p>
+          <a:p>
+            <a:pPr marL="0" indent="0">
+              <a:buNone/>
+            </a:pPr>
+            <a:r>
+              <a:rPr lang="pl-PL" dirty="0">
+                <a:solidFill>
+                  <a:schemeClr val="tx2"/>
+                </a:solidFill>
+              </a:rPr>
+              <a:t>    </a:t>
+            </a:r>
+            <a:r>
+              <a:rPr lang="pl-PL" dirty="0" err="1">
+                <a:solidFill>
+                  <a:schemeClr val="tx2"/>
+                </a:solidFill>
+              </a:rPr>
+              <a:t>pods</a:t>
+            </a:r>
+            <a:r>
+              <a:rPr lang="pl-PL" dirty="0">
+                <a:solidFill>
+                  <a:schemeClr val="tx2"/>
+                </a:solidFill>
+              </a:rPr>
+              <a:t>: "20"</a:t>
+            </a:r>
+          </a:p>
+          <a:p>
+            <a:pPr marL="0" indent="0">
+              <a:buNone/>
+            </a:pPr>
+            <a:r>
+              <a:rPr lang="pl-PL" dirty="0">
+                <a:solidFill>
+                  <a:schemeClr val="tx2"/>
+                </a:solidFill>
+              </a:rPr>
+              <a:t>    </a:t>
+            </a:r>
+            <a:r>
+              <a:rPr lang="pl-PL" dirty="0" err="1">
+                <a:solidFill>
+                  <a:schemeClr val="tx2"/>
+                </a:solidFill>
+              </a:rPr>
+              <a:t>requests.cpu</a:t>
+            </a:r>
+            <a:r>
+              <a:rPr lang="pl-PL" dirty="0">
+                <a:solidFill>
+                  <a:schemeClr val="tx2"/>
+                </a:solidFill>
+              </a:rPr>
+              <a:t>: "1"</a:t>
+            </a:r>
+          </a:p>
+          <a:p>
+            <a:pPr marL="0" indent="0">
+              <a:buNone/>
+            </a:pPr>
+            <a:r>
+              <a:rPr lang="pl-PL" dirty="0">
+                <a:solidFill>
+                  <a:schemeClr val="tx2"/>
+                </a:solidFill>
+              </a:rPr>
+              <a:t>    </a:t>
+            </a:r>
+            <a:r>
+              <a:rPr lang="pl-PL" dirty="0" err="1">
+                <a:solidFill>
+                  <a:schemeClr val="tx2"/>
+                </a:solidFill>
+              </a:rPr>
+              <a:t>requests.memory</a:t>
+            </a:r>
+            <a:r>
+              <a:rPr lang="pl-PL" dirty="0">
+                <a:solidFill>
+                  <a:schemeClr val="tx2"/>
+                </a:solidFill>
+              </a:rPr>
+              <a:t>: 1Gi</a:t>
+            </a:r>
+          </a:p>
+          <a:p>
+            <a:pPr marL="0" indent="0">
+              <a:buNone/>
+            </a:pPr>
+            <a:r>
+              <a:rPr lang="pl-PL" dirty="0">
+                <a:solidFill>
+                  <a:schemeClr val="tx2"/>
+                </a:solidFill>
+              </a:rPr>
+              <a:t>    </a:t>
+            </a:r>
+            <a:r>
+              <a:rPr lang="pl-PL" dirty="0" err="1">
+                <a:solidFill>
+                  <a:schemeClr val="tx2"/>
+                </a:solidFill>
+              </a:rPr>
+              <a:t>limits.cpu</a:t>
+            </a:r>
+            <a:r>
+              <a:rPr lang="pl-PL" dirty="0">
+                <a:solidFill>
+                  <a:schemeClr val="tx2"/>
+                </a:solidFill>
+              </a:rPr>
+              <a:t>: "2"</a:t>
+            </a:r>
+          </a:p>
+          <a:p>
+            <a:pPr marL="0" indent="0">
+              <a:buNone/>
+            </a:pPr>
+            <a:r>
+              <a:rPr lang="pl-PL" dirty="0">
+                <a:solidFill>
+                  <a:schemeClr val="tx2"/>
+                </a:solidFill>
+              </a:rPr>
+              <a:t>    </a:t>
+            </a:r>
+            <a:r>
+              <a:rPr lang="pl-PL" dirty="0" err="1">
+                <a:solidFill>
+                  <a:schemeClr val="tx2"/>
+                </a:solidFill>
+              </a:rPr>
+              <a:t>limits.memory</a:t>
+            </a:r>
+            <a:r>
+              <a:rPr lang="pl-PL" dirty="0">
+                <a:solidFill>
+                  <a:schemeClr val="tx2"/>
+                </a:solidFill>
+              </a:rPr>
+              <a:t>: 2Gi</a:t>
+            </a:r>
+          </a:p>
+          <a:p>
+            <a:pPr marL="0" indent="0">
+              <a:buNone/>
+            </a:pPr>
+            <a:r>
+              <a:rPr lang="pl-PL" dirty="0">
+                <a:solidFill>
+                  <a:schemeClr val="tx2"/>
+                </a:solidFill>
+              </a:rPr>
+              <a:t>    requests.nvidia.com/</a:t>
+            </a:r>
+            <a:r>
+              <a:rPr lang="pl-PL" dirty="0" err="1">
+                <a:solidFill>
+                  <a:schemeClr val="tx2"/>
+                </a:solidFill>
+              </a:rPr>
+              <a:t>gpu</a:t>
+            </a:r>
+            <a:r>
+              <a:rPr lang="pl-PL" dirty="0">
+                <a:solidFill>
+                  <a:schemeClr val="tx2"/>
+                </a:solidFill>
+              </a:rPr>
+              <a:t>: 3</a:t>
+            </a:r>
+            <a:endParaRPr lang="pl-PL" dirty="0">
+              <a:solidFill>
+                <a:schemeClr val="tx2"/>
+              </a:solidFill>
+              <a:hlinkClick r:id="rId2"/>
+            </a:endParaRPr>
           </a:p>
           <a:p>
             <a:endParaRPr lang="pl-PL" dirty="0"/>
-          </a:p>
-          <a:p>
-            <a:endParaRPr lang="pl-PL" dirty="0" smtClean="0"/>
-          </a:p>
-          <a:p>
-            <a:endParaRPr lang="pl-PL" dirty="0"/>
-          </a:p>
-          <a:p>
-            <a:pPr marL="0" indent="0" algn="ctr">
-              <a:buNone/>
-            </a:pPr>
-            <a:r>
-              <a:rPr lang="pl-PL" sz="4000" dirty="0" smtClean="0"/>
-              <a:t>DEMO</a:t>
-            </a:r>
-            <a:endParaRPr lang="pl-PL" sz="4000" dirty="0"/>
           </a:p>
         </p:txBody>
       </p:sp>
     </p:spTree>
     <p:extLst>
       <p:ext uri="{BB962C8B-B14F-4D97-AF65-F5344CB8AC3E}">
-        <p14:creationId xmlns:p14="http://schemas.microsoft.com/office/powerpoint/2010/main" val="2502144188"/>
+        <p14:creationId xmlns:p14="http://schemas.microsoft.com/office/powerpoint/2010/main" val="4111604730"/>
       </p:ext>
     </p:extLst>
   </p:cSld>
   <p:clrMapOvr>
     <a:masterClrMapping/>
   </p:clrMapOvr>
-  <p:timing>
-    <p:tnLst>
-      <p:par>
-        <p:cTn id="1" dur="indefinite" restart="never" nodeType="tmRoot"/>
-      </p:par>
-    </p:tnLst>
-  </p:timing>
 </p:sld>
 </file>
 
@@ -5852,12 +5536,12 @@
           <a:lstStyle/>
           <a:p>
             <a:r>
-              <a:rPr lang="pl-PL" dirty="0" smtClean="0"/>
-              <a:t>Resource </a:t>
-            </a:r>
-            <a:r>
-              <a:rPr lang="pl-PL" dirty="0" err="1" smtClean="0"/>
-              <a:t>quotas</a:t>
+              <a:rPr lang="pl-PL" dirty="0"/>
+              <a:t>Limit </a:t>
+            </a:r>
+            <a:r>
+              <a:rPr lang="pl-PL" dirty="0" err="1"/>
+              <a:t>range</a:t>
             </a:r>
             <a:endParaRPr lang="pl-PL" dirty="0"/>
           </a:p>
@@ -5865,7 +5549,7 @@
       </p:sp>
       <p:sp>
         <p:nvSpPr>
-          <p:cNvPr id="5" name="Symbol zastępczy zawartości 4"/>
+          <p:cNvPr id="3" name="Symbol zastępczy zawartości 2"/>
           <p:cNvSpPr>
             <a:spLocks noGrp="1"/>
           </p:cNvSpPr>
@@ -5873,10 +5557,15 @@
             <p:ph idx="1"/>
           </p:nvPr>
         </p:nvSpPr>
-        <p:spPr/>
+        <p:spPr>
+          <a:xfrm>
+            <a:off x="502920" y="530352"/>
+            <a:ext cx="8183880" cy="5130896"/>
+          </a:xfrm>
+        </p:spPr>
         <p:txBody>
           <a:bodyPr>
-            <a:normAutofit fontScale="85000" lnSpcReduction="20000"/>
+            <a:normAutofit fontScale="62500" lnSpcReduction="20000"/>
           </a:bodyPr>
           <a:lstStyle/>
           <a:p>
@@ -5906,7 +5595,7 @@
             </a:r>
             <a:r>
               <a:rPr lang="pl-PL" dirty="0" err="1"/>
-              <a:t>ResourceQuota</a:t>
+              <a:t>LimitRange</a:t>
             </a:r>
             <a:endParaRPr lang="pl-PL" dirty="0"/>
           </a:p>
@@ -5937,11 +5626,27 @@
             </a:r>
             <a:r>
               <a:rPr lang="pl-PL" dirty="0"/>
-              <a:t>: </a:t>
+              <a:t>: limit-</a:t>
             </a:r>
             <a:r>
               <a:rPr lang="pl-PL" dirty="0" err="1"/>
-              <a:t>compute-resources</a:t>
+              <a:t>mem</a:t>
+            </a:r>
+            <a:r>
+              <a:rPr lang="pl-PL" dirty="0"/>
+              <a:t>-</a:t>
+            </a:r>
+            <a:r>
+              <a:rPr lang="pl-PL" dirty="0" err="1"/>
+              <a:t>cpu</a:t>
+            </a:r>
+            <a:r>
+              <a:rPr lang="pl-PL" dirty="0"/>
+              <a:t>-per-</a:t>
+            </a:r>
+            <a:r>
+              <a:rPr lang="pl-PL" dirty="0" err="1"/>
+              <a:t>container</a:t>
             </a:r>
             <a:endParaRPr lang="pl-PL" dirty="0"/>
           </a:p>
@@ -5960,7 +5665,101 @@
             </a:pPr>
             <a:r>
               <a:rPr lang="pl-PL" dirty="0"/>
-              <a:t>  hard:</a:t>
+              <a:t>  </a:t>
+            </a:r>
+            <a:r>
+              <a:rPr lang="pl-PL" dirty="0" err="1"/>
+              <a:t>limits</a:t>
+            </a:r>
+            <a:r>
+              <a:rPr lang="pl-PL" dirty="0"/>
+              <a:t>:</a:t>
+            </a:r>
+          </a:p>
+          <a:p>
+            <a:pPr marL="0" indent="0">
+              <a:buNone/>
+            </a:pPr>
+            <a:r>
+              <a:rPr lang="pl-PL" dirty="0"/>
+              <a:t>  - max:</a:t>
+            </a:r>
+          </a:p>
+          <a:p>
+            <a:pPr marL="0" indent="0">
+              <a:buNone/>
+            </a:pPr>
+            <a:r>
+              <a:rPr lang="pl-PL" dirty="0"/>
+              <a:t>      </a:t>
+            </a:r>
+            <a:r>
+              <a:rPr lang="pl-PL" dirty="0" err="1"/>
+              <a:t>cpu</a:t>
+            </a:r>
+            <a:r>
+              <a:rPr lang="pl-PL" dirty="0"/>
+              <a:t>: "800m"</a:t>
+            </a:r>
+          </a:p>
+          <a:p>
+            <a:pPr marL="0" indent="0">
+              <a:buNone/>
+            </a:pPr>
+            <a:r>
+              <a:rPr lang="pl-PL" dirty="0"/>
+              <a:t>      </a:t>
+            </a:r>
+            <a:r>
+              <a:rPr lang="pl-PL" dirty="0" err="1"/>
+              <a:t>memory</a:t>
+            </a:r>
+            <a:r>
+              <a:rPr lang="pl-PL" dirty="0"/>
+              <a:t>: "1Gi"</a:t>
+            </a:r>
+          </a:p>
+          <a:p>
+            <a:pPr marL="0" indent="0">
+              <a:buNone/>
+            </a:pPr>
+            <a:r>
+              <a:rPr lang="pl-PL" dirty="0"/>
+              <a:t>    min:</a:t>
+            </a:r>
+          </a:p>
+          <a:p>
+            <a:pPr marL="0" indent="0">
+              <a:buNone/>
+            </a:pPr>
+            <a:r>
+              <a:rPr lang="pl-PL" dirty="0"/>
+              <a:t>      </a:t>
+            </a:r>
+            <a:r>
+              <a:rPr lang="pl-PL" dirty="0" err="1"/>
+              <a:t>cpu</a:t>
+            </a:r>
+            <a:r>
+              <a:rPr lang="pl-PL" dirty="0"/>
+              <a:t>: "50m"</a:t>
+            </a:r>
+          </a:p>
+          <a:p>
+            <a:pPr marL="0" indent="0">
+              <a:buNone/>
+            </a:pPr>
+            <a:r>
+              <a:rPr lang="pl-PL" dirty="0"/>
+              <a:t>      </a:t>
+            </a:r>
+            <a:r>
+              <a:rPr lang="pl-PL" dirty="0" err="1"/>
+              <a:t>memory</a:t>
+            </a:r>
+            <a:r>
+              <a:rPr lang="pl-PL" dirty="0"/>
+              <a:t>: "50Mi"</a:t>
             </a:r>
           </a:p>
           <a:p>
@@ -5973,11 +5772,45 @@
             </a:r>
             <a:r>
               <a:rPr lang="pl-PL" dirty="0" err="1"/>
-              <a:t>pods</a:t>
+              <a:t>default</a:t>
             </a:r>
             <a:r>
               <a:rPr lang="pl-PL" dirty="0"/>
-              <a:t>: "20"</a:t>
+              <a:t>:</a:t>
+            </a:r>
+          </a:p>
+          <a:p>
+            <a:pPr marL="0" indent="0">
+              <a:buNone/>
+            </a:pPr>
+            <a:r>
+              <a:rPr lang="pl-PL" dirty="0"/>
+              <a:t>      </a:t>
+            </a:r>
+            <a:r>
+              <a:rPr lang="pl-PL" dirty="0" err="1"/>
+              <a:t>cpu</a:t>
+            </a:r>
+            <a:r>
+              <a:rPr lang="pl-PL" dirty="0"/>
+              <a:t>: "200m"</a:t>
+            </a:r>
+          </a:p>
+          <a:p>
+            <a:pPr marL="0" indent="0">
+              <a:buNone/>
+            </a:pPr>
+            <a:r>
+              <a:rPr lang="pl-PL" dirty="0"/>
+              <a:t>      </a:t>
+            </a:r>
+            <a:r>
+              <a:rPr lang="pl-PL" dirty="0" err="1"/>
+              <a:t>memory</a:t>
+            </a:r>
+            <a:r>
+              <a:rPr lang="pl-PL" dirty="0"/>
+              <a:t>: "200Mi"</a:t>
             </a:r>
           </a:p>
           <a:p>
@@ -5990,11 +5823,45 @@
             </a:r>
             <a:r>
               <a:rPr lang="pl-PL" dirty="0" err="1"/>
-              <a:t>requests.cpu</a:t>
+              <a:t>defaultRequest</a:t>
             </a:r>
             <a:r>
               <a:rPr lang="pl-PL" dirty="0"/>
-              <a:t>: "1"</a:t>
+              <a:t>:</a:t>
+            </a:r>
+          </a:p>
+          <a:p>
+            <a:pPr marL="0" indent="0">
+              <a:buNone/>
+            </a:pPr>
+            <a:r>
+              <a:rPr lang="pl-PL" dirty="0"/>
+              <a:t>      </a:t>
+            </a:r>
+            <a:r>
+              <a:rPr lang="pl-PL" dirty="0" err="1"/>
+              <a:t>cpu</a:t>
+            </a:r>
+            <a:r>
+              <a:rPr lang="pl-PL" dirty="0"/>
+              <a:t>: "100m"</a:t>
+            </a:r>
+          </a:p>
+          <a:p>
+            <a:pPr marL="0" indent="0">
+              <a:buNone/>
+            </a:pPr>
+            <a:r>
+              <a:rPr lang="pl-PL" dirty="0"/>
+              <a:t>      </a:t>
+            </a:r>
+            <a:r>
+              <a:rPr lang="pl-PL" dirty="0" err="1"/>
+              <a:t>memory</a:t>
+            </a:r>
+            <a:r>
+              <a:rPr lang="pl-PL" dirty="0"/>
+              <a:t>: "100Mi"</a:t>
             </a:r>
           </a:p>
           <a:p>
@@ -6006,84 +5873,47 @@
               <a:t>    </a:t>
             </a:r>
             <a:r>
-              <a:rPr lang="pl-PL" dirty="0" err="1"/>
-              <a:t>requests.memory</a:t>
-            </a:r>
-            <a:r>
-              <a:rPr lang="pl-PL" dirty="0"/>
-              <a:t>: 1Gi</a:t>
-            </a:r>
-          </a:p>
-          <a:p>
-            <a:pPr marL="0" indent="0">
-              <a:buNone/>
-            </a:pPr>
-            <a:r>
-              <a:rPr lang="pl-PL" dirty="0"/>
-              <a:t>    </a:t>
-            </a:r>
-            <a:r>
-              <a:rPr lang="pl-PL" dirty="0" err="1"/>
-              <a:t>limits.cpu</a:t>
-            </a:r>
-            <a:r>
-              <a:rPr lang="pl-PL" dirty="0"/>
-              <a:t>: "2"</a:t>
-            </a:r>
-          </a:p>
-          <a:p>
-            <a:pPr marL="0" indent="0">
-              <a:buNone/>
-            </a:pPr>
-            <a:r>
-              <a:rPr lang="pl-PL" dirty="0"/>
-              <a:t>    </a:t>
-            </a:r>
-            <a:r>
-              <a:rPr lang="pl-PL" dirty="0" err="1"/>
-              <a:t>limits.memory</a:t>
-            </a:r>
-            <a:r>
-              <a:rPr lang="pl-PL" dirty="0"/>
-              <a:t>: 2Gi</a:t>
-            </a:r>
-          </a:p>
-          <a:p>
-            <a:pPr marL="0" indent="0">
-              <a:buNone/>
-            </a:pPr>
-            <a:r>
-              <a:rPr lang="pl-PL" dirty="0"/>
-              <a:t>    requests.nvidia.com/</a:t>
-            </a:r>
-            <a:r>
-              <a:rPr lang="pl-PL" dirty="0" err="1"/>
-              <a:t>gpu</a:t>
-            </a:r>
-            <a:r>
-              <a:rPr lang="pl-PL" dirty="0"/>
-              <a:t>: 3</a:t>
-            </a:r>
+              <a:rPr lang="pl-PL" dirty="0" err="1">
+                <a:solidFill>
+                  <a:srgbClr val="FF0000"/>
+                </a:solidFill>
+              </a:rPr>
+              <a:t>type</a:t>
+            </a:r>
+            <a:r>
+              <a:rPr lang="pl-PL" dirty="0">
+                <a:solidFill>
+                  <a:srgbClr val="FF0000"/>
+                </a:solidFill>
+              </a:rPr>
+              <a:t>: </a:t>
+            </a:r>
+            <a:r>
+              <a:rPr lang="pl-PL" dirty="0" err="1">
+                <a:solidFill>
+                  <a:srgbClr val="FF0000"/>
+                </a:solidFill>
+              </a:rPr>
+              <a:t>Container</a:t>
+            </a:r>
+            <a:endParaRPr lang="pl-PL" dirty="0">
+              <a:solidFill>
+                <a:srgbClr val="FF0000"/>
+              </a:solidFill>
+            </a:endParaRPr>
           </a:p>
         </p:txBody>
       </p:sp>
     </p:spTree>
     <p:extLst>
       <p:ext uri="{BB962C8B-B14F-4D97-AF65-F5344CB8AC3E}">
-        <p14:creationId xmlns:p14="http://schemas.microsoft.com/office/powerpoint/2010/main" val="3495179704"/>
+        <p14:creationId xmlns:p14="http://schemas.microsoft.com/office/powerpoint/2010/main" val="1770858312"/>
       </p:ext>
     </p:extLst>
   </p:cSld>
   <p:clrMapOvr>
     <a:masterClrMapping/>
   </p:clrMapOvr>
-  <p:timing>
-    <p:tnLst>
-      <p:par>
-        <p:cTn id="1" dur="indefinite" restart="never" nodeType="tmRoot"/>
-      </p:par>
-    </p:tnLst>
-  </p:timing>
 </p:sld>
 </file>
 
@@ -6120,16 +5950,24 @@
           <a:lstStyle/>
           <a:p>
             <a:r>
-              <a:rPr lang="pl-PL" dirty="0" err="1" smtClean="0"/>
-              <a:t>Nodes</a:t>
-            </a:r>
-            <a:r>
-              <a:rPr lang="pl-PL" dirty="0" smtClean="0"/>
+              <a:rPr lang="pl-PL" dirty="0" err="1"/>
+              <a:t>Resources</a:t>
+            </a:r>
+            <a:r>
+              <a:rPr lang="pl-PL" dirty="0"/>
               <a:t> </a:t>
             </a:r>
             <a:r>
-              <a:rPr lang="pl-PL" dirty="0" err="1" smtClean="0"/>
-              <a:t>limits</a:t>
+              <a:rPr lang="pl-PL" dirty="0" err="1"/>
+              <a:t>quota</a:t>
+            </a:r>
+            <a:r>
+              <a:rPr lang="pl-PL" dirty="0"/>
+              <a:t>/limit </a:t>
+            </a:r>
+            <a:r>
+              <a:rPr lang="pl-PL" dirty="0" err="1"/>
+              <a:t>range</a:t>
             </a:r>
             <a:endParaRPr lang="pl-PL" dirty="0"/>
           </a:p>
@@ -6150,78 +5988,32 @@
           <a:bodyPr/>
           <a:lstStyle/>
           <a:p>
-            <a:r>
-              <a:rPr lang="pl-PL" b="1" dirty="0" err="1"/>
-              <a:t>kubectl</a:t>
-            </a:r>
-            <a:r>
-              <a:rPr lang="pl-PL" b="1" dirty="0"/>
-              <a:t> </a:t>
-            </a:r>
-            <a:r>
-              <a:rPr lang="pl-PL" b="1" dirty="0" err="1" smtClean="0"/>
-              <a:t>describe</a:t>
-            </a:r>
-            <a:r>
-              <a:rPr lang="pl-PL" b="1" dirty="0" smtClean="0"/>
-              <a:t> </a:t>
-            </a:r>
-            <a:r>
-              <a:rPr lang="pl-PL" b="1" dirty="0" err="1" smtClean="0"/>
-              <a:t>node</a:t>
-            </a:r>
-            <a:endParaRPr lang="pl-PL" b="1" dirty="0" smtClean="0"/>
-          </a:p>
-          <a:p>
-            <a:r>
-              <a:rPr lang="pl-PL" b="1" dirty="0" err="1"/>
-              <a:t>kubectl</a:t>
-            </a:r>
-            <a:r>
-              <a:rPr lang="pl-PL" b="1" dirty="0"/>
-              <a:t> top </a:t>
-            </a:r>
-            <a:r>
-              <a:rPr lang="pl-PL" b="1" dirty="0" err="1"/>
-              <a:t>nodes</a:t>
-            </a:r>
-            <a:endParaRPr lang="pl-PL" b="1" dirty="0"/>
-          </a:p>
-          <a:p>
-            <a:r>
-              <a:rPr lang="pl-PL" b="1" dirty="0" err="1"/>
-              <a:t>kubectl</a:t>
-            </a:r>
-            <a:r>
-              <a:rPr lang="pl-PL" b="1" dirty="0"/>
-              <a:t> top </a:t>
-            </a:r>
-            <a:r>
-              <a:rPr lang="pl-PL" b="1" dirty="0" err="1"/>
-              <a:t>pods</a:t>
-            </a:r>
-            <a:r>
-              <a:rPr lang="pl-PL" b="1" dirty="0"/>
-              <a:t> --</a:t>
-            </a:r>
-            <a:r>
-              <a:rPr lang="pl-PL" b="1" dirty="0" err="1"/>
-              <a:t>all-namespaces</a:t>
-            </a:r>
-            <a:endParaRPr lang="pl-PL" b="1" dirty="0"/>
-          </a:p>
-          <a:p>
-            <a:pPr marL="0" indent="0">
-              <a:buNone/>
-            </a:pPr>
             <a:endParaRPr lang="pl-PL" dirty="0"/>
+          </a:p>
+          <a:p>
+            <a:endParaRPr lang="pl-PL" dirty="0"/>
+          </a:p>
+          <a:p>
+            <a:endParaRPr lang="pl-PL" dirty="0"/>
+          </a:p>
+          <a:p>
+            <a:endParaRPr lang="pl-PL" dirty="0"/>
+          </a:p>
+          <a:p>
+            <a:pPr marL="0" indent="0" algn="ctr">
+              <a:buNone/>
+            </a:pPr>
+            <a:r>
+              <a:rPr lang="pl-PL" sz="4000" dirty="0"/>
+              <a:t>DEMO</a:t>
+            </a:r>
           </a:p>
         </p:txBody>
       </p:sp>
     </p:spTree>
     <p:extLst>
       <p:ext uri="{BB962C8B-B14F-4D97-AF65-F5344CB8AC3E}">
-        <p14:creationId xmlns:p14="http://schemas.microsoft.com/office/powerpoint/2010/main" val="473648068"/>
+        <p14:creationId xmlns:p14="http://schemas.microsoft.com/office/powerpoint/2010/main" val="2502144188"/>
       </p:ext>
     </p:extLst>
   </p:cSld>
@@ -6260,21 +6052,426 @@
         </p:nvSpPr>
         <p:spPr/>
         <p:txBody>
+          <a:bodyPr/>
+          <a:lstStyle/>
+          <a:p>
+            <a:r>
+              <a:rPr lang="pl-PL" dirty="0"/>
+              <a:t>Resource </a:t>
+            </a:r>
+            <a:r>
+              <a:rPr lang="pl-PL" dirty="0" err="1"/>
+              <a:t>quotas</a:t>
+            </a:r>
+            <a:endParaRPr lang="pl-PL" dirty="0"/>
+          </a:p>
+        </p:txBody>
+      </p:sp>
+      <p:sp>
+        <p:nvSpPr>
+          <p:cNvPr id="5" name="Symbol zastępczy zawartości 4"/>
+          <p:cNvSpPr>
+            <a:spLocks noGrp="1"/>
+          </p:cNvSpPr>
+          <p:nvPr>
+            <p:ph idx="1"/>
+          </p:nvPr>
+        </p:nvSpPr>
+        <p:spPr/>
+        <p:txBody>
+          <a:bodyPr>
+            <a:normAutofit fontScale="85000" lnSpcReduction="20000"/>
+          </a:bodyPr>
+          <a:lstStyle/>
+          <a:p>
+            <a:pPr marL="0" indent="0">
+              <a:buNone/>
+            </a:pPr>
+            <a:r>
+              <a:rPr lang="pl-PL" dirty="0" err="1"/>
+              <a:t>apiVersion</a:t>
+            </a:r>
+            <a:r>
+              <a:rPr lang="pl-PL" dirty="0"/>
+              <a:t>: v1</a:t>
+            </a:r>
+          </a:p>
+          <a:p>
+            <a:pPr marL="0" indent="0">
+              <a:buNone/>
+            </a:pPr>
+            <a:r>
+              <a:rPr lang="pl-PL" dirty="0" err="1"/>
+              <a:t>kind</a:t>
+            </a:r>
+            <a:r>
+              <a:rPr lang="pl-PL" dirty="0"/>
+              <a:t>: </a:t>
+            </a:r>
+            <a:r>
+              <a:rPr lang="pl-PL" dirty="0" err="1"/>
+              <a:t>ResourceQuota</a:t>
+            </a:r>
+            <a:endParaRPr lang="pl-PL" dirty="0"/>
+          </a:p>
+          <a:p>
+            <a:pPr marL="0" indent="0">
+              <a:buNone/>
+            </a:pPr>
+            <a:r>
+              <a:rPr lang="pl-PL" dirty="0" err="1"/>
+              <a:t>metadata</a:t>
+            </a:r>
+            <a:r>
+              <a:rPr lang="pl-PL" dirty="0"/>
+              <a:t>:</a:t>
+            </a:r>
+          </a:p>
+          <a:p>
+            <a:pPr marL="0" indent="0">
+              <a:buNone/>
+            </a:pPr>
+            <a:r>
+              <a:rPr lang="pl-PL" dirty="0"/>
+              <a:t>  </a:t>
+            </a:r>
+            <a:r>
+              <a:rPr lang="pl-PL" dirty="0" err="1"/>
+              <a:t>name</a:t>
+            </a:r>
+            <a:r>
+              <a:rPr lang="pl-PL" dirty="0"/>
+              <a:t>: </a:t>
+            </a:r>
+            <a:r>
+              <a:rPr lang="pl-PL" dirty="0" err="1"/>
+              <a:t>compute-resources</a:t>
+            </a:r>
+            <a:endParaRPr lang="pl-PL" dirty="0"/>
+          </a:p>
+          <a:p>
+            <a:pPr marL="0" indent="0">
+              <a:buNone/>
+            </a:pPr>
+            <a:r>
+              <a:rPr lang="pl-PL" dirty="0"/>
+              <a:t>spec:</a:t>
+            </a:r>
+          </a:p>
+          <a:p>
+            <a:pPr marL="0" indent="0">
+              <a:buNone/>
+            </a:pPr>
+            <a:r>
+              <a:rPr lang="pl-PL" dirty="0"/>
+              <a:t>  hard:</a:t>
+            </a:r>
+          </a:p>
+          <a:p>
+            <a:pPr marL="0" indent="0">
+              <a:buNone/>
+            </a:pPr>
+            <a:r>
+              <a:rPr lang="pl-PL" dirty="0"/>
+              <a:t>    </a:t>
+            </a:r>
+            <a:r>
+              <a:rPr lang="pl-PL" dirty="0" err="1"/>
+              <a:t>pods</a:t>
+            </a:r>
+            <a:r>
+              <a:rPr lang="pl-PL" dirty="0"/>
+              <a:t>: "20"</a:t>
+            </a:r>
+          </a:p>
+          <a:p>
+            <a:pPr marL="0" indent="0">
+              <a:buNone/>
+            </a:pPr>
+            <a:r>
+              <a:rPr lang="pl-PL" dirty="0"/>
+              <a:t>    </a:t>
+            </a:r>
+            <a:r>
+              <a:rPr lang="pl-PL" dirty="0" err="1"/>
+              <a:t>requests.cpu</a:t>
+            </a:r>
+            <a:r>
+              <a:rPr lang="pl-PL" dirty="0"/>
+              <a:t>: "1"</a:t>
+            </a:r>
+          </a:p>
+          <a:p>
+            <a:pPr marL="0" indent="0">
+              <a:buNone/>
+            </a:pPr>
+            <a:r>
+              <a:rPr lang="pl-PL" dirty="0"/>
+              <a:t>    </a:t>
+            </a:r>
+            <a:r>
+              <a:rPr lang="pl-PL" dirty="0" err="1"/>
+              <a:t>requests.memory</a:t>
+            </a:r>
+            <a:r>
+              <a:rPr lang="pl-PL" dirty="0"/>
+              <a:t>: 1Gi</a:t>
+            </a:r>
+          </a:p>
+          <a:p>
+            <a:pPr marL="0" indent="0">
+              <a:buNone/>
+            </a:pPr>
+            <a:r>
+              <a:rPr lang="pl-PL" dirty="0"/>
+              <a:t>    </a:t>
+            </a:r>
+            <a:r>
+              <a:rPr lang="pl-PL" dirty="0" err="1"/>
+              <a:t>limits.cpu</a:t>
+            </a:r>
+            <a:r>
+              <a:rPr lang="pl-PL" dirty="0"/>
+              <a:t>: "2"</a:t>
+            </a:r>
+          </a:p>
+          <a:p>
+            <a:pPr marL="0" indent="0">
+              <a:buNone/>
+            </a:pPr>
+            <a:r>
+              <a:rPr lang="pl-PL" dirty="0"/>
+              <a:t>    </a:t>
+            </a:r>
+            <a:r>
+              <a:rPr lang="pl-PL" dirty="0" err="1"/>
+              <a:t>limits.memory</a:t>
+            </a:r>
+            <a:r>
+              <a:rPr lang="pl-PL" dirty="0"/>
+              <a:t>: 2Gi</a:t>
+            </a:r>
+          </a:p>
+          <a:p>
+            <a:pPr marL="0" indent="0">
+              <a:buNone/>
+            </a:pPr>
+            <a:r>
+              <a:rPr lang="pl-PL" dirty="0"/>
+              <a:t>    requests.nvidia.com/</a:t>
+            </a:r>
+            <a:r>
+              <a:rPr lang="pl-PL" dirty="0" err="1"/>
+              <a:t>gpu</a:t>
+            </a:r>
+            <a:r>
+              <a:rPr lang="pl-PL" dirty="0"/>
+              <a:t>: 3</a:t>
+            </a:r>
+          </a:p>
+        </p:txBody>
+      </p:sp>
+    </p:spTree>
+    <p:extLst>
+      <p:ext uri="{BB962C8B-B14F-4D97-AF65-F5344CB8AC3E}">
+        <p14:creationId xmlns:p14="http://schemas.microsoft.com/office/powerpoint/2010/main" val="3495179704"/>
+      </p:ext>
+    </p:extLst>
+  </p:cSld>
+  <p:clrMapOvr>
+    <a:masterClrMapping/>
+  </p:clrMapOvr>
+</p:sld>
+</file>
+
+<file path=ppt/slides/slide18.xml><?xml version="1.0" encoding="utf-8"?>
+<p:sld xmlns:a="http://schemas.openxmlformats.org/drawingml/2006/main" xmlns:r="http://schemas.openxmlformats.org/officeDocument/2006/relationships" xmlns:p="http://schemas.openxmlformats.org/presentationml/2006/main">
+  <p:cSld>
+    <p:spTree>
+      <p:nvGrpSpPr>
+        <p:cNvPr id="1" name=""/>
+        <p:cNvGrpSpPr/>
+        <p:nvPr/>
+      </p:nvGrpSpPr>
+      <p:grpSpPr>
+        <a:xfrm>
+          <a:off x="0" y="0"/>
+          <a:ext cx="0" cy="0"/>
+          <a:chOff x="0" y="0"/>
+          <a:chExt cx="0" cy="0"/>
+        </a:xfrm>
+      </p:grpSpPr>
+      <p:sp>
+        <p:nvSpPr>
+          <p:cNvPr id="2" name="Tytuł 1"/>
+          <p:cNvSpPr>
+            <a:spLocks noGrp="1"/>
+          </p:cNvSpPr>
+          <p:nvPr>
+            <p:ph type="title"/>
+          </p:nvPr>
+        </p:nvSpPr>
+        <p:spPr/>
+        <p:txBody>
+          <a:bodyPr/>
+          <a:lstStyle/>
+          <a:p>
+            <a:r>
+              <a:rPr lang="pl-PL" dirty="0" err="1"/>
+              <a:t>Nodes</a:t>
+            </a:r>
+            <a:r>
+              <a:rPr lang="pl-PL" dirty="0"/>
+              <a:t> </a:t>
+            </a:r>
+            <a:r>
+              <a:rPr lang="pl-PL" dirty="0" err="1"/>
+              <a:t>limits</a:t>
+            </a:r>
+            <a:endParaRPr lang="pl-PL" dirty="0"/>
+          </a:p>
+        </p:txBody>
+      </p:sp>
+      <p:sp>
+        <p:nvSpPr>
+          <p:cNvPr id="3" name="Symbol zastępczy zawartości 2"/>
+          <p:cNvSpPr>
+            <a:spLocks noGrp="1"/>
+          </p:cNvSpPr>
+          <p:nvPr>
+            <p:ph idx="1"/>
+          </p:nvPr>
+        </p:nvSpPr>
+        <p:spPr/>
+        <p:txBody>
+          <a:bodyPr/>
+          <a:lstStyle/>
+          <a:p>
+            <a:r>
+              <a:rPr lang="pl-PL" b="1" dirty="0" err="1"/>
+              <a:t>kubectl</a:t>
+            </a:r>
+            <a:r>
+              <a:rPr lang="pl-PL" b="1" dirty="0"/>
+              <a:t> </a:t>
+            </a:r>
+            <a:r>
+              <a:rPr lang="pl-PL" b="1" dirty="0" err="1"/>
+              <a:t>describe</a:t>
+            </a:r>
+            <a:r>
+              <a:rPr lang="pl-PL" b="1" dirty="0"/>
+              <a:t> </a:t>
+            </a:r>
+            <a:r>
+              <a:rPr lang="pl-PL" b="1" dirty="0" err="1"/>
+              <a:t>node</a:t>
+            </a:r>
+            <a:endParaRPr lang="pl-PL" b="1" dirty="0"/>
+          </a:p>
+          <a:p>
+            <a:r>
+              <a:rPr lang="pl-PL" b="1" dirty="0" err="1"/>
+              <a:t>kubectl</a:t>
+            </a:r>
+            <a:r>
+              <a:rPr lang="pl-PL" b="1" dirty="0"/>
+              <a:t> top </a:t>
+            </a:r>
+            <a:r>
+              <a:rPr lang="pl-PL" b="1" dirty="0" err="1"/>
+              <a:t>nodes</a:t>
+            </a:r>
+            <a:endParaRPr lang="pl-PL" b="1" dirty="0"/>
+          </a:p>
+          <a:p>
+            <a:r>
+              <a:rPr lang="pl-PL" b="1" dirty="0" err="1"/>
+              <a:t>kubectl</a:t>
+            </a:r>
+            <a:r>
+              <a:rPr lang="pl-PL" b="1" dirty="0"/>
+              <a:t> top </a:t>
+            </a:r>
+            <a:r>
+              <a:rPr lang="pl-PL" b="1" dirty="0" err="1"/>
+              <a:t>pods</a:t>
+            </a:r>
+            <a:r>
+              <a:rPr lang="pl-PL" b="1" dirty="0"/>
+              <a:t> --</a:t>
+            </a:r>
+            <a:r>
+              <a:rPr lang="pl-PL" b="1" dirty="0" err="1"/>
+              <a:t>all-namespaces</a:t>
+            </a:r>
+            <a:endParaRPr lang="pl-PL" b="1" dirty="0"/>
+          </a:p>
+          <a:p>
+            <a:pPr marL="0" indent="0">
+              <a:buNone/>
+            </a:pPr>
+            <a:endParaRPr lang="pl-PL" dirty="0"/>
+          </a:p>
+        </p:txBody>
+      </p:sp>
+    </p:spTree>
+    <p:extLst>
+      <p:ext uri="{BB962C8B-B14F-4D97-AF65-F5344CB8AC3E}">
+        <p14:creationId xmlns:p14="http://schemas.microsoft.com/office/powerpoint/2010/main" val="473648068"/>
+      </p:ext>
+    </p:extLst>
+  </p:cSld>
+  <p:clrMapOvr>
+    <a:masterClrMapping/>
+  </p:clrMapOvr>
+</p:sld>
+</file>
+
+<file path=ppt/slides/slide19.xml><?xml version="1.0" encoding="utf-8"?>
+<p:sld xmlns:a="http://schemas.openxmlformats.org/drawingml/2006/main" xmlns:r="http://schemas.openxmlformats.org/officeDocument/2006/relationships" xmlns:p="http://schemas.openxmlformats.org/presentationml/2006/main">
+  <p:cSld>
+    <p:spTree>
+      <p:nvGrpSpPr>
+        <p:cNvPr id="1" name=""/>
+        <p:cNvGrpSpPr/>
+        <p:nvPr/>
+      </p:nvGrpSpPr>
+      <p:grpSpPr>
+        <a:xfrm>
+          <a:off x="0" y="0"/>
+          <a:ext cx="0" cy="0"/>
+          <a:chOff x="0" y="0"/>
+          <a:chExt cx="0" cy="0"/>
+        </a:xfrm>
+      </p:grpSpPr>
+      <p:sp>
+        <p:nvSpPr>
+          <p:cNvPr id="2" name="Tytuł 1"/>
+          <p:cNvSpPr>
+            <a:spLocks noGrp="1"/>
+          </p:cNvSpPr>
+          <p:nvPr>
+            <p:ph type="title"/>
+          </p:nvPr>
+        </p:nvSpPr>
+        <p:spPr/>
+        <p:txBody>
           <a:bodyPr>
             <a:normAutofit/>
           </a:bodyPr>
           <a:lstStyle/>
           <a:p>
             <a:r>
-              <a:rPr lang="pl-PL" dirty="0" err="1" smtClean="0"/>
+              <a:rPr lang="pl-PL" dirty="0" err="1"/>
               <a:t>Node</a:t>
             </a:r>
             <a:r>
-              <a:rPr lang="pl-PL" dirty="0" smtClean="0"/>
+              <a:rPr lang="pl-PL" dirty="0"/>
               <a:t> </a:t>
             </a:r>
             <a:r>
-              <a:rPr lang="pl-PL" dirty="0" err="1" smtClean="0"/>
+              <a:rPr lang="pl-PL" dirty="0" err="1"/>
               <a:t>limits</a:t>
             </a:r>
             <a:endParaRPr lang="pl-PL" dirty="0"/>
@@ -6305,8 +6502,20 @@
             <a:tbl>
               <a:tblPr/>
               <a:tblGrid>
-                <a:gridCol w="3299460"/>
-                <a:gridCol w="3299460"/>
+                <a:gridCol w="3299460">
+                  <a:extLst>
+                    <a:ext uri="{9D8B030D-6E8A-4147-A177-3AD203B41FA5}">
+                      <a16:colId xmlns:a16="http://schemas.microsoft.com/office/drawing/2014/main" val="20000"/>
+                    </a:ext>
+                  </a:extLst>
+                </a:gridCol>
+                <a:gridCol w="3299460">
+                  <a:extLst>
+                    <a:ext uri="{9D8B030D-6E8A-4147-A177-3AD203B41FA5}">
+                      <a16:colId xmlns:a16="http://schemas.microsoft.com/office/drawing/2014/main" val="20001"/>
+                    </a:ext>
+                  </a:extLst>
+                </a:gridCol>
               </a:tblGrid>
               <a:tr h="0">
                 <a:tc>
@@ -6515,6 +6724,11 @@
                     </a:solidFill>
                   </a:tcPr>
                 </a:tc>
+                <a:extLst>
+                  <a:ext uri="{0D108BD9-81ED-4DB2-BD59-A6C34878D82A}">
+                    <a16:rowId xmlns:a16="http://schemas.microsoft.com/office/drawing/2014/main" val="10000"/>
+                  </a:ext>
+                </a:extLst>
               </a:tr>
             </a:tbl>
           </a:graphicData>
@@ -6543,8 +6757,20 @@
             <a:tbl>
               <a:tblPr/>
               <a:tblGrid>
-                <a:gridCol w="3299460"/>
-                <a:gridCol w="3299460"/>
+                <a:gridCol w="3299460">
+                  <a:extLst>
+                    <a:ext uri="{9D8B030D-6E8A-4147-A177-3AD203B41FA5}">
+                      <a16:colId xmlns:a16="http://schemas.microsoft.com/office/drawing/2014/main" val="20000"/>
+                    </a:ext>
+                  </a:extLst>
+                </a:gridCol>
+                <a:gridCol w="3299460">
+                  <a:extLst>
+                    <a:ext uri="{9D8B030D-6E8A-4147-A177-3AD203B41FA5}">
+                      <a16:colId xmlns:a16="http://schemas.microsoft.com/office/drawing/2014/main" val="20001"/>
+                    </a:ext>
+                  </a:extLst>
+                </a:gridCol>
               </a:tblGrid>
               <a:tr h="0">
                 <a:tc>
@@ -6669,6 +6895,11 @@
                     </a:solidFill>
                   </a:tcPr>
                 </a:tc>
+                <a:extLst>
+                  <a:ext uri="{0D108BD9-81ED-4DB2-BD59-A6C34878D82A}">
+                    <a16:rowId xmlns:a16="http://schemas.microsoft.com/office/drawing/2014/main" val="10000"/>
+                  </a:ext>
+                </a:extLst>
               </a:tr>
               <a:tr h="0">
                 <a:tc>
@@ -6781,6 +7012,11 @@
                     </a:solidFill>
                   </a:tcPr>
                 </a:tc>
+                <a:extLst>
+                  <a:ext uri="{0D108BD9-81ED-4DB2-BD59-A6C34878D82A}">
+                    <a16:rowId xmlns:a16="http://schemas.microsoft.com/office/drawing/2014/main" val="10001"/>
+                  </a:ext>
+                </a:extLst>
               </a:tr>
             </a:tbl>
           </a:graphicData>
@@ -6830,7 +7066,7 @@
 </p:sld>
 </file>
 
-<file path=ppt/slides/slide18.xml><?xml version="1.0" encoding="utf-8"?>
+<file path=ppt/slides/slide2.xml><?xml version="1.0" encoding="utf-8"?>
 <p:sld xmlns:a="http://schemas.openxmlformats.org/drawingml/2006/main" xmlns:r="http://schemas.openxmlformats.org/officeDocument/2006/relationships" xmlns:p="http://schemas.openxmlformats.org/presentationml/2006/main">
   <p:cSld>
     <p:spTree>
@@ -6863,7 +7099,150 @@
           <a:lstStyle/>
           <a:p>
             <a:r>
-              <a:rPr lang="pl-PL" dirty="0" err="1" smtClean="0"/>
+              <a:rPr lang="pl-PL" dirty="0" err="1"/>
+              <a:t>About</a:t>
+            </a:r>
+            <a:r>
+              <a:rPr lang="pl-PL" dirty="0"/>
+              <a:t> me…</a:t>
+            </a:r>
+          </a:p>
+        </p:txBody>
+      </p:sp>
+      <p:sp>
+        <p:nvSpPr>
+          <p:cNvPr id="3" name="Symbol zastępczy zawartości 2"/>
+          <p:cNvSpPr>
+            <a:spLocks noGrp="1"/>
+          </p:cNvSpPr>
+          <p:nvPr>
+            <p:ph idx="1"/>
+          </p:nvPr>
+        </p:nvSpPr>
+        <p:spPr/>
+        <p:txBody>
+          <a:bodyPr>
+            <a:normAutofit fontScale="77500" lnSpcReduction="20000"/>
+          </a:bodyPr>
+          <a:lstStyle/>
+          <a:p>
+            <a:pPr marL="0" indent="0">
+              <a:buNone/>
+            </a:pPr>
+            <a:r>
+              <a:rPr lang="en-US" dirty="0"/>
+              <a:t>Long-time corporate employee. Currently, he works in the telecommunications sector. Physicist by profession, education completed with a doctorate from the University of </a:t>
+            </a:r>
+            <a:r>
+              <a:rPr lang="en-US" dirty="0" err="1"/>
+              <a:t>Łódź</a:t>
+            </a:r>
+            <a:r>
+              <a:rPr lang="en-US" dirty="0"/>
+              <a:t>. Practical knowledge of enterprise software development. Administrator, developer, team leader, IT expert. </a:t>
+            </a:r>
+            <a:r>
+              <a:rPr lang="pl-PL" dirty="0"/>
+              <a:t>He </a:t>
+            </a:r>
+            <a:r>
+              <a:rPr lang="en-US" dirty="0"/>
+              <a:t>holds professional certificates: MCP, MCSA: SQL Server 2012/2014, MCSE: Data Management and Analytics, MCSA: Cloud Platform, MCSE: Cloud Platform and Infrastructure , MPP Data Science , Microsoft Certified: Azure Administrator Associate , Microsoft Certified: Azure Data Scientist Associate</a:t>
+            </a:r>
+            <a:endParaRPr lang="pl-PL" dirty="0"/>
+          </a:p>
+          <a:p>
+            <a:pPr marL="0" indent="0">
+              <a:buNone/>
+            </a:pPr>
+            <a:endParaRPr lang="pl-PL" dirty="0"/>
+          </a:p>
+          <a:p>
+            <a:pPr marL="0" indent="0">
+              <a:buNone/>
+            </a:pPr>
+            <a:r>
+              <a:rPr lang="pl-PL" dirty="0" err="1"/>
+              <a:t>Blogger</a:t>
+            </a:r>
+            <a:r>
+              <a:rPr lang="pl-PL" dirty="0"/>
+              <a:t> </a:t>
+            </a:r>
+            <a:r>
+              <a:rPr lang="pl-PL" dirty="0" err="1"/>
+              <a:t>at</a:t>
+            </a:r>
+            <a:r>
+              <a:rPr lang="pl-PL" dirty="0"/>
+              <a:t> </a:t>
+            </a:r>
+            <a:r>
+              <a:rPr lang="pl-PL" dirty="0" err="1">
+                <a:solidFill>
+                  <a:srgbClr val="FF0000"/>
+                </a:solidFill>
+              </a:rPr>
+              <a:t>wchmurze.cloud</a:t>
+            </a:r>
+            <a:endParaRPr lang="pl-PL" dirty="0">
+              <a:solidFill>
+                <a:srgbClr val="FF0000"/>
+              </a:solidFill>
+            </a:endParaRPr>
+          </a:p>
+          <a:p>
+            <a:endParaRPr lang="pl-PL" dirty="0"/>
+          </a:p>
+        </p:txBody>
+      </p:sp>
+    </p:spTree>
+    <p:extLst>
+      <p:ext uri="{BB962C8B-B14F-4D97-AF65-F5344CB8AC3E}">
+        <p14:creationId xmlns:p14="http://schemas.microsoft.com/office/powerpoint/2010/main" val="1681513395"/>
+      </p:ext>
+    </p:extLst>
+  </p:cSld>
+  <p:clrMapOvr>
+    <a:masterClrMapping/>
+  </p:clrMapOvr>
+</p:sld>
+</file>
+
+<file path=ppt/slides/slide20.xml><?xml version="1.0" encoding="utf-8"?>
+<p:sld xmlns:a="http://schemas.openxmlformats.org/drawingml/2006/main" xmlns:r="http://schemas.openxmlformats.org/officeDocument/2006/relationships" xmlns:p="http://schemas.openxmlformats.org/presentationml/2006/main">
+  <p:cSld>
+    <p:spTree>
+      <p:nvGrpSpPr>
+        <p:cNvPr id="1" name=""/>
+        <p:cNvGrpSpPr/>
+        <p:nvPr/>
+      </p:nvGrpSpPr>
+      <p:grpSpPr>
+        <a:xfrm>
+          <a:off x="0" y="0"/>
+          <a:ext cx="0" cy="0"/>
+          <a:chOff x="0" y="0"/>
+          <a:chExt cx="0" cy="0"/>
+        </a:xfrm>
+      </p:grpSpPr>
+      <p:sp>
+        <p:nvSpPr>
+          <p:cNvPr id="2" name="Tytuł 1"/>
+          <p:cNvSpPr>
+            <a:spLocks noGrp="1"/>
+          </p:cNvSpPr>
+          <p:nvPr>
+            <p:ph type="title"/>
+          </p:nvPr>
+        </p:nvSpPr>
+        <p:spPr/>
+        <p:txBody>
+          <a:bodyPr/>
+          <a:lstStyle/>
+          <a:p>
+            <a:r>
+              <a:rPr lang="pl-PL" dirty="0" err="1"/>
               <a:t>Triage</a:t>
             </a:r>
             <a:endParaRPr lang="pl-PL" dirty="0"/>
@@ -6939,7 +7318,7 @@
 </p:sld>
 </file>
 
-<file path=ppt/slides/slide19.xml><?xml version="1.0" encoding="utf-8"?>
+<file path=ppt/slides/slide21.xml><?xml version="1.0" encoding="utf-8"?>
 <p:sld xmlns:a="http://schemas.openxmlformats.org/drawingml/2006/main" xmlns:r="http://schemas.openxmlformats.org/officeDocument/2006/relationships" xmlns:p="http://schemas.openxmlformats.org/presentationml/2006/main">
   <p:cSld>
     <p:spTree>
@@ -6972,15 +7351,15 @@
           <a:lstStyle/>
           <a:p>
             <a:r>
-              <a:rPr lang="pl-PL" dirty="0" err="1" smtClean="0"/>
+              <a:rPr lang="pl-PL" dirty="0" err="1"/>
               <a:t>Scheduler</a:t>
             </a:r>
             <a:r>
-              <a:rPr lang="pl-PL" dirty="0" smtClean="0"/>
+              <a:rPr lang="pl-PL" dirty="0"/>
               <a:t> and </a:t>
             </a:r>
             <a:r>
-              <a:rPr lang="pl-PL" dirty="0" err="1" smtClean="0"/>
+              <a:rPr lang="pl-PL" dirty="0" err="1"/>
               <a:t>QoS</a:t>
             </a:r>
             <a:endParaRPr lang="pl-PL" dirty="0"/>
@@ -7006,19 +7385,19 @@
               <a:buNone/>
             </a:pPr>
             <a:r>
-              <a:rPr lang="en-US" dirty="0" smtClean="0"/>
+              <a:rPr lang="en-US" dirty="0"/>
               <a:t>Q</a:t>
             </a:r>
             <a:r>
-              <a:rPr lang="pl-PL" dirty="0" smtClean="0"/>
+              <a:rPr lang="pl-PL" dirty="0"/>
               <a:t>o</a:t>
             </a:r>
             <a:r>
-              <a:rPr lang="en-US" dirty="0" smtClean="0"/>
+              <a:rPr lang="en-US" dirty="0"/>
               <a:t>S</a:t>
             </a:r>
             <a:r>
-              <a:rPr lang="pl-PL" dirty="0" smtClean="0"/>
+              <a:rPr lang="pl-PL" dirty="0"/>
               <a:t> (</a:t>
             </a:r>
             <a:r>
@@ -7027,17 +7406,13 @@
             </a:r>
             <a:r>
               <a:rPr lang="pl-PL" dirty="0"/>
-              <a:t> of </a:t>
-            </a:r>
-            <a:r>
-              <a:rPr lang="pl-PL" dirty="0" smtClean="0"/>
-              <a:t>Service)</a:t>
-            </a:r>
-            <a:r>
-              <a:rPr lang="en-US" dirty="0" smtClean="0"/>
+              <a:t> of Service)</a:t>
+            </a:r>
+            <a:r>
+              <a:rPr lang="en-US" dirty="0"/>
               <a:t> Classes</a:t>
             </a:r>
-            <a:endParaRPr lang="pl-PL" dirty="0" smtClean="0"/>
+            <a:endParaRPr lang="pl-PL" dirty="0"/>
           </a:p>
           <a:p>
             <a:pPr marL="0" indent="0">
@@ -7059,13 +7434,9 @@
             </a:r>
             <a:r>
               <a:rPr lang="en-US" dirty="0"/>
-              <a:t> classes</a:t>
-            </a:r>
-            <a:r>
-              <a:rPr lang="en-US" dirty="0" smtClean="0"/>
-              <a:t>:</a:t>
-            </a:r>
-            <a:endParaRPr lang="pl-PL" dirty="0" smtClean="0"/>
+              <a:t> classes:</a:t>
+            </a:r>
+            <a:endParaRPr lang="pl-PL" dirty="0"/>
           </a:p>
           <a:p>
             <a:pPr marL="0" indent="0">
@@ -7189,7 +7560,7 @@
 </p:sld>
 </file>
 
-<file path=ppt/slides/slide2.xml><?xml version="1.0" encoding="utf-8"?>
+<file path=ppt/slides/slide22.xml><?xml version="1.0" encoding="utf-8"?>
 <p:sld xmlns:a="http://schemas.openxmlformats.org/drawingml/2006/main" xmlns:r="http://schemas.openxmlformats.org/officeDocument/2006/relationships" xmlns:p="http://schemas.openxmlformats.org/presentationml/2006/main">
   <p:cSld>
     <p:spTree>
@@ -7222,138 +7593,21 @@
           <a:lstStyle/>
           <a:p>
             <a:r>
-              <a:rPr lang="pl-PL" dirty="0" err="1" smtClean="0"/>
-              <a:t>About</a:t>
-            </a:r>
-            <a:r>
-              <a:rPr lang="pl-PL" dirty="0" smtClean="0"/>
-              <a:t> me…</a:t>
-            </a:r>
-            <a:endParaRPr lang="pl-PL" dirty="0"/>
-          </a:p>
-        </p:txBody>
-      </p:sp>
-      <p:sp>
-        <p:nvSpPr>
-          <p:cNvPr id="3" name="Symbol zastępczy zawartości 2"/>
-          <p:cNvSpPr>
-            <a:spLocks noGrp="1"/>
-          </p:cNvSpPr>
-          <p:nvPr>
-            <p:ph idx="1"/>
-          </p:nvPr>
-        </p:nvSpPr>
-        <p:spPr/>
-        <p:txBody>
-          <a:bodyPr>
-            <a:normAutofit fontScale="85000" lnSpcReduction="10000"/>
-          </a:bodyPr>
-          <a:lstStyle/>
-          <a:p>
-            <a:pPr marL="0" indent="0">
-              <a:buNone/>
-            </a:pPr>
-            <a:r>
-              <a:rPr lang="en-US" dirty="0" smtClean="0"/>
-              <a:t>Long-time </a:t>
-            </a:r>
-            <a:r>
-              <a:rPr lang="en-US" dirty="0"/>
-              <a:t>corporate employee. Currently, he works in the telecommunications sector. Physicist by profession, education completed with a doctorate from the University of </a:t>
-            </a:r>
-            <a:r>
-              <a:rPr lang="en-US" dirty="0" err="1"/>
-              <a:t>Łódź</a:t>
-            </a:r>
-            <a:r>
-              <a:rPr lang="en-US" dirty="0"/>
-              <a:t>. Practical knowledge of enterprise software development. Administrator, developer, team leader, IT expert. </a:t>
-            </a:r>
-            <a:r>
-              <a:rPr lang="pl-PL" dirty="0" smtClean="0"/>
-              <a:t>He </a:t>
-            </a:r>
-            <a:r>
-              <a:rPr lang="en-US" dirty="0" smtClean="0"/>
-              <a:t>holds </a:t>
-            </a:r>
-            <a:r>
-              <a:rPr lang="en-US" dirty="0"/>
-              <a:t>professional certificates: MCP, MCSA: SQL Server 2012/2014, MCSE: Data Management and Analytics, MCSA: Cloud Platform, MCSE: Cloud Platform and Infrastructure , MPP Data Science , Microsoft Certified: Azure Administrator Associate , Microsoft Certified: Azure Data Scientist </a:t>
-            </a:r>
-            <a:r>
-              <a:rPr lang="en-US" dirty="0" smtClean="0"/>
-              <a:t>Associate</a:t>
-            </a:r>
-            <a:endParaRPr lang="pl-PL" dirty="0" smtClean="0"/>
-          </a:p>
-          <a:p>
-            <a:endParaRPr lang="pl-PL" dirty="0"/>
-          </a:p>
-        </p:txBody>
-      </p:sp>
-    </p:spTree>
-    <p:extLst>
-      <p:ext uri="{BB962C8B-B14F-4D97-AF65-F5344CB8AC3E}">
-        <p14:creationId xmlns:p14="http://schemas.microsoft.com/office/powerpoint/2010/main" val="1681513395"/>
-      </p:ext>
-    </p:extLst>
-  </p:cSld>
-  <p:clrMapOvr>
-    <a:masterClrMapping/>
-  </p:clrMapOvr>
-</p:sld>
-</file>
-
-<file path=ppt/slides/slide20.xml><?xml version="1.0" encoding="utf-8"?>
-<p:sld xmlns:a="http://schemas.openxmlformats.org/drawingml/2006/main" xmlns:r="http://schemas.openxmlformats.org/officeDocument/2006/relationships" xmlns:p="http://schemas.openxmlformats.org/presentationml/2006/main">
-  <p:cSld>
-    <p:spTree>
-      <p:nvGrpSpPr>
-        <p:cNvPr id="1" name=""/>
-        <p:cNvGrpSpPr/>
-        <p:nvPr/>
-      </p:nvGrpSpPr>
-      <p:grpSpPr>
-        <a:xfrm>
-          <a:off x="0" y="0"/>
-          <a:ext cx="0" cy="0"/>
-          <a:chOff x="0" y="0"/>
-          <a:chExt cx="0" cy="0"/>
-        </a:xfrm>
-      </p:grpSpPr>
-      <p:sp>
-        <p:nvSpPr>
-          <p:cNvPr id="2" name="Tytuł 1"/>
-          <p:cNvSpPr>
-            <a:spLocks noGrp="1"/>
-          </p:cNvSpPr>
-          <p:nvPr>
-            <p:ph type="title"/>
-          </p:nvPr>
-        </p:nvSpPr>
-        <p:spPr/>
-        <p:txBody>
-          <a:bodyPr/>
-          <a:lstStyle/>
-          <a:p>
-            <a:r>
-              <a:rPr lang="pl-PL" dirty="0" err="1" smtClean="0"/>
+              <a:rPr lang="pl-PL" dirty="0" err="1"/>
               <a:t>Quality</a:t>
             </a:r>
             <a:r>
-              <a:rPr lang="pl-PL" dirty="0" smtClean="0"/>
+              <a:rPr lang="pl-PL" dirty="0"/>
               <a:t> of Service (</a:t>
             </a:r>
             <a:r>
-              <a:rPr lang="pl-PL" dirty="0" err="1" smtClean="0"/>
+              <a:rPr lang="pl-PL" dirty="0" err="1"/>
               <a:t>QoS</a:t>
             </a:r>
             <a:r>
-              <a:rPr lang="pl-PL" dirty="0" smtClean="0"/>
+              <a:rPr lang="pl-PL" dirty="0"/>
               <a:t>)</a:t>
             </a:r>
-            <a:endParaRPr lang="pl-PL" dirty="0"/>
           </a:p>
         </p:txBody>
       </p:sp>
@@ -7457,446 +7711,6 @@
 </p:sld>
 </file>
 
-<file path=ppt/slides/slide21.xml><?xml version="1.0" encoding="utf-8"?>
-<p:sld xmlns:a="http://schemas.openxmlformats.org/drawingml/2006/main" xmlns:r="http://schemas.openxmlformats.org/officeDocument/2006/relationships" xmlns:p="http://schemas.openxmlformats.org/presentationml/2006/main">
-  <p:cSld>
-    <p:spTree>
-      <p:nvGrpSpPr>
-        <p:cNvPr id="1" name=""/>
-        <p:cNvGrpSpPr/>
-        <p:nvPr/>
-      </p:nvGrpSpPr>
-      <p:grpSpPr>
-        <a:xfrm>
-          <a:off x="0" y="0"/>
-          <a:ext cx="0" cy="0"/>
-          <a:chOff x="0" y="0"/>
-          <a:chExt cx="0" cy="0"/>
-        </a:xfrm>
-      </p:grpSpPr>
-      <p:sp>
-        <p:nvSpPr>
-          <p:cNvPr id="2" name="Tytuł 1"/>
-          <p:cNvSpPr>
-            <a:spLocks noGrp="1"/>
-          </p:cNvSpPr>
-          <p:nvPr>
-            <p:ph type="title"/>
-          </p:nvPr>
-        </p:nvSpPr>
-        <p:spPr/>
-        <p:txBody>
-          <a:bodyPr/>
-          <a:lstStyle/>
-          <a:p>
-            <a:r>
-              <a:rPr lang="pl-PL" dirty="0" err="1" smtClean="0">
-                <a:effectLst>
-                  <a:outerShdw blurRad="38100" dist="38100" dir="2700000" algn="tl">
-                    <a:srgbClr val="000000">
-                      <a:alpha val="43137"/>
-                    </a:srgbClr>
-                  </a:outerShdw>
-                </a:effectLst>
-              </a:rPr>
-              <a:t>Guaranteed</a:t>
-            </a:r>
-            <a:r>
-              <a:rPr lang="pl-PL" dirty="0" smtClean="0">
-                <a:effectLst>
-                  <a:outerShdw blurRad="38100" dist="38100" dir="2700000" algn="tl">
-                    <a:srgbClr val="000000">
-                      <a:alpha val="43137"/>
-                    </a:srgbClr>
-                  </a:outerShdw>
-                </a:effectLst>
-              </a:rPr>
-              <a:t> </a:t>
-            </a:r>
-            <a:r>
-              <a:rPr lang="pl-PL" dirty="0" err="1" smtClean="0">
-                <a:effectLst>
-                  <a:outerShdw blurRad="38100" dist="38100" dir="2700000" algn="tl">
-                    <a:srgbClr val="000000">
-                      <a:alpha val="43137"/>
-                    </a:srgbClr>
-                  </a:outerShdw>
-                </a:effectLst>
-              </a:rPr>
-              <a:t>QoS</a:t>
-            </a:r>
-            <a:endParaRPr lang="pl-PL" dirty="0">
-              <a:effectLst>
-                <a:outerShdw blurRad="38100" dist="38100" dir="2700000" algn="tl">
-                  <a:srgbClr val="000000">
-                    <a:alpha val="43137"/>
-                  </a:srgbClr>
-                </a:outerShdw>
-              </a:effectLst>
-            </a:endParaRPr>
-          </a:p>
-        </p:txBody>
-      </p:sp>
-      <p:sp>
-        <p:nvSpPr>
-          <p:cNvPr id="3" name="Symbol zastępczy zawartości 2"/>
-          <p:cNvSpPr>
-            <a:spLocks noGrp="1"/>
-          </p:cNvSpPr>
-          <p:nvPr>
-            <p:ph idx="1"/>
-          </p:nvPr>
-        </p:nvSpPr>
-        <p:spPr>
-          <a:xfrm>
-            <a:off x="502920" y="530352"/>
-            <a:ext cx="8183880" cy="4050776"/>
-          </a:xfrm>
-        </p:spPr>
-        <p:txBody>
-          <a:bodyPr>
-            <a:normAutofit fontScale="55000" lnSpcReduction="20000"/>
-          </a:bodyPr>
-          <a:lstStyle/>
-          <a:p>
-            <a:endParaRPr lang="pl-PL" dirty="0" smtClean="0">
-              <a:hlinkClick r:id="rId2"/>
-            </a:endParaRPr>
-          </a:p>
-          <a:p>
-            <a:pPr marL="0" indent="0">
-              <a:buNone/>
-            </a:pPr>
-            <a:r>
-              <a:rPr lang="en-US" sz="3600" b="1" dirty="0"/>
-              <a:t>For a Pod to be given a </a:t>
-            </a:r>
-            <a:r>
-              <a:rPr lang="en-US" sz="3600" b="1" dirty="0" err="1"/>
-              <a:t>QoS</a:t>
-            </a:r>
-            <a:r>
-              <a:rPr lang="en-US" sz="3600" b="1" dirty="0"/>
-              <a:t> class of Guaranteed</a:t>
-            </a:r>
-            <a:r>
-              <a:rPr lang="en-US" sz="3600" b="1" dirty="0" smtClean="0"/>
-              <a:t>:</a:t>
-            </a:r>
-            <a:endParaRPr lang="pl-PL" sz="3600" b="1" dirty="0" smtClean="0"/>
-          </a:p>
-          <a:p>
-            <a:pPr marL="0" indent="0">
-              <a:buNone/>
-            </a:pPr>
-            <a:endParaRPr lang="en-US" dirty="0"/>
-          </a:p>
-          <a:p>
-            <a:pPr marL="0" indent="0">
-              <a:buNone/>
-            </a:pPr>
-            <a:r>
-              <a:rPr lang="en-US" dirty="0"/>
-              <a:t>Every Container in the Pod must have a memory limit and a memory request, and they must be the same</a:t>
-            </a:r>
-            <a:r>
-              <a:rPr lang="en-US" dirty="0" smtClean="0"/>
-              <a:t>.</a:t>
-            </a:r>
-            <a:endParaRPr lang="pl-PL" dirty="0" smtClean="0"/>
-          </a:p>
-          <a:p>
-            <a:pPr marL="0" indent="0">
-              <a:buNone/>
-            </a:pPr>
-            <a:endParaRPr lang="en-US" dirty="0"/>
-          </a:p>
-          <a:p>
-            <a:pPr marL="0" indent="0">
-              <a:buNone/>
-            </a:pPr>
-            <a:r>
-              <a:rPr lang="en-US" dirty="0"/>
-              <a:t>Every Container in the Pod must have a CPU limit and a CPU request, and they must be the same.</a:t>
-            </a:r>
-          </a:p>
-          <a:p>
-            <a:pPr marL="0" indent="0">
-              <a:buNone/>
-            </a:pPr>
-            <a:endParaRPr lang="pl-PL" dirty="0">
-              <a:hlinkClick r:id="rId2"/>
-            </a:endParaRPr>
-          </a:p>
-          <a:p>
-            <a:pPr marL="0" indent="0">
-              <a:buNone/>
-            </a:pPr>
-            <a:r>
-              <a:rPr lang="en-US" sz="3600" dirty="0"/>
-              <a:t>resources:</a:t>
-            </a:r>
-          </a:p>
-          <a:p>
-            <a:pPr marL="0" indent="0">
-              <a:buNone/>
-            </a:pPr>
-            <a:r>
-              <a:rPr lang="en-US" sz="3600" dirty="0"/>
-              <a:t>      limits:</a:t>
-            </a:r>
-          </a:p>
-          <a:p>
-            <a:pPr marL="0" indent="0">
-              <a:buNone/>
-            </a:pPr>
-            <a:r>
-              <a:rPr lang="en-US" sz="3600" dirty="0"/>
-              <a:t>        memory: "200Mi"</a:t>
-            </a:r>
-          </a:p>
-          <a:p>
-            <a:pPr marL="0" indent="0">
-              <a:buNone/>
-            </a:pPr>
-            <a:r>
-              <a:rPr lang="en-US" sz="3600" dirty="0"/>
-              <a:t>        </a:t>
-            </a:r>
-            <a:r>
-              <a:rPr lang="en-US" sz="3600" dirty="0" err="1"/>
-              <a:t>cpu</a:t>
-            </a:r>
-            <a:r>
-              <a:rPr lang="en-US" sz="3600" dirty="0"/>
-              <a:t>: "700m"</a:t>
-            </a:r>
-          </a:p>
-          <a:p>
-            <a:pPr marL="0" indent="0">
-              <a:buNone/>
-            </a:pPr>
-            <a:r>
-              <a:rPr lang="en-US" sz="3600" dirty="0"/>
-              <a:t>      requests:</a:t>
-            </a:r>
-          </a:p>
-          <a:p>
-            <a:pPr marL="0" indent="0">
-              <a:buNone/>
-            </a:pPr>
-            <a:r>
-              <a:rPr lang="en-US" sz="3600" dirty="0"/>
-              <a:t>        memory: "200Mi"</a:t>
-            </a:r>
-          </a:p>
-          <a:p>
-            <a:pPr marL="0" indent="0">
-              <a:buNone/>
-            </a:pPr>
-            <a:r>
-              <a:rPr lang="en-US" sz="3600" dirty="0"/>
-              <a:t>        </a:t>
-            </a:r>
-            <a:r>
-              <a:rPr lang="en-US" sz="3600" dirty="0" err="1"/>
-              <a:t>cpu</a:t>
-            </a:r>
-            <a:r>
-              <a:rPr lang="en-US" sz="3600" dirty="0"/>
-              <a:t>: "700m"	</a:t>
-            </a:r>
-            <a:endParaRPr lang="pl-PL" sz="3600" dirty="0" smtClean="0">
-              <a:hlinkClick r:id="rId2"/>
-            </a:endParaRPr>
-          </a:p>
-          <a:p>
-            <a:pPr marL="0" indent="0">
-              <a:buNone/>
-            </a:pPr>
-            <a:endParaRPr lang="pl-PL" dirty="0">
-              <a:hlinkClick r:id="rId2"/>
-            </a:endParaRPr>
-          </a:p>
-          <a:p>
-            <a:endParaRPr lang="pl-PL" dirty="0"/>
-          </a:p>
-        </p:txBody>
-      </p:sp>
-      <p:sp>
-        <p:nvSpPr>
-          <p:cNvPr id="5" name="Prostokąt 4"/>
-          <p:cNvSpPr/>
-          <p:nvPr/>
-        </p:nvSpPr>
-        <p:spPr>
-          <a:xfrm>
-            <a:off x="622992" y="4581128"/>
-            <a:ext cx="8064896" cy="923330"/>
-          </a:xfrm>
-          <a:prstGeom prst="rect">
-            <a:avLst/>
-          </a:prstGeom>
-        </p:spPr>
-        <p:txBody>
-          <a:bodyPr wrap="square">
-            <a:spAutoFit/>
-          </a:bodyPr>
-          <a:lstStyle/>
-          <a:p>
-            <a:r>
-              <a:rPr lang="pl-PL" dirty="0">
-                <a:hlinkClick r:id="rId2"/>
-              </a:rPr>
-              <a:t>https://kubernetes.io/docs/tasks/configure-pod-container/quality-service-pod/#create-a-pod-that-gets-assigned-a-qos-class-of-guaranteed</a:t>
-            </a:r>
-            <a:endParaRPr lang="pl-PL" dirty="0"/>
-          </a:p>
-        </p:txBody>
-      </p:sp>
-    </p:spTree>
-    <p:extLst>
-      <p:ext uri="{BB962C8B-B14F-4D97-AF65-F5344CB8AC3E}">
-        <p14:creationId xmlns:p14="http://schemas.microsoft.com/office/powerpoint/2010/main" val="2173025175"/>
-      </p:ext>
-    </p:extLst>
-  </p:cSld>
-  <p:clrMapOvr>
-    <a:masterClrMapping/>
-  </p:clrMapOvr>
-</p:sld>
-</file>
-
-<file path=ppt/slides/slide22.xml><?xml version="1.0" encoding="utf-8"?>
-<p:sld xmlns:a="http://schemas.openxmlformats.org/drawingml/2006/main" xmlns:r="http://schemas.openxmlformats.org/officeDocument/2006/relationships" xmlns:p="http://schemas.openxmlformats.org/presentationml/2006/main">
-  <p:cSld>
-    <p:spTree>
-      <p:nvGrpSpPr>
-        <p:cNvPr id="1" name=""/>
-        <p:cNvGrpSpPr/>
-        <p:nvPr/>
-      </p:nvGrpSpPr>
-      <p:grpSpPr>
-        <a:xfrm>
-          <a:off x="0" y="0"/>
-          <a:ext cx="0" cy="0"/>
-          <a:chOff x="0" y="0"/>
-          <a:chExt cx="0" cy="0"/>
-        </a:xfrm>
-      </p:grpSpPr>
-      <p:sp>
-        <p:nvSpPr>
-          <p:cNvPr id="2" name="Tytuł 1"/>
-          <p:cNvSpPr>
-            <a:spLocks noGrp="1"/>
-          </p:cNvSpPr>
-          <p:nvPr>
-            <p:ph type="title"/>
-          </p:nvPr>
-        </p:nvSpPr>
-        <p:spPr/>
-        <p:txBody>
-          <a:bodyPr/>
-          <a:lstStyle/>
-          <a:p>
-            <a:r>
-              <a:rPr lang="en-US" dirty="0" smtClean="0"/>
-              <a:t>Burstable</a:t>
-            </a:r>
-            <a:r>
-              <a:rPr lang="pl-PL" dirty="0" smtClean="0"/>
-              <a:t> </a:t>
-            </a:r>
-            <a:r>
-              <a:rPr lang="pl-PL" dirty="0" err="1" smtClean="0"/>
-              <a:t>QoS</a:t>
-            </a:r>
-            <a:endParaRPr lang="pl-PL" dirty="0"/>
-          </a:p>
-        </p:txBody>
-      </p:sp>
-      <p:sp>
-        <p:nvSpPr>
-          <p:cNvPr id="3" name="Symbol zastępczy zawartości 2"/>
-          <p:cNvSpPr>
-            <a:spLocks noGrp="1"/>
-          </p:cNvSpPr>
-          <p:nvPr>
-            <p:ph idx="1"/>
-          </p:nvPr>
-        </p:nvSpPr>
-        <p:spPr/>
-        <p:txBody>
-          <a:bodyPr/>
-          <a:lstStyle/>
-          <a:p>
-            <a:pPr marL="0" indent="0">
-              <a:buNone/>
-            </a:pPr>
-            <a:r>
-              <a:rPr lang="en-US" b="1" dirty="0"/>
-              <a:t>Burstable</a:t>
-            </a:r>
-            <a:r>
-              <a:rPr lang="en-US" dirty="0"/>
-              <a:t> class have two conditions</a:t>
-            </a:r>
-            <a:r>
-              <a:rPr lang="en-US" dirty="0" smtClean="0"/>
-              <a:t>:</a:t>
-            </a:r>
-            <a:endParaRPr lang="pl-PL" dirty="0" smtClean="0"/>
-          </a:p>
-          <a:p>
-            <a:pPr marL="0" indent="0">
-              <a:buNone/>
-            </a:pPr>
-            <a:endParaRPr lang="en-US" dirty="0"/>
-          </a:p>
-          <a:p>
-            <a:pPr marL="0" indent="0" latinLnBrk="1">
-              <a:buNone/>
-            </a:pPr>
-            <a:r>
-              <a:rPr lang="en-US" dirty="0"/>
-              <a:t>They don’t meet the </a:t>
-            </a:r>
-            <a:r>
-              <a:rPr lang="en-US" dirty="0" err="1"/>
-              <a:t>QoS</a:t>
-            </a:r>
-            <a:r>
-              <a:rPr lang="en-US" dirty="0"/>
-              <a:t> guaranteed criteria.</a:t>
-            </a:r>
-          </a:p>
-          <a:p>
-            <a:pPr marL="0" indent="0" latinLnBrk="1">
-              <a:buNone/>
-            </a:pPr>
-            <a:r>
-              <a:rPr lang="en-US" dirty="0"/>
-              <a:t>They have at least one memory or CPU request.</a:t>
-            </a:r>
-          </a:p>
-          <a:p>
-            <a:endParaRPr lang="pl-PL" dirty="0"/>
-          </a:p>
-        </p:txBody>
-      </p:sp>
-    </p:spTree>
-    <p:extLst>
-      <p:ext uri="{BB962C8B-B14F-4D97-AF65-F5344CB8AC3E}">
-        <p14:creationId xmlns:p14="http://schemas.microsoft.com/office/powerpoint/2010/main" val="2717299787"/>
-      </p:ext>
-    </p:extLst>
-  </p:cSld>
-  <p:clrMapOvr>
-    <a:masterClrMapping/>
-  </p:clrMapOvr>
-</p:sld>
-</file>
-
 <file path=ppt/slides/slide23.xml><?xml version="1.0" encoding="utf-8"?>
 <p:sld xmlns:a="http://schemas.openxmlformats.org/drawingml/2006/main" xmlns:r="http://schemas.openxmlformats.org/officeDocument/2006/relationships" xmlns:p="http://schemas.openxmlformats.org/presentationml/2006/main">
   <p:cSld>
@@ -7930,89 +7744,258 @@
           <a:lstStyle/>
           <a:p>
             <a:r>
-              <a:rPr lang="en-US" dirty="0" err="1" smtClean="0"/>
-              <a:t>BestEffort</a:t>
-            </a:r>
-            <a:r>
-              <a:rPr lang="pl-PL" dirty="0" smtClean="0"/>
+              <a:rPr lang="pl-PL" dirty="0" err="1">
+                <a:effectLst>
+                  <a:outerShdw blurRad="38100" dist="38100" dir="2700000" algn="tl">
+                    <a:srgbClr val="000000">
+                      <a:alpha val="43137"/>
+                    </a:srgbClr>
+                  </a:outerShdw>
+                </a:effectLst>
+              </a:rPr>
+              <a:t>Guaranteed</a:t>
+            </a:r>
+            <a:r>
+              <a:rPr lang="pl-PL" dirty="0">
+                <a:effectLst>
+                  <a:outerShdw blurRad="38100" dist="38100" dir="2700000" algn="tl">
+                    <a:srgbClr val="000000">
+                      <a:alpha val="43137"/>
+                    </a:srgbClr>
+                  </a:outerShdw>
+                </a:effectLst>
+              </a:rPr>
               <a:t> </a:t>
             </a:r>
             <a:r>
-              <a:rPr lang="pl-PL" dirty="0" err="1" smtClean="0"/>
+              <a:rPr lang="pl-PL" dirty="0" err="1">
+                <a:effectLst>
+                  <a:outerShdw blurRad="38100" dist="38100" dir="2700000" algn="tl">
+                    <a:srgbClr val="000000">
+                      <a:alpha val="43137"/>
+                    </a:srgbClr>
+                  </a:outerShdw>
+                </a:effectLst>
+              </a:rPr>
               <a:t>QoS</a:t>
             </a:r>
+            <a:endParaRPr lang="pl-PL" dirty="0">
+              <a:effectLst>
+                <a:outerShdw blurRad="38100" dist="38100" dir="2700000" algn="tl">
+                  <a:srgbClr val="000000">
+                    <a:alpha val="43137"/>
+                  </a:srgbClr>
+                </a:outerShdw>
+              </a:effectLst>
+            </a:endParaRPr>
+          </a:p>
+        </p:txBody>
+      </p:sp>
+      <p:sp>
+        <p:nvSpPr>
+          <p:cNvPr id="3" name="Symbol zastępczy zawartości 2"/>
+          <p:cNvSpPr>
+            <a:spLocks noGrp="1"/>
+          </p:cNvSpPr>
+          <p:nvPr>
+            <p:ph idx="1"/>
+          </p:nvPr>
+        </p:nvSpPr>
+        <p:spPr>
+          <a:xfrm>
+            <a:off x="502920" y="530352"/>
+            <a:ext cx="8183880" cy="4050776"/>
+          </a:xfrm>
+        </p:spPr>
+        <p:txBody>
+          <a:bodyPr>
+            <a:normAutofit fontScale="55000" lnSpcReduction="20000"/>
+          </a:bodyPr>
+          <a:lstStyle/>
+          <a:p>
+            <a:endParaRPr lang="pl-PL" dirty="0">
+              <a:hlinkClick r:id="rId2"/>
+            </a:endParaRPr>
+          </a:p>
+          <a:p>
+            <a:pPr marL="0" indent="0">
+              <a:buNone/>
+            </a:pPr>
+            <a:r>
+              <a:rPr lang="en-US" sz="3600" b="1" dirty="0"/>
+              <a:t>For a Pod to be given a </a:t>
+            </a:r>
+            <a:r>
+              <a:rPr lang="en-US" sz="3600" b="1" dirty="0" err="1"/>
+              <a:t>QoS</a:t>
+            </a:r>
+            <a:r>
+              <a:rPr lang="en-US" sz="3600" b="1" dirty="0"/>
+              <a:t> class of Guaranteed:</a:t>
+            </a:r>
+            <a:endParaRPr lang="pl-PL" sz="3600" b="1" dirty="0"/>
+          </a:p>
+          <a:p>
+            <a:pPr marL="0" indent="0">
+              <a:buNone/>
+            </a:pPr>
+            <a:endParaRPr lang="en-US" dirty="0"/>
+          </a:p>
+          <a:p>
+            <a:pPr marL="0" indent="0">
+              <a:buNone/>
+            </a:pPr>
+            <a:r>
+              <a:rPr lang="en-US" dirty="0"/>
+              <a:t>Every Container in the Pod must have a memory limit and a memory request, and they must be the same.</a:t>
+            </a:r>
             <a:endParaRPr lang="pl-PL" dirty="0"/>
           </a:p>
-        </p:txBody>
-      </p:sp>
-      <p:sp>
-        <p:nvSpPr>
-          <p:cNvPr id="3" name="Symbol zastępczy zawartości 2"/>
-          <p:cNvSpPr>
-            <a:spLocks noGrp="1"/>
-          </p:cNvSpPr>
-          <p:nvPr>
-            <p:ph idx="1"/>
-          </p:nvPr>
-        </p:nvSpPr>
-        <p:spPr/>
-        <p:txBody>
-          <a:bodyPr/>
-          <a:lstStyle/>
           <a:p>
             <a:pPr marL="0" indent="0">
               <a:buNone/>
             </a:pPr>
-            <a:r>
-              <a:rPr lang="en-US" b="1" dirty="0" err="1"/>
-              <a:t>BestEffort</a:t>
-            </a:r>
+            <a:endParaRPr lang="en-US" dirty="0"/>
+          </a:p>
+          <a:p>
+            <a:pPr marL="0" indent="0">
+              <a:buNone/>
+            </a:pPr>
             <a:r>
               <a:rPr lang="en-US" dirty="0"/>
-              <a:t> is a container with no memory or CPU limits or requests. If you’ve never defined any resources before reading </a:t>
-            </a:r>
-            <a:r>
-              <a:rPr lang="en-US" dirty="0" smtClean="0"/>
-              <a:t>this, </a:t>
-            </a:r>
-            <a:r>
-              <a:rPr lang="en-US" dirty="0"/>
-              <a:t>your pod is by default running in </a:t>
-            </a:r>
-            <a:r>
-              <a:rPr lang="en-US" dirty="0" err="1"/>
-              <a:t>BestEffort</a:t>
-            </a:r>
-            <a:r>
-              <a:rPr lang="en-US" dirty="0" smtClean="0"/>
-              <a:t>.</a:t>
-            </a:r>
-            <a:endParaRPr lang="pl-PL" dirty="0" smtClean="0"/>
+              <a:t>Every Container in the Pod must have a CPU limit and a CPU request, and they must be the same.</a:t>
+            </a:r>
           </a:p>
           <a:p>
             <a:pPr marL="0" indent="0">
               <a:buNone/>
             </a:pPr>
-            <a:endParaRPr lang="en-US" dirty="0"/>
+            <a:endParaRPr lang="pl-PL" dirty="0">
+              <a:hlinkClick r:id="rId2"/>
+            </a:endParaRPr>
           </a:p>
           <a:p>
             <a:pPr marL="0" indent="0">
               <a:buNone/>
             </a:pPr>
             <a:r>
-              <a:rPr lang="en-US" dirty="0"/>
-              <a:t>Simply, </a:t>
-            </a:r>
-            <a:r>
-              <a:rPr lang="en-US" dirty="0" err="1"/>
-              <a:t>BestEffort</a:t>
-            </a:r>
-            <a:r>
-              <a:rPr lang="en-US" dirty="0"/>
-              <a:t> is when you don’t set anything at all.</a:t>
-            </a:r>
-          </a:p>
-          <a:p>
+              <a:rPr lang="en-US" sz="3600" dirty="0"/>
+              <a:t>resources:</a:t>
+            </a:r>
+          </a:p>
+          <a:p>
+            <a:pPr marL="0" indent="0">
+              <a:buNone/>
+            </a:pPr>
+            <a:r>
+              <a:rPr lang="en-US" sz="3600" dirty="0"/>
+              <a:t>      limits:</a:t>
+            </a:r>
+          </a:p>
+          <a:p>
+            <a:pPr marL="0" indent="0">
+              <a:buNone/>
+            </a:pPr>
+            <a:r>
+              <a:rPr lang="en-US" sz="3600" dirty="0"/>
+              <a:t>        memory: "200Mi"</a:t>
+            </a:r>
+          </a:p>
+          <a:p>
+            <a:pPr marL="0" indent="0">
+              <a:buNone/>
+            </a:pPr>
+            <a:r>
+              <a:rPr lang="en-US" sz="3600" dirty="0"/>
+              <a:t>        </a:t>
+            </a:r>
+            <a:r>
+              <a:rPr lang="en-US" sz="3600" dirty="0" err="1"/>
+              <a:t>cpu</a:t>
+            </a:r>
+            <a:r>
+              <a:rPr lang="en-US" sz="3600" dirty="0"/>
+              <a:t>: "700m"</a:t>
+            </a:r>
+          </a:p>
+          <a:p>
+            <a:pPr marL="0" indent="0">
+              <a:buNone/>
+            </a:pPr>
+            <a:r>
+              <a:rPr lang="en-US" sz="3600" dirty="0"/>
+              <a:t>      requests:</a:t>
+            </a:r>
+          </a:p>
+          <a:p>
+            <a:pPr marL="0" indent="0">
+              <a:buNone/>
+            </a:pPr>
+            <a:r>
+              <a:rPr lang="en-US" sz="3600" dirty="0"/>
+              <a:t>        memory: "200Mi"</a:t>
+            </a:r>
+          </a:p>
+          <a:p>
+            <a:pPr marL="0" indent="0">
+              <a:buNone/>
+            </a:pPr>
+            <a:r>
+              <a:rPr lang="en-US" sz="3600" dirty="0"/>
+              <a:t>        </a:t>
+            </a:r>
+            <a:r>
+              <a:rPr lang="en-US" sz="3600" dirty="0" err="1"/>
+              <a:t>cpu</a:t>
+            </a:r>
+            <a:r>
+              <a:rPr lang="en-US" sz="3600" dirty="0"/>
+              <a:t>: "700m"	</a:t>
+            </a:r>
+            <a:endParaRPr lang="pl-PL" sz="3600" dirty="0">
+              <a:hlinkClick r:id="rId2"/>
+            </a:endParaRPr>
+          </a:p>
+          <a:p>
+            <a:pPr marL="0" indent="0">
+              <a:buNone/>
+            </a:pPr>
+            <a:endParaRPr lang="pl-PL" dirty="0">
+              <a:hlinkClick r:id="rId2"/>
+            </a:endParaRPr>
+          </a:p>
+          <a:p>
+            <a:endParaRPr lang="pl-PL" dirty="0"/>
+          </a:p>
+        </p:txBody>
+      </p:sp>
+      <p:sp>
+        <p:nvSpPr>
+          <p:cNvPr id="5" name="Prostokąt 4"/>
+          <p:cNvSpPr/>
+          <p:nvPr/>
+        </p:nvSpPr>
+        <p:spPr>
+          <a:xfrm>
+            <a:off x="622992" y="4581128"/>
+            <a:ext cx="8064896" cy="923330"/>
+          </a:xfrm>
+          <a:prstGeom prst="rect">
+            <a:avLst/>
+          </a:prstGeom>
+        </p:spPr>
+        <p:txBody>
+          <a:bodyPr wrap="square">
+            <a:spAutoFit/>
+          </a:bodyPr>
+          <a:lstStyle/>
+          <a:p>
+            <a:r>
+              <a:rPr lang="pl-PL" dirty="0">
+                <a:hlinkClick r:id="rId2"/>
+              </a:rPr>
+              <a:t>https://kubernetes.io/docs/tasks/configure-pod-container/quality-service-pod/#create-a-pod-that-gets-assigned-a-qos-class-of-guaranteed</a:t>
+            </a:r>
             <a:endParaRPr lang="pl-PL" dirty="0"/>
           </a:p>
         </p:txBody>
@@ -8020,7 +8003,7 @@
     </p:spTree>
     <p:extLst>
       <p:ext uri="{BB962C8B-B14F-4D97-AF65-F5344CB8AC3E}">
-        <p14:creationId xmlns:p14="http://schemas.microsoft.com/office/powerpoint/2010/main" val="1689245596"/>
+        <p14:creationId xmlns:p14="http://schemas.microsoft.com/office/powerpoint/2010/main" val="2173025175"/>
       </p:ext>
     </p:extLst>
   </p:cSld>
@@ -8059,18 +8042,20 @@
         </p:nvSpPr>
         <p:spPr/>
         <p:txBody>
-          <a:bodyPr>
-            <a:normAutofit fontScale="90000"/>
-          </a:bodyPr>
+          <a:bodyPr/>
           <a:lstStyle/>
           <a:p>
             <a:r>
               <a:rPr lang="en-US" dirty="0"/>
-              <a:t>Quality of Service Best </a:t>
-            </a:r>
-            <a:r>
-              <a:rPr lang="en-US" dirty="0" smtClean="0"/>
-              <a:t>Practices</a:t>
+              <a:t>Burstable</a:t>
+            </a:r>
+            <a:r>
+              <a:rPr lang="pl-PL" dirty="0"/>
+              <a:t> </a:t>
+            </a:r>
+            <a:r>
+              <a:rPr lang="pl-PL" dirty="0" err="1"/>
+              <a:t>QoS</a:t>
             </a:r>
             <a:endParaRPr lang="pl-PL" dirty="0"/>
           </a:p>
@@ -8091,41 +8076,32 @@
           <a:bodyPr/>
           <a:lstStyle/>
           <a:p>
-            <a:r>
-              <a:rPr lang="en-US" dirty="0" smtClean="0"/>
-              <a:t>For </a:t>
+            <a:pPr marL="0" indent="0">
+              <a:buNone/>
+            </a:pPr>
+            <a:r>
+              <a:rPr lang="en-US" b="1" dirty="0"/>
+              <a:t>Burstable</a:t>
             </a:r>
             <a:r>
               <a:rPr lang="en-US" dirty="0"/>
-              <a:t>production workloads, </a:t>
-            </a:r>
-            <a:r>
-              <a:rPr lang="en-US" dirty="0" err="1"/>
-              <a:t>BestEffort</a:t>
-            </a:r>
+              <a:t> class have two conditions:</a:t>
+            </a:r>
+            <a:endParaRPr lang="pl-PL" dirty="0"/>
+          </a:p>
+          <a:p>
+            <a:pPr marL="0" indent="0">
+              <a:buNone/>
+            </a:pPr>
+            <a:endParaRPr lang="en-US" dirty="0"/>
+          </a:p>
+          <a:p>
+            <a:pPr marL="0" indent="0" latinLnBrk="1">
+              <a:buNone/>
+            </a:pPr>
             <a:r>
               <a:rPr lang="en-US" dirty="0"/>
-              <a:t> is not recommended. </a:t>
-            </a:r>
-            <a:r>
-              <a:rPr lang="en-US" dirty="0">
-                <a:solidFill>
-                  <a:srgbClr val="FF0000"/>
-                </a:solidFill>
-              </a:rPr>
-              <a:t>Keep in mind, these containers will be killed first</a:t>
-            </a:r>
-            <a:r>
-              <a:rPr lang="en-US" dirty="0"/>
-              <a:t>. Burstable is suitable for most generic workloads. For sensitive applications that may have spikes or anything that runs in a </a:t>
-            </a:r>
-            <a:r>
-              <a:rPr lang="en-US" dirty="0" err="1"/>
-              <a:t>stateful</a:t>
-            </a:r>
-            <a:r>
-              <a:rPr lang="en-US" dirty="0"/>
-              <a:t> set like databases, it is recommended to apply a </a:t>
+              <a:t>They don’t meet the </a:t>
             </a:r>
             <a:r>
               <a:rPr lang="en-US" dirty="0" err="1"/>
@@ -8133,24 +8109,27 @@
             </a:r>
             <a:r>
               <a:rPr lang="en-US" dirty="0"/>
-              <a:t> guaranteed </a:t>
-            </a:r>
-            <a:r>
-              <a:rPr lang="en-US" dirty="0" smtClean="0"/>
-              <a:t>class</a:t>
-            </a:r>
-            <a:r>
-              <a:rPr lang="pl-PL" dirty="0"/>
-              <a:t>.</a:t>
-            </a:r>
-            <a:endParaRPr lang="en-US" dirty="0"/>
+              <a:t> guaranteed criteria.</a:t>
+            </a:r>
+          </a:p>
+          <a:p>
+            <a:pPr marL="0" indent="0" latinLnBrk="1">
+              <a:buNone/>
+            </a:pPr>
+            <a:r>
+              <a:rPr lang="en-US" dirty="0"/>
+              <a:t>They have at least one memory or CPU request.</a:t>
+            </a:r>
+          </a:p>
+          <a:p>
+            <a:endParaRPr lang="pl-PL" dirty="0"/>
           </a:p>
         </p:txBody>
       </p:sp>
     </p:spTree>
     <p:extLst>
       <p:ext uri="{BB962C8B-B14F-4D97-AF65-F5344CB8AC3E}">
-        <p14:creationId xmlns:p14="http://schemas.microsoft.com/office/powerpoint/2010/main" val="708209892"/>
+        <p14:creationId xmlns:p14="http://schemas.microsoft.com/office/powerpoint/2010/main" val="2717299787"/>
       </p:ext>
     </p:extLst>
   </p:cSld>
@@ -8193,20 +8172,16 @@
           <a:lstStyle/>
           <a:p>
             <a:r>
-              <a:rPr lang="pl-PL" dirty="0" err="1" smtClean="0"/>
-              <a:t>Node</a:t>
-            </a:r>
-            <a:r>
-              <a:rPr lang="pl-PL" dirty="0" smtClean="0"/>
+              <a:rPr lang="en-US" dirty="0" err="1"/>
+              <a:t>BestEffort</a:t>
+            </a:r>
+            <a:r>
+              <a:rPr lang="pl-PL" dirty="0"/>
               <a:t> </a:t>
             </a:r>
             <a:r>
-              <a:rPr lang="pl-PL" dirty="0" err="1" smtClean="0"/>
-              <a:t>Failure</a:t>
-            </a:r>
-            <a:r>
-              <a:rPr lang="pl-PL" dirty="0" smtClean="0"/>
-              <a:t> </a:t>
+              <a:rPr lang="pl-PL" dirty="0" err="1"/>
+              <a:t>QoS</a:t>
             </a:r>
             <a:endParaRPr lang="pl-PL" dirty="0"/>
           </a:p>
@@ -8222,211 +8197,64 @@
             <p:ph idx="1"/>
           </p:nvPr>
         </p:nvSpPr>
-        <p:spPr>
-          <a:xfrm>
-            <a:off x="502920" y="530352"/>
-            <a:ext cx="8183880" cy="4770856"/>
-          </a:xfrm>
-        </p:spPr>
-        <p:txBody>
-          <a:bodyPr>
-            <a:normAutofit fontScale="70000" lnSpcReduction="20000"/>
-          </a:bodyPr>
+        <p:spPr/>
+        <p:txBody>
+          <a:bodyPr/>
           <a:lstStyle/>
           <a:p>
             <a:pPr marL="0" indent="0">
               <a:buNone/>
             </a:pPr>
             <a:r>
+              <a:rPr lang="en-US" b="1" dirty="0" err="1"/>
+              <a:t>BestEffort</a:t>
+            </a:r>
+            <a:r>
               <a:rPr lang="en-US" dirty="0"/>
-              <a:t>This is the workflow of what happens when a node gets down</a:t>
-            </a:r>
-            <a:r>
-              <a:rPr lang="en-US" dirty="0" smtClean="0"/>
-              <a:t>:</a:t>
-            </a:r>
-            <a:endParaRPr lang="pl-PL" dirty="0" smtClean="0"/>
-          </a:p>
-          <a:p>
-            <a:pPr marL="0" indent="0">
-              <a:buNone/>
-            </a:pPr>
-            <a:endParaRPr lang="pl-PL" dirty="0"/>
-          </a:p>
-          <a:p>
-            <a:pPr marL="0" indent="0">
-              <a:buNone/>
-            </a:pPr>
-            <a:r>
-              <a:rPr lang="en-US" dirty="0" smtClean="0"/>
-              <a:t>1- </a:t>
-            </a:r>
-            <a:r>
-              <a:rPr lang="en-US" dirty="0"/>
-              <a:t>The </a:t>
+              <a:t> is a container with no memory or CPU limits or requests. If you’ve never defined any resources before reading this, your pod is by default running in </a:t>
             </a:r>
             <a:r>
               <a:rPr lang="en-US" dirty="0" err="1"/>
-              <a:t>Kubelet</a:t>
-            </a:r>
-            <a:r>
-              <a:rPr lang="en-US" dirty="0"/>
-              <a:t> posts its status to the masters using </a:t>
-            </a:r>
-            <a:r>
-              <a:rPr lang="en-US" b="1" i="1" dirty="0"/>
-              <a:t>–</a:t>
-            </a:r>
-            <a:r>
-              <a:rPr lang="en-US" b="1" i="1" dirty="0" smtClean="0"/>
-              <a:t>node-status-</a:t>
-            </a:r>
-            <a:endParaRPr lang="pl-PL" b="1" i="1" dirty="0" smtClean="0"/>
-          </a:p>
-          <a:p>
-            <a:pPr marL="0" indent="0">
-              <a:buNone/>
-            </a:pPr>
-            <a:r>
-              <a:rPr lang="en-US" b="1" i="1" dirty="0" smtClean="0"/>
-              <a:t>update-frequency=10s</a:t>
-            </a:r>
-            <a:endParaRPr lang="en-US" dirty="0"/>
-          </a:p>
-          <a:p>
-            <a:pPr marL="0" indent="0">
-              <a:buNone/>
-            </a:pPr>
-            <a:r>
-              <a:rPr lang="en-US" dirty="0" smtClean="0">
-                <a:solidFill>
-                  <a:srgbClr val="FF0000"/>
-                </a:solidFill>
-              </a:rPr>
-              <a:t>2- </a:t>
-            </a:r>
-            <a:r>
-              <a:rPr lang="en-US" dirty="0">
-                <a:solidFill>
-                  <a:srgbClr val="FF0000"/>
-                </a:solidFill>
-              </a:rPr>
-              <a:t>A node dies</a:t>
-            </a:r>
-          </a:p>
-          <a:p>
-            <a:pPr marL="0" indent="0">
-              <a:buNone/>
-            </a:pPr>
-            <a:r>
-              <a:rPr lang="en-US" dirty="0" smtClean="0"/>
-              <a:t>3- </a:t>
-            </a:r>
-            <a:r>
-              <a:rPr lang="en-US" dirty="0"/>
-              <a:t>The </a:t>
-            </a:r>
-            <a:r>
-              <a:rPr lang="en-US" dirty="0" err="1"/>
-              <a:t>kube</a:t>
-            </a:r>
-            <a:r>
-              <a:rPr lang="en-US" dirty="0"/>
-              <a:t> controller manager is the one monitoring the nodes, using </a:t>
-            </a:r>
-            <a:r>
-              <a:rPr lang="en-US" b="1" dirty="0"/>
-              <a:t>–</a:t>
-            </a:r>
-            <a:r>
-              <a:rPr lang="en-US" b="1" i="1" dirty="0"/>
-              <a:t>-node-monitor-period=5s</a:t>
-            </a:r>
-            <a:r>
-              <a:rPr lang="en-US" dirty="0"/>
-              <a:t> it checks, in the masters, the node status reported by the </a:t>
-            </a:r>
-            <a:r>
-              <a:rPr lang="en-US" dirty="0" err="1"/>
-              <a:t>Kubelet</a:t>
+              <a:t>BestEffort</a:t>
             </a:r>
             <a:r>
               <a:rPr lang="en-US" dirty="0"/>
               <a:t>.</a:t>
             </a:r>
+            <a:endParaRPr lang="pl-PL" dirty="0"/>
           </a:p>
           <a:p>
             <a:pPr marL="0" indent="0">
               <a:buNone/>
             </a:pPr>
-            <a:r>
-              <a:rPr lang="en-US" dirty="0" smtClean="0"/>
-              <a:t>4- </a:t>
+            <a:endParaRPr lang="en-US" dirty="0"/>
+          </a:p>
+          <a:p>
+            <a:pPr marL="0" indent="0">
+              <a:buNone/>
+            </a:pPr>
+            <a:r>
+              <a:rPr lang="en-US" dirty="0"/>
+              <a:t>Simply, </a:t>
             </a:r>
             <a:r>
               <a:rPr lang="en-US" dirty="0" err="1"/>
-              <a:t>Kube</a:t>
+              <a:t>BestEffort</a:t>
             </a:r>
             <a:r>
               <a:rPr lang="en-US" dirty="0"/>
-              <a:t> controller manager will see the node is unresponsive, and has this grace period</a:t>
-            </a:r>
-            <a:r>
-              <a:rPr lang="en-US" b="1" i="1" dirty="0"/>
-              <a:t> –node-monitor-grace-period=40s</a:t>
-            </a:r>
-            <a:r>
-              <a:rPr lang="en-US" dirty="0"/>
-              <a:t> until it considers the node unhealthy. This parameter must be N times </a:t>
-            </a:r>
-            <a:r>
-              <a:rPr lang="en-US" b="1" i="1" dirty="0"/>
-              <a:t>node-status-update-frequency</a:t>
-            </a:r>
-            <a:r>
-              <a:rPr lang="en-US" dirty="0"/>
-              <a:t> being N the number of retries allowed for the </a:t>
-            </a:r>
-            <a:r>
-              <a:rPr lang="en-US" dirty="0" err="1"/>
-              <a:t>Kubelet</a:t>
-            </a:r>
-            <a:r>
-              <a:rPr lang="en-US" dirty="0"/>
-              <a:t> to post node status. N is a constant in the </a:t>
-            </a:r>
-            <a:r>
-              <a:rPr lang="en-US" dirty="0" smtClean="0"/>
-              <a:t>code</a:t>
-            </a:r>
-            <a:r>
-              <a:rPr lang="pl-PL" dirty="0" smtClean="0"/>
-              <a:t> </a:t>
-            </a:r>
-            <a:r>
-              <a:rPr lang="pl-PL" dirty="0" err="1" smtClean="0"/>
-              <a:t>equals</a:t>
-            </a:r>
-            <a:r>
-              <a:rPr lang="pl-PL" dirty="0" smtClean="0"/>
-              <a:t> </a:t>
-            </a:r>
-            <a:r>
-              <a:rPr lang="pl-PL" dirty="0"/>
-              <a:t>to </a:t>
-            </a:r>
-            <a:r>
-              <a:rPr lang="pl-PL" b="1" dirty="0" smtClean="0"/>
-              <a:t>5</a:t>
-            </a:r>
-            <a:endParaRPr lang="pl-PL" b="1" dirty="0"/>
+              <a:t> is when you don’t set anything at all.</a:t>
+            </a:r>
+          </a:p>
+          <a:p>
+            <a:endParaRPr lang="pl-PL" dirty="0"/>
           </a:p>
         </p:txBody>
       </p:sp>
     </p:spTree>
     <p:extLst>
       <p:ext uri="{BB962C8B-B14F-4D97-AF65-F5344CB8AC3E}">
-        <p14:creationId xmlns:p14="http://schemas.microsoft.com/office/powerpoint/2010/main" val="3404377113"/>
+        <p14:creationId xmlns:p14="http://schemas.microsoft.com/office/powerpoint/2010/main" val="1689245596"/>
       </p:ext>
     </p:extLst>
   </p:cSld>
@@ -8465,11 +8293,371 @@
         </p:nvSpPr>
         <p:spPr/>
         <p:txBody>
+          <a:bodyPr>
+            <a:normAutofit fontScale="90000"/>
+          </a:bodyPr>
+          <a:lstStyle/>
+          <a:p>
+            <a:r>
+              <a:rPr lang="en-US" dirty="0"/>
+              <a:t>Quality of Service Best Practices</a:t>
+            </a:r>
+            <a:endParaRPr lang="pl-PL" dirty="0"/>
+          </a:p>
+        </p:txBody>
+      </p:sp>
+      <p:sp>
+        <p:nvSpPr>
+          <p:cNvPr id="3" name="Symbol zastępczy zawartości 2"/>
+          <p:cNvSpPr>
+            <a:spLocks noGrp="1"/>
+          </p:cNvSpPr>
+          <p:nvPr>
+            <p:ph idx="1"/>
+          </p:nvPr>
+        </p:nvSpPr>
+        <p:spPr/>
+        <p:txBody>
           <a:bodyPr/>
           <a:lstStyle/>
           <a:p>
             <a:r>
-              <a:rPr lang="pl-PL" dirty="0" err="1" smtClean="0"/>
+              <a:rPr lang="en-US" dirty="0"/>
+              <a:t>For production workloads, </a:t>
+            </a:r>
+            <a:r>
+              <a:rPr lang="en-US" dirty="0" err="1"/>
+              <a:t>BestEffort</a:t>
+            </a:r>
+            <a:r>
+              <a:rPr lang="en-US" dirty="0"/>
+              <a:t> is not recommended. </a:t>
+            </a:r>
+            <a:r>
+              <a:rPr lang="en-US" dirty="0">
+                <a:solidFill>
+                  <a:srgbClr val="FF0000"/>
+                </a:solidFill>
+              </a:rPr>
+              <a:t>Keep in mind, these containers will be killed first</a:t>
+            </a:r>
+            <a:r>
+              <a:rPr lang="en-US" dirty="0"/>
+              <a:t>. Burstable is suitable for most generic workloads. For sensitive applications that may have spikes or anything that runs in a </a:t>
+            </a:r>
+            <a:r>
+              <a:rPr lang="en-US" dirty="0" err="1"/>
+              <a:t>stateful</a:t>
+            </a:r>
+            <a:r>
+              <a:rPr lang="en-US" dirty="0"/>
+              <a:t> set like databases, it is recommended to apply a </a:t>
+            </a:r>
+            <a:r>
+              <a:rPr lang="en-US" dirty="0" err="1"/>
+              <a:t>QoS</a:t>
+            </a:r>
+            <a:r>
+              <a:rPr lang="en-US" dirty="0"/>
+              <a:t> guaranteed class</a:t>
+            </a:r>
+            <a:r>
+              <a:rPr lang="pl-PL" dirty="0"/>
+              <a:t>.</a:t>
+            </a:r>
+            <a:endParaRPr lang="en-US" dirty="0"/>
+          </a:p>
+        </p:txBody>
+      </p:sp>
+    </p:spTree>
+    <p:extLst>
+      <p:ext uri="{BB962C8B-B14F-4D97-AF65-F5344CB8AC3E}">
+        <p14:creationId xmlns:p14="http://schemas.microsoft.com/office/powerpoint/2010/main" val="708209892"/>
+      </p:ext>
+    </p:extLst>
+  </p:cSld>
+  <p:clrMapOvr>
+    <a:masterClrMapping/>
+  </p:clrMapOvr>
+</p:sld>
+</file>
+
+<file path=ppt/slides/slide27.xml><?xml version="1.0" encoding="utf-8"?>
+<p:sld xmlns:a="http://schemas.openxmlformats.org/drawingml/2006/main" xmlns:r="http://schemas.openxmlformats.org/officeDocument/2006/relationships" xmlns:p="http://schemas.openxmlformats.org/presentationml/2006/main">
+  <p:cSld>
+    <p:spTree>
+      <p:nvGrpSpPr>
+        <p:cNvPr id="1" name=""/>
+        <p:cNvGrpSpPr/>
+        <p:nvPr/>
+      </p:nvGrpSpPr>
+      <p:grpSpPr>
+        <a:xfrm>
+          <a:off x="0" y="0"/>
+          <a:ext cx="0" cy="0"/>
+          <a:chOff x="0" y="0"/>
+          <a:chExt cx="0" cy="0"/>
+        </a:xfrm>
+      </p:grpSpPr>
+      <p:sp>
+        <p:nvSpPr>
+          <p:cNvPr id="2" name="Tytuł 1"/>
+          <p:cNvSpPr>
+            <a:spLocks noGrp="1"/>
+          </p:cNvSpPr>
+          <p:nvPr>
+            <p:ph type="title"/>
+          </p:nvPr>
+        </p:nvSpPr>
+        <p:spPr/>
+        <p:txBody>
+          <a:bodyPr/>
+          <a:lstStyle/>
+          <a:p>
+            <a:r>
+              <a:rPr lang="pl-PL" dirty="0" err="1"/>
+              <a:t>Node</a:t>
+            </a:r>
+            <a:r>
+              <a:rPr lang="pl-PL" dirty="0"/>
+              <a:t> </a:t>
+            </a:r>
+            <a:r>
+              <a:rPr lang="pl-PL" dirty="0" err="1"/>
+              <a:t>Failure</a:t>
+            </a:r>
+            <a:r>
+              <a:rPr lang="pl-PL" dirty="0"/>
+              <a:t> </a:t>
+            </a:r>
+          </a:p>
+        </p:txBody>
+      </p:sp>
+      <p:sp>
+        <p:nvSpPr>
+          <p:cNvPr id="3" name="Symbol zastępczy zawartości 2"/>
+          <p:cNvSpPr>
+            <a:spLocks noGrp="1"/>
+          </p:cNvSpPr>
+          <p:nvPr>
+            <p:ph idx="1"/>
+          </p:nvPr>
+        </p:nvSpPr>
+        <p:spPr>
+          <a:xfrm>
+            <a:off x="502920" y="530352"/>
+            <a:ext cx="8183880" cy="4770856"/>
+          </a:xfrm>
+        </p:spPr>
+        <p:txBody>
+          <a:bodyPr>
+            <a:normAutofit fontScale="70000" lnSpcReduction="20000"/>
+          </a:bodyPr>
+          <a:lstStyle/>
+          <a:p>
+            <a:pPr marL="0" indent="0">
+              <a:buNone/>
+            </a:pPr>
+            <a:r>
+              <a:rPr lang="en-US" dirty="0"/>
+              <a:t>This is the workflow of what happens when a node gets down:</a:t>
+            </a:r>
+            <a:endParaRPr lang="pl-PL" dirty="0"/>
+          </a:p>
+          <a:p>
+            <a:pPr marL="0" indent="0">
+              <a:buNone/>
+            </a:pPr>
+            <a:endParaRPr lang="pl-PL" dirty="0"/>
+          </a:p>
+          <a:p>
+            <a:pPr marL="0" indent="0">
+              <a:buNone/>
+            </a:pPr>
+            <a:r>
+              <a:rPr lang="en-US" dirty="0"/>
+              <a:t>1- The </a:t>
+            </a:r>
+            <a:r>
+              <a:rPr lang="en-US" dirty="0" err="1"/>
+              <a:t>Kubelet</a:t>
+            </a:r>
+            <a:r>
+              <a:rPr lang="en-US" dirty="0"/>
+              <a:t> posts its status to the masters using </a:t>
+            </a:r>
+            <a:r>
+              <a:rPr lang="en-US" b="1" i="1" dirty="0"/>
+              <a:t>–node-status-</a:t>
+            </a:r>
+            <a:endParaRPr lang="pl-PL" b="1" i="1" dirty="0"/>
+          </a:p>
+          <a:p>
+            <a:pPr marL="0" indent="0">
+              <a:buNone/>
+            </a:pPr>
+            <a:r>
+              <a:rPr lang="en-US" b="1" i="1" dirty="0"/>
+              <a:t>update-frequency=10s</a:t>
+            </a:r>
+            <a:endParaRPr lang="en-US" dirty="0"/>
+          </a:p>
+          <a:p>
+            <a:pPr marL="0" indent="0">
+              <a:buNone/>
+            </a:pPr>
+            <a:r>
+              <a:rPr lang="en-US" dirty="0">
+                <a:solidFill>
+                  <a:srgbClr val="FF0000"/>
+                </a:solidFill>
+              </a:rPr>
+              <a:t>2- A node dies</a:t>
+            </a:r>
+          </a:p>
+          <a:p>
+            <a:pPr marL="0" indent="0">
+              <a:buNone/>
+            </a:pPr>
+            <a:r>
+              <a:rPr lang="en-US" dirty="0"/>
+              <a:t>3- The </a:t>
+            </a:r>
+            <a:r>
+              <a:rPr lang="en-US" dirty="0" err="1"/>
+              <a:t>kube</a:t>
+            </a:r>
+            <a:r>
+              <a:rPr lang="en-US" dirty="0"/>
+              <a:t> controller manager is the one monitoring the nodes, using </a:t>
+            </a:r>
+            <a:r>
+              <a:rPr lang="en-US" b="1" dirty="0"/>
+              <a:t>–</a:t>
+            </a:r>
+            <a:r>
+              <a:rPr lang="en-US" b="1" i="1" dirty="0"/>
+              <a:t>-node-monitor-period=5s</a:t>
+            </a:r>
+            <a:r>
+              <a:rPr lang="en-US" dirty="0"/>
+              <a:t> it checks, in the masters, the node status reported by the </a:t>
+            </a:r>
+            <a:r>
+              <a:rPr lang="en-US" dirty="0" err="1"/>
+              <a:t>Kubelet</a:t>
+            </a:r>
+            <a:r>
+              <a:rPr lang="en-US" dirty="0"/>
+              <a:t>.</a:t>
+            </a:r>
+          </a:p>
+          <a:p>
+            <a:pPr marL="0" indent="0">
+              <a:buNone/>
+            </a:pPr>
+            <a:r>
+              <a:rPr lang="en-US" dirty="0"/>
+              <a:t>4- </a:t>
+            </a:r>
+            <a:r>
+              <a:rPr lang="en-US" dirty="0" err="1"/>
+              <a:t>Kube</a:t>
+            </a:r>
+            <a:r>
+              <a:rPr lang="en-US" dirty="0"/>
+              <a:t> controller manager will see the node is unresponsive, and has this grace period</a:t>
+            </a:r>
+            <a:r>
+              <a:rPr lang="en-US" b="1" i="1" dirty="0"/>
+              <a:t> –node-monitor-grace-period=40s</a:t>
+            </a:r>
+            <a:r>
+              <a:rPr lang="en-US" dirty="0"/>
+              <a:t> until it considers the node unhealthy. This parameter must be N times </a:t>
+            </a:r>
+            <a:r>
+              <a:rPr lang="en-US" b="1" i="1" dirty="0"/>
+              <a:t>node-status-update-frequency</a:t>
+            </a:r>
+            <a:r>
+              <a:rPr lang="en-US" dirty="0"/>
+              <a:t> being N the number of retries allowed for the </a:t>
+            </a:r>
+            <a:r>
+              <a:rPr lang="en-US" dirty="0" err="1"/>
+              <a:t>Kubelet</a:t>
+            </a:r>
+            <a:r>
+              <a:rPr lang="en-US" dirty="0"/>
+              <a:t> to post node status. N is a constant in the code</a:t>
+            </a:r>
+            <a:r>
+              <a:rPr lang="pl-PL" dirty="0"/>
+              <a:t> </a:t>
+            </a:r>
+            <a:r>
+              <a:rPr lang="pl-PL" dirty="0" err="1"/>
+              <a:t>equals</a:t>
+            </a:r>
+            <a:r>
+              <a:rPr lang="pl-PL" dirty="0"/>
+              <a:t> to </a:t>
+            </a:r>
+            <a:r>
+              <a:rPr lang="pl-PL" b="1" dirty="0"/>
+              <a:t>5</a:t>
+            </a:r>
+          </a:p>
+        </p:txBody>
+      </p:sp>
+    </p:spTree>
+    <p:extLst>
+      <p:ext uri="{BB962C8B-B14F-4D97-AF65-F5344CB8AC3E}">
+        <p14:creationId xmlns:p14="http://schemas.microsoft.com/office/powerpoint/2010/main" val="3404377113"/>
+      </p:ext>
+    </p:extLst>
+  </p:cSld>
+  <p:clrMapOvr>
+    <a:masterClrMapping/>
+  </p:clrMapOvr>
+</p:sld>
+</file>
+
+<file path=ppt/slides/slide28.xml><?xml version="1.0" encoding="utf-8"?>
+<p:sld xmlns:a="http://schemas.openxmlformats.org/drawingml/2006/main" xmlns:r="http://schemas.openxmlformats.org/officeDocument/2006/relationships" xmlns:p="http://schemas.openxmlformats.org/presentationml/2006/main">
+  <p:cSld>
+    <p:spTree>
+      <p:nvGrpSpPr>
+        <p:cNvPr id="1" name=""/>
+        <p:cNvGrpSpPr/>
+        <p:nvPr/>
+      </p:nvGrpSpPr>
+      <p:grpSpPr>
+        <a:xfrm>
+          <a:off x="0" y="0"/>
+          <a:ext cx="0" cy="0"/>
+          <a:chOff x="0" y="0"/>
+          <a:chExt cx="0" cy="0"/>
+        </a:xfrm>
+      </p:grpSpPr>
+      <p:sp>
+        <p:nvSpPr>
+          <p:cNvPr id="2" name="Tytuł 1"/>
+          <p:cNvSpPr>
+            <a:spLocks noGrp="1"/>
+          </p:cNvSpPr>
+          <p:nvPr>
+            <p:ph type="title"/>
+          </p:nvPr>
+        </p:nvSpPr>
+        <p:spPr/>
+        <p:txBody>
+          <a:bodyPr/>
+          <a:lstStyle/>
+          <a:p>
+            <a:r>
+              <a:rPr lang="pl-PL" dirty="0" err="1"/>
               <a:t>Failure</a:t>
             </a:r>
             <a:endParaRPr lang="pl-PL" dirty="0"/>
@@ -8501,7 +8689,7 @@
             <a:pPr marL="0" indent="0">
               <a:buNone/>
             </a:pPr>
-            <a:endParaRPr lang="pl-PL" dirty="0" smtClean="0">
+            <a:endParaRPr lang="pl-PL" dirty="0">
               <a:hlinkClick r:id="rId2"/>
             </a:endParaRPr>
           </a:p>
@@ -8510,24 +8698,12 @@
               <a:buNone/>
             </a:pPr>
             <a:r>
-              <a:rPr lang="pl-PL" dirty="0" smtClean="0">
-                <a:hlinkClick r:id="rId2"/>
-              </a:rPr>
-              <a:t>https</a:t>
-            </a:r>
-            <a:r>
               <a:rPr lang="pl-PL" dirty="0">
                 <a:hlinkClick r:id="rId2"/>
               </a:rPr>
-              <a:t>://</a:t>
-            </a:r>
-            <a:r>
-              <a:rPr lang="pl-PL" dirty="0" smtClean="0">
-                <a:hlinkClick r:id="rId2"/>
-              </a:rPr>
-              <a:t>github.com/djkormo/k8s-AKS-primer/tree/master/examples/failure</a:t>
-            </a:r>
-            <a:endParaRPr lang="pl-PL" dirty="0" smtClean="0"/>
+              <a:t>https://github.com/djkormo/k8s-AKS-primer/tree/master/examples/failure</a:t>
+            </a:r>
+            <a:endParaRPr lang="pl-PL" dirty="0"/>
           </a:p>
           <a:p>
             <a:pPr marL="0" indent="0">
@@ -8560,10 +8736,9 @@
           <a:lstStyle/>
           <a:p>
             <a:r>
-              <a:rPr lang="pl-PL" sz="6000" dirty="0" smtClean="0"/>
+              <a:rPr lang="pl-PL" sz="6000" dirty="0"/>
               <a:t>DEMO</a:t>
             </a:r>
-            <a:endParaRPr lang="pl-PL" sz="6000" dirty="0"/>
           </a:p>
         </p:txBody>
       </p:sp>
@@ -8599,7 +8774,13 @@
       </p:grpSpPr>
       <p:sp>
         <p:nvSpPr>
-          <p:cNvPr id="2" name="Tytuł 1"/>
+          <p:cNvPr id="2" name="Tytuł 1">
+            <a:extLst>
+              <a:ext uri="{FF2B5EF4-FFF2-40B4-BE49-F238E27FC236}">
+                <a16:creationId xmlns:a16="http://schemas.microsoft.com/office/drawing/2014/main" id="{E2B3E769-EA3D-4BD1-90C7-29852D33D2B0}"/>
+              </a:ext>
+            </a:extLst>
+          </p:cNvPr>
           <p:cNvSpPr>
             <a:spLocks noGrp="1"/>
           </p:cNvSpPr>
@@ -8615,23 +8796,331 @@
           <a:lstStyle/>
           <a:p>
             <a:r>
-              <a:rPr lang="pl-PL" dirty="0" err="1" smtClean="0"/>
+              <a:rPr lang="pl-PL" dirty="0"/>
+              <a:t>Be </a:t>
+            </a:r>
+            <a:r>
+              <a:rPr lang="pl-PL" dirty="0" err="1"/>
+              <a:t>prepared</a:t>
+            </a:r>
+            <a:r>
+              <a:rPr lang="pl-PL" dirty="0"/>
+              <a:t> to </a:t>
+            </a:r>
+            <a:r>
+              <a:rPr lang="pl-PL" dirty="0" err="1"/>
+              <a:t>changes</a:t>
+            </a:r>
+            <a:r>
+              <a:rPr lang="pl-PL" dirty="0"/>
+              <a:t> in </a:t>
+            </a:r>
+            <a:r>
+              <a:rPr lang="pl-PL" dirty="0" err="1"/>
+              <a:t>Azure</a:t>
+            </a:r>
+            <a:endParaRPr lang="pl-PL" dirty="0"/>
+          </a:p>
+        </p:txBody>
+      </p:sp>
+      <p:sp>
+        <p:nvSpPr>
+          <p:cNvPr id="3" name="Symbol zastępczy zawartości 2">
+            <a:extLst>
+              <a:ext uri="{FF2B5EF4-FFF2-40B4-BE49-F238E27FC236}">
+                <a16:creationId xmlns:a16="http://schemas.microsoft.com/office/drawing/2014/main" id="{9F21D483-75C8-43CA-B656-D5F42F9B6948}"/>
+              </a:ext>
+            </a:extLst>
+          </p:cNvPr>
+          <p:cNvSpPr>
+            <a:spLocks noGrp="1"/>
+          </p:cNvSpPr>
+          <p:nvPr>
+            <p:ph idx="1"/>
+          </p:nvPr>
+        </p:nvSpPr>
+        <p:spPr>
+          <a:xfrm>
+            <a:off x="502920" y="530352"/>
+            <a:ext cx="8183880" cy="4698848"/>
+          </a:xfrm>
+        </p:spPr>
+        <p:txBody>
+          <a:bodyPr>
+            <a:normAutofit fontScale="77500" lnSpcReduction="20000"/>
+          </a:bodyPr>
+          <a:lstStyle/>
+          <a:p>
+            <a:pPr marL="0" indent="0">
+              <a:buNone/>
+            </a:pPr>
+            <a:r>
+              <a:rPr lang="en-US" b="1" dirty="0"/>
+              <a:t>Azure Kubernetes Service Changelog</a:t>
+            </a:r>
+          </a:p>
+          <a:p>
+            <a:pPr marL="0" indent="0">
+              <a:buNone/>
+            </a:pPr>
+            <a:r>
+              <a:rPr lang="pl-PL" b="1" dirty="0"/>
+              <a:t>R</a:t>
+            </a:r>
+            <a:r>
+              <a:rPr lang="en-US" b="1" dirty="0" err="1"/>
+              <a:t>elease</a:t>
+            </a:r>
+            <a:r>
+              <a:rPr lang="en-US" b="1" dirty="0"/>
+              <a:t> 2019-10-14</a:t>
+            </a:r>
+          </a:p>
+          <a:p>
+            <a:pPr marL="0" indent="0">
+              <a:buNone/>
+            </a:pPr>
+            <a:r>
+              <a:rPr lang="en-US" b="1" dirty="0"/>
+              <a:t>This release is rolling out to all regions</a:t>
+            </a:r>
+            <a:endParaRPr lang="en-US" dirty="0"/>
+          </a:p>
+          <a:p>
+            <a:pPr marL="0" indent="0">
+              <a:buNone/>
+            </a:pPr>
+            <a:r>
+              <a:rPr lang="en-US" b="1" dirty="0"/>
+              <a:t>Service Updates</a:t>
+            </a:r>
+          </a:p>
+          <a:p>
+            <a:pPr marL="0" indent="0">
+              <a:buNone/>
+            </a:pPr>
+            <a:r>
+              <a:rPr lang="en-US" dirty="0"/>
+              <a:t>With the official 2019-11-04 Azure CLI release, AKS will default new cluster creates to </a:t>
+            </a:r>
+            <a:r>
+              <a:rPr lang="en-US" dirty="0">
+                <a:solidFill>
+                  <a:srgbClr val="FF0000"/>
+                </a:solidFill>
+              </a:rPr>
+              <a:t>VM Scale-Sets</a:t>
+            </a:r>
+            <a:r>
+              <a:rPr lang="en-US" dirty="0"/>
+              <a:t> and Standard Load Balancers (VMSS/SLB) instead of VM Availability Sets and Basic Load Balancers (VMAS/BLB).</a:t>
+            </a:r>
+          </a:p>
+          <a:p>
+            <a:pPr marL="0" indent="0">
+              <a:buNone/>
+            </a:pPr>
+            <a:r>
+              <a:rPr lang="en-US" dirty="0"/>
+              <a:t>From 2019-10-14 AKS Portal will default new cluster creates to VM Scale-Sets and Standard Load Balancers (VMSS/SLB) instead of VM Availability Sets and Basic Load Balancers (VMAS/BLB). </a:t>
+            </a:r>
+            <a:r>
+              <a:rPr lang="en-US" dirty="0">
+                <a:solidFill>
+                  <a:srgbClr val="FF0000"/>
+                </a:solidFill>
+              </a:rPr>
+              <a:t>Users can still explicitly choose VMAS and BLB</a:t>
+            </a:r>
+            <a:r>
+              <a:rPr lang="en-US" dirty="0"/>
+              <a:t>.</a:t>
+            </a:r>
+          </a:p>
+          <a:p>
+            <a:pPr marL="0" indent="0">
+              <a:buNone/>
+            </a:pPr>
+            <a:r>
+              <a:rPr lang="en-US" dirty="0"/>
+              <a:t>From 2019-11-04 the CLI extension will have a new parameter --zones to replace --node-zones, which specifies the zones to be used by the cluster nodes.</a:t>
+            </a:r>
+          </a:p>
+          <a:p>
+            <a:endParaRPr lang="pl-PL" dirty="0"/>
+          </a:p>
+        </p:txBody>
+      </p:sp>
+    </p:spTree>
+    <p:extLst>
+      <p:ext uri="{BB962C8B-B14F-4D97-AF65-F5344CB8AC3E}">
+        <p14:creationId xmlns:p14="http://schemas.microsoft.com/office/powerpoint/2010/main" val="1661340181"/>
+      </p:ext>
+    </p:extLst>
+  </p:cSld>
+  <p:clrMapOvr>
+    <a:masterClrMapping/>
+  </p:clrMapOvr>
+</p:sld>
+</file>
+
+<file path=ppt/slides/slide4.xml><?xml version="1.0" encoding="utf-8"?>
+<p:sld xmlns:a="http://schemas.openxmlformats.org/drawingml/2006/main" xmlns:r="http://schemas.openxmlformats.org/officeDocument/2006/relationships" xmlns:p="http://schemas.openxmlformats.org/presentationml/2006/main">
+  <p:cSld>
+    <p:spTree>
+      <p:nvGrpSpPr>
+        <p:cNvPr id="1" name=""/>
+        <p:cNvGrpSpPr/>
+        <p:nvPr/>
+      </p:nvGrpSpPr>
+      <p:grpSpPr>
+        <a:xfrm>
+          <a:off x="0" y="0"/>
+          <a:ext cx="0" cy="0"/>
+          <a:chOff x="0" y="0"/>
+          <a:chExt cx="0" cy="0"/>
+        </a:xfrm>
+      </p:grpSpPr>
+      <p:sp>
+        <p:nvSpPr>
+          <p:cNvPr id="2" name="Tytuł 1">
+            <a:extLst>
+              <a:ext uri="{FF2B5EF4-FFF2-40B4-BE49-F238E27FC236}">
+                <a16:creationId xmlns:a16="http://schemas.microsoft.com/office/drawing/2014/main" id="{52954B61-983B-4682-A8E2-0BA9EE32C422}"/>
+              </a:ext>
+            </a:extLst>
+          </p:cNvPr>
+          <p:cNvSpPr>
+            <a:spLocks noGrp="1"/>
+          </p:cNvSpPr>
+          <p:nvPr>
+            <p:ph type="title"/>
+          </p:nvPr>
+        </p:nvSpPr>
+        <p:spPr/>
+        <p:txBody>
+          <a:bodyPr/>
+          <a:lstStyle/>
+          <a:p>
+            <a:r>
+              <a:rPr lang="pl-PL" dirty="0" err="1"/>
+              <a:t>Resources</a:t>
+            </a:r>
+            <a:r>
+              <a:rPr lang="pl-PL" dirty="0"/>
+              <a:t> to </a:t>
+            </a:r>
+            <a:r>
+              <a:rPr lang="pl-PL" dirty="0" err="1"/>
+              <a:t>read</a:t>
+            </a:r>
+            <a:endParaRPr lang="pl-PL" dirty="0"/>
+          </a:p>
+        </p:txBody>
+      </p:sp>
+      <p:sp>
+        <p:nvSpPr>
+          <p:cNvPr id="3" name="Symbol zastępczy zawartości 2">
+            <a:extLst>
+              <a:ext uri="{FF2B5EF4-FFF2-40B4-BE49-F238E27FC236}">
+                <a16:creationId xmlns:a16="http://schemas.microsoft.com/office/drawing/2014/main" id="{98C5E178-F058-4CD3-9551-9408EA728AF3}"/>
+              </a:ext>
+            </a:extLst>
+          </p:cNvPr>
+          <p:cNvSpPr>
+            <a:spLocks noGrp="1"/>
+          </p:cNvSpPr>
+          <p:nvPr>
+            <p:ph idx="1"/>
+          </p:nvPr>
+        </p:nvSpPr>
+        <p:spPr/>
+        <p:txBody>
+          <a:bodyPr>
+            <a:normAutofit/>
+          </a:bodyPr>
+          <a:lstStyle/>
+          <a:p>
+            <a:r>
+              <a:rPr lang="pl-PL" sz="4800" dirty="0">
+                <a:hlinkClick r:id="rId2"/>
+              </a:rPr>
+              <a:t>https://bit.ly/2BIcEgd</a:t>
+            </a:r>
+            <a:endParaRPr lang="pl-PL" sz="4800" dirty="0"/>
+          </a:p>
+          <a:p>
+            <a:endParaRPr lang="pl-PL" sz="4800" dirty="0"/>
+          </a:p>
+          <a:p>
+            <a:r>
+              <a:rPr lang="pl-PL" sz="2400" dirty="0"/>
+              <a:t>https://github.com/djkormo/k8s-AKS-primer</a:t>
+            </a:r>
+          </a:p>
+        </p:txBody>
+      </p:sp>
+    </p:spTree>
+    <p:extLst>
+      <p:ext uri="{BB962C8B-B14F-4D97-AF65-F5344CB8AC3E}">
+        <p14:creationId xmlns:p14="http://schemas.microsoft.com/office/powerpoint/2010/main" val="437477812"/>
+      </p:ext>
+    </p:extLst>
+  </p:cSld>
+  <p:clrMapOvr>
+    <a:masterClrMapping/>
+  </p:clrMapOvr>
+</p:sld>
+</file>
+
+<file path=ppt/slides/slide5.xml><?xml version="1.0" encoding="utf-8"?>
+<p:sld xmlns:a="http://schemas.openxmlformats.org/drawingml/2006/main" xmlns:r="http://schemas.openxmlformats.org/officeDocument/2006/relationships" xmlns:p="http://schemas.openxmlformats.org/presentationml/2006/main">
+  <p:cSld>
+    <p:spTree>
+      <p:nvGrpSpPr>
+        <p:cNvPr id="1" name=""/>
+        <p:cNvGrpSpPr/>
+        <p:nvPr/>
+      </p:nvGrpSpPr>
+      <p:grpSpPr>
+        <a:xfrm>
+          <a:off x="0" y="0"/>
+          <a:ext cx="0" cy="0"/>
+          <a:chOff x="0" y="0"/>
+          <a:chExt cx="0" cy="0"/>
+        </a:xfrm>
+      </p:grpSpPr>
+      <p:sp>
+        <p:nvSpPr>
+          <p:cNvPr id="2" name="Tytuł 1"/>
+          <p:cNvSpPr>
+            <a:spLocks noGrp="1"/>
+          </p:cNvSpPr>
+          <p:nvPr>
+            <p:ph type="title"/>
+          </p:nvPr>
+        </p:nvSpPr>
+        <p:spPr/>
+        <p:txBody>
+          <a:bodyPr>
+            <a:normAutofit fontScale="90000"/>
+          </a:bodyPr>
+          <a:lstStyle/>
+          <a:p>
+            <a:r>
+              <a:rPr lang="pl-PL" dirty="0" err="1"/>
               <a:t>Kubernetes</a:t>
             </a:r>
             <a:r>
-              <a:rPr lang="pl-PL" dirty="0" smtClean="0"/>
+              <a:rPr lang="pl-PL" dirty="0"/>
               <a:t> in 5 </a:t>
             </a:r>
             <a:r>
-              <a:rPr lang="pl-PL" dirty="0" err="1" smtClean="0"/>
+              <a:rPr lang="pl-PL" dirty="0" err="1"/>
               <a:t>minutes</a:t>
             </a:r>
-            <a:r>
-              <a:rPr lang="pl-PL" dirty="0" smtClean="0"/>
-              <a:t/>
-            </a:r>
             <a:br>
-              <a:rPr lang="pl-PL" dirty="0" smtClean="0"/>
+              <a:rPr lang="pl-PL" dirty="0"/>
             </a:br>
             <a:endParaRPr lang="pl-PL" dirty="0"/>
           </a:p>
@@ -8653,18 +9142,18 @@
           <a:lstStyle/>
           <a:p>
             <a:r>
-              <a:rPr lang="pl-PL" sz="2400" dirty="0" smtClean="0">
+              <a:rPr lang="pl-PL" sz="2400" dirty="0">
                 <a:hlinkClick r:id="rId2"/>
               </a:rPr>
               <a:t>https://www.youtube.com/watch?v=PH-2FfFD2PU</a:t>
             </a:r>
-            <a:endParaRPr lang="pl-PL" sz="2400" dirty="0" smtClean="0"/>
-          </a:p>
-          <a:p>
-            <a:endParaRPr lang="pl-PL" dirty="0" smtClean="0"/>
-          </a:p>
-          <a:p>
-            <a:endParaRPr lang="pl-PL" dirty="0" smtClean="0"/>
+            <a:endParaRPr lang="pl-PL" sz="2400" dirty="0"/>
+          </a:p>
+          <a:p>
+            <a:endParaRPr lang="pl-PL" dirty="0"/>
+          </a:p>
+          <a:p>
+            <a:endParaRPr lang="pl-PL" dirty="0"/>
           </a:p>
           <a:p>
             <a:endParaRPr lang="pl-PL" dirty="0"/>
@@ -8890,11 +9379,11 @@
               <a:buNone/>
             </a:pPr>
             <a:r>
-              <a:rPr lang="en-US" sz="1800" i="1" dirty="0" smtClean="0"/>
+              <a:rPr lang="en-US" sz="1800" i="1" dirty="0"/>
               <a:t>Cluster master</a:t>
             </a:r>
             <a:r>
-              <a:rPr lang="en-US" sz="1800" dirty="0" smtClean="0"/>
+              <a:rPr lang="en-US" sz="1800" dirty="0"/>
               <a:t> nodes provide the core Kubernetes services and orchestration of application workloads.</a:t>
             </a:r>
           </a:p>
@@ -8903,11 +9392,11 @@
               <a:buNone/>
             </a:pPr>
             <a:r>
-              <a:rPr lang="en-US" sz="1800" i="1" dirty="0" smtClean="0"/>
+              <a:rPr lang="en-US" sz="1800" i="1" dirty="0"/>
               <a:t>Nodes</a:t>
             </a:r>
             <a:r>
-              <a:rPr lang="en-US" sz="1800" dirty="0" smtClean="0"/>
+              <a:rPr lang="en-US" sz="1800" dirty="0"/>
               <a:t> run your application workloads.</a:t>
             </a:r>
           </a:p>
@@ -8952,17 +9441,10 @@
   <p:clrMapOvr>
     <a:masterClrMapping/>
   </p:clrMapOvr>
-  <p:timing>
-    <p:tnLst>
-      <p:par>
-        <p:cTn id="1" dur="indefinite" restart="never" nodeType="tmRoot"/>
-      </p:par>
-    </p:tnLst>
-  </p:timing>
 </p:sld>
 </file>
 
-<file path=ppt/slides/slide4.xml><?xml version="1.0" encoding="utf-8"?>
+<file path=ppt/slides/slide6.xml><?xml version="1.0" encoding="utf-8"?>
 <p:sld xmlns:a="http://schemas.openxmlformats.org/drawingml/2006/main" xmlns:r="http://schemas.openxmlformats.org/officeDocument/2006/relationships" xmlns:p="http://schemas.openxmlformats.org/presentationml/2006/main">
   <p:cSld>
     <p:spTree>
@@ -8995,15 +9477,15 @@
           <a:lstStyle/>
           <a:p>
             <a:r>
-              <a:rPr lang="pl-PL" dirty="0" err="1" smtClean="0"/>
+              <a:rPr lang="pl-PL" dirty="0" err="1"/>
               <a:t>Kubernetes</a:t>
             </a:r>
             <a:r>
-              <a:rPr lang="pl-PL" dirty="0" smtClean="0"/>
+              <a:rPr lang="pl-PL" dirty="0"/>
               <a:t> in 5 </a:t>
             </a:r>
             <a:r>
-              <a:rPr lang="pl-PL" dirty="0" err="1" smtClean="0"/>
+              <a:rPr lang="pl-PL" dirty="0" err="1"/>
               <a:t>minutes</a:t>
             </a:r>
             <a:endParaRPr lang="pl-PL" dirty="0"/>
@@ -9079,321 +9561,6 @@
 </p:sld>
 </file>
 
-<file path=ppt/slides/slide5.xml><?xml version="1.0" encoding="utf-8"?>
-<p:sld xmlns:a="http://schemas.openxmlformats.org/drawingml/2006/main" xmlns:r="http://schemas.openxmlformats.org/officeDocument/2006/relationships" xmlns:p="http://schemas.openxmlformats.org/presentationml/2006/main">
-  <p:cSld>
-    <p:spTree>
-      <p:nvGrpSpPr>
-        <p:cNvPr id="1" name=""/>
-        <p:cNvGrpSpPr/>
-        <p:nvPr/>
-      </p:nvGrpSpPr>
-      <p:grpSpPr>
-        <a:xfrm>
-          <a:off x="0" y="0"/>
-          <a:ext cx="0" cy="0"/>
-          <a:chOff x="0" y="0"/>
-          <a:chExt cx="0" cy="0"/>
-        </a:xfrm>
-      </p:grpSpPr>
-      <p:sp>
-        <p:nvSpPr>
-          <p:cNvPr id="2" name="Tytuł 1"/>
-          <p:cNvSpPr>
-            <a:spLocks noGrp="1"/>
-          </p:cNvSpPr>
-          <p:nvPr>
-            <p:ph type="title"/>
-          </p:nvPr>
-        </p:nvSpPr>
-        <p:spPr/>
-        <p:txBody>
-          <a:bodyPr/>
-          <a:lstStyle/>
-          <a:p>
-            <a:r>
-              <a:rPr lang="pl-PL" dirty="0" err="1" smtClean="0"/>
-              <a:t>Kubernetes</a:t>
-            </a:r>
-            <a:r>
-              <a:rPr lang="pl-PL" dirty="0" smtClean="0"/>
-              <a:t> </a:t>
-            </a:r>
-            <a:r>
-              <a:rPr lang="pl-PL" dirty="0" err="1" smtClean="0"/>
-              <a:t>limits</a:t>
-            </a:r>
-            <a:endParaRPr lang="pl-PL" dirty="0"/>
-          </a:p>
-        </p:txBody>
-      </p:sp>
-      <p:sp>
-        <p:nvSpPr>
-          <p:cNvPr id="3" name="Symbol zastępczy zawartości 2"/>
-          <p:cNvSpPr>
-            <a:spLocks noGrp="1"/>
-          </p:cNvSpPr>
-          <p:nvPr>
-            <p:ph idx="1"/>
-          </p:nvPr>
-        </p:nvSpPr>
-        <p:spPr/>
-        <p:txBody>
-          <a:bodyPr>
-            <a:normAutofit fontScale="85000" lnSpcReduction="20000"/>
-          </a:bodyPr>
-          <a:lstStyle/>
-          <a:p>
-            <a:endParaRPr lang="pl-PL" dirty="0" smtClean="0"/>
-          </a:p>
-          <a:p>
-            <a:pPr marL="0" indent="0">
-              <a:buNone/>
-            </a:pPr>
-            <a:r>
-              <a:rPr lang="en-US" dirty="0"/>
-              <a:t>At v1.16, Kubernetes supports clusters with up to 5000 nodes. More specifically, we support configurations that meet </a:t>
-            </a:r>
-            <a:r>
-              <a:rPr lang="en-US" i="1" dirty="0"/>
-              <a:t>all</a:t>
-            </a:r>
-            <a:r>
-              <a:rPr lang="en-US" dirty="0"/>
-              <a:t> of the following criteria</a:t>
-            </a:r>
-            <a:r>
-              <a:rPr lang="en-US" dirty="0" smtClean="0"/>
-              <a:t>:</a:t>
-            </a:r>
-            <a:endParaRPr lang="en-US" dirty="0"/>
-          </a:p>
-          <a:p>
-            <a:pPr marL="0" indent="0">
-              <a:buNone/>
-            </a:pPr>
-            <a:r>
-              <a:rPr lang="en-US" dirty="0"/>
-              <a:t>No more than 5000 nodes</a:t>
-            </a:r>
-          </a:p>
-          <a:p>
-            <a:pPr marL="0" indent="0">
-              <a:buNone/>
-            </a:pPr>
-            <a:r>
-              <a:rPr lang="en-US" dirty="0"/>
-              <a:t>No more than 150000 total pods</a:t>
-            </a:r>
-          </a:p>
-          <a:p>
-            <a:pPr marL="0" indent="0">
-              <a:buNone/>
-            </a:pPr>
-            <a:r>
-              <a:rPr lang="en-US" dirty="0"/>
-              <a:t>No more than 300000 total containers</a:t>
-            </a:r>
-          </a:p>
-          <a:p>
-            <a:pPr marL="0" indent="0">
-              <a:buNone/>
-            </a:pPr>
-            <a:r>
-              <a:rPr lang="en-US" dirty="0">
-                <a:solidFill>
-                  <a:srgbClr val="FF0000"/>
-                </a:solidFill>
-              </a:rPr>
-              <a:t>No more than 100 pods per </a:t>
-            </a:r>
-            <a:r>
-              <a:rPr lang="en-US" dirty="0" smtClean="0">
-                <a:solidFill>
-                  <a:srgbClr val="FF0000"/>
-                </a:solidFill>
-              </a:rPr>
-              <a:t>node</a:t>
-            </a:r>
-            <a:endParaRPr lang="pl-PL" dirty="0" smtClean="0">
-              <a:solidFill>
-                <a:srgbClr val="FF0000"/>
-              </a:solidFill>
-            </a:endParaRPr>
-          </a:p>
-          <a:p>
-            <a:pPr marL="0" indent="0">
-              <a:buNone/>
-            </a:pPr>
-            <a:endParaRPr lang="pl-PL" dirty="0" smtClean="0"/>
-          </a:p>
-          <a:p>
-            <a:pPr marL="0" indent="0">
-              <a:buNone/>
-            </a:pPr>
-            <a:r>
-              <a:rPr lang="pl-PL" dirty="0">
-                <a:hlinkClick r:id="rId2"/>
-              </a:rPr>
-              <a:t>https://kubernetes.io/docs/setup/best-practices/cluster-large/</a:t>
-            </a:r>
-            <a:endParaRPr lang="pl-PL" dirty="0"/>
-          </a:p>
-          <a:p>
-            <a:pPr marL="0" indent="0">
-              <a:buNone/>
-            </a:pPr>
-            <a:endParaRPr lang="en-US" dirty="0"/>
-          </a:p>
-          <a:p>
-            <a:endParaRPr lang="pl-PL" dirty="0"/>
-          </a:p>
-        </p:txBody>
-      </p:sp>
-    </p:spTree>
-    <p:extLst>
-      <p:ext uri="{BB962C8B-B14F-4D97-AF65-F5344CB8AC3E}">
-        <p14:creationId xmlns:p14="http://schemas.microsoft.com/office/powerpoint/2010/main" val="2924432766"/>
-      </p:ext>
-    </p:extLst>
-  </p:cSld>
-  <p:clrMapOvr>
-    <a:masterClrMapping/>
-  </p:clrMapOvr>
-  <p:timing>
-    <p:tnLst>
-      <p:par>
-        <p:cTn id="1" dur="indefinite" restart="never" nodeType="tmRoot"/>
-      </p:par>
-    </p:tnLst>
-  </p:timing>
-</p:sld>
-</file>
-
-<file path=ppt/slides/slide6.xml><?xml version="1.0" encoding="utf-8"?>
-<p:sld xmlns:a="http://schemas.openxmlformats.org/drawingml/2006/main" xmlns:r="http://schemas.openxmlformats.org/officeDocument/2006/relationships" xmlns:p="http://schemas.openxmlformats.org/presentationml/2006/main">
-  <p:cSld>
-    <p:spTree>
-      <p:nvGrpSpPr>
-        <p:cNvPr id="1" name=""/>
-        <p:cNvGrpSpPr/>
-        <p:nvPr/>
-      </p:nvGrpSpPr>
-      <p:grpSpPr>
-        <a:xfrm>
-          <a:off x="0" y="0"/>
-          <a:ext cx="0" cy="0"/>
-          <a:chOff x="0" y="0"/>
-          <a:chExt cx="0" cy="0"/>
-        </a:xfrm>
-      </p:grpSpPr>
-      <p:sp>
-        <p:nvSpPr>
-          <p:cNvPr id="2" name="Tytuł 1"/>
-          <p:cNvSpPr>
-            <a:spLocks noGrp="1"/>
-          </p:cNvSpPr>
-          <p:nvPr>
-            <p:ph type="title"/>
-          </p:nvPr>
-        </p:nvSpPr>
-        <p:spPr/>
-        <p:txBody>
-          <a:bodyPr/>
-          <a:lstStyle/>
-          <a:p>
-            <a:r>
-              <a:rPr lang="pl-PL" dirty="0" err="1" smtClean="0"/>
-              <a:t>Limits</a:t>
-            </a:r>
-            <a:r>
-              <a:rPr lang="pl-PL" dirty="0" smtClean="0"/>
-              <a:t>, </a:t>
-            </a:r>
-            <a:r>
-              <a:rPr lang="pl-PL" dirty="0" err="1" smtClean="0"/>
-              <a:t>requests</a:t>
-            </a:r>
-            <a:endParaRPr lang="pl-PL" dirty="0"/>
-          </a:p>
-        </p:txBody>
-      </p:sp>
-      <p:sp>
-        <p:nvSpPr>
-          <p:cNvPr id="3" name="Symbol zastępczy zawartości 2"/>
-          <p:cNvSpPr>
-            <a:spLocks noGrp="1"/>
-          </p:cNvSpPr>
-          <p:nvPr>
-            <p:ph idx="1"/>
-          </p:nvPr>
-        </p:nvSpPr>
-        <p:spPr/>
-        <p:txBody>
-          <a:bodyPr>
-            <a:normAutofit fontScale="77500" lnSpcReduction="20000"/>
-          </a:bodyPr>
-          <a:lstStyle/>
-          <a:p>
-            <a:r>
-              <a:rPr lang="en-US" dirty="0"/>
-              <a:t>Kubernetes employs requests and limits to control resources. Requests are guaranteed resources that a container is entitled to use. Limits, on the other hand, are the maximum resources or threshold a container can use. </a:t>
-            </a:r>
-            <a:endParaRPr lang="pl-PL" dirty="0" smtClean="0"/>
-          </a:p>
-          <a:p>
-            <a:r>
-              <a:rPr lang="en-US" dirty="0" smtClean="0"/>
-              <a:t>After </a:t>
-            </a:r>
-            <a:r>
-              <a:rPr lang="en-US" dirty="0"/>
-              <a:t>reaching the limits, containers will be restricted. If a container requests a resource, Kubernetes will only schedule it on an available node that can provide those resources. These resources and limit are defined in the standard YAML configuration of your containers.</a:t>
-            </a:r>
-          </a:p>
-          <a:p>
-            <a:r>
-              <a:rPr lang="en-US" dirty="0"/>
-              <a:t>In Kubernetes, there are two types of resources: </a:t>
-            </a:r>
-            <a:r>
-              <a:rPr lang="en-US" dirty="0">
-                <a:solidFill>
-                  <a:srgbClr val="FF0000"/>
-                </a:solidFill>
-              </a:rPr>
-              <a:t>CPU and Memory</a:t>
-            </a:r>
-            <a:r>
-              <a:rPr lang="en-US" dirty="0"/>
-              <a:t>. CPU is measured in core units, and memory is specified in bytes.</a:t>
-            </a:r>
-          </a:p>
-          <a:p>
-            <a:endParaRPr lang="pl-PL" dirty="0"/>
-          </a:p>
-        </p:txBody>
-      </p:sp>
-    </p:spTree>
-    <p:extLst>
-      <p:ext uri="{BB962C8B-B14F-4D97-AF65-F5344CB8AC3E}">
-        <p14:creationId xmlns:p14="http://schemas.microsoft.com/office/powerpoint/2010/main" val="4087162077"/>
-      </p:ext>
-    </p:extLst>
-  </p:cSld>
-  <p:clrMapOvr>
-    <a:masterClrMapping/>
-  </p:clrMapOvr>
-  <p:timing>
-    <p:tnLst>
-      <p:par>
-        <p:cTn id="1" dur="indefinite" restart="never" nodeType="tmRoot"/>
-      </p:par>
-    </p:tnLst>
-  </p:timing>
-</p:sld>
-</file>
-
 <file path=ppt/slides/slide7.xml><?xml version="1.0" encoding="utf-8"?>
 <p:sld xmlns:a="http://schemas.openxmlformats.org/drawingml/2006/main" xmlns:r="http://schemas.openxmlformats.org/officeDocument/2006/relationships" xmlns:p="http://schemas.openxmlformats.org/presentationml/2006/main">
   <p:cSld>
@@ -9427,8 +9594,16 @@
           <a:lstStyle/>
           <a:p>
             <a:r>
-              <a:rPr lang="pl-PL" dirty="0" smtClean="0"/>
-              <a:t>CPU</a:t>
+              <a:rPr lang="pl-PL" dirty="0" err="1"/>
+              <a:t>Kubernetes</a:t>
+            </a:r>
+            <a:r>
+              <a:rPr lang="pl-PL" dirty="0"/>
+              <a:t> </a:t>
+            </a:r>
+            <a:r>
+              <a:rPr lang="pl-PL" dirty="0" err="1"/>
+              <a:t>limits</a:t>
             </a:r>
             <a:endParaRPr lang="pl-PL" dirty="0"/>
           </a:p>
@@ -9447,44 +9622,97 @@
         <p:spPr/>
         <p:txBody>
           <a:bodyPr>
-            <a:normAutofit fontScale="92500"/>
+            <a:normAutofit fontScale="85000" lnSpcReduction="20000"/>
           </a:bodyPr>
           <a:lstStyle/>
           <a:p>
+            <a:endParaRPr lang="pl-PL" dirty="0"/>
+          </a:p>
+          <a:p>
+            <a:pPr marL="0" indent="0">
+              <a:buNone/>
+            </a:pPr>
             <a:r>
               <a:rPr lang="en-US" dirty="0"/>
-              <a:t>CPU resources are measured in </a:t>
-            </a:r>
-            <a:r>
-              <a:rPr lang="en-US" dirty="0" err="1"/>
-              <a:t>millicore</a:t>
+              <a:t>At v1.16, Kubernetes supports clusters with up to 5000 nodes. More specifically, we support configurations that meet </a:t>
+            </a:r>
+            <a:r>
+              <a:rPr lang="en-US" i="1" dirty="0"/>
+              <a:t>all</a:t>
             </a:r>
             <a:r>
               <a:rPr lang="en-US" dirty="0"/>
-              <a:t>. If a node has 2 cores, the node’s CPU capacity would be represented as 2000m. The unit suffix m stands for “thousandth of a core.”</a:t>
-            </a:r>
-          </a:p>
-          <a:p>
+              <a:t> of the following criteria:</a:t>
+            </a:r>
+          </a:p>
+          <a:p>
+            <a:pPr marL="0" indent="0">
+              <a:buNone/>
+            </a:pPr>
             <a:r>
               <a:rPr lang="en-US" dirty="0"/>
-              <a:t>1000m or 1000 </a:t>
-            </a:r>
-            <a:r>
-              <a:rPr lang="en-US" dirty="0" err="1"/>
-              <a:t>millicore</a:t>
-            </a:r>
+              <a:t>No more than 5000 nodes</a:t>
+            </a:r>
+          </a:p>
+          <a:p>
+            <a:pPr marL="0" indent="0">
+              <a:buNone/>
+            </a:pPr>
             <a:r>
               <a:rPr lang="en-US" dirty="0"/>
-              <a:t> is equal to 1 core. 4000m would represent 4 cores. 250 </a:t>
-            </a:r>
-            <a:r>
-              <a:rPr lang="en-US" dirty="0" err="1"/>
-              <a:t>millicore</a:t>
-            </a:r>
+              <a:t>No more than 150000 total pods</a:t>
+            </a:r>
+          </a:p>
+          <a:p>
+            <a:pPr marL="0" indent="0">
+              <a:buNone/>
+            </a:pPr>
             <a:r>
               <a:rPr lang="en-US" dirty="0"/>
-              <a:t> per pod means 4 pods with a similar value of 250m can run on a single core. On a 4 core node, 16 pods each having 250m can run on that node.</a:t>
-            </a:r>
+              <a:t>No more than 300000 total containers</a:t>
+            </a:r>
+          </a:p>
+          <a:p>
+            <a:pPr marL="0" indent="0">
+              <a:buNone/>
+            </a:pPr>
+            <a:r>
+              <a:rPr lang="en-US" dirty="0">
+                <a:solidFill>
+                  <a:srgbClr val="FF0000"/>
+                </a:solidFill>
+              </a:rPr>
+              <a:t>No more than 100 pods per node</a:t>
+            </a:r>
+            <a:endParaRPr lang="pl-PL" dirty="0">
+              <a:solidFill>
+                <a:srgbClr val="FF0000"/>
+              </a:solidFill>
+            </a:endParaRPr>
+          </a:p>
+          <a:p>
+            <a:pPr marL="0" indent="0">
+              <a:buNone/>
+            </a:pPr>
+            <a:endParaRPr lang="pl-PL" dirty="0"/>
+          </a:p>
+          <a:p>
+            <a:pPr marL="0" indent="0">
+              <a:buNone/>
+            </a:pPr>
+            <a:r>
+              <a:rPr lang="pl-PL" dirty="0">
+                <a:hlinkClick r:id="rId2"/>
+              </a:rPr>
+              <a:t>https://kubernetes.io/docs/setup/best-practices/cluster-large/</a:t>
+            </a:r>
+            <a:endParaRPr lang="pl-PL" dirty="0"/>
+          </a:p>
+          <a:p>
+            <a:pPr marL="0" indent="0">
+              <a:buNone/>
+            </a:pPr>
+            <a:endParaRPr lang="en-US" dirty="0"/>
           </a:p>
           <a:p>
             <a:endParaRPr lang="pl-PL" dirty="0"/>
@@ -9494,7 +9722,7 @@
     </p:spTree>
     <p:extLst>
       <p:ext uri="{BB962C8B-B14F-4D97-AF65-F5344CB8AC3E}">
-        <p14:creationId xmlns:p14="http://schemas.microsoft.com/office/powerpoint/2010/main" val="147757337"/>
+        <p14:creationId xmlns:p14="http://schemas.microsoft.com/office/powerpoint/2010/main" val="2924432766"/>
       </p:ext>
     </p:extLst>
   </p:cSld>
@@ -9537,8 +9765,16 @@
           <a:lstStyle/>
           <a:p>
             <a:r>
-              <a:rPr lang="pl-PL" dirty="0" smtClean="0"/>
-              <a:t>Memory</a:t>
+              <a:rPr lang="pl-PL" dirty="0" err="1"/>
+              <a:t>Limits</a:t>
+            </a:r>
+            <a:r>
+              <a:rPr lang="pl-PL" dirty="0"/>
+              <a:t>, </a:t>
+            </a:r>
+            <a:r>
+              <a:rPr lang="pl-PL" dirty="0" err="1"/>
+              <a:t>requests</a:t>
             </a:r>
             <a:endParaRPr lang="pl-PL" dirty="0"/>
           </a:p>
@@ -9557,87 +9793,38 @@
         <p:spPr/>
         <p:txBody>
           <a:bodyPr>
-            <a:normAutofit fontScale="92500" lnSpcReduction="20000"/>
+            <a:normAutofit fontScale="77500" lnSpcReduction="20000"/>
           </a:bodyPr>
           <a:lstStyle/>
           <a:p>
             <a:r>
               <a:rPr lang="en-US" dirty="0"/>
-              <a:t>Memory is measured in bytes. However, you can express memory with various suffixes (E,P,T,G,M,K and </a:t>
-            </a:r>
-            <a:r>
-              <a:rPr lang="en-US" dirty="0" err="1"/>
-              <a:t>Ei</a:t>
-            </a:r>
+              <a:t>Kubernetes employs requests and limits to control resources. Requests are guaranteed resources that a container is entitled to use. Limits, on the other hand, are the maximum resources or threshold a container can use. </a:t>
+            </a:r>
+            <a:endParaRPr lang="pl-PL" dirty="0"/>
+          </a:p>
+          <a:p>
             <a:r>
               <a:rPr lang="en-US" dirty="0"/>
-              <a:t>, Pi, </a:t>
-            </a:r>
-            <a:r>
-              <a:rPr lang="en-US" dirty="0" err="1"/>
-              <a:t>Ti</a:t>
-            </a:r>
+              <a:t>After reaching the limits, containers will be restricted. If a container requests a resource, Kubernetes will only schedule it on an available node that can provide those resources. These resources and limit are defined in the standard YAML configuration of your containers.</a:t>
+            </a:r>
+          </a:p>
+          <a:p>
             <a:r>
               <a:rPr lang="en-US" dirty="0"/>
-              <a:t>, </a:t>
-            </a:r>
-            <a:r>
-              <a:rPr lang="en-US" dirty="0" err="1"/>
-              <a:t>Gi</a:t>
+              <a:t>In Kubernetes, there are two types of resources: </a:t>
+            </a:r>
+            <a:r>
+              <a:rPr lang="en-US" dirty="0">
+                <a:solidFill>
+                  <a:srgbClr val="FF0000"/>
+                </a:solidFill>
+              </a:rPr>
+              <a:t>CPU and Memory</a:t>
             </a:r>
             <a:r>
               <a:rPr lang="en-US" dirty="0"/>
-              <a:t>, </a:t>
-            </a:r>
-            <a:r>
-              <a:rPr lang="en-US" dirty="0" err="1"/>
-              <a:t>Mi</a:t>
-            </a:r>
-            <a:r>
-              <a:rPr lang="en-US" dirty="0"/>
-              <a:t>, Ki) to express </a:t>
-            </a:r>
-            <a:r>
-              <a:rPr lang="en-US" dirty="0" err="1"/>
-              <a:t>mebibytes</a:t>
-            </a:r>
-            <a:r>
-              <a:rPr lang="en-US" dirty="0"/>
-              <a:t> (</a:t>
-            </a:r>
-            <a:r>
-              <a:rPr lang="en-US" dirty="0" err="1"/>
-              <a:t>Mi</a:t>
-            </a:r>
-            <a:r>
-              <a:rPr lang="en-US" dirty="0"/>
-              <a:t>) to petabytes (Pi). </a:t>
-            </a:r>
-            <a:r>
-              <a:rPr lang="en-US" b="1" dirty="0"/>
-              <a:t>Most simply use Mi</a:t>
-            </a:r>
-            <a:r>
-              <a:rPr lang="en-US" dirty="0"/>
-              <a:t>.</a:t>
-            </a:r>
-          </a:p>
-          <a:p>
-            <a:r>
-              <a:rPr lang="en-US" dirty="0"/>
-              <a:t>Like CPU, </a:t>
-            </a:r>
-            <a:r>
-              <a:rPr lang="en-US" dirty="0">
-                <a:solidFill>
-                  <a:srgbClr val="FF0000"/>
-                </a:solidFill>
-              </a:rPr>
-              <a:t>pods will never be scheduled if they require more resources than the capacity of a node</a:t>
-            </a:r>
-            <a:r>
-              <a:rPr lang="en-US" dirty="0"/>
-              <a:t>. Unlike CPU, memory is not compressible. You can’t make memory run slower or faster like CPU or network throttling. Pods will be terminated if it reaches the memory limit.</a:t>
+              <a:t>. CPU is measured in core units, and memory is specified in bytes.</a:t>
             </a:r>
           </a:p>
           <a:p>
@@ -9648,7 +9835,7 @@
     </p:spTree>
     <p:extLst>
       <p:ext uri="{BB962C8B-B14F-4D97-AF65-F5344CB8AC3E}">
-        <p14:creationId xmlns:p14="http://schemas.microsoft.com/office/powerpoint/2010/main" val="3653138814"/>
+        <p14:creationId xmlns:p14="http://schemas.microsoft.com/office/powerpoint/2010/main" val="4087162077"/>
       </p:ext>
     </p:extLst>
   </p:cSld>
@@ -9691,135 +9878,65 @@
           <a:lstStyle/>
           <a:p>
             <a:r>
-              <a:rPr lang="pl-PL" dirty="0" err="1" smtClean="0"/>
-              <a:t>Limits</a:t>
-            </a:r>
-            <a:r>
-              <a:rPr lang="pl-PL" dirty="0" smtClean="0"/>
-              <a:t>, </a:t>
-            </a:r>
-            <a:r>
-              <a:rPr lang="pl-PL" dirty="0" err="1" smtClean="0"/>
-              <a:t>requests</a:t>
-            </a:r>
-            <a:endParaRPr lang="pl-PL" dirty="0"/>
-          </a:p>
-        </p:txBody>
-      </p:sp>
-      <p:pic>
-        <p:nvPicPr>
-          <p:cNvPr id="3074" name="Picture 2"/>
-          <p:cNvPicPr>
-            <a:picLocks noGrp="1" noChangeAspect="1" noChangeArrowheads="1"/>
-          </p:cNvPicPr>
+              <a:rPr lang="pl-PL" dirty="0"/>
+              <a:t>CPU</a:t>
+            </a:r>
+          </a:p>
+        </p:txBody>
+      </p:sp>
+      <p:sp>
+        <p:nvSpPr>
+          <p:cNvPr id="3" name="Symbol zastępczy zawartości 2"/>
+          <p:cNvSpPr>
+            <a:spLocks noGrp="1"/>
+          </p:cNvSpPr>
           <p:nvPr>
             <p:ph idx="1"/>
           </p:nvPr>
-        </p:nvPicPr>
-        <p:blipFill>
-          <a:blip r:embed="rId2">
-            <a:extLst>
-              <a:ext uri="{28A0092B-C50C-407E-A947-70E740481C1C}">
-                <a14:useLocalDpi xmlns:a14="http://schemas.microsoft.com/office/drawing/2010/main" val="0"/>
-              </a:ext>
-            </a:extLst>
-          </a:blip>
-          <a:srcRect/>
-          <a:stretch>
-            <a:fillRect/>
-          </a:stretch>
-        </p:blipFill>
-        <p:spPr bwMode="auto">
-          <a:xfrm>
-            <a:off x="1244647" y="583814"/>
-            <a:ext cx="6510689" cy="3168352"/>
-          </a:xfrm>
-          <a:prstGeom prst="rect">
-            <a:avLst/>
-          </a:prstGeom>
-          <a:noFill/>
-          <a:ln>
-            <a:noFill/>
-          </a:ln>
-          <a:extLst>
-            <a:ext uri="{909E8E84-426E-40DD-AFC4-6F175D3DCCD1}">
-              <a14:hiddenFill xmlns:a14="http://schemas.microsoft.com/office/drawing/2010/main">
-                <a:solidFill>
-                  <a:schemeClr val="accent1"/>
-                </a:solidFill>
-              </a14:hiddenFill>
-            </a:ext>
-            <a:ext uri="{91240B29-F687-4F45-9708-019B960494DF}">
-              <a14:hiddenLine xmlns:a14="http://schemas.microsoft.com/office/drawing/2010/main" w="9525">
-                <a:solidFill>
-                  <a:schemeClr val="tx1"/>
-                </a:solidFill>
-                <a:miter lim="800000"/>
-                <a:headEnd/>
-                <a:tailEnd/>
-              </a14:hiddenLine>
-            </a:ext>
-          </a:extLst>
-        </p:spPr>
-      </p:pic>
-      <p:sp>
-        <p:nvSpPr>
-          <p:cNvPr id="4" name="Prostokąt 3"/>
-          <p:cNvSpPr/>
-          <p:nvPr/>
-        </p:nvSpPr>
-        <p:spPr>
-          <a:xfrm>
-            <a:off x="1043608" y="4149080"/>
-            <a:ext cx="7344816" cy="646331"/>
-          </a:xfrm>
-          <a:prstGeom prst="rect">
-            <a:avLst/>
-          </a:prstGeom>
-        </p:spPr>
-        <p:txBody>
-          <a:bodyPr wrap="square">
-            <a:spAutoFit/>
+        </p:nvSpPr>
+        <p:spPr/>
+        <p:txBody>
+          <a:bodyPr>
+            <a:normAutofit fontScale="92500"/>
           </a:bodyPr>
           <a:lstStyle/>
           <a:p>
             <a:r>
-              <a:rPr lang="pl-PL" dirty="0">
-                <a:hlinkClick r:id="rId3"/>
-              </a:rPr>
-              <a:t>https://jaxenter.com/manage-container-resource-kubernetes-141977.html</a:t>
-            </a:r>
-            <a:endParaRPr lang="pl-PL" dirty="0"/>
-          </a:p>
-        </p:txBody>
-      </p:sp>
-      <p:sp>
-        <p:nvSpPr>
-          <p:cNvPr id="5" name="Prostokąt 4"/>
-          <p:cNvSpPr/>
-          <p:nvPr/>
-        </p:nvSpPr>
-        <p:spPr>
-          <a:xfrm>
-            <a:off x="1043608" y="4869160"/>
-            <a:ext cx="7344816" cy="646331"/>
-          </a:xfrm>
-          <a:prstGeom prst="rect">
-            <a:avLst/>
-          </a:prstGeom>
-        </p:spPr>
-        <p:txBody>
-          <a:bodyPr wrap="square">
-            <a:spAutoFit/>
-          </a:bodyPr>
-          <a:lstStyle/>
-          <a:p>
-            <a:r>
-              <a:rPr lang="pl-PL" dirty="0">
-                <a:hlinkClick r:id="rId4"/>
-              </a:rPr>
-              <a:t>https://vincentlauzon.com/2019/04/02/requests-vs-limits-in-kubernetes/</a:t>
-            </a:r>
+              <a:rPr lang="en-US" dirty="0"/>
+              <a:t>CPU resources are measured in </a:t>
+            </a:r>
+            <a:r>
+              <a:rPr lang="en-US" dirty="0" err="1"/>
+              <a:t>millicore</a:t>
+            </a:r>
+            <a:r>
+              <a:rPr lang="en-US" dirty="0"/>
+              <a:t>. If a node has 2 cores, the node’s CPU capacity would be represented as 2000m. The unit suffix m stands for “thousandth of a core.”</a:t>
+            </a:r>
+          </a:p>
+          <a:p>
+            <a:r>
+              <a:rPr lang="en-US" dirty="0"/>
+              <a:t>1000m or 1000 </a:t>
+            </a:r>
+            <a:r>
+              <a:rPr lang="en-US" dirty="0" err="1"/>
+              <a:t>millicore</a:t>
+            </a:r>
+            <a:r>
+              <a:rPr lang="en-US" dirty="0"/>
+              <a:t> is equal to 1 core. 4000m would represent 4 cores. 250 </a:t>
+            </a:r>
+            <a:r>
+              <a:rPr lang="en-US" dirty="0" err="1"/>
+              <a:t>millicore</a:t>
+            </a:r>
+            <a:r>
+              <a:rPr lang="en-US" dirty="0"/>
+              <a:t> per pod means 4 pods with a similar value of 250m can run on a single core. On a 4 core node, 16 pods each having 250m can run on that node.</a:t>
+            </a:r>
+          </a:p>
+          <a:p>
             <a:endParaRPr lang="pl-PL" dirty="0"/>
           </a:p>
         </p:txBody>
@@ -9827,7 +9944,7 @@
     </p:spTree>
     <p:extLst>
       <p:ext uri="{BB962C8B-B14F-4D97-AF65-F5344CB8AC3E}">
-        <p14:creationId xmlns:p14="http://schemas.microsoft.com/office/powerpoint/2010/main" val="654161845"/>
+        <p14:creationId xmlns:p14="http://schemas.microsoft.com/office/powerpoint/2010/main" val="147757337"/>
       </p:ext>
     </p:extLst>
   </p:cSld>

--- a/examples/atwar/presentation/Kubernetes at war on Azure.pptx
+++ b/examples/atwar/presentation/Kubernetes at war on Azure.pptx
@@ -133,7 +133,7 @@
   </p:defaultTextStyle>
   <p:extLst>
     <p:ext uri="{EFAFB233-063F-42B5-8137-9DF3F51BA10A}">
-      <p15:sldGuideLst xmlns:p15="http://schemas.microsoft.com/office/powerpoint/2012/main">
+      <p15:sldGuideLst xmlns:p15="http://schemas.microsoft.com/office/powerpoint/2012/main" xmlns="">
         <p15:guide id="1" orient="horz" pos="2160">
           <p15:clr>
             <a:srgbClr val="A4A3A4"/>
@@ -450,7 +450,7 @@
           <a:p>
             <a:fld id="{2985609B-2F98-4665-80AE-902D6BB7ECF4}" type="datetimeFigureOut">
               <a:rPr lang="pl-PL" smtClean="0"/>
-              <a:t>23.10.2019</a:t>
+              <a:t>2019-11-02</a:t>
             </a:fld>
             <a:endParaRPr lang="pl-PL"/>
           </a:p>
@@ -625,7 +625,7 @@
           <a:p>
             <a:fld id="{2985609B-2F98-4665-80AE-902D6BB7ECF4}" type="datetimeFigureOut">
               <a:rPr lang="pl-PL" smtClean="0"/>
-              <a:t>23.10.2019</a:t>
+              <a:t>2019-11-02</a:t>
             </a:fld>
             <a:endParaRPr lang="pl-PL"/>
           </a:p>
@@ -800,7 +800,7 @@
           <a:p>
             <a:fld id="{2985609B-2F98-4665-80AE-902D6BB7ECF4}" type="datetimeFigureOut">
               <a:rPr lang="pl-PL" smtClean="0"/>
-              <a:t>23.10.2019</a:t>
+              <a:t>2019-11-02</a:t>
             </a:fld>
             <a:endParaRPr lang="pl-PL"/>
           </a:p>
@@ -975,7 +975,7 @@
           <a:p>
             <a:fld id="{2985609B-2F98-4665-80AE-902D6BB7ECF4}" type="datetimeFigureOut">
               <a:rPr lang="pl-PL" smtClean="0"/>
-              <a:t>23.10.2019</a:t>
+              <a:t>2019-11-02</a:t>
             </a:fld>
             <a:endParaRPr lang="pl-PL"/>
           </a:p>
@@ -1346,7 +1346,7 @@
           <a:p>
             <a:fld id="{2985609B-2F98-4665-80AE-902D6BB7ECF4}" type="datetimeFigureOut">
               <a:rPr lang="pl-PL" smtClean="0"/>
-              <a:t>23.10.2019</a:t>
+              <a:t>2019-11-02</a:t>
             </a:fld>
             <a:endParaRPr lang="pl-PL"/>
           </a:p>
@@ -1607,7 +1607,7 @@
           <a:p>
             <a:fld id="{2985609B-2F98-4665-80AE-902D6BB7ECF4}" type="datetimeFigureOut">
               <a:rPr lang="pl-PL" smtClean="0"/>
-              <a:t>23.10.2019</a:t>
+              <a:t>2019-11-02</a:t>
             </a:fld>
             <a:endParaRPr lang="pl-PL"/>
           </a:p>
@@ -1986,7 +1986,7 @@
           <a:p>
             <a:fld id="{2985609B-2F98-4665-80AE-902D6BB7ECF4}" type="datetimeFigureOut">
               <a:rPr lang="pl-PL" smtClean="0"/>
-              <a:t>23.10.2019</a:t>
+              <a:t>2019-11-02</a:t>
             </a:fld>
             <a:endParaRPr lang="pl-PL"/>
           </a:p>
@@ -2099,7 +2099,7 @@
           <a:p>
             <a:fld id="{2985609B-2F98-4665-80AE-902D6BB7ECF4}" type="datetimeFigureOut">
               <a:rPr lang="pl-PL" smtClean="0"/>
-              <a:t>23.10.2019</a:t>
+              <a:t>2019-11-02</a:t>
             </a:fld>
             <a:endParaRPr lang="pl-PL"/>
           </a:p>
@@ -2271,7 +2271,7 @@
           <a:p>
             <a:fld id="{2985609B-2F98-4665-80AE-902D6BB7ECF4}" type="datetimeFigureOut">
               <a:rPr lang="pl-PL" smtClean="0"/>
-              <a:t>23.10.2019</a:t>
+              <a:t>2019-11-02</a:t>
             </a:fld>
             <a:endParaRPr lang="pl-PL"/>
           </a:p>
@@ -2599,7 +2599,7 @@
           <a:p>
             <a:fld id="{2985609B-2F98-4665-80AE-902D6BB7ECF4}" type="datetimeFigureOut">
               <a:rPr lang="pl-PL" smtClean="0"/>
-              <a:t>23.10.2019</a:t>
+              <a:t>2019-11-02</a:t>
             </a:fld>
             <a:endParaRPr lang="pl-PL"/>
           </a:p>
@@ -2958,7 +2958,7 @@
           <a:p>
             <a:fld id="{2985609B-2F98-4665-80AE-902D6BB7ECF4}" type="datetimeFigureOut">
               <a:rPr lang="pl-PL" smtClean="0"/>
-              <a:t>23.10.2019</a:t>
+              <a:t>2019-11-02</a:t>
             </a:fld>
             <a:endParaRPr lang="pl-PL"/>
           </a:p>
@@ -3364,7 +3364,7 @@
           <a:p>
             <a:fld id="{2985609B-2F98-4665-80AE-902D6BB7ECF4}" type="datetimeFigureOut">
               <a:rPr lang="pl-PL" smtClean="0"/>
-              <a:t>23.10.2019</a:t>
+              <a:t>2019-11-02</a:t>
             </a:fld>
             <a:endParaRPr lang="pl-PL"/>
           </a:p>
@@ -6505,14 +6505,14 @@
                 <a:gridCol w="3299460">
                   <a:extLst>
                     <a:ext uri="{9D8B030D-6E8A-4147-A177-3AD203B41FA5}">
-                      <a16:colId xmlns:a16="http://schemas.microsoft.com/office/drawing/2014/main" val="20000"/>
+                      <a16:colId xmlns:a16="http://schemas.microsoft.com/office/drawing/2014/main" xmlns="" val="20000"/>
                     </a:ext>
                   </a:extLst>
                 </a:gridCol>
                 <a:gridCol w="3299460">
                   <a:extLst>
                     <a:ext uri="{9D8B030D-6E8A-4147-A177-3AD203B41FA5}">
-                      <a16:colId xmlns:a16="http://schemas.microsoft.com/office/drawing/2014/main" val="20001"/>
+                      <a16:colId xmlns:a16="http://schemas.microsoft.com/office/drawing/2014/main" xmlns="" val="20001"/>
                     </a:ext>
                   </a:extLst>
                 </a:gridCol>
@@ -6726,7 +6726,7 @@
                 </a:tc>
                 <a:extLst>
                   <a:ext uri="{0D108BD9-81ED-4DB2-BD59-A6C34878D82A}">
-                    <a16:rowId xmlns:a16="http://schemas.microsoft.com/office/drawing/2014/main" val="10000"/>
+                    <a16:rowId xmlns:a16="http://schemas.microsoft.com/office/drawing/2014/main" xmlns="" val="10000"/>
                   </a:ext>
                 </a:extLst>
               </a:tr>
@@ -6760,14 +6760,14 @@
                 <a:gridCol w="3299460">
                   <a:extLst>
                     <a:ext uri="{9D8B030D-6E8A-4147-A177-3AD203B41FA5}">
-                      <a16:colId xmlns:a16="http://schemas.microsoft.com/office/drawing/2014/main" val="20000"/>
+                      <a16:colId xmlns:a16="http://schemas.microsoft.com/office/drawing/2014/main" xmlns="" val="20000"/>
                     </a:ext>
                   </a:extLst>
                 </a:gridCol>
                 <a:gridCol w="3299460">
                   <a:extLst>
                     <a:ext uri="{9D8B030D-6E8A-4147-A177-3AD203B41FA5}">
-                      <a16:colId xmlns:a16="http://schemas.microsoft.com/office/drawing/2014/main" val="20001"/>
+                      <a16:colId xmlns:a16="http://schemas.microsoft.com/office/drawing/2014/main" xmlns="" val="20001"/>
                     </a:ext>
                   </a:extLst>
                 </a:gridCol>
@@ -6897,7 +6897,7 @@
                 </a:tc>
                 <a:extLst>
                   <a:ext uri="{0D108BD9-81ED-4DB2-BD59-A6C34878D82A}">
-                    <a16:rowId xmlns:a16="http://schemas.microsoft.com/office/drawing/2014/main" val="10000"/>
+                    <a16:rowId xmlns:a16="http://schemas.microsoft.com/office/drawing/2014/main" xmlns="" val="10000"/>
                   </a:ext>
                 </a:extLst>
               </a:tr>
@@ -7014,7 +7014,7 @@
                 </a:tc>
                 <a:extLst>
                   <a:ext uri="{0D108BD9-81ED-4DB2-BD59-A6C34878D82A}">
-                    <a16:rowId xmlns:a16="http://schemas.microsoft.com/office/drawing/2014/main" val="10001"/>
+                    <a16:rowId xmlns:a16="http://schemas.microsoft.com/office/drawing/2014/main" xmlns="" val="10001"/>
                   </a:ext>
                 </a:extLst>
               </a:tr>
@@ -7147,7 +7147,15 @@
             </a:r>
             <a:r>
               <a:rPr lang="en-US" dirty="0"/>
-              <a:t>holds professional certificates: MCP, MCSA: SQL Server 2012/2014, MCSE: Data Management and Analytics, MCSA: Cloud Platform, MCSE: Cloud Platform and Infrastructure , MPP Data Science , Microsoft Certified: Azure Administrator Associate , Microsoft Certified: Azure Data Scientist Associate</a:t>
+              <a:t>holds professional certificates: MCP, MCSA: SQL Server 2012/2014, MCSE: Data Management and Analytics, MCSA: Cloud Platform, MCSE: Cloud Platform and Infrastructure , MPP Data Science , Microsoft Certified: Azure Administrator Associate , </a:t>
+            </a:r>
+            <a:r>
+              <a:rPr lang="en-US" dirty="0" smtClean="0"/>
+              <a:t>Microsoft </a:t>
+            </a:r>
+            <a:r>
+              <a:rPr lang="en-US" dirty="0"/>
+              <a:t>Certified: Azure Data Scientist Associate</a:t>
             </a:r>
             <a:endParaRPr lang="pl-PL" dirty="0"/>
           </a:p>
@@ -7196,6 +7204,60 @@
           </a:p>
         </p:txBody>
       </p:sp>
+      <p:pic>
+        <p:nvPicPr>
+          <p:cNvPr id="1027" name="Picture 3"/>
+          <p:cNvPicPr>
+            <a:picLocks noChangeAspect="1" noChangeArrowheads="1"/>
+          </p:cNvPicPr>
+          <p:nvPr/>
+        </p:nvPicPr>
+        <p:blipFill>
+          <a:blip r:embed="rId2" cstate="print">
+            <a:extLst>
+              <a:ext uri="{28A0092B-C50C-407E-A947-70E740481C1C}">
+                <a14:useLocalDpi xmlns:a14="http://schemas.microsoft.com/office/drawing/2010/main" val="0"/>
+              </a:ext>
+            </a:extLst>
+          </a:blip>
+          <a:srcRect/>
+          <a:stretch>
+            <a:fillRect/>
+          </a:stretch>
+        </p:blipFill>
+        <p:spPr bwMode="auto">
+          <a:xfrm>
+            <a:off x="7065851" y="3789040"/>
+            <a:ext cx="1359260" cy="2083126"/>
+          </a:xfrm>
+          <a:prstGeom prst="rect">
+            <a:avLst/>
+          </a:prstGeom>
+          <a:noFill/>
+          <a:ln>
+            <a:noFill/>
+          </a:ln>
+          <a:extLst>
+            <a:ext uri="{909E8E84-426E-40DD-AFC4-6F175D3DCCD1}">
+              <a14:hiddenFill xmlns:a14="http://schemas.microsoft.com/office/drawing/2010/main">
+                <a:solidFill>
+                  <a:schemeClr val="accent1"/>
+                </a:solidFill>
+              </a14:hiddenFill>
+            </a:ext>
+            <a:ext uri="{91240B29-F687-4F45-9708-019B960494DF}">
+              <a14:hiddenLine xmlns:a14="http://schemas.microsoft.com/office/drawing/2010/main" w="9525">
+                <a:solidFill>
+                  <a:schemeClr val="tx1"/>
+                </a:solidFill>
+                <a:miter lim="800000"/>
+                <a:headEnd/>
+                <a:tailEnd/>
+              </a14:hiddenLine>
+            </a:ext>
+          </a:extLst>
+        </p:spPr>
+      </p:pic>
     </p:spTree>
     <p:extLst>
       <p:ext uri="{BB962C8B-B14F-4D97-AF65-F5344CB8AC3E}">
@@ -8777,7 +8839,7 @@
           <p:cNvPr id="2" name="Tytuł 1">
             <a:extLst>
               <a:ext uri="{FF2B5EF4-FFF2-40B4-BE49-F238E27FC236}">
-                <a16:creationId xmlns:a16="http://schemas.microsoft.com/office/drawing/2014/main" id="{E2B3E769-EA3D-4BD1-90C7-29852D33D2B0}"/>
+                <a16:creationId xmlns:a16="http://schemas.microsoft.com/office/drawing/2014/main" xmlns="" id="{E2B3E769-EA3D-4BD1-90C7-29852D33D2B0}"/>
               </a:ext>
             </a:extLst>
           </p:cNvPr>
@@ -8828,7 +8890,7 @@
           <p:cNvPr id="3" name="Symbol zastępczy zawartości 2">
             <a:extLst>
               <a:ext uri="{FF2B5EF4-FFF2-40B4-BE49-F238E27FC236}">
-                <a16:creationId xmlns:a16="http://schemas.microsoft.com/office/drawing/2014/main" id="{9F21D483-75C8-43CA-B656-D5F42F9B6948}"/>
+                <a16:creationId xmlns:a16="http://schemas.microsoft.com/office/drawing/2014/main" xmlns="" id="{9F21D483-75C8-43CA-B656-D5F42F9B6948}"/>
               </a:ext>
             </a:extLst>
           </p:cNvPr>
@@ -8986,7 +9048,7 @@
           <p:cNvPr id="2" name="Tytuł 1">
             <a:extLst>
               <a:ext uri="{FF2B5EF4-FFF2-40B4-BE49-F238E27FC236}">
-                <a16:creationId xmlns:a16="http://schemas.microsoft.com/office/drawing/2014/main" id="{52954B61-983B-4682-A8E2-0BA9EE32C422}"/>
+                <a16:creationId xmlns:a16="http://schemas.microsoft.com/office/drawing/2014/main" xmlns="" id="{52954B61-983B-4682-A8E2-0BA9EE32C422}"/>
               </a:ext>
             </a:extLst>
           </p:cNvPr>
@@ -9023,7 +9085,7 @@
           <p:cNvPr id="3" name="Symbol zastępczy zawartości 2">
             <a:extLst>
               <a:ext uri="{FF2B5EF4-FFF2-40B4-BE49-F238E27FC236}">
-                <a16:creationId xmlns:a16="http://schemas.microsoft.com/office/drawing/2014/main" id="{98C5E178-F058-4CD3-9551-9408EA728AF3}"/>
+                <a16:creationId xmlns:a16="http://schemas.microsoft.com/office/drawing/2014/main" xmlns="" id="{98C5E178-F058-4CD3-9551-9408EA728AF3}"/>
               </a:ext>
             </a:extLst>
           </p:cNvPr>
@@ -9118,6 +9180,10 @@
             <a:r>
               <a:rPr lang="pl-PL" dirty="0" err="1"/>
               <a:t>minutes</a:t>
+            </a:r>
+            <a:r>
+              <a:rPr lang="pl-PL" dirty="0"/>
+              <a:t/>
             </a:r>
             <a:br>
               <a:rPr lang="pl-PL" dirty="0"/>
